--- a/docs/overview/SoftwareArchitecture.pptx
+++ b/docs/overview/SoftwareArchitecture.pptx
@@ -5,13 +5,15 @@
     <p:sldMasterId id="2147483660" r:id="rId1"/>
   </p:sldMasterIdLst>
   <p:notesMasterIdLst>
-    <p:notesMasterId r:id="rId6"/>
+    <p:notesMasterId r:id="rId8"/>
   </p:notesMasterIdLst>
   <p:sldIdLst>
     <p:sldId id="258" r:id="rId2"/>
     <p:sldId id="259" r:id="rId3"/>
     <p:sldId id="260" r:id="rId4"/>
     <p:sldId id="257" r:id="rId5"/>
+    <p:sldId id="261" r:id="rId6"/>
+    <p:sldId id="265" r:id="rId7"/>
   </p:sldIdLst>
   <p:sldSz cx="12192000" cy="6858000"/>
   <p:notesSz cx="6858000" cy="9144000"/>
@@ -110,6 +112,14 @@
       </a:defRPr>
     </a:lvl9pPr>
   </p:defaultTextStyle>
+  <p:extLst>
+    <p:ext uri="{EFAFB233-063F-42B5-8137-9DF3F51BA10A}">
+      <p15:sldGuideLst xmlns:p15="http://schemas.microsoft.com/office/powerpoint/2012/main"/>
+    </p:ext>
+    <p:ext uri="{2D200454-40CA-4A62-9FC3-DE9A4176ACB9}">
+      <p15:notesGuideLst xmlns:p15="http://schemas.microsoft.com/office/powerpoint/2012/main"/>
+    </p:ext>
+  </p:extLst>
 </p:presentation>
 </file>
 
@@ -195,7 +205,7 @@
           <a:p>
             <a:fld id="{4E55D321-AD45-45AE-BD8C-E85B2B67AF1A}" type="datetimeFigureOut">
               <a:rPr lang="en-US" smtClean="0"/>
-              <a:t>5/14/2018</a:t>
+              <a:t>5/16/2018</a:t>
             </a:fld>
             <a:endParaRPr lang="en-US"/>
           </a:p>
@@ -1029,6 +1039,294 @@
     <p:extLst>
       <p:ext uri="{BB962C8B-B14F-4D97-AF65-F5344CB8AC3E}">
         <p14:creationId xmlns:p14="http://schemas.microsoft.com/office/powerpoint/2010/main" val="3454892076"/>
+      </p:ext>
+    </p:extLst>
+  </p:cSld>
+  <p:clrMapOvr>
+    <a:masterClrMapping/>
+  </p:clrMapOvr>
+</p:notes>
+</file>
+
+<file path=ppt/notesSlides/notesSlide5.xml><?xml version="1.0" encoding="utf-8"?>
+<p:notes xmlns:a="http://schemas.openxmlformats.org/drawingml/2006/main" xmlns:r="http://schemas.openxmlformats.org/officeDocument/2006/relationships" xmlns:p="http://schemas.openxmlformats.org/presentationml/2006/main">
+  <p:cSld>
+    <p:spTree>
+      <p:nvGrpSpPr>
+        <p:cNvPr id="1" name=""/>
+        <p:cNvGrpSpPr/>
+        <p:nvPr/>
+      </p:nvGrpSpPr>
+      <p:grpSpPr>
+        <a:xfrm>
+          <a:off x="0" y="0"/>
+          <a:ext cx="0" cy="0"/>
+          <a:chOff x="0" y="0"/>
+          <a:chExt cx="0" cy="0"/>
+        </a:xfrm>
+      </p:grpSpPr>
+      <p:sp>
+        <p:nvSpPr>
+          <p:cNvPr id="2" name="Slide Image Placeholder 1"/>
+          <p:cNvSpPr>
+            <a:spLocks noGrp="1" noRot="1" noChangeAspect="1"/>
+          </p:cNvSpPr>
+          <p:nvPr>
+            <p:ph type="sldImg"/>
+          </p:nvPr>
+        </p:nvSpPr>
+        <p:spPr/>
+      </p:sp>
+      <p:sp>
+        <p:nvSpPr>
+          <p:cNvPr id="3" name="Notes Placeholder 2"/>
+          <p:cNvSpPr>
+            <a:spLocks noGrp="1"/>
+          </p:cNvSpPr>
+          <p:nvPr>
+            <p:ph type="body" idx="1"/>
+          </p:nvPr>
+        </p:nvSpPr>
+        <p:spPr/>
+        <p:txBody>
+          <a:bodyPr/>
+          <a:lstStyle/>
+          <a:p>
+            <a:endParaRPr lang="en-US" dirty="0"/>
+          </a:p>
+        </p:txBody>
+      </p:sp>
+      <p:sp>
+        <p:nvSpPr>
+          <p:cNvPr id="4" name="Slide Number Placeholder 3"/>
+          <p:cNvSpPr>
+            <a:spLocks noGrp="1"/>
+          </p:cNvSpPr>
+          <p:nvPr>
+            <p:ph type="sldNum" sz="quarter" idx="10"/>
+          </p:nvPr>
+        </p:nvSpPr>
+        <p:spPr/>
+        <p:txBody>
+          <a:bodyPr/>
+          <a:lstStyle/>
+          <a:p>
+            <a:pPr marL="0" marR="0" lvl="0" indent="0" algn="r" defTabSz="914400" rtl="0" eaLnBrk="1" fontAlgn="auto" latinLnBrk="0" hangingPunct="1">
+              <a:lnSpc>
+                <a:spcPct val="100000"/>
+              </a:lnSpc>
+              <a:spcBef>
+                <a:spcPts val="0"/>
+              </a:spcBef>
+              <a:spcAft>
+                <a:spcPts val="0"/>
+              </a:spcAft>
+              <a:buClrTx/>
+              <a:buSzTx/>
+              <a:buFontTx/>
+              <a:buNone/>
+              <a:tabLst/>
+              <a:defRPr/>
+            </a:pPr>
+            <a:fld id="{5A759874-2F11-4582-8757-D26ED139F31A}" type="slidenum">
+              <a:rPr kumimoji="0" lang="en-US" sz="1200" b="0" i="0" u="none" strike="noStrike" kern="1200" cap="none" spc="0" normalizeH="0" baseline="0" noProof="0" smtClean="0">
+                <a:ln>
+                  <a:noFill/>
+                </a:ln>
+                <a:solidFill>
+                  <a:prstClr val="black"/>
+                </a:solidFill>
+                <a:effectLst/>
+                <a:uLnTx/>
+                <a:uFillTx/>
+                <a:latin typeface="Calibri" panose="020F0502020204030204"/>
+                <a:ea typeface="+mn-ea"/>
+                <a:cs typeface="+mn-cs"/>
+              </a:rPr>
+              <a:pPr marL="0" marR="0" lvl="0" indent="0" algn="r" defTabSz="914400" rtl="0" eaLnBrk="1" fontAlgn="auto" latinLnBrk="0" hangingPunct="1">
+                <a:lnSpc>
+                  <a:spcPct val="100000"/>
+                </a:lnSpc>
+                <a:spcBef>
+                  <a:spcPts val="0"/>
+                </a:spcBef>
+                <a:spcAft>
+                  <a:spcPts val="0"/>
+                </a:spcAft>
+                <a:buClrTx/>
+                <a:buSzTx/>
+                <a:buFontTx/>
+                <a:buNone/>
+                <a:tabLst/>
+                <a:defRPr/>
+              </a:pPr>
+              <a:t>5</a:t>
+            </a:fld>
+            <a:endParaRPr kumimoji="0" lang="en-US" sz="1200" b="0" i="0" u="none" strike="noStrike" kern="1200" cap="none" spc="0" normalizeH="0" baseline="0" noProof="0">
+              <a:ln>
+                <a:noFill/>
+              </a:ln>
+              <a:solidFill>
+                <a:prstClr val="black"/>
+              </a:solidFill>
+              <a:effectLst/>
+              <a:uLnTx/>
+              <a:uFillTx/>
+              <a:latin typeface="Calibri" panose="020F0502020204030204"/>
+              <a:ea typeface="+mn-ea"/>
+              <a:cs typeface="+mn-cs"/>
+            </a:endParaRPr>
+          </a:p>
+        </p:txBody>
+      </p:sp>
+    </p:spTree>
+    <p:extLst>
+      <p:ext uri="{BB962C8B-B14F-4D97-AF65-F5344CB8AC3E}">
+        <p14:creationId xmlns:p14="http://schemas.microsoft.com/office/powerpoint/2010/main" val="109756159"/>
+      </p:ext>
+    </p:extLst>
+  </p:cSld>
+  <p:clrMapOvr>
+    <a:masterClrMapping/>
+  </p:clrMapOvr>
+</p:notes>
+</file>
+
+<file path=ppt/notesSlides/notesSlide6.xml><?xml version="1.0" encoding="utf-8"?>
+<p:notes xmlns:a="http://schemas.openxmlformats.org/drawingml/2006/main" xmlns:r="http://schemas.openxmlformats.org/officeDocument/2006/relationships" xmlns:p="http://schemas.openxmlformats.org/presentationml/2006/main">
+  <p:cSld>
+    <p:spTree>
+      <p:nvGrpSpPr>
+        <p:cNvPr id="1" name=""/>
+        <p:cNvGrpSpPr/>
+        <p:nvPr/>
+      </p:nvGrpSpPr>
+      <p:grpSpPr>
+        <a:xfrm>
+          <a:off x="0" y="0"/>
+          <a:ext cx="0" cy="0"/>
+          <a:chOff x="0" y="0"/>
+          <a:chExt cx="0" cy="0"/>
+        </a:xfrm>
+      </p:grpSpPr>
+      <p:sp>
+        <p:nvSpPr>
+          <p:cNvPr id="2" name="Slide Image Placeholder 1"/>
+          <p:cNvSpPr>
+            <a:spLocks noGrp="1" noRot="1" noChangeAspect="1"/>
+          </p:cNvSpPr>
+          <p:nvPr>
+            <p:ph type="sldImg"/>
+          </p:nvPr>
+        </p:nvSpPr>
+        <p:spPr/>
+      </p:sp>
+      <p:sp>
+        <p:nvSpPr>
+          <p:cNvPr id="3" name="Notes Placeholder 2"/>
+          <p:cNvSpPr>
+            <a:spLocks noGrp="1"/>
+          </p:cNvSpPr>
+          <p:nvPr>
+            <p:ph type="body" idx="1"/>
+          </p:nvPr>
+        </p:nvSpPr>
+        <p:spPr/>
+        <p:txBody>
+          <a:bodyPr/>
+          <a:lstStyle/>
+          <a:p>
+            <a:endParaRPr lang="en-US" dirty="0"/>
+          </a:p>
+        </p:txBody>
+      </p:sp>
+      <p:sp>
+        <p:nvSpPr>
+          <p:cNvPr id="4" name="Slide Number Placeholder 3"/>
+          <p:cNvSpPr>
+            <a:spLocks noGrp="1"/>
+          </p:cNvSpPr>
+          <p:nvPr>
+            <p:ph type="sldNum" sz="quarter" idx="10"/>
+          </p:nvPr>
+        </p:nvSpPr>
+        <p:spPr/>
+        <p:txBody>
+          <a:bodyPr/>
+          <a:lstStyle/>
+          <a:p>
+            <a:pPr marL="0" marR="0" lvl="0" indent="0" algn="r" defTabSz="914400" rtl="0" eaLnBrk="1" fontAlgn="auto" latinLnBrk="0" hangingPunct="1">
+              <a:lnSpc>
+                <a:spcPct val="100000"/>
+              </a:lnSpc>
+              <a:spcBef>
+                <a:spcPts val="0"/>
+              </a:spcBef>
+              <a:spcAft>
+                <a:spcPts val="0"/>
+              </a:spcAft>
+              <a:buClrTx/>
+              <a:buSzTx/>
+              <a:buFontTx/>
+              <a:buNone/>
+              <a:tabLst/>
+              <a:defRPr/>
+            </a:pPr>
+            <a:fld id="{5A759874-2F11-4582-8757-D26ED139F31A}" type="slidenum">
+              <a:rPr kumimoji="0" lang="en-US" sz="1200" b="0" i="0" u="none" strike="noStrike" kern="1200" cap="none" spc="0" normalizeH="0" baseline="0" noProof="0" smtClean="0">
+                <a:ln>
+                  <a:noFill/>
+                </a:ln>
+                <a:solidFill>
+                  <a:prstClr val="black"/>
+                </a:solidFill>
+                <a:effectLst/>
+                <a:uLnTx/>
+                <a:uFillTx/>
+                <a:latin typeface="Calibri" panose="020F0502020204030204"/>
+                <a:ea typeface="+mn-ea"/>
+                <a:cs typeface="+mn-cs"/>
+              </a:rPr>
+              <a:pPr marL="0" marR="0" lvl="0" indent="0" algn="r" defTabSz="914400" rtl="0" eaLnBrk="1" fontAlgn="auto" latinLnBrk="0" hangingPunct="1">
+                <a:lnSpc>
+                  <a:spcPct val="100000"/>
+                </a:lnSpc>
+                <a:spcBef>
+                  <a:spcPts val="0"/>
+                </a:spcBef>
+                <a:spcAft>
+                  <a:spcPts val="0"/>
+                </a:spcAft>
+                <a:buClrTx/>
+                <a:buSzTx/>
+                <a:buFontTx/>
+                <a:buNone/>
+                <a:tabLst/>
+                <a:defRPr/>
+              </a:pPr>
+              <a:t>6</a:t>
+            </a:fld>
+            <a:endParaRPr kumimoji="0" lang="en-US" sz="1200" b="0" i="0" u="none" strike="noStrike" kern="1200" cap="none" spc="0" normalizeH="0" baseline="0" noProof="0">
+              <a:ln>
+                <a:noFill/>
+              </a:ln>
+              <a:solidFill>
+                <a:prstClr val="black"/>
+              </a:solidFill>
+              <a:effectLst/>
+              <a:uLnTx/>
+              <a:uFillTx/>
+              <a:latin typeface="Calibri" panose="020F0502020204030204"/>
+              <a:ea typeface="+mn-ea"/>
+              <a:cs typeface="+mn-cs"/>
+            </a:endParaRPr>
+          </a:p>
+        </p:txBody>
+      </p:sp>
+    </p:spTree>
+    <p:extLst>
+      <p:ext uri="{BB962C8B-B14F-4D97-AF65-F5344CB8AC3E}">
+        <p14:creationId xmlns:p14="http://schemas.microsoft.com/office/powerpoint/2010/main" val="2111117055"/>
       </p:ext>
     </p:extLst>
   </p:cSld>
@@ -7140,278 +7438,18 @@
   <p:clrMapOvr>
     <a:masterClrMapping/>
   </p:clrMapOvr>
-  <mc:AlternateContent xmlns:mc="http://schemas.openxmlformats.org/markup-compatibility/2006" xmlns:p159="http://schemas.microsoft.com/office/powerpoint/2015/09/main">
-    <mc:Choice Requires="p159">
-      <p:transition xmlns:p14="http://schemas.microsoft.com/office/powerpoint/2010/main" spd="slow" p14:dur="2000">
-        <p159:morph option="byObject"/>
+  <mc:AlternateContent xmlns:mc="http://schemas.openxmlformats.org/markup-compatibility/2006" xmlns:p14="http://schemas.microsoft.com/office/powerpoint/2010/main">
+    <mc:Choice Requires="p14">
+      <p:transition spd="med" p14:dur="700">
+        <p:fade/>
       </p:transition>
     </mc:Choice>
     <mc:Fallback xmlns="">
-      <p:transition spd="slow">
+      <p:transition spd="med">
         <p:fade/>
       </p:transition>
     </mc:Fallback>
   </mc:AlternateContent>
-  <p:timing>
-    <p:tnLst>
-      <p:par>
-        <p:cTn id="1" dur="indefinite" restart="never" nodeType="tmRoot">
-          <p:childTnLst>
-            <p:seq concurrent="1" nextAc="seek">
-              <p:cTn id="2" dur="indefinite" nodeType="mainSeq">
-                <p:childTnLst>
-                  <p:par>
-                    <p:cTn id="3" fill="hold">
-                      <p:stCondLst>
-                        <p:cond delay="indefinite"/>
-                      </p:stCondLst>
-                      <p:childTnLst>
-                        <p:par>
-                          <p:cTn id="4" fill="hold">
-                            <p:stCondLst>
-                              <p:cond delay="0"/>
-                            </p:stCondLst>
-                            <p:childTnLst>
-                              <p:par>
-                                <p:cTn id="5" presetID="1" presetClass="entr" presetSubtype="0" fill="hold" nodeType="clickEffect">
-                                  <p:stCondLst>
-                                    <p:cond delay="0"/>
-                                  </p:stCondLst>
-                                  <p:childTnLst>
-                                    <p:set>
-                                      <p:cBhvr>
-                                        <p:cTn id="6" dur="1" fill="hold">
-                                          <p:stCondLst>
-                                            <p:cond delay="0"/>
-                                          </p:stCondLst>
-                                        </p:cTn>
-                                        <p:tgtEl>
-                                          <p:spTgt spid="3"/>
-                                        </p:tgtEl>
-                                        <p:attrNameLst>
-                                          <p:attrName>style.visibility</p:attrName>
-                                        </p:attrNameLst>
-                                      </p:cBhvr>
-                                      <p:to>
-                                        <p:strVal val="visible"/>
-                                      </p:to>
-                                    </p:set>
-                                  </p:childTnLst>
-                                </p:cTn>
-                              </p:par>
-                            </p:childTnLst>
-                          </p:cTn>
-                        </p:par>
-                      </p:childTnLst>
-                    </p:cTn>
-                  </p:par>
-                  <p:par>
-                    <p:cTn id="7" fill="hold">
-                      <p:stCondLst>
-                        <p:cond delay="indefinite"/>
-                      </p:stCondLst>
-                      <p:childTnLst>
-                        <p:par>
-                          <p:cTn id="8" fill="hold">
-                            <p:stCondLst>
-                              <p:cond delay="0"/>
-                            </p:stCondLst>
-                            <p:childTnLst>
-                              <p:par>
-                                <p:cTn id="9" presetID="1" presetClass="entr" presetSubtype="0" fill="hold" grpId="0" nodeType="clickEffect">
-                                  <p:stCondLst>
-                                    <p:cond delay="0"/>
-                                  </p:stCondLst>
-                                  <p:childTnLst>
-                                    <p:set>
-                                      <p:cBhvr>
-                                        <p:cTn id="10" dur="1" fill="hold">
-                                          <p:stCondLst>
-                                            <p:cond delay="0"/>
-                                          </p:stCondLst>
-                                        </p:cTn>
-                                        <p:tgtEl>
-                                          <p:spTgt spid="78"/>
-                                        </p:tgtEl>
-                                        <p:attrNameLst>
-                                          <p:attrName>style.visibility</p:attrName>
-                                        </p:attrNameLst>
-                                      </p:cBhvr>
-                                      <p:to>
-                                        <p:strVal val="visible"/>
-                                      </p:to>
-                                    </p:set>
-                                  </p:childTnLst>
-                                </p:cTn>
-                              </p:par>
-                            </p:childTnLst>
-                          </p:cTn>
-                        </p:par>
-                      </p:childTnLst>
-                    </p:cTn>
-                  </p:par>
-                  <p:par>
-                    <p:cTn id="11" fill="hold">
-                      <p:stCondLst>
-                        <p:cond delay="indefinite"/>
-                      </p:stCondLst>
-                      <p:childTnLst>
-                        <p:par>
-                          <p:cTn id="12" fill="hold">
-                            <p:stCondLst>
-                              <p:cond delay="0"/>
-                            </p:stCondLst>
-                            <p:childTnLst>
-                              <p:par>
-                                <p:cTn id="13" presetID="1" presetClass="entr" presetSubtype="0" fill="hold" nodeType="clickEffect">
-                                  <p:stCondLst>
-                                    <p:cond delay="0"/>
-                                  </p:stCondLst>
-                                  <p:childTnLst>
-                                    <p:set>
-                                      <p:cBhvr>
-                                        <p:cTn id="14" dur="1" fill="hold">
-                                          <p:stCondLst>
-                                            <p:cond delay="0"/>
-                                          </p:stCondLst>
-                                        </p:cTn>
-                                        <p:tgtEl>
-                                          <p:spTgt spid="87"/>
-                                        </p:tgtEl>
-                                        <p:attrNameLst>
-                                          <p:attrName>style.visibility</p:attrName>
-                                        </p:attrNameLst>
-                                      </p:cBhvr>
-                                      <p:to>
-                                        <p:strVal val="visible"/>
-                                      </p:to>
-                                    </p:set>
-                                  </p:childTnLst>
-                                </p:cTn>
-                              </p:par>
-                            </p:childTnLst>
-                          </p:cTn>
-                        </p:par>
-                      </p:childTnLst>
-                    </p:cTn>
-                  </p:par>
-                  <p:par>
-                    <p:cTn id="15" fill="hold">
-                      <p:stCondLst>
-                        <p:cond delay="indefinite"/>
-                      </p:stCondLst>
-                      <p:childTnLst>
-                        <p:par>
-                          <p:cTn id="16" fill="hold">
-                            <p:stCondLst>
-                              <p:cond delay="0"/>
-                            </p:stCondLst>
-                            <p:childTnLst>
-                              <p:par>
-                                <p:cTn id="17" presetID="1" presetClass="entr" presetSubtype="0" fill="hold" grpId="0" nodeType="clickEffect">
-                                  <p:stCondLst>
-                                    <p:cond delay="0"/>
-                                  </p:stCondLst>
-                                  <p:childTnLst>
-                                    <p:set>
-                                      <p:cBhvr>
-                                        <p:cTn id="18" dur="1" fill="hold">
-                                          <p:stCondLst>
-                                            <p:cond delay="0"/>
-                                          </p:stCondLst>
-                                        </p:cTn>
-                                        <p:tgtEl>
-                                          <p:spTgt spid="110"/>
-                                        </p:tgtEl>
-                                        <p:attrNameLst>
-                                          <p:attrName>style.visibility</p:attrName>
-                                        </p:attrNameLst>
-                                      </p:cBhvr>
-                                      <p:to>
-                                        <p:strVal val="visible"/>
-                                      </p:to>
-                                    </p:set>
-                                  </p:childTnLst>
-                                </p:cTn>
-                              </p:par>
-                            </p:childTnLst>
-                          </p:cTn>
-                        </p:par>
-                      </p:childTnLst>
-                    </p:cTn>
-                  </p:par>
-                  <p:par>
-                    <p:cTn id="19" fill="hold">
-                      <p:stCondLst>
-                        <p:cond delay="indefinite"/>
-                      </p:stCondLst>
-                      <p:childTnLst>
-                        <p:par>
-                          <p:cTn id="20" fill="hold">
-                            <p:stCondLst>
-                              <p:cond delay="0"/>
-                            </p:stCondLst>
-                            <p:childTnLst>
-                              <p:par>
-                                <p:cTn id="21" presetID="1" presetClass="entr" presetSubtype="0" fill="hold" grpId="0" nodeType="clickEffect">
-                                  <p:stCondLst>
-                                    <p:cond delay="0"/>
-                                  </p:stCondLst>
-                                  <p:childTnLst>
-                                    <p:set>
-                                      <p:cBhvr>
-                                        <p:cTn id="22" dur="1" fill="hold">
-                                          <p:stCondLst>
-                                            <p:cond delay="0"/>
-                                          </p:stCondLst>
-                                        </p:cTn>
-                                        <p:tgtEl>
-                                          <p:spTgt spid="109"/>
-                                        </p:tgtEl>
-                                        <p:attrNameLst>
-                                          <p:attrName>style.visibility</p:attrName>
-                                        </p:attrNameLst>
-                                      </p:cBhvr>
-                                      <p:to>
-                                        <p:strVal val="visible"/>
-                                      </p:to>
-                                    </p:set>
-                                  </p:childTnLst>
-                                </p:cTn>
-                              </p:par>
-                            </p:childTnLst>
-                          </p:cTn>
-                        </p:par>
-                      </p:childTnLst>
-                    </p:cTn>
-                  </p:par>
-                </p:childTnLst>
-              </p:cTn>
-              <p:prevCondLst>
-                <p:cond evt="onPrev" delay="0">
-                  <p:tgtEl>
-                    <p:sldTgt/>
-                  </p:tgtEl>
-                </p:cond>
-              </p:prevCondLst>
-              <p:nextCondLst>
-                <p:cond evt="onNext" delay="0">
-                  <p:tgtEl>
-                    <p:sldTgt/>
-                  </p:tgtEl>
-                </p:cond>
-              </p:nextCondLst>
-            </p:seq>
-          </p:childTnLst>
-        </p:cTn>
-      </p:par>
-    </p:tnLst>
-    <p:bldLst>
-      <p:bldP spid="78" grpId="0"/>
-      <p:bldP spid="109" grpId="0"/>
-      <p:bldP spid="110" grpId="0"/>
-    </p:bldLst>
-  </p:timing>
 </p:sld>
 </file>
 
@@ -9501,14 +9539,14 @@
   <p:clrMapOvr>
     <a:masterClrMapping/>
   </p:clrMapOvr>
-  <mc:AlternateContent xmlns:mc="http://schemas.openxmlformats.org/markup-compatibility/2006" xmlns:p159="http://schemas.microsoft.com/office/powerpoint/2015/09/main">
-    <mc:Choice Requires="p159">
-      <p:transition xmlns:p14="http://schemas.microsoft.com/office/powerpoint/2010/main" spd="slow" p14:dur="2000">
-        <p159:morph option="byObject"/>
+  <mc:AlternateContent xmlns:mc="http://schemas.openxmlformats.org/markup-compatibility/2006" xmlns:p14="http://schemas.microsoft.com/office/powerpoint/2010/main">
+    <mc:Choice Requires="p14">
+      <p:transition spd="med" p14:dur="700">
+        <p:fade/>
       </p:transition>
     </mc:Choice>
     <mc:Fallback xmlns="">
-      <p:transition spd="slow">
+      <p:transition spd="med">
         <p:fade/>
       </p:transition>
     </mc:Fallback>
@@ -11810,14 +11848,14 @@
   <p:clrMapOvr>
     <a:masterClrMapping/>
   </p:clrMapOvr>
-  <mc:AlternateContent xmlns:mc="http://schemas.openxmlformats.org/markup-compatibility/2006" xmlns:p159="http://schemas.microsoft.com/office/powerpoint/2015/09/main">
-    <mc:Choice Requires="p159">
-      <p:transition xmlns:p14="http://schemas.microsoft.com/office/powerpoint/2010/main" spd="slow" p14:dur="2000">
-        <p159:morph option="byObject"/>
+  <mc:AlternateContent xmlns:mc="http://schemas.openxmlformats.org/markup-compatibility/2006" xmlns:p14="http://schemas.microsoft.com/office/powerpoint/2010/main">
+    <mc:Choice Requires="p14">
+      <p:transition spd="med" p14:dur="700">
+        <p:fade/>
       </p:transition>
     </mc:Choice>
     <mc:Fallback xmlns="">
-      <p:transition spd="slow">
+      <p:transition spd="med">
         <p:fade/>
       </p:transition>
     </mc:Fallback>
@@ -18200,14 +18238,6330 @@
   <p:clrMapOvr>
     <a:masterClrMapping/>
   </p:clrMapOvr>
-  <mc:AlternateContent xmlns:mc="http://schemas.openxmlformats.org/markup-compatibility/2006" xmlns:p159="http://schemas.microsoft.com/office/powerpoint/2015/09/main">
-    <mc:Choice Requires="p159">
-      <p:transition xmlns:p14="http://schemas.microsoft.com/office/powerpoint/2010/main" spd="slow" p14:dur="2000">
-        <p159:morph option="byObject"/>
+  <mc:AlternateContent xmlns:mc="http://schemas.openxmlformats.org/markup-compatibility/2006" xmlns:p14="http://schemas.microsoft.com/office/powerpoint/2010/main">
+    <mc:Choice Requires="p14">
+      <p:transition spd="med" p14:dur="700">
+        <p:fade/>
       </p:transition>
     </mc:Choice>
     <mc:Fallback xmlns="">
-      <p:transition spd="slow">
+      <p:transition spd="med">
+        <p:fade/>
+      </p:transition>
+    </mc:Fallback>
+  </mc:AlternateContent>
+</p:sld>
+</file>
+
+<file path=ppt/slides/slide5.xml><?xml version="1.0" encoding="utf-8"?>
+<p:sld xmlns:a="http://schemas.openxmlformats.org/drawingml/2006/main" xmlns:r="http://schemas.openxmlformats.org/officeDocument/2006/relationships" xmlns:p="http://schemas.openxmlformats.org/presentationml/2006/main" showMasterSp="0">
+  <p:cSld>
+    <p:spTree>
+      <p:nvGrpSpPr>
+        <p:cNvPr id="1" name=""/>
+        <p:cNvGrpSpPr/>
+        <p:nvPr/>
+      </p:nvGrpSpPr>
+      <p:grpSpPr>
+        <a:xfrm>
+          <a:off x="0" y="0"/>
+          <a:ext cx="0" cy="0"/>
+          <a:chOff x="0" y="0"/>
+          <a:chExt cx="0" cy="0"/>
+        </a:xfrm>
+      </p:grpSpPr>
+      <p:sp>
+        <p:nvSpPr>
+          <p:cNvPr id="83" name="Rectangle 82">
+            <a:extLst>
+              <a:ext uri="{FF2B5EF4-FFF2-40B4-BE49-F238E27FC236}">
+                <a16:creationId xmlns:a16="http://schemas.microsoft.com/office/drawing/2014/main" id="{F1815599-B2B6-46C9-80AF-B4C61AB886DE}"/>
+              </a:ext>
+            </a:extLst>
+          </p:cNvPr>
+          <p:cNvSpPr/>
+          <p:nvPr/>
+        </p:nvSpPr>
+        <p:spPr>
+          <a:xfrm>
+            <a:off x="95463" y="1429897"/>
+            <a:ext cx="3948387" cy="2300797"/>
+          </a:xfrm>
+          <a:prstGeom prst="rect">
+            <a:avLst/>
+          </a:prstGeom>
+          <a:solidFill>
+            <a:schemeClr val="bg1">
+              <a:lumMod val="95000"/>
+            </a:schemeClr>
+          </a:solidFill>
+          <a:ln>
+            <a:solidFill>
+              <a:schemeClr val="tx2">
+                <a:lumMod val="50000"/>
+                <a:lumOff val="50000"/>
+              </a:schemeClr>
+            </a:solidFill>
+            <a:prstDash val="dash"/>
+          </a:ln>
+        </p:spPr>
+        <p:style>
+          <a:lnRef idx="2">
+            <a:schemeClr val="accent1">
+              <a:shade val="50000"/>
+            </a:schemeClr>
+          </a:lnRef>
+          <a:fillRef idx="1">
+            <a:schemeClr val="accent1"/>
+          </a:fillRef>
+          <a:effectRef idx="0">
+            <a:schemeClr val="accent1"/>
+          </a:effectRef>
+          <a:fontRef idx="minor">
+            <a:schemeClr val="lt1"/>
+          </a:fontRef>
+        </p:style>
+        <p:txBody>
+          <a:bodyPr rtlCol="0" anchor="ctr"/>
+          <a:lstStyle/>
+          <a:p>
+            <a:pPr marL="0" marR="0" lvl="0" indent="0" algn="ctr" defTabSz="914400" rtl="0" eaLnBrk="1" fontAlgn="auto" latinLnBrk="0" hangingPunct="1">
+              <a:lnSpc>
+                <a:spcPct val="100000"/>
+              </a:lnSpc>
+              <a:spcBef>
+                <a:spcPts val="0"/>
+              </a:spcBef>
+              <a:spcAft>
+                <a:spcPts val="0"/>
+              </a:spcAft>
+              <a:buClrTx/>
+              <a:buSzTx/>
+              <a:buFontTx/>
+              <a:buNone/>
+              <a:tabLst/>
+              <a:defRPr/>
+            </a:pPr>
+            <a:endParaRPr kumimoji="0" lang="en-US" sz="1800" b="0" i="0" u="none" strike="noStrike" kern="1200" cap="none" spc="0" normalizeH="0" baseline="0" noProof="0">
+              <a:ln>
+                <a:noFill/>
+              </a:ln>
+              <a:solidFill>
+                <a:srgbClr val="FFFFFF"/>
+              </a:solidFill>
+              <a:effectLst/>
+              <a:uLnTx/>
+              <a:uFillTx/>
+              <a:latin typeface="Arial" panose="020B0604020202020204"/>
+              <a:ea typeface="+mn-ea"/>
+              <a:cs typeface="+mn-cs"/>
+            </a:endParaRPr>
+          </a:p>
+        </p:txBody>
+      </p:sp>
+      <p:grpSp>
+        <p:nvGrpSpPr>
+          <p:cNvPr id="3" name="Group 2">
+            <a:extLst>
+              <a:ext uri="{FF2B5EF4-FFF2-40B4-BE49-F238E27FC236}">
+                <a16:creationId xmlns:a16="http://schemas.microsoft.com/office/drawing/2014/main" id="{F7E4ED79-641A-4C7D-BEF0-FA2E02111AA2}"/>
+              </a:ext>
+            </a:extLst>
+          </p:cNvPr>
+          <p:cNvGrpSpPr/>
+          <p:nvPr/>
+        </p:nvGrpSpPr>
+        <p:grpSpPr>
+          <a:xfrm>
+            <a:off x="142165" y="1542670"/>
+            <a:ext cx="3800920" cy="2114403"/>
+            <a:chOff x="1948069" y="1109868"/>
+            <a:chExt cx="4271020" cy="2375913"/>
+          </a:xfrm>
+        </p:grpSpPr>
+        <p:sp>
+          <p:nvSpPr>
+            <p:cNvPr id="4" name="Rectangle 3">
+              <a:extLst>
+                <a:ext uri="{FF2B5EF4-FFF2-40B4-BE49-F238E27FC236}">
+                  <a16:creationId xmlns:a16="http://schemas.microsoft.com/office/drawing/2014/main" id="{20F431BC-1D7D-4872-88EA-15C8DCFB47D8}"/>
+                </a:ext>
+              </a:extLst>
+            </p:cNvPr>
+            <p:cNvSpPr/>
+            <p:nvPr/>
+          </p:nvSpPr>
+          <p:spPr>
+            <a:xfrm>
+              <a:off x="3630125" y="2801426"/>
+              <a:ext cx="2588963" cy="345843"/>
+            </a:xfrm>
+            <a:prstGeom prst="rect">
+              <a:avLst/>
+            </a:prstGeom>
+            <a:solidFill>
+              <a:schemeClr val="accent3">
+                <a:lumMod val="20000"/>
+                <a:lumOff val="80000"/>
+              </a:schemeClr>
+            </a:solidFill>
+            <a:ln>
+              <a:solidFill>
+                <a:schemeClr val="tx1"/>
+              </a:solidFill>
+            </a:ln>
+          </p:spPr>
+          <p:txBody>
+            <a:bodyPr rot="0" spcFirstLastPara="0" vertOverflow="overflow" horzOverflow="overflow" vert="horz" wrap="square" lIns="91440" tIns="45720" rIns="91440" bIns="45720" numCol="1" spcCol="0" rtlCol="0" fromWordArt="0" anchor="t" anchorCtr="0" forceAA="0" compatLnSpc="1">
+              <a:prstTxWarp prst="textNoShape">
+                <a:avLst/>
+              </a:prstTxWarp>
+              <a:spAutoFit/>
+            </a:bodyPr>
+            <a:lstStyle/>
+            <a:p>
+              <a:pPr marL="0" marR="0" lvl="0" indent="0" algn="ctr" defTabSz="914400" rtl="0" eaLnBrk="1" fontAlgn="auto" latinLnBrk="0" hangingPunct="1">
+                <a:lnSpc>
+                  <a:spcPct val="100000"/>
+                </a:lnSpc>
+                <a:spcBef>
+                  <a:spcPts val="0"/>
+                </a:spcBef>
+                <a:spcAft>
+                  <a:spcPts val="0"/>
+                </a:spcAft>
+                <a:buClrTx/>
+                <a:buSzTx/>
+                <a:buFontTx/>
+                <a:buNone/>
+                <a:tabLst/>
+                <a:defRPr/>
+              </a:pPr>
+              <a:endParaRPr kumimoji="0" lang="en-US" sz="1400" b="0" i="0" u="none" strike="noStrike" kern="0" cap="none" spc="0" normalizeH="0" baseline="0" noProof="0" dirty="0">
+                <a:ln>
+                  <a:noFill/>
+                </a:ln>
+                <a:solidFill>
+                  <a:prstClr val="black"/>
+                </a:solidFill>
+                <a:effectLst/>
+                <a:uLnTx/>
+                <a:uFillTx/>
+                <a:latin typeface="Calibri" panose="020F0502020204030204"/>
+                <a:ea typeface="+mn-ea"/>
+                <a:cs typeface="+mn-cs"/>
+              </a:endParaRPr>
+            </a:p>
+          </p:txBody>
+        </p:sp>
+        <p:sp>
+          <p:nvSpPr>
+            <p:cNvPr id="5" name="Rectangle 4">
+              <a:extLst>
+                <a:ext uri="{FF2B5EF4-FFF2-40B4-BE49-F238E27FC236}">
+                  <a16:creationId xmlns:a16="http://schemas.microsoft.com/office/drawing/2014/main" id="{6F20506D-F7CB-4D6F-8298-49F0B6A65196}"/>
+                </a:ext>
+              </a:extLst>
+            </p:cNvPr>
+            <p:cNvSpPr/>
+            <p:nvPr/>
+          </p:nvSpPr>
+          <p:spPr>
+            <a:xfrm>
+              <a:off x="3630005" y="2463865"/>
+              <a:ext cx="2588962" cy="345843"/>
+            </a:xfrm>
+            <a:prstGeom prst="rect">
+              <a:avLst/>
+            </a:prstGeom>
+            <a:solidFill>
+              <a:schemeClr val="accent3">
+                <a:lumMod val="20000"/>
+                <a:lumOff val="80000"/>
+              </a:schemeClr>
+            </a:solidFill>
+            <a:ln>
+              <a:solidFill>
+                <a:schemeClr val="tx1"/>
+              </a:solidFill>
+            </a:ln>
+          </p:spPr>
+          <p:txBody>
+            <a:bodyPr rot="0" spcFirstLastPara="0" vertOverflow="overflow" horzOverflow="overflow" vert="horz" wrap="square" lIns="91440" tIns="45720" rIns="91440" bIns="45720" numCol="1" spcCol="0" rtlCol="0" fromWordArt="0" anchor="t" anchorCtr="0" forceAA="0" compatLnSpc="1">
+              <a:prstTxWarp prst="textNoShape">
+                <a:avLst/>
+              </a:prstTxWarp>
+              <a:spAutoFit/>
+            </a:bodyPr>
+            <a:lstStyle/>
+            <a:p>
+              <a:pPr marL="0" marR="0" lvl="0" indent="0" algn="ctr" defTabSz="914400" rtl="0" eaLnBrk="1" fontAlgn="auto" latinLnBrk="0" hangingPunct="1">
+                <a:lnSpc>
+                  <a:spcPct val="100000"/>
+                </a:lnSpc>
+                <a:spcBef>
+                  <a:spcPts val="0"/>
+                </a:spcBef>
+                <a:spcAft>
+                  <a:spcPts val="0"/>
+                </a:spcAft>
+                <a:buClrTx/>
+                <a:buSzTx/>
+                <a:buFontTx/>
+                <a:buNone/>
+                <a:tabLst/>
+                <a:defRPr/>
+              </a:pPr>
+              <a:endParaRPr kumimoji="0" lang="en-US" sz="1400" b="0" i="0" u="none" strike="noStrike" kern="0" cap="none" spc="0" normalizeH="0" baseline="0" noProof="0" dirty="0">
+                <a:ln>
+                  <a:noFill/>
+                </a:ln>
+                <a:solidFill>
+                  <a:prstClr val="black"/>
+                </a:solidFill>
+                <a:effectLst/>
+                <a:uLnTx/>
+                <a:uFillTx/>
+                <a:latin typeface="Calibri" panose="020F0502020204030204"/>
+                <a:ea typeface="+mn-ea"/>
+                <a:cs typeface="+mn-cs"/>
+              </a:endParaRPr>
+            </a:p>
+          </p:txBody>
+        </p:sp>
+        <p:sp>
+          <p:nvSpPr>
+            <p:cNvPr id="6" name="Rectangle 5">
+              <a:extLst>
+                <a:ext uri="{FF2B5EF4-FFF2-40B4-BE49-F238E27FC236}">
+                  <a16:creationId xmlns:a16="http://schemas.microsoft.com/office/drawing/2014/main" id="{4A75D5AE-E050-4D87-A4F7-5A83D0FD7A9D}"/>
+                </a:ext>
+              </a:extLst>
+            </p:cNvPr>
+            <p:cNvSpPr/>
+            <p:nvPr/>
+          </p:nvSpPr>
+          <p:spPr>
+            <a:xfrm>
+              <a:off x="3629884" y="2125332"/>
+              <a:ext cx="2588962" cy="345843"/>
+            </a:xfrm>
+            <a:prstGeom prst="rect">
+              <a:avLst/>
+            </a:prstGeom>
+            <a:solidFill>
+              <a:schemeClr val="accent3">
+                <a:lumMod val="20000"/>
+                <a:lumOff val="80000"/>
+              </a:schemeClr>
+            </a:solidFill>
+            <a:ln>
+              <a:solidFill>
+                <a:schemeClr val="tx1"/>
+              </a:solidFill>
+            </a:ln>
+          </p:spPr>
+          <p:txBody>
+            <a:bodyPr rot="0" spcFirstLastPara="0" vertOverflow="overflow" horzOverflow="overflow" vert="horz" wrap="square" lIns="91440" tIns="45720" rIns="91440" bIns="45720" numCol="1" spcCol="0" rtlCol="0" fromWordArt="0" anchor="t" anchorCtr="0" forceAA="0" compatLnSpc="1">
+              <a:prstTxWarp prst="textNoShape">
+                <a:avLst/>
+              </a:prstTxWarp>
+              <a:spAutoFit/>
+            </a:bodyPr>
+            <a:lstStyle/>
+            <a:p>
+              <a:pPr marL="0" marR="0" lvl="0" indent="0" algn="ctr" defTabSz="914400" rtl="0" eaLnBrk="1" fontAlgn="auto" latinLnBrk="0" hangingPunct="1">
+                <a:lnSpc>
+                  <a:spcPct val="100000"/>
+                </a:lnSpc>
+                <a:spcBef>
+                  <a:spcPts val="0"/>
+                </a:spcBef>
+                <a:spcAft>
+                  <a:spcPts val="0"/>
+                </a:spcAft>
+                <a:buClrTx/>
+                <a:buSzTx/>
+                <a:buFontTx/>
+                <a:buNone/>
+                <a:tabLst/>
+                <a:defRPr/>
+              </a:pPr>
+              <a:endParaRPr kumimoji="0" lang="en-US" sz="1400" b="0" i="0" u="none" strike="noStrike" kern="0" cap="none" spc="0" normalizeH="0" baseline="0" noProof="0" dirty="0">
+                <a:ln>
+                  <a:noFill/>
+                </a:ln>
+                <a:solidFill>
+                  <a:prstClr val="black"/>
+                </a:solidFill>
+                <a:effectLst/>
+                <a:uLnTx/>
+                <a:uFillTx/>
+                <a:latin typeface="Calibri" panose="020F0502020204030204"/>
+                <a:ea typeface="+mn-ea"/>
+                <a:cs typeface="+mn-cs"/>
+              </a:endParaRPr>
+            </a:p>
+          </p:txBody>
+        </p:sp>
+        <p:sp>
+          <p:nvSpPr>
+            <p:cNvPr id="7" name="Rectangle 6">
+              <a:extLst>
+                <a:ext uri="{FF2B5EF4-FFF2-40B4-BE49-F238E27FC236}">
+                  <a16:creationId xmlns:a16="http://schemas.microsoft.com/office/drawing/2014/main" id="{1901E0CC-98C7-44AE-A9B9-2E745FA9F574}"/>
+                </a:ext>
+              </a:extLst>
+            </p:cNvPr>
+            <p:cNvSpPr/>
+            <p:nvPr/>
+          </p:nvSpPr>
+          <p:spPr>
+            <a:xfrm>
+              <a:off x="2400523" y="1448884"/>
+              <a:ext cx="3818082" cy="345843"/>
+            </a:xfrm>
+            <a:prstGeom prst="rect">
+              <a:avLst/>
+            </a:prstGeom>
+            <a:solidFill>
+              <a:srgbClr val="FFCD2F"/>
+            </a:solidFill>
+            <a:ln>
+              <a:solidFill>
+                <a:schemeClr val="tx1"/>
+              </a:solidFill>
+            </a:ln>
+          </p:spPr>
+          <p:txBody>
+            <a:bodyPr rot="0" spcFirstLastPara="0" vertOverflow="overflow" horzOverflow="overflow" vert="horz" wrap="square" lIns="91440" tIns="45720" rIns="91440" bIns="45720" numCol="1" spcCol="0" rtlCol="0" fromWordArt="0" anchor="t" anchorCtr="0" forceAA="0" compatLnSpc="1">
+              <a:prstTxWarp prst="textNoShape">
+                <a:avLst/>
+              </a:prstTxWarp>
+              <a:spAutoFit/>
+            </a:bodyPr>
+            <a:lstStyle/>
+            <a:p>
+              <a:pPr marL="0" marR="0" lvl="0" indent="0" algn="ctr" defTabSz="914400" rtl="0" eaLnBrk="1" fontAlgn="auto" latinLnBrk="0" hangingPunct="1">
+                <a:lnSpc>
+                  <a:spcPct val="100000"/>
+                </a:lnSpc>
+                <a:spcBef>
+                  <a:spcPts val="0"/>
+                </a:spcBef>
+                <a:spcAft>
+                  <a:spcPts val="0"/>
+                </a:spcAft>
+                <a:buClrTx/>
+                <a:buSzTx/>
+                <a:buFontTx/>
+                <a:buNone/>
+                <a:tabLst/>
+                <a:defRPr/>
+              </a:pPr>
+              <a:endParaRPr kumimoji="0" lang="en-US" sz="1400" b="0" i="0" u="none" strike="noStrike" kern="0" cap="none" spc="0" normalizeH="0" baseline="0" noProof="0" dirty="0">
+                <a:ln>
+                  <a:noFill/>
+                </a:ln>
+                <a:solidFill>
+                  <a:prstClr val="black"/>
+                </a:solidFill>
+                <a:effectLst/>
+                <a:uLnTx/>
+                <a:uFillTx/>
+                <a:latin typeface="Calibri" panose="020F0502020204030204"/>
+                <a:ea typeface="+mn-ea"/>
+                <a:cs typeface="+mn-cs"/>
+              </a:endParaRPr>
+            </a:p>
+          </p:txBody>
+        </p:sp>
+        <p:sp>
+          <p:nvSpPr>
+            <p:cNvPr id="8" name="Rectangle 7">
+              <a:extLst>
+                <a:ext uri="{FF2B5EF4-FFF2-40B4-BE49-F238E27FC236}">
+                  <a16:creationId xmlns:a16="http://schemas.microsoft.com/office/drawing/2014/main" id="{47E36129-77F0-4D9D-BD29-66E4B09E5B3D}"/>
+                </a:ext>
+              </a:extLst>
+            </p:cNvPr>
+            <p:cNvSpPr/>
+            <p:nvPr/>
+          </p:nvSpPr>
+          <p:spPr>
+            <a:xfrm>
+              <a:off x="2400279" y="1109868"/>
+              <a:ext cx="3818083" cy="345843"/>
+            </a:xfrm>
+            <a:prstGeom prst="rect">
+              <a:avLst/>
+            </a:prstGeom>
+            <a:solidFill>
+              <a:srgbClr val="FFFF99"/>
+            </a:solidFill>
+            <a:ln>
+              <a:solidFill>
+                <a:schemeClr val="tx1"/>
+              </a:solidFill>
+            </a:ln>
+          </p:spPr>
+          <p:txBody>
+            <a:bodyPr rot="0" spcFirstLastPara="0" vertOverflow="overflow" horzOverflow="overflow" vert="horz" wrap="square" lIns="91440" tIns="45720" rIns="91440" bIns="45720" numCol="1" spcCol="0" rtlCol="0" fromWordArt="0" anchor="t" anchorCtr="0" forceAA="0" compatLnSpc="1">
+              <a:prstTxWarp prst="textNoShape">
+                <a:avLst/>
+              </a:prstTxWarp>
+              <a:spAutoFit/>
+            </a:bodyPr>
+            <a:lstStyle/>
+            <a:p>
+              <a:pPr marL="0" marR="0" lvl="0" indent="0" algn="ctr" defTabSz="914400" rtl="0" eaLnBrk="1" fontAlgn="auto" latinLnBrk="0" hangingPunct="1">
+                <a:lnSpc>
+                  <a:spcPct val="100000"/>
+                </a:lnSpc>
+                <a:spcBef>
+                  <a:spcPts val="0"/>
+                </a:spcBef>
+                <a:spcAft>
+                  <a:spcPts val="0"/>
+                </a:spcAft>
+                <a:buClrTx/>
+                <a:buSzTx/>
+                <a:buFontTx/>
+                <a:buNone/>
+                <a:tabLst/>
+                <a:defRPr/>
+              </a:pPr>
+              <a:endParaRPr kumimoji="0" lang="en-US" sz="1400" b="0" i="0" u="none" strike="noStrike" kern="0" cap="none" spc="0" normalizeH="0" baseline="0" noProof="0" dirty="0">
+                <a:ln>
+                  <a:noFill/>
+                </a:ln>
+                <a:solidFill>
+                  <a:prstClr val="black"/>
+                </a:solidFill>
+                <a:effectLst/>
+                <a:uLnTx/>
+                <a:uFillTx/>
+                <a:latin typeface="Calibri" panose="020F0502020204030204"/>
+                <a:ea typeface="+mn-ea"/>
+                <a:cs typeface="+mn-cs"/>
+              </a:endParaRPr>
+            </a:p>
+          </p:txBody>
+        </p:sp>
+        <p:sp>
+          <p:nvSpPr>
+            <p:cNvPr id="9" name="Rectangle 8">
+              <a:extLst>
+                <a:ext uri="{FF2B5EF4-FFF2-40B4-BE49-F238E27FC236}">
+                  <a16:creationId xmlns:a16="http://schemas.microsoft.com/office/drawing/2014/main" id="{183D6481-0636-4149-AA12-D2304FE2BED0}"/>
+                </a:ext>
+              </a:extLst>
+            </p:cNvPr>
+            <p:cNvSpPr/>
+            <p:nvPr/>
+          </p:nvSpPr>
+          <p:spPr>
+            <a:xfrm>
+              <a:off x="3446707" y="1785274"/>
+              <a:ext cx="186741" cy="1693218"/>
+            </a:xfrm>
+            <a:prstGeom prst="rect">
+              <a:avLst/>
+            </a:prstGeom>
+            <a:solidFill>
+              <a:schemeClr val="tx1"/>
+            </a:solidFill>
+            <a:ln>
+              <a:solidFill>
+                <a:schemeClr val="tx1"/>
+              </a:solidFill>
+            </a:ln>
+          </p:spPr>
+          <p:style>
+            <a:lnRef idx="2">
+              <a:schemeClr val="accent1">
+                <a:shade val="50000"/>
+              </a:schemeClr>
+            </a:lnRef>
+            <a:fillRef idx="1">
+              <a:schemeClr val="accent1"/>
+            </a:fillRef>
+            <a:effectRef idx="0">
+              <a:schemeClr val="accent1"/>
+            </a:effectRef>
+            <a:fontRef idx="minor">
+              <a:schemeClr val="lt1"/>
+            </a:fontRef>
+          </p:style>
+          <p:txBody>
+            <a:bodyPr rtlCol="0" anchor="ctr"/>
+            <a:lstStyle/>
+            <a:p>
+              <a:pPr marL="0" marR="0" lvl="0" indent="0" algn="ctr" defTabSz="914400" rtl="0" eaLnBrk="1" fontAlgn="auto" latinLnBrk="0" hangingPunct="1">
+                <a:lnSpc>
+                  <a:spcPct val="100000"/>
+                </a:lnSpc>
+                <a:spcBef>
+                  <a:spcPts val="0"/>
+                </a:spcBef>
+                <a:spcAft>
+                  <a:spcPts val="0"/>
+                </a:spcAft>
+                <a:buClrTx/>
+                <a:buSzTx/>
+                <a:buFontTx/>
+                <a:buNone/>
+                <a:tabLst/>
+                <a:defRPr/>
+              </a:pPr>
+              <a:endParaRPr kumimoji="0" lang="en-US" sz="1600" b="0" i="0" u="none" strike="noStrike" kern="1200" cap="none" spc="0" normalizeH="0" baseline="0" noProof="0">
+                <a:ln>
+                  <a:noFill/>
+                </a:ln>
+                <a:solidFill>
+                  <a:srgbClr val="FFFFFF"/>
+                </a:solidFill>
+                <a:effectLst/>
+                <a:uLnTx/>
+                <a:uFillTx/>
+                <a:latin typeface="Arial" panose="020B0604020202020204"/>
+                <a:ea typeface="+mn-ea"/>
+                <a:cs typeface="+mn-cs"/>
+              </a:endParaRPr>
+            </a:p>
+          </p:txBody>
+        </p:sp>
+        <p:sp>
+          <p:nvSpPr>
+            <p:cNvPr id="10" name="Rectangle 9">
+              <a:extLst>
+                <a:ext uri="{FF2B5EF4-FFF2-40B4-BE49-F238E27FC236}">
+                  <a16:creationId xmlns:a16="http://schemas.microsoft.com/office/drawing/2014/main" id="{7F206C99-AD67-4234-8EAE-E393CBE577DB}"/>
+                </a:ext>
+              </a:extLst>
+            </p:cNvPr>
+            <p:cNvSpPr/>
+            <p:nvPr/>
+          </p:nvSpPr>
+          <p:spPr>
+            <a:xfrm>
+              <a:off x="1975814" y="1110818"/>
+              <a:ext cx="424222" cy="345843"/>
+            </a:xfrm>
+            <a:prstGeom prst="rect">
+              <a:avLst/>
+            </a:prstGeom>
+            <a:solidFill>
+              <a:srgbClr val="FFFF99"/>
+            </a:solidFill>
+            <a:ln>
+              <a:solidFill>
+                <a:schemeClr val="tx1"/>
+              </a:solidFill>
+            </a:ln>
+          </p:spPr>
+          <p:txBody>
+            <a:bodyPr rot="0" spcFirstLastPara="0" vertOverflow="overflow" horzOverflow="overflow" vert="horz" wrap="square" lIns="91440" tIns="45720" rIns="91440" bIns="45720" numCol="1" spcCol="0" rtlCol="0" fromWordArt="0" anchor="t" anchorCtr="0" forceAA="0" compatLnSpc="1">
+              <a:prstTxWarp prst="textNoShape">
+                <a:avLst/>
+              </a:prstTxWarp>
+              <a:spAutoFit/>
+            </a:bodyPr>
+            <a:lstStyle/>
+            <a:p>
+              <a:pPr marL="0" marR="0" lvl="0" indent="0" algn="ctr" defTabSz="914400" rtl="0" eaLnBrk="1" fontAlgn="auto" latinLnBrk="0" hangingPunct="1">
+                <a:lnSpc>
+                  <a:spcPct val="100000"/>
+                </a:lnSpc>
+                <a:spcBef>
+                  <a:spcPts val="0"/>
+                </a:spcBef>
+                <a:spcAft>
+                  <a:spcPts val="0"/>
+                </a:spcAft>
+                <a:buClrTx/>
+                <a:buSzTx/>
+                <a:buFontTx/>
+                <a:buNone/>
+                <a:tabLst/>
+                <a:defRPr/>
+              </a:pPr>
+              <a:endParaRPr kumimoji="0" lang="en-US" sz="1400" b="0" i="0" u="none" strike="noStrike" kern="0" cap="none" spc="0" normalizeH="0" baseline="0" noProof="0" dirty="0">
+                <a:ln>
+                  <a:noFill/>
+                </a:ln>
+                <a:solidFill>
+                  <a:prstClr val="black"/>
+                </a:solidFill>
+                <a:effectLst/>
+                <a:uLnTx/>
+                <a:uFillTx/>
+                <a:latin typeface="Calibri" panose="020F0502020204030204"/>
+                <a:ea typeface="+mn-ea"/>
+                <a:cs typeface="+mn-cs"/>
+              </a:endParaRPr>
+            </a:p>
+          </p:txBody>
+        </p:sp>
+        <p:sp>
+          <p:nvSpPr>
+            <p:cNvPr id="11" name="Rectangle 10">
+              <a:extLst>
+                <a:ext uri="{FF2B5EF4-FFF2-40B4-BE49-F238E27FC236}">
+                  <a16:creationId xmlns:a16="http://schemas.microsoft.com/office/drawing/2014/main" id="{0E988FAD-18B4-47E0-A193-E0D43674F136}"/>
+                </a:ext>
+              </a:extLst>
+            </p:cNvPr>
+            <p:cNvSpPr/>
+            <p:nvPr/>
+          </p:nvSpPr>
+          <p:spPr>
+            <a:xfrm>
+              <a:off x="1974715" y="1447670"/>
+              <a:ext cx="425321" cy="345843"/>
+            </a:xfrm>
+            <a:prstGeom prst="rect">
+              <a:avLst/>
+            </a:prstGeom>
+            <a:solidFill>
+              <a:srgbClr val="FFCD2F"/>
+            </a:solidFill>
+            <a:ln>
+              <a:solidFill>
+                <a:schemeClr val="tx1"/>
+              </a:solidFill>
+            </a:ln>
+          </p:spPr>
+          <p:txBody>
+            <a:bodyPr rot="0" spcFirstLastPara="0" vertOverflow="overflow" horzOverflow="overflow" vert="horz" wrap="square" lIns="91440" tIns="45720" rIns="91440" bIns="45720" numCol="1" spcCol="0" rtlCol="0" fromWordArt="0" anchor="t" anchorCtr="0" forceAA="0" compatLnSpc="1">
+              <a:prstTxWarp prst="textNoShape">
+                <a:avLst/>
+              </a:prstTxWarp>
+              <a:spAutoFit/>
+            </a:bodyPr>
+            <a:lstStyle/>
+            <a:p>
+              <a:pPr marL="0" marR="0" lvl="0" indent="0" algn="ctr" defTabSz="914400" rtl="0" eaLnBrk="1" fontAlgn="auto" latinLnBrk="0" hangingPunct="1">
+                <a:lnSpc>
+                  <a:spcPct val="100000"/>
+                </a:lnSpc>
+                <a:spcBef>
+                  <a:spcPts val="0"/>
+                </a:spcBef>
+                <a:spcAft>
+                  <a:spcPts val="0"/>
+                </a:spcAft>
+                <a:buClrTx/>
+                <a:buSzTx/>
+                <a:buFontTx/>
+                <a:buNone/>
+                <a:tabLst/>
+                <a:defRPr/>
+              </a:pPr>
+              <a:endParaRPr kumimoji="0" lang="en-US" sz="1400" b="0" i="0" u="none" strike="noStrike" kern="0" cap="none" spc="0" normalizeH="0" baseline="0" noProof="0" dirty="0">
+                <a:ln>
+                  <a:noFill/>
+                </a:ln>
+                <a:solidFill>
+                  <a:prstClr val="black"/>
+                </a:solidFill>
+                <a:effectLst/>
+                <a:uLnTx/>
+                <a:uFillTx/>
+                <a:latin typeface="Calibri" panose="020F0502020204030204"/>
+                <a:ea typeface="+mn-ea"/>
+                <a:cs typeface="+mn-cs"/>
+              </a:endParaRPr>
+            </a:p>
+          </p:txBody>
+        </p:sp>
+        <p:sp>
+          <p:nvSpPr>
+            <p:cNvPr id="12" name="Rectangle 11">
+              <a:extLst>
+                <a:ext uri="{FF2B5EF4-FFF2-40B4-BE49-F238E27FC236}">
+                  <a16:creationId xmlns:a16="http://schemas.microsoft.com/office/drawing/2014/main" id="{959AD2FB-7192-4A69-AF48-05E7736B4989}"/>
+                </a:ext>
+              </a:extLst>
+            </p:cNvPr>
+            <p:cNvSpPr/>
+            <p:nvPr/>
+          </p:nvSpPr>
+          <p:spPr>
+            <a:xfrm>
+              <a:off x="3629764" y="1787286"/>
+              <a:ext cx="2589082" cy="345843"/>
+            </a:xfrm>
+            <a:prstGeom prst="rect">
+              <a:avLst/>
+            </a:prstGeom>
+            <a:solidFill>
+              <a:schemeClr val="accent3">
+                <a:lumMod val="60000"/>
+                <a:lumOff val="40000"/>
+              </a:schemeClr>
+            </a:solidFill>
+            <a:ln>
+              <a:solidFill>
+                <a:schemeClr val="tx1"/>
+              </a:solidFill>
+            </a:ln>
+          </p:spPr>
+          <p:txBody>
+            <a:bodyPr wrap="square" rtlCol="0">
+              <a:spAutoFit/>
+            </a:bodyPr>
+            <a:lstStyle/>
+            <a:p>
+              <a:pPr marL="0" marR="0" lvl="0" indent="0" algn="ctr" defTabSz="914400" rtl="0" eaLnBrk="1" fontAlgn="auto" latinLnBrk="0" hangingPunct="1">
+                <a:lnSpc>
+                  <a:spcPct val="100000"/>
+                </a:lnSpc>
+                <a:spcBef>
+                  <a:spcPts val="0"/>
+                </a:spcBef>
+                <a:spcAft>
+                  <a:spcPts val="0"/>
+                </a:spcAft>
+                <a:buClrTx/>
+                <a:buSzTx/>
+                <a:buFontTx/>
+                <a:buNone/>
+                <a:tabLst/>
+                <a:defRPr/>
+              </a:pPr>
+              <a:endParaRPr kumimoji="0" lang="en-US" sz="1400" b="0" i="0" u="none" strike="noStrike" kern="0" cap="none" spc="0" normalizeH="0" baseline="0" noProof="0" dirty="0">
+                <a:ln>
+                  <a:noFill/>
+                </a:ln>
+                <a:solidFill>
+                  <a:prstClr val="black"/>
+                </a:solidFill>
+                <a:effectLst/>
+                <a:uLnTx/>
+                <a:uFillTx/>
+                <a:latin typeface="Calibri" panose="020F0502020204030204"/>
+                <a:ea typeface="+mn-ea"/>
+                <a:cs typeface="+mn-cs"/>
+              </a:endParaRPr>
+            </a:p>
+          </p:txBody>
+        </p:sp>
+        <p:sp>
+          <p:nvSpPr>
+            <p:cNvPr id="13" name="Rectangle 12">
+              <a:extLst>
+                <a:ext uri="{FF2B5EF4-FFF2-40B4-BE49-F238E27FC236}">
+                  <a16:creationId xmlns:a16="http://schemas.microsoft.com/office/drawing/2014/main" id="{983485D4-345D-44C7-AC89-F2232EF94ABA}"/>
+                </a:ext>
+              </a:extLst>
+            </p:cNvPr>
+            <p:cNvSpPr/>
+            <p:nvPr/>
+          </p:nvSpPr>
+          <p:spPr>
+            <a:xfrm>
+              <a:off x="3630126" y="3139938"/>
+              <a:ext cx="2588963" cy="345843"/>
+            </a:xfrm>
+            <a:prstGeom prst="rect">
+              <a:avLst/>
+            </a:prstGeom>
+            <a:solidFill>
+              <a:schemeClr val="accent3">
+                <a:lumMod val="20000"/>
+                <a:lumOff val="80000"/>
+              </a:schemeClr>
+            </a:solidFill>
+            <a:ln>
+              <a:solidFill>
+                <a:schemeClr val="tx1"/>
+              </a:solidFill>
+            </a:ln>
+          </p:spPr>
+          <p:txBody>
+            <a:bodyPr rot="0" spcFirstLastPara="0" vertOverflow="overflow" horzOverflow="overflow" vert="horz" wrap="square" lIns="91440" tIns="45720" rIns="91440" bIns="45720" numCol="1" spcCol="0" rtlCol="0" fromWordArt="0" anchor="t" anchorCtr="0" forceAA="0" compatLnSpc="1">
+              <a:prstTxWarp prst="textNoShape">
+                <a:avLst/>
+              </a:prstTxWarp>
+              <a:spAutoFit/>
+            </a:bodyPr>
+            <a:lstStyle/>
+            <a:p>
+              <a:pPr marL="0" marR="0" lvl="0" indent="0" algn="ctr" defTabSz="914400" rtl="0" eaLnBrk="1" fontAlgn="auto" latinLnBrk="0" hangingPunct="1">
+                <a:lnSpc>
+                  <a:spcPct val="100000"/>
+                </a:lnSpc>
+                <a:spcBef>
+                  <a:spcPts val="0"/>
+                </a:spcBef>
+                <a:spcAft>
+                  <a:spcPts val="0"/>
+                </a:spcAft>
+                <a:buClrTx/>
+                <a:buSzTx/>
+                <a:buFontTx/>
+                <a:buNone/>
+                <a:tabLst/>
+                <a:defRPr/>
+              </a:pPr>
+              <a:endParaRPr kumimoji="0" lang="en-US" sz="1400" b="0" i="0" u="none" strike="noStrike" kern="0" cap="none" spc="0" normalizeH="0" baseline="0" noProof="0" dirty="0">
+                <a:ln>
+                  <a:noFill/>
+                </a:ln>
+                <a:solidFill>
+                  <a:prstClr val="black"/>
+                </a:solidFill>
+                <a:effectLst/>
+                <a:uLnTx/>
+                <a:uFillTx/>
+                <a:latin typeface="Calibri" panose="020F0502020204030204"/>
+                <a:ea typeface="+mn-ea"/>
+                <a:cs typeface="+mn-cs"/>
+              </a:endParaRPr>
+            </a:p>
+          </p:txBody>
+        </p:sp>
+        <p:grpSp>
+          <p:nvGrpSpPr>
+            <p:cNvPr id="14" name="Group 13">
+              <a:extLst>
+                <a:ext uri="{FF2B5EF4-FFF2-40B4-BE49-F238E27FC236}">
+                  <a16:creationId xmlns:a16="http://schemas.microsoft.com/office/drawing/2014/main" id="{E1B94A89-1989-42DB-8E0D-72A8898B3720}"/>
+                </a:ext>
+              </a:extLst>
+            </p:cNvPr>
+            <p:cNvGrpSpPr/>
+            <p:nvPr/>
+          </p:nvGrpSpPr>
+          <p:grpSpPr>
+            <a:xfrm>
+              <a:off x="1948069" y="1783849"/>
+              <a:ext cx="1507769" cy="1694643"/>
+              <a:chOff x="1948069" y="1783849"/>
+              <a:chExt cx="1507769" cy="1694643"/>
+            </a:xfrm>
+          </p:grpSpPr>
+          <p:sp>
+            <p:nvSpPr>
+              <p:cNvPr id="15" name="Rectangle 14">
+                <a:extLst>
+                  <a:ext uri="{FF2B5EF4-FFF2-40B4-BE49-F238E27FC236}">
+                    <a16:creationId xmlns:a16="http://schemas.microsoft.com/office/drawing/2014/main" id="{575A1F2D-C827-4B44-8A97-F88F3DAC631D}"/>
+                  </a:ext>
+                </a:extLst>
+              </p:cNvPr>
+              <p:cNvSpPr/>
+              <p:nvPr/>
+            </p:nvSpPr>
+            <p:spPr>
+              <a:xfrm>
+                <a:off x="1948069" y="1785274"/>
+                <a:ext cx="484179" cy="1693218"/>
+              </a:xfrm>
+              <a:prstGeom prst="rect">
+                <a:avLst/>
+              </a:prstGeom>
+              <a:solidFill>
+                <a:srgbClr val="00B050"/>
+              </a:solidFill>
+              <a:ln w="9525">
+                <a:solidFill>
+                  <a:schemeClr val="tx1"/>
+                </a:solidFill>
+              </a:ln>
+            </p:spPr>
+            <p:style>
+              <a:lnRef idx="2">
+                <a:schemeClr val="accent1">
+                  <a:shade val="50000"/>
+                </a:schemeClr>
+              </a:lnRef>
+              <a:fillRef idx="1">
+                <a:schemeClr val="accent1"/>
+              </a:fillRef>
+              <a:effectRef idx="0">
+                <a:schemeClr val="accent1"/>
+              </a:effectRef>
+              <a:fontRef idx="minor">
+                <a:schemeClr val="lt1"/>
+              </a:fontRef>
+            </p:style>
+            <p:txBody>
+              <a:bodyPr vert="vert270" wrap="square" rtlCol="0" anchor="ctr">
+                <a:spAutoFit/>
+              </a:bodyPr>
+              <a:lstStyle/>
+              <a:p>
+                <a:pPr marL="0" marR="0" lvl="0" indent="0" algn="ctr" defTabSz="914400" rtl="0" eaLnBrk="1" fontAlgn="auto" latinLnBrk="0" hangingPunct="1">
+                  <a:lnSpc>
+                    <a:spcPct val="100000"/>
+                  </a:lnSpc>
+                  <a:spcBef>
+                    <a:spcPts val="0"/>
+                  </a:spcBef>
+                  <a:spcAft>
+                    <a:spcPts val="0"/>
+                  </a:spcAft>
+                  <a:buClrTx/>
+                  <a:buSzTx/>
+                  <a:buFontTx/>
+                  <a:buNone/>
+                  <a:tabLst/>
+                  <a:defRPr/>
+                </a:pPr>
+                <a:endParaRPr kumimoji="0" lang="en-US" sz="1600" b="0" i="0" u="none" strike="noStrike" kern="1200" cap="none" spc="0" normalizeH="0" baseline="0" noProof="0" dirty="0">
+                  <a:ln>
+                    <a:noFill/>
+                  </a:ln>
+                  <a:solidFill>
+                    <a:srgbClr val="FFFFFF"/>
+                  </a:solidFill>
+                  <a:effectLst/>
+                  <a:uLnTx/>
+                  <a:uFillTx/>
+                  <a:latin typeface="Arial" panose="020B0604020202020204"/>
+                  <a:ea typeface="+mn-ea"/>
+                  <a:cs typeface="+mn-cs"/>
+                </a:endParaRPr>
+              </a:p>
+            </p:txBody>
+          </p:sp>
+          <p:sp>
+            <p:nvSpPr>
+              <p:cNvPr id="16" name="Rectangle 15">
+                <a:extLst>
+                  <a:ext uri="{FF2B5EF4-FFF2-40B4-BE49-F238E27FC236}">
+                    <a16:creationId xmlns:a16="http://schemas.microsoft.com/office/drawing/2014/main" id="{9211FCE2-6A7D-4A1A-A17A-AF1E2C2FEF7D}"/>
+                  </a:ext>
+                </a:extLst>
+              </p:cNvPr>
+              <p:cNvSpPr/>
+              <p:nvPr/>
+            </p:nvSpPr>
+            <p:spPr>
+              <a:xfrm>
+                <a:off x="2400764" y="1783849"/>
+                <a:ext cx="1055074" cy="830419"/>
+              </a:xfrm>
+              <a:prstGeom prst="rect">
+                <a:avLst/>
+              </a:prstGeom>
+              <a:solidFill>
+                <a:schemeClr val="accent5">
+                  <a:lumMod val="40000"/>
+                  <a:lumOff val="60000"/>
+                </a:schemeClr>
+              </a:solidFill>
+              <a:ln>
+                <a:solidFill>
+                  <a:schemeClr val="tx1"/>
+                </a:solidFill>
+              </a:ln>
+            </p:spPr>
+            <p:txBody>
+              <a:bodyPr rot="0" spcFirstLastPara="0" vertOverflow="overflow" horzOverflow="overflow" vert="horz" wrap="square" lIns="91440" tIns="45720" rIns="91440" bIns="45720" numCol="1" spcCol="0" rtlCol="0" fromWordArt="0" anchor="ctr" anchorCtr="0" forceAA="0" compatLnSpc="1">
+                <a:prstTxWarp prst="textNoShape">
+                  <a:avLst/>
+                </a:prstTxWarp>
+                <a:noAutofit/>
+              </a:bodyPr>
+              <a:lstStyle/>
+              <a:p>
+                <a:pPr marL="0" marR="0" lvl="0" indent="0" algn="ctr" defTabSz="914400" rtl="0" eaLnBrk="1" fontAlgn="auto" latinLnBrk="0" hangingPunct="1">
+                  <a:lnSpc>
+                    <a:spcPct val="100000"/>
+                  </a:lnSpc>
+                  <a:spcBef>
+                    <a:spcPts val="0"/>
+                  </a:spcBef>
+                  <a:spcAft>
+                    <a:spcPts val="0"/>
+                  </a:spcAft>
+                  <a:buClrTx/>
+                  <a:buSzTx/>
+                  <a:buFontTx/>
+                  <a:buNone/>
+                  <a:tabLst/>
+                  <a:defRPr/>
+                </a:pPr>
+                <a:endParaRPr kumimoji="0" lang="en-US" sz="1400" b="0" i="0" u="none" strike="noStrike" kern="0" cap="none" spc="0" normalizeH="0" baseline="0" noProof="0" dirty="0">
+                  <a:ln>
+                    <a:noFill/>
+                  </a:ln>
+                  <a:solidFill>
+                    <a:prstClr val="black"/>
+                  </a:solidFill>
+                  <a:effectLst/>
+                  <a:uLnTx/>
+                  <a:uFillTx/>
+                  <a:latin typeface="Calibri" panose="020F0502020204030204"/>
+                  <a:ea typeface="+mn-ea"/>
+                  <a:cs typeface="+mn-cs"/>
+                </a:endParaRPr>
+              </a:p>
+            </p:txBody>
+          </p:sp>
+          <p:sp>
+            <p:nvSpPr>
+              <p:cNvPr id="17" name="Rectangle 16">
+                <a:extLst>
+                  <a:ext uri="{FF2B5EF4-FFF2-40B4-BE49-F238E27FC236}">
+                    <a16:creationId xmlns:a16="http://schemas.microsoft.com/office/drawing/2014/main" id="{296F9FD6-EB6B-4F54-8A5B-302DFB992AF4}"/>
+                  </a:ext>
+                </a:extLst>
+              </p:cNvPr>
+              <p:cNvSpPr/>
+              <p:nvPr/>
+            </p:nvSpPr>
+            <p:spPr>
+              <a:xfrm>
+                <a:off x="2400764" y="2614268"/>
+                <a:ext cx="1055074" cy="864224"/>
+              </a:xfrm>
+              <a:prstGeom prst="rect">
+                <a:avLst/>
+              </a:prstGeom>
+              <a:solidFill>
+                <a:schemeClr val="accent5">
+                  <a:lumMod val="60000"/>
+                  <a:lumOff val="40000"/>
+                </a:schemeClr>
+              </a:solidFill>
+              <a:ln>
+                <a:solidFill>
+                  <a:schemeClr val="tx1"/>
+                </a:solidFill>
+              </a:ln>
+            </p:spPr>
+            <p:txBody>
+              <a:bodyPr rot="0" spcFirstLastPara="0" vertOverflow="overflow" horzOverflow="overflow" vert="horz" wrap="square" lIns="91440" tIns="45720" rIns="91440" bIns="45720" numCol="1" spcCol="0" rtlCol="0" fromWordArt="0" anchor="ctr" anchorCtr="0" forceAA="0" compatLnSpc="1">
+                <a:prstTxWarp prst="textNoShape">
+                  <a:avLst/>
+                </a:prstTxWarp>
+                <a:noAutofit/>
+              </a:bodyPr>
+              <a:lstStyle/>
+              <a:p>
+                <a:pPr marL="0" marR="0" lvl="0" indent="0" algn="ctr" defTabSz="914400" rtl="0" eaLnBrk="1" fontAlgn="auto" latinLnBrk="0" hangingPunct="1">
+                  <a:lnSpc>
+                    <a:spcPct val="100000"/>
+                  </a:lnSpc>
+                  <a:spcBef>
+                    <a:spcPts val="0"/>
+                  </a:spcBef>
+                  <a:spcAft>
+                    <a:spcPts val="0"/>
+                  </a:spcAft>
+                  <a:buClrTx/>
+                  <a:buSzTx/>
+                  <a:buFontTx/>
+                  <a:buNone/>
+                  <a:tabLst/>
+                  <a:defRPr/>
+                </a:pPr>
+                <a:endParaRPr kumimoji="0" lang="en-US" sz="1400" b="0" i="0" u="none" strike="noStrike" kern="0" cap="none" spc="0" normalizeH="0" baseline="0" noProof="0" dirty="0">
+                  <a:ln>
+                    <a:noFill/>
+                  </a:ln>
+                  <a:solidFill>
+                    <a:prstClr val="black"/>
+                  </a:solidFill>
+                  <a:effectLst/>
+                  <a:uLnTx/>
+                  <a:uFillTx/>
+                  <a:latin typeface="Calibri" panose="020F0502020204030204"/>
+                  <a:ea typeface="+mn-ea"/>
+                  <a:cs typeface="+mn-cs"/>
+                </a:endParaRPr>
+              </a:p>
+            </p:txBody>
+          </p:sp>
+        </p:grpSp>
+      </p:grpSp>
+      <p:sp>
+        <p:nvSpPr>
+          <p:cNvPr id="48" name="TextBox 47">
+            <a:extLst>
+              <a:ext uri="{FF2B5EF4-FFF2-40B4-BE49-F238E27FC236}">
+                <a16:creationId xmlns:a16="http://schemas.microsoft.com/office/drawing/2014/main" id="{001C9F14-35A8-4455-B0FA-EED95F119444}"/>
+              </a:ext>
+            </a:extLst>
+          </p:cNvPr>
+          <p:cNvSpPr txBox="1"/>
+          <p:nvPr/>
+        </p:nvSpPr>
+        <p:spPr>
+          <a:xfrm>
+            <a:off x="895931" y="968234"/>
+            <a:ext cx="2042556" cy="461665"/>
+          </a:xfrm>
+          <a:prstGeom prst="rect">
+            <a:avLst/>
+          </a:prstGeom>
+          <a:noFill/>
+        </p:spPr>
+        <p:txBody>
+          <a:bodyPr wrap="square" rtlCol="0">
+            <a:spAutoFit/>
+          </a:bodyPr>
+          <a:lstStyle/>
+          <a:p>
+            <a:pPr marL="0" marR="0" lvl="0" indent="0" algn="ctr" defTabSz="914400" rtl="0" eaLnBrk="1" fontAlgn="auto" latinLnBrk="0" hangingPunct="1">
+              <a:lnSpc>
+                <a:spcPct val="100000"/>
+              </a:lnSpc>
+              <a:spcBef>
+                <a:spcPts val="0"/>
+              </a:spcBef>
+              <a:spcAft>
+                <a:spcPts val="0"/>
+              </a:spcAft>
+              <a:buClrTx/>
+              <a:buSzTx/>
+              <a:buFontTx/>
+              <a:buNone/>
+              <a:tabLst/>
+              <a:defRPr/>
+            </a:pPr>
+            <a:r>
+              <a:rPr kumimoji="0" lang="en-US" sz="2400" b="0" i="0" u="none" strike="noStrike" kern="1200" cap="none" spc="0" normalizeH="0" baseline="0" noProof="0" dirty="0">
+                <a:ln>
+                  <a:noFill/>
+                </a:ln>
+                <a:solidFill>
+                  <a:srgbClr val="002A44"/>
+                </a:solidFill>
+                <a:effectLst/>
+                <a:uLnTx/>
+                <a:uFillTx/>
+                <a:latin typeface="Arial" panose="020B0604020202020204"/>
+                <a:ea typeface="+mn-ea"/>
+                <a:cs typeface="+mn-cs"/>
+              </a:rPr>
+              <a:t>Web</a:t>
+            </a:r>
+          </a:p>
+        </p:txBody>
+      </p:sp>
+      <p:sp>
+        <p:nvSpPr>
+          <p:cNvPr id="82" name="Rectangle 81">
+            <a:extLst>
+              <a:ext uri="{FF2B5EF4-FFF2-40B4-BE49-F238E27FC236}">
+                <a16:creationId xmlns:a16="http://schemas.microsoft.com/office/drawing/2014/main" id="{1C80CCE6-DA09-4B4E-B769-CA2CE3815708}"/>
+              </a:ext>
+            </a:extLst>
+          </p:cNvPr>
+          <p:cNvSpPr/>
+          <p:nvPr/>
+        </p:nvSpPr>
+        <p:spPr>
+          <a:xfrm>
+            <a:off x="95462" y="4314300"/>
+            <a:ext cx="3948387" cy="1589461"/>
+          </a:xfrm>
+          <a:prstGeom prst="rect">
+            <a:avLst/>
+          </a:prstGeom>
+          <a:solidFill>
+            <a:schemeClr val="bg1">
+              <a:lumMod val="95000"/>
+            </a:schemeClr>
+          </a:solidFill>
+          <a:ln>
+            <a:solidFill>
+              <a:schemeClr val="tx2">
+                <a:lumMod val="50000"/>
+                <a:lumOff val="50000"/>
+              </a:schemeClr>
+            </a:solidFill>
+            <a:prstDash val="dash"/>
+          </a:ln>
+        </p:spPr>
+        <p:style>
+          <a:lnRef idx="2">
+            <a:schemeClr val="accent1">
+              <a:shade val="50000"/>
+            </a:schemeClr>
+          </a:lnRef>
+          <a:fillRef idx="1">
+            <a:schemeClr val="accent1"/>
+          </a:fillRef>
+          <a:effectRef idx="0">
+            <a:schemeClr val="accent1"/>
+          </a:effectRef>
+          <a:fontRef idx="minor">
+            <a:schemeClr val="lt1"/>
+          </a:fontRef>
+        </p:style>
+        <p:txBody>
+          <a:bodyPr rtlCol="0" anchor="ctr"/>
+          <a:lstStyle/>
+          <a:p>
+            <a:pPr marL="0" marR="0" lvl="0" indent="0" algn="ctr" defTabSz="914400" rtl="0" eaLnBrk="1" fontAlgn="auto" latinLnBrk="0" hangingPunct="1">
+              <a:lnSpc>
+                <a:spcPct val="100000"/>
+              </a:lnSpc>
+              <a:spcBef>
+                <a:spcPts val="0"/>
+              </a:spcBef>
+              <a:spcAft>
+                <a:spcPts val="0"/>
+              </a:spcAft>
+              <a:buClrTx/>
+              <a:buSzTx/>
+              <a:buFontTx/>
+              <a:buNone/>
+              <a:tabLst/>
+              <a:defRPr/>
+            </a:pPr>
+            <a:endParaRPr kumimoji="0" lang="en-US" sz="1800" b="0" i="0" u="none" strike="noStrike" kern="1200" cap="none" spc="0" normalizeH="0" baseline="0" noProof="0">
+              <a:ln>
+                <a:noFill/>
+              </a:ln>
+              <a:solidFill>
+                <a:srgbClr val="FFFFFF"/>
+              </a:solidFill>
+              <a:effectLst/>
+              <a:uLnTx/>
+              <a:uFillTx/>
+              <a:latin typeface="Arial" panose="020B0604020202020204"/>
+              <a:ea typeface="+mn-ea"/>
+              <a:cs typeface="+mn-cs"/>
+            </a:endParaRPr>
+          </a:p>
+        </p:txBody>
+      </p:sp>
+      <p:sp>
+        <p:nvSpPr>
+          <p:cNvPr id="52" name="Rectangle 51">
+            <a:extLst>
+              <a:ext uri="{FF2B5EF4-FFF2-40B4-BE49-F238E27FC236}">
+                <a16:creationId xmlns:a16="http://schemas.microsoft.com/office/drawing/2014/main" id="{900558E5-1D07-4162-A621-2BBF3BC8EBA0}"/>
+              </a:ext>
+            </a:extLst>
+          </p:cNvPr>
+          <p:cNvSpPr/>
+          <p:nvPr/>
+        </p:nvSpPr>
+        <p:spPr>
+          <a:xfrm>
+            <a:off x="1422714" y="4870745"/>
+            <a:ext cx="2519724" cy="636135"/>
+          </a:xfrm>
+          <a:prstGeom prst="rect">
+            <a:avLst/>
+          </a:prstGeom>
+          <a:solidFill>
+            <a:srgbClr val="FFCD2F"/>
+          </a:solidFill>
+          <a:ln>
+            <a:solidFill>
+              <a:sysClr val="windowText" lastClr="000000"/>
+            </a:solidFill>
+          </a:ln>
+        </p:spPr>
+        <p:txBody>
+          <a:bodyPr rot="0" spcFirstLastPara="0" vertOverflow="overflow" horzOverflow="overflow" vert="horz" wrap="square" lIns="91440" tIns="45720" rIns="91440" bIns="45720" numCol="1" spcCol="0" rtlCol="0" fromWordArt="0" anchor="t" anchorCtr="0" forceAA="0" compatLnSpc="1">
+            <a:prstTxWarp prst="textNoShape">
+              <a:avLst/>
+            </a:prstTxWarp>
+            <a:noAutofit/>
+          </a:bodyPr>
+          <a:lstStyle/>
+          <a:p>
+            <a:pPr marL="0" marR="0" lvl="0" indent="0" algn="r" defTabSz="914400" rtl="0" eaLnBrk="1" fontAlgn="auto" latinLnBrk="0" hangingPunct="1">
+              <a:lnSpc>
+                <a:spcPct val="100000"/>
+              </a:lnSpc>
+              <a:spcBef>
+                <a:spcPts val="0"/>
+              </a:spcBef>
+              <a:spcAft>
+                <a:spcPts val="0"/>
+              </a:spcAft>
+              <a:buClrTx/>
+              <a:buSzTx/>
+              <a:buFontTx/>
+              <a:buNone/>
+              <a:tabLst/>
+              <a:defRPr/>
+            </a:pPr>
+            <a:endParaRPr kumimoji="0" lang="en-US" sz="1400" b="0" i="0" u="none" strike="noStrike" kern="0" cap="none" spc="0" normalizeH="0" baseline="0" noProof="0" dirty="0">
+              <a:ln>
+                <a:noFill/>
+              </a:ln>
+              <a:solidFill>
+                <a:prstClr val="black"/>
+              </a:solidFill>
+              <a:effectLst/>
+              <a:uLnTx/>
+              <a:uFillTx/>
+              <a:latin typeface="Calibri" panose="020F0502020204030204"/>
+              <a:ea typeface="+mn-ea"/>
+              <a:cs typeface="+mn-cs"/>
+            </a:endParaRPr>
+          </a:p>
+        </p:txBody>
+      </p:sp>
+      <p:sp>
+        <p:nvSpPr>
+          <p:cNvPr id="53" name="Rectangle 52">
+            <a:extLst>
+              <a:ext uri="{FF2B5EF4-FFF2-40B4-BE49-F238E27FC236}">
+                <a16:creationId xmlns:a16="http://schemas.microsoft.com/office/drawing/2014/main" id="{5123EA82-FEAA-4239-822A-5B798F7471C2}"/>
+              </a:ext>
+            </a:extLst>
+          </p:cNvPr>
+          <p:cNvSpPr/>
+          <p:nvPr/>
+        </p:nvSpPr>
+        <p:spPr>
+          <a:xfrm>
+            <a:off x="160741" y="4870743"/>
+            <a:ext cx="1257072" cy="652653"/>
+          </a:xfrm>
+          <a:prstGeom prst="rect">
+            <a:avLst/>
+          </a:prstGeom>
+          <a:solidFill>
+            <a:schemeClr val="bg1">
+              <a:lumMod val="85000"/>
+            </a:schemeClr>
+          </a:solidFill>
+          <a:ln>
+            <a:solidFill>
+              <a:schemeClr val="tx1"/>
+            </a:solidFill>
+          </a:ln>
+        </p:spPr>
+        <p:txBody>
+          <a:bodyPr rot="0" spcFirstLastPara="0" vertOverflow="overflow" horzOverflow="overflow" vert="horz" wrap="square" lIns="91440" tIns="45720" rIns="91440" bIns="45720" numCol="1" spcCol="0" rtlCol="0" fromWordArt="0" anchor="t" anchorCtr="0" forceAA="0" compatLnSpc="1">
+            <a:prstTxWarp prst="textNoShape">
+              <a:avLst/>
+            </a:prstTxWarp>
+            <a:noAutofit/>
+          </a:bodyPr>
+          <a:lstStyle/>
+          <a:p>
+            <a:pPr marL="0" marR="0" lvl="0" indent="0" algn="ctr" defTabSz="914400" rtl="0" eaLnBrk="1" fontAlgn="auto" latinLnBrk="0" hangingPunct="1">
+              <a:lnSpc>
+                <a:spcPct val="100000"/>
+              </a:lnSpc>
+              <a:spcBef>
+                <a:spcPts val="0"/>
+              </a:spcBef>
+              <a:spcAft>
+                <a:spcPts val="0"/>
+              </a:spcAft>
+              <a:buClrTx/>
+              <a:buSzTx/>
+              <a:buFontTx/>
+              <a:buNone/>
+              <a:tabLst/>
+              <a:defRPr/>
+            </a:pPr>
+            <a:r>
+              <a:rPr kumimoji="0" lang="en-US" sz="1400" b="0" i="0" u="none" strike="noStrike" kern="0" cap="none" spc="0" normalizeH="0" baseline="0" noProof="0" dirty="0">
+                <a:ln>
+                  <a:noFill/>
+                </a:ln>
+                <a:solidFill>
+                  <a:prstClr val="black"/>
+                </a:solidFill>
+                <a:effectLst/>
+                <a:uLnTx/>
+                <a:uFillTx/>
+                <a:latin typeface="Calibri" panose="020F0502020204030204"/>
+                <a:ea typeface="+mn-ea"/>
+                <a:cs typeface="+mn-cs"/>
+              </a:rPr>
+              <a:t> </a:t>
+            </a:r>
+          </a:p>
+          <a:p>
+            <a:pPr marL="0" marR="0" lvl="0" indent="0" algn="ctr" defTabSz="914400" rtl="0" eaLnBrk="1" fontAlgn="auto" latinLnBrk="0" hangingPunct="1">
+              <a:lnSpc>
+                <a:spcPct val="100000"/>
+              </a:lnSpc>
+              <a:spcBef>
+                <a:spcPts val="0"/>
+              </a:spcBef>
+              <a:spcAft>
+                <a:spcPts val="0"/>
+              </a:spcAft>
+              <a:buClrTx/>
+              <a:buSzTx/>
+              <a:buFontTx/>
+              <a:buNone/>
+              <a:tabLst/>
+              <a:defRPr/>
+            </a:pPr>
+            <a:endParaRPr kumimoji="0" lang="en-US" sz="1400" b="0" i="0" u="none" strike="noStrike" kern="0" cap="none" spc="0" normalizeH="0" baseline="0" noProof="0" dirty="0">
+              <a:ln>
+                <a:noFill/>
+              </a:ln>
+              <a:solidFill>
+                <a:prstClr val="black"/>
+              </a:solidFill>
+              <a:effectLst/>
+              <a:uLnTx/>
+              <a:uFillTx/>
+              <a:latin typeface="Calibri" panose="020F0502020204030204"/>
+              <a:ea typeface="+mn-ea"/>
+              <a:cs typeface="+mn-cs"/>
+            </a:endParaRPr>
+          </a:p>
+        </p:txBody>
+      </p:sp>
+      <p:sp>
+        <p:nvSpPr>
+          <p:cNvPr id="54" name="Rectangle 53">
+            <a:extLst>
+              <a:ext uri="{FF2B5EF4-FFF2-40B4-BE49-F238E27FC236}">
+                <a16:creationId xmlns:a16="http://schemas.microsoft.com/office/drawing/2014/main" id="{BD8DB740-F888-4EA5-A1D0-5B05026DB97D}"/>
+              </a:ext>
+            </a:extLst>
+          </p:cNvPr>
+          <p:cNvSpPr/>
+          <p:nvPr/>
+        </p:nvSpPr>
+        <p:spPr>
+          <a:xfrm>
+            <a:off x="157553" y="5506880"/>
+            <a:ext cx="3784885" cy="313758"/>
+          </a:xfrm>
+          <a:prstGeom prst="rect">
+            <a:avLst/>
+          </a:prstGeom>
+          <a:solidFill>
+            <a:schemeClr val="bg1">
+              <a:lumMod val="65000"/>
+            </a:schemeClr>
+          </a:solidFill>
+          <a:ln>
+            <a:solidFill>
+              <a:sysClr val="windowText" lastClr="000000"/>
+            </a:solidFill>
+          </a:ln>
+        </p:spPr>
+        <p:txBody>
+          <a:bodyPr rot="0" spcFirstLastPara="0" vertOverflow="overflow" horzOverflow="overflow" vert="horz" wrap="square" lIns="91440" tIns="45720" rIns="91440" bIns="45720" numCol="1" spcCol="0" rtlCol="0" fromWordArt="0" anchor="t" anchorCtr="0" forceAA="0" compatLnSpc="1">
+            <a:prstTxWarp prst="textNoShape">
+              <a:avLst/>
+            </a:prstTxWarp>
+            <a:noAutofit/>
+          </a:bodyPr>
+          <a:lstStyle/>
+          <a:p>
+            <a:pPr marL="0" marR="0" lvl="0" indent="0" algn="ctr" defTabSz="914400" rtl="0" eaLnBrk="1" fontAlgn="auto" latinLnBrk="0" hangingPunct="1">
+              <a:lnSpc>
+                <a:spcPct val="100000"/>
+              </a:lnSpc>
+              <a:spcBef>
+                <a:spcPts val="0"/>
+              </a:spcBef>
+              <a:spcAft>
+                <a:spcPts val="0"/>
+              </a:spcAft>
+              <a:buClrTx/>
+              <a:buSzTx/>
+              <a:buFontTx/>
+              <a:buNone/>
+              <a:tabLst/>
+              <a:defRPr/>
+            </a:pPr>
+            <a:endParaRPr kumimoji="0" lang="en-US" sz="1400" b="0" i="0" u="none" strike="noStrike" kern="0" cap="none" spc="0" normalizeH="0" baseline="0" noProof="0" dirty="0">
+              <a:ln>
+                <a:noFill/>
+              </a:ln>
+              <a:solidFill>
+                <a:prstClr val="black"/>
+              </a:solidFill>
+              <a:effectLst/>
+              <a:uLnTx/>
+              <a:uFillTx/>
+              <a:latin typeface="Calibri" panose="020F0502020204030204"/>
+              <a:ea typeface="+mn-ea"/>
+              <a:cs typeface="+mn-cs"/>
+            </a:endParaRPr>
+          </a:p>
+        </p:txBody>
+      </p:sp>
+      <p:sp>
+        <p:nvSpPr>
+          <p:cNvPr id="55" name="Rectangle 54">
+            <a:extLst>
+              <a:ext uri="{FF2B5EF4-FFF2-40B4-BE49-F238E27FC236}">
+                <a16:creationId xmlns:a16="http://schemas.microsoft.com/office/drawing/2014/main" id="{25BB9B89-2645-4118-8793-63568878E1D0}"/>
+              </a:ext>
+            </a:extLst>
+          </p:cNvPr>
+          <p:cNvSpPr/>
+          <p:nvPr/>
+        </p:nvSpPr>
+        <p:spPr>
+          <a:xfrm>
+            <a:off x="157553" y="4490467"/>
+            <a:ext cx="3784885" cy="386764"/>
+          </a:xfrm>
+          <a:prstGeom prst="rect">
+            <a:avLst/>
+          </a:prstGeom>
+          <a:solidFill>
+            <a:srgbClr val="FFFF99"/>
+          </a:solidFill>
+          <a:ln>
+            <a:solidFill>
+              <a:sysClr val="windowText" lastClr="000000"/>
+            </a:solidFill>
+          </a:ln>
+        </p:spPr>
+        <p:txBody>
+          <a:bodyPr rot="0" spcFirstLastPara="0" vertOverflow="overflow" horzOverflow="overflow" vert="horz" wrap="square" lIns="91440" tIns="45720" rIns="91440" bIns="45720" numCol="1" spcCol="0" rtlCol="0" fromWordArt="0" anchor="t" anchorCtr="0" forceAA="0" compatLnSpc="1">
+            <a:prstTxWarp prst="textNoShape">
+              <a:avLst/>
+            </a:prstTxWarp>
+            <a:noAutofit/>
+          </a:bodyPr>
+          <a:lstStyle/>
+          <a:p>
+            <a:pPr marL="0" marR="0" lvl="0" indent="0" algn="ctr" defTabSz="914400" rtl="0" eaLnBrk="1" fontAlgn="auto" latinLnBrk="0" hangingPunct="1">
+              <a:lnSpc>
+                <a:spcPct val="100000"/>
+              </a:lnSpc>
+              <a:spcBef>
+                <a:spcPts val="0"/>
+              </a:spcBef>
+              <a:spcAft>
+                <a:spcPts val="0"/>
+              </a:spcAft>
+              <a:buClrTx/>
+              <a:buSzTx/>
+              <a:buFontTx/>
+              <a:buNone/>
+              <a:tabLst/>
+              <a:defRPr/>
+            </a:pPr>
+            <a:endParaRPr kumimoji="0" lang="en-US" sz="1400" b="0" i="0" u="none" strike="noStrike" kern="0" cap="none" spc="0" normalizeH="0" baseline="0" noProof="0" dirty="0">
+              <a:ln>
+                <a:noFill/>
+              </a:ln>
+              <a:solidFill>
+                <a:prstClr val="black"/>
+              </a:solidFill>
+              <a:effectLst/>
+              <a:uLnTx/>
+              <a:uFillTx/>
+              <a:latin typeface="Calibri" panose="020F0502020204030204"/>
+              <a:ea typeface="+mn-ea"/>
+              <a:cs typeface="+mn-cs"/>
+            </a:endParaRPr>
+          </a:p>
+        </p:txBody>
+      </p:sp>
+      <p:sp>
+        <p:nvSpPr>
+          <p:cNvPr id="56" name="Rectangle 55">
+            <a:extLst>
+              <a:ext uri="{FF2B5EF4-FFF2-40B4-BE49-F238E27FC236}">
+                <a16:creationId xmlns:a16="http://schemas.microsoft.com/office/drawing/2014/main" id="{90C796F2-8D76-40E3-A4AB-3C19F475CEAD}"/>
+              </a:ext>
+            </a:extLst>
+          </p:cNvPr>
+          <p:cNvSpPr/>
+          <p:nvPr/>
+        </p:nvSpPr>
+        <p:spPr>
+          <a:xfrm>
+            <a:off x="1501798" y="4543491"/>
+            <a:ext cx="1100379" cy="881621"/>
+          </a:xfrm>
+          <a:prstGeom prst="rect">
+            <a:avLst/>
+          </a:prstGeom>
+          <a:solidFill>
+            <a:srgbClr val="FFCCFF"/>
+          </a:solidFill>
+          <a:ln>
+            <a:solidFill>
+              <a:sysClr val="windowText" lastClr="000000"/>
+            </a:solidFill>
+          </a:ln>
+        </p:spPr>
+        <p:txBody>
+          <a:bodyPr rot="0" spcFirstLastPara="0" vertOverflow="overflow" horzOverflow="overflow" vert="horz" wrap="square" lIns="91440" tIns="45720" rIns="91440" bIns="45720" numCol="1" spcCol="0" rtlCol="0" fromWordArt="0" anchor="ctr" anchorCtr="1" forceAA="0" compatLnSpc="1">
+            <a:prstTxWarp prst="textNoShape">
+              <a:avLst/>
+            </a:prstTxWarp>
+            <a:noAutofit/>
+          </a:bodyPr>
+          <a:lstStyle/>
+          <a:p>
+            <a:pPr marL="0" marR="0" lvl="0" indent="0" algn="ctr" defTabSz="914400" rtl="0" eaLnBrk="1" fontAlgn="auto" latinLnBrk="0" hangingPunct="1">
+              <a:lnSpc>
+                <a:spcPct val="100000"/>
+              </a:lnSpc>
+              <a:spcBef>
+                <a:spcPts val="0"/>
+              </a:spcBef>
+              <a:spcAft>
+                <a:spcPts val="0"/>
+              </a:spcAft>
+              <a:buClrTx/>
+              <a:buSzTx/>
+              <a:buFontTx/>
+              <a:buNone/>
+              <a:tabLst/>
+              <a:defRPr/>
+            </a:pPr>
+            <a:r>
+              <a:rPr kumimoji="0" lang="en-US" sz="1600" b="0" i="0" u="none" strike="noStrike" kern="0" cap="none" spc="0" normalizeH="0" baseline="0" noProof="0" dirty="0">
+                <a:ln>
+                  <a:noFill/>
+                </a:ln>
+                <a:solidFill>
+                  <a:prstClr val="black"/>
+                </a:solidFill>
+                <a:effectLst/>
+                <a:uLnTx/>
+                <a:uFillTx/>
+                <a:latin typeface="Calibri" panose="020F0502020204030204"/>
+                <a:ea typeface="+mn-ea"/>
+                <a:cs typeface="+mn-cs"/>
+              </a:rPr>
+              <a:t>Web</a:t>
+            </a:r>
+          </a:p>
+          <a:p>
+            <a:pPr marL="0" marR="0" lvl="0" indent="0" algn="ctr" defTabSz="914400" rtl="0" eaLnBrk="1" fontAlgn="auto" latinLnBrk="0" hangingPunct="1">
+              <a:lnSpc>
+                <a:spcPct val="100000"/>
+              </a:lnSpc>
+              <a:spcBef>
+                <a:spcPts val="0"/>
+              </a:spcBef>
+              <a:spcAft>
+                <a:spcPts val="0"/>
+              </a:spcAft>
+              <a:buClrTx/>
+              <a:buSzTx/>
+              <a:buFontTx/>
+              <a:buNone/>
+              <a:tabLst/>
+              <a:defRPr/>
+            </a:pPr>
+            <a:r>
+              <a:rPr kumimoji="0" lang="en-US" sz="1600" b="0" i="0" u="none" strike="noStrike" kern="0" cap="none" spc="0" normalizeH="0" baseline="0" noProof="0" dirty="0">
+                <a:ln>
+                  <a:noFill/>
+                </a:ln>
+                <a:solidFill>
+                  <a:prstClr val="black"/>
+                </a:solidFill>
+                <a:effectLst/>
+                <a:uLnTx/>
+                <a:uFillTx/>
+                <a:latin typeface="Calibri" panose="020F0502020204030204"/>
+                <a:ea typeface="+mn-ea"/>
+                <a:cs typeface="+mn-cs"/>
+              </a:rPr>
+              <a:t>RPC Manager</a:t>
+            </a:r>
+          </a:p>
+        </p:txBody>
+      </p:sp>
+      <p:sp>
+        <p:nvSpPr>
+          <p:cNvPr id="81" name="Rectangle 80">
+            <a:extLst>
+              <a:ext uri="{FF2B5EF4-FFF2-40B4-BE49-F238E27FC236}">
+                <a16:creationId xmlns:a16="http://schemas.microsoft.com/office/drawing/2014/main" id="{33412CB8-54BF-4948-ACB2-BDF8219C56D7}"/>
+              </a:ext>
+            </a:extLst>
+          </p:cNvPr>
+          <p:cNvSpPr/>
+          <p:nvPr/>
+        </p:nvSpPr>
+        <p:spPr>
+          <a:xfrm>
+            <a:off x="8139881" y="1429897"/>
+            <a:ext cx="3948387" cy="4491761"/>
+          </a:xfrm>
+          <a:prstGeom prst="rect">
+            <a:avLst/>
+          </a:prstGeom>
+          <a:solidFill>
+            <a:schemeClr val="bg1">
+              <a:lumMod val="95000"/>
+            </a:schemeClr>
+          </a:solidFill>
+          <a:ln>
+            <a:solidFill>
+              <a:schemeClr val="tx2">
+                <a:lumMod val="50000"/>
+                <a:lumOff val="50000"/>
+              </a:schemeClr>
+            </a:solidFill>
+            <a:prstDash val="dash"/>
+          </a:ln>
+        </p:spPr>
+        <p:style>
+          <a:lnRef idx="2">
+            <a:schemeClr val="accent1">
+              <a:shade val="50000"/>
+            </a:schemeClr>
+          </a:lnRef>
+          <a:fillRef idx="1">
+            <a:schemeClr val="accent1"/>
+          </a:fillRef>
+          <a:effectRef idx="0">
+            <a:schemeClr val="accent1"/>
+          </a:effectRef>
+          <a:fontRef idx="minor">
+            <a:schemeClr val="lt1"/>
+          </a:fontRef>
+        </p:style>
+        <p:txBody>
+          <a:bodyPr rtlCol="0" anchor="ctr"/>
+          <a:lstStyle/>
+          <a:p>
+            <a:pPr marL="0" marR="0" lvl="0" indent="0" algn="ctr" defTabSz="914400" rtl="0" eaLnBrk="1" fontAlgn="auto" latinLnBrk="0" hangingPunct="1">
+              <a:lnSpc>
+                <a:spcPct val="100000"/>
+              </a:lnSpc>
+              <a:spcBef>
+                <a:spcPts val="0"/>
+              </a:spcBef>
+              <a:spcAft>
+                <a:spcPts val="0"/>
+              </a:spcAft>
+              <a:buClrTx/>
+              <a:buSzTx/>
+              <a:buFontTx/>
+              <a:buNone/>
+              <a:tabLst/>
+              <a:defRPr/>
+            </a:pPr>
+            <a:endParaRPr kumimoji="0" lang="en-US" sz="1800" b="0" i="0" u="none" strike="noStrike" kern="1200" cap="none" spc="0" normalizeH="0" baseline="0" noProof="0">
+              <a:ln>
+                <a:noFill/>
+              </a:ln>
+              <a:solidFill>
+                <a:srgbClr val="FFFFFF"/>
+              </a:solidFill>
+              <a:effectLst/>
+              <a:uLnTx/>
+              <a:uFillTx/>
+              <a:latin typeface="Arial" panose="020B0604020202020204"/>
+              <a:ea typeface="+mn-ea"/>
+              <a:cs typeface="+mn-cs"/>
+            </a:endParaRPr>
+          </a:p>
+        </p:txBody>
+      </p:sp>
+      <p:grpSp>
+        <p:nvGrpSpPr>
+          <p:cNvPr id="18" name="Group 17">
+            <a:extLst>
+              <a:ext uri="{FF2B5EF4-FFF2-40B4-BE49-F238E27FC236}">
+                <a16:creationId xmlns:a16="http://schemas.microsoft.com/office/drawing/2014/main" id="{B91FF431-A3EC-4011-9D51-3F1C63861E8D}"/>
+              </a:ext>
+            </a:extLst>
+          </p:cNvPr>
+          <p:cNvGrpSpPr/>
+          <p:nvPr/>
+        </p:nvGrpSpPr>
+        <p:grpSpPr>
+          <a:xfrm>
+            <a:off x="8213136" y="1542670"/>
+            <a:ext cx="3785532" cy="2114403"/>
+            <a:chOff x="1965360" y="1109868"/>
+            <a:chExt cx="4253729" cy="2375913"/>
+          </a:xfrm>
+        </p:grpSpPr>
+        <p:sp>
+          <p:nvSpPr>
+            <p:cNvPr id="19" name="Rectangle 18">
+              <a:extLst>
+                <a:ext uri="{FF2B5EF4-FFF2-40B4-BE49-F238E27FC236}">
+                  <a16:creationId xmlns:a16="http://schemas.microsoft.com/office/drawing/2014/main" id="{8A586240-45F7-4A6E-8673-23D53532B51A}"/>
+                </a:ext>
+              </a:extLst>
+            </p:cNvPr>
+            <p:cNvSpPr/>
+            <p:nvPr/>
+          </p:nvSpPr>
+          <p:spPr>
+            <a:xfrm>
+              <a:off x="3630125" y="2801426"/>
+              <a:ext cx="2588963" cy="345843"/>
+            </a:xfrm>
+            <a:prstGeom prst="rect">
+              <a:avLst/>
+            </a:prstGeom>
+            <a:solidFill>
+              <a:schemeClr val="accent3">
+                <a:lumMod val="20000"/>
+                <a:lumOff val="80000"/>
+              </a:schemeClr>
+            </a:solidFill>
+            <a:ln>
+              <a:solidFill>
+                <a:schemeClr val="tx1"/>
+              </a:solidFill>
+            </a:ln>
+          </p:spPr>
+          <p:txBody>
+            <a:bodyPr rot="0" spcFirstLastPara="0" vertOverflow="overflow" horzOverflow="overflow" vert="horz" wrap="square" lIns="91440" tIns="45720" rIns="91440" bIns="45720" numCol="1" spcCol="0" rtlCol="0" fromWordArt="0" anchor="t" anchorCtr="0" forceAA="0" compatLnSpc="1">
+              <a:prstTxWarp prst="textNoShape">
+                <a:avLst/>
+              </a:prstTxWarp>
+              <a:spAutoFit/>
+            </a:bodyPr>
+            <a:lstStyle/>
+            <a:p>
+              <a:pPr marL="0" marR="0" lvl="0" indent="0" algn="ctr" defTabSz="914400" rtl="0" eaLnBrk="1" fontAlgn="auto" latinLnBrk="0" hangingPunct="1">
+                <a:lnSpc>
+                  <a:spcPct val="100000"/>
+                </a:lnSpc>
+                <a:spcBef>
+                  <a:spcPts val="0"/>
+                </a:spcBef>
+                <a:spcAft>
+                  <a:spcPts val="0"/>
+                </a:spcAft>
+                <a:buClrTx/>
+                <a:buSzTx/>
+                <a:buFontTx/>
+                <a:buNone/>
+                <a:tabLst/>
+                <a:defRPr/>
+              </a:pPr>
+              <a:endParaRPr kumimoji="0" lang="en-US" sz="1400" b="0" i="0" u="none" strike="noStrike" kern="0" cap="none" spc="0" normalizeH="0" baseline="0" noProof="0" dirty="0">
+                <a:ln>
+                  <a:noFill/>
+                </a:ln>
+                <a:solidFill>
+                  <a:prstClr val="black"/>
+                </a:solidFill>
+                <a:effectLst/>
+                <a:uLnTx/>
+                <a:uFillTx/>
+                <a:latin typeface="Calibri" panose="020F0502020204030204"/>
+                <a:ea typeface="+mn-ea"/>
+                <a:cs typeface="+mn-cs"/>
+              </a:endParaRPr>
+            </a:p>
+          </p:txBody>
+        </p:sp>
+        <p:sp>
+          <p:nvSpPr>
+            <p:cNvPr id="20" name="Rectangle 19">
+              <a:extLst>
+                <a:ext uri="{FF2B5EF4-FFF2-40B4-BE49-F238E27FC236}">
+                  <a16:creationId xmlns:a16="http://schemas.microsoft.com/office/drawing/2014/main" id="{F03463EE-CAE2-47B9-874F-474CACC756C4}"/>
+                </a:ext>
+              </a:extLst>
+            </p:cNvPr>
+            <p:cNvSpPr/>
+            <p:nvPr/>
+          </p:nvSpPr>
+          <p:spPr>
+            <a:xfrm>
+              <a:off x="3630005" y="2463865"/>
+              <a:ext cx="2588962" cy="345843"/>
+            </a:xfrm>
+            <a:prstGeom prst="rect">
+              <a:avLst/>
+            </a:prstGeom>
+            <a:solidFill>
+              <a:schemeClr val="accent3">
+                <a:lumMod val="20000"/>
+                <a:lumOff val="80000"/>
+              </a:schemeClr>
+            </a:solidFill>
+            <a:ln>
+              <a:solidFill>
+                <a:schemeClr val="tx1"/>
+              </a:solidFill>
+            </a:ln>
+          </p:spPr>
+          <p:txBody>
+            <a:bodyPr rot="0" spcFirstLastPara="0" vertOverflow="overflow" horzOverflow="overflow" vert="horz" wrap="square" lIns="91440" tIns="45720" rIns="91440" bIns="45720" numCol="1" spcCol="0" rtlCol="0" fromWordArt="0" anchor="t" anchorCtr="0" forceAA="0" compatLnSpc="1">
+              <a:prstTxWarp prst="textNoShape">
+                <a:avLst/>
+              </a:prstTxWarp>
+              <a:spAutoFit/>
+            </a:bodyPr>
+            <a:lstStyle/>
+            <a:p>
+              <a:pPr marL="0" marR="0" lvl="0" indent="0" algn="ctr" defTabSz="914400" rtl="0" eaLnBrk="1" fontAlgn="auto" latinLnBrk="0" hangingPunct="1">
+                <a:lnSpc>
+                  <a:spcPct val="100000"/>
+                </a:lnSpc>
+                <a:spcBef>
+                  <a:spcPts val="0"/>
+                </a:spcBef>
+                <a:spcAft>
+                  <a:spcPts val="0"/>
+                </a:spcAft>
+                <a:buClrTx/>
+                <a:buSzTx/>
+                <a:buFontTx/>
+                <a:buNone/>
+                <a:tabLst/>
+                <a:defRPr/>
+              </a:pPr>
+              <a:endParaRPr kumimoji="0" lang="en-US" sz="1400" b="0" i="0" u="none" strike="noStrike" kern="0" cap="none" spc="0" normalizeH="0" baseline="0" noProof="0" dirty="0">
+                <a:ln>
+                  <a:noFill/>
+                </a:ln>
+                <a:solidFill>
+                  <a:prstClr val="black"/>
+                </a:solidFill>
+                <a:effectLst/>
+                <a:uLnTx/>
+                <a:uFillTx/>
+                <a:latin typeface="Calibri" panose="020F0502020204030204"/>
+                <a:ea typeface="+mn-ea"/>
+                <a:cs typeface="+mn-cs"/>
+              </a:endParaRPr>
+            </a:p>
+          </p:txBody>
+        </p:sp>
+        <p:sp>
+          <p:nvSpPr>
+            <p:cNvPr id="21" name="Rectangle 20">
+              <a:extLst>
+                <a:ext uri="{FF2B5EF4-FFF2-40B4-BE49-F238E27FC236}">
+                  <a16:creationId xmlns:a16="http://schemas.microsoft.com/office/drawing/2014/main" id="{FA1A6B2E-E047-460A-8F98-D94896C575C8}"/>
+                </a:ext>
+              </a:extLst>
+            </p:cNvPr>
+            <p:cNvSpPr/>
+            <p:nvPr/>
+          </p:nvSpPr>
+          <p:spPr>
+            <a:xfrm>
+              <a:off x="3629884" y="2125332"/>
+              <a:ext cx="2588962" cy="345843"/>
+            </a:xfrm>
+            <a:prstGeom prst="rect">
+              <a:avLst/>
+            </a:prstGeom>
+            <a:solidFill>
+              <a:schemeClr val="accent3">
+                <a:lumMod val="20000"/>
+                <a:lumOff val="80000"/>
+              </a:schemeClr>
+            </a:solidFill>
+            <a:ln>
+              <a:solidFill>
+                <a:schemeClr val="tx1"/>
+              </a:solidFill>
+            </a:ln>
+          </p:spPr>
+          <p:txBody>
+            <a:bodyPr rot="0" spcFirstLastPara="0" vertOverflow="overflow" horzOverflow="overflow" vert="horz" wrap="square" lIns="91440" tIns="45720" rIns="91440" bIns="45720" numCol="1" spcCol="0" rtlCol="0" fromWordArt="0" anchor="t" anchorCtr="0" forceAA="0" compatLnSpc="1">
+              <a:prstTxWarp prst="textNoShape">
+                <a:avLst/>
+              </a:prstTxWarp>
+              <a:spAutoFit/>
+            </a:bodyPr>
+            <a:lstStyle/>
+            <a:p>
+              <a:pPr marL="0" marR="0" lvl="0" indent="0" algn="ctr" defTabSz="914400" rtl="0" eaLnBrk="1" fontAlgn="auto" latinLnBrk="0" hangingPunct="1">
+                <a:lnSpc>
+                  <a:spcPct val="100000"/>
+                </a:lnSpc>
+                <a:spcBef>
+                  <a:spcPts val="0"/>
+                </a:spcBef>
+                <a:spcAft>
+                  <a:spcPts val="0"/>
+                </a:spcAft>
+                <a:buClrTx/>
+                <a:buSzTx/>
+                <a:buFontTx/>
+                <a:buNone/>
+                <a:tabLst/>
+                <a:defRPr/>
+              </a:pPr>
+              <a:endParaRPr kumimoji="0" lang="en-US" sz="1400" b="0" i="0" u="none" strike="noStrike" kern="0" cap="none" spc="0" normalizeH="0" baseline="0" noProof="0" dirty="0">
+                <a:ln>
+                  <a:noFill/>
+                </a:ln>
+                <a:solidFill>
+                  <a:prstClr val="black"/>
+                </a:solidFill>
+                <a:effectLst/>
+                <a:uLnTx/>
+                <a:uFillTx/>
+                <a:latin typeface="Calibri" panose="020F0502020204030204"/>
+                <a:ea typeface="+mn-ea"/>
+                <a:cs typeface="+mn-cs"/>
+              </a:endParaRPr>
+            </a:p>
+          </p:txBody>
+        </p:sp>
+        <p:sp>
+          <p:nvSpPr>
+            <p:cNvPr id="22" name="Rectangle 21">
+              <a:extLst>
+                <a:ext uri="{FF2B5EF4-FFF2-40B4-BE49-F238E27FC236}">
+                  <a16:creationId xmlns:a16="http://schemas.microsoft.com/office/drawing/2014/main" id="{F91C50F0-1D50-4813-8217-BEE7611DEDB9}"/>
+                </a:ext>
+              </a:extLst>
+            </p:cNvPr>
+            <p:cNvSpPr/>
+            <p:nvPr/>
+          </p:nvSpPr>
+          <p:spPr>
+            <a:xfrm>
+              <a:off x="2400523" y="1448884"/>
+              <a:ext cx="3818082" cy="345843"/>
+            </a:xfrm>
+            <a:prstGeom prst="rect">
+              <a:avLst/>
+            </a:prstGeom>
+            <a:solidFill>
+              <a:srgbClr val="FFCD2F"/>
+            </a:solidFill>
+            <a:ln>
+              <a:solidFill>
+                <a:schemeClr val="tx1"/>
+              </a:solidFill>
+            </a:ln>
+          </p:spPr>
+          <p:txBody>
+            <a:bodyPr rot="0" spcFirstLastPara="0" vertOverflow="overflow" horzOverflow="overflow" vert="horz" wrap="square" lIns="91440" tIns="45720" rIns="91440" bIns="45720" numCol="1" spcCol="0" rtlCol="0" fromWordArt="0" anchor="t" anchorCtr="0" forceAA="0" compatLnSpc="1">
+              <a:prstTxWarp prst="textNoShape">
+                <a:avLst/>
+              </a:prstTxWarp>
+              <a:spAutoFit/>
+            </a:bodyPr>
+            <a:lstStyle/>
+            <a:p>
+              <a:pPr marL="0" marR="0" lvl="0" indent="0" algn="ctr" defTabSz="914400" rtl="0" eaLnBrk="1" fontAlgn="auto" latinLnBrk="0" hangingPunct="1">
+                <a:lnSpc>
+                  <a:spcPct val="100000"/>
+                </a:lnSpc>
+                <a:spcBef>
+                  <a:spcPts val="0"/>
+                </a:spcBef>
+                <a:spcAft>
+                  <a:spcPts val="0"/>
+                </a:spcAft>
+                <a:buClrTx/>
+                <a:buSzTx/>
+                <a:buFontTx/>
+                <a:buNone/>
+                <a:tabLst/>
+                <a:defRPr/>
+              </a:pPr>
+              <a:endParaRPr kumimoji="0" lang="en-US" sz="1400" b="0" i="0" u="none" strike="noStrike" kern="0" cap="none" spc="0" normalizeH="0" baseline="0" noProof="0" dirty="0">
+                <a:ln>
+                  <a:noFill/>
+                </a:ln>
+                <a:solidFill>
+                  <a:prstClr val="black"/>
+                </a:solidFill>
+                <a:effectLst/>
+                <a:uLnTx/>
+                <a:uFillTx/>
+                <a:latin typeface="Calibri" panose="020F0502020204030204"/>
+                <a:ea typeface="+mn-ea"/>
+                <a:cs typeface="+mn-cs"/>
+              </a:endParaRPr>
+            </a:p>
+          </p:txBody>
+        </p:sp>
+        <p:sp>
+          <p:nvSpPr>
+            <p:cNvPr id="23" name="Rectangle 22">
+              <a:extLst>
+                <a:ext uri="{FF2B5EF4-FFF2-40B4-BE49-F238E27FC236}">
+                  <a16:creationId xmlns:a16="http://schemas.microsoft.com/office/drawing/2014/main" id="{016165BC-BC32-41C3-999E-6CA776D5BEA0}"/>
+                </a:ext>
+              </a:extLst>
+            </p:cNvPr>
+            <p:cNvSpPr/>
+            <p:nvPr/>
+          </p:nvSpPr>
+          <p:spPr>
+            <a:xfrm>
+              <a:off x="2400280" y="1109868"/>
+              <a:ext cx="3818082" cy="345843"/>
+            </a:xfrm>
+            <a:prstGeom prst="rect">
+              <a:avLst/>
+            </a:prstGeom>
+            <a:solidFill>
+              <a:srgbClr val="FFFF99"/>
+            </a:solidFill>
+            <a:ln>
+              <a:solidFill>
+                <a:schemeClr val="tx1"/>
+              </a:solidFill>
+            </a:ln>
+          </p:spPr>
+          <p:txBody>
+            <a:bodyPr rot="0" spcFirstLastPara="0" vertOverflow="overflow" horzOverflow="overflow" vert="horz" wrap="square" lIns="91440" tIns="45720" rIns="91440" bIns="45720" numCol="1" spcCol="0" rtlCol="0" fromWordArt="0" anchor="t" anchorCtr="0" forceAA="0" compatLnSpc="1">
+              <a:prstTxWarp prst="textNoShape">
+                <a:avLst/>
+              </a:prstTxWarp>
+              <a:spAutoFit/>
+            </a:bodyPr>
+            <a:lstStyle/>
+            <a:p>
+              <a:pPr marL="0" marR="0" lvl="0" indent="0" algn="ctr" defTabSz="914400" rtl="0" eaLnBrk="1" fontAlgn="auto" latinLnBrk="0" hangingPunct="1">
+                <a:lnSpc>
+                  <a:spcPct val="100000"/>
+                </a:lnSpc>
+                <a:spcBef>
+                  <a:spcPts val="0"/>
+                </a:spcBef>
+                <a:spcAft>
+                  <a:spcPts val="0"/>
+                </a:spcAft>
+                <a:buClrTx/>
+                <a:buSzTx/>
+                <a:buFontTx/>
+                <a:buNone/>
+                <a:tabLst/>
+                <a:defRPr/>
+              </a:pPr>
+              <a:endParaRPr kumimoji="0" lang="en-US" sz="1400" b="0" i="0" u="none" strike="noStrike" kern="0" cap="none" spc="0" normalizeH="0" baseline="0" noProof="0" dirty="0">
+                <a:ln>
+                  <a:noFill/>
+                </a:ln>
+                <a:solidFill>
+                  <a:prstClr val="black"/>
+                </a:solidFill>
+                <a:effectLst/>
+                <a:uLnTx/>
+                <a:uFillTx/>
+                <a:latin typeface="Calibri" panose="020F0502020204030204"/>
+                <a:ea typeface="+mn-ea"/>
+                <a:cs typeface="+mn-cs"/>
+              </a:endParaRPr>
+            </a:p>
+          </p:txBody>
+        </p:sp>
+        <p:sp>
+          <p:nvSpPr>
+            <p:cNvPr id="24" name="Rectangle 23">
+              <a:extLst>
+                <a:ext uri="{FF2B5EF4-FFF2-40B4-BE49-F238E27FC236}">
+                  <a16:creationId xmlns:a16="http://schemas.microsoft.com/office/drawing/2014/main" id="{2B970798-FD52-4A26-BE7A-CF7F767570B3}"/>
+                </a:ext>
+              </a:extLst>
+            </p:cNvPr>
+            <p:cNvSpPr/>
+            <p:nvPr/>
+          </p:nvSpPr>
+          <p:spPr>
+            <a:xfrm>
+              <a:off x="3446707" y="1785274"/>
+              <a:ext cx="186741" cy="1693218"/>
+            </a:xfrm>
+            <a:prstGeom prst="rect">
+              <a:avLst/>
+            </a:prstGeom>
+            <a:solidFill>
+              <a:schemeClr val="tx1"/>
+            </a:solidFill>
+            <a:ln>
+              <a:solidFill>
+                <a:schemeClr val="tx1"/>
+              </a:solidFill>
+            </a:ln>
+          </p:spPr>
+          <p:style>
+            <a:lnRef idx="2">
+              <a:schemeClr val="accent1">
+                <a:shade val="50000"/>
+              </a:schemeClr>
+            </a:lnRef>
+            <a:fillRef idx="1">
+              <a:schemeClr val="accent1"/>
+            </a:fillRef>
+            <a:effectRef idx="0">
+              <a:schemeClr val="accent1"/>
+            </a:effectRef>
+            <a:fontRef idx="minor">
+              <a:schemeClr val="lt1"/>
+            </a:fontRef>
+          </p:style>
+          <p:txBody>
+            <a:bodyPr rtlCol="0" anchor="ctr"/>
+            <a:lstStyle/>
+            <a:p>
+              <a:pPr marL="0" marR="0" lvl="0" indent="0" algn="ctr" defTabSz="914400" rtl="0" eaLnBrk="1" fontAlgn="auto" latinLnBrk="0" hangingPunct="1">
+                <a:lnSpc>
+                  <a:spcPct val="100000"/>
+                </a:lnSpc>
+                <a:spcBef>
+                  <a:spcPts val="0"/>
+                </a:spcBef>
+                <a:spcAft>
+                  <a:spcPts val="0"/>
+                </a:spcAft>
+                <a:buClrTx/>
+                <a:buSzTx/>
+                <a:buFontTx/>
+                <a:buNone/>
+                <a:tabLst/>
+                <a:defRPr/>
+              </a:pPr>
+              <a:endParaRPr kumimoji="0" lang="en-US" sz="1600" b="0" i="0" u="none" strike="noStrike" kern="1200" cap="none" spc="0" normalizeH="0" baseline="0" noProof="0">
+                <a:ln>
+                  <a:noFill/>
+                </a:ln>
+                <a:solidFill>
+                  <a:srgbClr val="FFFFFF"/>
+                </a:solidFill>
+                <a:effectLst/>
+                <a:uLnTx/>
+                <a:uFillTx/>
+                <a:latin typeface="Arial" panose="020B0604020202020204"/>
+                <a:ea typeface="+mn-ea"/>
+                <a:cs typeface="+mn-cs"/>
+              </a:endParaRPr>
+            </a:p>
+          </p:txBody>
+        </p:sp>
+        <p:sp>
+          <p:nvSpPr>
+            <p:cNvPr id="25" name="Rectangle 24">
+              <a:extLst>
+                <a:ext uri="{FF2B5EF4-FFF2-40B4-BE49-F238E27FC236}">
+                  <a16:creationId xmlns:a16="http://schemas.microsoft.com/office/drawing/2014/main" id="{C9890D1D-0280-46C8-9E9B-17A0356D64E0}"/>
+                </a:ext>
+              </a:extLst>
+            </p:cNvPr>
+            <p:cNvSpPr/>
+            <p:nvPr/>
+          </p:nvSpPr>
+          <p:spPr>
+            <a:xfrm>
+              <a:off x="1975814" y="1110818"/>
+              <a:ext cx="424222" cy="345843"/>
+            </a:xfrm>
+            <a:prstGeom prst="rect">
+              <a:avLst/>
+            </a:prstGeom>
+            <a:solidFill>
+              <a:srgbClr val="FFFF99"/>
+            </a:solidFill>
+            <a:ln>
+              <a:solidFill>
+                <a:schemeClr val="tx1"/>
+              </a:solidFill>
+            </a:ln>
+          </p:spPr>
+          <p:txBody>
+            <a:bodyPr rot="0" spcFirstLastPara="0" vertOverflow="overflow" horzOverflow="overflow" vert="horz" wrap="square" lIns="91440" tIns="45720" rIns="91440" bIns="45720" numCol="1" spcCol="0" rtlCol="0" fromWordArt="0" anchor="t" anchorCtr="0" forceAA="0" compatLnSpc="1">
+              <a:prstTxWarp prst="textNoShape">
+                <a:avLst/>
+              </a:prstTxWarp>
+              <a:spAutoFit/>
+            </a:bodyPr>
+            <a:lstStyle/>
+            <a:p>
+              <a:pPr marL="0" marR="0" lvl="0" indent="0" algn="ctr" defTabSz="914400" rtl="0" eaLnBrk="1" fontAlgn="auto" latinLnBrk="0" hangingPunct="1">
+                <a:lnSpc>
+                  <a:spcPct val="100000"/>
+                </a:lnSpc>
+                <a:spcBef>
+                  <a:spcPts val="0"/>
+                </a:spcBef>
+                <a:spcAft>
+                  <a:spcPts val="0"/>
+                </a:spcAft>
+                <a:buClrTx/>
+                <a:buSzTx/>
+                <a:buFontTx/>
+                <a:buNone/>
+                <a:tabLst/>
+                <a:defRPr/>
+              </a:pPr>
+              <a:endParaRPr kumimoji="0" lang="en-US" sz="1400" b="0" i="0" u="none" strike="noStrike" kern="0" cap="none" spc="0" normalizeH="0" baseline="0" noProof="0" dirty="0">
+                <a:ln>
+                  <a:noFill/>
+                </a:ln>
+                <a:solidFill>
+                  <a:prstClr val="black"/>
+                </a:solidFill>
+                <a:effectLst/>
+                <a:uLnTx/>
+                <a:uFillTx/>
+                <a:latin typeface="Calibri" panose="020F0502020204030204"/>
+                <a:ea typeface="+mn-ea"/>
+                <a:cs typeface="+mn-cs"/>
+              </a:endParaRPr>
+            </a:p>
+          </p:txBody>
+        </p:sp>
+        <p:sp>
+          <p:nvSpPr>
+            <p:cNvPr id="26" name="Rectangle 25">
+              <a:extLst>
+                <a:ext uri="{FF2B5EF4-FFF2-40B4-BE49-F238E27FC236}">
+                  <a16:creationId xmlns:a16="http://schemas.microsoft.com/office/drawing/2014/main" id="{2CD0D80D-317C-4133-BB24-2B8496643658}"/>
+                </a:ext>
+              </a:extLst>
+            </p:cNvPr>
+            <p:cNvSpPr/>
+            <p:nvPr/>
+          </p:nvSpPr>
+          <p:spPr>
+            <a:xfrm>
+              <a:off x="1974715" y="1447670"/>
+              <a:ext cx="425321" cy="345843"/>
+            </a:xfrm>
+            <a:prstGeom prst="rect">
+              <a:avLst/>
+            </a:prstGeom>
+            <a:solidFill>
+              <a:srgbClr val="FFCD2F"/>
+            </a:solidFill>
+            <a:ln>
+              <a:solidFill>
+                <a:schemeClr val="tx1"/>
+              </a:solidFill>
+            </a:ln>
+          </p:spPr>
+          <p:txBody>
+            <a:bodyPr rot="0" spcFirstLastPara="0" vertOverflow="overflow" horzOverflow="overflow" vert="horz" wrap="square" lIns="91440" tIns="45720" rIns="91440" bIns="45720" numCol="1" spcCol="0" rtlCol="0" fromWordArt="0" anchor="t" anchorCtr="0" forceAA="0" compatLnSpc="1">
+              <a:prstTxWarp prst="textNoShape">
+                <a:avLst/>
+              </a:prstTxWarp>
+              <a:spAutoFit/>
+            </a:bodyPr>
+            <a:lstStyle/>
+            <a:p>
+              <a:pPr marL="0" marR="0" lvl="0" indent="0" algn="ctr" defTabSz="914400" rtl="0" eaLnBrk="1" fontAlgn="auto" latinLnBrk="0" hangingPunct="1">
+                <a:lnSpc>
+                  <a:spcPct val="100000"/>
+                </a:lnSpc>
+                <a:spcBef>
+                  <a:spcPts val="0"/>
+                </a:spcBef>
+                <a:spcAft>
+                  <a:spcPts val="0"/>
+                </a:spcAft>
+                <a:buClrTx/>
+                <a:buSzTx/>
+                <a:buFontTx/>
+                <a:buNone/>
+                <a:tabLst/>
+                <a:defRPr/>
+              </a:pPr>
+              <a:endParaRPr kumimoji="0" lang="en-US" sz="1400" b="0" i="0" u="none" strike="noStrike" kern="0" cap="none" spc="0" normalizeH="0" baseline="0" noProof="0" dirty="0">
+                <a:ln>
+                  <a:noFill/>
+                </a:ln>
+                <a:solidFill>
+                  <a:prstClr val="black"/>
+                </a:solidFill>
+                <a:effectLst/>
+                <a:uLnTx/>
+                <a:uFillTx/>
+                <a:latin typeface="Calibri" panose="020F0502020204030204"/>
+                <a:ea typeface="+mn-ea"/>
+                <a:cs typeface="+mn-cs"/>
+              </a:endParaRPr>
+            </a:p>
+          </p:txBody>
+        </p:sp>
+        <p:sp>
+          <p:nvSpPr>
+            <p:cNvPr id="27" name="Rectangle 26">
+              <a:extLst>
+                <a:ext uri="{FF2B5EF4-FFF2-40B4-BE49-F238E27FC236}">
+                  <a16:creationId xmlns:a16="http://schemas.microsoft.com/office/drawing/2014/main" id="{B441D4A2-E4CC-43AA-9ADE-C5CDBB4D9696}"/>
+                </a:ext>
+              </a:extLst>
+            </p:cNvPr>
+            <p:cNvSpPr/>
+            <p:nvPr/>
+          </p:nvSpPr>
+          <p:spPr>
+            <a:xfrm>
+              <a:off x="3629764" y="1787286"/>
+              <a:ext cx="2589082" cy="345843"/>
+            </a:xfrm>
+            <a:prstGeom prst="rect">
+              <a:avLst/>
+            </a:prstGeom>
+            <a:solidFill>
+              <a:schemeClr val="accent3">
+                <a:lumMod val="60000"/>
+                <a:lumOff val="40000"/>
+              </a:schemeClr>
+            </a:solidFill>
+            <a:ln>
+              <a:solidFill>
+                <a:schemeClr val="tx1"/>
+              </a:solidFill>
+            </a:ln>
+          </p:spPr>
+          <p:txBody>
+            <a:bodyPr wrap="square" rtlCol="0">
+              <a:spAutoFit/>
+            </a:bodyPr>
+            <a:lstStyle/>
+            <a:p>
+              <a:pPr marL="0" marR="0" lvl="0" indent="0" algn="ctr" defTabSz="914400" rtl="0" eaLnBrk="1" fontAlgn="auto" latinLnBrk="0" hangingPunct="1">
+                <a:lnSpc>
+                  <a:spcPct val="100000"/>
+                </a:lnSpc>
+                <a:spcBef>
+                  <a:spcPts val="0"/>
+                </a:spcBef>
+                <a:spcAft>
+                  <a:spcPts val="0"/>
+                </a:spcAft>
+                <a:buClrTx/>
+                <a:buSzTx/>
+                <a:buFontTx/>
+                <a:buNone/>
+                <a:tabLst/>
+                <a:defRPr/>
+              </a:pPr>
+              <a:endParaRPr kumimoji="0" lang="en-US" sz="1400" b="0" i="0" u="none" strike="noStrike" kern="0" cap="none" spc="0" normalizeH="0" baseline="0" noProof="0" dirty="0">
+                <a:ln>
+                  <a:noFill/>
+                </a:ln>
+                <a:solidFill>
+                  <a:prstClr val="black"/>
+                </a:solidFill>
+                <a:effectLst/>
+                <a:uLnTx/>
+                <a:uFillTx/>
+                <a:latin typeface="Calibri" panose="020F0502020204030204"/>
+                <a:ea typeface="+mn-ea"/>
+                <a:cs typeface="+mn-cs"/>
+              </a:endParaRPr>
+            </a:p>
+          </p:txBody>
+        </p:sp>
+        <p:sp>
+          <p:nvSpPr>
+            <p:cNvPr id="28" name="Rectangle 27">
+              <a:extLst>
+                <a:ext uri="{FF2B5EF4-FFF2-40B4-BE49-F238E27FC236}">
+                  <a16:creationId xmlns:a16="http://schemas.microsoft.com/office/drawing/2014/main" id="{8D99607A-D93C-4D02-A536-66433EB2EA22}"/>
+                </a:ext>
+              </a:extLst>
+            </p:cNvPr>
+            <p:cNvSpPr/>
+            <p:nvPr/>
+          </p:nvSpPr>
+          <p:spPr>
+            <a:xfrm>
+              <a:off x="3630126" y="3139938"/>
+              <a:ext cx="2588963" cy="345843"/>
+            </a:xfrm>
+            <a:prstGeom prst="rect">
+              <a:avLst/>
+            </a:prstGeom>
+            <a:solidFill>
+              <a:schemeClr val="accent3">
+                <a:lumMod val="20000"/>
+                <a:lumOff val="80000"/>
+              </a:schemeClr>
+            </a:solidFill>
+            <a:ln>
+              <a:solidFill>
+                <a:schemeClr val="tx1"/>
+              </a:solidFill>
+            </a:ln>
+          </p:spPr>
+          <p:txBody>
+            <a:bodyPr rot="0" spcFirstLastPara="0" vertOverflow="overflow" horzOverflow="overflow" vert="horz" wrap="square" lIns="91440" tIns="45720" rIns="91440" bIns="45720" numCol="1" spcCol="0" rtlCol="0" fromWordArt="0" anchor="t" anchorCtr="0" forceAA="0" compatLnSpc="1">
+              <a:prstTxWarp prst="textNoShape">
+                <a:avLst/>
+              </a:prstTxWarp>
+              <a:spAutoFit/>
+            </a:bodyPr>
+            <a:lstStyle/>
+            <a:p>
+              <a:pPr marL="0" marR="0" lvl="0" indent="0" algn="ctr" defTabSz="914400" rtl="0" eaLnBrk="1" fontAlgn="auto" latinLnBrk="0" hangingPunct="1">
+                <a:lnSpc>
+                  <a:spcPct val="100000"/>
+                </a:lnSpc>
+                <a:spcBef>
+                  <a:spcPts val="0"/>
+                </a:spcBef>
+                <a:spcAft>
+                  <a:spcPts val="0"/>
+                </a:spcAft>
+                <a:buClrTx/>
+                <a:buSzTx/>
+                <a:buFontTx/>
+                <a:buNone/>
+                <a:tabLst/>
+                <a:defRPr/>
+              </a:pPr>
+              <a:endParaRPr kumimoji="0" lang="en-US" sz="1400" b="0" i="0" u="none" strike="noStrike" kern="0" cap="none" spc="0" normalizeH="0" baseline="0" noProof="0" dirty="0">
+                <a:ln>
+                  <a:noFill/>
+                </a:ln>
+                <a:solidFill>
+                  <a:prstClr val="black"/>
+                </a:solidFill>
+                <a:effectLst/>
+                <a:uLnTx/>
+                <a:uFillTx/>
+                <a:latin typeface="Calibri" panose="020F0502020204030204"/>
+                <a:ea typeface="+mn-ea"/>
+                <a:cs typeface="+mn-cs"/>
+              </a:endParaRPr>
+            </a:p>
+          </p:txBody>
+        </p:sp>
+        <p:grpSp>
+          <p:nvGrpSpPr>
+            <p:cNvPr id="29" name="Group 28">
+              <a:extLst>
+                <a:ext uri="{FF2B5EF4-FFF2-40B4-BE49-F238E27FC236}">
+                  <a16:creationId xmlns:a16="http://schemas.microsoft.com/office/drawing/2014/main" id="{50EDB9B4-1B0C-4257-9EE8-3E92C3ED1128}"/>
+                </a:ext>
+              </a:extLst>
+            </p:cNvPr>
+            <p:cNvGrpSpPr/>
+            <p:nvPr/>
+          </p:nvGrpSpPr>
+          <p:grpSpPr>
+            <a:xfrm>
+              <a:off x="1965360" y="1783849"/>
+              <a:ext cx="1490478" cy="1694643"/>
+              <a:chOff x="1965360" y="1783849"/>
+              <a:chExt cx="1490478" cy="1694643"/>
+            </a:xfrm>
+          </p:grpSpPr>
+          <p:sp>
+            <p:nvSpPr>
+              <p:cNvPr id="30" name="Rectangle 29">
+                <a:extLst>
+                  <a:ext uri="{FF2B5EF4-FFF2-40B4-BE49-F238E27FC236}">
+                    <a16:creationId xmlns:a16="http://schemas.microsoft.com/office/drawing/2014/main" id="{834C243B-C118-4D25-8B99-D6A950F3C63E}"/>
+                  </a:ext>
+                </a:extLst>
+              </p:cNvPr>
+              <p:cNvSpPr/>
+              <p:nvPr/>
+            </p:nvSpPr>
+            <p:spPr>
+              <a:xfrm>
+                <a:off x="1965360" y="1785274"/>
+                <a:ext cx="449596" cy="1693218"/>
+              </a:xfrm>
+              <a:prstGeom prst="rect">
+                <a:avLst/>
+              </a:prstGeom>
+              <a:solidFill>
+                <a:schemeClr val="accent2"/>
+              </a:solidFill>
+              <a:ln w="9525">
+                <a:solidFill>
+                  <a:schemeClr val="tx1"/>
+                </a:solidFill>
+              </a:ln>
+            </p:spPr>
+            <p:style>
+              <a:lnRef idx="2">
+                <a:schemeClr val="accent1">
+                  <a:shade val="50000"/>
+                </a:schemeClr>
+              </a:lnRef>
+              <a:fillRef idx="1">
+                <a:schemeClr val="accent1"/>
+              </a:fillRef>
+              <a:effectRef idx="0">
+                <a:schemeClr val="accent1"/>
+              </a:effectRef>
+              <a:fontRef idx="minor">
+                <a:schemeClr val="lt1"/>
+              </a:fontRef>
+            </p:style>
+            <p:txBody>
+              <a:bodyPr vert="vert270" wrap="square" rtlCol="0" anchor="ctr">
+                <a:spAutoFit/>
+              </a:bodyPr>
+              <a:lstStyle/>
+              <a:p>
+                <a:pPr marL="0" marR="0" lvl="0" indent="0" algn="ctr" defTabSz="914400" rtl="0" eaLnBrk="1" fontAlgn="auto" latinLnBrk="0" hangingPunct="1">
+                  <a:lnSpc>
+                    <a:spcPct val="100000"/>
+                  </a:lnSpc>
+                  <a:spcBef>
+                    <a:spcPts val="0"/>
+                  </a:spcBef>
+                  <a:spcAft>
+                    <a:spcPts val="0"/>
+                  </a:spcAft>
+                  <a:buClrTx/>
+                  <a:buSzTx/>
+                  <a:buFontTx/>
+                  <a:buNone/>
+                  <a:tabLst/>
+                  <a:defRPr/>
+                </a:pPr>
+                <a:r>
+                  <a:rPr kumimoji="0" lang="en-US" sz="1400" b="0" i="0" u="none" strike="noStrike" kern="0" cap="none" spc="0" normalizeH="0" baseline="0" noProof="0" dirty="0">
+                    <a:ln>
+                      <a:noFill/>
+                    </a:ln>
+                    <a:solidFill>
+                      <a:prstClr val="black"/>
+                    </a:solidFill>
+                    <a:effectLst/>
+                    <a:uLnTx/>
+                    <a:uFillTx/>
+                    <a:latin typeface="Calibri" panose="020F0502020204030204"/>
+                    <a:ea typeface="+mn-ea"/>
+                    <a:cs typeface="+mn-cs"/>
+                  </a:rPr>
+                  <a:t> </a:t>
+                </a:r>
+                <a:endParaRPr kumimoji="0" lang="en-US" sz="1600" b="0" i="0" u="none" strike="noStrike" kern="1200" cap="none" spc="0" normalizeH="0" baseline="0" noProof="0" dirty="0">
+                  <a:ln>
+                    <a:noFill/>
+                  </a:ln>
+                  <a:solidFill>
+                    <a:srgbClr val="FFFFFF"/>
+                  </a:solidFill>
+                  <a:effectLst/>
+                  <a:uLnTx/>
+                  <a:uFillTx/>
+                  <a:latin typeface="Arial" panose="020B0604020202020204"/>
+                  <a:ea typeface="+mn-ea"/>
+                  <a:cs typeface="+mn-cs"/>
+                </a:endParaRPr>
+              </a:p>
+            </p:txBody>
+          </p:sp>
+          <p:sp>
+            <p:nvSpPr>
+              <p:cNvPr id="31" name="Rectangle 30">
+                <a:extLst>
+                  <a:ext uri="{FF2B5EF4-FFF2-40B4-BE49-F238E27FC236}">
+                    <a16:creationId xmlns:a16="http://schemas.microsoft.com/office/drawing/2014/main" id="{598689FD-E696-452A-96F2-973CA9309D2D}"/>
+                  </a:ext>
+                </a:extLst>
+              </p:cNvPr>
+              <p:cNvSpPr/>
+              <p:nvPr/>
+            </p:nvSpPr>
+            <p:spPr>
+              <a:xfrm>
+                <a:off x="2400764" y="1783849"/>
+                <a:ext cx="1055074" cy="830419"/>
+              </a:xfrm>
+              <a:prstGeom prst="rect">
+                <a:avLst/>
+              </a:prstGeom>
+              <a:solidFill>
+                <a:schemeClr val="accent5">
+                  <a:lumMod val="40000"/>
+                  <a:lumOff val="60000"/>
+                </a:schemeClr>
+              </a:solidFill>
+              <a:ln>
+                <a:solidFill>
+                  <a:schemeClr val="tx1"/>
+                </a:solidFill>
+              </a:ln>
+            </p:spPr>
+            <p:txBody>
+              <a:bodyPr rot="0" spcFirstLastPara="0" vertOverflow="overflow" horzOverflow="overflow" vert="horz" wrap="square" lIns="91440" tIns="45720" rIns="91440" bIns="45720" numCol="1" spcCol="0" rtlCol="0" fromWordArt="0" anchor="ctr" anchorCtr="0" forceAA="0" compatLnSpc="1">
+                <a:prstTxWarp prst="textNoShape">
+                  <a:avLst/>
+                </a:prstTxWarp>
+                <a:noAutofit/>
+              </a:bodyPr>
+              <a:lstStyle/>
+              <a:p>
+                <a:pPr marL="0" marR="0" lvl="0" indent="0" algn="ctr" defTabSz="914400" rtl="0" eaLnBrk="1" fontAlgn="auto" latinLnBrk="0" hangingPunct="1">
+                  <a:lnSpc>
+                    <a:spcPct val="100000"/>
+                  </a:lnSpc>
+                  <a:spcBef>
+                    <a:spcPts val="0"/>
+                  </a:spcBef>
+                  <a:spcAft>
+                    <a:spcPts val="0"/>
+                  </a:spcAft>
+                  <a:buClrTx/>
+                  <a:buSzTx/>
+                  <a:buFontTx/>
+                  <a:buNone/>
+                  <a:tabLst/>
+                  <a:defRPr/>
+                </a:pPr>
+                <a:endParaRPr kumimoji="0" lang="en-US" sz="1400" b="0" i="0" u="none" strike="noStrike" kern="0" cap="none" spc="0" normalizeH="0" baseline="0" noProof="0" dirty="0">
+                  <a:ln>
+                    <a:noFill/>
+                  </a:ln>
+                  <a:solidFill>
+                    <a:prstClr val="black"/>
+                  </a:solidFill>
+                  <a:effectLst/>
+                  <a:uLnTx/>
+                  <a:uFillTx/>
+                  <a:latin typeface="Calibri" panose="020F0502020204030204"/>
+                  <a:ea typeface="+mn-ea"/>
+                  <a:cs typeface="+mn-cs"/>
+                </a:endParaRPr>
+              </a:p>
+            </p:txBody>
+          </p:sp>
+          <p:sp>
+            <p:nvSpPr>
+              <p:cNvPr id="32" name="Rectangle 31">
+                <a:extLst>
+                  <a:ext uri="{FF2B5EF4-FFF2-40B4-BE49-F238E27FC236}">
+                    <a16:creationId xmlns:a16="http://schemas.microsoft.com/office/drawing/2014/main" id="{15630FCF-6A17-4A55-9485-0478F624A9ED}"/>
+                  </a:ext>
+                </a:extLst>
+              </p:cNvPr>
+              <p:cNvSpPr/>
+              <p:nvPr/>
+            </p:nvSpPr>
+            <p:spPr>
+              <a:xfrm>
+                <a:off x="2400764" y="2614268"/>
+                <a:ext cx="1055074" cy="864224"/>
+              </a:xfrm>
+              <a:prstGeom prst="rect">
+                <a:avLst/>
+              </a:prstGeom>
+              <a:solidFill>
+                <a:schemeClr val="accent5">
+                  <a:lumMod val="60000"/>
+                  <a:lumOff val="40000"/>
+                </a:schemeClr>
+              </a:solidFill>
+              <a:ln>
+                <a:solidFill>
+                  <a:schemeClr val="tx1"/>
+                </a:solidFill>
+              </a:ln>
+            </p:spPr>
+            <p:txBody>
+              <a:bodyPr rot="0" spcFirstLastPara="0" vertOverflow="overflow" horzOverflow="overflow" vert="horz" wrap="square" lIns="91440" tIns="45720" rIns="91440" bIns="45720" numCol="1" spcCol="0" rtlCol="0" fromWordArt="0" anchor="ctr" anchorCtr="0" forceAA="0" compatLnSpc="1">
+                <a:prstTxWarp prst="textNoShape">
+                  <a:avLst/>
+                </a:prstTxWarp>
+                <a:noAutofit/>
+              </a:bodyPr>
+              <a:lstStyle/>
+              <a:p>
+                <a:pPr marL="0" marR="0" lvl="0" indent="0" algn="ctr" defTabSz="914400" rtl="0" eaLnBrk="1" fontAlgn="auto" latinLnBrk="0" hangingPunct="1">
+                  <a:lnSpc>
+                    <a:spcPct val="100000"/>
+                  </a:lnSpc>
+                  <a:spcBef>
+                    <a:spcPts val="0"/>
+                  </a:spcBef>
+                  <a:spcAft>
+                    <a:spcPts val="0"/>
+                  </a:spcAft>
+                  <a:buClrTx/>
+                  <a:buSzTx/>
+                  <a:buFontTx/>
+                  <a:buNone/>
+                  <a:tabLst/>
+                  <a:defRPr/>
+                </a:pPr>
+                <a:endParaRPr kumimoji="0" lang="en-US" sz="1400" b="0" i="0" u="none" strike="noStrike" kern="0" cap="none" spc="0" normalizeH="0" baseline="0" noProof="0" dirty="0">
+                  <a:ln>
+                    <a:noFill/>
+                  </a:ln>
+                  <a:solidFill>
+                    <a:prstClr val="black"/>
+                  </a:solidFill>
+                  <a:effectLst/>
+                  <a:uLnTx/>
+                  <a:uFillTx/>
+                  <a:latin typeface="Calibri" panose="020F0502020204030204"/>
+                  <a:ea typeface="+mn-ea"/>
+                  <a:cs typeface="+mn-cs"/>
+                </a:endParaRPr>
+              </a:p>
+            </p:txBody>
+          </p:sp>
+        </p:grpSp>
+      </p:grpSp>
+      <p:sp>
+        <p:nvSpPr>
+          <p:cNvPr id="49" name="TextBox 48">
+            <a:extLst>
+              <a:ext uri="{FF2B5EF4-FFF2-40B4-BE49-F238E27FC236}">
+                <a16:creationId xmlns:a16="http://schemas.microsoft.com/office/drawing/2014/main" id="{E1DEDE34-0870-4B2A-BB21-4F04D2F63F23}"/>
+              </a:ext>
+            </a:extLst>
+          </p:cNvPr>
+          <p:cNvSpPr txBox="1"/>
+          <p:nvPr/>
+        </p:nvSpPr>
+        <p:spPr>
+          <a:xfrm>
+            <a:off x="9070088" y="968234"/>
+            <a:ext cx="2042556" cy="461665"/>
+          </a:xfrm>
+          <a:prstGeom prst="rect">
+            <a:avLst/>
+          </a:prstGeom>
+          <a:noFill/>
+        </p:spPr>
+        <p:txBody>
+          <a:bodyPr wrap="square" rtlCol="0">
+            <a:spAutoFit/>
+          </a:bodyPr>
+          <a:lstStyle/>
+          <a:p>
+            <a:pPr marL="0" marR="0" lvl="0" indent="0" algn="ctr" defTabSz="914400" rtl="0" eaLnBrk="1" fontAlgn="auto" latinLnBrk="0" hangingPunct="1">
+              <a:lnSpc>
+                <a:spcPct val="100000"/>
+              </a:lnSpc>
+              <a:spcBef>
+                <a:spcPts val="0"/>
+              </a:spcBef>
+              <a:spcAft>
+                <a:spcPts val="0"/>
+              </a:spcAft>
+              <a:buClrTx/>
+              <a:buSzTx/>
+              <a:buFontTx/>
+              <a:buNone/>
+              <a:tabLst/>
+              <a:defRPr/>
+            </a:pPr>
+            <a:r>
+              <a:rPr kumimoji="0" lang="en-US" sz="2400" b="0" i="0" u="none" strike="noStrike" kern="1200" cap="none" spc="0" normalizeH="0" baseline="0" noProof="0" dirty="0">
+                <a:ln>
+                  <a:noFill/>
+                </a:ln>
+                <a:solidFill>
+                  <a:srgbClr val="002A44"/>
+                </a:solidFill>
+                <a:effectLst/>
+                <a:uLnTx/>
+                <a:uFillTx/>
+                <a:latin typeface="Arial" panose="020B0604020202020204"/>
+                <a:ea typeface="+mn-ea"/>
+                <a:cs typeface="+mn-cs"/>
+              </a:rPr>
+              <a:t>Mobile</a:t>
+            </a:r>
+          </a:p>
+        </p:txBody>
+      </p:sp>
+      <p:sp>
+        <p:nvSpPr>
+          <p:cNvPr id="70" name="Rectangle 69">
+            <a:extLst>
+              <a:ext uri="{FF2B5EF4-FFF2-40B4-BE49-F238E27FC236}">
+                <a16:creationId xmlns:a16="http://schemas.microsoft.com/office/drawing/2014/main" id="{A2E33365-4497-4463-9C66-99EAD729DFEE}"/>
+              </a:ext>
+            </a:extLst>
+          </p:cNvPr>
+          <p:cNvSpPr/>
+          <p:nvPr/>
+        </p:nvSpPr>
+        <p:spPr>
+          <a:xfrm>
+            <a:off x="9486622" y="4873735"/>
+            <a:ext cx="2519724" cy="636135"/>
+          </a:xfrm>
+          <a:prstGeom prst="rect">
+            <a:avLst/>
+          </a:prstGeom>
+          <a:solidFill>
+            <a:srgbClr val="FFCD2F"/>
+          </a:solidFill>
+          <a:ln>
+            <a:solidFill>
+              <a:sysClr val="windowText" lastClr="000000"/>
+            </a:solidFill>
+          </a:ln>
+        </p:spPr>
+        <p:txBody>
+          <a:bodyPr rot="0" spcFirstLastPara="0" vertOverflow="overflow" horzOverflow="overflow" vert="horz" wrap="square" lIns="91440" tIns="45720" rIns="91440" bIns="45720" numCol="1" spcCol="0" rtlCol="0" fromWordArt="0" anchor="t" anchorCtr="0" forceAA="0" compatLnSpc="1">
+            <a:prstTxWarp prst="textNoShape">
+              <a:avLst/>
+            </a:prstTxWarp>
+            <a:noAutofit/>
+          </a:bodyPr>
+          <a:lstStyle/>
+          <a:p>
+            <a:pPr marL="0" marR="0" lvl="0" indent="0" algn="r" defTabSz="914400" rtl="0" eaLnBrk="1" fontAlgn="auto" latinLnBrk="0" hangingPunct="1">
+              <a:lnSpc>
+                <a:spcPct val="100000"/>
+              </a:lnSpc>
+              <a:spcBef>
+                <a:spcPts val="0"/>
+              </a:spcBef>
+              <a:spcAft>
+                <a:spcPts val="0"/>
+              </a:spcAft>
+              <a:buClrTx/>
+              <a:buSzTx/>
+              <a:buFontTx/>
+              <a:buNone/>
+              <a:tabLst/>
+              <a:defRPr/>
+            </a:pPr>
+            <a:endParaRPr kumimoji="0" lang="en-US" sz="1400" b="0" i="0" u="none" strike="noStrike" kern="0" cap="none" spc="0" normalizeH="0" baseline="0" noProof="0" dirty="0">
+              <a:ln>
+                <a:noFill/>
+              </a:ln>
+              <a:solidFill>
+                <a:prstClr val="black"/>
+              </a:solidFill>
+              <a:effectLst/>
+              <a:uLnTx/>
+              <a:uFillTx/>
+              <a:latin typeface="Calibri" panose="020F0502020204030204"/>
+              <a:ea typeface="+mn-ea"/>
+              <a:cs typeface="+mn-cs"/>
+            </a:endParaRPr>
+          </a:p>
+        </p:txBody>
+      </p:sp>
+      <p:sp>
+        <p:nvSpPr>
+          <p:cNvPr id="71" name="Rectangle 70">
+            <a:extLst>
+              <a:ext uri="{FF2B5EF4-FFF2-40B4-BE49-F238E27FC236}">
+                <a16:creationId xmlns:a16="http://schemas.microsoft.com/office/drawing/2014/main" id="{272E46B1-DB82-45BB-A398-E9E441F8CE33}"/>
+              </a:ext>
+            </a:extLst>
+          </p:cNvPr>
+          <p:cNvSpPr/>
+          <p:nvPr/>
+        </p:nvSpPr>
+        <p:spPr>
+          <a:xfrm>
+            <a:off x="8224649" y="4873734"/>
+            <a:ext cx="1257072" cy="741869"/>
+          </a:xfrm>
+          <a:prstGeom prst="rect">
+            <a:avLst/>
+          </a:prstGeom>
+          <a:solidFill>
+            <a:schemeClr val="bg1">
+              <a:lumMod val="85000"/>
+            </a:schemeClr>
+          </a:solidFill>
+          <a:ln>
+            <a:solidFill>
+              <a:schemeClr val="tx1"/>
+            </a:solidFill>
+          </a:ln>
+        </p:spPr>
+        <p:txBody>
+          <a:bodyPr rot="0" spcFirstLastPara="0" vertOverflow="overflow" horzOverflow="overflow" vert="horz" wrap="square" lIns="91440" tIns="45720" rIns="91440" bIns="45720" numCol="1" spcCol="0" rtlCol="0" fromWordArt="0" anchor="t" anchorCtr="0" forceAA="0" compatLnSpc="1">
+            <a:prstTxWarp prst="textNoShape">
+              <a:avLst/>
+            </a:prstTxWarp>
+            <a:noAutofit/>
+          </a:bodyPr>
+          <a:lstStyle/>
+          <a:p>
+            <a:pPr marL="0" marR="0" lvl="0" indent="0" algn="ctr" defTabSz="914400" rtl="0" eaLnBrk="1" fontAlgn="auto" latinLnBrk="0" hangingPunct="1">
+              <a:lnSpc>
+                <a:spcPct val="100000"/>
+              </a:lnSpc>
+              <a:spcBef>
+                <a:spcPts val="0"/>
+              </a:spcBef>
+              <a:spcAft>
+                <a:spcPts val="0"/>
+              </a:spcAft>
+              <a:buClrTx/>
+              <a:buSzTx/>
+              <a:buFontTx/>
+              <a:buNone/>
+              <a:tabLst/>
+              <a:defRPr/>
+            </a:pPr>
+            <a:endParaRPr kumimoji="0" lang="en-US" sz="1400" b="0" i="0" u="none" strike="noStrike" kern="0" cap="none" spc="0" normalizeH="0" baseline="0" noProof="0" dirty="0">
+              <a:ln>
+                <a:noFill/>
+              </a:ln>
+              <a:solidFill>
+                <a:prstClr val="black"/>
+              </a:solidFill>
+              <a:effectLst/>
+              <a:uLnTx/>
+              <a:uFillTx/>
+              <a:latin typeface="Calibri" panose="020F0502020204030204"/>
+              <a:ea typeface="+mn-ea"/>
+              <a:cs typeface="+mn-cs"/>
+            </a:endParaRPr>
+          </a:p>
+        </p:txBody>
+      </p:sp>
+      <p:sp>
+        <p:nvSpPr>
+          <p:cNvPr id="72" name="Rectangle 71">
+            <a:extLst>
+              <a:ext uri="{FF2B5EF4-FFF2-40B4-BE49-F238E27FC236}">
+                <a16:creationId xmlns:a16="http://schemas.microsoft.com/office/drawing/2014/main" id="{648E0CED-8C98-4090-AC8B-A7D72EAE6E31}"/>
+              </a:ext>
+            </a:extLst>
+          </p:cNvPr>
+          <p:cNvSpPr/>
+          <p:nvPr/>
+        </p:nvSpPr>
+        <p:spPr>
+          <a:xfrm>
+            <a:off x="8221461" y="5509870"/>
+            <a:ext cx="3784885" cy="307777"/>
+          </a:xfrm>
+          <a:prstGeom prst="rect">
+            <a:avLst/>
+          </a:prstGeom>
+          <a:solidFill>
+            <a:schemeClr val="bg1">
+              <a:lumMod val="65000"/>
+            </a:schemeClr>
+          </a:solidFill>
+          <a:ln>
+            <a:solidFill>
+              <a:sysClr val="windowText" lastClr="000000"/>
+            </a:solidFill>
+          </a:ln>
+        </p:spPr>
+        <p:txBody>
+          <a:bodyPr rot="0" spcFirstLastPara="0" vertOverflow="overflow" horzOverflow="overflow" vert="horz" wrap="square" lIns="91440" tIns="45720" rIns="91440" bIns="45720" numCol="1" spcCol="0" rtlCol="0" fromWordArt="0" anchor="t" anchorCtr="0" forceAA="0" compatLnSpc="1">
+            <a:prstTxWarp prst="textNoShape">
+              <a:avLst/>
+            </a:prstTxWarp>
+            <a:noAutofit/>
+          </a:bodyPr>
+          <a:lstStyle/>
+          <a:p>
+            <a:pPr marL="0" marR="0" lvl="0" indent="0" algn="ctr" defTabSz="914400" rtl="0" eaLnBrk="1" fontAlgn="auto" latinLnBrk="0" hangingPunct="1">
+              <a:lnSpc>
+                <a:spcPct val="100000"/>
+              </a:lnSpc>
+              <a:spcBef>
+                <a:spcPts val="0"/>
+              </a:spcBef>
+              <a:spcAft>
+                <a:spcPts val="0"/>
+              </a:spcAft>
+              <a:buClrTx/>
+              <a:buSzTx/>
+              <a:buFontTx/>
+              <a:buNone/>
+              <a:tabLst/>
+              <a:defRPr/>
+            </a:pPr>
+            <a:endParaRPr kumimoji="0" lang="en-US" sz="1400" b="0" i="0" u="none" strike="noStrike" kern="0" cap="none" spc="0" normalizeH="0" baseline="0" noProof="0" dirty="0">
+              <a:ln>
+                <a:noFill/>
+              </a:ln>
+              <a:solidFill>
+                <a:prstClr val="black"/>
+              </a:solidFill>
+              <a:effectLst/>
+              <a:uLnTx/>
+              <a:uFillTx/>
+              <a:latin typeface="Calibri" panose="020F0502020204030204"/>
+              <a:ea typeface="+mn-ea"/>
+              <a:cs typeface="+mn-cs"/>
+            </a:endParaRPr>
+          </a:p>
+        </p:txBody>
+      </p:sp>
+      <p:sp>
+        <p:nvSpPr>
+          <p:cNvPr id="73" name="Rectangle 72">
+            <a:extLst>
+              <a:ext uri="{FF2B5EF4-FFF2-40B4-BE49-F238E27FC236}">
+                <a16:creationId xmlns:a16="http://schemas.microsoft.com/office/drawing/2014/main" id="{750C2676-78D8-4619-A905-F0440B881A7B}"/>
+              </a:ext>
+            </a:extLst>
+          </p:cNvPr>
+          <p:cNvSpPr/>
+          <p:nvPr/>
+        </p:nvSpPr>
+        <p:spPr>
+          <a:xfrm>
+            <a:off x="8221461" y="4493457"/>
+            <a:ext cx="3784885" cy="373791"/>
+          </a:xfrm>
+          <a:prstGeom prst="rect">
+            <a:avLst/>
+          </a:prstGeom>
+          <a:solidFill>
+            <a:srgbClr val="FFFF99"/>
+          </a:solidFill>
+          <a:ln>
+            <a:solidFill>
+              <a:sysClr val="windowText" lastClr="000000"/>
+            </a:solidFill>
+          </a:ln>
+        </p:spPr>
+        <p:txBody>
+          <a:bodyPr rot="0" spcFirstLastPara="0" vertOverflow="overflow" horzOverflow="overflow" vert="horz" wrap="square" lIns="91440" tIns="45720" rIns="91440" bIns="45720" numCol="1" spcCol="0" rtlCol="0" fromWordArt="0" anchor="t" anchorCtr="0" forceAA="0" compatLnSpc="1">
+            <a:prstTxWarp prst="textNoShape">
+              <a:avLst/>
+            </a:prstTxWarp>
+            <a:noAutofit/>
+          </a:bodyPr>
+          <a:lstStyle/>
+          <a:p>
+            <a:pPr marL="0" marR="0" lvl="0" indent="0" algn="ctr" defTabSz="914400" rtl="0" eaLnBrk="1" fontAlgn="auto" latinLnBrk="0" hangingPunct="1">
+              <a:lnSpc>
+                <a:spcPct val="100000"/>
+              </a:lnSpc>
+              <a:spcBef>
+                <a:spcPts val="0"/>
+              </a:spcBef>
+              <a:spcAft>
+                <a:spcPts val="0"/>
+              </a:spcAft>
+              <a:buClrTx/>
+              <a:buSzTx/>
+              <a:buFontTx/>
+              <a:buNone/>
+              <a:tabLst/>
+              <a:defRPr/>
+            </a:pPr>
+            <a:endParaRPr kumimoji="0" lang="en-US" sz="1400" b="0" i="0" u="none" strike="noStrike" kern="0" cap="none" spc="0" normalizeH="0" baseline="0" noProof="0" dirty="0">
+              <a:ln>
+                <a:noFill/>
+              </a:ln>
+              <a:solidFill>
+                <a:prstClr val="black"/>
+              </a:solidFill>
+              <a:effectLst/>
+              <a:uLnTx/>
+              <a:uFillTx/>
+              <a:latin typeface="Calibri" panose="020F0502020204030204"/>
+              <a:ea typeface="+mn-ea"/>
+              <a:cs typeface="+mn-cs"/>
+            </a:endParaRPr>
+          </a:p>
+        </p:txBody>
+      </p:sp>
+      <p:sp>
+        <p:nvSpPr>
+          <p:cNvPr id="74" name="Rectangle 73">
+            <a:extLst>
+              <a:ext uri="{FF2B5EF4-FFF2-40B4-BE49-F238E27FC236}">
+                <a16:creationId xmlns:a16="http://schemas.microsoft.com/office/drawing/2014/main" id="{72FD23C8-77F8-43A9-BACA-1B7409465FBF}"/>
+              </a:ext>
+            </a:extLst>
+          </p:cNvPr>
+          <p:cNvSpPr/>
+          <p:nvPr/>
+        </p:nvSpPr>
+        <p:spPr>
+          <a:xfrm>
+            <a:off x="9565706" y="4546481"/>
+            <a:ext cx="1100379" cy="881621"/>
+          </a:xfrm>
+          <a:prstGeom prst="rect">
+            <a:avLst/>
+          </a:prstGeom>
+          <a:solidFill>
+            <a:srgbClr val="FFCCFF"/>
+          </a:solidFill>
+          <a:ln>
+            <a:solidFill>
+              <a:sysClr val="windowText" lastClr="000000"/>
+            </a:solidFill>
+          </a:ln>
+        </p:spPr>
+        <p:txBody>
+          <a:bodyPr rot="0" spcFirstLastPara="0" vertOverflow="overflow" horzOverflow="overflow" vert="horz" wrap="square" lIns="91440" tIns="45720" rIns="91440" bIns="45720" numCol="1" spcCol="0" rtlCol="0" fromWordArt="0" anchor="ctr" anchorCtr="1" forceAA="0" compatLnSpc="1">
+            <a:prstTxWarp prst="textNoShape">
+              <a:avLst/>
+            </a:prstTxWarp>
+            <a:noAutofit/>
+          </a:bodyPr>
+          <a:lstStyle/>
+          <a:p>
+            <a:pPr marL="0" marR="0" lvl="0" indent="0" algn="ctr" defTabSz="914400" rtl="0" eaLnBrk="1" fontAlgn="auto" latinLnBrk="0" hangingPunct="1">
+              <a:lnSpc>
+                <a:spcPct val="100000"/>
+              </a:lnSpc>
+              <a:spcBef>
+                <a:spcPts val="0"/>
+              </a:spcBef>
+              <a:spcAft>
+                <a:spcPts val="0"/>
+              </a:spcAft>
+              <a:buClrTx/>
+              <a:buSzTx/>
+              <a:buFontTx/>
+              <a:buNone/>
+              <a:tabLst/>
+              <a:defRPr/>
+            </a:pPr>
+            <a:r>
+              <a:rPr kumimoji="0" lang="en-US" sz="1600" b="0" i="0" u="none" strike="noStrike" kern="0" cap="none" spc="0" normalizeH="0" baseline="0" noProof="0" dirty="0">
+                <a:ln>
+                  <a:noFill/>
+                </a:ln>
+                <a:solidFill>
+                  <a:prstClr val="black"/>
+                </a:solidFill>
+                <a:effectLst/>
+                <a:uLnTx/>
+                <a:uFillTx/>
+                <a:latin typeface="Calibri" panose="020F0502020204030204"/>
+                <a:ea typeface="+mn-ea"/>
+                <a:cs typeface="+mn-cs"/>
+              </a:rPr>
+              <a:t>Mobile</a:t>
+            </a:r>
+          </a:p>
+          <a:p>
+            <a:pPr marL="0" marR="0" lvl="0" indent="0" algn="ctr" defTabSz="914400" rtl="0" eaLnBrk="1" fontAlgn="auto" latinLnBrk="0" hangingPunct="1">
+              <a:lnSpc>
+                <a:spcPct val="100000"/>
+              </a:lnSpc>
+              <a:spcBef>
+                <a:spcPts val="0"/>
+              </a:spcBef>
+              <a:spcAft>
+                <a:spcPts val="0"/>
+              </a:spcAft>
+              <a:buClrTx/>
+              <a:buSzTx/>
+              <a:buFontTx/>
+              <a:buNone/>
+              <a:tabLst/>
+              <a:defRPr/>
+            </a:pPr>
+            <a:r>
+              <a:rPr lang="en-US" sz="1600" kern="0" dirty="0">
+                <a:solidFill>
+                  <a:prstClr val="black"/>
+                </a:solidFill>
+                <a:latin typeface="Calibri" panose="020F0502020204030204"/>
+              </a:rPr>
+              <a:t>RPC</a:t>
+            </a:r>
+          </a:p>
+          <a:p>
+            <a:pPr marL="0" marR="0" lvl="0" indent="0" algn="ctr" defTabSz="914400" rtl="0" eaLnBrk="1" fontAlgn="auto" latinLnBrk="0" hangingPunct="1">
+              <a:lnSpc>
+                <a:spcPct val="100000"/>
+              </a:lnSpc>
+              <a:spcBef>
+                <a:spcPts val="0"/>
+              </a:spcBef>
+              <a:spcAft>
+                <a:spcPts val="0"/>
+              </a:spcAft>
+              <a:buClrTx/>
+              <a:buSzTx/>
+              <a:buFontTx/>
+              <a:buNone/>
+              <a:tabLst/>
+              <a:defRPr/>
+            </a:pPr>
+            <a:r>
+              <a:rPr kumimoji="0" lang="en-US" sz="1600" b="0" i="0" u="none" strike="noStrike" kern="0" cap="none" spc="0" normalizeH="0" baseline="0" noProof="0" dirty="0">
+                <a:ln>
+                  <a:noFill/>
+                </a:ln>
+                <a:solidFill>
+                  <a:prstClr val="black"/>
+                </a:solidFill>
+                <a:effectLst/>
+                <a:uLnTx/>
+                <a:uFillTx/>
+                <a:latin typeface="Calibri" panose="020F0502020204030204"/>
+                <a:ea typeface="+mn-ea"/>
+                <a:cs typeface="+mn-cs"/>
+              </a:rPr>
+              <a:t>Manager</a:t>
+            </a:r>
+            <a:endParaRPr kumimoji="0" lang="en-US" sz="1400" b="0" i="0" u="none" strike="noStrike" kern="0" cap="none" spc="0" normalizeH="0" baseline="0" noProof="0" dirty="0">
+              <a:ln>
+                <a:noFill/>
+              </a:ln>
+              <a:solidFill>
+                <a:prstClr val="black"/>
+              </a:solidFill>
+              <a:effectLst/>
+              <a:uLnTx/>
+              <a:uFillTx/>
+              <a:latin typeface="Calibri" panose="020F0502020204030204"/>
+              <a:ea typeface="+mn-ea"/>
+              <a:cs typeface="+mn-cs"/>
+            </a:endParaRPr>
+          </a:p>
+        </p:txBody>
+      </p:sp>
+      <p:sp>
+        <p:nvSpPr>
+          <p:cNvPr id="58" name="Rectangle 57">
+            <a:extLst>
+              <a:ext uri="{FF2B5EF4-FFF2-40B4-BE49-F238E27FC236}">
+                <a16:creationId xmlns:a16="http://schemas.microsoft.com/office/drawing/2014/main" id="{E7A7D16C-5EF1-493A-9711-351639D524C3}"/>
+              </a:ext>
+            </a:extLst>
+          </p:cNvPr>
+          <p:cNvSpPr/>
+          <p:nvPr/>
+        </p:nvSpPr>
+        <p:spPr>
+          <a:xfrm>
+            <a:off x="4121806" y="1429898"/>
+            <a:ext cx="3948387" cy="4491761"/>
+          </a:xfrm>
+          <a:prstGeom prst="rect">
+            <a:avLst/>
+          </a:prstGeom>
+          <a:solidFill>
+            <a:schemeClr val="bg1">
+              <a:lumMod val="95000"/>
+            </a:schemeClr>
+          </a:solidFill>
+          <a:ln>
+            <a:solidFill>
+              <a:schemeClr val="tx2">
+                <a:lumMod val="50000"/>
+                <a:lumOff val="50000"/>
+              </a:schemeClr>
+            </a:solidFill>
+            <a:prstDash val="dash"/>
+          </a:ln>
+        </p:spPr>
+        <p:style>
+          <a:lnRef idx="2">
+            <a:schemeClr val="accent1">
+              <a:shade val="50000"/>
+            </a:schemeClr>
+          </a:lnRef>
+          <a:fillRef idx="1">
+            <a:schemeClr val="accent1"/>
+          </a:fillRef>
+          <a:effectRef idx="0">
+            <a:schemeClr val="accent1"/>
+          </a:effectRef>
+          <a:fontRef idx="minor">
+            <a:schemeClr val="lt1"/>
+          </a:fontRef>
+        </p:style>
+        <p:txBody>
+          <a:bodyPr rtlCol="0" anchor="ctr"/>
+          <a:lstStyle/>
+          <a:p>
+            <a:pPr marL="0" marR="0" lvl="0" indent="0" algn="ctr" defTabSz="914400" rtl="0" eaLnBrk="1" fontAlgn="auto" latinLnBrk="0" hangingPunct="1">
+              <a:lnSpc>
+                <a:spcPct val="100000"/>
+              </a:lnSpc>
+              <a:spcBef>
+                <a:spcPts val="0"/>
+              </a:spcBef>
+              <a:spcAft>
+                <a:spcPts val="0"/>
+              </a:spcAft>
+              <a:buClrTx/>
+              <a:buSzTx/>
+              <a:buFontTx/>
+              <a:buNone/>
+              <a:tabLst/>
+              <a:defRPr/>
+            </a:pPr>
+            <a:endParaRPr kumimoji="0" lang="en-US" sz="1800" b="0" i="0" u="none" strike="noStrike" kern="1200" cap="none" spc="0" normalizeH="0" baseline="0" noProof="0">
+              <a:ln>
+                <a:noFill/>
+              </a:ln>
+              <a:solidFill>
+                <a:srgbClr val="FFFFFF"/>
+              </a:solidFill>
+              <a:effectLst/>
+              <a:uLnTx/>
+              <a:uFillTx/>
+              <a:latin typeface="Arial" panose="020B0604020202020204"/>
+              <a:ea typeface="+mn-ea"/>
+              <a:cs typeface="+mn-cs"/>
+            </a:endParaRPr>
+          </a:p>
+        </p:txBody>
+      </p:sp>
+      <p:grpSp>
+        <p:nvGrpSpPr>
+          <p:cNvPr id="33" name="Group 32">
+            <a:extLst>
+              <a:ext uri="{FF2B5EF4-FFF2-40B4-BE49-F238E27FC236}">
+                <a16:creationId xmlns:a16="http://schemas.microsoft.com/office/drawing/2014/main" id="{8F645A33-D4D2-45FE-A1DD-8932974F4E94}"/>
+              </a:ext>
+            </a:extLst>
+          </p:cNvPr>
+          <p:cNvGrpSpPr/>
+          <p:nvPr/>
+        </p:nvGrpSpPr>
+        <p:grpSpPr>
+          <a:xfrm>
+            <a:off x="4208014" y="1542670"/>
+            <a:ext cx="3800920" cy="2114403"/>
+            <a:chOff x="1948069" y="1109868"/>
+            <a:chExt cx="4271020" cy="2375913"/>
+          </a:xfrm>
+        </p:grpSpPr>
+        <p:sp>
+          <p:nvSpPr>
+            <p:cNvPr id="34" name="Rectangle 33">
+              <a:extLst>
+                <a:ext uri="{FF2B5EF4-FFF2-40B4-BE49-F238E27FC236}">
+                  <a16:creationId xmlns:a16="http://schemas.microsoft.com/office/drawing/2014/main" id="{22DA31E2-8533-4B7E-8642-BC65DF6AC46A}"/>
+                </a:ext>
+              </a:extLst>
+            </p:cNvPr>
+            <p:cNvSpPr/>
+            <p:nvPr/>
+          </p:nvSpPr>
+          <p:spPr>
+            <a:xfrm>
+              <a:off x="3630125" y="2801426"/>
+              <a:ext cx="2588963" cy="345843"/>
+            </a:xfrm>
+            <a:prstGeom prst="rect">
+              <a:avLst/>
+            </a:prstGeom>
+            <a:solidFill>
+              <a:schemeClr val="accent3">
+                <a:lumMod val="20000"/>
+                <a:lumOff val="80000"/>
+              </a:schemeClr>
+            </a:solidFill>
+            <a:ln>
+              <a:solidFill>
+                <a:schemeClr val="tx1"/>
+              </a:solidFill>
+            </a:ln>
+          </p:spPr>
+          <p:txBody>
+            <a:bodyPr rot="0" spcFirstLastPara="0" vertOverflow="overflow" horzOverflow="overflow" vert="horz" wrap="square" lIns="91440" tIns="45720" rIns="91440" bIns="45720" numCol="1" spcCol="0" rtlCol="0" fromWordArt="0" anchor="t" anchorCtr="0" forceAA="0" compatLnSpc="1">
+              <a:prstTxWarp prst="textNoShape">
+                <a:avLst/>
+              </a:prstTxWarp>
+              <a:spAutoFit/>
+            </a:bodyPr>
+            <a:lstStyle/>
+            <a:p>
+              <a:pPr marL="0" marR="0" lvl="0" indent="0" algn="ctr" defTabSz="914400" rtl="0" eaLnBrk="1" fontAlgn="auto" latinLnBrk="0" hangingPunct="1">
+                <a:lnSpc>
+                  <a:spcPct val="100000"/>
+                </a:lnSpc>
+                <a:spcBef>
+                  <a:spcPts val="0"/>
+                </a:spcBef>
+                <a:spcAft>
+                  <a:spcPts val="0"/>
+                </a:spcAft>
+                <a:buClrTx/>
+                <a:buSzTx/>
+                <a:buFontTx/>
+                <a:buNone/>
+                <a:tabLst/>
+                <a:defRPr/>
+              </a:pPr>
+              <a:endParaRPr kumimoji="0" lang="en-US" sz="1400" b="0" i="0" u="none" strike="noStrike" kern="0" cap="none" spc="0" normalizeH="0" baseline="0" noProof="0" dirty="0">
+                <a:ln>
+                  <a:noFill/>
+                </a:ln>
+                <a:solidFill>
+                  <a:prstClr val="black"/>
+                </a:solidFill>
+                <a:effectLst/>
+                <a:uLnTx/>
+                <a:uFillTx/>
+                <a:latin typeface="Calibri" panose="020F0502020204030204"/>
+                <a:ea typeface="+mn-ea"/>
+                <a:cs typeface="+mn-cs"/>
+              </a:endParaRPr>
+            </a:p>
+          </p:txBody>
+        </p:sp>
+        <p:sp>
+          <p:nvSpPr>
+            <p:cNvPr id="35" name="Rectangle 34">
+              <a:extLst>
+                <a:ext uri="{FF2B5EF4-FFF2-40B4-BE49-F238E27FC236}">
+                  <a16:creationId xmlns:a16="http://schemas.microsoft.com/office/drawing/2014/main" id="{75865540-67C7-44FC-857F-4EC85429E2E3}"/>
+                </a:ext>
+              </a:extLst>
+            </p:cNvPr>
+            <p:cNvSpPr/>
+            <p:nvPr/>
+          </p:nvSpPr>
+          <p:spPr>
+            <a:xfrm>
+              <a:off x="3630005" y="2463865"/>
+              <a:ext cx="2588962" cy="345843"/>
+            </a:xfrm>
+            <a:prstGeom prst="rect">
+              <a:avLst/>
+            </a:prstGeom>
+            <a:solidFill>
+              <a:schemeClr val="accent3">
+                <a:lumMod val="20000"/>
+                <a:lumOff val="80000"/>
+              </a:schemeClr>
+            </a:solidFill>
+            <a:ln>
+              <a:solidFill>
+                <a:schemeClr val="tx1"/>
+              </a:solidFill>
+            </a:ln>
+          </p:spPr>
+          <p:txBody>
+            <a:bodyPr rot="0" spcFirstLastPara="0" vertOverflow="overflow" horzOverflow="overflow" vert="horz" wrap="square" lIns="91440" tIns="45720" rIns="91440" bIns="45720" numCol="1" spcCol="0" rtlCol="0" fromWordArt="0" anchor="t" anchorCtr="0" forceAA="0" compatLnSpc="1">
+              <a:prstTxWarp prst="textNoShape">
+                <a:avLst/>
+              </a:prstTxWarp>
+              <a:spAutoFit/>
+            </a:bodyPr>
+            <a:lstStyle/>
+            <a:p>
+              <a:pPr marL="0" marR="0" lvl="0" indent="0" algn="ctr" defTabSz="914400" rtl="0" eaLnBrk="1" fontAlgn="auto" latinLnBrk="0" hangingPunct="1">
+                <a:lnSpc>
+                  <a:spcPct val="100000"/>
+                </a:lnSpc>
+                <a:spcBef>
+                  <a:spcPts val="0"/>
+                </a:spcBef>
+                <a:spcAft>
+                  <a:spcPts val="0"/>
+                </a:spcAft>
+                <a:buClrTx/>
+                <a:buSzTx/>
+                <a:buFontTx/>
+                <a:buNone/>
+                <a:tabLst/>
+                <a:defRPr/>
+              </a:pPr>
+              <a:endParaRPr kumimoji="0" lang="en-US" sz="1400" b="0" i="0" u="none" strike="noStrike" kern="0" cap="none" spc="0" normalizeH="0" baseline="0" noProof="0" dirty="0">
+                <a:ln>
+                  <a:noFill/>
+                </a:ln>
+                <a:solidFill>
+                  <a:prstClr val="black"/>
+                </a:solidFill>
+                <a:effectLst/>
+                <a:uLnTx/>
+                <a:uFillTx/>
+                <a:latin typeface="Calibri" panose="020F0502020204030204"/>
+                <a:ea typeface="+mn-ea"/>
+                <a:cs typeface="+mn-cs"/>
+              </a:endParaRPr>
+            </a:p>
+          </p:txBody>
+        </p:sp>
+        <p:sp>
+          <p:nvSpPr>
+            <p:cNvPr id="36" name="Rectangle 35">
+              <a:extLst>
+                <a:ext uri="{FF2B5EF4-FFF2-40B4-BE49-F238E27FC236}">
+                  <a16:creationId xmlns:a16="http://schemas.microsoft.com/office/drawing/2014/main" id="{D1FF9A60-4A07-4429-9BBC-E848D77DB12A}"/>
+                </a:ext>
+              </a:extLst>
+            </p:cNvPr>
+            <p:cNvSpPr/>
+            <p:nvPr/>
+          </p:nvSpPr>
+          <p:spPr>
+            <a:xfrm>
+              <a:off x="3629884" y="2125332"/>
+              <a:ext cx="2588962" cy="345843"/>
+            </a:xfrm>
+            <a:prstGeom prst="rect">
+              <a:avLst/>
+            </a:prstGeom>
+            <a:solidFill>
+              <a:schemeClr val="accent3">
+                <a:lumMod val="20000"/>
+                <a:lumOff val="80000"/>
+              </a:schemeClr>
+            </a:solidFill>
+            <a:ln>
+              <a:solidFill>
+                <a:schemeClr val="tx1"/>
+              </a:solidFill>
+            </a:ln>
+          </p:spPr>
+          <p:txBody>
+            <a:bodyPr rot="0" spcFirstLastPara="0" vertOverflow="overflow" horzOverflow="overflow" vert="horz" wrap="square" lIns="91440" tIns="45720" rIns="91440" bIns="45720" numCol="1" spcCol="0" rtlCol="0" fromWordArt="0" anchor="t" anchorCtr="0" forceAA="0" compatLnSpc="1">
+              <a:prstTxWarp prst="textNoShape">
+                <a:avLst/>
+              </a:prstTxWarp>
+              <a:spAutoFit/>
+            </a:bodyPr>
+            <a:lstStyle/>
+            <a:p>
+              <a:pPr marL="0" marR="0" lvl="0" indent="0" algn="ctr" defTabSz="914400" rtl="0" eaLnBrk="1" fontAlgn="auto" latinLnBrk="0" hangingPunct="1">
+                <a:lnSpc>
+                  <a:spcPct val="100000"/>
+                </a:lnSpc>
+                <a:spcBef>
+                  <a:spcPts val="0"/>
+                </a:spcBef>
+                <a:spcAft>
+                  <a:spcPts val="0"/>
+                </a:spcAft>
+                <a:buClrTx/>
+                <a:buSzTx/>
+                <a:buFontTx/>
+                <a:buNone/>
+                <a:tabLst/>
+                <a:defRPr/>
+              </a:pPr>
+              <a:endParaRPr kumimoji="0" lang="en-US" sz="1400" b="0" i="0" u="none" strike="noStrike" kern="0" cap="none" spc="0" normalizeH="0" baseline="0" noProof="0" dirty="0">
+                <a:ln>
+                  <a:noFill/>
+                </a:ln>
+                <a:solidFill>
+                  <a:prstClr val="black"/>
+                </a:solidFill>
+                <a:effectLst/>
+                <a:uLnTx/>
+                <a:uFillTx/>
+                <a:latin typeface="Calibri" panose="020F0502020204030204"/>
+                <a:ea typeface="+mn-ea"/>
+                <a:cs typeface="+mn-cs"/>
+              </a:endParaRPr>
+            </a:p>
+          </p:txBody>
+        </p:sp>
+        <p:sp>
+          <p:nvSpPr>
+            <p:cNvPr id="37" name="Rectangle 36">
+              <a:extLst>
+                <a:ext uri="{FF2B5EF4-FFF2-40B4-BE49-F238E27FC236}">
+                  <a16:creationId xmlns:a16="http://schemas.microsoft.com/office/drawing/2014/main" id="{89580148-157A-4761-9DB6-F409EE484783}"/>
+                </a:ext>
+              </a:extLst>
+            </p:cNvPr>
+            <p:cNvSpPr/>
+            <p:nvPr/>
+          </p:nvSpPr>
+          <p:spPr>
+            <a:xfrm>
+              <a:off x="2400523" y="1448884"/>
+              <a:ext cx="3818082" cy="345843"/>
+            </a:xfrm>
+            <a:prstGeom prst="rect">
+              <a:avLst/>
+            </a:prstGeom>
+            <a:solidFill>
+              <a:srgbClr val="FFCD2F"/>
+            </a:solidFill>
+            <a:ln>
+              <a:solidFill>
+                <a:schemeClr val="tx1"/>
+              </a:solidFill>
+            </a:ln>
+          </p:spPr>
+          <p:txBody>
+            <a:bodyPr rot="0" spcFirstLastPara="0" vertOverflow="overflow" horzOverflow="overflow" vert="horz" wrap="square" lIns="91440" tIns="45720" rIns="91440" bIns="45720" numCol="1" spcCol="0" rtlCol="0" fromWordArt="0" anchor="t" anchorCtr="0" forceAA="0" compatLnSpc="1">
+              <a:prstTxWarp prst="textNoShape">
+                <a:avLst/>
+              </a:prstTxWarp>
+              <a:spAutoFit/>
+            </a:bodyPr>
+            <a:lstStyle/>
+            <a:p>
+              <a:pPr marL="0" marR="0" lvl="0" indent="0" algn="ctr" defTabSz="914400" rtl="0" eaLnBrk="1" fontAlgn="auto" latinLnBrk="0" hangingPunct="1">
+                <a:lnSpc>
+                  <a:spcPct val="100000"/>
+                </a:lnSpc>
+                <a:spcBef>
+                  <a:spcPts val="0"/>
+                </a:spcBef>
+                <a:spcAft>
+                  <a:spcPts val="0"/>
+                </a:spcAft>
+                <a:buClrTx/>
+                <a:buSzTx/>
+                <a:buFontTx/>
+                <a:buNone/>
+                <a:tabLst/>
+                <a:defRPr/>
+              </a:pPr>
+              <a:endParaRPr kumimoji="0" lang="en-US" sz="1400" b="0" i="0" u="none" strike="noStrike" kern="0" cap="none" spc="0" normalizeH="0" baseline="0" noProof="0" dirty="0">
+                <a:ln>
+                  <a:noFill/>
+                </a:ln>
+                <a:solidFill>
+                  <a:prstClr val="black"/>
+                </a:solidFill>
+                <a:effectLst/>
+                <a:uLnTx/>
+                <a:uFillTx/>
+                <a:latin typeface="Calibri" panose="020F0502020204030204"/>
+                <a:ea typeface="+mn-ea"/>
+                <a:cs typeface="+mn-cs"/>
+              </a:endParaRPr>
+            </a:p>
+          </p:txBody>
+        </p:sp>
+        <p:sp>
+          <p:nvSpPr>
+            <p:cNvPr id="38" name="Rectangle 37">
+              <a:extLst>
+                <a:ext uri="{FF2B5EF4-FFF2-40B4-BE49-F238E27FC236}">
+                  <a16:creationId xmlns:a16="http://schemas.microsoft.com/office/drawing/2014/main" id="{E49D0661-C69A-40D6-BE1C-92890060B4BB}"/>
+                </a:ext>
+              </a:extLst>
+            </p:cNvPr>
+            <p:cNvSpPr/>
+            <p:nvPr/>
+          </p:nvSpPr>
+          <p:spPr>
+            <a:xfrm>
+              <a:off x="2400280" y="1109868"/>
+              <a:ext cx="3818082" cy="345843"/>
+            </a:xfrm>
+            <a:prstGeom prst="rect">
+              <a:avLst/>
+            </a:prstGeom>
+            <a:solidFill>
+              <a:srgbClr val="FFFF99"/>
+            </a:solidFill>
+            <a:ln>
+              <a:solidFill>
+                <a:schemeClr val="tx1"/>
+              </a:solidFill>
+            </a:ln>
+          </p:spPr>
+          <p:txBody>
+            <a:bodyPr rot="0" spcFirstLastPara="0" vertOverflow="overflow" horzOverflow="overflow" vert="horz" wrap="square" lIns="91440" tIns="45720" rIns="91440" bIns="45720" numCol="1" spcCol="0" rtlCol="0" fromWordArt="0" anchor="t" anchorCtr="0" forceAA="0" compatLnSpc="1">
+              <a:prstTxWarp prst="textNoShape">
+                <a:avLst/>
+              </a:prstTxWarp>
+              <a:spAutoFit/>
+            </a:bodyPr>
+            <a:lstStyle/>
+            <a:p>
+              <a:pPr marL="0" marR="0" lvl="0" indent="0" algn="ctr" defTabSz="914400" rtl="0" eaLnBrk="1" fontAlgn="auto" latinLnBrk="0" hangingPunct="1">
+                <a:lnSpc>
+                  <a:spcPct val="100000"/>
+                </a:lnSpc>
+                <a:spcBef>
+                  <a:spcPts val="0"/>
+                </a:spcBef>
+                <a:spcAft>
+                  <a:spcPts val="0"/>
+                </a:spcAft>
+                <a:buClrTx/>
+                <a:buSzTx/>
+                <a:buFontTx/>
+                <a:buNone/>
+                <a:tabLst/>
+                <a:defRPr/>
+              </a:pPr>
+              <a:endParaRPr kumimoji="0" lang="en-US" sz="1400" b="0" i="0" u="none" strike="noStrike" kern="0" cap="none" spc="0" normalizeH="0" baseline="0" noProof="0" dirty="0">
+                <a:ln>
+                  <a:noFill/>
+                </a:ln>
+                <a:solidFill>
+                  <a:prstClr val="black"/>
+                </a:solidFill>
+                <a:effectLst/>
+                <a:uLnTx/>
+                <a:uFillTx/>
+                <a:latin typeface="Calibri" panose="020F0502020204030204"/>
+                <a:ea typeface="+mn-ea"/>
+                <a:cs typeface="+mn-cs"/>
+              </a:endParaRPr>
+            </a:p>
+          </p:txBody>
+        </p:sp>
+        <p:sp>
+          <p:nvSpPr>
+            <p:cNvPr id="39" name="Rectangle 38">
+              <a:extLst>
+                <a:ext uri="{FF2B5EF4-FFF2-40B4-BE49-F238E27FC236}">
+                  <a16:creationId xmlns:a16="http://schemas.microsoft.com/office/drawing/2014/main" id="{F60AC907-6312-4A65-9B38-6AB46BB385CB}"/>
+                </a:ext>
+              </a:extLst>
+            </p:cNvPr>
+            <p:cNvSpPr/>
+            <p:nvPr/>
+          </p:nvSpPr>
+          <p:spPr>
+            <a:xfrm>
+              <a:off x="3446707" y="1785274"/>
+              <a:ext cx="186741" cy="1693218"/>
+            </a:xfrm>
+            <a:prstGeom prst="rect">
+              <a:avLst/>
+            </a:prstGeom>
+            <a:solidFill>
+              <a:schemeClr val="tx1"/>
+            </a:solidFill>
+            <a:ln>
+              <a:solidFill>
+                <a:schemeClr val="tx1"/>
+              </a:solidFill>
+            </a:ln>
+          </p:spPr>
+          <p:style>
+            <a:lnRef idx="2">
+              <a:schemeClr val="accent1">
+                <a:shade val="50000"/>
+              </a:schemeClr>
+            </a:lnRef>
+            <a:fillRef idx="1">
+              <a:schemeClr val="accent1"/>
+            </a:fillRef>
+            <a:effectRef idx="0">
+              <a:schemeClr val="accent1"/>
+            </a:effectRef>
+            <a:fontRef idx="minor">
+              <a:schemeClr val="lt1"/>
+            </a:fontRef>
+          </p:style>
+          <p:txBody>
+            <a:bodyPr rtlCol="0" anchor="ctr"/>
+            <a:lstStyle/>
+            <a:p>
+              <a:pPr marL="0" marR="0" lvl="0" indent="0" algn="ctr" defTabSz="914400" rtl="0" eaLnBrk="1" fontAlgn="auto" latinLnBrk="0" hangingPunct="1">
+                <a:lnSpc>
+                  <a:spcPct val="100000"/>
+                </a:lnSpc>
+                <a:spcBef>
+                  <a:spcPts val="0"/>
+                </a:spcBef>
+                <a:spcAft>
+                  <a:spcPts val="0"/>
+                </a:spcAft>
+                <a:buClrTx/>
+                <a:buSzTx/>
+                <a:buFontTx/>
+                <a:buNone/>
+                <a:tabLst/>
+                <a:defRPr/>
+              </a:pPr>
+              <a:endParaRPr kumimoji="0" lang="en-US" sz="1600" b="0" i="0" u="none" strike="noStrike" kern="1200" cap="none" spc="0" normalizeH="0" baseline="0" noProof="0">
+                <a:ln>
+                  <a:noFill/>
+                </a:ln>
+                <a:solidFill>
+                  <a:srgbClr val="FFFFFF"/>
+                </a:solidFill>
+                <a:effectLst/>
+                <a:uLnTx/>
+                <a:uFillTx/>
+                <a:latin typeface="Arial" panose="020B0604020202020204"/>
+                <a:ea typeface="+mn-ea"/>
+                <a:cs typeface="+mn-cs"/>
+              </a:endParaRPr>
+            </a:p>
+          </p:txBody>
+        </p:sp>
+        <p:sp>
+          <p:nvSpPr>
+            <p:cNvPr id="40" name="Rectangle 39">
+              <a:extLst>
+                <a:ext uri="{FF2B5EF4-FFF2-40B4-BE49-F238E27FC236}">
+                  <a16:creationId xmlns:a16="http://schemas.microsoft.com/office/drawing/2014/main" id="{0C26CEB9-B61F-41FB-BDB5-A0967ED55F78}"/>
+                </a:ext>
+              </a:extLst>
+            </p:cNvPr>
+            <p:cNvSpPr/>
+            <p:nvPr/>
+          </p:nvSpPr>
+          <p:spPr>
+            <a:xfrm>
+              <a:off x="1975814" y="1110818"/>
+              <a:ext cx="424222" cy="345843"/>
+            </a:xfrm>
+            <a:prstGeom prst="rect">
+              <a:avLst/>
+            </a:prstGeom>
+            <a:solidFill>
+              <a:srgbClr val="FFFF99"/>
+            </a:solidFill>
+            <a:ln>
+              <a:solidFill>
+                <a:schemeClr val="tx1"/>
+              </a:solidFill>
+            </a:ln>
+          </p:spPr>
+          <p:txBody>
+            <a:bodyPr rot="0" spcFirstLastPara="0" vertOverflow="overflow" horzOverflow="overflow" vert="horz" wrap="square" lIns="91440" tIns="45720" rIns="91440" bIns="45720" numCol="1" spcCol="0" rtlCol="0" fromWordArt="0" anchor="t" anchorCtr="0" forceAA="0" compatLnSpc="1">
+              <a:prstTxWarp prst="textNoShape">
+                <a:avLst/>
+              </a:prstTxWarp>
+              <a:spAutoFit/>
+            </a:bodyPr>
+            <a:lstStyle/>
+            <a:p>
+              <a:pPr marL="0" marR="0" lvl="0" indent="0" algn="ctr" defTabSz="914400" rtl="0" eaLnBrk="1" fontAlgn="auto" latinLnBrk="0" hangingPunct="1">
+                <a:lnSpc>
+                  <a:spcPct val="100000"/>
+                </a:lnSpc>
+                <a:spcBef>
+                  <a:spcPts val="0"/>
+                </a:spcBef>
+                <a:spcAft>
+                  <a:spcPts val="0"/>
+                </a:spcAft>
+                <a:buClrTx/>
+                <a:buSzTx/>
+                <a:buFontTx/>
+                <a:buNone/>
+                <a:tabLst/>
+                <a:defRPr/>
+              </a:pPr>
+              <a:endParaRPr kumimoji="0" lang="en-US" sz="1400" b="0" i="0" u="none" strike="noStrike" kern="0" cap="none" spc="0" normalizeH="0" baseline="0" noProof="0" dirty="0">
+                <a:ln>
+                  <a:noFill/>
+                </a:ln>
+                <a:solidFill>
+                  <a:prstClr val="black"/>
+                </a:solidFill>
+                <a:effectLst/>
+                <a:uLnTx/>
+                <a:uFillTx/>
+                <a:latin typeface="Calibri" panose="020F0502020204030204"/>
+                <a:ea typeface="+mn-ea"/>
+                <a:cs typeface="+mn-cs"/>
+              </a:endParaRPr>
+            </a:p>
+          </p:txBody>
+        </p:sp>
+        <p:sp>
+          <p:nvSpPr>
+            <p:cNvPr id="41" name="Rectangle 40">
+              <a:extLst>
+                <a:ext uri="{FF2B5EF4-FFF2-40B4-BE49-F238E27FC236}">
+                  <a16:creationId xmlns:a16="http://schemas.microsoft.com/office/drawing/2014/main" id="{D70BBB31-358A-4F59-BC00-43518BB8CF71}"/>
+                </a:ext>
+              </a:extLst>
+            </p:cNvPr>
+            <p:cNvSpPr/>
+            <p:nvPr/>
+          </p:nvSpPr>
+          <p:spPr>
+            <a:xfrm>
+              <a:off x="1974715" y="1447670"/>
+              <a:ext cx="425321" cy="345843"/>
+            </a:xfrm>
+            <a:prstGeom prst="rect">
+              <a:avLst/>
+            </a:prstGeom>
+            <a:solidFill>
+              <a:srgbClr val="FFCD2F"/>
+            </a:solidFill>
+            <a:ln>
+              <a:solidFill>
+                <a:schemeClr val="tx1"/>
+              </a:solidFill>
+            </a:ln>
+          </p:spPr>
+          <p:txBody>
+            <a:bodyPr rot="0" spcFirstLastPara="0" vertOverflow="overflow" horzOverflow="overflow" vert="horz" wrap="square" lIns="91440" tIns="45720" rIns="91440" bIns="45720" numCol="1" spcCol="0" rtlCol="0" fromWordArt="0" anchor="t" anchorCtr="0" forceAA="0" compatLnSpc="1">
+              <a:prstTxWarp prst="textNoShape">
+                <a:avLst/>
+              </a:prstTxWarp>
+              <a:spAutoFit/>
+            </a:bodyPr>
+            <a:lstStyle/>
+            <a:p>
+              <a:pPr marL="0" marR="0" lvl="0" indent="0" algn="ctr" defTabSz="914400" rtl="0" eaLnBrk="1" fontAlgn="auto" latinLnBrk="0" hangingPunct="1">
+                <a:lnSpc>
+                  <a:spcPct val="100000"/>
+                </a:lnSpc>
+                <a:spcBef>
+                  <a:spcPts val="0"/>
+                </a:spcBef>
+                <a:spcAft>
+                  <a:spcPts val="0"/>
+                </a:spcAft>
+                <a:buClrTx/>
+                <a:buSzTx/>
+                <a:buFontTx/>
+                <a:buNone/>
+                <a:tabLst/>
+                <a:defRPr/>
+              </a:pPr>
+              <a:endParaRPr kumimoji="0" lang="en-US" sz="1400" b="0" i="0" u="none" strike="noStrike" kern="0" cap="none" spc="0" normalizeH="0" baseline="0" noProof="0" dirty="0">
+                <a:ln>
+                  <a:noFill/>
+                </a:ln>
+                <a:solidFill>
+                  <a:prstClr val="black"/>
+                </a:solidFill>
+                <a:effectLst/>
+                <a:uLnTx/>
+                <a:uFillTx/>
+                <a:latin typeface="Calibri" panose="020F0502020204030204"/>
+                <a:ea typeface="+mn-ea"/>
+                <a:cs typeface="+mn-cs"/>
+              </a:endParaRPr>
+            </a:p>
+          </p:txBody>
+        </p:sp>
+        <p:sp>
+          <p:nvSpPr>
+            <p:cNvPr id="42" name="Rectangle 41">
+              <a:extLst>
+                <a:ext uri="{FF2B5EF4-FFF2-40B4-BE49-F238E27FC236}">
+                  <a16:creationId xmlns:a16="http://schemas.microsoft.com/office/drawing/2014/main" id="{970D0413-29A2-4173-8922-FE02E69B4A8D}"/>
+                </a:ext>
+              </a:extLst>
+            </p:cNvPr>
+            <p:cNvSpPr/>
+            <p:nvPr/>
+          </p:nvSpPr>
+          <p:spPr>
+            <a:xfrm>
+              <a:off x="3629764" y="1787286"/>
+              <a:ext cx="2589082" cy="345843"/>
+            </a:xfrm>
+            <a:prstGeom prst="rect">
+              <a:avLst/>
+            </a:prstGeom>
+            <a:solidFill>
+              <a:schemeClr val="accent3">
+                <a:lumMod val="60000"/>
+                <a:lumOff val="40000"/>
+              </a:schemeClr>
+            </a:solidFill>
+            <a:ln>
+              <a:solidFill>
+                <a:schemeClr val="tx1"/>
+              </a:solidFill>
+            </a:ln>
+          </p:spPr>
+          <p:txBody>
+            <a:bodyPr wrap="square" rtlCol="0">
+              <a:spAutoFit/>
+            </a:bodyPr>
+            <a:lstStyle/>
+            <a:p>
+              <a:pPr marL="0" marR="0" lvl="0" indent="0" algn="ctr" defTabSz="914400" rtl="0" eaLnBrk="1" fontAlgn="auto" latinLnBrk="0" hangingPunct="1">
+                <a:lnSpc>
+                  <a:spcPct val="100000"/>
+                </a:lnSpc>
+                <a:spcBef>
+                  <a:spcPts val="0"/>
+                </a:spcBef>
+                <a:spcAft>
+                  <a:spcPts val="0"/>
+                </a:spcAft>
+                <a:buClrTx/>
+                <a:buSzTx/>
+                <a:buFontTx/>
+                <a:buNone/>
+                <a:tabLst/>
+                <a:defRPr/>
+              </a:pPr>
+              <a:endParaRPr kumimoji="0" lang="en-US" sz="1400" b="0" i="0" u="none" strike="noStrike" kern="0" cap="none" spc="0" normalizeH="0" baseline="0" noProof="0" dirty="0">
+                <a:ln>
+                  <a:noFill/>
+                </a:ln>
+                <a:solidFill>
+                  <a:prstClr val="black"/>
+                </a:solidFill>
+                <a:effectLst/>
+                <a:uLnTx/>
+                <a:uFillTx/>
+                <a:latin typeface="Calibri" panose="020F0502020204030204"/>
+                <a:ea typeface="+mn-ea"/>
+                <a:cs typeface="+mn-cs"/>
+              </a:endParaRPr>
+            </a:p>
+          </p:txBody>
+        </p:sp>
+        <p:sp>
+          <p:nvSpPr>
+            <p:cNvPr id="43" name="Rectangle 42">
+              <a:extLst>
+                <a:ext uri="{FF2B5EF4-FFF2-40B4-BE49-F238E27FC236}">
+                  <a16:creationId xmlns:a16="http://schemas.microsoft.com/office/drawing/2014/main" id="{49BC6A5D-1C0B-45AE-84CC-0D41063ED7A8}"/>
+                </a:ext>
+              </a:extLst>
+            </p:cNvPr>
+            <p:cNvSpPr/>
+            <p:nvPr/>
+          </p:nvSpPr>
+          <p:spPr>
+            <a:xfrm>
+              <a:off x="3630126" y="3139938"/>
+              <a:ext cx="2588963" cy="345843"/>
+            </a:xfrm>
+            <a:prstGeom prst="rect">
+              <a:avLst/>
+            </a:prstGeom>
+            <a:solidFill>
+              <a:schemeClr val="accent3">
+                <a:lumMod val="20000"/>
+                <a:lumOff val="80000"/>
+              </a:schemeClr>
+            </a:solidFill>
+            <a:ln>
+              <a:solidFill>
+                <a:schemeClr val="tx1"/>
+              </a:solidFill>
+            </a:ln>
+          </p:spPr>
+          <p:txBody>
+            <a:bodyPr rot="0" spcFirstLastPara="0" vertOverflow="overflow" horzOverflow="overflow" vert="horz" wrap="square" lIns="91440" tIns="45720" rIns="91440" bIns="45720" numCol="1" spcCol="0" rtlCol="0" fromWordArt="0" anchor="t" anchorCtr="0" forceAA="0" compatLnSpc="1">
+              <a:prstTxWarp prst="textNoShape">
+                <a:avLst/>
+              </a:prstTxWarp>
+              <a:spAutoFit/>
+            </a:bodyPr>
+            <a:lstStyle/>
+            <a:p>
+              <a:pPr marL="0" marR="0" lvl="0" indent="0" algn="ctr" defTabSz="914400" rtl="0" eaLnBrk="1" fontAlgn="auto" latinLnBrk="0" hangingPunct="1">
+                <a:lnSpc>
+                  <a:spcPct val="100000"/>
+                </a:lnSpc>
+                <a:spcBef>
+                  <a:spcPts val="0"/>
+                </a:spcBef>
+                <a:spcAft>
+                  <a:spcPts val="0"/>
+                </a:spcAft>
+                <a:buClrTx/>
+                <a:buSzTx/>
+                <a:buFontTx/>
+                <a:buNone/>
+                <a:tabLst/>
+                <a:defRPr/>
+              </a:pPr>
+              <a:endParaRPr kumimoji="0" lang="en-US" sz="1400" b="0" i="0" u="none" strike="noStrike" kern="0" cap="none" spc="0" normalizeH="0" baseline="0" noProof="0" dirty="0">
+                <a:ln>
+                  <a:noFill/>
+                </a:ln>
+                <a:solidFill>
+                  <a:prstClr val="black"/>
+                </a:solidFill>
+                <a:effectLst/>
+                <a:uLnTx/>
+                <a:uFillTx/>
+                <a:latin typeface="Calibri" panose="020F0502020204030204"/>
+                <a:ea typeface="+mn-ea"/>
+                <a:cs typeface="+mn-cs"/>
+              </a:endParaRPr>
+            </a:p>
+          </p:txBody>
+        </p:sp>
+        <p:grpSp>
+          <p:nvGrpSpPr>
+            <p:cNvPr id="44" name="Group 43">
+              <a:extLst>
+                <a:ext uri="{FF2B5EF4-FFF2-40B4-BE49-F238E27FC236}">
+                  <a16:creationId xmlns:a16="http://schemas.microsoft.com/office/drawing/2014/main" id="{807B759F-77D3-463E-B64B-958BD806AF52}"/>
+                </a:ext>
+              </a:extLst>
+            </p:cNvPr>
+            <p:cNvGrpSpPr/>
+            <p:nvPr/>
+          </p:nvGrpSpPr>
+          <p:grpSpPr>
+            <a:xfrm>
+              <a:off x="1948069" y="1783849"/>
+              <a:ext cx="1507769" cy="1694643"/>
+              <a:chOff x="1948069" y="1783849"/>
+              <a:chExt cx="1507769" cy="1694643"/>
+            </a:xfrm>
+          </p:grpSpPr>
+          <p:sp>
+            <p:nvSpPr>
+              <p:cNvPr id="45" name="Rectangle 44">
+                <a:extLst>
+                  <a:ext uri="{FF2B5EF4-FFF2-40B4-BE49-F238E27FC236}">
+                    <a16:creationId xmlns:a16="http://schemas.microsoft.com/office/drawing/2014/main" id="{0D05696E-3B19-43FA-8978-A8B6BA8732E5}"/>
+                  </a:ext>
+                </a:extLst>
+              </p:cNvPr>
+              <p:cNvSpPr/>
+              <p:nvPr/>
+            </p:nvSpPr>
+            <p:spPr>
+              <a:xfrm>
+                <a:off x="1948069" y="1785274"/>
+                <a:ext cx="484179" cy="1693218"/>
+              </a:xfrm>
+              <a:prstGeom prst="rect">
+                <a:avLst/>
+              </a:prstGeom>
+              <a:solidFill>
+                <a:srgbClr val="00B050"/>
+              </a:solidFill>
+              <a:ln w="9525">
+                <a:solidFill>
+                  <a:schemeClr val="tx1"/>
+                </a:solidFill>
+              </a:ln>
+            </p:spPr>
+            <p:style>
+              <a:lnRef idx="2">
+                <a:schemeClr val="accent1">
+                  <a:shade val="50000"/>
+                </a:schemeClr>
+              </a:lnRef>
+              <a:fillRef idx="1">
+                <a:schemeClr val="accent1"/>
+              </a:fillRef>
+              <a:effectRef idx="0">
+                <a:schemeClr val="accent1"/>
+              </a:effectRef>
+              <a:fontRef idx="minor">
+                <a:schemeClr val="lt1"/>
+              </a:fontRef>
+            </p:style>
+            <p:txBody>
+              <a:bodyPr vert="vert270" wrap="square" rtlCol="0" anchor="ctr">
+                <a:spAutoFit/>
+              </a:bodyPr>
+              <a:lstStyle/>
+              <a:p>
+                <a:pPr marL="0" marR="0" lvl="0" indent="0" algn="ctr" defTabSz="914400" rtl="0" eaLnBrk="1" fontAlgn="auto" latinLnBrk="0" hangingPunct="1">
+                  <a:lnSpc>
+                    <a:spcPct val="100000"/>
+                  </a:lnSpc>
+                  <a:spcBef>
+                    <a:spcPts val="0"/>
+                  </a:spcBef>
+                  <a:spcAft>
+                    <a:spcPts val="0"/>
+                  </a:spcAft>
+                  <a:buClrTx/>
+                  <a:buSzTx/>
+                  <a:buFontTx/>
+                  <a:buNone/>
+                  <a:tabLst/>
+                  <a:defRPr/>
+                </a:pPr>
+                <a:endParaRPr kumimoji="0" lang="en-US" sz="1600" b="0" i="0" u="none" strike="noStrike" kern="1200" cap="none" spc="0" normalizeH="0" baseline="0" noProof="0" dirty="0">
+                  <a:ln>
+                    <a:noFill/>
+                  </a:ln>
+                  <a:solidFill>
+                    <a:srgbClr val="FFFFFF"/>
+                  </a:solidFill>
+                  <a:effectLst/>
+                  <a:uLnTx/>
+                  <a:uFillTx/>
+                  <a:latin typeface="Arial" panose="020B0604020202020204"/>
+                  <a:ea typeface="+mn-ea"/>
+                  <a:cs typeface="+mn-cs"/>
+                </a:endParaRPr>
+              </a:p>
+            </p:txBody>
+          </p:sp>
+          <p:sp>
+            <p:nvSpPr>
+              <p:cNvPr id="46" name="Rectangle 45">
+                <a:extLst>
+                  <a:ext uri="{FF2B5EF4-FFF2-40B4-BE49-F238E27FC236}">
+                    <a16:creationId xmlns:a16="http://schemas.microsoft.com/office/drawing/2014/main" id="{123C8547-D96A-450D-BB12-163C8B945FC2}"/>
+                  </a:ext>
+                </a:extLst>
+              </p:cNvPr>
+              <p:cNvSpPr/>
+              <p:nvPr/>
+            </p:nvSpPr>
+            <p:spPr>
+              <a:xfrm>
+                <a:off x="2400764" y="1783849"/>
+                <a:ext cx="1055074" cy="830419"/>
+              </a:xfrm>
+              <a:prstGeom prst="rect">
+                <a:avLst/>
+              </a:prstGeom>
+              <a:solidFill>
+                <a:schemeClr val="accent5">
+                  <a:lumMod val="40000"/>
+                  <a:lumOff val="60000"/>
+                </a:schemeClr>
+              </a:solidFill>
+              <a:ln>
+                <a:solidFill>
+                  <a:schemeClr val="tx1"/>
+                </a:solidFill>
+              </a:ln>
+            </p:spPr>
+            <p:txBody>
+              <a:bodyPr rot="0" spcFirstLastPara="0" vertOverflow="overflow" horzOverflow="overflow" vert="horz" wrap="square" lIns="91440" tIns="45720" rIns="91440" bIns="45720" numCol="1" spcCol="0" rtlCol="0" fromWordArt="0" anchor="ctr" anchorCtr="0" forceAA="0" compatLnSpc="1">
+                <a:prstTxWarp prst="textNoShape">
+                  <a:avLst/>
+                </a:prstTxWarp>
+                <a:noAutofit/>
+              </a:bodyPr>
+              <a:lstStyle/>
+              <a:p>
+                <a:pPr marL="0" marR="0" lvl="0" indent="0" algn="ctr" defTabSz="914400" rtl="0" eaLnBrk="1" fontAlgn="auto" latinLnBrk="0" hangingPunct="1">
+                  <a:lnSpc>
+                    <a:spcPct val="100000"/>
+                  </a:lnSpc>
+                  <a:spcBef>
+                    <a:spcPts val="0"/>
+                  </a:spcBef>
+                  <a:spcAft>
+                    <a:spcPts val="0"/>
+                  </a:spcAft>
+                  <a:buClrTx/>
+                  <a:buSzTx/>
+                  <a:buFontTx/>
+                  <a:buNone/>
+                  <a:tabLst/>
+                  <a:defRPr/>
+                </a:pPr>
+                <a:endParaRPr kumimoji="0" lang="en-US" sz="1400" b="0" i="0" u="none" strike="noStrike" kern="0" cap="none" spc="0" normalizeH="0" baseline="0" noProof="0" dirty="0">
+                  <a:ln>
+                    <a:noFill/>
+                  </a:ln>
+                  <a:solidFill>
+                    <a:prstClr val="black"/>
+                  </a:solidFill>
+                  <a:effectLst/>
+                  <a:uLnTx/>
+                  <a:uFillTx/>
+                  <a:latin typeface="Calibri" panose="020F0502020204030204"/>
+                  <a:ea typeface="+mn-ea"/>
+                  <a:cs typeface="+mn-cs"/>
+                </a:endParaRPr>
+              </a:p>
+            </p:txBody>
+          </p:sp>
+          <p:sp>
+            <p:nvSpPr>
+              <p:cNvPr id="47" name="Rectangle 46">
+                <a:extLst>
+                  <a:ext uri="{FF2B5EF4-FFF2-40B4-BE49-F238E27FC236}">
+                    <a16:creationId xmlns:a16="http://schemas.microsoft.com/office/drawing/2014/main" id="{8608ED20-D72D-42E7-A550-248C69F967C5}"/>
+                  </a:ext>
+                </a:extLst>
+              </p:cNvPr>
+              <p:cNvSpPr/>
+              <p:nvPr/>
+            </p:nvSpPr>
+            <p:spPr>
+              <a:xfrm>
+                <a:off x="2400764" y="2614268"/>
+                <a:ext cx="1055074" cy="864224"/>
+              </a:xfrm>
+              <a:prstGeom prst="rect">
+                <a:avLst/>
+              </a:prstGeom>
+              <a:solidFill>
+                <a:schemeClr val="accent5">
+                  <a:lumMod val="60000"/>
+                  <a:lumOff val="40000"/>
+                </a:schemeClr>
+              </a:solidFill>
+              <a:ln>
+                <a:solidFill>
+                  <a:schemeClr val="tx1"/>
+                </a:solidFill>
+              </a:ln>
+            </p:spPr>
+            <p:txBody>
+              <a:bodyPr rot="0" spcFirstLastPara="0" vertOverflow="overflow" horzOverflow="overflow" vert="horz" wrap="square" lIns="91440" tIns="45720" rIns="91440" bIns="45720" numCol="1" spcCol="0" rtlCol="0" fromWordArt="0" anchor="ctr" anchorCtr="0" forceAA="0" compatLnSpc="1">
+                <a:prstTxWarp prst="textNoShape">
+                  <a:avLst/>
+                </a:prstTxWarp>
+                <a:noAutofit/>
+              </a:bodyPr>
+              <a:lstStyle/>
+              <a:p>
+                <a:pPr marL="0" marR="0" lvl="0" indent="0" algn="ctr" defTabSz="914400" rtl="0" eaLnBrk="1" fontAlgn="auto" latinLnBrk="0" hangingPunct="1">
+                  <a:lnSpc>
+                    <a:spcPct val="100000"/>
+                  </a:lnSpc>
+                  <a:spcBef>
+                    <a:spcPts val="0"/>
+                  </a:spcBef>
+                  <a:spcAft>
+                    <a:spcPts val="0"/>
+                  </a:spcAft>
+                  <a:buClrTx/>
+                  <a:buSzTx/>
+                  <a:buFontTx/>
+                  <a:buNone/>
+                  <a:tabLst/>
+                  <a:defRPr/>
+                </a:pPr>
+                <a:endParaRPr kumimoji="0" lang="en-US" sz="1400" b="0" i="0" u="none" strike="noStrike" kern="0" cap="none" spc="0" normalizeH="0" baseline="0" noProof="0" dirty="0">
+                  <a:ln>
+                    <a:noFill/>
+                  </a:ln>
+                  <a:solidFill>
+                    <a:prstClr val="black"/>
+                  </a:solidFill>
+                  <a:effectLst/>
+                  <a:uLnTx/>
+                  <a:uFillTx/>
+                  <a:latin typeface="Calibri" panose="020F0502020204030204"/>
+                  <a:ea typeface="+mn-ea"/>
+                  <a:cs typeface="+mn-cs"/>
+                </a:endParaRPr>
+              </a:p>
+            </p:txBody>
+          </p:sp>
+        </p:grpSp>
+      </p:grpSp>
+      <p:sp>
+        <p:nvSpPr>
+          <p:cNvPr id="50" name="TextBox 49">
+            <a:extLst>
+              <a:ext uri="{FF2B5EF4-FFF2-40B4-BE49-F238E27FC236}">
+                <a16:creationId xmlns:a16="http://schemas.microsoft.com/office/drawing/2014/main" id="{E3B1731D-8951-4C4C-9697-6F07176D6E74}"/>
+              </a:ext>
+            </a:extLst>
+          </p:cNvPr>
+          <p:cNvSpPr txBox="1"/>
+          <p:nvPr/>
+        </p:nvSpPr>
+        <p:spPr>
+          <a:xfrm>
+            <a:off x="4895757" y="968234"/>
+            <a:ext cx="2042556" cy="461665"/>
+          </a:xfrm>
+          <a:prstGeom prst="rect">
+            <a:avLst/>
+          </a:prstGeom>
+          <a:noFill/>
+        </p:spPr>
+        <p:txBody>
+          <a:bodyPr wrap="square" rtlCol="0">
+            <a:spAutoFit/>
+          </a:bodyPr>
+          <a:lstStyle/>
+          <a:p>
+            <a:pPr marL="0" marR="0" lvl="0" indent="0" algn="ctr" defTabSz="914400" rtl="0" eaLnBrk="1" fontAlgn="auto" latinLnBrk="0" hangingPunct="1">
+              <a:lnSpc>
+                <a:spcPct val="100000"/>
+              </a:lnSpc>
+              <a:spcBef>
+                <a:spcPts val="0"/>
+              </a:spcBef>
+              <a:spcAft>
+                <a:spcPts val="0"/>
+              </a:spcAft>
+              <a:buClrTx/>
+              <a:buSzTx/>
+              <a:buFontTx/>
+              <a:buNone/>
+              <a:tabLst/>
+              <a:defRPr/>
+            </a:pPr>
+            <a:r>
+              <a:rPr kumimoji="0" lang="en-US" sz="2400" b="0" i="0" u="none" strike="noStrike" kern="1200" cap="none" spc="0" normalizeH="0" baseline="0" noProof="0" dirty="0">
+                <a:ln>
+                  <a:noFill/>
+                </a:ln>
+                <a:solidFill>
+                  <a:srgbClr val="002A44"/>
+                </a:solidFill>
+                <a:effectLst/>
+                <a:uLnTx/>
+                <a:uFillTx/>
+                <a:latin typeface="Arial" panose="020B0604020202020204"/>
+                <a:ea typeface="+mn-ea"/>
+                <a:cs typeface="+mn-cs"/>
+              </a:rPr>
+              <a:t>Desktop</a:t>
+            </a:r>
+          </a:p>
+        </p:txBody>
+      </p:sp>
+      <p:sp>
+        <p:nvSpPr>
+          <p:cNvPr id="64" name="Rectangle 63">
+            <a:extLst>
+              <a:ext uri="{FF2B5EF4-FFF2-40B4-BE49-F238E27FC236}">
+                <a16:creationId xmlns:a16="http://schemas.microsoft.com/office/drawing/2014/main" id="{DDCCD238-11FD-466E-8C2E-90659A60DE51}"/>
+              </a:ext>
+            </a:extLst>
+          </p:cNvPr>
+          <p:cNvSpPr/>
+          <p:nvPr/>
+        </p:nvSpPr>
+        <p:spPr>
+          <a:xfrm>
+            <a:off x="5488563" y="4873735"/>
+            <a:ext cx="2519724" cy="636135"/>
+          </a:xfrm>
+          <a:prstGeom prst="rect">
+            <a:avLst/>
+          </a:prstGeom>
+          <a:solidFill>
+            <a:srgbClr val="FFCD2F"/>
+          </a:solidFill>
+          <a:ln>
+            <a:solidFill>
+              <a:sysClr val="windowText" lastClr="000000"/>
+            </a:solidFill>
+          </a:ln>
+        </p:spPr>
+        <p:txBody>
+          <a:bodyPr rot="0" spcFirstLastPara="0" vertOverflow="overflow" horzOverflow="overflow" vert="horz" wrap="square" lIns="91440" tIns="45720" rIns="91440" bIns="45720" numCol="1" spcCol="0" rtlCol="0" fromWordArt="0" anchor="t" anchorCtr="0" forceAA="0" compatLnSpc="1">
+            <a:prstTxWarp prst="textNoShape">
+              <a:avLst/>
+            </a:prstTxWarp>
+            <a:noAutofit/>
+          </a:bodyPr>
+          <a:lstStyle/>
+          <a:p>
+            <a:pPr marL="0" marR="0" lvl="0" indent="0" algn="r" defTabSz="914400" rtl="0" eaLnBrk="1" fontAlgn="auto" latinLnBrk="0" hangingPunct="1">
+              <a:lnSpc>
+                <a:spcPct val="100000"/>
+              </a:lnSpc>
+              <a:spcBef>
+                <a:spcPts val="0"/>
+              </a:spcBef>
+              <a:spcAft>
+                <a:spcPts val="0"/>
+              </a:spcAft>
+              <a:buClrTx/>
+              <a:buSzTx/>
+              <a:buFontTx/>
+              <a:buNone/>
+              <a:tabLst/>
+              <a:defRPr/>
+            </a:pPr>
+            <a:endParaRPr kumimoji="0" lang="en-US" sz="1400" b="0" i="0" u="none" strike="noStrike" kern="0" cap="none" spc="0" normalizeH="0" baseline="0" noProof="0" dirty="0">
+              <a:ln>
+                <a:noFill/>
+              </a:ln>
+              <a:solidFill>
+                <a:prstClr val="black"/>
+              </a:solidFill>
+              <a:effectLst/>
+              <a:uLnTx/>
+              <a:uFillTx/>
+              <a:latin typeface="Calibri" panose="020F0502020204030204"/>
+              <a:ea typeface="+mn-ea"/>
+              <a:cs typeface="+mn-cs"/>
+            </a:endParaRPr>
+          </a:p>
+        </p:txBody>
+      </p:sp>
+      <p:sp>
+        <p:nvSpPr>
+          <p:cNvPr id="65" name="Rectangle 64">
+            <a:extLst>
+              <a:ext uri="{FF2B5EF4-FFF2-40B4-BE49-F238E27FC236}">
+                <a16:creationId xmlns:a16="http://schemas.microsoft.com/office/drawing/2014/main" id="{A8C81335-56AB-4C23-B0D1-C245F8BCE21D}"/>
+              </a:ext>
+            </a:extLst>
+          </p:cNvPr>
+          <p:cNvSpPr/>
+          <p:nvPr/>
+        </p:nvSpPr>
+        <p:spPr>
+          <a:xfrm>
+            <a:off x="4226590" y="4873734"/>
+            <a:ext cx="1257072" cy="741869"/>
+          </a:xfrm>
+          <a:prstGeom prst="rect">
+            <a:avLst/>
+          </a:prstGeom>
+          <a:solidFill>
+            <a:schemeClr val="bg1">
+              <a:lumMod val="85000"/>
+            </a:schemeClr>
+          </a:solidFill>
+          <a:ln>
+            <a:solidFill>
+              <a:schemeClr val="tx1"/>
+            </a:solidFill>
+          </a:ln>
+        </p:spPr>
+        <p:txBody>
+          <a:bodyPr rot="0" spcFirstLastPara="0" vertOverflow="overflow" horzOverflow="overflow" vert="horz" wrap="square" lIns="91440" tIns="45720" rIns="91440" bIns="45720" numCol="1" spcCol="0" rtlCol="0" fromWordArt="0" anchor="t" anchorCtr="0" forceAA="0" compatLnSpc="1">
+            <a:prstTxWarp prst="textNoShape">
+              <a:avLst/>
+            </a:prstTxWarp>
+            <a:noAutofit/>
+          </a:bodyPr>
+          <a:lstStyle/>
+          <a:p>
+            <a:pPr marL="0" marR="0" lvl="0" indent="0" algn="ctr" defTabSz="914400" rtl="0" eaLnBrk="1" fontAlgn="auto" latinLnBrk="0" hangingPunct="1">
+              <a:lnSpc>
+                <a:spcPct val="100000"/>
+              </a:lnSpc>
+              <a:spcBef>
+                <a:spcPts val="0"/>
+              </a:spcBef>
+              <a:spcAft>
+                <a:spcPts val="0"/>
+              </a:spcAft>
+              <a:buClrTx/>
+              <a:buSzTx/>
+              <a:buFontTx/>
+              <a:buNone/>
+              <a:tabLst/>
+              <a:defRPr/>
+            </a:pPr>
+            <a:endParaRPr kumimoji="0" lang="en-US" sz="1400" b="0" i="0" u="none" strike="noStrike" kern="0" cap="none" spc="0" normalizeH="0" baseline="0" noProof="0" dirty="0">
+              <a:ln>
+                <a:noFill/>
+              </a:ln>
+              <a:solidFill>
+                <a:prstClr val="black"/>
+              </a:solidFill>
+              <a:effectLst/>
+              <a:uLnTx/>
+              <a:uFillTx/>
+              <a:latin typeface="Calibri" panose="020F0502020204030204"/>
+              <a:ea typeface="+mn-ea"/>
+              <a:cs typeface="+mn-cs"/>
+            </a:endParaRPr>
+          </a:p>
+        </p:txBody>
+      </p:sp>
+      <p:sp>
+        <p:nvSpPr>
+          <p:cNvPr id="66" name="Rectangle 65">
+            <a:extLst>
+              <a:ext uri="{FF2B5EF4-FFF2-40B4-BE49-F238E27FC236}">
+                <a16:creationId xmlns:a16="http://schemas.microsoft.com/office/drawing/2014/main" id="{E1CA0B60-E2C7-4BD9-B956-08293E747078}"/>
+              </a:ext>
+            </a:extLst>
+          </p:cNvPr>
+          <p:cNvSpPr/>
+          <p:nvPr/>
+        </p:nvSpPr>
+        <p:spPr>
+          <a:xfrm>
+            <a:off x="4223402" y="5509870"/>
+            <a:ext cx="3784885" cy="307777"/>
+          </a:xfrm>
+          <a:prstGeom prst="rect">
+            <a:avLst/>
+          </a:prstGeom>
+          <a:solidFill>
+            <a:schemeClr val="bg1">
+              <a:lumMod val="65000"/>
+            </a:schemeClr>
+          </a:solidFill>
+          <a:ln>
+            <a:solidFill>
+              <a:sysClr val="windowText" lastClr="000000"/>
+            </a:solidFill>
+          </a:ln>
+        </p:spPr>
+        <p:txBody>
+          <a:bodyPr rot="0" spcFirstLastPara="0" vertOverflow="overflow" horzOverflow="overflow" vert="horz" wrap="square" lIns="91440" tIns="45720" rIns="91440" bIns="45720" numCol="1" spcCol="0" rtlCol="0" fromWordArt="0" anchor="t" anchorCtr="0" forceAA="0" compatLnSpc="1">
+            <a:prstTxWarp prst="textNoShape">
+              <a:avLst/>
+            </a:prstTxWarp>
+            <a:noAutofit/>
+          </a:bodyPr>
+          <a:lstStyle/>
+          <a:p>
+            <a:pPr marL="0" marR="0" lvl="0" indent="0" algn="ctr" defTabSz="914400" rtl="0" eaLnBrk="1" fontAlgn="auto" latinLnBrk="0" hangingPunct="1">
+              <a:lnSpc>
+                <a:spcPct val="100000"/>
+              </a:lnSpc>
+              <a:spcBef>
+                <a:spcPts val="0"/>
+              </a:spcBef>
+              <a:spcAft>
+                <a:spcPts val="0"/>
+              </a:spcAft>
+              <a:buClrTx/>
+              <a:buSzTx/>
+              <a:buFontTx/>
+              <a:buNone/>
+              <a:tabLst/>
+              <a:defRPr/>
+            </a:pPr>
+            <a:endParaRPr kumimoji="0" lang="en-US" sz="1400" b="0" i="0" u="none" strike="noStrike" kern="0" cap="none" spc="0" normalizeH="0" baseline="0" noProof="0" dirty="0">
+              <a:ln>
+                <a:noFill/>
+              </a:ln>
+              <a:solidFill>
+                <a:prstClr val="black"/>
+              </a:solidFill>
+              <a:effectLst/>
+              <a:uLnTx/>
+              <a:uFillTx/>
+              <a:latin typeface="Calibri" panose="020F0502020204030204"/>
+              <a:ea typeface="+mn-ea"/>
+              <a:cs typeface="+mn-cs"/>
+            </a:endParaRPr>
+          </a:p>
+        </p:txBody>
+      </p:sp>
+      <p:sp>
+        <p:nvSpPr>
+          <p:cNvPr id="67" name="Rectangle 66">
+            <a:extLst>
+              <a:ext uri="{FF2B5EF4-FFF2-40B4-BE49-F238E27FC236}">
+                <a16:creationId xmlns:a16="http://schemas.microsoft.com/office/drawing/2014/main" id="{4AFEB34C-D466-4862-A44A-C1AEDBCA20D9}"/>
+              </a:ext>
+            </a:extLst>
+          </p:cNvPr>
+          <p:cNvSpPr/>
+          <p:nvPr/>
+        </p:nvSpPr>
+        <p:spPr>
+          <a:xfrm>
+            <a:off x="4223402" y="4493457"/>
+            <a:ext cx="3784885" cy="373791"/>
+          </a:xfrm>
+          <a:prstGeom prst="rect">
+            <a:avLst/>
+          </a:prstGeom>
+          <a:solidFill>
+            <a:srgbClr val="FFFF99"/>
+          </a:solidFill>
+          <a:ln>
+            <a:solidFill>
+              <a:sysClr val="windowText" lastClr="000000"/>
+            </a:solidFill>
+          </a:ln>
+        </p:spPr>
+        <p:txBody>
+          <a:bodyPr rot="0" spcFirstLastPara="0" vertOverflow="overflow" horzOverflow="overflow" vert="horz" wrap="square" lIns="91440" tIns="45720" rIns="91440" bIns="45720" numCol="1" spcCol="0" rtlCol="0" fromWordArt="0" anchor="t" anchorCtr="0" forceAA="0" compatLnSpc="1">
+            <a:prstTxWarp prst="textNoShape">
+              <a:avLst/>
+            </a:prstTxWarp>
+            <a:noAutofit/>
+          </a:bodyPr>
+          <a:lstStyle/>
+          <a:p>
+            <a:pPr marL="0" marR="0" lvl="0" indent="0" algn="ctr" defTabSz="914400" rtl="0" eaLnBrk="1" fontAlgn="auto" latinLnBrk="0" hangingPunct="1">
+              <a:lnSpc>
+                <a:spcPct val="100000"/>
+              </a:lnSpc>
+              <a:spcBef>
+                <a:spcPts val="0"/>
+              </a:spcBef>
+              <a:spcAft>
+                <a:spcPts val="0"/>
+              </a:spcAft>
+              <a:buClrTx/>
+              <a:buSzTx/>
+              <a:buFontTx/>
+              <a:buNone/>
+              <a:tabLst/>
+              <a:defRPr/>
+            </a:pPr>
+            <a:endParaRPr kumimoji="0" lang="en-US" sz="1400" b="0" i="0" u="none" strike="noStrike" kern="0" cap="none" spc="0" normalizeH="0" baseline="0" noProof="0" dirty="0">
+              <a:ln>
+                <a:noFill/>
+              </a:ln>
+              <a:solidFill>
+                <a:prstClr val="black"/>
+              </a:solidFill>
+              <a:effectLst/>
+              <a:uLnTx/>
+              <a:uFillTx/>
+              <a:latin typeface="Calibri" panose="020F0502020204030204"/>
+              <a:ea typeface="+mn-ea"/>
+              <a:cs typeface="+mn-cs"/>
+            </a:endParaRPr>
+          </a:p>
+        </p:txBody>
+      </p:sp>
+      <p:sp>
+        <p:nvSpPr>
+          <p:cNvPr id="68" name="Rectangle 67">
+            <a:extLst>
+              <a:ext uri="{FF2B5EF4-FFF2-40B4-BE49-F238E27FC236}">
+                <a16:creationId xmlns:a16="http://schemas.microsoft.com/office/drawing/2014/main" id="{8FCFAC1D-3FB6-4950-BF25-D9D81F170424}"/>
+              </a:ext>
+            </a:extLst>
+          </p:cNvPr>
+          <p:cNvSpPr/>
+          <p:nvPr/>
+        </p:nvSpPr>
+        <p:spPr>
+          <a:xfrm>
+            <a:off x="5567647" y="4546481"/>
+            <a:ext cx="1100379" cy="881621"/>
+          </a:xfrm>
+          <a:prstGeom prst="rect">
+            <a:avLst/>
+          </a:prstGeom>
+          <a:solidFill>
+            <a:srgbClr val="FFCCFF"/>
+          </a:solidFill>
+          <a:ln>
+            <a:solidFill>
+              <a:sysClr val="windowText" lastClr="000000"/>
+            </a:solidFill>
+          </a:ln>
+        </p:spPr>
+        <p:txBody>
+          <a:bodyPr rot="0" spcFirstLastPara="0" vertOverflow="overflow" horzOverflow="overflow" vert="horz" wrap="square" lIns="91440" tIns="45720" rIns="91440" bIns="45720" numCol="1" spcCol="0" rtlCol="0" fromWordArt="0" anchor="ctr" anchorCtr="1" forceAA="0" compatLnSpc="1">
+            <a:prstTxWarp prst="textNoShape">
+              <a:avLst/>
+            </a:prstTxWarp>
+            <a:noAutofit/>
+          </a:bodyPr>
+          <a:lstStyle/>
+          <a:p>
+            <a:pPr marL="0" marR="0" lvl="0" indent="0" algn="ctr" defTabSz="914400" rtl="0" eaLnBrk="1" fontAlgn="auto" latinLnBrk="0" hangingPunct="1">
+              <a:lnSpc>
+                <a:spcPct val="100000"/>
+              </a:lnSpc>
+              <a:spcBef>
+                <a:spcPts val="0"/>
+              </a:spcBef>
+              <a:spcAft>
+                <a:spcPts val="0"/>
+              </a:spcAft>
+              <a:buClrTx/>
+              <a:buSzTx/>
+              <a:buFontTx/>
+              <a:buNone/>
+              <a:tabLst/>
+              <a:defRPr/>
+            </a:pPr>
+            <a:r>
+              <a:rPr kumimoji="0" lang="en-US" sz="1600" b="0" i="0" u="none" strike="noStrike" kern="0" cap="none" spc="0" normalizeH="0" baseline="0" noProof="0" dirty="0">
+                <a:ln>
+                  <a:noFill/>
+                </a:ln>
+                <a:solidFill>
+                  <a:prstClr val="black"/>
+                </a:solidFill>
+                <a:effectLst/>
+                <a:uLnTx/>
+                <a:uFillTx/>
+                <a:latin typeface="Calibri" panose="020F0502020204030204"/>
+                <a:ea typeface="+mn-ea"/>
+                <a:cs typeface="+mn-cs"/>
+              </a:rPr>
+              <a:t>Desktop</a:t>
+            </a:r>
+          </a:p>
+          <a:p>
+            <a:pPr marL="0" marR="0" lvl="0" indent="0" algn="ctr" defTabSz="914400" rtl="0" eaLnBrk="1" fontAlgn="auto" latinLnBrk="0" hangingPunct="1">
+              <a:lnSpc>
+                <a:spcPct val="100000"/>
+              </a:lnSpc>
+              <a:spcBef>
+                <a:spcPts val="0"/>
+              </a:spcBef>
+              <a:spcAft>
+                <a:spcPts val="0"/>
+              </a:spcAft>
+              <a:buClrTx/>
+              <a:buSzTx/>
+              <a:buFontTx/>
+              <a:buNone/>
+              <a:tabLst/>
+              <a:defRPr/>
+            </a:pPr>
+            <a:r>
+              <a:rPr lang="en-US" sz="1600" kern="0" dirty="0">
+                <a:solidFill>
+                  <a:prstClr val="black"/>
+                </a:solidFill>
+                <a:latin typeface="Calibri" panose="020F0502020204030204"/>
+              </a:rPr>
+              <a:t>RPC</a:t>
+            </a:r>
+          </a:p>
+          <a:p>
+            <a:pPr marL="0" marR="0" lvl="0" indent="0" algn="ctr" defTabSz="914400" rtl="0" eaLnBrk="1" fontAlgn="auto" latinLnBrk="0" hangingPunct="1">
+              <a:lnSpc>
+                <a:spcPct val="100000"/>
+              </a:lnSpc>
+              <a:spcBef>
+                <a:spcPts val="0"/>
+              </a:spcBef>
+              <a:spcAft>
+                <a:spcPts val="0"/>
+              </a:spcAft>
+              <a:buClrTx/>
+              <a:buSzTx/>
+              <a:buFontTx/>
+              <a:buNone/>
+              <a:tabLst/>
+              <a:defRPr/>
+            </a:pPr>
+            <a:r>
+              <a:rPr kumimoji="0" lang="en-US" sz="1600" b="0" i="0" u="none" strike="noStrike" kern="0" cap="none" spc="0" normalizeH="0" baseline="0" noProof="0" dirty="0">
+                <a:ln>
+                  <a:noFill/>
+                </a:ln>
+                <a:solidFill>
+                  <a:prstClr val="black"/>
+                </a:solidFill>
+                <a:effectLst/>
+                <a:uLnTx/>
+                <a:uFillTx/>
+                <a:latin typeface="Calibri" panose="020F0502020204030204"/>
+                <a:ea typeface="+mn-ea"/>
+                <a:cs typeface="+mn-cs"/>
+              </a:rPr>
+              <a:t>Manager</a:t>
+            </a:r>
+            <a:r>
+              <a:rPr kumimoji="0" lang="en-US" sz="1400" b="0" i="0" u="none" strike="noStrike" kern="0" cap="none" spc="0" normalizeH="0" baseline="0" noProof="0" dirty="0">
+                <a:ln>
+                  <a:noFill/>
+                </a:ln>
+                <a:solidFill>
+                  <a:prstClr val="black"/>
+                </a:solidFill>
+                <a:effectLst/>
+                <a:uLnTx/>
+                <a:uFillTx/>
+                <a:latin typeface="Calibri" panose="020F0502020204030204"/>
+                <a:ea typeface="+mn-ea"/>
+                <a:cs typeface="+mn-cs"/>
+              </a:rPr>
+              <a:t> </a:t>
+            </a:r>
+          </a:p>
+        </p:txBody>
+      </p:sp>
+      <p:sp>
+        <p:nvSpPr>
+          <p:cNvPr id="61" name="Rectangle: Folded Corner 60">
+            <a:extLst>
+              <a:ext uri="{FF2B5EF4-FFF2-40B4-BE49-F238E27FC236}">
+                <a16:creationId xmlns:a16="http://schemas.microsoft.com/office/drawing/2014/main" id="{D2B0D79B-BF5F-4B8A-AA87-C272C37E7B85}"/>
+              </a:ext>
+            </a:extLst>
+          </p:cNvPr>
+          <p:cNvSpPr/>
+          <p:nvPr/>
+        </p:nvSpPr>
+        <p:spPr>
+          <a:xfrm>
+            <a:off x="5573742" y="128254"/>
+            <a:ext cx="1044516" cy="624423"/>
+          </a:xfrm>
+          <a:prstGeom prst="foldedCorner">
+            <a:avLst/>
+          </a:prstGeom>
+          <a:solidFill>
+            <a:srgbClr val="FFCCFF"/>
+          </a:solidFill>
+          <a:ln>
+            <a:solidFill>
+              <a:sysClr val="windowText" lastClr="000000"/>
+            </a:solidFill>
+          </a:ln>
+        </p:spPr>
+        <p:txBody>
+          <a:bodyPr rot="0" spcFirstLastPara="0" vertOverflow="overflow" horzOverflow="overflow" vert="horz" wrap="square" lIns="91440" tIns="45720" rIns="91440" bIns="45720" numCol="1" spcCol="0" rtlCol="0" fromWordArt="0" anchor="ctr" anchorCtr="1" forceAA="0" compatLnSpc="1">
+            <a:prstTxWarp prst="textNoShape">
+              <a:avLst/>
+            </a:prstTxWarp>
+            <a:noAutofit/>
+          </a:bodyPr>
+          <a:lstStyle/>
+          <a:p>
+            <a:pPr algn="ctr"/>
+            <a:r>
+              <a:rPr lang="en-US" sz="1600" kern="0" dirty="0">
+                <a:solidFill>
+                  <a:prstClr val="black"/>
+                </a:solidFill>
+                <a:latin typeface="Calibri" panose="020F0502020204030204"/>
+              </a:rPr>
+              <a:t>RPC</a:t>
+            </a:r>
+          </a:p>
+          <a:p>
+            <a:pPr algn="ctr"/>
+            <a:r>
+              <a:rPr lang="en-US" sz="1600" kern="0" dirty="0">
+                <a:solidFill>
+                  <a:prstClr val="black"/>
+                </a:solidFill>
+                <a:latin typeface="Calibri" panose="020F0502020204030204"/>
+              </a:rPr>
+              <a:t>Interface</a:t>
+            </a:r>
+          </a:p>
+        </p:txBody>
+      </p:sp>
+      <p:cxnSp>
+        <p:nvCxnSpPr>
+          <p:cNvPr id="86" name="Straight Arrow Connector 85">
+            <a:extLst>
+              <a:ext uri="{FF2B5EF4-FFF2-40B4-BE49-F238E27FC236}">
+                <a16:creationId xmlns:a16="http://schemas.microsoft.com/office/drawing/2014/main" id="{21100B49-EEAF-4EFD-85FE-A737EB7F4A4E}"/>
+              </a:ext>
+            </a:extLst>
+          </p:cNvPr>
+          <p:cNvCxnSpPr>
+            <a:cxnSpLocks/>
+            <a:stCxn id="61" idx="2"/>
+          </p:cNvCxnSpPr>
+          <p:nvPr/>
+        </p:nvCxnSpPr>
+        <p:spPr>
+          <a:xfrm flipH="1">
+            <a:off x="5694921" y="752677"/>
+            <a:ext cx="401079" cy="3964480"/>
+          </a:xfrm>
+          <a:prstGeom prst="straightConnector1">
+            <a:avLst/>
+          </a:prstGeom>
+          <a:ln w="25400">
+            <a:solidFill>
+              <a:schemeClr val="tx1"/>
+            </a:solidFill>
+            <a:tailEnd type="triangle"/>
+          </a:ln>
+        </p:spPr>
+        <p:style>
+          <a:lnRef idx="1">
+            <a:schemeClr val="accent1"/>
+          </a:lnRef>
+          <a:fillRef idx="0">
+            <a:schemeClr val="accent1"/>
+          </a:fillRef>
+          <a:effectRef idx="0">
+            <a:schemeClr val="accent1"/>
+          </a:effectRef>
+          <a:fontRef idx="minor">
+            <a:schemeClr val="tx1"/>
+          </a:fontRef>
+        </p:style>
+      </p:cxnSp>
+      <p:cxnSp>
+        <p:nvCxnSpPr>
+          <p:cNvPr id="87" name="Straight Arrow Connector 86">
+            <a:extLst>
+              <a:ext uri="{FF2B5EF4-FFF2-40B4-BE49-F238E27FC236}">
+                <a16:creationId xmlns:a16="http://schemas.microsoft.com/office/drawing/2014/main" id="{ED31282E-5051-4E66-81E9-9AE85EE6E5A3}"/>
+              </a:ext>
+            </a:extLst>
+          </p:cNvPr>
+          <p:cNvCxnSpPr>
+            <a:cxnSpLocks/>
+            <a:stCxn id="61" idx="2"/>
+          </p:cNvCxnSpPr>
+          <p:nvPr/>
+        </p:nvCxnSpPr>
+        <p:spPr>
+          <a:xfrm flipH="1">
+            <a:off x="2452450" y="752677"/>
+            <a:ext cx="3643550" cy="3996741"/>
+          </a:xfrm>
+          <a:prstGeom prst="straightConnector1">
+            <a:avLst/>
+          </a:prstGeom>
+          <a:ln w="25400">
+            <a:solidFill>
+              <a:schemeClr val="tx1"/>
+            </a:solidFill>
+            <a:tailEnd type="triangle"/>
+          </a:ln>
+        </p:spPr>
+        <p:style>
+          <a:lnRef idx="1">
+            <a:schemeClr val="accent1"/>
+          </a:lnRef>
+          <a:fillRef idx="0">
+            <a:schemeClr val="accent1"/>
+          </a:fillRef>
+          <a:effectRef idx="0">
+            <a:schemeClr val="accent1"/>
+          </a:effectRef>
+          <a:fontRef idx="minor">
+            <a:schemeClr val="tx1"/>
+          </a:fontRef>
+        </p:style>
+      </p:cxnSp>
+      <p:sp>
+        <p:nvSpPr>
+          <p:cNvPr id="111" name="Rectangle 110">
+            <a:extLst>
+              <a:ext uri="{FF2B5EF4-FFF2-40B4-BE49-F238E27FC236}">
+                <a16:creationId xmlns:a16="http://schemas.microsoft.com/office/drawing/2014/main" id="{76B81949-F390-4C93-9C20-B63A7A51ABBF}"/>
+              </a:ext>
+            </a:extLst>
+          </p:cNvPr>
+          <p:cNvSpPr/>
+          <p:nvPr/>
+        </p:nvSpPr>
+        <p:spPr>
+          <a:xfrm>
+            <a:off x="5573742" y="6045976"/>
+            <a:ext cx="1044516" cy="705841"/>
+          </a:xfrm>
+          <a:prstGeom prst="rect">
+            <a:avLst/>
+          </a:prstGeom>
+          <a:solidFill>
+            <a:srgbClr val="FFCCFF"/>
+          </a:solidFill>
+          <a:ln>
+            <a:solidFill>
+              <a:sysClr val="windowText" lastClr="000000"/>
+            </a:solidFill>
+          </a:ln>
+        </p:spPr>
+        <p:txBody>
+          <a:bodyPr rot="0" spcFirstLastPara="0" vertOverflow="overflow" horzOverflow="overflow" vert="horz" wrap="square" lIns="91440" tIns="45720" rIns="91440" bIns="45720" numCol="1" spcCol="0" rtlCol="0" fromWordArt="0" anchor="ctr" anchorCtr="1" forceAA="0" compatLnSpc="1">
+            <a:prstTxWarp prst="textNoShape">
+              <a:avLst/>
+            </a:prstTxWarp>
+            <a:noAutofit/>
+          </a:bodyPr>
+          <a:lstStyle/>
+          <a:p>
+            <a:pPr marL="0" marR="0" lvl="0" indent="0" algn="ctr" defTabSz="914400" rtl="0" eaLnBrk="1" fontAlgn="auto" latinLnBrk="0" hangingPunct="1">
+              <a:lnSpc>
+                <a:spcPct val="100000"/>
+              </a:lnSpc>
+              <a:spcBef>
+                <a:spcPts val="0"/>
+              </a:spcBef>
+              <a:spcAft>
+                <a:spcPts val="0"/>
+              </a:spcAft>
+              <a:buClrTx/>
+              <a:buSzTx/>
+              <a:buFontTx/>
+              <a:buNone/>
+              <a:tabLst/>
+              <a:defRPr/>
+            </a:pPr>
+            <a:r>
+              <a:rPr kumimoji="0" lang="en-US" sz="1600" b="0" i="0" u="none" strike="noStrike" kern="0" cap="none" spc="0" normalizeH="0" baseline="0" noProof="0" dirty="0">
+                <a:ln>
+                  <a:noFill/>
+                </a:ln>
+                <a:solidFill>
+                  <a:prstClr val="black"/>
+                </a:solidFill>
+                <a:effectLst/>
+                <a:uLnTx/>
+                <a:uFillTx/>
+                <a:latin typeface="Calibri" panose="020F0502020204030204"/>
+                <a:ea typeface="+mn-ea"/>
+                <a:cs typeface="+mn-cs"/>
+              </a:rPr>
+              <a:t>RPC Manager</a:t>
+            </a:r>
+          </a:p>
+        </p:txBody>
+      </p:sp>
+      <p:cxnSp>
+        <p:nvCxnSpPr>
+          <p:cNvPr id="112" name="Straight Arrow Connector 111">
+            <a:extLst>
+              <a:ext uri="{FF2B5EF4-FFF2-40B4-BE49-F238E27FC236}">
+                <a16:creationId xmlns:a16="http://schemas.microsoft.com/office/drawing/2014/main" id="{873D25C1-49C7-45D8-A1F2-A475F9923427}"/>
+              </a:ext>
+            </a:extLst>
+          </p:cNvPr>
+          <p:cNvCxnSpPr>
+            <a:cxnSpLocks/>
+            <a:stCxn id="111" idx="0"/>
+          </p:cNvCxnSpPr>
+          <p:nvPr/>
+        </p:nvCxnSpPr>
+        <p:spPr>
+          <a:xfrm flipH="1" flipV="1">
+            <a:off x="2411442" y="4997910"/>
+            <a:ext cx="3684558" cy="1048066"/>
+          </a:xfrm>
+          <a:prstGeom prst="straightConnector1">
+            <a:avLst/>
+          </a:prstGeom>
+          <a:ln w="25400">
+            <a:solidFill>
+              <a:schemeClr val="tx1"/>
+            </a:solidFill>
+            <a:tailEnd type="triangle"/>
+          </a:ln>
+        </p:spPr>
+        <p:style>
+          <a:lnRef idx="1">
+            <a:schemeClr val="accent1"/>
+          </a:lnRef>
+          <a:fillRef idx="0">
+            <a:schemeClr val="accent1"/>
+          </a:fillRef>
+          <a:effectRef idx="0">
+            <a:schemeClr val="accent1"/>
+          </a:effectRef>
+          <a:fontRef idx="minor">
+            <a:schemeClr val="tx1"/>
+          </a:fontRef>
+        </p:style>
+      </p:cxnSp>
+      <p:cxnSp>
+        <p:nvCxnSpPr>
+          <p:cNvPr id="115" name="Straight Arrow Connector 114">
+            <a:extLst>
+              <a:ext uri="{FF2B5EF4-FFF2-40B4-BE49-F238E27FC236}">
+                <a16:creationId xmlns:a16="http://schemas.microsoft.com/office/drawing/2014/main" id="{F731976D-CAB3-492E-8C66-5B44FCA20CC4}"/>
+              </a:ext>
+            </a:extLst>
+          </p:cNvPr>
+          <p:cNvCxnSpPr>
+            <a:cxnSpLocks/>
+            <a:stCxn id="111" idx="0"/>
+            <a:endCxn id="68" idx="2"/>
+          </p:cNvCxnSpPr>
+          <p:nvPr/>
+        </p:nvCxnSpPr>
+        <p:spPr>
+          <a:xfrm flipV="1">
+            <a:off x="6096000" y="5428102"/>
+            <a:ext cx="21837" cy="617874"/>
+          </a:xfrm>
+          <a:prstGeom prst="straightConnector1">
+            <a:avLst/>
+          </a:prstGeom>
+          <a:ln w="25400">
+            <a:solidFill>
+              <a:schemeClr val="tx1"/>
+            </a:solidFill>
+            <a:tailEnd type="triangle"/>
+          </a:ln>
+        </p:spPr>
+        <p:style>
+          <a:lnRef idx="1">
+            <a:schemeClr val="accent1"/>
+          </a:lnRef>
+          <a:fillRef idx="0">
+            <a:schemeClr val="accent1"/>
+          </a:fillRef>
+          <a:effectRef idx="0">
+            <a:schemeClr val="accent1"/>
+          </a:effectRef>
+          <a:fontRef idx="minor">
+            <a:schemeClr val="tx1"/>
+          </a:fontRef>
+        </p:style>
+      </p:cxnSp>
+      <p:cxnSp>
+        <p:nvCxnSpPr>
+          <p:cNvPr id="116" name="Straight Arrow Connector 115">
+            <a:extLst>
+              <a:ext uri="{FF2B5EF4-FFF2-40B4-BE49-F238E27FC236}">
+                <a16:creationId xmlns:a16="http://schemas.microsoft.com/office/drawing/2014/main" id="{09EADC03-1396-477D-8EFC-86D3BA794290}"/>
+              </a:ext>
+            </a:extLst>
+          </p:cNvPr>
+          <p:cNvCxnSpPr>
+            <a:cxnSpLocks/>
+            <a:stCxn id="111" idx="0"/>
+          </p:cNvCxnSpPr>
+          <p:nvPr/>
+        </p:nvCxnSpPr>
+        <p:spPr>
+          <a:xfrm flipV="1">
+            <a:off x="6096000" y="5118716"/>
+            <a:ext cx="3598343" cy="927260"/>
+          </a:xfrm>
+          <a:prstGeom prst="straightConnector1">
+            <a:avLst/>
+          </a:prstGeom>
+          <a:ln w="25400">
+            <a:solidFill>
+              <a:schemeClr val="tx1"/>
+            </a:solidFill>
+            <a:tailEnd type="triangle"/>
+          </a:ln>
+        </p:spPr>
+        <p:style>
+          <a:lnRef idx="1">
+            <a:schemeClr val="accent1"/>
+          </a:lnRef>
+          <a:fillRef idx="0">
+            <a:schemeClr val="accent1"/>
+          </a:fillRef>
+          <a:effectRef idx="0">
+            <a:schemeClr val="accent1"/>
+          </a:effectRef>
+          <a:fontRef idx="minor">
+            <a:schemeClr val="tx1"/>
+          </a:fontRef>
+        </p:style>
+      </p:cxnSp>
+      <p:sp>
+        <p:nvSpPr>
+          <p:cNvPr id="123" name="Rectangle 122">
+            <a:extLst>
+              <a:ext uri="{FF2B5EF4-FFF2-40B4-BE49-F238E27FC236}">
+                <a16:creationId xmlns:a16="http://schemas.microsoft.com/office/drawing/2014/main" id="{E4111159-005D-4AD7-87FA-01CE2CDC4893}"/>
+              </a:ext>
+            </a:extLst>
+          </p:cNvPr>
+          <p:cNvSpPr/>
+          <p:nvPr/>
+        </p:nvSpPr>
+        <p:spPr>
+          <a:xfrm>
+            <a:off x="2995965" y="1601282"/>
+            <a:ext cx="866127" cy="461665"/>
+          </a:xfrm>
+          <a:prstGeom prst="rect">
+            <a:avLst/>
+          </a:prstGeom>
+          <a:solidFill>
+            <a:srgbClr val="FFCCFF"/>
+          </a:solidFill>
+          <a:ln>
+            <a:solidFill>
+              <a:sysClr val="windowText" lastClr="000000"/>
+            </a:solidFill>
+          </a:ln>
+        </p:spPr>
+        <p:txBody>
+          <a:bodyPr rot="0" spcFirstLastPara="0" vertOverflow="overflow" horzOverflow="overflow" vert="horz" wrap="square" lIns="91440" tIns="45720" rIns="91440" bIns="45720" numCol="1" spcCol="0" rtlCol="0" fromWordArt="0" anchor="ctr" anchorCtr="1" forceAA="0" compatLnSpc="1">
+            <a:prstTxWarp prst="textNoShape">
+              <a:avLst/>
+            </a:prstTxWarp>
+            <a:noAutofit/>
+          </a:bodyPr>
+          <a:lstStyle/>
+          <a:p>
+            <a:pPr marL="0" marR="0" lvl="0" indent="0" algn="ctr" defTabSz="914400" rtl="0" eaLnBrk="1" fontAlgn="auto" latinLnBrk="0" hangingPunct="1">
+              <a:lnSpc>
+                <a:spcPct val="100000"/>
+              </a:lnSpc>
+              <a:spcBef>
+                <a:spcPts val="0"/>
+              </a:spcBef>
+              <a:spcAft>
+                <a:spcPts val="0"/>
+              </a:spcAft>
+              <a:buClrTx/>
+              <a:buSzTx/>
+              <a:buFontTx/>
+              <a:buNone/>
+              <a:tabLst/>
+              <a:defRPr/>
+            </a:pPr>
+            <a:r>
+              <a:rPr lang="en-US" sz="1600" kern="0" dirty="0">
+                <a:solidFill>
+                  <a:prstClr val="black"/>
+                </a:solidFill>
+                <a:latin typeface="Calibri" panose="020F0502020204030204"/>
+              </a:rPr>
+              <a:t>RPC</a:t>
+            </a:r>
+          </a:p>
+          <a:p>
+            <a:pPr marL="0" marR="0" lvl="0" indent="0" algn="ctr" defTabSz="914400" rtl="0" eaLnBrk="1" fontAlgn="auto" latinLnBrk="0" hangingPunct="1">
+              <a:lnSpc>
+                <a:spcPct val="100000"/>
+              </a:lnSpc>
+              <a:spcBef>
+                <a:spcPts val="0"/>
+              </a:spcBef>
+              <a:spcAft>
+                <a:spcPts val="0"/>
+              </a:spcAft>
+              <a:buClrTx/>
+              <a:buSzTx/>
+              <a:buFontTx/>
+              <a:buNone/>
+              <a:tabLst/>
+              <a:defRPr/>
+            </a:pPr>
+            <a:r>
+              <a:rPr kumimoji="0" lang="en-US" sz="1600" b="0" i="0" u="none" strike="noStrike" kern="0" cap="none" spc="0" normalizeH="0" baseline="0" noProof="0" dirty="0" err="1">
+                <a:ln>
+                  <a:noFill/>
+                </a:ln>
+                <a:solidFill>
+                  <a:prstClr val="black"/>
+                </a:solidFill>
+                <a:effectLst/>
+                <a:uLnTx/>
+                <a:uFillTx/>
+                <a:latin typeface="Calibri" panose="020F0502020204030204"/>
+                <a:ea typeface="+mn-ea"/>
+                <a:cs typeface="+mn-cs"/>
+              </a:rPr>
+              <a:t>Impl</a:t>
+            </a:r>
+            <a:r>
+              <a:rPr kumimoji="0" lang="en-US" sz="1600" b="0" i="0" u="none" strike="noStrike" kern="0" cap="none" spc="0" normalizeH="0" baseline="0" noProof="0" dirty="0">
+                <a:ln>
+                  <a:noFill/>
+                </a:ln>
+                <a:solidFill>
+                  <a:prstClr val="black"/>
+                </a:solidFill>
+                <a:effectLst/>
+                <a:uLnTx/>
+                <a:uFillTx/>
+                <a:latin typeface="Calibri" panose="020F0502020204030204"/>
+                <a:ea typeface="+mn-ea"/>
+                <a:cs typeface="+mn-cs"/>
+              </a:rPr>
+              <a:t> </a:t>
+            </a:r>
+          </a:p>
+        </p:txBody>
+      </p:sp>
+      <p:sp>
+        <p:nvSpPr>
+          <p:cNvPr id="124" name="Rectangle 123">
+            <a:extLst>
+              <a:ext uri="{FF2B5EF4-FFF2-40B4-BE49-F238E27FC236}">
+                <a16:creationId xmlns:a16="http://schemas.microsoft.com/office/drawing/2014/main" id="{ECAA18ED-6ACA-489D-8CC0-F579F4344A0E}"/>
+              </a:ext>
+            </a:extLst>
+          </p:cNvPr>
+          <p:cNvSpPr/>
+          <p:nvPr/>
+        </p:nvSpPr>
+        <p:spPr>
+          <a:xfrm>
+            <a:off x="11028868" y="1625542"/>
+            <a:ext cx="866127" cy="461665"/>
+          </a:xfrm>
+          <a:prstGeom prst="rect">
+            <a:avLst/>
+          </a:prstGeom>
+          <a:solidFill>
+            <a:srgbClr val="FFCCFF"/>
+          </a:solidFill>
+          <a:ln>
+            <a:solidFill>
+              <a:sysClr val="windowText" lastClr="000000"/>
+            </a:solidFill>
+          </a:ln>
+        </p:spPr>
+        <p:txBody>
+          <a:bodyPr rot="0" spcFirstLastPara="0" vertOverflow="overflow" horzOverflow="overflow" vert="horz" wrap="square" lIns="91440" tIns="45720" rIns="91440" bIns="45720" numCol="1" spcCol="0" rtlCol="0" fromWordArt="0" anchor="ctr" anchorCtr="1" forceAA="0" compatLnSpc="1">
+            <a:prstTxWarp prst="textNoShape">
+              <a:avLst/>
+            </a:prstTxWarp>
+            <a:noAutofit/>
+          </a:bodyPr>
+          <a:lstStyle/>
+          <a:p>
+            <a:pPr marL="0" marR="0" lvl="0" indent="0" algn="ctr" defTabSz="914400" rtl="0" eaLnBrk="1" fontAlgn="auto" latinLnBrk="0" hangingPunct="1">
+              <a:lnSpc>
+                <a:spcPct val="100000"/>
+              </a:lnSpc>
+              <a:spcBef>
+                <a:spcPts val="0"/>
+              </a:spcBef>
+              <a:spcAft>
+                <a:spcPts val="0"/>
+              </a:spcAft>
+              <a:buClrTx/>
+              <a:buSzTx/>
+              <a:buFontTx/>
+              <a:buNone/>
+              <a:tabLst/>
+              <a:defRPr/>
+            </a:pPr>
+            <a:r>
+              <a:rPr lang="en-US" sz="1600" kern="0" dirty="0">
+                <a:solidFill>
+                  <a:prstClr val="black"/>
+                </a:solidFill>
+                <a:latin typeface="Calibri" panose="020F0502020204030204"/>
+              </a:rPr>
+              <a:t>RPC</a:t>
+            </a:r>
+          </a:p>
+          <a:p>
+            <a:pPr marL="0" marR="0" lvl="0" indent="0" algn="ctr" defTabSz="914400" rtl="0" eaLnBrk="1" fontAlgn="auto" latinLnBrk="0" hangingPunct="1">
+              <a:lnSpc>
+                <a:spcPct val="100000"/>
+              </a:lnSpc>
+              <a:spcBef>
+                <a:spcPts val="0"/>
+              </a:spcBef>
+              <a:spcAft>
+                <a:spcPts val="0"/>
+              </a:spcAft>
+              <a:buClrTx/>
+              <a:buSzTx/>
+              <a:buFontTx/>
+              <a:buNone/>
+              <a:tabLst/>
+              <a:defRPr/>
+            </a:pPr>
+            <a:r>
+              <a:rPr kumimoji="0" lang="en-US" sz="1600" b="0" i="0" u="none" strike="noStrike" kern="0" cap="none" spc="0" normalizeH="0" baseline="0" noProof="0" dirty="0" err="1">
+                <a:ln>
+                  <a:noFill/>
+                </a:ln>
+                <a:solidFill>
+                  <a:prstClr val="black"/>
+                </a:solidFill>
+                <a:effectLst/>
+                <a:uLnTx/>
+                <a:uFillTx/>
+                <a:latin typeface="Calibri" panose="020F0502020204030204"/>
+                <a:ea typeface="+mn-ea"/>
+                <a:cs typeface="+mn-cs"/>
+              </a:rPr>
+              <a:t>Impl</a:t>
+            </a:r>
+            <a:r>
+              <a:rPr kumimoji="0" lang="en-US" sz="1600" b="0" i="0" u="none" strike="noStrike" kern="0" cap="none" spc="0" normalizeH="0" baseline="0" noProof="0" dirty="0">
+                <a:ln>
+                  <a:noFill/>
+                </a:ln>
+                <a:solidFill>
+                  <a:prstClr val="black"/>
+                </a:solidFill>
+                <a:effectLst/>
+                <a:uLnTx/>
+                <a:uFillTx/>
+                <a:latin typeface="Calibri" panose="020F0502020204030204"/>
+                <a:ea typeface="+mn-ea"/>
+                <a:cs typeface="+mn-cs"/>
+              </a:rPr>
+              <a:t> </a:t>
+            </a:r>
+          </a:p>
+        </p:txBody>
+      </p:sp>
+      <p:sp>
+        <p:nvSpPr>
+          <p:cNvPr id="125" name="Rectangle 124">
+            <a:extLst>
+              <a:ext uri="{FF2B5EF4-FFF2-40B4-BE49-F238E27FC236}">
+                <a16:creationId xmlns:a16="http://schemas.microsoft.com/office/drawing/2014/main" id="{7DAAA2AE-9C68-483A-ABAA-41CBCAF3167E}"/>
+              </a:ext>
+            </a:extLst>
+          </p:cNvPr>
+          <p:cNvSpPr/>
+          <p:nvPr/>
+        </p:nvSpPr>
+        <p:spPr>
+          <a:xfrm>
+            <a:off x="7041222" y="1601281"/>
+            <a:ext cx="866127" cy="461665"/>
+          </a:xfrm>
+          <a:prstGeom prst="rect">
+            <a:avLst/>
+          </a:prstGeom>
+          <a:solidFill>
+            <a:srgbClr val="FFCCFF"/>
+          </a:solidFill>
+          <a:ln>
+            <a:solidFill>
+              <a:sysClr val="windowText" lastClr="000000"/>
+            </a:solidFill>
+          </a:ln>
+        </p:spPr>
+        <p:txBody>
+          <a:bodyPr rot="0" spcFirstLastPara="0" vertOverflow="overflow" horzOverflow="overflow" vert="horz" wrap="square" lIns="91440" tIns="45720" rIns="91440" bIns="45720" numCol="1" spcCol="0" rtlCol="0" fromWordArt="0" anchor="ctr" anchorCtr="1" forceAA="0" compatLnSpc="1">
+            <a:prstTxWarp prst="textNoShape">
+              <a:avLst/>
+            </a:prstTxWarp>
+            <a:noAutofit/>
+          </a:bodyPr>
+          <a:lstStyle/>
+          <a:p>
+            <a:pPr marL="0" marR="0" lvl="0" indent="0" algn="ctr" defTabSz="914400" rtl="0" eaLnBrk="1" fontAlgn="auto" latinLnBrk="0" hangingPunct="1">
+              <a:lnSpc>
+                <a:spcPct val="100000"/>
+              </a:lnSpc>
+              <a:spcBef>
+                <a:spcPts val="0"/>
+              </a:spcBef>
+              <a:spcAft>
+                <a:spcPts val="0"/>
+              </a:spcAft>
+              <a:buClrTx/>
+              <a:buSzTx/>
+              <a:buFontTx/>
+              <a:buNone/>
+              <a:tabLst/>
+              <a:defRPr/>
+            </a:pPr>
+            <a:r>
+              <a:rPr lang="en-US" sz="1600" kern="0" dirty="0">
+                <a:solidFill>
+                  <a:prstClr val="black"/>
+                </a:solidFill>
+                <a:latin typeface="Calibri" panose="020F0502020204030204"/>
+              </a:rPr>
+              <a:t>RPC</a:t>
+            </a:r>
+          </a:p>
+          <a:p>
+            <a:pPr marL="0" marR="0" lvl="0" indent="0" algn="ctr" defTabSz="914400" rtl="0" eaLnBrk="1" fontAlgn="auto" latinLnBrk="0" hangingPunct="1">
+              <a:lnSpc>
+                <a:spcPct val="100000"/>
+              </a:lnSpc>
+              <a:spcBef>
+                <a:spcPts val="0"/>
+              </a:spcBef>
+              <a:spcAft>
+                <a:spcPts val="0"/>
+              </a:spcAft>
+              <a:buClrTx/>
+              <a:buSzTx/>
+              <a:buFontTx/>
+              <a:buNone/>
+              <a:tabLst/>
+              <a:defRPr/>
+            </a:pPr>
+            <a:r>
+              <a:rPr kumimoji="0" lang="en-US" sz="1600" b="0" i="0" u="none" strike="noStrike" kern="0" cap="none" spc="0" normalizeH="0" baseline="0" noProof="0" dirty="0" err="1">
+                <a:ln>
+                  <a:noFill/>
+                </a:ln>
+                <a:solidFill>
+                  <a:prstClr val="black"/>
+                </a:solidFill>
+                <a:effectLst/>
+                <a:uLnTx/>
+                <a:uFillTx/>
+                <a:latin typeface="Calibri" panose="020F0502020204030204"/>
+                <a:ea typeface="+mn-ea"/>
+                <a:cs typeface="+mn-cs"/>
+              </a:rPr>
+              <a:t>Impl</a:t>
+            </a:r>
+            <a:r>
+              <a:rPr kumimoji="0" lang="en-US" sz="1600" b="0" i="0" u="none" strike="noStrike" kern="0" cap="none" spc="0" normalizeH="0" baseline="0" noProof="0" dirty="0">
+                <a:ln>
+                  <a:noFill/>
+                </a:ln>
+                <a:solidFill>
+                  <a:prstClr val="black"/>
+                </a:solidFill>
+                <a:effectLst/>
+                <a:uLnTx/>
+                <a:uFillTx/>
+                <a:latin typeface="Calibri" panose="020F0502020204030204"/>
+                <a:ea typeface="+mn-ea"/>
+                <a:cs typeface="+mn-cs"/>
+              </a:rPr>
+              <a:t> </a:t>
+            </a:r>
+          </a:p>
+        </p:txBody>
+      </p:sp>
+      <p:cxnSp>
+        <p:nvCxnSpPr>
+          <p:cNvPr id="69" name="Straight Arrow Connector 68">
+            <a:extLst>
+              <a:ext uri="{FF2B5EF4-FFF2-40B4-BE49-F238E27FC236}">
+                <a16:creationId xmlns:a16="http://schemas.microsoft.com/office/drawing/2014/main" id="{994ACFED-7363-4FC1-A5A9-D6ECB93E249A}"/>
+              </a:ext>
+            </a:extLst>
+          </p:cNvPr>
+          <p:cNvCxnSpPr>
+            <a:cxnSpLocks/>
+            <a:stCxn id="61" idx="2"/>
+          </p:cNvCxnSpPr>
+          <p:nvPr/>
+        </p:nvCxnSpPr>
+        <p:spPr>
+          <a:xfrm flipH="1">
+            <a:off x="3699481" y="752677"/>
+            <a:ext cx="2396519" cy="984881"/>
+          </a:xfrm>
+          <a:prstGeom prst="straightConnector1">
+            <a:avLst/>
+          </a:prstGeom>
+          <a:ln w="25400">
+            <a:solidFill>
+              <a:schemeClr val="tx1"/>
+            </a:solidFill>
+            <a:tailEnd type="triangle"/>
+          </a:ln>
+        </p:spPr>
+        <p:style>
+          <a:lnRef idx="1">
+            <a:schemeClr val="accent1"/>
+          </a:lnRef>
+          <a:fillRef idx="0">
+            <a:schemeClr val="accent1"/>
+          </a:fillRef>
+          <a:effectRef idx="0">
+            <a:schemeClr val="accent1"/>
+          </a:effectRef>
+          <a:fontRef idx="minor">
+            <a:schemeClr val="tx1"/>
+          </a:fontRef>
+        </p:style>
+      </p:cxnSp>
+      <p:cxnSp>
+        <p:nvCxnSpPr>
+          <p:cNvPr id="89" name="Straight Arrow Connector 88">
+            <a:extLst>
+              <a:ext uri="{FF2B5EF4-FFF2-40B4-BE49-F238E27FC236}">
+                <a16:creationId xmlns:a16="http://schemas.microsoft.com/office/drawing/2014/main" id="{94EA57AE-D310-40D2-88C8-DA2087970DC2}"/>
+              </a:ext>
+            </a:extLst>
+          </p:cNvPr>
+          <p:cNvCxnSpPr>
+            <a:cxnSpLocks/>
+            <a:stCxn id="61" idx="2"/>
+          </p:cNvCxnSpPr>
+          <p:nvPr/>
+        </p:nvCxnSpPr>
+        <p:spPr>
+          <a:xfrm>
+            <a:off x="6096000" y="752677"/>
+            <a:ext cx="5095485" cy="1039818"/>
+          </a:xfrm>
+          <a:prstGeom prst="straightConnector1">
+            <a:avLst/>
+          </a:prstGeom>
+          <a:ln w="25400">
+            <a:solidFill>
+              <a:schemeClr val="tx1"/>
+            </a:solidFill>
+            <a:tailEnd type="triangle"/>
+          </a:ln>
+        </p:spPr>
+        <p:style>
+          <a:lnRef idx="1">
+            <a:schemeClr val="accent1"/>
+          </a:lnRef>
+          <a:fillRef idx="0">
+            <a:schemeClr val="accent1"/>
+          </a:fillRef>
+          <a:effectRef idx="0">
+            <a:schemeClr val="accent1"/>
+          </a:effectRef>
+          <a:fontRef idx="minor">
+            <a:schemeClr val="tx1"/>
+          </a:fontRef>
+        </p:style>
+      </p:cxnSp>
+      <p:cxnSp>
+        <p:nvCxnSpPr>
+          <p:cNvPr id="88" name="Straight Arrow Connector 87">
+            <a:extLst>
+              <a:ext uri="{FF2B5EF4-FFF2-40B4-BE49-F238E27FC236}">
+                <a16:creationId xmlns:a16="http://schemas.microsoft.com/office/drawing/2014/main" id="{95A37787-F037-4A22-928D-68DC3E582AEF}"/>
+              </a:ext>
+            </a:extLst>
+          </p:cNvPr>
+          <p:cNvCxnSpPr>
+            <a:cxnSpLocks/>
+            <a:stCxn id="61" idx="2"/>
+          </p:cNvCxnSpPr>
+          <p:nvPr/>
+        </p:nvCxnSpPr>
+        <p:spPr>
+          <a:xfrm>
+            <a:off x="6096000" y="752677"/>
+            <a:ext cx="1154997" cy="1014566"/>
+          </a:xfrm>
+          <a:prstGeom prst="straightConnector1">
+            <a:avLst/>
+          </a:prstGeom>
+          <a:ln w="25400">
+            <a:solidFill>
+              <a:schemeClr val="tx1"/>
+            </a:solidFill>
+            <a:tailEnd type="triangle"/>
+          </a:ln>
+        </p:spPr>
+        <p:style>
+          <a:lnRef idx="1">
+            <a:schemeClr val="accent1"/>
+          </a:lnRef>
+          <a:fillRef idx="0">
+            <a:schemeClr val="accent1"/>
+          </a:fillRef>
+          <a:effectRef idx="0">
+            <a:schemeClr val="accent1"/>
+          </a:effectRef>
+          <a:fontRef idx="minor">
+            <a:schemeClr val="tx1"/>
+          </a:fontRef>
+        </p:style>
+      </p:cxnSp>
+      <p:cxnSp>
+        <p:nvCxnSpPr>
+          <p:cNvPr id="90" name="Straight Arrow Connector 89">
+            <a:extLst>
+              <a:ext uri="{FF2B5EF4-FFF2-40B4-BE49-F238E27FC236}">
+                <a16:creationId xmlns:a16="http://schemas.microsoft.com/office/drawing/2014/main" id="{0DEE0789-84B4-4358-B71F-FF72A703BEE9}"/>
+              </a:ext>
+            </a:extLst>
+          </p:cNvPr>
+          <p:cNvCxnSpPr>
+            <a:cxnSpLocks/>
+            <a:stCxn id="61" idx="2"/>
+          </p:cNvCxnSpPr>
+          <p:nvPr/>
+        </p:nvCxnSpPr>
+        <p:spPr>
+          <a:xfrm>
+            <a:off x="6096000" y="752677"/>
+            <a:ext cx="3607524" cy="4163465"/>
+          </a:xfrm>
+          <a:prstGeom prst="straightConnector1">
+            <a:avLst/>
+          </a:prstGeom>
+          <a:ln w="25400">
+            <a:solidFill>
+              <a:schemeClr val="tx1"/>
+            </a:solidFill>
+            <a:tailEnd type="triangle"/>
+          </a:ln>
+        </p:spPr>
+        <p:style>
+          <a:lnRef idx="1">
+            <a:schemeClr val="accent1"/>
+          </a:lnRef>
+          <a:fillRef idx="0">
+            <a:schemeClr val="accent1"/>
+          </a:fillRef>
+          <a:effectRef idx="0">
+            <a:schemeClr val="accent1"/>
+          </a:effectRef>
+          <a:fontRef idx="minor">
+            <a:schemeClr val="tx1"/>
+          </a:fontRef>
+        </p:style>
+      </p:cxnSp>
+      <p:sp>
+        <p:nvSpPr>
+          <p:cNvPr id="140" name="Arrow: Down 139">
+            <a:extLst>
+              <a:ext uri="{FF2B5EF4-FFF2-40B4-BE49-F238E27FC236}">
+                <a16:creationId xmlns:a16="http://schemas.microsoft.com/office/drawing/2014/main" id="{A3614B96-DA90-4620-A0CA-6F4C318ACFE0}"/>
+              </a:ext>
+            </a:extLst>
+          </p:cNvPr>
+          <p:cNvSpPr/>
+          <p:nvPr/>
+        </p:nvSpPr>
+        <p:spPr>
+          <a:xfrm rot="12416647">
+            <a:off x="2310000" y="2004828"/>
+            <a:ext cx="951661" cy="2580290"/>
+          </a:xfrm>
+          <a:prstGeom prst="downArrow">
+            <a:avLst/>
+          </a:prstGeom>
+          <a:solidFill>
+            <a:schemeClr val="bg1">
+              <a:lumMod val="65000"/>
+            </a:schemeClr>
+          </a:solidFill>
+          <a:ln>
+            <a:solidFill>
+              <a:sysClr val="windowText" lastClr="000000"/>
+            </a:solidFill>
+          </a:ln>
+        </p:spPr>
+        <p:txBody>
+          <a:bodyPr rot="0" spcFirstLastPara="0" vertOverflow="overflow" horzOverflow="overflow" vert="vert" wrap="square" lIns="91440" tIns="45720" rIns="91440" bIns="45720" numCol="1" spcCol="0" rtlCol="0" fromWordArt="0" anchor="ctr" anchorCtr="1" forceAA="0" compatLnSpc="1">
+            <a:prstTxWarp prst="textNoShape">
+              <a:avLst/>
+            </a:prstTxWarp>
+            <a:noAutofit/>
+          </a:bodyPr>
+          <a:lstStyle/>
+          <a:p>
+            <a:pPr algn="ctr"/>
+            <a:r>
+              <a:rPr lang="en-US" sz="2000" kern="0" dirty="0">
+                <a:solidFill>
+                  <a:prstClr val="black"/>
+                </a:solidFill>
+                <a:latin typeface="Calibri" panose="020F0502020204030204"/>
+              </a:rPr>
+              <a:t>HTTPS</a:t>
+            </a:r>
+          </a:p>
+        </p:txBody>
+      </p:sp>
+      <p:sp>
+        <p:nvSpPr>
+          <p:cNvPr id="141" name="Arrow: Down 140">
+            <a:extLst>
+              <a:ext uri="{FF2B5EF4-FFF2-40B4-BE49-F238E27FC236}">
+                <a16:creationId xmlns:a16="http://schemas.microsoft.com/office/drawing/2014/main" id="{52B19B8D-EF6C-419C-8242-A4246F1FBF4D}"/>
+              </a:ext>
+            </a:extLst>
+          </p:cNvPr>
+          <p:cNvSpPr/>
+          <p:nvPr/>
+        </p:nvSpPr>
+        <p:spPr>
+          <a:xfrm rot="12416647">
+            <a:off x="6331105" y="1993657"/>
+            <a:ext cx="951661" cy="2580290"/>
+          </a:xfrm>
+          <a:prstGeom prst="downArrow">
+            <a:avLst/>
+          </a:prstGeom>
+          <a:solidFill>
+            <a:schemeClr val="bg1">
+              <a:lumMod val="65000"/>
+            </a:schemeClr>
+          </a:solidFill>
+          <a:ln>
+            <a:solidFill>
+              <a:sysClr val="windowText" lastClr="000000"/>
+            </a:solidFill>
+          </a:ln>
+        </p:spPr>
+        <p:txBody>
+          <a:bodyPr rot="0" spcFirstLastPara="0" vertOverflow="overflow" horzOverflow="overflow" vert="vert" wrap="square" lIns="91440" tIns="45720" rIns="91440" bIns="45720" numCol="1" spcCol="0" rtlCol="0" fromWordArt="0" anchor="ctr" anchorCtr="1" forceAA="0" compatLnSpc="1">
+            <a:prstTxWarp prst="textNoShape">
+              <a:avLst/>
+            </a:prstTxWarp>
+            <a:noAutofit/>
+          </a:bodyPr>
+          <a:lstStyle/>
+          <a:p>
+            <a:pPr algn="ctr"/>
+            <a:r>
+              <a:rPr lang="en-US" sz="2000" kern="0" dirty="0">
+                <a:solidFill>
+                  <a:prstClr val="black"/>
+                </a:solidFill>
+                <a:latin typeface="Calibri" panose="020F0502020204030204"/>
+              </a:rPr>
+              <a:t>IPC</a:t>
+            </a:r>
+          </a:p>
+        </p:txBody>
+      </p:sp>
+      <p:sp>
+        <p:nvSpPr>
+          <p:cNvPr id="142" name="Arrow: Down 141">
+            <a:extLst>
+              <a:ext uri="{FF2B5EF4-FFF2-40B4-BE49-F238E27FC236}">
+                <a16:creationId xmlns:a16="http://schemas.microsoft.com/office/drawing/2014/main" id="{16D637E6-8C84-40BA-AE65-6175E73C9DB9}"/>
+              </a:ext>
+            </a:extLst>
+          </p:cNvPr>
+          <p:cNvSpPr/>
+          <p:nvPr/>
+        </p:nvSpPr>
+        <p:spPr>
+          <a:xfrm rot="12416647">
+            <a:off x="10315306" y="2005289"/>
+            <a:ext cx="951661" cy="2580290"/>
+          </a:xfrm>
+          <a:prstGeom prst="downArrow">
+            <a:avLst/>
+          </a:prstGeom>
+          <a:solidFill>
+            <a:schemeClr val="bg1">
+              <a:lumMod val="65000"/>
+            </a:schemeClr>
+          </a:solidFill>
+          <a:ln>
+            <a:solidFill>
+              <a:sysClr val="windowText" lastClr="000000"/>
+            </a:solidFill>
+          </a:ln>
+        </p:spPr>
+        <p:txBody>
+          <a:bodyPr rot="0" spcFirstLastPara="0" vertOverflow="overflow" horzOverflow="overflow" vert="vert" wrap="square" lIns="91440" tIns="45720" rIns="91440" bIns="45720" numCol="1" spcCol="0" rtlCol="0" fromWordArt="0" anchor="ctr" anchorCtr="1" forceAA="0" compatLnSpc="1">
+            <a:prstTxWarp prst="textNoShape">
+              <a:avLst/>
+            </a:prstTxWarp>
+            <a:noAutofit/>
+          </a:bodyPr>
+          <a:lstStyle/>
+          <a:p>
+            <a:pPr algn="ctr"/>
+            <a:r>
+              <a:rPr lang="en-US" sz="2000" kern="0" dirty="0">
+                <a:solidFill>
+                  <a:prstClr val="black"/>
+                </a:solidFill>
+                <a:latin typeface="Calibri" panose="020F0502020204030204"/>
+              </a:rPr>
+              <a:t>Function Calls</a:t>
+            </a:r>
+          </a:p>
+        </p:txBody>
+      </p:sp>
+      <p:sp>
+        <p:nvSpPr>
+          <p:cNvPr id="156" name="Speech Bubble: Rectangle with Corners Rounded 155">
+            <a:extLst>
+              <a:ext uri="{FF2B5EF4-FFF2-40B4-BE49-F238E27FC236}">
+                <a16:creationId xmlns:a16="http://schemas.microsoft.com/office/drawing/2014/main" id="{162AA051-4CF0-417F-8166-03D939AC344E}"/>
+              </a:ext>
+            </a:extLst>
+          </p:cNvPr>
+          <p:cNvSpPr/>
+          <p:nvPr/>
+        </p:nvSpPr>
+        <p:spPr>
+          <a:xfrm>
+            <a:off x="7640900" y="5989817"/>
+            <a:ext cx="3387968" cy="762000"/>
+          </a:xfrm>
+          <a:prstGeom prst="wedgeRoundRectCallout">
+            <a:avLst>
+              <a:gd name="adj1" fmla="val -84847"/>
+              <a:gd name="adj2" fmla="val 2500"/>
+              <a:gd name="adj3" fmla="val 16667"/>
+            </a:avLst>
+          </a:prstGeom>
+          <a:solidFill>
+            <a:srgbClr val="CCFFFF"/>
+          </a:solidFill>
+        </p:spPr>
+        <p:style>
+          <a:lnRef idx="2">
+            <a:schemeClr val="accent1">
+              <a:shade val="50000"/>
+            </a:schemeClr>
+          </a:lnRef>
+          <a:fillRef idx="1">
+            <a:schemeClr val="accent1"/>
+          </a:fillRef>
+          <a:effectRef idx="0">
+            <a:schemeClr val="accent1"/>
+          </a:effectRef>
+          <a:fontRef idx="minor">
+            <a:schemeClr val="lt1"/>
+          </a:fontRef>
+        </p:style>
+        <p:txBody>
+          <a:bodyPr rtlCol="0" anchor="ctr"/>
+          <a:lstStyle/>
+          <a:p>
+            <a:pPr algn="ctr"/>
+            <a:r>
+              <a:rPr lang="en-US" dirty="0">
+                <a:solidFill>
+                  <a:schemeClr val="tx1"/>
+                </a:solidFill>
+              </a:rPr>
+              <a:t>Common base class.</a:t>
+            </a:r>
+          </a:p>
+          <a:p>
+            <a:pPr algn="ctr"/>
+            <a:r>
+              <a:rPr lang="en-US" dirty="0">
+                <a:solidFill>
+                  <a:schemeClr val="tx1"/>
+                </a:solidFill>
+              </a:rPr>
+              <a:t>Different subclass per platform</a:t>
+            </a:r>
+          </a:p>
+        </p:txBody>
+      </p:sp>
+      <p:sp>
+        <p:nvSpPr>
+          <p:cNvPr id="157" name="Speech Bubble: Rectangle with Corners Rounded 156">
+            <a:extLst>
+              <a:ext uri="{FF2B5EF4-FFF2-40B4-BE49-F238E27FC236}">
+                <a16:creationId xmlns:a16="http://schemas.microsoft.com/office/drawing/2014/main" id="{1D3A0C18-F043-4350-BA78-5D5F4550836A}"/>
+              </a:ext>
+            </a:extLst>
+          </p:cNvPr>
+          <p:cNvSpPr/>
+          <p:nvPr/>
+        </p:nvSpPr>
+        <p:spPr>
+          <a:xfrm>
+            <a:off x="142166" y="5816266"/>
+            <a:ext cx="4945560" cy="970174"/>
+          </a:xfrm>
+          <a:prstGeom prst="wedgeRoundRectCallout">
+            <a:avLst>
+              <a:gd name="adj1" fmla="val 61664"/>
+              <a:gd name="adj2" fmla="val 3266"/>
+              <a:gd name="adj3" fmla="val 16667"/>
+            </a:avLst>
+          </a:prstGeom>
+          <a:solidFill>
+            <a:srgbClr val="CCFFFF"/>
+          </a:solidFill>
+        </p:spPr>
+        <p:style>
+          <a:lnRef idx="2">
+            <a:schemeClr val="accent1">
+              <a:shade val="50000"/>
+            </a:schemeClr>
+          </a:lnRef>
+          <a:fillRef idx="1">
+            <a:schemeClr val="accent1"/>
+          </a:fillRef>
+          <a:effectRef idx="0">
+            <a:schemeClr val="accent1"/>
+          </a:effectRef>
+          <a:fontRef idx="minor">
+            <a:schemeClr val="lt1"/>
+          </a:fontRef>
+        </p:style>
+        <p:txBody>
+          <a:bodyPr rtlCol="0" anchor="ctr"/>
+          <a:lstStyle/>
+          <a:p>
+            <a:pPr algn="ctr"/>
+            <a:r>
+              <a:rPr lang="en-US" dirty="0">
+                <a:solidFill>
+                  <a:schemeClr val="tx1"/>
+                </a:solidFill>
+              </a:rPr>
+              <a:t>Invokes RPC Interface methods using generated client wrapper and platform appropriate transport.</a:t>
+            </a:r>
+          </a:p>
+        </p:txBody>
+      </p:sp>
+      <p:sp>
+        <p:nvSpPr>
+          <p:cNvPr id="158" name="Speech Bubble: Rectangle with Corners Rounded 157">
+            <a:extLst>
+              <a:ext uri="{FF2B5EF4-FFF2-40B4-BE49-F238E27FC236}">
+                <a16:creationId xmlns:a16="http://schemas.microsoft.com/office/drawing/2014/main" id="{EFAEEBDC-53D9-402A-ACF4-8BC62C1F5C57}"/>
+              </a:ext>
+            </a:extLst>
+          </p:cNvPr>
+          <p:cNvSpPr/>
+          <p:nvPr/>
+        </p:nvSpPr>
+        <p:spPr>
+          <a:xfrm>
+            <a:off x="544384" y="22260"/>
+            <a:ext cx="4391993" cy="999668"/>
+          </a:xfrm>
+          <a:prstGeom prst="wedgeRoundRectCallout">
+            <a:avLst>
+              <a:gd name="adj1" fmla="val 67385"/>
+              <a:gd name="adj2" fmla="val -12362"/>
+              <a:gd name="adj3" fmla="val 16667"/>
+            </a:avLst>
+          </a:prstGeom>
+          <a:solidFill>
+            <a:srgbClr val="CCFFFF"/>
+          </a:solidFill>
+        </p:spPr>
+        <p:style>
+          <a:lnRef idx="2">
+            <a:schemeClr val="accent1">
+              <a:shade val="50000"/>
+            </a:schemeClr>
+          </a:lnRef>
+          <a:fillRef idx="1">
+            <a:schemeClr val="accent1"/>
+          </a:fillRef>
+          <a:effectRef idx="0">
+            <a:schemeClr val="accent1"/>
+          </a:effectRef>
+          <a:fontRef idx="minor">
+            <a:schemeClr val="lt1"/>
+          </a:fontRef>
+        </p:style>
+        <p:txBody>
+          <a:bodyPr rtlCol="0" anchor="ctr"/>
+          <a:lstStyle/>
+          <a:p>
+            <a:pPr algn="ctr"/>
+            <a:r>
+              <a:rPr lang="en-US" dirty="0">
+                <a:solidFill>
+                  <a:schemeClr val="tx1"/>
+                </a:solidFill>
+              </a:rPr>
+              <a:t>Same RPC Interface used across platforms and across frontend (client) and backend (implementation).</a:t>
+            </a:r>
+          </a:p>
+        </p:txBody>
+      </p:sp>
+      <p:sp>
+        <p:nvSpPr>
+          <p:cNvPr id="159" name="Speech Bubble: Rectangle with Corners Rounded 158">
+            <a:extLst>
+              <a:ext uri="{FF2B5EF4-FFF2-40B4-BE49-F238E27FC236}">
+                <a16:creationId xmlns:a16="http://schemas.microsoft.com/office/drawing/2014/main" id="{430B8C63-2426-4378-9097-4230F9B27E2F}"/>
+              </a:ext>
+            </a:extLst>
+          </p:cNvPr>
+          <p:cNvSpPr/>
+          <p:nvPr/>
+        </p:nvSpPr>
+        <p:spPr>
+          <a:xfrm>
+            <a:off x="7000040" y="22661"/>
+            <a:ext cx="5158241" cy="942330"/>
+          </a:xfrm>
+          <a:prstGeom prst="wedgeRoundRectCallout">
+            <a:avLst>
+              <a:gd name="adj1" fmla="val -60529"/>
+              <a:gd name="adj2" fmla="val -14917"/>
+              <a:gd name="adj3" fmla="val 16667"/>
+            </a:avLst>
+          </a:prstGeom>
+          <a:solidFill>
+            <a:srgbClr val="CCFFFF"/>
+          </a:solidFill>
+        </p:spPr>
+        <p:style>
+          <a:lnRef idx="2">
+            <a:schemeClr val="accent1">
+              <a:shade val="50000"/>
+            </a:schemeClr>
+          </a:lnRef>
+          <a:fillRef idx="1">
+            <a:schemeClr val="accent1"/>
+          </a:fillRef>
+          <a:effectRef idx="0">
+            <a:schemeClr val="accent1"/>
+          </a:effectRef>
+          <a:fontRef idx="minor">
+            <a:schemeClr val="lt1"/>
+          </a:fontRef>
+        </p:style>
+        <p:txBody>
+          <a:bodyPr rtlCol="0" anchor="ctr"/>
+          <a:lstStyle/>
+          <a:p>
+            <a:pPr algn="ctr"/>
+            <a:r>
+              <a:rPr lang="en-US" dirty="0">
+                <a:solidFill>
+                  <a:schemeClr val="tx1"/>
+                </a:solidFill>
+              </a:rPr>
+              <a:t>Registration process matches backend implementation (same across platform) with RPC Interface method.</a:t>
+            </a:r>
+          </a:p>
+        </p:txBody>
+      </p:sp>
+    </p:spTree>
+    <p:extLst>
+      <p:ext uri="{BB962C8B-B14F-4D97-AF65-F5344CB8AC3E}">
+        <p14:creationId xmlns:p14="http://schemas.microsoft.com/office/powerpoint/2010/main" val="1242409086"/>
+      </p:ext>
+    </p:extLst>
+  </p:cSld>
+  <p:clrMapOvr>
+    <a:masterClrMapping/>
+  </p:clrMapOvr>
+  <mc:AlternateContent xmlns:mc="http://schemas.openxmlformats.org/markup-compatibility/2006" xmlns:p14="http://schemas.microsoft.com/office/powerpoint/2010/main">
+    <mc:Choice Requires="p14">
+      <p:transition spd="med" p14:dur="700">
+        <p:fade/>
+      </p:transition>
+    </mc:Choice>
+    <mc:Fallback xmlns="">
+      <p:transition spd="med">
         <p:fade/>
       </p:transition>
     </mc:Fallback>
@@ -18233,7 +24587,7 @@
                             </p:stCondLst>
                             <p:childTnLst>
                               <p:par>
-                                <p:cTn id="5" presetID="1" presetClass="entr" presetSubtype="0" fill="hold" nodeType="clickEffect">
+                                <p:cTn id="5" presetID="10" presetClass="entr" presetSubtype="0" fill="hold" grpId="0" nodeType="clickEffect">
                                   <p:stCondLst>
                                     <p:cond delay="0"/>
                                   </p:stCondLst>
@@ -18246,7 +24600,394 @@
                                           </p:stCondLst>
                                         </p:cTn>
                                         <p:tgtEl>
-                                          <p:spTgt spid="3"/>
+                                          <p:spTgt spid="111"/>
+                                        </p:tgtEl>
+                                        <p:attrNameLst>
+                                          <p:attrName>style.visibility</p:attrName>
+                                        </p:attrNameLst>
+                                      </p:cBhvr>
+                                      <p:to>
+                                        <p:strVal val="visible"/>
+                                      </p:to>
+                                    </p:set>
+                                    <p:animEffect transition="in" filter="fade">
+                                      <p:cBhvr>
+                                        <p:cTn id="7" dur="500"/>
+                                        <p:tgtEl>
+                                          <p:spTgt spid="111"/>
+                                        </p:tgtEl>
+                                      </p:cBhvr>
+                                    </p:animEffect>
+                                  </p:childTnLst>
+                                </p:cTn>
+                              </p:par>
+                            </p:childTnLst>
+                          </p:cTn>
+                        </p:par>
+                      </p:childTnLst>
+                    </p:cTn>
+                  </p:par>
+                  <p:par>
+                    <p:cTn id="8" fill="hold">
+                      <p:stCondLst>
+                        <p:cond delay="indefinite"/>
+                      </p:stCondLst>
+                      <p:childTnLst>
+                        <p:par>
+                          <p:cTn id="9" fill="hold">
+                            <p:stCondLst>
+                              <p:cond delay="0"/>
+                            </p:stCondLst>
+                            <p:childTnLst>
+                              <p:par>
+                                <p:cTn id="10" presetID="10" presetClass="entr" presetSubtype="0" fill="hold" grpId="0" nodeType="clickEffect">
+                                  <p:stCondLst>
+                                    <p:cond delay="0"/>
+                                  </p:stCondLst>
+                                  <p:childTnLst>
+                                    <p:set>
+                                      <p:cBhvr>
+                                        <p:cTn id="11" dur="1" fill="hold">
+                                          <p:stCondLst>
+                                            <p:cond delay="0"/>
+                                          </p:stCondLst>
+                                        </p:cTn>
+                                        <p:tgtEl>
+                                          <p:spTgt spid="156"/>
+                                        </p:tgtEl>
+                                        <p:attrNameLst>
+                                          <p:attrName>style.visibility</p:attrName>
+                                        </p:attrNameLst>
+                                      </p:cBhvr>
+                                      <p:to>
+                                        <p:strVal val="visible"/>
+                                      </p:to>
+                                    </p:set>
+                                    <p:animEffect transition="in" filter="fade">
+                                      <p:cBhvr>
+                                        <p:cTn id="12" dur="500"/>
+                                        <p:tgtEl>
+                                          <p:spTgt spid="156"/>
+                                        </p:tgtEl>
+                                      </p:cBhvr>
+                                    </p:animEffect>
+                                  </p:childTnLst>
+                                </p:cTn>
+                              </p:par>
+                            </p:childTnLst>
+                          </p:cTn>
+                        </p:par>
+                      </p:childTnLst>
+                    </p:cTn>
+                  </p:par>
+                  <p:par>
+                    <p:cTn id="13" fill="hold">
+                      <p:stCondLst>
+                        <p:cond delay="indefinite"/>
+                      </p:stCondLst>
+                      <p:childTnLst>
+                        <p:par>
+                          <p:cTn id="14" fill="hold">
+                            <p:stCondLst>
+                              <p:cond delay="0"/>
+                            </p:stCondLst>
+                            <p:childTnLst>
+                              <p:par>
+                                <p:cTn id="15" presetID="10" presetClass="entr" presetSubtype="0" fill="hold" nodeType="clickEffect">
+                                  <p:stCondLst>
+                                    <p:cond delay="0"/>
+                                  </p:stCondLst>
+                                  <p:childTnLst>
+                                    <p:set>
+                                      <p:cBhvr>
+                                        <p:cTn id="16" dur="1" fill="hold">
+                                          <p:stCondLst>
+                                            <p:cond delay="0"/>
+                                          </p:stCondLst>
+                                        </p:cTn>
+                                        <p:tgtEl>
+                                          <p:spTgt spid="116"/>
+                                        </p:tgtEl>
+                                        <p:attrNameLst>
+                                          <p:attrName>style.visibility</p:attrName>
+                                        </p:attrNameLst>
+                                      </p:cBhvr>
+                                      <p:to>
+                                        <p:strVal val="visible"/>
+                                      </p:to>
+                                    </p:set>
+                                    <p:animEffect transition="in" filter="fade">
+                                      <p:cBhvr>
+                                        <p:cTn id="17" dur="500"/>
+                                        <p:tgtEl>
+                                          <p:spTgt spid="116"/>
+                                        </p:tgtEl>
+                                      </p:cBhvr>
+                                    </p:animEffect>
+                                  </p:childTnLst>
+                                </p:cTn>
+                              </p:par>
+                              <p:par>
+                                <p:cTn id="18" presetID="10" presetClass="entr" presetSubtype="0" fill="hold" nodeType="withEffect">
+                                  <p:stCondLst>
+                                    <p:cond delay="0"/>
+                                  </p:stCondLst>
+                                  <p:childTnLst>
+                                    <p:set>
+                                      <p:cBhvr>
+                                        <p:cTn id="19" dur="1" fill="hold">
+                                          <p:stCondLst>
+                                            <p:cond delay="0"/>
+                                          </p:stCondLst>
+                                        </p:cTn>
+                                        <p:tgtEl>
+                                          <p:spTgt spid="115"/>
+                                        </p:tgtEl>
+                                        <p:attrNameLst>
+                                          <p:attrName>style.visibility</p:attrName>
+                                        </p:attrNameLst>
+                                      </p:cBhvr>
+                                      <p:to>
+                                        <p:strVal val="visible"/>
+                                      </p:to>
+                                    </p:set>
+                                    <p:animEffect transition="in" filter="fade">
+                                      <p:cBhvr>
+                                        <p:cTn id="20" dur="500"/>
+                                        <p:tgtEl>
+                                          <p:spTgt spid="115"/>
+                                        </p:tgtEl>
+                                      </p:cBhvr>
+                                    </p:animEffect>
+                                  </p:childTnLst>
+                                </p:cTn>
+                              </p:par>
+                              <p:par>
+                                <p:cTn id="21" presetID="10" presetClass="entr" presetSubtype="0" fill="hold" nodeType="withEffect">
+                                  <p:stCondLst>
+                                    <p:cond delay="0"/>
+                                  </p:stCondLst>
+                                  <p:childTnLst>
+                                    <p:set>
+                                      <p:cBhvr>
+                                        <p:cTn id="22" dur="1" fill="hold">
+                                          <p:stCondLst>
+                                            <p:cond delay="0"/>
+                                          </p:stCondLst>
+                                        </p:cTn>
+                                        <p:tgtEl>
+                                          <p:spTgt spid="112"/>
+                                        </p:tgtEl>
+                                        <p:attrNameLst>
+                                          <p:attrName>style.visibility</p:attrName>
+                                        </p:attrNameLst>
+                                      </p:cBhvr>
+                                      <p:to>
+                                        <p:strVal val="visible"/>
+                                      </p:to>
+                                    </p:set>
+                                    <p:animEffect transition="in" filter="fade">
+                                      <p:cBhvr>
+                                        <p:cTn id="23" dur="500"/>
+                                        <p:tgtEl>
+                                          <p:spTgt spid="112"/>
+                                        </p:tgtEl>
+                                      </p:cBhvr>
+                                    </p:animEffect>
+                                  </p:childTnLst>
+                                </p:cTn>
+                              </p:par>
+                              <p:par>
+                                <p:cTn id="24" presetID="10" presetClass="entr" presetSubtype="0" fill="hold" grpId="0" nodeType="withEffect">
+                                  <p:stCondLst>
+                                    <p:cond delay="0"/>
+                                  </p:stCondLst>
+                                  <p:childTnLst>
+                                    <p:set>
+                                      <p:cBhvr>
+                                        <p:cTn id="25" dur="1" fill="hold">
+                                          <p:stCondLst>
+                                            <p:cond delay="0"/>
+                                          </p:stCondLst>
+                                        </p:cTn>
+                                        <p:tgtEl>
+                                          <p:spTgt spid="56"/>
+                                        </p:tgtEl>
+                                        <p:attrNameLst>
+                                          <p:attrName>style.visibility</p:attrName>
+                                        </p:attrNameLst>
+                                      </p:cBhvr>
+                                      <p:to>
+                                        <p:strVal val="visible"/>
+                                      </p:to>
+                                    </p:set>
+                                    <p:animEffect transition="in" filter="fade">
+                                      <p:cBhvr>
+                                        <p:cTn id="26" dur="500"/>
+                                        <p:tgtEl>
+                                          <p:spTgt spid="56"/>
+                                        </p:tgtEl>
+                                      </p:cBhvr>
+                                    </p:animEffect>
+                                  </p:childTnLst>
+                                </p:cTn>
+                              </p:par>
+                              <p:par>
+                                <p:cTn id="27" presetID="10" presetClass="entr" presetSubtype="0" fill="hold" grpId="0" nodeType="withEffect">
+                                  <p:stCondLst>
+                                    <p:cond delay="0"/>
+                                  </p:stCondLst>
+                                  <p:childTnLst>
+                                    <p:set>
+                                      <p:cBhvr>
+                                        <p:cTn id="28" dur="1" fill="hold">
+                                          <p:stCondLst>
+                                            <p:cond delay="0"/>
+                                          </p:stCondLst>
+                                        </p:cTn>
+                                        <p:tgtEl>
+                                          <p:spTgt spid="68"/>
+                                        </p:tgtEl>
+                                        <p:attrNameLst>
+                                          <p:attrName>style.visibility</p:attrName>
+                                        </p:attrNameLst>
+                                      </p:cBhvr>
+                                      <p:to>
+                                        <p:strVal val="visible"/>
+                                      </p:to>
+                                    </p:set>
+                                    <p:animEffect transition="in" filter="fade">
+                                      <p:cBhvr>
+                                        <p:cTn id="29" dur="500"/>
+                                        <p:tgtEl>
+                                          <p:spTgt spid="68"/>
+                                        </p:tgtEl>
+                                      </p:cBhvr>
+                                    </p:animEffect>
+                                  </p:childTnLst>
+                                </p:cTn>
+                              </p:par>
+                              <p:par>
+                                <p:cTn id="30" presetID="10" presetClass="entr" presetSubtype="0" fill="hold" grpId="0" nodeType="withEffect">
+                                  <p:stCondLst>
+                                    <p:cond delay="0"/>
+                                  </p:stCondLst>
+                                  <p:childTnLst>
+                                    <p:set>
+                                      <p:cBhvr>
+                                        <p:cTn id="31" dur="1" fill="hold">
+                                          <p:stCondLst>
+                                            <p:cond delay="0"/>
+                                          </p:stCondLst>
+                                        </p:cTn>
+                                        <p:tgtEl>
+                                          <p:spTgt spid="74"/>
+                                        </p:tgtEl>
+                                        <p:attrNameLst>
+                                          <p:attrName>style.visibility</p:attrName>
+                                        </p:attrNameLst>
+                                      </p:cBhvr>
+                                      <p:to>
+                                        <p:strVal val="visible"/>
+                                      </p:to>
+                                    </p:set>
+                                    <p:animEffect transition="in" filter="fade">
+                                      <p:cBhvr>
+                                        <p:cTn id="32" dur="500"/>
+                                        <p:tgtEl>
+                                          <p:spTgt spid="74"/>
+                                        </p:tgtEl>
+                                      </p:cBhvr>
+                                    </p:animEffect>
+                                  </p:childTnLst>
+                                </p:cTn>
+                              </p:par>
+                            </p:childTnLst>
+                          </p:cTn>
+                        </p:par>
+                      </p:childTnLst>
+                    </p:cTn>
+                  </p:par>
+                  <p:par>
+                    <p:cTn id="33" fill="hold">
+                      <p:stCondLst>
+                        <p:cond delay="indefinite"/>
+                      </p:stCondLst>
+                      <p:childTnLst>
+                        <p:par>
+                          <p:cTn id="34" fill="hold">
+                            <p:stCondLst>
+                              <p:cond delay="0"/>
+                            </p:stCondLst>
+                            <p:childTnLst>
+                              <p:par>
+                                <p:cTn id="35" presetID="10" presetClass="entr" presetSubtype="0" fill="hold" grpId="0" nodeType="clickEffect">
+                                  <p:stCondLst>
+                                    <p:cond delay="0"/>
+                                  </p:stCondLst>
+                                  <p:childTnLst>
+                                    <p:set>
+                                      <p:cBhvr>
+                                        <p:cTn id="36" dur="1" fill="hold">
+                                          <p:stCondLst>
+                                            <p:cond delay="0"/>
+                                          </p:stCondLst>
+                                        </p:cTn>
+                                        <p:tgtEl>
+                                          <p:spTgt spid="61"/>
+                                        </p:tgtEl>
+                                        <p:attrNameLst>
+                                          <p:attrName>style.visibility</p:attrName>
+                                        </p:attrNameLst>
+                                      </p:cBhvr>
+                                      <p:to>
+                                        <p:strVal val="visible"/>
+                                      </p:to>
+                                    </p:set>
+                                    <p:animEffect transition="in" filter="fade">
+                                      <p:cBhvr>
+                                        <p:cTn id="37" dur="500"/>
+                                        <p:tgtEl>
+                                          <p:spTgt spid="61"/>
+                                        </p:tgtEl>
+                                      </p:cBhvr>
+                                    </p:animEffect>
+                                  </p:childTnLst>
+                                </p:cTn>
+                              </p:par>
+                            </p:childTnLst>
+                          </p:cTn>
+                        </p:par>
+                      </p:childTnLst>
+                    </p:cTn>
+                  </p:par>
+                  <p:par>
+                    <p:cTn id="38" fill="hold">
+                      <p:stCondLst>
+                        <p:cond delay="indefinite"/>
+                      </p:stCondLst>
+                      <p:childTnLst>
+                        <p:par>
+                          <p:cTn id="39" fill="hold">
+                            <p:stCondLst>
+                              <p:cond delay="0"/>
+                            </p:stCondLst>
+                            <p:childTnLst>
+                              <p:par>
+                                <p:cTn id="40" presetID="1" presetClass="entr" presetSubtype="0" fill="hold" grpId="0" nodeType="clickEffect">
+                                  <p:stCondLst>
+                                    <p:cond delay="0"/>
+                                  </p:stCondLst>
+                                  <p:childTnLst>
+                                    <p:set>
+                                      <p:cBhvr>
+                                        <p:cTn id="41" dur="1" fill="hold">
+                                          <p:stCondLst>
+                                            <p:cond delay="0"/>
+                                          </p:stCondLst>
+                                        </p:cTn>
+                                        <p:tgtEl>
+                                          <p:spTgt spid="158"/>
                                         </p:tgtEl>
                                         <p:attrNameLst>
                                           <p:attrName>style.visibility</p:attrName>
@@ -18266,32 +25007,32 @@
                     </p:cTn>
                   </p:par>
                   <p:par>
-                    <p:cTn id="7" fill="hold">
+                    <p:cTn id="42" fill="hold">
                       <p:stCondLst>
                         <p:cond delay="indefinite"/>
                       </p:stCondLst>
                       <p:childTnLst>
                         <p:par>
-                          <p:cTn id="8" fill="hold">
+                          <p:cTn id="43" fill="hold">
                             <p:stCondLst>
                               <p:cond delay="0"/>
                             </p:stCondLst>
                             <p:childTnLst>
                               <p:par>
-                                <p:cTn id="9" presetID="1" presetClass="entr" presetSubtype="0" fill="hold" grpId="0" nodeType="clickEffect">
+                                <p:cTn id="44" presetID="10" presetClass="entr" presetSubtype="0" fill="hold" nodeType="clickEffect">
                                   <p:stCondLst>
                                     <p:cond delay="0"/>
                                   </p:stCondLst>
                                   <p:childTnLst>
                                     <p:set>
                                       <p:cBhvr>
-                                        <p:cTn id="10" dur="1" fill="hold">
+                                        <p:cTn id="45" dur="1" fill="hold">
                                           <p:stCondLst>
                                             <p:cond delay="0"/>
                                           </p:stCondLst>
                                         </p:cTn>
                                         <p:tgtEl>
-                                          <p:spTgt spid="76"/>
+                                          <p:spTgt spid="87"/>
                                         </p:tgtEl>
                                         <p:attrNameLst>
                                           <p:attrName>style.visibility</p:attrName>
@@ -18301,6 +25042,189 @@
                                         <p:strVal val="visible"/>
                                       </p:to>
                                     </p:set>
+                                    <p:animEffect transition="in" filter="fade">
+                                      <p:cBhvr>
+                                        <p:cTn id="46" dur="500"/>
+                                        <p:tgtEl>
+                                          <p:spTgt spid="87"/>
+                                        </p:tgtEl>
+                                      </p:cBhvr>
+                                    </p:animEffect>
+                                  </p:childTnLst>
+                                </p:cTn>
+                              </p:par>
+                              <p:par>
+                                <p:cTn id="47" presetID="10" presetClass="entr" presetSubtype="0" fill="hold" nodeType="withEffect">
+                                  <p:stCondLst>
+                                    <p:cond delay="0"/>
+                                  </p:stCondLst>
+                                  <p:childTnLst>
+                                    <p:set>
+                                      <p:cBhvr>
+                                        <p:cTn id="48" dur="1" fill="hold">
+                                          <p:stCondLst>
+                                            <p:cond delay="0"/>
+                                          </p:stCondLst>
+                                        </p:cTn>
+                                        <p:tgtEl>
+                                          <p:spTgt spid="86"/>
+                                        </p:tgtEl>
+                                        <p:attrNameLst>
+                                          <p:attrName>style.visibility</p:attrName>
+                                        </p:attrNameLst>
+                                      </p:cBhvr>
+                                      <p:to>
+                                        <p:strVal val="visible"/>
+                                      </p:to>
+                                    </p:set>
+                                    <p:animEffect transition="in" filter="fade">
+                                      <p:cBhvr>
+                                        <p:cTn id="49" dur="500"/>
+                                        <p:tgtEl>
+                                          <p:spTgt spid="86"/>
+                                        </p:tgtEl>
+                                      </p:cBhvr>
+                                    </p:animEffect>
+                                  </p:childTnLst>
+                                </p:cTn>
+                              </p:par>
+                              <p:par>
+                                <p:cTn id="50" presetID="10" presetClass="entr" presetSubtype="0" fill="hold" nodeType="withEffect">
+                                  <p:stCondLst>
+                                    <p:cond delay="0"/>
+                                  </p:stCondLst>
+                                  <p:childTnLst>
+                                    <p:set>
+                                      <p:cBhvr>
+                                        <p:cTn id="51" dur="1" fill="hold">
+                                          <p:stCondLst>
+                                            <p:cond delay="0"/>
+                                          </p:stCondLst>
+                                        </p:cTn>
+                                        <p:tgtEl>
+                                          <p:spTgt spid="90"/>
+                                        </p:tgtEl>
+                                        <p:attrNameLst>
+                                          <p:attrName>style.visibility</p:attrName>
+                                        </p:attrNameLst>
+                                      </p:cBhvr>
+                                      <p:to>
+                                        <p:strVal val="visible"/>
+                                      </p:to>
+                                    </p:set>
+                                    <p:animEffect transition="in" filter="fade">
+                                      <p:cBhvr>
+                                        <p:cTn id="52" dur="500"/>
+                                        <p:tgtEl>
+                                          <p:spTgt spid="90"/>
+                                        </p:tgtEl>
+                                      </p:cBhvr>
+                                    </p:animEffect>
+                                  </p:childTnLst>
+                                </p:cTn>
+                              </p:par>
+                              <p:par>
+                                <p:cTn id="53" presetID="10" presetClass="entr" presetSubtype="0" fill="hold" nodeType="withEffect">
+                                  <p:stCondLst>
+                                    <p:cond delay="0"/>
+                                  </p:stCondLst>
+                                  <p:childTnLst>
+                                    <p:set>
+                                      <p:cBhvr>
+                                        <p:cTn id="54" dur="1" fill="hold">
+                                          <p:stCondLst>
+                                            <p:cond delay="0"/>
+                                          </p:stCondLst>
+                                        </p:cTn>
+                                        <p:tgtEl>
+                                          <p:spTgt spid="69"/>
+                                        </p:tgtEl>
+                                        <p:attrNameLst>
+                                          <p:attrName>style.visibility</p:attrName>
+                                        </p:attrNameLst>
+                                      </p:cBhvr>
+                                      <p:to>
+                                        <p:strVal val="visible"/>
+                                      </p:to>
+                                    </p:set>
+                                    <p:animEffect transition="in" filter="fade">
+                                      <p:cBhvr>
+                                        <p:cTn id="55" dur="500"/>
+                                        <p:tgtEl>
+                                          <p:spTgt spid="69"/>
+                                        </p:tgtEl>
+                                      </p:cBhvr>
+                                    </p:animEffect>
+                                  </p:childTnLst>
+                                </p:cTn>
+                              </p:par>
+                              <p:par>
+                                <p:cTn id="56" presetID="10" presetClass="entr" presetSubtype="0" fill="hold" nodeType="withEffect">
+                                  <p:stCondLst>
+                                    <p:cond delay="0"/>
+                                  </p:stCondLst>
+                                  <p:childTnLst>
+                                    <p:set>
+                                      <p:cBhvr>
+                                        <p:cTn id="57" dur="1" fill="hold">
+                                          <p:stCondLst>
+                                            <p:cond delay="0"/>
+                                          </p:stCondLst>
+                                        </p:cTn>
+                                        <p:tgtEl>
+                                          <p:spTgt spid="88"/>
+                                        </p:tgtEl>
+                                        <p:attrNameLst>
+                                          <p:attrName>style.visibility</p:attrName>
+                                        </p:attrNameLst>
+                                      </p:cBhvr>
+                                      <p:to>
+                                        <p:strVal val="visible"/>
+                                      </p:to>
+                                    </p:set>
+                                    <p:animEffect transition="in" filter="fade">
+                                      <p:cBhvr>
+                                        <p:cTn id="58" dur="500"/>
+                                        <p:tgtEl>
+                                          <p:spTgt spid="88"/>
+                                        </p:tgtEl>
+                                      </p:cBhvr>
+                                    </p:animEffect>
+                                  </p:childTnLst>
+                                </p:cTn>
+                              </p:par>
+                              <p:par>
+                                <p:cTn id="59" presetID="10" presetClass="entr" presetSubtype="0" fill="hold" nodeType="withEffect">
+                                  <p:stCondLst>
+                                    <p:cond delay="0"/>
+                                  </p:stCondLst>
+                                  <p:childTnLst>
+                                    <p:set>
+                                      <p:cBhvr>
+                                        <p:cTn id="60" dur="1" fill="hold">
+                                          <p:stCondLst>
+                                            <p:cond delay="0"/>
+                                          </p:stCondLst>
+                                        </p:cTn>
+                                        <p:tgtEl>
+                                          <p:spTgt spid="89"/>
+                                        </p:tgtEl>
+                                        <p:attrNameLst>
+                                          <p:attrName>style.visibility</p:attrName>
+                                        </p:attrNameLst>
+                                      </p:cBhvr>
+                                      <p:to>
+                                        <p:strVal val="visible"/>
+                                      </p:to>
+                                    </p:set>
+                                    <p:animEffect transition="in" filter="fade">
+                                      <p:cBhvr>
+                                        <p:cTn id="61" dur="500"/>
+                                        <p:tgtEl>
+                                          <p:spTgt spid="89"/>
+                                        </p:tgtEl>
+                                      </p:cBhvr>
+                                    </p:animEffect>
                                   </p:childTnLst>
                                 </p:cTn>
                               </p:par>
@@ -18311,32 +25235,32 @@
                     </p:cTn>
                   </p:par>
                   <p:par>
-                    <p:cTn id="11" fill="hold">
+                    <p:cTn id="62" fill="hold">
                       <p:stCondLst>
                         <p:cond delay="indefinite"/>
                       </p:stCondLst>
                       <p:childTnLst>
                         <p:par>
-                          <p:cTn id="12" fill="hold">
+                          <p:cTn id="63" fill="hold">
                             <p:stCondLst>
                               <p:cond delay="0"/>
                             </p:stCondLst>
                             <p:childTnLst>
                               <p:par>
-                                <p:cTn id="13" presetID="1" presetClass="entr" presetSubtype="0" fill="hold" grpId="0" nodeType="clickEffect">
+                                <p:cTn id="64" presetID="10" presetClass="entr" presetSubtype="0" fill="hold" grpId="0" nodeType="clickEffect">
                                   <p:stCondLst>
                                     <p:cond delay="0"/>
                                   </p:stCondLst>
                                   <p:childTnLst>
                                     <p:set>
                                       <p:cBhvr>
-                                        <p:cTn id="14" dur="1" fill="hold">
+                                        <p:cTn id="65" dur="1" fill="hold">
                                           <p:stCondLst>
                                             <p:cond delay="0"/>
                                           </p:stCondLst>
                                         </p:cTn>
                                         <p:tgtEl>
-                                          <p:spTgt spid="78"/>
+                                          <p:spTgt spid="124"/>
                                         </p:tgtEl>
                                         <p:attrNameLst>
                                           <p:attrName>style.visibility</p:attrName>
@@ -18346,6 +25270,331 @@
                                         <p:strVal val="visible"/>
                                       </p:to>
                                     </p:set>
+                                    <p:animEffect transition="in" filter="fade">
+                                      <p:cBhvr>
+                                        <p:cTn id="66" dur="500"/>
+                                        <p:tgtEl>
+                                          <p:spTgt spid="124"/>
+                                        </p:tgtEl>
+                                      </p:cBhvr>
+                                    </p:animEffect>
+                                  </p:childTnLst>
+                                </p:cTn>
+                              </p:par>
+                              <p:par>
+                                <p:cTn id="67" presetID="10" presetClass="entr" presetSubtype="0" fill="hold" grpId="0" nodeType="withEffect">
+                                  <p:stCondLst>
+                                    <p:cond delay="0"/>
+                                  </p:stCondLst>
+                                  <p:childTnLst>
+                                    <p:set>
+                                      <p:cBhvr>
+                                        <p:cTn id="68" dur="1" fill="hold">
+                                          <p:stCondLst>
+                                            <p:cond delay="0"/>
+                                          </p:stCondLst>
+                                        </p:cTn>
+                                        <p:tgtEl>
+                                          <p:spTgt spid="125"/>
+                                        </p:tgtEl>
+                                        <p:attrNameLst>
+                                          <p:attrName>style.visibility</p:attrName>
+                                        </p:attrNameLst>
+                                      </p:cBhvr>
+                                      <p:to>
+                                        <p:strVal val="visible"/>
+                                      </p:to>
+                                    </p:set>
+                                    <p:animEffect transition="in" filter="fade">
+                                      <p:cBhvr>
+                                        <p:cTn id="69" dur="500"/>
+                                        <p:tgtEl>
+                                          <p:spTgt spid="125"/>
+                                        </p:tgtEl>
+                                      </p:cBhvr>
+                                    </p:animEffect>
+                                  </p:childTnLst>
+                                </p:cTn>
+                              </p:par>
+                              <p:par>
+                                <p:cTn id="70" presetID="10" presetClass="entr" presetSubtype="0" fill="hold" grpId="0" nodeType="withEffect">
+                                  <p:stCondLst>
+                                    <p:cond delay="0"/>
+                                  </p:stCondLst>
+                                  <p:childTnLst>
+                                    <p:set>
+                                      <p:cBhvr>
+                                        <p:cTn id="71" dur="1" fill="hold">
+                                          <p:stCondLst>
+                                            <p:cond delay="0"/>
+                                          </p:stCondLst>
+                                        </p:cTn>
+                                        <p:tgtEl>
+                                          <p:spTgt spid="123"/>
+                                        </p:tgtEl>
+                                        <p:attrNameLst>
+                                          <p:attrName>style.visibility</p:attrName>
+                                        </p:attrNameLst>
+                                      </p:cBhvr>
+                                      <p:to>
+                                        <p:strVal val="visible"/>
+                                      </p:to>
+                                    </p:set>
+                                    <p:animEffect transition="in" filter="fade">
+                                      <p:cBhvr>
+                                        <p:cTn id="72" dur="500"/>
+                                        <p:tgtEl>
+                                          <p:spTgt spid="123"/>
+                                        </p:tgtEl>
+                                      </p:cBhvr>
+                                    </p:animEffect>
+                                  </p:childTnLst>
+                                </p:cTn>
+                              </p:par>
+                              <p:par>
+                                <p:cTn id="73" presetID="10" presetClass="entr" presetSubtype="0" fill="hold" grpId="0" nodeType="withEffect">
+                                  <p:stCondLst>
+                                    <p:cond delay="0"/>
+                                  </p:stCondLst>
+                                  <p:childTnLst>
+                                    <p:set>
+                                      <p:cBhvr>
+                                        <p:cTn id="74" dur="1" fill="hold">
+                                          <p:stCondLst>
+                                            <p:cond delay="0"/>
+                                          </p:stCondLst>
+                                        </p:cTn>
+                                        <p:tgtEl>
+                                          <p:spTgt spid="159"/>
+                                        </p:tgtEl>
+                                        <p:attrNameLst>
+                                          <p:attrName>style.visibility</p:attrName>
+                                        </p:attrNameLst>
+                                      </p:cBhvr>
+                                      <p:to>
+                                        <p:strVal val="visible"/>
+                                      </p:to>
+                                    </p:set>
+                                    <p:animEffect transition="in" filter="fade">
+                                      <p:cBhvr>
+                                        <p:cTn id="75" dur="500"/>
+                                        <p:tgtEl>
+                                          <p:spTgt spid="159"/>
+                                        </p:tgtEl>
+                                      </p:cBhvr>
+                                    </p:animEffect>
+                                  </p:childTnLst>
+                                </p:cTn>
+                              </p:par>
+                            </p:childTnLst>
+                          </p:cTn>
+                        </p:par>
+                      </p:childTnLst>
+                    </p:cTn>
+                  </p:par>
+                  <p:par>
+                    <p:cTn id="76" fill="hold">
+                      <p:stCondLst>
+                        <p:cond delay="indefinite"/>
+                      </p:stCondLst>
+                      <p:childTnLst>
+                        <p:par>
+                          <p:cTn id="77" fill="hold">
+                            <p:stCondLst>
+                              <p:cond delay="0"/>
+                            </p:stCondLst>
+                            <p:childTnLst>
+                              <p:par>
+                                <p:cTn id="78" presetID="10" presetClass="entr" presetSubtype="0" fill="hold" grpId="0" nodeType="clickEffect">
+                                  <p:stCondLst>
+                                    <p:cond delay="0"/>
+                                  </p:stCondLst>
+                                  <p:childTnLst>
+                                    <p:set>
+                                      <p:cBhvr>
+                                        <p:cTn id="79" dur="1" fill="hold">
+                                          <p:stCondLst>
+                                            <p:cond delay="0"/>
+                                          </p:stCondLst>
+                                        </p:cTn>
+                                        <p:tgtEl>
+                                          <p:spTgt spid="157"/>
+                                        </p:tgtEl>
+                                        <p:attrNameLst>
+                                          <p:attrName>style.visibility</p:attrName>
+                                        </p:attrNameLst>
+                                      </p:cBhvr>
+                                      <p:to>
+                                        <p:strVal val="visible"/>
+                                      </p:to>
+                                    </p:set>
+                                    <p:animEffect transition="in" filter="fade">
+                                      <p:cBhvr>
+                                        <p:cTn id="80" dur="500"/>
+                                        <p:tgtEl>
+                                          <p:spTgt spid="157"/>
+                                        </p:tgtEl>
+                                      </p:cBhvr>
+                                    </p:animEffect>
+                                  </p:childTnLst>
+                                </p:cTn>
+                              </p:par>
+                            </p:childTnLst>
+                          </p:cTn>
+                        </p:par>
+                      </p:childTnLst>
+                    </p:cTn>
+                  </p:par>
+                  <p:par>
+                    <p:cTn id="81" fill="hold">
+                      <p:stCondLst>
+                        <p:cond delay="indefinite"/>
+                      </p:stCondLst>
+                      <p:childTnLst>
+                        <p:par>
+                          <p:cTn id="82" fill="hold">
+                            <p:stCondLst>
+                              <p:cond delay="0"/>
+                            </p:stCondLst>
+                            <p:childTnLst>
+                              <p:par>
+                                <p:cTn id="83" presetID="10" presetClass="entr" presetSubtype="0" fill="hold" grpId="0" nodeType="clickEffect">
+                                  <p:stCondLst>
+                                    <p:cond delay="0"/>
+                                  </p:stCondLst>
+                                  <p:childTnLst>
+                                    <p:set>
+                                      <p:cBhvr>
+                                        <p:cTn id="84" dur="1" fill="hold">
+                                          <p:stCondLst>
+                                            <p:cond delay="0"/>
+                                          </p:stCondLst>
+                                        </p:cTn>
+                                        <p:tgtEl>
+                                          <p:spTgt spid="140"/>
+                                        </p:tgtEl>
+                                        <p:attrNameLst>
+                                          <p:attrName>style.visibility</p:attrName>
+                                        </p:attrNameLst>
+                                      </p:cBhvr>
+                                      <p:to>
+                                        <p:strVal val="visible"/>
+                                      </p:to>
+                                    </p:set>
+                                    <p:animEffect transition="in" filter="fade">
+                                      <p:cBhvr>
+                                        <p:cTn id="85" dur="500"/>
+                                        <p:tgtEl>
+                                          <p:spTgt spid="140"/>
+                                        </p:tgtEl>
+                                      </p:cBhvr>
+                                    </p:animEffect>
+                                  </p:childTnLst>
+                                </p:cTn>
+                              </p:par>
+                            </p:childTnLst>
+                          </p:cTn>
+                        </p:par>
+                      </p:childTnLst>
+                    </p:cTn>
+                  </p:par>
+                  <p:par>
+                    <p:cTn id="86" fill="hold">
+                      <p:stCondLst>
+                        <p:cond delay="indefinite"/>
+                      </p:stCondLst>
+                      <p:childTnLst>
+                        <p:par>
+                          <p:cTn id="87" fill="hold">
+                            <p:stCondLst>
+                              <p:cond delay="0"/>
+                            </p:stCondLst>
+                            <p:childTnLst>
+                              <p:par>
+                                <p:cTn id="88" presetID="10" presetClass="entr" presetSubtype="0" fill="hold" grpId="0" nodeType="clickEffect">
+                                  <p:stCondLst>
+                                    <p:cond delay="0"/>
+                                  </p:stCondLst>
+                                  <p:childTnLst>
+                                    <p:set>
+                                      <p:cBhvr>
+                                        <p:cTn id="89" dur="1" fill="hold">
+                                          <p:stCondLst>
+                                            <p:cond delay="0"/>
+                                          </p:stCondLst>
+                                        </p:cTn>
+                                        <p:tgtEl>
+                                          <p:spTgt spid="141"/>
+                                        </p:tgtEl>
+                                        <p:attrNameLst>
+                                          <p:attrName>style.visibility</p:attrName>
+                                        </p:attrNameLst>
+                                      </p:cBhvr>
+                                      <p:to>
+                                        <p:strVal val="visible"/>
+                                      </p:to>
+                                    </p:set>
+                                    <p:animEffect transition="in" filter="fade">
+                                      <p:cBhvr>
+                                        <p:cTn id="90" dur="500"/>
+                                        <p:tgtEl>
+                                          <p:spTgt spid="141"/>
+                                        </p:tgtEl>
+                                      </p:cBhvr>
+                                    </p:animEffect>
+                                  </p:childTnLst>
+                                </p:cTn>
+                              </p:par>
+                            </p:childTnLst>
+                          </p:cTn>
+                        </p:par>
+                      </p:childTnLst>
+                    </p:cTn>
+                  </p:par>
+                  <p:par>
+                    <p:cTn id="91" fill="hold">
+                      <p:stCondLst>
+                        <p:cond delay="indefinite"/>
+                      </p:stCondLst>
+                      <p:childTnLst>
+                        <p:par>
+                          <p:cTn id="92" fill="hold">
+                            <p:stCondLst>
+                              <p:cond delay="0"/>
+                            </p:stCondLst>
+                            <p:childTnLst>
+                              <p:par>
+                                <p:cTn id="93" presetID="10" presetClass="entr" presetSubtype="0" fill="hold" grpId="0" nodeType="clickEffect">
+                                  <p:stCondLst>
+                                    <p:cond delay="0"/>
+                                  </p:stCondLst>
+                                  <p:childTnLst>
+                                    <p:set>
+                                      <p:cBhvr>
+                                        <p:cTn id="94" dur="1" fill="hold">
+                                          <p:stCondLst>
+                                            <p:cond delay="0"/>
+                                          </p:stCondLst>
+                                        </p:cTn>
+                                        <p:tgtEl>
+                                          <p:spTgt spid="142"/>
+                                        </p:tgtEl>
+                                        <p:attrNameLst>
+                                          <p:attrName>style.visibility</p:attrName>
+                                        </p:attrNameLst>
+                                      </p:cBhvr>
+                                      <p:to>
+                                        <p:strVal val="visible"/>
+                                      </p:to>
+                                    </p:set>
+                                    <p:animEffect transition="in" filter="fade">
+                                      <p:cBhvr>
+                                        <p:cTn id="95" dur="500"/>
+                                        <p:tgtEl>
+                                          <p:spTgt spid="142"/>
+                                        </p:tgtEl>
+                                      </p:cBhvr>
+                                    </p:animEffect>
                                   </p:childTnLst>
                                 </p:cTn>
                               </p:par>
@@ -18377,10 +25626,768 @@
       </p:par>
     </p:tnLst>
     <p:bldLst>
-      <p:bldP spid="78" grpId="0"/>
-      <p:bldP spid="76" grpId="0"/>
+      <p:bldP spid="56" grpId="0" animBg="1"/>
+      <p:bldP spid="74" grpId="0" animBg="1"/>
+      <p:bldP spid="68" grpId="0" animBg="1"/>
+      <p:bldP spid="61" grpId="0" animBg="1"/>
+      <p:bldP spid="111" grpId="0" animBg="1"/>
+      <p:bldP spid="123" grpId="0" animBg="1"/>
+      <p:bldP spid="124" grpId="0" animBg="1"/>
+      <p:bldP spid="125" grpId="0" animBg="1"/>
+      <p:bldP spid="140" grpId="0" animBg="1"/>
+      <p:bldP spid="141" grpId="0" animBg="1"/>
+      <p:bldP spid="142" grpId="0" animBg="1"/>
+      <p:bldP spid="156" grpId="0" animBg="1"/>
+      <p:bldP spid="157" grpId="0" animBg="1"/>
+      <p:bldP spid="158" grpId="0" animBg="1"/>
+      <p:bldP spid="159" grpId="0" animBg="1"/>
     </p:bldLst>
   </p:timing>
+</p:sld>
+</file>
+
+<file path=ppt/slides/slide6.xml><?xml version="1.0" encoding="utf-8"?>
+<p:sld xmlns:a="http://schemas.openxmlformats.org/drawingml/2006/main" xmlns:r="http://schemas.openxmlformats.org/officeDocument/2006/relationships" xmlns:p="http://schemas.openxmlformats.org/presentationml/2006/main" showMasterSp="0">
+  <p:cSld>
+    <p:spTree>
+      <p:nvGrpSpPr>
+        <p:cNvPr id="1" name=""/>
+        <p:cNvGrpSpPr/>
+        <p:nvPr/>
+      </p:nvGrpSpPr>
+      <p:grpSpPr>
+        <a:xfrm>
+          <a:off x="0" y="0"/>
+          <a:ext cx="0" cy="0"/>
+          <a:chOff x="0" y="0"/>
+          <a:chExt cx="0" cy="0"/>
+        </a:xfrm>
+      </p:grpSpPr>
+      <p:sp>
+        <p:nvSpPr>
+          <p:cNvPr id="51" name="Rectangle 50">
+            <a:extLst>
+              <a:ext uri="{FF2B5EF4-FFF2-40B4-BE49-F238E27FC236}">
+                <a16:creationId xmlns:a16="http://schemas.microsoft.com/office/drawing/2014/main" id="{B68D098D-BF5F-475E-A2D8-9A73ACE1ACE9}"/>
+              </a:ext>
+            </a:extLst>
+          </p:cNvPr>
+          <p:cNvSpPr/>
+          <p:nvPr/>
+        </p:nvSpPr>
+        <p:spPr>
+          <a:xfrm>
+            <a:off x="4014788" y="981275"/>
+            <a:ext cx="4162425" cy="1476695"/>
+          </a:xfrm>
+          <a:prstGeom prst="rect">
+            <a:avLst/>
+          </a:prstGeom>
+          <a:solidFill>
+            <a:srgbClr val="00B050"/>
+          </a:solidFill>
+          <a:ln>
+            <a:solidFill>
+              <a:schemeClr val="tx1"/>
+            </a:solidFill>
+          </a:ln>
+        </p:spPr>
+        <p:txBody>
+          <a:bodyPr rot="0" spcFirstLastPara="0" vertOverflow="overflow" horzOverflow="overflow" vert="horz" wrap="square" lIns="91440" tIns="45720" rIns="91440" bIns="45720" numCol="1" spcCol="0" rtlCol="0" fromWordArt="0" anchor="t" anchorCtr="1" forceAA="0" compatLnSpc="1">
+            <a:prstTxWarp prst="textNoShape">
+              <a:avLst/>
+            </a:prstTxWarp>
+            <a:noAutofit/>
+          </a:bodyPr>
+          <a:lstStyle/>
+          <a:p>
+            <a:pPr algn="ctr"/>
+            <a:r>
+              <a:rPr lang="en-US" kern="0" dirty="0">
+                <a:solidFill>
+                  <a:prstClr val="black"/>
+                </a:solidFill>
+                <a:latin typeface="Calibri" panose="020F0502020204030204"/>
+              </a:rPr>
+              <a:t>Server Context</a:t>
+            </a:r>
+          </a:p>
+        </p:txBody>
+      </p:sp>
+      <p:sp>
+        <p:nvSpPr>
+          <p:cNvPr id="103" name="Rectangle 102">
+            <a:extLst>
+              <a:ext uri="{FF2B5EF4-FFF2-40B4-BE49-F238E27FC236}">
+                <a16:creationId xmlns:a16="http://schemas.microsoft.com/office/drawing/2014/main" id="{F2B61E5D-9061-4646-A831-F9BFC9522847}"/>
+              </a:ext>
+            </a:extLst>
+          </p:cNvPr>
+          <p:cNvSpPr/>
+          <p:nvPr/>
+        </p:nvSpPr>
+        <p:spPr>
+          <a:xfrm>
+            <a:off x="4014788" y="4400029"/>
+            <a:ext cx="4162425" cy="1476696"/>
+          </a:xfrm>
+          <a:prstGeom prst="rect">
+            <a:avLst/>
+          </a:prstGeom>
+          <a:solidFill>
+            <a:schemeClr val="accent5">
+              <a:lumMod val="60000"/>
+              <a:lumOff val="40000"/>
+            </a:schemeClr>
+          </a:solidFill>
+          <a:ln>
+            <a:solidFill>
+              <a:schemeClr val="tx1"/>
+            </a:solidFill>
+          </a:ln>
+        </p:spPr>
+        <p:txBody>
+          <a:bodyPr rot="0" spcFirstLastPara="0" vertOverflow="overflow" horzOverflow="overflow" vert="horz" wrap="square" lIns="91440" tIns="45720" rIns="91440" bIns="45720" numCol="1" spcCol="0" rtlCol="0" fromWordArt="0" anchor="t" anchorCtr="1" forceAA="0" compatLnSpc="1">
+            <a:prstTxWarp prst="textNoShape">
+              <a:avLst/>
+            </a:prstTxWarp>
+            <a:noAutofit/>
+          </a:bodyPr>
+          <a:lstStyle/>
+          <a:p>
+            <a:pPr algn="ctr"/>
+            <a:r>
+              <a:rPr lang="en-US" kern="0" dirty="0">
+                <a:solidFill>
+                  <a:prstClr val="black"/>
+                </a:solidFill>
+                <a:latin typeface="Calibri" panose="020F0502020204030204"/>
+              </a:rPr>
+              <a:t>Client Context</a:t>
+            </a:r>
+          </a:p>
+        </p:txBody>
+      </p:sp>
+      <p:grpSp>
+        <p:nvGrpSpPr>
+          <p:cNvPr id="62" name="Group 61">
+            <a:extLst>
+              <a:ext uri="{FF2B5EF4-FFF2-40B4-BE49-F238E27FC236}">
+                <a16:creationId xmlns:a16="http://schemas.microsoft.com/office/drawing/2014/main" id="{EDE77A71-224D-44D5-A9A5-E996C41BE920}"/>
+              </a:ext>
+            </a:extLst>
+          </p:cNvPr>
+          <p:cNvGrpSpPr/>
+          <p:nvPr/>
+        </p:nvGrpSpPr>
+        <p:grpSpPr>
+          <a:xfrm>
+            <a:off x="4273404" y="4919970"/>
+            <a:ext cx="1728915" cy="741869"/>
+            <a:chOff x="4273403" y="5605250"/>
+            <a:chExt cx="1728915" cy="741869"/>
+          </a:xfrm>
+        </p:grpSpPr>
+        <p:sp>
+          <p:nvSpPr>
+            <p:cNvPr id="65" name="Rectangle 64">
+              <a:extLst>
+                <a:ext uri="{FF2B5EF4-FFF2-40B4-BE49-F238E27FC236}">
+                  <a16:creationId xmlns:a16="http://schemas.microsoft.com/office/drawing/2014/main" id="{A8C81335-56AB-4C23-B0D1-C245F8BCE21D}"/>
+                </a:ext>
+              </a:extLst>
+            </p:cNvPr>
+            <p:cNvSpPr/>
+            <p:nvPr/>
+          </p:nvSpPr>
+          <p:spPr>
+            <a:xfrm>
+              <a:off x="4273403" y="5605250"/>
+              <a:ext cx="1728915" cy="741869"/>
+            </a:xfrm>
+            <a:prstGeom prst="rect">
+              <a:avLst/>
+            </a:prstGeom>
+            <a:solidFill>
+              <a:schemeClr val="bg1">
+                <a:lumMod val="85000"/>
+              </a:schemeClr>
+            </a:solidFill>
+            <a:ln>
+              <a:solidFill>
+                <a:schemeClr val="tx1"/>
+              </a:solidFill>
+            </a:ln>
+          </p:spPr>
+          <p:txBody>
+            <a:bodyPr rot="0" spcFirstLastPara="0" vertOverflow="overflow" horzOverflow="overflow" vert="horz" wrap="square" lIns="91440" tIns="45720" rIns="91440" bIns="45720" numCol="1" spcCol="0" rtlCol="0" fromWordArt="0" anchor="t" anchorCtr="0" forceAA="0" compatLnSpc="1">
+              <a:prstTxWarp prst="textNoShape">
+                <a:avLst/>
+              </a:prstTxWarp>
+              <a:noAutofit/>
+            </a:bodyPr>
+            <a:lstStyle/>
+            <a:p>
+              <a:pPr marL="0" marR="0" lvl="0" indent="0" algn="ctr" defTabSz="914400" rtl="0" eaLnBrk="1" fontAlgn="auto" latinLnBrk="0" hangingPunct="1">
+                <a:lnSpc>
+                  <a:spcPct val="100000"/>
+                </a:lnSpc>
+                <a:spcBef>
+                  <a:spcPts val="0"/>
+                </a:spcBef>
+                <a:spcAft>
+                  <a:spcPts val="0"/>
+                </a:spcAft>
+                <a:buClrTx/>
+                <a:buSzTx/>
+                <a:buFontTx/>
+                <a:buNone/>
+                <a:tabLst/>
+                <a:defRPr/>
+              </a:pPr>
+              <a:r>
+                <a:rPr kumimoji="0" lang="en-US" sz="1400" b="0" i="0" u="none" strike="noStrike" kern="0" cap="none" spc="0" normalizeH="0" baseline="0" noProof="0" dirty="0">
+                  <a:ln>
+                    <a:noFill/>
+                  </a:ln>
+                  <a:solidFill>
+                    <a:prstClr val="black"/>
+                  </a:solidFill>
+                  <a:effectLst/>
+                  <a:uLnTx/>
+                  <a:uFillTx/>
+                  <a:latin typeface="Calibri" panose="020F0502020204030204"/>
+                  <a:ea typeface="+mn-ea"/>
+                  <a:cs typeface="+mn-cs"/>
+                </a:rPr>
+                <a:t>RPC Client Stub</a:t>
+              </a:r>
+            </a:p>
+          </p:txBody>
+        </p:sp>
+        <p:sp>
+          <p:nvSpPr>
+            <p:cNvPr id="95" name="Rectangle 94">
+              <a:extLst>
+                <a:ext uri="{FF2B5EF4-FFF2-40B4-BE49-F238E27FC236}">
+                  <a16:creationId xmlns:a16="http://schemas.microsoft.com/office/drawing/2014/main" id="{255B5014-45F0-444C-98A5-4B1638ED0BC0}"/>
+                </a:ext>
+              </a:extLst>
+            </p:cNvPr>
+            <p:cNvSpPr/>
+            <p:nvPr/>
+          </p:nvSpPr>
+          <p:spPr>
+            <a:xfrm>
+              <a:off x="4523497" y="5912532"/>
+              <a:ext cx="1228726" cy="324296"/>
+            </a:xfrm>
+            <a:prstGeom prst="rect">
+              <a:avLst/>
+            </a:prstGeom>
+            <a:solidFill>
+              <a:srgbClr val="FFFF99"/>
+            </a:solidFill>
+            <a:ln>
+              <a:solidFill>
+                <a:sysClr val="windowText" lastClr="000000"/>
+              </a:solidFill>
+            </a:ln>
+          </p:spPr>
+          <p:txBody>
+            <a:bodyPr rot="0" spcFirstLastPara="0" vertOverflow="overflow" horzOverflow="overflow" vert="horz" wrap="square" lIns="91440" tIns="45720" rIns="91440" bIns="45720" numCol="1" spcCol="0" rtlCol="0" fromWordArt="0" anchor="t" anchorCtr="0" forceAA="0" compatLnSpc="1">
+              <a:prstTxWarp prst="textNoShape">
+                <a:avLst/>
+              </a:prstTxWarp>
+              <a:noAutofit/>
+            </a:bodyPr>
+            <a:lstStyle/>
+            <a:p>
+              <a:pPr algn="ctr"/>
+              <a:r>
+                <a:rPr lang="en-US" sz="1400" kern="0" dirty="0">
+                  <a:solidFill>
+                    <a:prstClr val="black"/>
+                  </a:solidFill>
+                  <a:latin typeface="Calibri" panose="020F0502020204030204"/>
+                </a:rPr>
+                <a:t>RPC Interface </a:t>
+              </a:r>
+            </a:p>
+          </p:txBody>
+        </p:sp>
+      </p:grpSp>
+      <p:grpSp>
+        <p:nvGrpSpPr>
+          <p:cNvPr id="59" name="Group 58">
+            <a:extLst>
+              <a:ext uri="{FF2B5EF4-FFF2-40B4-BE49-F238E27FC236}">
+                <a16:creationId xmlns:a16="http://schemas.microsoft.com/office/drawing/2014/main" id="{97256E76-BC60-46E3-ADFD-AE4A78FFD409}"/>
+              </a:ext>
+            </a:extLst>
+          </p:cNvPr>
+          <p:cNvGrpSpPr/>
+          <p:nvPr/>
+        </p:nvGrpSpPr>
+        <p:grpSpPr>
+          <a:xfrm>
+            <a:off x="4273404" y="1457598"/>
+            <a:ext cx="1728915" cy="741869"/>
+            <a:chOff x="4275097" y="2142878"/>
+            <a:chExt cx="1728915" cy="741869"/>
+          </a:xfrm>
+        </p:grpSpPr>
+        <p:sp>
+          <p:nvSpPr>
+            <p:cNvPr id="96" name="Rectangle 95">
+              <a:extLst>
+                <a:ext uri="{FF2B5EF4-FFF2-40B4-BE49-F238E27FC236}">
+                  <a16:creationId xmlns:a16="http://schemas.microsoft.com/office/drawing/2014/main" id="{CED35DA1-8B29-4575-933D-2D170A2B1934}"/>
+                </a:ext>
+              </a:extLst>
+            </p:cNvPr>
+            <p:cNvSpPr/>
+            <p:nvPr/>
+          </p:nvSpPr>
+          <p:spPr>
+            <a:xfrm>
+              <a:off x="4275097" y="2142878"/>
+              <a:ext cx="1728915" cy="741869"/>
+            </a:xfrm>
+            <a:prstGeom prst="rect">
+              <a:avLst/>
+            </a:prstGeom>
+            <a:solidFill>
+              <a:schemeClr val="accent1">
+                <a:lumMod val="20000"/>
+                <a:lumOff val="80000"/>
+              </a:schemeClr>
+            </a:solidFill>
+            <a:ln>
+              <a:solidFill>
+                <a:schemeClr val="tx1"/>
+              </a:solidFill>
+            </a:ln>
+          </p:spPr>
+          <p:txBody>
+            <a:bodyPr rot="0" spcFirstLastPara="0" vertOverflow="overflow" horzOverflow="overflow" vert="horz" wrap="square" lIns="91440" tIns="45720" rIns="91440" bIns="45720" numCol="1" spcCol="0" rtlCol="0" fromWordArt="0" anchor="t" anchorCtr="0" forceAA="0" compatLnSpc="1">
+              <a:prstTxWarp prst="textNoShape">
+                <a:avLst/>
+              </a:prstTxWarp>
+              <a:noAutofit/>
+            </a:bodyPr>
+            <a:lstStyle/>
+            <a:p>
+              <a:pPr marL="0" marR="0" lvl="0" indent="0" algn="ctr" defTabSz="914400" rtl="0" eaLnBrk="1" fontAlgn="auto" latinLnBrk="0" hangingPunct="1">
+                <a:lnSpc>
+                  <a:spcPct val="100000"/>
+                </a:lnSpc>
+                <a:spcBef>
+                  <a:spcPts val="0"/>
+                </a:spcBef>
+                <a:spcAft>
+                  <a:spcPts val="0"/>
+                </a:spcAft>
+                <a:buClrTx/>
+                <a:buSzTx/>
+                <a:buFontTx/>
+                <a:buNone/>
+                <a:tabLst/>
+                <a:defRPr/>
+              </a:pPr>
+              <a:r>
+                <a:rPr kumimoji="0" lang="en-US" sz="1400" b="0" i="0" u="none" strike="noStrike" kern="0" cap="none" spc="0" normalizeH="0" baseline="0" noProof="0" dirty="0">
+                  <a:ln>
+                    <a:noFill/>
+                  </a:ln>
+                  <a:solidFill>
+                    <a:prstClr val="black"/>
+                  </a:solidFill>
+                  <a:effectLst/>
+                  <a:uLnTx/>
+                  <a:uFillTx/>
+                  <a:latin typeface="Calibri" panose="020F0502020204030204"/>
+                  <a:ea typeface="+mn-ea"/>
+                  <a:cs typeface="+mn-cs"/>
+                </a:rPr>
+                <a:t>RPC Implementation</a:t>
+              </a:r>
+            </a:p>
+          </p:txBody>
+        </p:sp>
+        <p:sp>
+          <p:nvSpPr>
+            <p:cNvPr id="97" name="Rectangle 96">
+              <a:extLst>
+                <a:ext uri="{FF2B5EF4-FFF2-40B4-BE49-F238E27FC236}">
+                  <a16:creationId xmlns:a16="http://schemas.microsoft.com/office/drawing/2014/main" id="{67F7D8D2-2828-4AA0-8CA9-6691966C07D5}"/>
+                </a:ext>
+              </a:extLst>
+            </p:cNvPr>
+            <p:cNvSpPr/>
+            <p:nvPr/>
+          </p:nvSpPr>
+          <p:spPr>
+            <a:xfrm>
+              <a:off x="4525191" y="2450160"/>
+              <a:ext cx="1228726" cy="324296"/>
+            </a:xfrm>
+            <a:prstGeom prst="rect">
+              <a:avLst/>
+            </a:prstGeom>
+            <a:solidFill>
+              <a:srgbClr val="FFFF99"/>
+            </a:solidFill>
+            <a:ln>
+              <a:solidFill>
+                <a:sysClr val="windowText" lastClr="000000"/>
+              </a:solidFill>
+            </a:ln>
+          </p:spPr>
+          <p:txBody>
+            <a:bodyPr rot="0" spcFirstLastPara="0" vertOverflow="overflow" horzOverflow="overflow" vert="horz" wrap="square" lIns="91440" tIns="45720" rIns="91440" bIns="45720" numCol="1" spcCol="0" rtlCol="0" fromWordArt="0" anchor="t" anchorCtr="0" forceAA="0" compatLnSpc="1">
+              <a:prstTxWarp prst="textNoShape">
+                <a:avLst/>
+              </a:prstTxWarp>
+              <a:noAutofit/>
+            </a:bodyPr>
+            <a:lstStyle/>
+            <a:p>
+              <a:pPr algn="ctr"/>
+              <a:r>
+                <a:rPr lang="en-US" sz="1400" kern="0" dirty="0">
+                  <a:solidFill>
+                    <a:prstClr val="black"/>
+                  </a:solidFill>
+                  <a:latin typeface="Calibri" panose="020F0502020204030204"/>
+                </a:rPr>
+                <a:t>RPC Interface </a:t>
+              </a:r>
+            </a:p>
+          </p:txBody>
+        </p:sp>
+      </p:grpSp>
+      <p:sp>
+        <p:nvSpPr>
+          <p:cNvPr id="99" name="Arrow: Down 98">
+            <a:extLst>
+              <a:ext uri="{FF2B5EF4-FFF2-40B4-BE49-F238E27FC236}">
+                <a16:creationId xmlns:a16="http://schemas.microsoft.com/office/drawing/2014/main" id="{367D0F72-8721-4AA1-A65D-8653EE668C8F}"/>
+              </a:ext>
+            </a:extLst>
+          </p:cNvPr>
+          <p:cNvSpPr/>
+          <p:nvPr/>
+        </p:nvSpPr>
+        <p:spPr>
+          <a:xfrm rot="10800000">
+            <a:off x="5620169" y="2519954"/>
+            <a:ext cx="951661" cy="1818091"/>
+          </a:xfrm>
+          <a:prstGeom prst="downArrow">
+            <a:avLst/>
+          </a:prstGeom>
+          <a:solidFill>
+            <a:schemeClr val="bg1">
+              <a:lumMod val="65000"/>
+            </a:schemeClr>
+          </a:solidFill>
+          <a:ln>
+            <a:solidFill>
+              <a:sysClr val="windowText" lastClr="000000"/>
+            </a:solidFill>
+          </a:ln>
+        </p:spPr>
+        <p:txBody>
+          <a:bodyPr rot="0" spcFirstLastPara="0" vertOverflow="overflow" horzOverflow="overflow" vert="vert" wrap="square" lIns="91440" tIns="45720" rIns="91440" bIns="45720" numCol="1" spcCol="0" rtlCol="0" fromWordArt="0" anchor="ctr" anchorCtr="1" forceAA="0" compatLnSpc="1">
+            <a:prstTxWarp prst="textNoShape">
+              <a:avLst/>
+            </a:prstTxWarp>
+            <a:noAutofit/>
+          </a:bodyPr>
+          <a:lstStyle/>
+          <a:p>
+            <a:pPr algn="ctr"/>
+            <a:r>
+              <a:rPr lang="en-US" kern="0" dirty="0">
+                <a:solidFill>
+                  <a:prstClr val="black"/>
+                </a:solidFill>
+                <a:latin typeface="Calibri" panose="020F0502020204030204"/>
+              </a:rPr>
+              <a:t>Transport</a:t>
+            </a:r>
+          </a:p>
+        </p:txBody>
+      </p:sp>
+      <p:grpSp>
+        <p:nvGrpSpPr>
+          <p:cNvPr id="60" name="Group 59">
+            <a:extLst>
+              <a:ext uri="{FF2B5EF4-FFF2-40B4-BE49-F238E27FC236}">
+                <a16:creationId xmlns:a16="http://schemas.microsoft.com/office/drawing/2014/main" id="{92F2A62D-E3E8-488C-BDDB-6EAD3C811C1E}"/>
+              </a:ext>
+            </a:extLst>
+          </p:cNvPr>
+          <p:cNvGrpSpPr/>
+          <p:nvPr/>
+        </p:nvGrpSpPr>
+        <p:grpSpPr>
+          <a:xfrm>
+            <a:off x="6209673" y="1457598"/>
+            <a:ext cx="1728915" cy="741869"/>
+            <a:chOff x="6209672" y="2142878"/>
+            <a:chExt cx="1728915" cy="741869"/>
+          </a:xfrm>
+        </p:grpSpPr>
+        <p:sp>
+          <p:nvSpPr>
+            <p:cNvPr id="104" name="Rectangle 103">
+              <a:extLst>
+                <a:ext uri="{FF2B5EF4-FFF2-40B4-BE49-F238E27FC236}">
+                  <a16:creationId xmlns:a16="http://schemas.microsoft.com/office/drawing/2014/main" id="{FB97B4BA-AD6F-4B22-833D-EEFD34F04417}"/>
+                </a:ext>
+              </a:extLst>
+            </p:cNvPr>
+            <p:cNvSpPr/>
+            <p:nvPr/>
+          </p:nvSpPr>
+          <p:spPr>
+            <a:xfrm>
+              <a:off x="6209672" y="2142878"/>
+              <a:ext cx="1728915" cy="741869"/>
+            </a:xfrm>
+            <a:prstGeom prst="rect">
+              <a:avLst/>
+            </a:prstGeom>
+            <a:solidFill>
+              <a:srgbClr val="FFCD2F"/>
+            </a:solidFill>
+            <a:ln>
+              <a:solidFill>
+                <a:sysClr val="windowText" lastClr="000000"/>
+              </a:solidFill>
+            </a:ln>
+          </p:spPr>
+          <p:txBody>
+            <a:bodyPr rot="0" spcFirstLastPara="0" vertOverflow="overflow" horzOverflow="overflow" vert="horz" wrap="square" lIns="91440" tIns="45720" rIns="91440" bIns="45720" numCol="1" spcCol="0" rtlCol="0" fromWordArt="0" anchor="t" anchorCtr="1" forceAA="0" compatLnSpc="1">
+              <a:prstTxWarp prst="textNoShape">
+                <a:avLst/>
+              </a:prstTxWarp>
+              <a:noAutofit/>
+            </a:bodyPr>
+            <a:lstStyle/>
+            <a:p>
+              <a:pPr algn="ctr"/>
+              <a:r>
+                <a:rPr lang="en-US" sz="1400" kern="0" dirty="0">
+                  <a:solidFill>
+                    <a:prstClr val="black"/>
+                  </a:solidFill>
+                  <a:latin typeface="Calibri" panose="020F0502020204030204"/>
+                </a:rPr>
+                <a:t>RPC Manager</a:t>
+              </a:r>
+            </a:p>
+          </p:txBody>
+        </p:sp>
+        <p:sp>
+          <p:nvSpPr>
+            <p:cNvPr id="105" name="Rectangle 104">
+              <a:extLst>
+                <a:ext uri="{FF2B5EF4-FFF2-40B4-BE49-F238E27FC236}">
+                  <a16:creationId xmlns:a16="http://schemas.microsoft.com/office/drawing/2014/main" id="{60D3534C-119B-4112-9787-7408251B5E1A}"/>
+                </a:ext>
+              </a:extLst>
+            </p:cNvPr>
+            <p:cNvSpPr/>
+            <p:nvPr/>
+          </p:nvSpPr>
+          <p:spPr>
+            <a:xfrm>
+              <a:off x="6459766" y="2450160"/>
+              <a:ext cx="1228726" cy="324296"/>
+            </a:xfrm>
+            <a:prstGeom prst="rect">
+              <a:avLst/>
+            </a:prstGeom>
+            <a:solidFill>
+              <a:srgbClr val="FFFF99"/>
+            </a:solidFill>
+            <a:ln>
+              <a:solidFill>
+                <a:sysClr val="windowText" lastClr="000000"/>
+              </a:solidFill>
+            </a:ln>
+          </p:spPr>
+          <p:txBody>
+            <a:bodyPr rot="0" spcFirstLastPara="0" vertOverflow="overflow" horzOverflow="overflow" vert="horz" wrap="square" lIns="91440" tIns="45720" rIns="91440" bIns="45720" numCol="1" spcCol="0" rtlCol="0" fromWordArt="0" anchor="t" anchorCtr="0" forceAA="0" compatLnSpc="1">
+              <a:prstTxWarp prst="textNoShape">
+                <a:avLst/>
+              </a:prstTxWarp>
+              <a:noAutofit/>
+            </a:bodyPr>
+            <a:lstStyle/>
+            <a:p>
+              <a:pPr algn="ctr"/>
+              <a:r>
+                <a:rPr lang="en-US" sz="1400" kern="0" dirty="0">
+                  <a:solidFill>
+                    <a:prstClr val="black"/>
+                  </a:solidFill>
+                  <a:latin typeface="Calibri" panose="020F0502020204030204"/>
+                </a:rPr>
+                <a:t>Configuration</a:t>
+              </a:r>
+            </a:p>
+          </p:txBody>
+        </p:sp>
+      </p:grpSp>
+      <p:grpSp>
+        <p:nvGrpSpPr>
+          <p:cNvPr id="63" name="Group 62">
+            <a:extLst>
+              <a:ext uri="{FF2B5EF4-FFF2-40B4-BE49-F238E27FC236}">
+                <a16:creationId xmlns:a16="http://schemas.microsoft.com/office/drawing/2014/main" id="{15E548BE-9DD8-4A3E-8C63-32F93D043230}"/>
+              </a:ext>
+            </a:extLst>
+          </p:cNvPr>
+          <p:cNvGrpSpPr/>
+          <p:nvPr/>
+        </p:nvGrpSpPr>
+        <p:grpSpPr>
+          <a:xfrm>
+            <a:off x="6209673" y="4919970"/>
+            <a:ext cx="1728915" cy="741869"/>
+            <a:chOff x="6209673" y="5621278"/>
+            <a:chExt cx="1728915" cy="741869"/>
+          </a:xfrm>
+        </p:grpSpPr>
+        <p:sp>
+          <p:nvSpPr>
+            <p:cNvPr id="106" name="Rectangle 105">
+              <a:extLst>
+                <a:ext uri="{FF2B5EF4-FFF2-40B4-BE49-F238E27FC236}">
+                  <a16:creationId xmlns:a16="http://schemas.microsoft.com/office/drawing/2014/main" id="{3E5BF232-E4B0-409B-9127-320EA22F48E7}"/>
+                </a:ext>
+              </a:extLst>
+            </p:cNvPr>
+            <p:cNvSpPr/>
+            <p:nvPr/>
+          </p:nvSpPr>
+          <p:spPr>
+            <a:xfrm>
+              <a:off x="6209673" y="5621278"/>
+              <a:ext cx="1728915" cy="741869"/>
+            </a:xfrm>
+            <a:prstGeom prst="rect">
+              <a:avLst/>
+            </a:prstGeom>
+            <a:solidFill>
+              <a:srgbClr val="FFCD2F"/>
+            </a:solidFill>
+            <a:ln>
+              <a:solidFill>
+                <a:sysClr val="windowText" lastClr="000000"/>
+              </a:solidFill>
+            </a:ln>
+          </p:spPr>
+          <p:txBody>
+            <a:bodyPr rot="0" spcFirstLastPara="0" vertOverflow="overflow" horzOverflow="overflow" vert="horz" wrap="square" lIns="91440" tIns="45720" rIns="91440" bIns="45720" numCol="1" spcCol="0" rtlCol="0" fromWordArt="0" anchor="t" anchorCtr="1" forceAA="0" compatLnSpc="1">
+              <a:prstTxWarp prst="textNoShape">
+                <a:avLst/>
+              </a:prstTxWarp>
+              <a:noAutofit/>
+            </a:bodyPr>
+            <a:lstStyle/>
+            <a:p>
+              <a:pPr algn="ctr"/>
+              <a:r>
+                <a:rPr lang="en-US" sz="1400" kern="0" dirty="0">
+                  <a:solidFill>
+                    <a:prstClr val="black"/>
+                  </a:solidFill>
+                  <a:latin typeface="Calibri" panose="020F0502020204030204"/>
+                </a:rPr>
+                <a:t>RPC Manager</a:t>
+              </a:r>
+            </a:p>
+          </p:txBody>
+        </p:sp>
+        <p:sp>
+          <p:nvSpPr>
+            <p:cNvPr id="107" name="Rectangle 106">
+              <a:extLst>
+                <a:ext uri="{FF2B5EF4-FFF2-40B4-BE49-F238E27FC236}">
+                  <a16:creationId xmlns:a16="http://schemas.microsoft.com/office/drawing/2014/main" id="{1056AC41-F880-49E8-987B-1034367F56DD}"/>
+                </a:ext>
+              </a:extLst>
+            </p:cNvPr>
+            <p:cNvSpPr/>
+            <p:nvPr/>
+          </p:nvSpPr>
+          <p:spPr>
+            <a:xfrm>
+              <a:off x="6459767" y="5928560"/>
+              <a:ext cx="1228726" cy="324296"/>
+            </a:xfrm>
+            <a:prstGeom prst="rect">
+              <a:avLst/>
+            </a:prstGeom>
+            <a:solidFill>
+              <a:srgbClr val="FFFF99"/>
+            </a:solidFill>
+            <a:ln>
+              <a:solidFill>
+                <a:sysClr val="windowText" lastClr="000000"/>
+              </a:solidFill>
+            </a:ln>
+          </p:spPr>
+          <p:txBody>
+            <a:bodyPr rot="0" spcFirstLastPara="0" vertOverflow="overflow" horzOverflow="overflow" vert="horz" wrap="square" lIns="91440" tIns="45720" rIns="91440" bIns="45720" numCol="1" spcCol="0" rtlCol="0" fromWordArt="0" anchor="t" anchorCtr="0" forceAA="0" compatLnSpc="1">
+              <a:prstTxWarp prst="textNoShape">
+                <a:avLst/>
+              </a:prstTxWarp>
+              <a:noAutofit/>
+            </a:bodyPr>
+            <a:lstStyle/>
+            <a:p>
+              <a:pPr algn="ctr"/>
+              <a:r>
+                <a:rPr lang="en-US" sz="1400" kern="0" dirty="0">
+                  <a:solidFill>
+                    <a:prstClr val="black"/>
+                  </a:solidFill>
+                  <a:latin typeface="Calibri" panose="020F0502020204030204"/>
+                </a:rPr>
+                <a:t>Configuration</a:t>
+              </a:r>
+            </a:p>
+          </p:txBody>
+        </p:sp>
+      </p:grpSp>
+    </p:spTree>
+    <p:extLst>
+      <p:ext uri="{BB962C8B-B14F-4D97-AF65-F5344CB8AC3E}">
+        <p14:creationId xmlns:p14="http://schemas.microsoft.com/office/powerpoint/2010/main" val="3174622084"/>
+      </p:ext>
+    </p:extLst>
+  </p:cSld>
+  <p:clrMapOvr>
+    <a:masterClrMapping/>
+  </p:clrMapOvr>
+  <mc:AlternateContent xmlns:mc="http://schemas.openxmlformats.org/markup-compatibility/2006" xmlns:p14="http://schemas.microsoft.com/office/powerpoint/2010/main">
+    <mc:Choice Requires="p14">
+      <p:transition spd="med" p14:dur="700">
+        <p:fade/>
+      </p:transition>
+    </mc:Choice>
+    <mc:Fallback xmlns="">
+      <p:transition spd="med">
+        <p:fade/>
+      </p:transition>
+    </mc:Fallback>
+  </mc:AlternateContent>
 </p:sld>
 </file>
 

--- a/docs/overview/SoftwareArchitecture.pptx
+++ b/docs/overview/SoftwareArchitecture.pptx
@@ -5,7 +5,7 @@
     <p:sldMasterId id="2147483660" r:id="rId1"/>
   </p:sldMasterIdLst>
   <p:notesMasterIdLst>
-    <p:notesMasterId r:id="rId8"/>
+    <p:notesMasterId r:id="rId9"/>
   </p:notesMasterIdLst>
   <p:sldIdLst>
     <p:sldId id="258" r:id="rId2"/>
@@ -14,6 +14,7 @@
     <p:sldId id="257" r:id="rId5"/>
     <p:sldId id="261" r:id="rId6"/>
     <p:sldId id="265" r:id="rId7"/>
+    <p:sldId id="266" r:id="rId8"/>
   </p:sldIdLst>
   <p:sldSz cx="12192000" cy="6858000"/>
   <p:notesSz cx="6858000" cy="9144000"/>
@@ -123,6 +124,10 @@
 </p:presentation>
 </file>
 
+<file path=ppt/revisionInfo.xml><?xml version="1.0" encoding="utf-8"?>
+<p1510:revInfo xmlns:a="http://schemas.openxmlformats.org/drawingml/2006/main" xmlns:r="http://schemas.openxmlformats.org/officeDocument/2006/relationships" xmlns:p1510="http://schemas.microsoft.com/office/powerpoint/2015/10/main"/>
+</file>
+
 <file path=ppt/notesMasters/notesMaster1.xml><?xml version="1.0" encoding="utf-8"?>
 <p:notesMaster xmlns:a="http://schemas.openxmlformats.org/drawingml/2006/main" xmlns:r="http://schemas.openxmlformats.org/officeDocument/2006/relationships" xmlns:p="http://schemas.openxmlformats.org/presentationml/2006/main">
   <p:cSld>
@@ -205,7 +210,7 @@
           <a:p>
             <a:fld id="{4E55D321-AD45-45AE-BD8C-E85B2B67AF1A}" type="datetimeFigureOut">
               <a:rPr lang="en-US" smtClean="0"/>
-              <a:t>5/16/2018</a:t>
+              <a:t>5/18/2018</a:t>
             </a:fld>
             <a:endParaRPr lang="en-US"/>
           </a:p>
@@ -1327,6 +1332,150 @@
     <p:extLst>
       <p:ext uri="{BB962C8B-B14F-4D97-AF65-F5344CB8AC3E}">
         <p14:creationId xmlns:p14="http://schemas.microsoft.com/office/powerpoint/2010/main" val="2111117055"/>
+      </p:ext>
+    </p:extLst>
+  </p:cSld>
+  <p:clrMapOvr>
+    <a:masterClrMapping/>
+  </p:clrMapOvr>
+</p:notes>
+</file>
+
+<file path=ppt/notesSlides/notesSlide7.xml><?xml version="1.0" encoding="utf-8"?>
+<p:notes xmlns:a="http://schemas.openxmlformats.org/drawingml/2006/main" xmlns:r="http://schemas.openxmlformats.org/officeDocument/2006/relationships" xmlns:p="http://schemas.openxmlformats.org/presentationml/2006/main">
+  <p:cSld>
+    <p:spTree>
+      <p:nvGrpSpPr>
+        <p:cNvPr id="1" name=""/>
+        <p:cNvGrpSpPr/>
+        <p:nvPr/>
+      </p:nvGrpSpPr>
+      <p:grpSpPr>
+        <a:xfrm>
+          <a:off x="0" y="0"/>
+          <a:ext cx="0" cy="0"/>
+          <a:chOff x="0" y="0"/>
+          <a:chExt cx="0" cy="0"/>
+        </a:xfrm>
+      </p:grpSpPr>
+      <p:sp>
+        <p:nvSpPr>
+          <p:cNvPr id="2" name="Slide Image Placeholder 1"/>
+          <p:cNvSpPr>
+            <a:spLocks noGrp="1" noRot="1" noChangeAspect="1"/>
+          </p:cNvSpPr>
+          <p:nvPr>
+            <p:ph type="sldImg"/>
+          </p:nvPr>
+        </p:nvSpPr>
+        <p:spPr/>
+      </p:sp>
+      <p:sp>
+        <p:nvSpPr>
+          <p:cNvPr id="3" name="Notes Placeholder 2"/>
+          <p:cNvSpPr>
+            <a:spLocks noGrp="1"/>
+          </p:cNvSpPr>
+          <p:nvPr>
+            <p:ph type="body" idx="1"/>
+          </p:nvPr>
+        </p:nvSpPr>
+        <p:spPr/>
+        <p:txBody>
+          <a:bodyPr/>
+          <a:lstStyle/>
+          <a:p>
+            <a:endParaRPr lang="en-US" dirty="0"/>
+          </a:p>
+        </p:txBody>
+      </p:sp>
+      <p:sp>
+        <p:nvSpPr>
+          <p:cNvPr id="4" name="Slide Number Placeholder 3"/>
+          <p:cNvSpPr>
+            <a:spLocks noGrp="1"/>
+          </p:cNvSpPr>
+          <p:nvPr>
+            <p:ph type="sldNum" sz="quarter" idx="10"/>
+          </p:nvPr>
+        </p:nvSpPr>
+        <p:spPr/>
+        <p:txBody>
+          <a:bodyPr/>
+          <a:lstStyle/>
+          <a:p>
+            <a:pPr marL="0" marR="0" lvl="0" indent="0" algn="r" defTabSz="914400" rtl="0" eaLnBrk="1" fontAlgn="auto" latinLnBrk="0" hangingPunct="1">
+              <a:lnSpc>
+                <a:spcPct val="100000"/>
+              </a:lnSpc>
+              <a:spcBef>
+                <a:spcPts val="0"/>
+              </a:spcBef>
+              <a:spcAft>
+                <a:spcPts val="0"/>
+              </a:spcAft>
+              <a:buClrTx/>
+              <a:buSzTx/>
+              <a:buFontTx/>
+              <a:buNone/>
+              <a:tabLst/>
+              <a:defRPr/>
+            </a:pPr>
+            <a:fld id="{5A759874-2F11-4582-8757-D26ED139F31A}" type="slidenum">
+              <a:rPr kumimoji="0" lang="en-US" sz="1200" b="0" i="0" u="none" strike="noStrike" kern="1200" cap="none" spc="0" normalizeH="0" baseline="0" noProof="0" smtClean="0">
+                <a:ln>
+                  <a:noFill/>
+                </a:ln>
+                <a:solidFill>
+                  <a:prstClr val="black"/>
+                </a:solidFill>
+                <a:effectLst/>
+                <a:uLnTx/>
+                <a:uFillTx/>
+                <a:latin typeface="Calibri" panose="020F0502020204030204"/>
+                <a:ea typeface="+mn-ea"/>
+                <a:cs typeface="+mn-cs"/>
+              </a:rPr>
+              <a:pPr marL="0" marR="0" lvl="0" indent="0" algn="r" defTabSz="914400" rtl="0" eaLnBrk="1" fontAlgn="auto" latinLnBrk="0" hangingPunct="1">
+                <a:lnSpc>
+                  <a:spcPct val="100000"/>
+                </a:lnSpc>
+                <a:spcBef>
+                  <a:spcPts val="0"/>
+                </a:spcBef>
+                <a:spcAft>
+                  <a:spcPts val="0"/>
+                </a:spcAft>
+                <a:buClrTx/>
+                <a:buSzTx/>
+                <a:buFontTx/>
+                <a:buNone/>
+                <a:tabLst/>
+                <a:defRPr/>
+              </a:pPr>
+              <a:t>7</a:t>
+            </a:fld>
+            <a:endParaRPr kumimoji="0" lang="en-US" sz="1200" b="0" i="0" u="none" strike="noStrike" kern="1200" cap="none" spc="0" normalizeH="0" baseline="0" noProof="0">
+              <a:ln>
+                <a:noFill/>
+              </a:ln>
+              <a:solidFill>
+                <a:prstClr val="black"/>
+              </a:solidFill>
+              <a:effectLst/>
+              <a:uLnTx/>
+              <a:uFillTx/>
+              <a:latin typeface="Calibri" panose="020F0502020204030204"/>
+              <a:ea typeface="+mn-ea"/>
+              <a:cs typeface="+mn-cs"/>
+            </a:endParaRPr>
+          </a:p>
+        </p:txBody>
+      </p:sp>
+    </p:spTree>
+    <p:extLst>
+      <p:ext uri="{BB962C8B-B14F-4D97-AF65-F5344CB8AC3E}">
+        <p14:creationId xmlns:p14="http://schemas.microsoft.com/office/powerpoint/2010/main" val="2467718115"/>
       </p:ext>
     </p:extLst>
   </p:cSld>
@@ -25677,8 +25826,8 @@
         </p:nvSpPr>
         <p:spPr>
           <a:xfrm>
-            <a:off x="4014788" y="981275"/>
-            <a:ext cx="4162425" cy="1476695"/>
+            <a:off x="7158450" y="2800012"/>
+            <a:ext cx="3147600" cy="1476695"/>
           </a:xfrm>
           <a:prstGeom prst="rect">
             <a:avLst/>
@@ -25709,7 +25858,7 @@
                 </a:solidFill>
                 <a:latin typeface="Calibri" panose="020F0502020204030204"/>
               </a:rPr>
-              <a:t>Server Context</a:t>
+              <a:t>Server</a:t>
             </a:r>
           </a:p>
         </p:txBody>
@@ -25728,8 +25877,8 @@
         </p:nvSpPr>
         <p:spPr>
           <a:xfrm>
-            <a:off x="4014788" y="4400029"/>
-            <a:ext cx="4162425" cy="1476696"/>
+            <a:off x="825690" y="2813043"/>
+            <a:ext cx="2984272" cy="1476696"/>
           </a:xfrm>
           <a:prstGeom prst="rect">
             <a:avLst/>
@@ -25763,316 +25912,529 @@
                 </a:solidFill>
                 <a:latin typeface="Calibri" panose="020F0502020204030204"/>
               </a:rPr>
-              <a:t>Client Context</a:t>
+              <a:t>Client</a:t>
             </a:r>
           </a:p>
         </p:txBody>
       </p:sp>
-      <p:grpSp>
-        <p:nvGrpSpPr>
-          <p:cNvPr id="62" name="Group 61">
+      <p:cxnSp>
+        <p:nvCxnSpPr>
+          <p:cNvPr id="5" name="Straight Connector 4">
             <a:extLst>
               <a:ext uri="{FF2B5EF4-FFF2-40B4-BE49-F238E27FC236}">
-                <a16:creationId xmlns:a16="http://schemas.microsoft.com/office/drawing/2014/main" id="{EDE77A71-224D-44D5-A9A5-E996C41BE920}"/>
+                <a16:creationId xmlns:a16="http://schemas.microsoft.com/office/drawing/2014/main" id="{23E10C64-9FEB-48D6-8A85-024A4C37BFCB}"/>
               </a:ext>
             </a:extLst>
           </p:cNvPr>
-          <p:cNvGrpSpPr/>
+          <p:cNvCxnSpPr>
+            <a:cxnSpLocks/>
+            <a:endCxn id="35" idx="6"/>
+          </p:cNvCxnSpPr>
           <p:nvPr/>
-        </p:nvGrpSpPr>
-        <p:grpSpPr>
+        </p:nvCxnSpPr>
+        <p:spPr>
+          <a:xfrm flipH="1">
+            <a:off x="6472969" y="3570789"/>
+            <a:ext cx="214812" cy="6156"/>
+          </a:xfrm>
+          <a:prstGeom prst="line">
+            <a:avLst/>
+          </a:prstGeom>
+          <a:ln w="12700">
+            <a:solidFill>
+              <a:schemeClr val="tx1"/>
+            </a:solidFill>
+          </a:ln>
+        </p:spPr>
+        <p:style>
+          <a:lnRef idx="1">
+            <a:schemeClr val="accent1"/>
+          </a:lnRef>
+          <a:fillRef idx="0">
+            <a:schemeClr val="accent1"/>
+          </a:fillRef>
+          <a:effectRef idx="0">
+            <a:schemeClr val="accent1"/>
+          </a:effectRef>
+          <a:fontRef idx="minor">
+            <a:schemeClr val="tx1"/>
+          </a:fontRef>
+        </p:style>
+      </p:cxnSp>
+      <p:sp>
+        <p:nvSpPr>
+          <p:cNvPr id="27" name="TextBox 26">
+            <a:extLst>
+              <a:ext uri="{FF2B5EF4-FFF2-40B4-BE49-F238E27FC236}">
+                <a16:creationId xmlns:a16="http://schemas.microsoft.com/office/drawing/2014/main" id="{EFCD44AA-0FA2-4A03-937E-25C9E40D46BD}"/>
+              </a:ext>
+            </a:extLst>
+          </p:cNvPr>
+          <p:cNvSpPr txBox="1"/>
+          <p:nvPr/>
+        </p:nvSpPr>
+        <p:spPr>
           <a:xfrm>
-            <a:off x="4273404" y="4919970"/>
-            <a:ext cx="1728915" cy="741869"/>
-            <a:chOff x="4273403" y="5605250"/>
-            <a:chExt cx="1728915" cy="741869"/>
+            <a:off x="4428692" y="896943"/>
+            <a:ext cx="2142705" cy="369332"/>
           </a:xfrm>
-        </p:grpSpPr>
-        <p:sp>
-          <p:nvSpPr>
-            <p:cNvPr id="65" name="Rectangle 64">
-              <a:extLst>
-                <a:ext uri="{FF2B5EF4-FFF2-40B4-BE49-F238E27FC236}">
-                  <a16:creationId xmlns:a16="http://schemas.microsoft.com/office/drawing/2014/main" id="{A8C81335-56AB-4C23-B0D1-C245F8BCE21D}"/>
-                </a:ext>
-              </a:extLst>
-            </p:cNvPr>
-            <p:cNvSpPr/>
-            <p:nvPr/>
-          </p:nvSpPr>
-          <p:spPr>
-            <a:xfrm>
-              <a:off x="4273403" y="5605250"/>
-              <a:ext cx="1728915" cy="741869"/>
-            </a:xfrm>
-            <a:prstGeom prst="rect">
-              <a:avLst/>
-            </a:prstGeom>
-            <a:solidFill>
-              <a:schemeClr val="bg1">
-                <a:lumMod val="85000"/>
-              </a:schemeClr>
-            </a:solidFill>
-            <a:ln>
+          <a:prstGeom prst="rect">
+            <a:avLst/>
+          </a:prstGeom>
+          <a:solidFill>
+            <a:srgbClr val="FFFF00"/>
+          </a:solidFill>
+        </p:spPr>
+        <p:txBody>
+          <a:bodyPr wrap="square" rtlCol="0">
+            <a:spAutoFit/>
+          </a:bodyPr>
+          <a:lstStyle/>
+          <a:p>
+            <a:r>
+              <a:rPr lang="en-US" dirty="0"/>
+              <a:t>I/F = RPC interface</a:t>
+            </a:r>
+          </a:p>
+        </p:txBody>
+      </p:sp>
+      <p:sp>
+        <p:nvSpPr>
+          <p:cNvPr id="10" name="Rectangle 9">
+            <a:extLst>
+              <a:ext uri="{FF2B5EF4-FFF2-40B4-BE49-F238E27FC236}">
+                <a16:creationId xmlns:a16="http://schemas.microsoft.com/office/drawing/2014/main" id="{BEFC421F-E0C9-43A4-96E7-3A41DEA650DE}"/>
+              </a:ext>
+            </a:extLst>
+          </p:cNvPr>
+          <p:cNvSpPr/>
+          <p:nvPr/>
+        </p:nvSpPr>
+        <p:spPr>
+          <a:xfrm>
+            <a:off x="9359949" y="3266327"/>
+            <a:ext cx="806837" cy="518003"/>
+          </a:xfrm>
+          <a:prstGeom prst="rect">
+            <a:avLst/>
+          </a:prstGeom>
+          <a:solidFill>
+            <a:srgbClr val="FFFF00"/>
+          </a:solidFill>
+        </p:spPr>
+        <p:style>
+          <a:lnRef idx="2">
+            <a:schemeClr val="accent1">
+              <a:shade val="50000"/>
+            </a:schemeClr>
+          </a:lnRef>
+          <a:fillRef idx="1">
+            <a:schemeClr val="accent1"/>
+          </a:fillRef>
+          <a:effectRef idx="0">
+            <a:schemeClr val="accent1"/>
+          </a:effectRef>
+          <a:fontRef idx="minor">
+            <a:schemeClr val="lt1"/>
+          </a:fontRef>
+        </p:style>
+        <p:txBody>
+          <a:bodyPr rtlCol="0" anchor="ctr"/>
+          <a:lstStyle/>
+          <a:p>
+            <a:pPr algn="ctr"/>
+            <a:r>
+              <a:rPr lang="en-US" dirty="0">
+                <a:solidFill>
+                  <a:schemeClr val="tx1"/>
+                </a:solidFill>
+              </a:rPr>
+              <a:t>{</a:t>
+            </a:r>
+            <a:r>
+              <a:rPr lang="en-US" dirty="0" err="1">
+                <a:solidFill>
+                  <a:schemeClr val="tx1"/>
+                </a:solidFill>
+              </a:rPr>
+              <a:t>impl</a:t>
+            </a:r>
+            <a:r>
+              <a:rPr lang="en-US" dirty="0">
+                <a:solidFill>
+                  <a:schemeClr val="tx1"/>
+                </a:solidFill>
+              </a:rPr>
+              <a:t>}</a:t>
+            </a:r>
+          </a:p>
+        </p:txBody>
+      </p:sp>
+      <p:sp>
+        <p:nvSpPr>
+          <p:cNvPr id="11" name="Rectangle 10">
+            <a:extLst>
+              <a:ext uri="{FF2B5EF4-FFF2-40B4-BE49-F238E27FC236}">
+                <a16:creationId xmlns:a16="http://schemas.microsoft.com/office/drawing/2014/main" id="{C1C12F37-E519-48CA-AC52-D2ADB5E3D89C}"/>
+              </a:ext>
+            </a:extLst>
+          </p:cNvPr>
+          <p:cNvSpPr/>
+          <p:nvPr/>
+        </p:nvSpPr>
+        <p:spPr>
+          <a:xfrm>
+            <a:off x="7986104" y="3279357"/>
+            <a:ext cx="1373845" cy="518003"/>
+          </a:xfrm>
+          <a:prstGeom prst="rect">
+            <a:avLst/>
+          </a:prstGeom>
+          <a:solidFill>
+            <a:srgbClr val="FFC000"/>
+          </a:solidFill>
+        </p:spPr>
+        <p:style>
+          <a:lnRef idx="2">
+            <a:schemeClr val="accent1">
+              <a:shade val="50000"/>
+            </a:schemeClr>
+          </a:lnRef>
+          <a:fillRef idx="1">
+            <a:schemeClr val="accent1"/>
+          </a:fillRef>
+          <a:effectRef idx="0">
+            <a:schemeClr val="accent1"/>
+          </a:effectRef>
+          <a:fontRef idx="minor">
+            <a:schemeClr val="lt1"/>
+          </a:fontRef>
+        </p:style>
+        <p:txBody>
+          <a:bodyPr rtlCol="0" anchor="ctr"/>
+          <a:lstStyle/>
+          <a:p>
+            <a:pPr algn="ctr"/>
+            <a:r>
+              <a:rPr lang="en-US" dirty="0" err="1">
+                <a:solidFill>
+                  <a:schemeClr val="tx1"/>
+                </a:solidFill>
+              </a:rPr>
+              <a:t>RpcManger</a:t>
+            </a:r>
+            <a:endParaRPr lang="en-US" dirty="0">
               <a:solidFill>
                 <a:schemeClr val="tx1"/>
               </a:solidFill>
-            </a:ln>
-          </p:spPr>
-          <p:txBody>
-            <a:bodyPr rot="0" spcFirstLastPara="0" vertOverflow="overflow" horzOverflow="overflow" vert="horz" wrap="square" lIns="91440" tIns="45720" rIns="91440" bIns="45720" numCol="1" spcCol="0" rtlCol="0" fromWordArt="0" anchor="t" anchorCtr="0" forceAA="0" compatLnSpc="1">
-              <a:prstTxWarp prst="textNoShape">
-                <a:avLst/>
-              </a:prstTxWarp>
-              <a:noAutofit/>
-            </a:bodyPr>
-            <a:lstStyle/>
-            <a:p>
-              <a:pPr marL="0" marR="0" lvl="0" indent="0" algn="ctr" defTabSz="914400" rtl="0" eaLnBrk="1" fontAlgn="auto" latinLnBrk="0" hangingPunct="1">
-                <a:lnSpc>
-                  <a:spcPct val="100000"/>
-                </a:lnSpc>
-                <a:spcBef>
-                  <a:spcPts val="0"/>
-                </a:spcBef>
-                <a:spcAft>
-                  <a:spcPts val="0"/>
-                </a:spcAft>
-                <a:buClrTx/>
-                <a:buSzTx/>
-                <a:buFontTx/>
-                <a:buNone/>
-                <a:tabLst/>
-                <a:defRPr/>
-              </a:pPr>
-              <a:r>
-                <a:rPr kumimoji="0" lang="en-US" sz="1400" b="0" i="0" u="none" strike="noStrike" kern="0" cap="none" spc="0" normalizeH="0" baseline="0" noProof="0" dirty="0">
-                  <a:ln>
-                    <a:noFill/>
-                  </a:ln>
-                  <a:solidFill>
-                    <a:prstClr val="black"/>
-                  </a:solidFill>
-                  <a:effectLst/>
-                  <a:uLnTx/>
-                  <a:uFillTx/>
-                  <a:latin typeface="Calibri" panose="020F0502020204030204"/>
-                  <a:ea typeface="+mn-ea"/>
-                  <a:cs typeface="+mn-cs"/>
-                </a:rPr>
-                <a:t>RPC Client Stub</a:t>
-              </a:r>
-            </a:p>
-          </p:txBody>
-        </p:sp>
-        <p:sp>
-          <p:nvSpPr>
-            <p:cNvPr id="95" name="Rectangle 94">
-              <a:extLst>
-                <a:ext uri="{FF2B5EF4-FFF2-40B4-BE49-F238E27FC236}">
-                  <a16:creationId xmlns:a16="http://schemas.microsoft.com/office/drawing/2014/main" id="{255B5014-45F0-444C-98A5-4B1638ED0BC0}"/>
-                </a:ext>
-              </a:extLst>
-            </p:cNvPr>
-            <p:cNvSpPr/>
-            <p:nvPr/>
-          </p:nvSpPr>
-          <p:spPr>
-            <a:xfrm>
-              <a:off x="4523497" y="5912532"/>
-              <a:ext cx="1228726" cy="324296"/>
-            </a:xfrm>
-            <a:prstGeom prst="rect">
-              <a:avLst/>
-            </a:prstGeom>
-            <a:solidFill>
-              <a:srgbClr val="FFFF99"/>
-            </a:solidFill>
-            <a:ln>
-              <a:solidFill>
-                <a:sysClr val="windowText" lastClr="000000"/>
-              </a:solidFill>
-            </a:ln>
-          </p:spPr>
-          <p:txBody>
-            <a:bodyPr rot="0" spcFirstLastPara="0" vertOverflow="overflow" horzOverflow="overflow" vert="horz" wrap="square" lIns="91440" tIns="45720" rIns="91440" bIns="45720" numCol="1" spcCol="0" rtlCol="0" fromWordArt="0" anchor="t" anchorCtr="0" forceAA="0" compatLnSpc="1">
-              <a:prstTxWarp prst="textNoShape">
-                <a:avLst/>
-              </a:prstTxWarp>
-              <a:noAutofit/>
-            </a:bodyPr>
-            <a:lstStyle/>
-            <a:p>
-              <a:pPr algn="ctr"/>
-              <a:r>
-                <a:rPr lang="en-US" sz="1400" kern="0" dirty="0">
-                  <a:solidFill>
-                    <a:prstClr val="black"/>
-                  </a:solidFill>
-                  <a:latin typeface="Calibri" panose="020F0502020204030204"/>
-                </a:rPr>
-                <a:t>RPC Interface </a:t>
-              </a:r>
-            </a:p>
-          </p:txBody>
-        </p:sp>
-      </p:grpSp>
-      <p:grpSp>
-        <p:nvGrpSpPr>
-          <p:cNvPr id="59" name="Group 58">
+            </a:endParaRPr>
+          </a:p>
+        </p:txBody>
+      </p:sp>
+      <p:sp>
+        <p:nvSpPr>
+          <p:cNvPr id="34" name="Rectangle 33">
             <a:extLst>
               <a:ext uri="{FF2B5EF4-FFF2-40B4-BE49-F238E27FC236}">
-                <a16:creationId xmlns:a16="http://schemas.microsoft.com/office/drawing/2014/main" id="{97256E76-BC60-46E3-ADFD-AE4A78FFD409}"/>
+                <a16:creationId xmlns:a16="http://schemas.microsoft.com/office/drawing/2014/main" id="{025883A8-2555-4883-A33C-E4C7046D86A2}"/>
               </a:ext>
             </a:extLst>
           </p:cNvPr>
-          <p:cNvGrpSpPr/>
+          <p:cNvSpPr/>
           <p:nvPr/>
-        </p:nvGrpSpPr>
-        <p:grpSpPr>
+        </p:nvSpPr>
+        <p:spPr>
           <a:xfrm>
-            <a:off x="4273404" y="1457598"/>
-            <a:ext cx="1728915" cy="741869"/>
-            <a:chOff x="4275097" y="2142878"/>
-            <a:chExt cx="1728915" cy="741869"/>
+            <a:off x="1557773" y="3302625"/>
+            <a:ext cx="1402926" cy="518003"/>
           </a:xfrm>
-        </p:grpSpPr>
-        <p:sp>
-          <p:nvSpPr>
-            <p:cNvPr id="96" name="Rectangle 95">
-              <a:extLst>
-                <a:ext uri="{FF2B5EF4-FFF2-40B4-BE49-F238E27FC236}">
-                  <a16:creationId xmlns:a16="http://schemas.microsoft.com/office/drawing/2014/main" id="{CED35DA1-8B29-4575-933D-2D170A2B1934}"/>
-                </a:ext>
-              </a:extLst>
-            </p:cNvPr>
-            <p:cNvSpPr/>
-            <p:nvPr/>
-          </p:nvSpPr>
-          <p:spPr>
-            <a:xfrm>
-              <a:off x="4275097" y="2142878"/>
-              <a:ext cx="1728915" cy="741869"/>
-            </a:xfrm>
-            <a:prstGeom prst="rect">
-              <a:avLst/>
-            </a:prstGeom>
-            <a:solidFill>
-              <a:schemeClr val="accent1">
-                <a:lumMod val="20000"/>
-                <a:lumOff val="80000"/>
-              </a:schemeClr>
-            </a:solidFill>
-            <a:ln>
+          <a:prstGeom prst="rect">
+            <a:avLst/>
+          </a:prstGeom>
+          <a:solidFill>
+            <a:srgbClr val="FFC000"/>
+          </a:solidFill>
+        </p:spPr>
+        <p:style>
+          <a:lnRef idx="2">
+            <a:schemeClr val="accent1">
+              <a:shade val="50000"/>
+            </a:schemeClr>
+          </a:lnRef>
+          <a:fillRef idx="1">
+            <a:schemeClr val="accent1"/>
+          </a:fillRef>
+          <a:effectRef idx="0">
+            <a:schemeClr val="accent1"/>
+          </a:effectRef>
+          <a:fontRef idx="minor">
+            <a:schemeClr val="lt1"/>
+          </a:fontRef>
+        </p:style>
+        <p:txBody>
+          <a:bodyPr rtlCol="0" anchor="ctr"/>
+          <a:lstStyle/>
+          <a:p>
+            <a:pPr algn="ctr"/>
+            <a:r>
+              <a:rPr lang="en-US" dirty="0" err="1">
+                <a:solidFill>
+                  <a:schemeClr val="tx1"/>
+                </a:solidFill>
+              </a:rPr>
+              <a:t>RpcManger</a:t>
+            </a:r>
+            <a:endParaRPr lang="en-US" dirty="0">
               <a:solidFill>
                 <a:schemeClr val="tx1"/>
               </a:solidFill>
-            </a:ln>
-          </p:spPr>
-          <p:txBody>
-            <a:bodyPr rot="0" spcFirstLastPara="0" vertOverflow="overflow" horzOverflow="overflow" vert="horz" wrap="square" lIns="91440" tIns="45720" rIns="91440" bIns="45720" numCol="1" spcCol="0" rtlCol="0" fromWordArt="0" anchor="t" anchorCtr="0" forceAA="0" compatLnSpc="1">
-              <a:prstTxWarp prst="textNoShape">
-                <a:avLst/>
-              </a:prstTxWarp>
-              <a:noAutofit/>
-            </a:bodyPr>
-            <a:lstStyle/>
-            <a:p>
-              <a:pPr marL="0" marR="0" lvl="0" indent="0" algn="ctr" defTabSz="914400" rtl="0" eaLnBrk="1" fontAlgn="auto" latinLnBrk="0" hangingPunct="1">
-                <a:lnSpc>
-                  <a:spcPct val="100000"/>
-                </a:lnSpc>
-                <a:spcBef>
-                  <a:spcPts val="0"/>
-                </a:spcBef>
-                <a:spcAft>
-                  <a:spcPts val="0"/>
-                </a:spcAft>
-                <a:buClrTx/>
-                <a:buSzTx/>
-                <a:buFontTx/>
-                <a:buNone/>
-                <a:tabLst/>
-                <a:defRPr/>
-              </a:pPr>
-              <a:r>
-                <a:rPr kumimoji="0" lang="en-US" sz="1400" b="0" i="0" u="none" strike="noStrike" kern="0" cap="none" spc="0" normalizeH="0" baseline="0" noProof="0" dirty="0">
-                  <a:ln>
-                    <a:noFill/>
-                  </a:ln>
-                  <a:solidFill>
-                    <a:prstClr val="black"/>
-                  </a:solidFill>
-                  <a:effectLst/>
-                  <a:uLnTx/>
-                  <a:uFillTx/>
-                  <a:latin typeface="Calibri" panose="020F0502020204030204"/>
-                  <a:ea typeface="+mn-ea"/>
-                  <a:cs typeface="+mn-cs"/>
-                </a:rPr>
-                <a:t>RPC Implementation</a:t>
-              </a:r>
-            </a:p>
-          </p:txBody>
-        </p:sp>
-        <p:sp>
-          <p:nvSpPr>
-            <p:cNvPr id="97" name="Rectangle 96">
-              <a:extLst>
-                <a:ext uri="{FF2B5EF4-FFF2-40B4-BE49-F238E27FC236}">
-                  <a16:creationId xmlns:a16="http://schemas.microsoft.com/office/drawing/2014/main" id="{67F7D8D2-2828-4AA0-8CA9-6691966C07D5}"/>
-                </a:ext>
-              </a:extLst>
-            </p:cNvPr>
-            <p:cNvSpPr/>
-            <p:nvPr/>
-          </p:nvSpPr>
-          <p:spPr>
-            <a:xfrm>
-              <a:off x="4525191" y="2450160"/>
-              <a:ext cx="1228726" cy="324296"/>
-            </a:xfrm>
-            <a:prstGeom prst="rect">
-              <a:avLst/>
-            </a:prstGeom>
-            <a:solidFill>
-              <a:srgbClr val="FFFF99"/>
-            </a:solidFill>
-            <a:ln>
-              <a:solidFill>
-                <a:sysClr val="windowText" lastClr="000000"/>
-              </a:solidFill>
-            </a:ln>
-          </p:spPr>
-          <p:txBody>
-            <a:bodyPr rot="0" spcFirstLastPara="0" vertOverflow="overflow" horzOverflow="overflow" vert="horz" wrap="square" lIns="91440" tIns="45720" rIns="91440" bIns="45720" numCol="1" spcCol="0" rtlCol="0" fromWordArt="0" anchor="t" anchorCtr="0" forceAA="0" compatLnSpc="1">
-              <a:prstTxWarp prst="textNoShape">
-                <a:avLst/>
-              </a:prstTxWarp>
-              <a:noAutofit/>
-            </a:bodyPr>
-            <a:lstStyle/>
-            <a:p>
-              <a:pPr algn="ctr"/>
-              <a:r>
-                <a:rPr lang="en-US" sz="1400" kern="0" dirty="0">
-                  <a:solidFill>
-                    <a:prstClr val="black"/>
-                  </a:solidFill>
-                  <a:latin typeface="Calibri" panose="020F0502020204030204"/>
-                </a:rPr>
-                <a:t>RPC Interface </a:t>
-              </a:r>
-            </a:p>
-          </p:txBody>
-        </p:sp>
-      </p:grpSp>
+            </a:endParaRPr>
+          </a:p>
+        </p:txBody>
+      </p:sp>
       <p:sp>
         <p:nvSpPr>
-          <p:cNvPr id="99" name="Arrow: Down 98">
+          <p:cNvPr id="37" name="Rectangle 36">
             <a:extLst>
               <a:ext uri="{FF2B5EF4-FFF2-40B4-BE49-F238E27FC236}">
-                <a16:creationId xmlns:a16="http://schemas.microsoft.com/office/drawing/2014/main" id="{367D0F72-8721-4AA1-A65D-8653EE668C8F}"/>
+                <a16:creationId xmlns:a16="http://schemas.microsoft.com/office/drawing/2014/main" id="{42F01C13-7B00-4975-B909-7B5CE748506C}"/>
+              </a:ext>
+            </a:extLst>
+          </p:cNvPr>
+          <p:cNvSpPr/>
+          <p:nvPr/>
+        </p:nvSpPr>
+        <p:spPr>
+          <a:xfrm>
+            <a:off x="7478469" y="3288975"/>
+            <a:ext cx="492528" cy="518003"/>
+          </a:xfrm>
+          <a:prstGeom prst="rect">
+            <a:avLst/>
+          </a:prstGeom>
+          <a:solidFill>
+            <a:srgbClr val="FFFF00"/>
+          </a:solidFill>
+        </p:spPr>
+        <p:style>
+          <a:lnRef idx="2">
+            <a:schemeClr val="accent1">
+              <a:shade val="50000"/>
+            </a:schemeClr>
+          </a:lnRef>
+          <a:fillRef idx="1">
+            <a:schemeClr val="accent1"/>
+          </a:fillRef>
+          <a:effectRef idx="0">
+            <a:schemeClr val="accent1"/>
+          </a:effectRef>
+          <a:fontRef idx="minor">
+            <a:schemeClr val="lt1"/>
+          </a:fontRef>
+        </p:style>
+        <p:txBody>
+          <a:bodyPr rtlCol="0" anchor="ctr"/>
+          <a:lstStyle/>
+          <a:p>
+            <a:pPr algn="ctr"/>
+            <a:r>
+              <a:rPr lang="en-US" dirty="0">
+                <a:solidFill>
+                  <a:schemeClr val="tx1"/>
+                </a:solidFill>
+              </a:rPr>
+              <a:t>I/F</a:t>
+            </a:r>
+          </a:p>
+        </p:txBody>
+      </p:sp>
+      <p:sp>
+        <p:nvSpPr>
+          <p:cNvPr id="38" name="Rectangle 37">
+            <a:extLst>
+              <a:ext uri="{FF2B5EF4-FFF2-40B4-BE49-F238E27FC236}">
+                <a16:creationId xmlns:a16="http://schemas.microsoft.com/office/drawing/2014/main" id="{3B367103-D234-4DA4-9226-829A3EAD1607}"/>
+              </a:ext>
+            </a:extLst>
+          </p:cNvPr>
+          <p:cNvSpPr/>
+          <p:nvPr/>
+        </p:nvSpPr>
+        <p:spPr>
+          <a:xfrm>
+            <a:off x="2982306" y="3305467"/>
+            <a:ext cx="492528" cy="518003"/>
+          </a:xfrm>
+          <a:prstGeom prst="rect">
+            <a:avLst/>
+          </a:prstGeom>
+          <a:solidFill>
+            <a:srgbClr val="FFFF00"/>
+          </a:solidFill>
+        </p:spPr>
+        <p:style>
+          <a:lnRef idx="2">
+            <a:schemeClr val="accent1">
+              <a:shade val="50000"/>
+            </a:schemeClr>
+          </a:lnRef>
+          <a:fillRef idx="1">
+            <a:schemeClr val="accent1"/>
+          </a:fillRef>
+          <a:effectRef idx="0">
+            <a:schemeClr val="accent1"/>
+          </a:effectRef>
+          <a:fontRef idx="minor">
+            <a:schemeClr val="lt1"/>
+          </a:fontRef>
+        </p:style>
+        <p:txBody>
+          <a:bodyPr rtlCol="0" anchor="ctr"/>
+          <a:lstStyle/>
+          <a:p>
+            <a:pPr algn="ctr"/>
+            <a:r>
+              <a:rPr lang="en-US" dirty="0">
+                <a:solidFill>
+                  <a:schemeClr val="tx1"/>
+                </a:solidFill>
+              </a:rPr>
+              <a:t>I/F</a:t>
+            </a:r>
+          </a:p>
+        </p:txBody>
+      </p:sp>
+      <p:sp>
+        <p:nvSpPr>
+          <p:cNvPr id="14" name="TextBox 13">
+            <a:extLst>
+              <a:ext uri="{FF2B5EF4-FFF2-40B4-BE49-F238E27FC236}">
+                <a16:creationId xmlns:a16="http://schemas.microsoft.com/office/drawing/2014/main" id="{512D62FC-0CFF-48ED-A553-CDD39D1D4C37}"/>
+              </a:ext>
+            </a:extLst>
+          </p:cNvPr>
+          <p:cNvSpPr txBox="1"/>
+          <p:nvPr/>
+        </p:nvSpPr>
+        <p:spPr>
+          <a:xfrm>
+            <a:off x="872292" y="3363311"/>
+            <a:ext cx="682975" cy="369332"/>
+          </a:xfrm>
+          <a:prstGeom prst="rect">
+            <a:avLst/>
+          </a:prstGeom>
+          <a:solidFill>
+            <a:srgbClr val="FFFF00"/>
+          </a:solidFill>
+          <a:ln>
+            <a:solidFill>
+              <a:schemeClr val="tx1"/>
+            </a:solidFill>
+          </a:ln>
+        </p:spPr>
+        <p:txBody>
+          <a:bodyPr wrap="square" rtlCol="0">
+            <a:spAutoFit/>
+          </a:bodyPr>
+          <a:lstStyle/>
+          <a:p>
+            <a:r>
+              <a:rPr lang="en-US" dirty="0"/>
+              <a:t>{call}</a:t>
+            </a:r>
+          </a:p>
+        </p:txBody>
+      </p:sp>
+      <p:sp>
+        <p:nvSpPr>
+          <p:cNvPr id="15" name="TextBox 14">
+            <a:extLst>
+              <a:ext uri="{FF2B5EF4-FFF2-40B4-BE49-F238E27FC236}">
+                <a16:creationId xmlns:a16="http://schemas.microsoft.com/office/drawing/2014/main" id="{B8DC5225-7729-4418-AADE-03C4CB9EA8FD}"/>
+              </a:ext>
+            </a:extLst>
+          </p:cNvPr>
+          <p:cNvSpPr txBox="1"/>
+          <p:nvPr/>
+        </p:nvSpPr>
+        <p:spPr>
+          <a:xfrm>
+            <a:off x="4743721" y="3912134"/>
+            <a:ext cx="1425110" cy="646331"/>
+          </a:xfrm>
+          <a:prstGeom prst="rect">
+            <a:avLst/>
+          </a:prstGeom>
+          <a:noFill/>
+        </p:spPr>
+        <p:txBody>
+          <a:bodyPr wrap="square" rtlCol="0">
+            <a:spAutoFit/>
+          </a:bodyPr>
+          <a:lstStyle/>
+          <a:p>
+            <a:pPr algn="ctr"/>
+            <a:r>
+              <a:rPr lang="en-US" dirty="0"/>
+              <a:t>Configured Transport</a:t>
+            </a:r>
+          </a:p>
+        </p:txBody>
+      </p:sp>
+      <p:cxnSp>
+        <p:nvCxnSpPr>
+          <p:cNvPr id="17" name="Straight Connector 16">
+            <a:extLst>
+              <a:ext uri="{FF2B5EF4-FFF2-40B4-BE49-F238E27FC236}">
+                <a16:creationId xmlns:a16="http://schemas.microsoft.com/office/drawing/2014/main" id="{0CB25B62-3E9D-433B-A66F-35917F02154A}"/>
+              </a:ext>
+            </a:extLst>
+          </p:cNvPr>
+          <p:cNvCxnSpPr>
+            <a:cxnSpLocks/>
+          </p:cNvCxnSpPr>
+          <p:nvPr/>
+        </p:nvCxnSpPr>
+        <p:spPr>
+          <a:xfrm flipH="1" flipV="1">
+            <a:off x="4720386" y="3565759"/>
+            <a:ext cx="1407210" cy="4540"/>
+          </a:xfrm>
+          <a:prstGeom prst="line">
+            <a:avLst/>
+          </a:prstGeom>
+          <a:ln w="12700">
+            <a:solidFill>
+              <a:schemeClr val="bg1">
+                <a:lumMod val="50000"/>
+              </a:schemeClr>
+            </a:solidFill>
+            <a:prstDash val="dash"/>
+            <a:headEnd type="arrow"/>
+          </a:ln>
+        </p:spPr>
+        <p:style>
+          <a:lnRef idx="1">
+            <a:schemeClr val="accent1"/>
+          </a:lnRef>
+          <a:fillRef idx="0">
+            <a:schemeClr val="accent1"/>
+          </a:fillRef>
+          <a:effectRef idx="0">
+            <a:schemeClr val="accent1"/>
+          </a:effectRef>
+          <a:fontRef idx="minor">
+            <a:schemeClr val="tx1"/>
+          </a:fontRef>
+        </p:style>
+      </p:cxnSp>
+      <p:sp>
+        <p:nvSpPr>
+          <p:cNvPr id="21" name="Arc 20">
+            <a:extLst>
+              <a:ext uri="{FF2B5EF4-FFF2-40B4-BE49-F238E27FC236}">
+                <a16:creationId xmlns:a16="http://schemas.microsoft.com/office/drawing/2014/main" id="{52FE0217-0A79-44C6-9C51-8916A088A5D9}"/>
               </a:ext>
             </a:extLst>
           </p:cNvPr>
@@ -26081,10 +26443,114 @@
         </p:nvSpPr>
         <p:spPr>
           <a:xfrm rot="10800000">
-            <a:off x="5620169" y="2519954"/>
-            <a:ext cx="951661" cy="1818091"/>
+            <a:off x="4435415" y="3400752"/>
+            <a:ext cx="345042" cy="354369"/>
           </a:xfrm>
-          <a:prstGeom prst="downArrow">
+          <a:prstGeom prst="arc">
+            <a:avLst>
+              <a:gd name="adj1" fmla="val 16200000"/>
+              <a:gd name="adj2" fmla="val 5657069"/>
+            </a:avLst>
+          </a:prstGeom>
+          <a:ln w="12700">
+            <a:solidFill>
+              <a:schemeClr val="tx1"/>
+            </a:solidFill>
+          </a:ln>
+        </p:spPr>
+        <p:style>
+          <a:lnRef idx="1">
+            <a:schemeClr val="accent1"/>
+          </a:lnRef>
+          <a:fillRef idx="0">
+            <a:schemeClr val="accent1"/>
+          </a:fillRef>
+          <a:effectRef idx="0">
+            <a:schemeClr val="accent1"/>
+          </a:effectRef>
+          <a:fontRef idx="minor">
+            <a:schemeClr val="tx1"/>
+          </a:fontRef>
+        </p:style>
+        <p:txBody>
+          <a:bodyPr rtlCol="0" anchor="ctr"/>
+          <a:lstStyle/>
+          <a:p>
+            <a:pPr algn="ctr"/>
+            <a:endParaRPr lang="en-US"/>
+          </a:p>
+        </p:txBody>
+      </p:sp>
+      <p:sp>
+        <p:nvSpPr>
+          <p:cNvPr id="35" name="Oval 34">
+            <a:extLst>
+              <a:ext uri="{FF2B5EF4-FFF2-40B4-BE49-F238E27FC236}">
+                <a16:creationId xmlns:a16="http://schemas.microsoft.com/office/drawing/2014/main" id="{F39961DD-AABC-428E-B62A-217319F3ED64}"/>
+              </a:ext>
+            </a:extLst>
+          </p:cNvPr>
+          <p:cNvSpPr/>
+          <p:nvPr/>
+        </p:nvSpPr>
+        <p:spPr>
+          <a:xfrm>
+            <a:off x="6186396" y="3436119"/>
+            <a:ext cx="286573" cy="281652"/>
+          </a:xfrm>
+          <a:prstGeom prst="ellipse">
+            <a:avLst/>
+          </a:prstGeom>
+          <a:noFill/>
+          <a:ln>
+            <a:solidFill>
+              <a:schemeClr val="tx1"/>
+            </a:solidFill>
+          </a:ln>
+        </p:spPr>
+        <p:style>
+          <a:lnRef idx="2">
+            <a:schemeClr val="accent1">
+              <a:shade val="50000"/>
+            </a:schemeClr>
+          </a:lnRef>
+          <a:fillRef idx="1">
+            <a:schemeClr val="accent1"/>
+          </a:fillRef>
+          <a:effectRef idx="0">
+            <a:schemeClr val="accent1"/>
+          </a:effectRef>
+          <a:fontRef idx="minor">
+            <a:schemeClr val="lt1"/>
+          </a:fontRef>
+        </p:style>
+        <p:txBody>
+          <a:bodyPr rtlCol="0" anchor="ctr"/>
+          <a:lstStyle/>
+          <a:p>
+            <a:pPr algn="ctr"/>
+            <a:endParaRPr lang="en-US"/>
+          </a:p>
+        </p:txBody>
+      </p:sp>
+      <p:sp>
+        <p:nvSpPr>
+          <p:cNvPr id="46" name="Rectangle: Rounded Corners 45">
+            <a:extLst>
+              <a:ext uri="{FF2B5EF4-FFF2-40B4-BE49-F238E27FC236}">
+                <a16:creationId xmlns:a16="http://schemas.microsoft.com/office/drawing/2014/main" id="{634CE7D7-EA24-45CD-9C47-AA2DFF61F15C}"/>
+              </a:ext>
+            </a:extLst>
+          </p:cNvPr>
+          <p:cNvSpPr/>
+          <p:nvPr/>
+        </p:nvSpPr>
+        <p:spPr>
+          <a:xfrm>
+            <a:off x="3522287" y="3454399"/>
+            <a:ext cx="590603" cy="232779"/>
+          </a:xfrm>
+          <a:prstGeom prst="roundRect">
             <a:avLst/>
           </a:prstGeom>
           <a:solidFill>
@@ -26092,14 +26558,209 @@
               <a:lumMod val="65000"/>
             </a:schemeClr>
           </a:solidFill>
+        </p:spPr>
+        <p:style>
+          <a:lnRef idx="2">
+            <a:schemeClr val="accent1">
+              <a:shade val="50000"/>
+            </a:schemeClr>
+          </a:lnRef>
+          <a:fillRef idx="1">
+            <a:schemeClr val="accent1"/>
+          </a:fillRef>
+          <a:effectRef idx="0">
+            <a:schemeClr val="accent1"/>
+          </a:effectRef>
+          <a:fontRef idx="minor">
+            <a:schemeClr val="lt1"/>
+          </a:fontRef>
+        </p:style>
+        <p:txBody>
+          <a:bodyPr rtlCol="0" anchor="ctr">
+            <a:normAutofit fontScale="47500" lnSpcReduction="20000"/>
+          </a:bodyPr>
+          <a:lstStyle/>
+          <a:p>
+            <a:pPr algn="ctr"/>
+            <a:r>
+              <a:rPr lang="en-US" dirty="0"/>
+              <a:t>stub</a:t>
+            </a:r>
+          </a:p>
+        </p:txBody>
+      </p:sp>
+      <p:sp>
+        <p:nvSpPr>
+          <p:cNvPr id="64" name="Rectangle: Rounded Corners 63">
+            <a:extLst>
+              <a:ext uri="{FF2B5EF4-FFF2-40B4-BE49-F238E27FC236}">
+                <a16:creationId xmlns:a16="http://schemas.microsoft.com/office/drawing/2014/main" id="{B284526C-4432-421F-A495-C9BB6F344D44}"/>
+              </a:ext>
+            </a:extLst>
+          </p:cNvPr>
+          <p:cNvSpPr/>
+          <p:nvPr/>
+        </p:nvSpPr>
+        <p:spPr>
+          <a:xfrm>
+            <a:off x="6687781" y="3454399"/>
+            <a:ext cx="769793" cy="232779"/>
+          </a:xfrm>
+          <a:prstGeom prst="roundRect">
+            <a:avLst/>
+          </a:prstGeom>
+          <a:solidFill>
+            <a:schemeClr val="bg1">
+              <a:lumMod val="65000"/>
+            </a:schemeClr>
+          </a:solidFill>
+        </p:spPr>
+        <p:style>
+          <a:lnRef idx="2">
+            <a:schemeClr val="accent1">
+              <a:shade val="50000"/>
+            </a:schemeClr>
+          </a:lnRef>
+          <a:fillRef idx="1">
+            <a:schemeClr val="accent1"/>
+          </a:fillRef>
+          <a:effectRef idx="0">
+            <a:schemeClr val="accent1"/>
+          </a:effectRef>
+          <a:fontRef idx="minor">
+            <a:schemeClr val="lt1"/>
+          </a:fontRef>
+        </p:style>
+        <p:txBody>
+          <a:bodyPr rtlCol="0" anchor="ctr">
+            <a:normAutofit fontScale="47500" lnSpcReduction="20000"/>
+          </a:bodyPr>
+          <a:lstStyle/>
+          <a:p>
+            <a:pPr algn="ctr"/>
+            <a:r>
+              <a:rPr lang="en-US" dirty="0"/>
+              <a:t>dispatch</a:t>
+            </a:r>
+          </a:p>
+        </p:txBody>
+      </p:sp>
+      <p:cxnSp>
+        <p:nvCxnSpPr>
+          <p:cNvPr id="69" name="Straight Connector 68">
+            <a:extLst>
+              <a:ext uri="{FF2B5EF4-FFF2-40B4-BE49-F238E27FC236}">
+                <a16:creationId xmlns:a16="http://schemas.microsoft.com/office/drawing/2014/main" id="{D318B453-2AAA-4695-A878-AF1BD6FFBB1D}"/>
+              </a:ext>
+            </a:extLst>
+          </p:cNvPr>
+          <p:cNvCxnSpPr>
+            <a:cxnSpLocks/>
+          </p:cNvCxnSpPr>
+          <p:nvPr/>
+        </p:nvCxnSpPr>
+        <p:spPr>
+          <a:xfrm flipH="1">
+            <a:off x="4112890" y="3570299"/>
+            <a:ext cx="320019" cy="6156"/>
+          </a:xfrm>
+          <a:prstGeom prst="line">
+            <a:avLst/>
+          </a:prstGeom>
+          <a:ln w="12700">
+            <a:solidFill>
+              <a:schemeClr val="tx1"/>
+            </a:solidFill>
+          </a:ln>
+        </p:spPr>
+        <p:style>
+          <a:lnRef idx="1">
+            <a:schemeClr val="accent1"/>
+          </a:lnRef>
+          <a:fillRef idx="0">
+            <a:schemeClr val="accent1"/>
+          </a:fillRef>
+          <a:effectRef idx="0">
+            <a:schemeClr val="accent1"/>
+          </a:effectRef>
+          <a:fontRef idx="minor">
+            <a:schemeClr val="tx1"/>
+          </a:fontRef>
+        </p:style>
+      </p:cxnSp>
+    </p:spTree>
+    <p:extLst>
+      <p:ext uri="{BB962C8B-B14F-4D97-AF65-F5344CB8AC3E}">
+        <p14:creationId xmlns:p14="http://schemas.microsoft.com/office/powerpoint/2010/main" val="3174622084"/>
+      </p:ext>
+    </p:extLst>
+  </p:cSld>
+  <p:clrMapOvr>
+    <a:masterClrMapping/>
+  </p:clrMapOvr>
+  <mc:AlternateContent xmlns:mc="http://schemas.openxmlformats.org/markup-compatibility/2006" xmlns:p14="http://schemas.microsoft.com/office/powerpoint/2010/main">
+    <mc:Choice Requires="p14">
+      <p:transition spd="med" p14:dur="700">
+        <p:fade/>
+      </p:transition>
+    </mc:Choice>
+    <mc:Fallback xmlns="">
+      <p:transition spd="med">
+        <p:fade/>
+      </p:transition>
+    </mc:Fallback>
+  </mc:AlternateContent>
+</p:sld>
+</file>
+
+<file path=ppt/slides/slide7.xml><?xml version="1.0" encoding="utf-8"?>
+<p:sld xmlns:a="http://schemas.openxmlformats.org/drawingml/2006/main" xmlns:r="http://schemas.openxmlformats.org/officeDocument/2006/relationships" xmlns:p="http://schemas.openxmlformats.org/presentationml/2006/main" showMasterSp="0">
+  <p:cSld>
+    <p:spTree>
+      <p:nvGrpSpPr>
+        <p:cNvPr id="1" name=""/>
+        <p:cNvGrpSpPr/>
+        <p:nvPr/>
+      </p:nvGrpSpPr>
+      <p:grpSpPr>
+        <a:xfrm>
+          <a:off x="0" y="0"/>
+          <a:ext cx="0" cy="0"/>
+          <a:chOff x="0" y="0"/>
+          <a:chExt cx="0" cy="0"/>
+        </a:xfrm>
+      </p:grpSpPr>
+      <p:sp>
+        <p:nvSpPr>
+          <p:cNvPr id="51" name="Rectangle 50">
+            <a:extLst>
+              <a:ext uri="{FF2B5EF4-FFF2-40B4-BE49-F238E27FC236}">
+                <a16:creationId xmlns:a16="http://schemas.microsoft.com/office/drawing/2014/main" id="{B68D098D-BF5F-475E-A2D8-9A73ACE1ACE9}"/>
+              </a:ext>
+            </a:extLst>
+          </p:cNvPr>
+          <p:cNvSpPr/>
+          <p:nvPr/>
+        </p:nvSpPr>
+        <p:spPr>
+          <a:xfrm>
+            <a:off x="7158450" y="2674962"/>
+            <a:ext cx="3147600" cy="1601746"/>
+          </a:xfrm>
+          <a:prstGeom prst="rect">
+            <a:avLst/>
+          </a:prstGeom>
+          <a:solidFill>
+            <a:srgbClr val="00B050"/>
+          </a:solidFill>
           <a:ln>
             <a:solidFill>
-              <a:sysClr val="windowText" lastClr="000000"/>
+              <a:schemeClr val="tx1"/>
             </a:solidFill>
           </a:ln>
         </p:spPr>
         <p:txBody>
-          <a:bodyPr rot="0" spcFirstLastPara="0" vertOverflow="overflow" horzOverflow="overflow" vert="vert" wrap="square" lIns="91440" tIns="45720" rIns="91440" bIns="45720" numCol="1" spcCol="0" rtlCol="0" fromWordArt="0" anchor="ctr" anchorCtr="1" forceAA="0" compatLnSpc="1">
+          <a:bodyPr rot="0" spcFirstLastPara="0" vertOverflow="overflow" horzOverflow="overflow" vert="horz" wrap="square" lIns="91440" tIns="45720" rIns="91440" bIns="45720" numCol="1" spcCol="0" rtlCol="0" fromWordArt="0" anchor="t" anchorCtr="1" forceAA="0" compatLnSpc="1">
             <a:prstTxWarp prst="textNoShape">
               <a:avLst/>
             </a:prstTxWarp>
@@ -26115,261 +26776,2104 @@
                 </a:solidFill>
                 <a:latin typeface="Calibri" panose="020F0502020204030204"/>
               </a:rPr>
-              <a:t>Transport</a:t>
+              <a:t>Server1</a:t>
             </a:r>
           </a:p>
         </p:txBody>
       </p:sp>
-      <p:grpSp>
-        <p:nvGrpSpPr>
-          <p:cNvPr id="60" name="Group 59">
+      <p:sp>
+        <p:nvSpPr>
+          <p:cNvPr id="103" name="Rectangle 102">
             <a:extLst>
               <a:ext uri="{FF2B5EF4-FFF2-40B4-BE49-F238E27FC236}">
-                <a16:creationId xmlns:a16="http://schemas.microsoft.com/office/drawing/2014/main" id="{92F2A62D-E3E8-488C-BDDB-6EAD3C811C1E}"/>
+                <a16:creationId xmlns:a16="http://schemas.microsoft.com/office/drawing/2014/main" id="{F2B61E5D-9061-4646-A831-F9BFC9522847}"/>
               </a:ext>
             </a:extLst>
           </p:cNvPr>
-          <p:cNvGrpSpPr/>
+          <p:cNvSpPr/>
           <p:nvPr/>
-        </p:nvGrpSpPr>
-        <p:grpSpPr>
+        </p:nvSpPr>
+        <p:spPr>
           <a:xfrm>
-            <a:off x="6209673" y="1457598"/>
-            <a:ext cx="1728915" cy="741869"/>
-            <a:chOff x="6209672" y="2142878"/>
-            <a:chExt cx="1728915" cy="741869"/>
+            <a:off x="825690" y="2674961"/>
+            <a:ext cx="2984272" cy="1951630"/>
           </a:xfrm>
-        </p:grpSpPr>
-        <p:sp>
-          <p:nvSpPr>
-            <p:cNvPr id="104" name="Rectangle 103">
-              <a:extLst>
-                <a:ext uri="{FF2B5EF4-FFF2-40B4-BE49-F238E27FC236}">
-                  <a16:creationId xmlns:a16="http://schemas.microsoft.com/office/drawing/2014/main" id="{FB97B4BA-AD6F-4B22-833D-EEFD34F04417}"/>
-                </a:ext>
-              </a:extLst>
-            </p:cNvPr>
-            <p:cNvSpPr/>
-            <p:nvPr/>
-          </p:nvSpPr>
-          <p:spPr>
-            <a:xfrm>
-              <a:off x="6209672" y="2142878"/>
-              <a:ext cx="1728915" cy="741869"/>
-            </a:xfrm>
-            <a:prstGeom prst="rect">
+          <a:prstGeom prst="rect">
+            <a:avLst/>
+          </a:prstGeom>
+          <a:solidFill>
+            <a:schemeClr val="accent5">
+              <a:lumMod val="60000"/>
+              <a:lumOff val="40000"/>
+            </a:schemeClr>
+          </a:solidFill>
+          <a:ln>
+            <a:solidFill>
+              <a:schemeClr val="tx1"/>
+            </a:solidFill>
+          </a:ln>
+        </p:spPr>
+        <p:txBody>
+          <a:bodyPr rot="0" spcFirstLastPara="0" vertOverflow="overflow" horzOverflow="overflow" vert="horz" wrap="square" lIns="91440" tIns="45720" rIns="91440" bIns="45720" numCol="1" spcCol="0" rtlCol="0" fromWordArt="0" anchor="t" anchorCtr="1" forceAA="0" compatLnSpc="1">
+            <a:prstTxWarp prst="textNoShape">
               <a:avLst/>
-            </a:prstGeom>
-            <a:solidFill>
-              <a:srgbClr val="FFCD2F"/>
-            </a:solidFill>
-            <a:ln>
-              <a:solidFill>
-                <a:sysClr val="windowText" lastClr="000000"/>
-              </a:solidFill>
-            </a:ln>
-          </p:spPr>
-          <p:txBody>
-            <a:bodyPr rot="0" spcFirstLastPara="0" vertOverflow="overflow" horzOverflow="overflow" vert="horz" wrap="square" lIns="91440" tIns="45720" rIns="91440" bIns="45720" numCol="1" spcCol="0" rtlCol="0" fromWordArt="0" anchor="t" anchorCtr="1" forceAA="0" compatLnSpc="1">
-              <a:prstTxWarp prst="textNoShape">
-                <a:avLst/>
-              </a:prstTxWarp>
-              <a:noAutofit/>
-            </a:bodyPr>
-            <a:lstStyle/>
-            <a:p>
-              <a:pPr algn="ctr"/>
-              <a:r>
-                <a:rPr lang="en-US" sz="1400" kern="0" dirty="0">
-                  <a:solidFill>
-                    <a:prstClr val="black"/>
-                  </a:solidFill>
-                  <a:latin typeface="Calibri" panose="020F0502020204030204"/>
-                </a:rPr>
-                <a:t>RPC Manager</a:t>
-              </a:r>
-            </a:p>
-          </p:txBody>
-        </p:sp>
-        <p:sp>
-          <p:nvSpPr>
-            <p:cNvPr id="105" name="Rectangle 104">
-              <a:extLst>
-                <a:ext uri="{FF2B5EF4-FFF2-40B4-BE49-F238E27FC236}">
-                  <a16:creationId xmlns:a16="http://schemas.microsoft.com/office/drawing/2014/main" id="{60D3534C-119B-4112-9787-7408251B5E1A}"/>
-                </a:ext>
-              </a:extLst>
-            </p:cNvPr>
-            <p:cNvSpPr/>
-            <p:nvPr/>
-          </p:nvSpPr>
-          <p:spPr>
-            <a:xfrm>
-              <a:off x="6459766" y="2450160"/>
-              <a:ext cx="1228726" cy="324296"/>
-            </a:xfrm>
-            <a:prstGeom prst="rect">
-              <a:avLst/>
-            </a:prstGeom>
-            <a:solidFill>
-              <a:srgbClr val="FFFF99"/>
-            </a:solidFill>
-            <a:ln>
-              <a:solidFill>
-                <a:sysClr val="windowText" lastClr="000000"/>
-              </a:solidFill>
-            </a:ln>
-          </p:spPr>
-          <p:txBody>
-            <a:bodyPr rot="0" spcFirstLastPara="0" vertOverflow="overflow" horzOverflow="overflow" vert="horz" wrap="square" lIns="91440" tIns="45720" rIns="91440" bIns="45720" numCol="1" spcCol="0" rtlCol="0" fromWordArt="0" anchor="t" anchorCtr="0" forceAA="0" compatLnSpc="1">
-              <a:prstTxWarp prst="textNoShape">
-                <a:avLst/>
-              </a:prstTxWarp>
-              <a:noAutofit/>
-            </a:bodyPr>
-            <a:lstStyle/>
-            <a:p>
-              <a:pPr algn="ctr"/>
-              <a:r>
-                <a:rPr lang="en-US" sz="1400" kern="0" dirty="0">
-                  <a:solidFill>
-                    <a:prstClr val="black"/>
-                  </a:solidFill>
-                  <a:latin typeface="Calibri" panose="020F0502020204030204"/>
-                </a:rPr>
-                <a:t>Configuration</a:t>
-              </a:r>
-            </a:p>
-          </p:txBody>
-        </p:sp>
-      </p:grpSp>
-      <p:grpSp>
-        <p:nvGrpSpPr>
-          <p:cNvPr id="63" name="Group 62">
+            </a:prstTxWarp>
+            <a:noAutofit/>
+          </a:bodyPr>
+          <a:lstStyle/>
+          <a:p>
+            <a:pPr algn="ctr"/>
+            <a:r>
+              <a:rPr lang="en-US" kern="0" dirty="0">
+                <a:solidFill>
+                  <a:prstClr val="black"/>
+                </a:solidFill>
+                <a:latin typeface="Calibri" panose="020F0502020204030204"/>
+              </a:rPr>
+              <a:t>Client</a:t>
+            </a:r>
+          </a:p>
+        </p:txBody>
+      </p:sp>
+      <p:cxnSp>
+        <p:nvCxnSpPr>
+          <p:cNvPr id="5" name="Straight Connector 4">
             <a:extLst>
               <a:ext uri="{FF2B5EF4-FFF2-40B4-BE49-F238E27FC236}">
-                <a16:creationId xmlns:a16="http://schemas.microsoft.com/office/drawing/2014/main" id="{15E548BE-9DD8-4A3E-8C63-32F93D043230}"/>
+                <a16:creationId xmlns:a16="http://schemas.microsoft.com/office/drawing/2014/main" id="{23E10C64-9FEB-48D6-8A85-024A4C37BFCB}"/>
               </a:ext>
             </a:extLst>
           </p:cNvPr>
-          <p:cNvGrpSpPr/>
+          <p:cNvCxnSpPr>
+            <a:cxnSpLocks/>
+            <a:endCxn id="35" idx="6"/>
+          </p:cNvCxnSpPr>
           <p:nvPr/>
-        </p:nvGrpSpPr>
-        <p:grpSpPr>
+        </p:nvCxnSpPr>
+        <p:spPr>
+          <a:xfrm flipH="1">
+            <a:off x="6474392" y="3765894"/>
+            <a:ext cx="214812" cy="6156"/>
+          </a:xfrm>
+          <a:prstGeom prst="line">
+            <a:avLst/>
+          </a:prstGeom>
+          <a:ln w="12700">
+            <a:solidFill>
+              <a:schemeClr val="tx1"/>
+            </a:solidFill>
+          </a:ln>
+        </p:spPr>
+        <p:style>
+          <a:lnRef idx="1">
+            <a:schemeClr val="accent1"/>
+          </a:lnRef>
+          <a:fillRef idx="0">
+            <a:schemeClr val="accent1"/>
+          </a:fillRef>
+          <a:effectRef idx="0">
+            <a:schemeClr val="accent1"/>
+          </a:effectRef>
+          <a:fontRef idx="minor">
+            <a:schemeClr val="tx1"/>
+          </a:fontRef>
+        </p:style>
+      </p:cxnSp>
+      <p:sp>
+        <p:nvSpPr>
+          <p:cNvPr id="27" name="TextBox 26">
+            <a:extLst>
+              <a:ext uri="{FF2B5EF4-FFF2-40B4-BE49-F238E27FC236}">
+                <a16:creationId xmlns:a16="http://schemas.microsoft.com/office/drawing/2014/main" id="{EFCD44AA-0FA2-4A03-937E-25C9E40D46BD}"/>
+              </a:ext>
+            </a:extLst>
+          </p:cNvPr>
+          <p:cNvSpPr txBox="1"/>
+          <p:nvPr/>
+        </p:nvSpPr>
+        <p:spPr>
           <a:xfrm>
-            <a:off x="6209673" y="4919970"/>
-            <a:ext cx="1728915" cy="741869"/>
-            <a:chOff x="6209673" y="5621278"/>
-            <a:chExt cx="1728915" cy="741869"/>
+            <a:off x="4428692" y="896943"/>
+            <a:ext cx="2142705" cy="369332"/>
           </a:xfrm>
-        </p:grpSpPr>
-        <p:sp>
-          <p:nvSpPr>
-            <p:cNvPr id="106" name="Rectangle 105">
-              <a:extLst>
-                <a:ext uri="{FF2B5EF4-FFF2-40B4-BE49-F238E27FC236}">
-                  <a16:creationId xmlns:a16="http://schemas.microsoft.com/office/drawing/2014/main" id="{3E5BF232-E4B0-409B-9127-320EA22F48E7}"/>
-                </a:ext>
-              </a:extLst>
-            </p:cNvPr>
-            <p:cNvSpPr/>
-            <p:nvPr/>
-          </p:nvSpPr>
-          <p:spPr>
-            <a:xfrm>
-              <a:off x="6209673" y="5621278"/>
-              <a:ext cx="1728915" cy="741869"/>
-            </a:xfrm>
-            <a:prstGeom prst="rect">
+          <a:prstGeom prst="rect">
+            <a:avLst/>
+          </a:prstGeom>
+          <a:solidFill>
+            <a:srgbClr val="FFFF00"/>
+          </a:solidFill>
+        </p:spPr>
+        <p:txBody>
+          <a:bodyPr wrap="square" rtlCol="0">
+            <a:spAutoFit/>
+          </a:bodyPr>
+          <a:lstStyle/>
+          <a:p>
+            <a:r>
+              <a:rPr lang="en-US" dirty="0"/>
+              <a:t>I/F = RPC interface</a:t>
+            </a:r>
+          </a:p>
+        </p:txBody>
+      </p:sp>
+      <p:sp>
+        <p:nvSpPr>
+          <p:cNvPr id="10" name="Rectangle 9">
+            <a:extLst>
+              <a:ext uri="{FF2B5EF4-FFF2-40B4-BE49-F238E27FC236}">
+                <a16:creationId xmlns:a16="http://schemas.microsoft.com/office/drawing/2014/main" id="{BEFC421F-E0C9-43A4-96E7-3A41DEA650DE}"/>
+              </a:ext>
+            </a:extLst>
+          </p:cNvPr>
+          <p:cNvSpPr/>
+          <p:nvPr/>
+        </p:nvSpPr>
+        <p:spPr>
+          <a:xfrm>
+            <a:off x="9400893" y="3596424"/>
+            <a:ext cx="806837" cy="518003"/>
+          </a:xfrm>
+          <a:prstGeom prst="rect">
+            <a:avLst/>
+          </a:prstGeom>
+          <a:solidFill>
+            <a:srgbClr val="FFFF00"/>
+          </a:solidFill>
+        </p:spPr>
+        <p:style>
+          <a:lnRef idx="2">
+            <a:schemeClr val="accent1">
+              <a:shade val="50000"/>
+            </a:schemeClr>
+          </a:lnRef>
+          <a:fillRef idx="1">
+            <a:schemeClr val="accent1"/>
+          </a:fillRef>
+          <a:effectRef idx="0">
+            <a:schemeClr val="accent1"/>
+          </a:effectRef>
+          <a:fontRef idx="minor">
+            <a:schemeClr val="lt1"/>
+          </a:fontRef>
+        </p:style>
+        <p:txBody>
+          <a:bodyPr rtlCol="0" anchor="ctr"/>
+          <a:lstStyle/>
+          <a:p>
+            <a:pPr algn="ctr"/>
+            <a:r>
+              <a:rPr lang="en-US" dirty="0">
+                <a:solidFill>
+                  <a:schemeClr val="tx1"/>
+                </a:solidFill>
+              </a:rPr>
+              <a:t>{</a:t>
+            </a:r>
+            <a:r>
+              <a:rPr lang="en-US" dirty="0" err="1">
+                <a:solidFill>
+                  <a:schemeClr val="tx1"/>
+                </a:solidFill>
+              </a:rPr>
+              <a:t>impl</a:t>
+            </a:r>
+            <a:r>
+              <a:rPr lang="en-US" dirty="0">
+                <a:solidFill>
+                  <a:schemeClr val="tx1"/>
+                </a:solidFill>
+              </a:rPr>
+              <a:t>}</a:t>
+            </a:r>
+          </a:p>
+        </p:txBody>
+      </p:sp>
+      <p:sp>
+        <p:nvSpPr>
+          <p:cNvPr id="11" name="Rectangle 10">
+            <a:extLst>
+              <a:ext uri="{FF2B5EF4-FFF2-40B4-BE49-F238E27FC236}">
+                <a16:creationId xmlns:a16="http://schemas.microsoft.com/office/drawing/2014/main" id="{C1C12F37-E519-48CA-AC52-D2ADB5E3D89C}"/>
+              </a:ext>
+            </a:extLst>
+          </p:cNvPr>
+          <p:cNvSpPr/>
+          <p:nvPr/>
+        </p:nvSpPr>
+        <p:spPr>
+          <a:xfrm>
+            <a:off x="7460666" y="3279357"/>
+            <a:ext cx="1373845" cy="518003"/>
+          </a:xfrm>
+          <a:prstGeom prst="rect">
+            <a:avLst/>
+          </a:prstGeom>
+          <a:solidFill>
+            <a:srgbClr val="FFC000"/>
+          </a:solidFill>
+        </p:spPr>
+        <p:style>
+          <a:lnRef idx="2">
+            <a:schemeClr val="accent1">
+              <a:shade val="50000"/>
+            </a:schemeClr>
+          </a:lnRef>
+          <a:fillRef idx="1">
+            <a:schemeClr val="accent1"/>
+          </a:fillRef>
+          <a:effectRef idx="0">
+            <a:schemeClr val="accent1"/>
+          </a:effectRef>
+          <a:fontRef idx="minor">
+            <a:schemeClr val="lt1"/>
+          </a:fontRef>
+        </p:style>
+        <p:txBody>
+          <a:bodyPr rtlCol="0" anchor="ctr"/>
+          <a:lstStyle/>
+          <a:p>
+            <a:pPr algn="ctr"/>
+            <a:r>
+              <a:rPr lang="en-US" dirty="0" err="1">
+                <a:solidFill>
+                  <a:schemeClr val="tx1"/>
+                </a:solidFill>
+              </a:rPr>
+              <a:t>RpcManager</a:t>
+            </a:r>
+            <a:endParaRPr lang="en-US" dirty="0">
+              <a:solidFill>
+                <a:schemeClr val="tx1"/>
+              </a:solidFill>
+            </a:endParaRPr>
+          </a:p>
+        </p:txBody>
+      </p:sp>
+      <p:sp>
+        <p:nvSpPr>
+          <p:cNvPr id="34" name="Rectangle 33">
+            <a:extLst>
+              <a:ext uri="{FF2B5EF4-FFF2-40B4-BE49-F238E27FC236}">
+                <a16:creationId xmlns:a16="http://schemas.microsoft.com/office/drawing/2014/main" id="{025883A8-2555-4883-A33C-E4C7046D86A2}"/>
+              </a:ext>
+            </a:extLst>
+          </p:cNvPr>
+          <p:cNvSpPr/>
+          <p:nvPr/>
+        </p:nvSpPr>
+        <p:spPr>
+          <a:xfrm>
+            <a:off x="2087617" y="3487773"/>
+            <a:ext cx="1402926" cy="518003"/>
+          </a:xfrm>
+          <a:prstGeom prst="rect">
+            <a:avLst/>
+          </a:prstGeom>
+          <a:solidFill>
+            <a:srgbClr val="FFC000"/>
+          </a:solidFill>
+        </p:spPr>
+        <p:style>
+          <a:lnRef idx="2">
+            <a:schemeClr val="accent1">
+              <a:shade val="50000"/>
+            </a:schemeClr>
+          </a:lnRef>
+          <a:fillRef idx="1">
+            <a:schemeClr val="accent1"/>
+          </a:fillRef>
+          <a:effectRef idx="0">
+            <a:schemeClr val="accent1"/>
+          </a:effectRef>
+          <a:fontRef idx="minor">
+            <a:schemeClr val="lt1"/>
+          </a:fontRef>
+        </p:style>
+        <p:txBody>
+          <a:bodyPr rtlCol="0" anchor="ctr"/>
+          <a:lstStyle/>
+          <a:p>
+            <a:pPr algn="ctr"/>
+            <a:r>
+              <a:rPr lang="en-US" dirty="0" err="1">
+                <a:solidFill>
+                  <a:schemeClr val="tx1"/>
+                </a:solidFill>
+              </a:rPr>
+              <a:t>RpcManager</a:t>
+            </a:r>
+            <a:endParaRPr lang="en-US" dirty="0">
+              <a:solidFill>
+                <a:schemeClr val="tx1"/>
+              </a:solidFill>
+            </a:endParaRPr>
+          </a:p>
+        </p:txBody>
+      </p:sp>
+      <p:sp>
+        <p:nvSpPr>
+          <p:cNvPr id="37" name="Rectangle 36">
+            <a:extLst>
+              <a:ext uri="{FF2B5EF4-FFF2-40B4-BE49-F238E27FC236}">
+                <a16:creationId xmlns:a16="http://schemas.microsoft.com/office/drawing/2014/main" id="{42F01C13-7B00-4975-B909-7B5CE748506C}"/>
+              </a:ext>
+            </a:extLst>
+          </p:cNvPr>
+          <p:cNvSpPr/>
+          <p:nvPr/>
+        </p:nvSpPr>
+        <p:spPr>
+          <a:xfrm>
+            <a:off x="8874319" y="3043490"/>
+            <a:ext cx="492528" cy="518003"/>
+          </a:xfrm>
+          <a:prstGeom prst="rect">
+            <a:avLst/>
+          </a:prstGeom>
+          <a:solidFill>
+            <a:srgbClr val="FFFF00"/>
+          </a:solidFill>
+        </p:spPr>
+        <p:style>
+          <a:lnRef idx="2">
+            <a:schemeClr val="accent1">
+              <a:shade val="50000"/>
+            </a:schemeClr>
+          </a:lnRef>
+          <a:fillRef idx="1">
+            <a:schemeClr val="accent1"/>
+          </a:fillRef>
+          <a:effectRef idx="0">
+            <a:schemeClr val="accent1"/>
+          </a:effectRef>
+          <a:fontRef idx="minor">
+            <a:schemeClr val="lt1"/>
+          </a:fontRef>
+        </p:style>
+        <p:txBody>
+          <a:bodyPr rtlCol="0" anchor="ctr"/>
+          <a:lstStyle/>
+          <a:p>
+            <a:pPr algn="ctr"/>
+            <a:r>
+              <a:rPr lang="en-US" dirty="0">
+                <a:solidFill>
+                  <a:schemeClr val="tx1"/>
+                </a:solidFill>
+              </a:rPr>
+              <a:t>I/F</a:t>
+            </a:r>
+          </a:p>
+        </p:txBody>
+      </p:sp>
+      <p:sp>
+        <p:nvSpPr>
+          <p:cNvPr id="38" name="Rectangle 37">
+            <a:extLst>
+              <a:ext uri="{FF2B5EF4-FFF2-40B4-BE49-F238E27FC236}">
+                <a16:creationId xmlns:a16="http://schemas.microsoft.com/office/drawing/2014/main" id="{3B367103-D234-4DA4-9226-829A3EAD1607}"/>
+              </a:ext>
+            </a:extLst>
+          </p:cNvPr>
+          <p:cNvSpPr/>
+          <p:nvPr/>
+        </p:nvSpPr>
+        <p:spPr>
+          <a:xfrm>
+            <a:off x="1567936" y="2989738"/>
+            <a:ext cx="492528" cy="463234"/>
+          </a:xfrm>
+          <a:prstGeom prst="rect">
+            <a:avLst/>
+          </a:prstGeom>
+          <a:solidFill>
+            <a:srgbClr val="FFFF00"/>
+          </a:solidFill>
+        </p:spPr>
+        <p:style>
+          <a:lnRef idx="2">
+            <a:schemeClr val="accent1">
+              <a:shade val="50000"/>
+            </a:schemeClr>
+          </a:lnRef>
+          <a:fillRef idx="1">
+            <a:schemeClr val="accent1"/>
+          </a:fillRef>
+          <a:effectRef idx="0">
+            <a:schemeClr val="accent1"/>
+          </a:effectRef>
+          <a:fontRef idx="minor">
+            <a:schemeClr val="lt1"/>
+          </a:fontRef>
+        </p:style>
+        <p:txBody>
+          <a:bodyPr rtlCol="0" anchor="ctr"/>
+          <a:lstStyle/>
+          <a:p>
+            <a:pPr algn="ctr"/>
+            <a:r>
+              <a:rPr lang="en-US" dirty="0">
+                <a:solidFill>
+                  <a:schemeClr val="tx1"/>
+                </a:solidFill>
+              </a:rPr>
+              <a:t>I/F</a:t>
+            </a:r>
+          </a:p>
+        </p:txBody>
+      </p:sp>
+      <p:sp>
+        <p:nvSpPr>
+          <p:cNvPr id="14" name="TextBox 13">
+            <a:extLst>
+              <a:ext uri="{FF2B5EF4-FFF2-40B4-BE49-F238E27FC236}">
+                <a16:creationId xmlns:a16="http://schemas.microsoft.com/office/drawing/2014/main" id="{512D62FC-0CFF-48ED-A553-CDD39D1D4C37}"/>
+              </a:ext>
+            </a:extLst>
+          </p:cNvPr>
+          <p:cNvSpPr txBox="1"/>
+          <p:nvPr/>
+        </p:nvSpPr>
+        <p:spPr>
+          <a:xfrm>
+            <a:off x="844140" y="3038633"/>
+            <a:ext cx="682975" cy="369332"/>
+          </a:xfrm>
+          <a:prstGeom prst="rect">
+            <a:avLst/>
+          </a:prstGeom>
+          <a:solidFill>
+            <a:srgbClr val="FFFF00"/>
+          </a:solidFill>
+          <a:ln>
+            <a:solidFill>
+              <a:schemeClr val="tx1"/>
+            </a:solidFill>
+          </a:ln>
+        </p:spPr>
+        <p:txBody>
+          <a:bodyPr wrap="square" rtlCol="0">
+            <a:spAutoFit/>
+          </a:bodyPr>
+          <a:lstStyle/>
+          <a:p>
+            <a:r>
+              <a:rPr lang="en-US" dirty="0"/>
+              <a:t>{call}</a:t>
+            </a:r>
+          </a:p>
+        </p:txBody>
+      </p:sp>
+      <p:sp>
+        <p:nvSpPr>
+          <p:cNvPr id="15" name="TextBox 14">
+            <a:extLst>
+              <a:ext uri="{FF2B5EF4-FFF2-40B4-BE49-F238E27FC236}">
+                <a16:creationId xmlns:a16="http://schemas.microsoft.com/office/drawing/2014/main" id="{B8DC5225-7729-4418-AADE-03C4CB9EA8FD}"/>
+              </a:ext>
+            </a:extLst>
+          </p:cNvPr>
+          <p:cNvSpPr txBox="1"/>
+          <p:nvPr/>
+        </p:nvSpPr>
+        <p:spPr>
+          <a:xfrm>
+            <a:off x="4720386" y="6014801"/>
+            <a:ext cx="1425110" cy="646331"/>
+          </a:xfrm>
+          <a:prstGeom prst="rect">
+            <a:avLst/>
+          </a:prstGeom>
+          <a:noFill/>
+        </p:spPr>
+        <p:txBody>
+          <a:bodyPr wrap="square" rtlCol="0">
+            <a:spAutoFit/>
+          </a:bodyPr>
+          <a:lstStyle/>
+          <a:p>
+            <a:pPr algn="ctr"/>
+            <a:r>
+              <a:rPr lang="en-US" dirty="0"/>
+              <a:t>Configured Transport</a:t>
+            </a:r>
+          </a:p>
+        </p:txBody>
+      </p:sp>
+      <p:cxnSp>
+        <p:nvCxnSpPr>
+          <p:cNvPr id="17" name="Straight Connector 16">
+            <a:extLst>
+              <a:ext uri="{FF2B5EF4-FFF2-40B4-BE49-F238E27FC236}">
+                <a16:creationId xmlns:a16="http://schemas.microsoft.com/office/drawing/2014/main" id="{0CB25B62-3E9D-433B-A66F-35917F02154A}"/>
+              </a:ext>
+            </a:extLst>
+          </p:cNvPr>
+          <p:cNvCxnSpPr>
+            <a:cxnSpLocks/>
+          </p:cNvCxnSpPr>
+          <p:nvPr/>
+        </p:nvCxnSpPr>
+        <p:spPr>
+          <a:xfrm flipH="1" flipV="1">
+            <a:off x="4720386" y="3340567"/>
+            <a:ext cx="1407210" cy="4540"/>
+          </a:xfrm>
+          <a:prstGeom prst="line">
+            <a:avLst/>
+          </a:prstGeom>
+          <a:ln w="12700">
+            <a:solidFill>
+              <a:schemeClr val="bg1">
+                <a:lumMod val="50000"/>
+              </a:schemeClr>
+            </a:solidFill>
+            <a:prstDash val="dash"/>
+            <a:headEnd type="arrow"/>
+          </a:ln>
+        </p:spPr>
+        <p:style>
+          <a:lnRef idx="1">
+            <a:schemeClr val="accent1"/>
+          </a:lnRef>
+          <a:fillRef idx="0">
+            <a:schemeClr val="accent1"/>
+          </a:fillRef>
+          <a:effectRef idx="0">
+            <a:schemeClr val="accent1"/>
+          </a:effectRef>
+          <a:fontRef idx="minor">
+            <a:schemeClr val="tx1"/>
+          </a:fontRef>
+        </p:style>
+      </p:cxnSp>
+      <p:sp>
+        <p:nvSpPr>
+          <p:cNvPr id="21" name="Arc 20">
+            <a:extLst>
+              <a:ext uri="{FF2B5EF4-FFF2-40B4-BE49-F238E27FC236}">
+                <a16:creationId xmlns:a16="http://schemas.microsoft.com/office/drawing/2014/main" id="{52FE0217-0A79-44C6-9C51-8916A088A5D9}"/>
+              </a:ext>
+            </a:extLst>
+          </p:cNvPr>
+          <p:cNvSpPr/>
+          <p:nvPr/>
+        </p:nvSpPr>
+        <p:spPr>
+          <a:xfrm rot="10800000">
+            <a:off x="4435415" y="3175560"/>
+            <a:ext cx="345042" cy="354369"/>
+          </a:xfrm>
+          <a:prstGeom prst="arc">
+            <a:avLst>
+              <a:gd name="adj1" fmla="val 16200000"/>
+              <a:gd name="adj2" fmla="val 5657069"/>
+            </a:avLst>
+          </a:prstGeom>
+          <a:ln w="12700">
+            <a:solidFill>
+              <a:schemeClr val="tx1"/>
+            </a:solidFill>
+          </a:ln>
+        </p:spPr>
+        <p:style>
+          <a:lnRef idx="1">
+            <a:schemeClr val="accent1"/>
+          </a:lnRef>
+          <a:fillRef idx="0">
+            <a:schemeClr val="accent1"/>
+          </a:fillRef>
+          <a:effectRef idx="0">
+            <a:schemeClr val="accent1"/>
+          </a:effectRef>
+          <a:fontRef idx="minor">
+            <a:schemeClr val="tx1"/>
+          </a:fontRef>
+        </p:style>
+        <p:txBody>
+          <a:bodyPr rtlCol="0" anchor="ctr"/>
+          <a:lstStyle/>
+          <a:p>
+            <a:pPr algn="ctr"/>
+            <a:endParaRPr lang="en-US"/>
+          </a:p>
+        </p:txBody>
+      </p:sp>
+      <p:sp>
+        <p:nvSpPr>
+          <p:cNvPr id="35" name="Oval 34">
+            <a:extLst>
+              <a:ext uri="{FF2B5EF4-FFF2-40B4-BE49-F238E27FC236}">
+                <a16:creationId xmlns:a16="http://schemas.microsoft.com/office/drawing/2014/main" id="{F39961DD-AABC-428E-B62A-217319F3ED64}"/>
+              </a:ext>
+            </a:extLst>
+          </p:cNvPr>
+          <p:cNvSpPr/>
+          <p:nvPr/>
+        </p:nvSpPr>
+        <p:spPr>
+          <a:xfrm>
+            <a:off x="6187819" y="3631224"/>
+            <a:ext cx="286573" cy="281652"/>
+          </a:xfrm>
+          <a:prstGeom prst="ellipse">
+            <a:avLst/>
+          </a:prstGeom>
+          <a:noFill/>
+          <a:ln>
+            <a:solidFill>
+              <a:schemeClr val="tx1"/>
+            </a:solidFill>
+          </a:ln>
+        </p:spPr>
+        <p:style>
+          <a:lnRef idx="2">
+            <a:schemeClr val="accent1">
+              <a:shade val="50000"/>
+            </a:schemeClr>
+          </a:lnRef>
+          <a:fillRef idx="1">
+            <a:schemeClr val="accent1"/>
+          </a:fillRef>
+          <a:effectRef idx="0">
+            <a:schemeClr val="accent1"/>
+          </a:effectRef>
+          <a:fontRef idx="minor">
+            <a:schemeClr val="lt1"/>
+          </a:fontRef>
+        </p:style>
+        <p:txBody>
+          <a:bodyPr rtlCol="0" anchor="ctr"/>
+          <a:lstStyle/>
+          <a:p>
+            <a:pPr algn="ctr"/>
+            <a:endParaRPr lang="en-US"/>
+          </a:p>
+        </p:txBody>
+      </p:sp>
+      <p:sp>
+        <p:nvSpPr>
+          <p:cNvPr id="46" name="Rectangle: Rounded Corners 45">
+            <a:extLst>
+              <a:ext uri="{FF2B5EF4-FFF2-40B4-BE49-F238E27FC236}">
+                <a16:creationId xmlns:a16="http://schemas.microsoft.com/office/drawing/2014/main" id="{634CE7D7-EA24-45CD-9C47-AA2DFF61F15C}"/>
+              </a:ext>
+            </a:extLst>
+          </p:cNvPr>
+          <p:cNvSpPr/>
+          <p:nvPr/>
+        </p:nvSpPr>
+        <p:spPr>
+          <a:xfrm>
+            <a:off x="3522287" y="3229207"/>
+            <a:ext cx="590603" cy="232779"/>
+          </a:xfrm>
+          <a:prstGeom prst="roundRect">
+            <a:avLst/>
+          </a:prstGeom>
+          <a:solidFill>
+            <a:schemeClr val="bg1">
+              <a:lumMod val="65000"/>
+            </a:schemeClr>
+          </a:solidFill>
+        </p:spPr>
+        <p:style>
+          <a:lnRef idx="2">
+            <a:schemeClr val="accent1">
+              <a:shade val="50000"/>
+            </a:schemeClr>
+          </a:lnRef>
+          <a:fillRef idx="1">
+            <a:schemeClr val="accent1"/>
+          </a:fillRef>
+          <a:effectRef idx="0">
+            <a:schemeClr val="accent1"/>
+          </a:effectRef>
+          <a:fontRef idx="minor">
+            <a:schemeClr val="lt1"/>
+          </a:fontRef>
+        </p:style>
+        <p:txBody>
+          <a:bodyPr rtlCol="0" anchor="ctr">
+            <a:normAutofit fontScale="47500" lnSpcReduction="20000"/>
+          </a:bodyPr>
+          <a:lstStyle/>
+          <a:p>
+            <a:pPr algn="ctr"/>
+            <a:r>
+              <a:rPr lang="en-US" dirty="0"/>
+              <a:t>stub</a:t>
+            </a:r>
+          </a:p>
+        </p:txBody>
+      </p:sp>
+      <p:sp>
+        <p:nvSpPr>
+          <p:cNvPr id="64" name="Rectangle: Rounded Corners 63">
+            <a:extLst>
+              <a:ext uri="{FF2B5EF4-FFF2-40B4-BE49-F238E27FC236}">
+                <a16:creationId xmlns:a16="http://schemas.microsoft.com/office/drawing/2014/main" id="{B284526C-4432-421F-A495-C9BB6F344D44}"/>
+              </a:ext>
+            </a:extLst>
+          </p:cNvPr>
+          <p:cNvSpPr/>
+          <p:nvPr/>
+        </p:nvSpPr>
+        <p:spPr>
+          <a:xfrm>
+            <a:off x="6671632" y="3221355"/>
+            <a:ext cx="769793" cy="232779"/>
+          </a:xfrm>
+          <a:prstGeom prst="roundRect">
+            <a:avLst/>
+          </a:prstGeom>
+          <a:solidFill>
+            <a:schemeClr val="bg1">
+              <a:lumMod val="65000"/>
+            </a:schemeClr>
+          </a:solidFill>
+        </p:spPr>
+        <p:style>
+          <a:lnRef idx="2">
+            <a:schemeClr val="accent1">
+              <a:shade val="50000"/>
+            </a:schemeClr>
+          </a:lnRef>
+          <a:fillRef idx="1">
+            <a:schemeClr val="accent1"/>
+          </a:fillRef>
+          <a:effectRef idx="0">
+            <a:schemeClr val="accent1"/>
+          </a:effectRef>
+          <a:fontRef idx="minor">
+            <a:schemeClr val="lt1"/>
+          </a:fontRef>
+        </p:style>
+        <p:txBody>
+          <a:bodyPr rtlCol="0" anchor="ctr">
+            <a:normAutofit fontScale="47500" lnSpcReduction="20000"/>
+          </a:bodyPr>
+          <a:lstStyle/>
+          <a:p>
+            <a:pPr algn="ctr"/>
+            <a:r>
+              <a:rPr lang="en-US" dirty="0"/>
+              <a:t>dispatch</a:t>
+            </a:r>
+          </a:p>
+        </p:txBody>
+      </p:sp>
+      <p:cxnSp>
+        <p:nvCxnSpPr>
+          <p:cNvPr id="69" name="Straight Connector 68">
+            <a:extLst>
+              <a:ext uri="{FF2B5EF4-FFF2-40B4-BE49-F238E27FC236}">
+                <a16:creationId xmlns:a16="http://schemas.microsoft.com/office/drawing/2014/main" id="{D318B453-2AAA-4695-A878-AF1BD6FFBB1D}"/>
+              </a:ext>
+            </a:extLst>
+          </p:cNvPr>
+          <p:cNvCxnSpPr>
+            <a:cxnSpLocks/>
+          </p:cNvCxnSpPr>
+          <p:nvPr/>
+        </p:nvCxnSpPr>
+        <p:spPr>
+          <a:xfrm flipH="1">
+            <a:off x="4112890" y="3345107"/>
+            <a:ext cx="320019" cy="6156"/>
+          </a:xfrm>
+          <a:prstGeom prst="line">
+            <a:avLst/>
+          </a:prstGeom>
+          <a:ln w="12700">
+            <a:solidFill>
+              <a:schemeClr val="tx1"/>
+            </a:solidFill>
+          </a:ln>
+        </p:spPr>
+        <p:style>
+          <a:lnRef idx="1">
+            <a:schemeClr val="accent1"/>
+          </a:lnRef>
+          <a:fillRef idx="0">
+            <a:schemeClr val="accent1"/>
+          </a:fillRef>
+          <a:effectRef idx="0">
+            <a:schemeClr val="accent1"/>
+          </a:effectRef>
+          <a:fontRef idx="minor">
+            <a:schemeClr val="tx1"/>
+          </a:fontRef>
+        </p:style>
+      </p:cxnSp>
+      <p:sp>
+        <p:nvSpPr>
+          <p:cNvPr id="19" name="Rectangle 18">
+            <a:extLst>
+              <a:ext uri="{FF2B5EF4-FFF2-40B4-BE49-F238E27FC236}">
+                <a16:creationId xmlns:a16="http://schemas.microsoft.com/office/drawing/2014/main" id="{34412E67-85C3-4B5C-9B9F-A83F246AE723}"/>
+              </a:ext>
+            </a:extLst>
+          </p:cNvPr>
+          <p:cNvSpPr/>
+          <p:nvPr/>
+        </p:nvSpPr>
+        <p:spPr>
+          <a:xfrm>
+            <a:off x="7158450" y="4408337"/>
+            <a:ext cx="3147600" cy="1476695"/>
+          </a:xfrm>
+          <a:prstGeom prst="rect">
+            <a:avLst/>
+          </a:prstGeom>
+          <a:solidFill>
+            <a:srgbClr val="00B050"/>
+          </a:solidFill>
+          <a:ln>
+            <a:solidFill>
+              <a:schemeClr val="tx1"/>
+            </a:solidFill>
+          </a:ln>
+        </p:spPr>
+        <p:txBody>
+          <a:bodyPr rot="0" spcFirstLastPara="0" vertOverflow="overflow" horzOverflow="overflow" vert="horz" wrap="square" lIns="91440" tIns="45720" rIns="91440" bIns="45720" numCol="1" spcCol="0" rtlCol="0" fromWordArt="0" anchor="t" anchorCtr="1" forceAA="0" compatLnSpc="1">
+            <a:prstTxWarp prst="textNoShape">
               <a:avLst/>
-            </a:prstGeom>
+            </a:prstTxWarp>
+            <a:noAutofit/>
+          </a:bodyPr>
+          <a:lstStyle/>
+          <a:p>
+            <a:pPr algn="ctr"/>
+            <a:r>
+              <a:rPr lang="en-US" kern="0" dirty="0">
+                <a:solidFill>
+                  <a:prstClr val="black"/>
+                </a:solidFill>
+                <a:latin typeface="Calibri" panose="020F0502020204030204"/>
+              </a:rPr>
+              <a:t>Server2</a:t>
+            </a:r>
+          </a:p>
+        </p:txBody>
+      </p:sp>
+      <p:cxnSp>
+        <p:nvCxnSpPr>
+          <p:cNvPr id="20" name="Straight Connector 19">
+            <a:extLst>
+              <a:ext uri="{FF2B5EF4-FFF2-40B4-BE49-F238E27FC236}">
+                <a16:creationId xmlns:a16="http://schemas.microsoft.com/office/drawing/2014/main" id="{0DAB28A7-3EF2-48B5-941D-375A7A092579}"/>
+              </a:ext>
+            </a:extLst>
+          </p:cNvPr>
+          <p:cNvCxnSpPr>
+            <a:cxnSpLocks/>
+            <a:endCxn id="25" idx="6"/>
+          </p:cNvCxnSpPr>
+          <p:nvPr/>
+        </p:nvCxnSpPr>
+        <p:spPr>
+          <a:xfrm flipH="1">
+            <a:off x="6472969" y="5179114"/>
+            <a:ext cx="214812" cy="6156"/>
+          </a:xfrm>
+          <a:prstGeom prst="line">
+            <a:avLst/>
+          </a:prstGeom>
+          <a:ln w="12700">
             <a:solidFill>
-              <a:srgbClr val="FFCD2F"/>
+              <a:schemeClr val="tx1"/>
             </a:solidFill>
-            <a:ln>
+          </a:ln>
+        </p:spPr>
+        <p:style>
+          <a:lnRef idx="1">
+            <a:schemeClr val="accent1"/>
+          </a:lnRef>
+          <a:fillRef idx="0">
+            <a:schemeClr val="accent1"/>
+          </a:fillRef>
+          <a:effectRef idx="0">
+            <a:schemeClr val="accent1"/>
+          </a:effectRef>
+          <a:fontRef idx="minor">
+            <a:schemeClr val="tx1"/>
+          </a:fontRef>
+        </p:style>
+      </p:cxnSp>
+      <p:sp>
+        <p:nvSpPr>
+          <p:cNvPr id="22" name="Rectangle 21">
+            <a:extLst>
+              <a:ext uri="{FF2B5EF4-FFF2-40B4-BE49-F238E27FC236}">
+                <a16:creationId xmlns:a16="http://schemas.microsoft.com/office/drawing/2014/main" id="{D83062AD-C07E-4F3C-BA92-BF81FDFE4FA2}"/>
+              </a:ext>
+            </a:extLst>
+          </p:cNvPr>
+          <p:cNvSpPr/>
+          <p:nvPr/>
+        </p:nvSpPr>
+        <p:spPr>
+          <a:xfrm>
+            <a:off x="9394069" y="4881476"/>
+            <a:ext cx="806837" cy="518003"/>
+          </a:xfrm>
+          <a:prstGeom prst="rect">
+            <a:avLst/>
+          </a:prstGeom>
+          <a:solidFill>
+            <a:srgbClr val="FFFF00"/>
+          </a:solidFill>
+        </p:spPr>
+        <p:style>
+          <a:lnRef idx="2">
+            <a:schemeClr val="accent1">
+              <a:shade val="50000"/>
+            </a:schemeClr>
+          </a:lnRef>
+          <a:fillRef idx="1">
+            <a:schemeClr val="accent1"/>
+          </a:fillRef>
+          <a:effectRef idx="0">
+            <a:schemeClr val="accent1"/>
+          </a:effectRef>
+          <a:fontRef idx="minor">
+            <a:schemeClr val="lt1"/>
+          </a:fontRef>
+        </p:style>
+        <p:txBody>
+          <a:bodyPr rtlCol="0" anchor="ctr"/>
+          <a:lstStyle/>
+          <a:p>
+            <a:pPr algn="ctr"/>
+            <a:r>
+              <a:rPr lang="en-US" dirty="0">
+                <a:solidFill>
+                  <a:schemeClr val="tx1"/>
+                </a:solidFill>
+              </a:rPr>
+              <a:t>{</a:t>
+            </a:r>
+            <a:r>
+              <a:rPr lang="en-US" dirty="0" err="1">
+                <a:solidFill>
+                  <a:schemeClr val="tx1"/>
+                </a:solidFill>
+              </a:rPr>
+              <a:t>impl</a:t>
+            </a:r>
+            <a:r>
+              <a:rPr lang="en-US" dirty="0">
+                <a:solidFill>
+                  <a:schemeClr val="tx1"/>
+                </a:solidFill>
+              </a:rPr>
+              <a:t>}</a:t>
+            </a:r>
+          </a:p>
+        </p:txBody>
+      </p:sp>
+      <p:sp>
+        <p:nvSpPr>
+          <p:cNvPr id="23" name="Rectangle 22">
+            <a:extLst>
+              <a:ext uri="{FF2B5EF4-FFF2-40B4-BE49-F238E27FC236}">
+                <a16:creationId xmlns:a16="http://schemas.microsoft.com/office/drawing/2014/main" id="{70ACFF18-88EC-4A09-A0B6-8D0A4EB2C6D5}"/>
+              </a:ext>
+            </a:extLst>
+          </p:cNvPr>
+          <p:cNvSpPr/>
+          <p:nvPr/>
+        </p:nvSpPr>
+        <p:spPr>
+          <a:xfrm>
+            <a:off x="7479024" y="4881476"/>
+            <a:ext cx="1373845" cy="518003"/>
+          </a:xfrm>
+          <a:prstGeom prst="rect">
+            <a:avLst/>
+          </a:prstGeom>
+          <a:solidFill>
+            <a:srgbClr val="FFC000"/>
+          </a:solidFill>
+        </p:spPr>
+        <p:style>
+          <a:lnRef idx="2">
+            <a:schemeClr val="accent1">
+              <a:shade val="50000"/>
+            </a:schemeClr>
+          </a:lnRef>
+          <a:fillRef idx="1">
+            <a:schemeClr val="accent1"/>
+          </a:fillRef>
+          <a:effectRef idx="0">
+            <a:schemeClr val="accent1"/>
+          </a:effectRef>
+          <a:fontRef idx="minor">
+            <a:schemeClr val="lt1"/>
+          </a:fontRef>
+        </p:style>
+        <p:txBody>
+          <a:bodyPr rtlCol="0" anchor="ctr"/>
+          <a:lstStyle/>
+          <a:p>
+            <a:pPr algn="ctr"/>
+            <a:r>
+              <a:rPr lang="en-US" dirty="0" err="1">
+                <a:solidFill>
+                  <a:schemeClr val="tx1"/>
+                </a:solidFill>
+              </a:rPr>
+              <a:t>RpcManager</a:t>
+            </a:r>
+            <a:endParaRPr lang="en-US" dirty="0">
               <a:solidFill>
-                <a:sysClr val="windowText" lastClr="000000"/>
+                <a:schemeClr val="tx1"/>
               </a:solidFill>
-            </a:ln>
-          </p:spPr>
-          <p:txBody>
-            <a:bodyPr rot="0" spcFirstLastPara="0" vertOverflow="overflow" horzOverflow="overflow" vert="horz" wrap="square" lIns="91440" tIns="45720" rIns="91440" bIns="45720" numCol="1" spcCol="0" rtlCol="0" fromWordArt="0" anchor="t" anchorCtr="1" forceAA="0" compatLnSpc="1">
-              <a:prstTxWarp prst="textNoShape">
-                <a:avLst/>
-              </a:prstTxWarp>
-              <a:noAutofit/>
-            </a:bodyPr>
-            <a:lstStyle/>
-            <a:p>
-              <a:pPr algn="ctr"/>
-              <a:r>
-                <a:rPr lang="en-US" sz="1400" kern="0" dirty="0">
-                  <a:solidFill>
-                    <a:prstClr val="black"/>
-                  </a:solidFill>
-                  <a:latin typeface="Calibri" panose="020F0502020204030204"/>
-                </a:rPr>
-                <a:t>RPC Manager</a:t>
-              </a:r>
-            </a:p>
-          </p:txBody>
-        </p:sp>
-        <p:sp>
-          <p:nvSpPr>
-            <p:cNvPr id="107" name="Rectangle 106">
-              <a:extLst>
-                <a:ext uri="{FF2B5EF4-FFF2-40B4-BE49-F238E27FC236}">
-                  <a16:creationId xmlns:a16="http://schemas.microsoft.com/office/drawing/2014/main" id="{1056AC41-F880-49E8-987B-1034367F56DD}"/>
-                </a:ext>
-              </a:extLst>
-            </p:cNvPr>
-            <p:cNvSpPr/>
-            <p:nvPr/>
-          </p:nvSpPr>
-          <p:spPr>
-            <a:xfrm>
-              <a:off x="6459767" y="5928560"/>
-              <a:ext cx="1228726" cy="324296"/>
-            </a:xfrm>
-            <a:prstGeom prst="rect">
-              <a:avLst/>
-            </a:prstGeom>
+            </a:endParaRPr>
+          </a:p>
+        </p:txBody>
+      </p:sp>
+      <p:sp>
+        <p:nvSpPr>
+          <p:cNvPr id="24" name="Rectangle 23">
+            <a:extLst>
+              <a:ext uri="{FF2B5EF4-FFF2-40B4-BE49-F238E27FC236}">
+                <a16:creationId xmlns:a16="http://schemas.microsoft.com/office/drawing/2014/main" id="{A57D96C8-EB90-4CB5-BD4E-D0388DAD9D08}"/>
+              </a:ext>
+            </a:extLst>
+          </p:cNvPr>
+          <p:cNvSpPr/>
+          <p:nvPr/>
+        </p:nvSpPr>
+        <p:spPr>
+          <a:xfrm>
+            <a:off x="8874319" y="4881476"/>
+            <a:ext cx="492528" cy="518003"/>
+          </a:xfrm>
+          <a:prstGeom prst="rect">
+            <a:avLst/>
+          </a:prstGeom>
+          <a:solidFill>
+            <a:srgbClr val="FFFF00"/>
+          </a:solidFill>
+        </p:spPr>
+        <p:style>
+          <a:lnRef idx="2">
+            <a:schemeClr val="accent1">
+              <a:shade val="50000"/>
+            </a:schemeClr>
+          </a:lnRef>
+          <a:fillRef idx="1">
+            <a:schemeClr val="accent1"/>
+          </a:fillRef>
+          <a:effectRef idx="0">
+            <a:schemeClr val="accent1"/>
+          </a:effectRef>
+          <a:fontRef idx="minor">
+            <a:schemeClr val="lt1"/>
+          </a:fontRef>
+        </p:style>
+        <p:txBody>
+          <a:bodyPr rtlCol="0" anchor="ctr"/>
+          <a:lstStyle/>
+          <a:p>
+            <a:pPr algn="ctr"/>
+            <a:r>
+              <a:rPr lang="en-US" dirty="0">
+                <a:solidFill>
+                  <a:schemeClr val="tx1"/>
+                </a:solidFill>
+              </a:rPr>
+              <a:t>I/F</a:t>
+            </a:r>
+          </a:p>
+        </p:txBody>
+      </p:sp>
+      <p:sp>
+        <p:nvSpPr>
+          <p:cNvPr id="25" name="Oval 24">
+            <a:extLst>
+              <a:ext uri="{FF2B5EF4-FFF2-40B4-BE49-F238E27FC236}">
+                <a16:creationId xmlns:a16="http://schemas.microsoft.com/office/drawing/2014/main" id="{A6BA0B9F-E121-4A4E-997E-1316F74C35BC}"/>
+              </a:ext>
+            </a:extLst>
+          </p:cNvPr>
+          <p:cNvSpPr/>
+          <p:nvPr/>
+        </p:nvSpPr>
+        <p:spPr>
+          <a:xfrm>
+            <a:off x="6186396" y="5044444"/>
+            <a:ext cx="286573" cy="281652"/>
+          </a:xfrm>
+          <a:prstGeom prst="ellipse">
+            <a:avLst/>
+          </a:prstGeom>
+          <a:noFill/>
+          <a:ln>
             <a:solidFill>
-              <a:srgbClr val="FFFF99"/>
+              <a:schemeClr val="tx1"/>
             </a:solidFill>
-            <a:ln>
-              <a:solidFill>
-                <a:sysClr val="windowText" lastClr="000000"/>
-              </a:solidFill>
-            </a:ln>
-          </p:spPr>
-          <p:txBody>
-            <a:bodyPr rot="0" spcFirstLastPara="0" vertOverflow="overflow" horzOverflow="overflow" vert="horz" wrap="square" lIns="91440" tIns="45720" rIns="91440" bIns="45720" numCol="1" spcCol="0" rtlCol="0" fromWordArt="0" anchor="t" anchorCtr="0" forceAA="0" compatLnSpc="1">
-              <a:prstTxWarp prst="textNoShape">
-                <a:avLst/>
-              </a:prstTxWarp>
-              <a:noAutofit/>
-            </a:bodyPr>
-            <a:lstStyle/>
-            <a:p>
-              <a:pPr algn="ctr"/>
-              <a:r>
-                <a:rPr lang="en-US" sz="1400" kern="0" dirty="0">
-                  <a:solidFill>
-                    <a:prstClr val="black"/>
-                  </a:solidFill>
-                  <a:latin typeface="Calibri" panose="020F0502020204030204"/>
-                </a:rPr>
-                <a:t>Configuration</a:t>
-              </a:r>
-            </a:p>
-          </p:txBody>
-        </p:sp>
-      </p:grpSp>
+          </a:ln>
+        </p:spPr>
+        <p:style>
+          <a:lnRef idx="2">
+            <a:schemeClr val="accent1">
+              <a:shade val="50000"/>
+            </a:schemeClr>
+          </a:lnRef>
+          <a:fillRef idx="1">
+            <a:schemeClr val="accent1"/>
+          </a:fillRef>
+          <a:effectRef idx="0">
+            <a:schemeClr val="accent1"/>
+          </a:effectRef>
+          <a:fontRef idx="minor">
+            <a:schemeClr val="lt1"/>
+          </a:fontRef>
+        </p:style>
+        <p:txBody>
+          <a:bodyPr rtlCol="0" anchor="ctr"/>
+          <a:lstStyle/>
+          <a:p>
+            <a:pPr algn="ctr"/>
+            <a:endParaRPr lang="en-US"/>
+          </a:p>
+        </p:txBody>
+      </p:sp>
+      <p:sp>
+        <p:nvSpPr>
+          <p:cNvPr id="26" name="Rectangle: Rounded Corners 25">
+            <a:extLst>
+              <a:ext uri="{FF2B5EF4-FFF2-40B4-BE49-F238E27FC236}">
+                <a16:creationId xmlns:a16="http://schemas.microsoft.com/office/drawing/2014/main" id="{C6175F5F-4362-4F2A-82A6-437600456CAA}"/>
+              </a:ext>
+            </a:extLst>
+          </p:cNvPr>
+          <p:cNvSpPr/>
+          <p:nvPr/>
+        </p:nvSpPr>
+        <p:spPr>
+          <a:xfrm>
+            <a:off x="6687781" y="5062724"/>
+            <a:ext cx="769793" cy="232779"/>
+          </a:xfrm>
+          <a:prstGeom prst="roundRect">
+            <a:avLst/>
+          </a:prstGeom>
+          <a:solidFill>
+            <a:schemeClr val="bg1">
+              <a:lumMod val="65000"/>
+            </a:schemeClr>
+          </a:solidFill>
+        </p:spPr>
+        <p:style>
+          <a:lnRef idx="2">
+            <a:schemeClr val="accent1">
+              <a:shade val="50000"/>
+            </a:schemeClr>
+          </a:lnRef>
+          <a:fillRef idx="1">
+            <a:schemeClr val="accent1"/>
+          </a:fillRef>
+          <a:effectRef idx="0">
+            <a:schemeClr val="accent1"/>
+          </a:effectRef>
+          <a:fontRef idx="minor">
+            <a:schemeClr val="lt1"/>
+          </a:fontRef>
+        </p:style>
+        <p:txBody>
+          <a:bodyPr rtlCol="0" anchor="ctr">
+            <a:normAutofit fontScale="47500" lnSpcReduction="20000"/>
+          </a:bodyPr>
+          <a:lstStyle/>
+          <a:p>
+            <a:pPr algn="ctr"/>
+            <a:r>
+              <a:rPr lang="en-US" dirty="0"/>
+              <a:t>dispatch</a:t>
+            </a:r>
+          </a:p>
+        </p:txBody>
+      </p:sp>
+      <p:cxnSp>
+        <p:nvCxnSpPr>
+          <p:cNvPr id="28" name="Straight Connector 27">
+            <a:extLst>
+              <a:ext uri="{FF2B5EF4-FFF2-40B4-BE49-F238E27FC236}">
+                <a16:creationId xmlns:a16="http://schemas.microsoft.com/office/drawing/2014/main" id="{89C00301-B6BB-4574-805D-19AF644EE6AD}"/>
+              </a:ext>
+            </a:extLst>
+          </p:cNvPr>
+          <p:cNvCxnSpPr>
+            <a:cxnSpLocks/>
+            <a:endCxn id="29" idx="6"/>
+          </p:cNvCxnSpPr>
+          <p:nvPr/>
+        </p:nvCxnSpPr>
+        <p:spPr>
+          <a:xfrm flipH="1">
+            <a:off x="6465414" y="3340791"/>
+            <a:ext cx="214812" cy="6156"/>
+          </a:xfrm>
+          <a:prstGeom prst="line">
+            <a:avLst/>
+          </a:prstGeom>
+          <a:ln w="12700">
+            <a:solidFill>
+              <a:schemeClr val="tx1"/>
+            </a:solidFill>
+          </a:ln>
+        </p:spPr>
+        <p:style>
+          <a:lnRef idx="1">
+            <a:schemeClr val="accent1"/>
+          </a:lnRef>
+          <a:fillRef idx="0">
+            <a:schemeClr val="accent1"/>
+          </a:fillRef>
+          <a:effectRef idx="0">
+            <a:schemeClr val="accent1"/>
+          </a:effectRef>
+          <a:fontRef idx="minor">
+            <a:schemeClr val="tx1"/>
+          </a:fontRef>
+        </p:style>
+      </p:cxnSp>
+      <p:sp>
+        <p:nvSpPr>
+          <p:cNvPr id="29" name="Oval 28">
+            <a:extLst>
+              <a:ext uri="{FF2B5EF4-FFF2-40B4-BE49-F238E27FC236}">
+                <a16:creationId xmlns:a16="http://schemas.microsoft.com/office/drawing/2014/main" id="{B20ABCDC-F62C-45CA-9BA5-D179B38C37AD}"/>
+              </a:ext>
+            </a:extLst>
+          </p:cNvPr>
+          <p:cNvSpPr/>
+          <p:nvPr/>
+        </p:nvSpPr>
+        <p:spPr>
+          <a:xfrm>
+            <a:off x="6178841" y="3206121"/>
+            <a:ext cx="286573" cy="281652"/>
+          </a:xfrm>
+          <a:prstGeom prst="ellipse">
+            <a:avLst/>
+          </a:prstGeom>
+          <a:noFill/>
+          <a:ln>
+            <a:solidFill>
+              <a:schemeClr val="tx1"/>
+            </a:solidFill>
+          </a:ln>
+        </p:spPr>
+        <p:style>
+          <a:lnRef idx="2">
+            <a:schemeClr val="accent1">
+              <a:shade val="50000"/>
+            </a:schemeClr>
+          </a:lnRef>
+          <a:fillRef idx="1">
+            <a:schemeClr val="accent1"/>
+          </a:fillRef>
+          <a:effectRef idx="0">
+            <a:schemeClr val="accent1"/>
+          </a:effectRef>
+          <a:fontRef idx="minor">
+            <a:schemeClr val="lt1"/>
+          </a:fontRef>
+        </p:style>
+        <p:txBody>
+          <a:bodyPr rtlCol="0" anchor="ctr"/>
+          <a:lstStyle/>
+          <a:p>
+            <a:pPr algn="ctr"/>
+            <a:endParaRPr lang="en-US"/>
+          </a:p>
+        </p:txBody>
+      </p:sp>
+      <p:sp>
+        <p:nvSpPr>
+          <p:cNvPr id="30" name="Rectangle: Rounded Corners 29">
+            <a:extLst>
+              <a:ext uri="{FF2B5EF4-FFF2-40B4-BE49-F238E27FC236}">
+                <a16:creationId xmlns:a16="http://schemas.microsoft.com/office/drawing/2014/main" id="{E0937D3E-2635-4954-ADD9-B1E97F8FCC95}"/>
+              </a:ext>
+            </a:extLst>
+          </p:cNvPr>
+          <p:cNvSpPr/>
+          <p:nvPr/>
+        </p:nvSpPr>
+        <p:spPr>
+          <a:xfrm>
+            <a:off x="6679214" y="3663480"/>
+            <a:ext cx="769793" cy="232779"/>
+          </a:xfrm>
+          <a:prstGeom prst="roundRect">
+            <a:avLst/>
+          </a:prstGeom>
+          <a:solidFill>
+            <a:schemeClr val="bg1">
+              <a:lumMod val="65000"/>
+            </a:schemeClr>
+          </a:solidFill>
+        </p:spPr>
+        <p:style>
+          <a:lnRef idx="2">
+            <a:schemeClr val="accent1">
+              <a:shade val="50000"/>
+            </a:schemeClr>
+          </a:lnRef>
+          <a:fillRef idx="1">
+            <a:schemeClr val="accent1"/>
+          </a:fillRef>
+          <a:effectRef idx="0">
+            <a:schemeClr val="accent1"/>
+          </a:effectRef>
+          <a:fontRef idx="minor">
+            <a:schemeClr val="lt1"/>
+          </a:fontRef>
+        </p:style>
+        <p:txBody>
+          <a:bodyPr rtlCol="0" anchor="ctr">
+            <a:normAutofit fontScale="47500" lnSpcReduction="20000"/>
+          </a:bodyPr>
+          <a:lstStyle/>
+          <a:p>
+            <a:pPr algn="ctr"/>
+            <a:r>
+              <a:rPr lang="en-US" dirty="0"/>
+              <a:t>dispatch</a:t>
+            </a:r>
+          </a:p>
+        </p:txBody>
+      </p:sp>
+      <p:sp>
+        <p:nvSpPr>
+          <p:cNvPr id="31" name="Rectangle 30">
+            <a:extLst>
+              <a:ext uri="{FF2B5EF4-FFF2-40B4-BE49-F238E27FC236}">
+                <a16:creationId xmlns:a16="http://schemas.microsoft.com/office/drawing/2014/main" id="{73EDF0FA-56BC-4545-8D89-05199C8FFCE1}"/>
+              </a:ext>
+            </a:extLst>
+          </p:cNvPr>
+          <p:cNvSpPr/>
+          <p:nvPr/>
+        </p:nvSpPr>
+        <p:spPr>
+          <a:xfrm>
+            <a:off x="8872693" y="3596425"/>
+            <a:ext cx="492528" cy="518003"/>
+          </a:xfrm>
+          <a:prstGeom prst="rect">
+            <a:avLst/>
+          </a:prstGeom>
+          <a:solidFill>
+            <a:srgbClr val="FFFF00"/>
+          </a:solidFill>
+        </p:spPr>
+        <p:style>
+          <a:lnRef idx="2">
+            <a:schemeClr val="accent1">
+              <a:shade val="50000"/>
+            </a:schemeClr>
+          </a:lnRef>
+          <a:fillRef idx="1">
+            <a:schemeClr val="accent1"/>
+          </a:fillRef>
+          <a:effectRef idx="0">
+            <a:schemeClr val="accent1"/>
+          </a:effectRef>
+          <a:fontRef idx="minor">
+            <a:schemeClr val="lt1"/>
+          </a:fontRef>
+        </p:style>
+        <p:txBody>
+          <a:bodyPr rtlCol="0" anchor="ctr"/>
+          <a:lstStyle/>
+          <a:p>
+            <a:pPr algn="ctr"/>
+            <a:r>
+              <a:rPr lang="en-US" dirty="0">
+                <a:solidFill>
+                  <a:schemeClr val="tx1"/>
+                </a:solidFill>
+              </a:rPr>
+              <a:t>I/F</a:t>
+            </a:r>
+          </a:p>
+        </p:txBody>
+      </p:sp>
+      <p:sp>
+        <p:nvSpPr>
+          <p:cNvPr id="32" name="Rectangle 31">
+            <a:extLst>
+              <a:ext uri="{FF2B5EF4-FFF2-40B4-BE49-F238E27FC236}">
+                <a16:creationId xmlns:a16="http://schemas.microsoft.com/office/drawing/2014/main" id="{144DE107-ECB3-4DF8-8DE1-2A25142E43F3}"/>
+              </a:ext>
+            </a:extLst>
+          </p:cNvPr>
+          <p:cNvSpPr/>
+          <p:nvPr/>
+        </p:nvSpPr>
+        <p:spPr>
+          <a:xfrm>
+            <a:off x="9400892" y="3037408"/>
+            <a:ext cx="806837" cy="518003"/>
+          </a:xfrm>
+          <a:prstGeom prst="rect">
+            <a:avLst/>
+          </a:prstGeom>
+          <a:solidFill>
+            <a:srgbClr val="FFFF00"/>
+          </a:solidFill>
+        </p:spPr>
+        <p:style>
+          <a:lnRef idx="2">
+            <a:schemeClr val="accent1">
+              <a:shade val="50000"/>
+            </a:schemeClr>
+          </a:lnRef>
+          <a:fillRef idx="1">
+            <a:schemeClr val="accent1"/>
+          </a:fillRef>
+          <a:effectRef idx="0">
+            <a:schemeClr val="accent1"/>
+          </a:effectRef>
+          <a:fontRef idx="minor">
+            <a:schemeClr val="lt1"/>
+          </a:fontRef>
+        </p:style>
+        <p:txBody>
+          <a:bodyPr rtlCol="0" anchor="ctr"/>
+          <a:lstStyle/>
+          <a:p>
+            <a:pPr algn="ctr"/>
+            <a:r>
+              <a:rPr lang="en-US" dirty="0">
+                <a:solidFill>
+                  <a:schemeClr val="tx1"/>
+                </a:solidFill>
+              </a:rPr>
+              <a:t>{</a:t>
+            </a:r>
+            <a:r>
+              <a:rPr lang="en-US" dirty="0" err="1">
+                <a:solidFill>
+                  <a:schemeClr val="tx1"/>
+                </a:solidFill>
+              </a:rPr>
+              <a:t>impl</a:t>
+            </a:r>
+            <a:r>
+              <a:rPr lang="en-US" dirty="0">
+                <a:solidFill>
+                  <a:schemeClr val="tx1"/>
+                </a:solidFill>
+              </a:rPr>
+              <a:t>}</a:t>
+            </a:r>
+          </a:p>
+        </p:txBody>
+      </p:sp>
+      <p:sp>
+        <p:nvSpPr>
+          <p:cNvPr id="33" name="Rectangle 32">
+            <a:extLst>
+              <a:ext uri="{FF2B5EF4-FFF2-40B4-BE49-F238E27FC236}">
+                <a16:creationId xmlns:a16="http://schemas.microsoft.com/office/drawing/2014/main" id="{2F88B847-D376-4A84-951C-E09D3156E569}"/>
+              </a:ext>
+            </a:extLst>
+          </p:cNvPr>
+          <p:cNvSpPr/>
+          <p:nvPr/>
+        </p:nvSpPr>
+        <p:spPr>
+          <a:xfrm>
+            <a:off x="1567936" y="4014184"/>
+            <a:ext cx="492528" cy="482865"/>
+          </a:xfrm>
+          <a:prstGeom prst="rect">
+            <a:avLst/>
+          </a:prstGeom>
+          <a:solidFill>
+            <a:srgbClr val="FFFF00"/>
+          </a:solidFill>
+        </p:spPr>
+        <p:style>
+          <a:lnRef idx="2">
+            <a:schemeClr val="accent1">
+              <a:shade val="50000"/>
+            </a:schemeClr>
+          </a:lnRef>
+          <a:fillRef idx="1">
+            <a:schemeClr val="accent1"/>
+          </a:fillRef>
+          <a:effectRef idx="0">
+            <a:schemeClr val="accent1"/>
+          </a:effectRef>
+          <a:fontRef idx="minor">
+            <a:schemeClr val="lt1"/>
+          </a:fontRef>
+        </p:style>
+        <p:txBody>
+          <a:bodyPr rtlCol="0" anchor="ctr"/>
+          <a:lstStyle/>
+          <a:p>
+            <a:pPr algn="ctr"/>
+            <a:r>
+              <a:rPr lang="en-US" dirty="0">
+                <a:solidFill>
+                  <a:schemeClr val="tx1"/>
+                </a:solidFill>
+              </a:rPr>
+              <a:t>I/F</a:t>
+            </a:r>
+          </a:p>
+        </p:txBody>
+      </p:sp>
+      <p:sp>
+        <p:nvSpPr>
+          <p:cNvPr id="36" name="TextBox 35">
+            <a:extLst>
+              <a:ext uri="{FF2B5EF4-FFF2-40B4-BE49-F238E27FC236}">
+                <a16:creationId xmlns:a16="http://schemas.microsoft.com/office/drawing/2014/main" id="{B1F6389D-59CA-4B75-88A7-1BB67F470929}"/>
+              </a:ext>
+            </a:extLst>
+          </p:cNvPr>
+          <p:cNvSpPr txBox="1"/>
+          <p:nvPr/>
+        </p:nvSpPr>
+        <p:spPr>
+          <a:xfrm>
+            <a:off x="844140" y="4075081"/>
+            <a:ext cx="682975" cy="369332"/>
+          </a:xfrm>
+          <a:prstGeom prst="rect">
+            <a:avLst/>
+          </a:prstGeom>
+          <a:solidFill>
+            <a:srgbClr val="FFFF00"/>
+          </a:solidFill>
+          <a:ln>
+            <a:solidFill>
+              <a:schemeClr val="tx1"/>
+            </a:solidFill>
+          </a:ln>
+        </p:spPr>
+        <p:txBody>
+          <a:bodyPr wrap="square" rtlCol="0">
+            <a:spAutoFit/>
+          </a:bodyPr>
+          <a:lstStyle/>
+          <a:p>
+            <a:r>
+              <a:rPr lang="en-US" dirty="0"/>
+              <a:t>{call}</a:t>
+            </a:r>
+          </a:p>
+        </p:txBody>
+      </p:sp>
+      <p:cxnSp>
+        <p:nvCxnSpPr>
+          <p:cNvPr id="39" name="Straight Connector 38">
+            <a:extLst>
+              <a:ext uri="{FF2B5EF4-FFF2-40B4-BE49-F238E27FC236}">
+                <a16:creationId xmlns:a16="http://schemas.microsoft.com/office/drawing/2014/main" id="{D542816D-D1AD-4D8B-A329-67476A918A10}"/>
+              </a:ext>
+            </a:extLst>
+          </p:cNvPr>
+          <p:cNvCxnSpPr>
+            <a:cxnSpLocks/>
+          </p:cNvCxnSpPr>
+          <p:nvPr/>
+        </p:nvCxnSpPr>
+        <p:spPr>
+          <a:xfrm flipH="1" flipV="1">
+            <a:off x="4720386" y="4302920"/>
+            <a:ext cx="1413644" cy="778670"/>
+          </a:xfrm>
+          <a:prstGeom prst="line">
+            <a:avLst/>
+          </a:prstGeom>
+          <a:ln w="12700">
+            <a:solidFill>
+              <a:schemeClr val="bg1">
+                <a:lumMod val="50000"/>
+              </a:schemeClr>
+            </a:solidFill>
+            <a:prstDash val="dash"/>
+            <a:headEnd type="arrow"/>
+          </a:ln>
+        </p:spPr>
+        <p:style>
+          <a:lnRef idx="1">
+            <a:schemeClr val="accent1"/>
+          </a:lnRef>
+          <a:fillRef idx="0">
+            <a:schemeClr val="accent1"/>
+          </a:fillRef>
+          <a:effectRef idx="0">
+            <a:schemeClr val="accent1"/>
+          </a:effectRef>
+          <a:fontRef idx="minor">
+            <a:schemeClr val="tx1"/>
+          </a:fontRef>
+        </p:style>
+      </p:cxnSp>
+      <p:sp>
+        <p:nvSpPr>
+          <p:cNvPr id="40" name="Arc 39">
+            <a:extLst>
+              <a:ext uri="{FF2B5EF4-FFF2-40B4-BE49-F238E27FC236}">
+                <a16:creationId xmlns:a16="http://schemas.microsoft.com/office/drawing/2014/main" id="{6056021F-53FA-49BA-A6B1-2437EB80C948}"/>
+              </a:ext>
+            </a:extLst>
+          </p:cNvPr>
+          <p:cNvSpPr/>
+          <p:nvPr/>
+        </p:nvSpPr>
+        <p:spPr>
+          <a:xfrm rot="10800000">
+            <a:off x="4445472" y="4108773"/>
+            <a:ext cx="345042" cy="354369"/>
+          </a:xfrm>
+          <a:prstGeom prst="arc">
+            <a:avLst>
+              <a:gd name="adj1" fmla="val 16200000"/>
+              <a:gd name="adj2" fmla="val 5657069"/>
+            </a:avLst>
+          </a:prstGeom>
+          <a:ln w="12700">
+            <a:solidFill>
+              <a:schemeClr val="tx1"/>
+            </a:solidFill>
+          </a:ln>
+        </p:spPr>
+        <p:style>
+          <a:lnRef idx="1">
+            <a:schemeClr val="accent1"/>
+          </a:lnRef>
+          <a:fillRef idx="0">
+            <a:schemeClr val="accent1"/>
+          </a:fillRef>
+          <a:effectRef idx="0">
+            <a:schemeClr val="accent1"/>
+          </a:effectRef>
+          <a:fontRef idx="minor">
+            <a:schemeClr val="tx1"/>
+          </a:fontRef>
+        </p:style>
+        <p:txBody>
+          <a:bodyPr rtlCol="0" anchor="ctr"/>
+          <a:lstStyle/>
+          <a:p>
+            <a:pPr algn="ctr"/>
+            <a:endParaRPr lang="en-US"/>
+          </a:p>
+        </p:txBody>
+      </p:sp>
+      <p:sp>
+        <p:nvSpPr>
+          <p:cNvPr id="41" name="Rectangle: Rounded Corners 40">
+            <a:extLst>
+              <a:ext uri="{FF2B5EF4-FFF2-40B4-BE49-F238E27FC236}">
+                <a16:creationId xmlns:a16="http://schemas.microsoft.com/office/drawing/2014/main" id="{A9C5A301-DF0E-499B-8F9D-F0EB61F38218}"/>
+              </a:ext>
+            </a:extLst>
+          </p:cNvPr>
+          <p:cNvSpPr/>
+          <p:nvPr/>
+        </p:nvSpPr>
+        <p:spPr>
+          <a:xfrm>
+            <a:off x="3532344" y="4162420"/>
+            <a:ext cx="590603" cy="232779"/>
+          </a:xfrm>
+          <a:prstGeom prst="roundRect">
+            <a:avLst/>
+          </a:prstGeom>
+          <a:solidFill>
+            <a:schemeClr val="bg1">
+              <a:lumMod val="65000"/>
+            </a:schemeClr>
+          </a:solidFill>
+        </p:spPr>
+        <p:style>
+          <a:lnRef idx="2">
+            <a:schemeClr val="accent1">
+              <a:shade val="50000"/>
+            </a:schemeClr>
+          </a:lnRef>
+          <a:fillRef idx="1">
+            <a:schemeClr val="accent1"/>
+          </a:fillRef>
+          <a:effectRef idx="0">
+            <a:schemeClr val="accent1"/>
+          </a:effectRef>
+          <a:fontRef idx="minor">
+            <a:schemeClr val="lt1"/>
+          </a:fontRef>
+        </p:style>
+        <p:txBody>
+          <a:bodyPr rtlCol="0" anchor="ctr">
+            <a:normAutofit fontScale="47500" lnSpcReduction="20000"/>
+          </a:bodyPr>
+          <a:lstStyle/>
+          <a:p>
+            <a:pPr algn="ctr"/>
+            <a:r>
+              <a:rPr lang="en-US" dirty="0"/>
+              <a:t>stub</a:t>
+            </a:r>
+          </a:p>
+        </p:txBody>
+      </p:sp>
+      <p:cxnSp>
+        <p:nvCxnSpPr>
+          <p:cNvPr id="42" name="Straight Connector 41">
+            <a:extLst>
+              <a:ext uri="{FF2B5EF4-FFF2-40B4-BE49-F238E27FC236}">
+                <a16:creationId xmlns:a16="http://schemas.microsoft.com/office/drawing/2014/main" id="{00EF4B00-8260-4A01-8146-4A33D038277F}"/>
+              </a:ext>
+            </a:extLst>
+          </p:cNvPr>
+          <p:cNvCxnSpPr>
+            <a:cxnSpLocks/>
+          </p:cNvCxnSpPr>
+          <p:nvPr/>
+        </p:nvCxnSpPr>
+        <p:spPr>
+          <a:xfrm flipH="1">
+            <a:off x="4122947" y="4278320"/>
+            <a:ext cx="320019" cy="6156"/>
+          </a:xfrm>
+          <a:prstGeom prst="line">
+            <a:avLst/>
+          </a:prstGeom>
+          <a:ln w="12700">
+            <a:solidFill>
+              <a:schemeClr val="tx1"/>
+            </a:solidFill>
+          </a:ln>
+        </p:spPr>
+        <p:style>
+          <a:lnRef idx="1">
+            <a:schemeClr val="accent1"/>
+          </a:lnRef>
+          <a:fillRef idx="0">
+            <a:schemeClr val="accent1"/>
+          </a:fillRef>
+          <a:effectRef idx="0">
+            <a:schemeClr val="accent1"/>
+          </a:effectRef>
+          <a:fontRef idx="minor">
+            <a:schemeClr val="tx1"/>
+          </a:fontRef>
+        </p:style>
+      </p:cxnSp>
+      <p:cxnSp>
+        <p:nvCxnSpPr>
+          <p:cNvPr id="47" name="Straight Connector 46">
+            <a:extLst>
+              <a:ext uri="{FF2B5EF4-FFF2-40B4-BE49-F238E27FC236}">
+                <a16:creationId xmlns:a16="http://schemas.microsoft.com/office/drawing/2014/main" id="{234E1C3E-586F-4B76-B7FF-346FB871D5AC}"/>
+              </a:ext>
+            </a:extLst>
+          </p:cNvPr>
+          <p:cNvCxnSpPr>
+            <a:cxnSpLocks/>
+          </p:cNvCxnSpPr>
+          <p:nvPr/>
+        </p:nvCxnSpPr>
+        <p:spPr>
+          <a:xfrm flipH="1" flipV="1">
+            <a:off x="4726820" y="3763624"/>
+            <a:ext cx="1407210" cy="4540"/>
+          </a:xfrm>
+          <a:prstGeom prst="line">
+            <a:avLst/>
+          </a:prstGeom>
+          <a:ln w="12700">
+            <a:solidFill>
+              <a:schemeClr val="bg1">
+                <a:lumMod val="50000"/>
+              </a:schemeClr>
+            </a:solidFill>
+            <a:prstDash val="dash"/>
+            <a:headEnd type="arrow"/>
+          </a:ln>
+        </p:spPr>
+        <p:style>
+          <a:lnRef idx="1">
+            <a:schemeClr val="accent1"/>
+          </a:lnRef>
+          <a:fillRef idx="0">
+            <a:schemeClr val="accent1"/>
+          </a:fillRef>
+          <a:effectRef idx="0">
+            <a:schemeClr val="accent1"/>
+          </a:effectRef>
+          <a:fontRef idx="minor">
+            <a:schemeClr val="tx1"/>
+          </a:fontRef>
+        </p:style>
+      </p:cxnSp>
+      <p:sp>
+        <p:nvSpPr>
+          <p:cNvPr id="48" name="Arc 47">
+            <a:extLst>
+              <a:ext uri="{FF2B5EF4-FFF2-40B4-BE49-F238E27FC236}">
+                <a16:creationId xmlns:a16="http://schemas.microsoft.com/office/drawing/2014/main" id="{CF5FDB88-5BD1-4C1B-8F0D-4B12873BB96F}"/>
+              </a:ext>
+            </a:extLst>
+          </p:cNvPr>
+          <p:cNvSpPr/>
+          <p:nvPr/>
+        </p:nvSpPr>
+        <p:spPr>
+          <a:xfrm rot="10800000">
+            <a:off x="4441849" y="3598617"/>
+            <a:ext cx="345042" cy="354369"/>
+          </a:xfrm>
+          <a:prstGeom prst="arc">
+            <a:avLst>
+              <a:gd name="adj1" fmla="val 16200000"/>
+              <a:gd name="adj2" fmla="val 5657069"/>
+            </a:avLst>
+          </a:prstGeom>
+          <a:ln w="12700">
+            <a:solidFill>
+              <a:schemeClr val="tx1"/>
+            </a:solidFill>
+          </a:ln>
+        </p:spPr>
+        <p:style>
+          <a:lnRef idx="1">
+            <a:schemeClr val="accent1"/>
+          </a:lnRef>
+          <a:fillRef idx="0">
+            <a:schemeClr val="accent1"/>
+          </a:fillRef>
+          <a:effectRef idx="0">
+            <a:schemeClr val="accent1"/>
+          </a:effectRef>
+          <a:fontRef idx="minor">
+            <a:schemeClr val="tx1"/>
+          </a:fontRef>
+        </p:style>
+        <p:txBody>
+          <a:bodyPr rtlCol="0" anchor="ctr"/>
+          <a:lstStyle/>
+          <a:p>
+            <a:pPr algn="ctr"/>
+            <a:endParaRPr lang="en-US"/>
+          </a:p>
+        </p:txBody>
+      </p:sp>
+      <p:sp>
+        <p:nvSpPr>
+          <p:cNvPr id="49" name="Rectangle: Rounded Corners 48">
+            <a:extLst>
+              <a:ext uri="{FF2B5EF4-FFF2-40B4-BE49-F238E27FC236}">
+                <a16:creationId xmlns:a16="http://schemas.microsoft.com/office/drawing/2014/main" id="{8E0D621B-0E31-48C4-83D0-FF0839C45C83}"/>
+              </a:ext>
+            </a:extLst>
+          </p:cNvPr>
+          <p:cNvSpPr/>
+          <p:nvPr/>
+        </p:nvSpPr>
+        <p:spPr>
+          <a:xfrm>
+            <a:off x="3528721" y="3652264"/>
+            <a:ext cx="590603" cy="232779"/>
+          </a:xfrm>
+          <a:prstGeom prst="roundRect">
+            <a:avLst/>
+          </a:prstGeom>
+          <a:solidFill>
+            <a:schemeClr val="bg1">
+              <a:lumMod val="65000"/>
+            </a:schemeClr>
+          </a:solidFill>
+        </p:spPr>
+        <p:style>
+          <a:lnRef idx="2">
+            <a:schemeClr val="accent1">
+              <a:shade val="50000"/>
+            </a:schemeClr>
+          </a:lnRef>
+          <a:fillRef idx="1">
+            <a:schemeClr val="accent1"/>
+          </a:fillRef>
+          <a:effectRef idx="0">
+            <a:schemeClr val="accent1"/>
+          </a:effectRef>
+          <a:fontRef idx="minor">
+            <a:schemeClr val="lt1"/>
+          </a:fontRef>
+        </p:style>
+        <p:txBody>
+          <a:bodyPr rtlCol="0" anchor="ctr">
+            <a:normAutofit fontScale="47500" lnSpcReduction="20000"/>
+          </a:bodyPr>
+          <a:lstStyle/>
+          <a:p>
+            <a:pPr algn="ctr"/>
+            <a:r>
+              <a:rPr lang="en-US" dirty="0"/>
+              <a:t>stub</a:t>
+            </a:r>
+          </a:p>
+        </p:txBody>
+      </p:sp>
+      <p:cxnSp>
+        <p:nvCxnSpPr>
+          <p:cNvPr id="50" name="Straight Connector 49">
+            <a:extLst>
+              <a:ext uri="{FF2B5EF4-FFF2-40B4-BE49-F238E27FC236}">
+                <a16:creationId xmlns:a16="http://schemas.microsoft.com/office/drawing/2014/main" id="{67920D2F-FF82-4B1E-84DF-BF437981153A}"/>
+              </a:ext>
+            </a:extLst>
+          </p:cNvPr>
+          <p:cNvCxnSpPr>
+            <a:cxnSpLocks/>
+          </p:cNvCxnSpPr>
+          <p:nvPr/>
+        </p:nvCxnSpPr>
+        <p:spPr>
+          <a:xfrm flipH="1">
+            <a:off x="4119324" y="3768164"/>
+            <a:ext cx="320019" cy="6156"/>
+          </a:xfrm>
+          <a:prstGeom prst="line">
+            <a:avLst/>
+          </a:prstGeom>
+          <a:ln w="12700">
+            <a:solidFill>
+              <a:schemeClr val="tx1"/>
+            </a:solidFill>
+          </a:ln>
+        </p:spPr>
+        <p:style>
+          <a:lnRef idx="1">
+            <a:schemeClr val="accent1"/>
+          </a:lnRef>
+          <a:fillRef idx="0">
+            <a:schemeClr val="accent1"/>
+          </a:fillRef>
+          <a:effectRef idx="0">
+            <a:schemeClr val="accent1"/>
+          </a:effectRef>
+          <a:fontRef idx="minor">
+            <a:schemeClr val="tx1"/>
+          </a:fontRef>
+        </p:style>
+      </p:cxnSp>
+      <p:sp>
+        <p:nvSpPr>
+          <p:cNvPr id="54" name="Rectangle 53">
+            <a:extLst>
+              <a:ext uri="{FF2B5EF4-FFF2-40B4-BE49-F238E27FC236}">
+                <a16:creationId xmlns:a16="http://schemas.microsoft.com/office/drawing/2014/main" id="{1B196353-3FC0-4891-A61A-714B45753189}"/>
+              </a:ext>
+            </a:extLst>
+          </p:cNvPr>
+          <p:cNvSpPr/>
+          <p:nvPr/>
+        </p:nvSpPr>
+        <p:spPr>
+          <a:xfrm>
+            <a:off x="1577761" y="3504180"/>
+            <a:ext cx="492528" cy="463234"/>
+          </a:xfrm>
+          <a:prstGeom prst="rect">
+            <a:avLst/>
+          </a:prstGeom>
+          <a:solidFill>
+            <a:srgbClr val="FFFF00"/>
+          </a:solidFill>
+        </p:spPr>
+        <p:style>
+          <a:lnRef idx="2">
+            <a:schemeClr val="accent1">
+              <a:shade val="50000"/>
+            </a:schemeClr>
+          </a:lnRef>
+          <a:fillRef idx="1">
+            <a:schemeClr val="accent1"/>
+          </a:fillRef>
+          <a:effectRef idx="0">
+            <a:schemeClr val="accent1"/>
+          </a:effectRef>
+          <a:fontRef idx="minor">
+            <a:schemeClr val="lt1"/>
+          </a:fontRef>
+        </p:style>
+        <p:txBody>
+          <a:bodyPr rtlCol="0" anchor="ctr"/>
+          <a:lstStyle/>
+          <a:p>
+            <a:pPr algn="ctr"/>
+            <a:r>
+              <a:rPr lang="en-US" dirty="0">
+                <a:solidFill>
+                  <a:schemeClr val="tx1"/>
+                </a:solidFill>
+              </a:rPr>
+              <a:t>I/F</a:t>
+            </a:r>
+          </a:p>
+        </p:txBody>
+      </p:sp>
+      <p:sp>
+        <p:nvSpPr>
+          <p:cNvPr id="55" name="TextBox 54">
+            <a:extLst>
+              <a:ext uri="{FF2B5EF4-FFF2-40B4-BE49-F238E27FC236}">
+                <a16:creationId xmlns:a16="http://schemas.microsoft.com/office/drawing/2014/main" id="{C630EDB7-3D98-485F-A673-7B18A101D6B8}"/>
+              </a:ext>
+            </a:extLst>
+          </p:cNvPr>
+          <p:cNvSpPr txBox="1"/>
+          <p:nvPr/>
+        </p:nvSpPr>
+        <p:spPr>
+          <a:xfrm>
+            <a:off x="853965" y="3553075"/>
+            <a:ext cx="682975" cy="369332"/>
+          </a:xfrm>
+          <a:prstGeom prst="rect">
+            <a:avLst/>
+          </a:prstGeom>
+          <a:solidFill>
+            <a:srgbClr val="FFFF00"/>
+          </a:solidFill>
+          <a:ln>
+            <a:solidFill>
+              <a:schemeClr val="tx1"/>
+            </a:solidFill>
+          </a:ln>
+        </p:spPr>
+        <p:txBody>
+          <a:bodyPr wrap="square" rtlCol="0">
+            <a:spAutoFit/>
+          </a:bodyPr>
+          <a:lstStyle/>
+          <a:p>
+            <a:r>
+              <a:rPr lang="en-US" dirty="0"/>
+              <a:t>{call}</a:t>
+            </a:r>
+          </a:p>
+        </p:txBody>
+      </p:sp>
     </p:spTree>
     <p:extLst>
       <p:ext uri="{BB962C8B-B14F-4D97-AF65-F5344CB8AC3E}">
-        <p14:creationId xmlns:p14="http://schemas.microsoft.com/office/powerpoint/2010/main" val="3174622084"/>
+        <p14:creationId xmlns:p14="http://schemas.microsoft.com/office/powerpoint/2010/main" val="3948470202"/>
       </p:ext>
     </p:extLst>
   </p:cSld>

--- a/docs/overview/SoftwareArchitecture.pptx
+++ b/docs/overview/SoftwareArchitecture.pptx
@@ -5,7 +5,7 @@
     <p:sldMasterId id="2147483660" r:id="rId1"/>
   </p:sldMasterIdLst>
   <p:notesMasterIdLst>
-    <p:notesMasterId r:id="rId11"/>
+    <p:notesMasterId r:id="rId12"/>
   </p:notesMasterIdLst>
   <p:sldIdLst>
     <p:sldId id="258" r:id="rId2"/>
@@ -14,9 +14,10 @@
     <p:sldId id="257" r:id="rId5"/>
     <p:sldId id="261" r:id="rId6"/>
     <p:sldId id="269" r:id="rId7"/>
-    <p:sldId id="272" r:id="rId8"/>
-    <p:sldId id="271" r:id="rId9"/>
-    <p:sldId id="270" r:id="rId10"/>
+    <p:sldId id="273" r:id="rId8"/>
+    <p:sldId id="272" r:id="rId9"/>
+    <p:sldId id="271" r:id="rId10"/>
+    <p:sldId id="270" r:id="rId11"/>
   </p:sldIdLst>
   <p:sldSz cx="12192000" cy="6858000"/>
   <p:notesSz cx="6858000" cy="9144000"/>
@@ -126,6 +127,10 @@
 </p:presentation>
 </file>
 
+<file path=ppt/revisionInfo.xml><?xml version="1.0" encoding="utf-8"?>
+<p1510:revInfo xmlns:a="http://schemas.openxmlformats.org/drawingml/2006/main" xmlns:r="http://schemas.openxmlformats.org/officeDocument/2006/relationships" xmlns:p1510="http://schemas.microsoft.com/office/powerpoint/2015/10/main"/>
+</file>
+
 <file path=ppt/notesMasters/notesMaster1.xml><?xml version="1.0" encoding="utf-8"?>
 <p:notesMaster xmlns:a="http://schemas.openxmlformats.org/drawingml/2006/main" xmlns:r="http://schemas.openxmlformats.org/officeDocument/2006/relationships" xmlns:p="http://schemas.openxmlformats.org/presentationml/2006/main">
   <p:cSld>
@@ -208,7 +213,7 @@
           <a:p>
             <a:fld id="{4E55D321-AD45-45AE-BD8C-E85B2B67AF1A}" type="datetimeFigureOut">
               <a:rPr lang="en-US" smtClean="0"/>
-              <a:t>5/18/2018</a:t>
+              <a:t>5/21/2018</a:t>
             </a:fld>
             <a:endParaRPr lang="en-US"/>
           </a:p>
@@ -1451,7 +1456,7 @@
                 <a:tabLst/>
                 <a:defRPr/>
               </a:pPr>
-              <a:t>7</a:t>
+              <a:t>8</a:t>
             </a:fld>
             <a:endParaRPr kumimoji="0" lang="en-US" sz="1200" b="0" i="0" u="none" strike="noStrike" kern="1200" cap="none" spc="0" normalizeH="0" baseline="0" noProof="0">
               <a:ln>
@@ -1595,7 +1600,7 @@
                 <a:tabLst/>
                 <a:defRPr/>
               </a:pPr>
-              <a:t>8</a:t>
+              <a:t>9</a:t>
             </a:fld>
             <a:endParaRPr kumimoji="0" lang="en-US" sz="1200" b="0" i="0" u="none" strike="noStrike" kern="1200" cap="none" spc="0" normalizeH="0" baseline="0" noProof="0">
               <a:ln>
@@ -1739,7 +1744,7 @@
                 <a:tabLst/>
                 <a:defRPr/>
               </a:pPr>
-              <a:t>9</a:t>
+              <a:t>10</a:t>
             </a:fld>
             <a:endParaRPr kumimoji="0" lang="en-US" sz="1200" b="0" i="0" u="none" strike="noStrike" kern="1200" cap="none" spc="0" normalizeH="0" baseline="0" noProof="0">
               <a:ln>
@@ -7867,6 +7872,3768 @@
     <p:extLst>
       <p:ext uri="{BB962C8B-B14F-4D97-AF65-F5344CB8AC3E}">
         <p14:creationId xmlns:p14="http://schemas.microsoft.com/office/powerpoint/2010/main" val="2421536049"/>
+      </p:ext>
+    </p:extLst>
+  </p:cSld>
+  <p:clrMapOvr>
+    <a:masterClrMapping/>
+  </p:clrMapOvr>
+  <mc:AlternateContent xmlns:mc="http://schemas.openxmlformats.org/markup-compatibility/2006" xmlns:p14="http://schemas.microsoft.com/office/powerpoint/2010/main">
+    <mc:Choice Requires="p14">
+      <p:transition spd="med" p14:dur="700">
+        <p:fade/>
+      </p:transition>
+    </mc:Choice>
+    <mc:Fallback xmlns="">
+      <p:transition spd="med">
+        <p:fade/>
+      </p:transition>
+    </mc:Fallback>
+  </mc:AlternateContent>
+</p:sld>
+</file>
+
+<file path=ppt/slides/slide10.xml><?xml version="1.0" encoding="utf-8"?>
+<p:sld xmlns:a="http://schemas.openxmlformats.org/drawingml/2006/main" xmlns:r="http://schemas.openxmlformats.org/officeDocument/2006/relationships" xmlns:p="http://schemas.openxmlformats.org/presentationml/2006/main" showMasterSp="0">
+  <p:cSld>
+    <p:spTree>
+      <p:nvGrpSpPr>
+        <p:cNvPr id="1" name=""/>
+        <p:cNvGrpSpPr/>
+        <p:nvPr/>
+      </p:nvGrpSpPr>
+      <p:grpSpPr>
+        <a:xfrm>
+          <a:off x="0" y="0"/>
+          <a:ext cx="0" cy="0"/>
+          <a:chOff x="0" y="0"/>
+          <a:chExt cx="0" cy="0"/>
+        </a:xfrm>
+      </p:grpSpPr>
+      <p:cxnSp>
+        <p:nvCxnSpPr>
+          <p:cNvPr id="71" name="Straight Connector 70">
+            <a:extLst>
+              <a:ext uri="{FF2B5EF4-FFF2-40B4-BE49-F238E27FC236}">
+                <a16:creationId xmlns:a16="http://schemas.microsoft.com/office/drawing/2014/main" id="{35DD2D65-9713-427A-B45E-E11B4990A6BE}"/>
+              </a:ext>
+            </a:extLst>
+          </p:cNvPr>
+          <p:cNvCxnSpPr>
+            <a:cxnSpLocks/>
+          </p:cNvCxnSpPr>
+          <p:nvPr/>
+        </p:nvCxnSpPr>
+        <p:spPr>
+          <a:xfrm flipH="1">
+            <a:off x="4964688" y="2222012"/>
+            <a:ext cx="320019" cy="6156"/>
+          </a:xfrm>
+          <a:prstGeom prst="line">
+            <a:avLst/>
+          </a:prstGeom>
+          <a:ln w="12700">
+            <a:solidFill>
+              <a:schemeClr val="tx1"/>
+            </a:solidFill>
+          </a:ln>
+        </p:spPr>
+        <p:style>
+          <a:lnRef idx="1">
+            <a:schemeClr val="accent1"/>
+          </a:lnRef>
+          <a:fillRef idx="0">
+            <a:schemeClr val="accent1"/>
+          </a:fillRef>
+          <a:effectRef idx="0">
+            <a:schemeClr val="accent1"/>
+          </a:effectRef>
+          <a:fontRef idx="minor">
+            <a:schemeClr val="tx1"/>
+          </a:fontRef>
+        </p:style>
+      </p:cxnSp>
+      <p:cxnSp>
+        <p:nvCxnSpPr>
+          <p:cNvPr id="67" name="Straight Connector 66">
+            <a:extLst>
+              <a:ext uri="{FF2B5EF4-FFF2-40B4-BE49-F238E27FC236}">
+                <a16:creationId xmlns:a16="http://schemas.microsoft.com/office/drawing/2014/main" id="{03DC1CCA-1062-43E7-B7E9-72B41FA3E04B}"/>
+              </a:ext>
+            </a:extLst>
+          </p:cNvPr>
+          <p:cNvCxnSpPr>
+            <a:cxnSpLocks/>
+          </p:cNvCxnSpPr>
+          <p:nvPr/>
+        </p:nvCxnSpPr>
+        <p:spPr>
+          <a:xfrm flipH="1">
+            <a:off x="4968674" y="1800701"/>
+            <a:ext cx="320019" cy="6156"/>
+          </a:xfrm>
+          <a:prstGeom prst="line">
+            <a:avLst/>
+          </a:prstGeom>
+          <a:ln w="12700">
+            <a:solidFill>
+              <a:schemeClr val="tx1"/>
+            </a:solidFill>
+          </a:ln>
+        </p:spPr>
+        <p:style>
+          <a:lnRef idx="1">
+            <a:schemeClr val="accent1"/>
+          </a:lnRef>
+          <a:fillRef idx="0">
+            <a:schemeClr val="accent1"/>
+          </a:fillRef>
+          <a:effectRef idx="0">
+            <a:schemeClr val="accent1"/>
+          </a:effectRef>
+          <a:fontRef idx="minor">
+            <a:schemeClr val="tx1"/>
+          </a:fontRef>
+        </p:style>
+      </p:cxnSp>
+      <p:cxnSp>
+        <p:nvCxnSpPr>
+          <p:cNvPr id="17" name="Straight Connector 16">
+            <a:extLst>
+              <a:ext uri="{FF2B5EF4-FFF2-40B4-BE49-F238E27FC236}">
+                <a16:creationId xmlns:a16="http://schemas.microsoft.com/office/drawing/2014/main" id="{0CB25B62-3E9D-433B-A66F-35917F02154A}"/>
+              </a:ext>
+            </a:extLst>
+          </p:cNvPr>
+          <p:cNvCxnSpPr>
+            <a:cxnSpLocks/>
+          </p:cNvCxnSpPr>
+          <p:nvPr/>
+        </p:nvCxnSpPr>
+        <p:spPr>
+          <a:xfrm flipH="1" flipV="1">
+            <a:off x="5486385" y="1367986"/>
+            <a:ext cx="984712" cy="11299"/>
+          </a:xfrm>
+          <a:prstGeom prst="line">
+            <a:avLst/>
+          </a:prstGeom>
+          <a:ln w="12700">
+            <a:solidFill>
+              <a:schemeClr val="bg1">
+                <a:lumMod val="50000"/>
+              </a:schemeClr>
+            </a:solidFill>
+            <a:prstDash val="dash"/>
+            <a:headEnd type="arrow"/>
+          </a:ln>
+        </p:spPr>
+        <p:style>
+          <a:lnRef idx="1">
+            <a:schemeClr val="accent1"/>
+          </a:lnRef>
+          <a:fillRef idx="0">
+            <a:schemeClr val="accent1"/>
+          </a:fillRef>
+          <a:effectRef idx="0">
+            <a:schemeClr val="accent1"/>
+          </a:effectRef>
+          <a:fontRef idx="minor">
+            <a:schemeClr val="tx1"/>
+          </a:fontRef>
+        </p:style>
+      </p:cxnSp>
+      <p:cxnSp>
+        <p:nvCxnSpPr>
+          <p:cNvPr id="39" name="Straight Connector 38">
+            <a:extLst>
+              <a:ext uri="{FF2B5EF4-FFF2-40B4-BE49-F238E27FC236}">
+                <a16:creationId xmlns:a16="http://schemas.microsoft.com/office/drawing/2014/main" id="{D542816D-D1AD-4D8B-A329-67476A918A10}"/>
+              </a:ext>
+            </a:extLst>
+          </p:cNvPr>
+          <p:cNvCxnSpPr>
+            <a:cxnSpLocks/>
+          </p:cNvCxnSpPr>
+          <p:nvPr/>
+        </p:nvCxnSpPr>
+        <p:spPr>
+          <a:xfrm flipH="1" flipV="1">
+            <a:off x="5486385" y="2218334"/>
+            <a:ext cx="1073362" cy="1009934"/>
+          </a:xfrm>
+          <a:prstGeom prst="line">
+            <a:avLst/>
+          </a:prstGeom>
+          <a:ln w="12700">
+            <a:solidFill>
+              <a:schemeClr val="bg1">
+                <a:lumMod val="50000"/>
+              </a:schemeClr>
+            </a:solidFill>
+            <a:prstDash val="dash"/>
+            <a:headEnd type="arrow"/>
+          </a:ln>
+        </p:spPr>
+        <p:style>
+          <a:lnRef idx="1">
+            <a:schemeClr val="accent1"/>
+          </a:lnRef>
+          <a:fillRef idx="0">
+            <a:schemeClr val="accent1"/>
+          </a:fillRef>
+          <a:effectRef idx="0">
+            <a:schemeClr val="accent1"/>
+          </a:effectRef>
+          <a:fontRef idx="minor">
+            <a:schemeClr val="tx1"/>
+          </a:fontRef>
+        </p:style>
+      </p:cxnSp>
+      <p:sp>
+        <p:nvSpPr>
+          <p:cNvPr id="103" name="Rectangle 102">
+            <a:extLst>
+              <a:ext uri="{FF2B5EF4-FFF2-40B4-BE49-F238E27FC236}">
+                <a16:creationId xmlns:a16="http://schemas.microsoft.com/office/drawing/2014/main" id="{F2B61E5D-9061-4646-A831-F9BFC9522847}"/>
+              </a:ext>
+            </a:extLst>
+          </p:cNvPr>
+          <p:cNvSpPr/>
+          <p:nvPr/>
+        </p:nvSpPr>
+        <p:spPr>
+          <a:xfrm>
+            <a:off x="934632" y="685041"/>
+            <a:ext cx="3947580" cy="1951630"/>
+          </a:xfrm>
+          <a:prstGeom prst="rect">
+            <a:avLst/>
+          </a:prstGeom>
+          <a:solidFill>
+            <a:schemeClr val="accent5">
+              <a:lumMod val="60000"/>
+              <a:lumOff val="40000"/>
+            </a:schemeClr>
+          </a:solidFill>
+          <a:ln>
+            <a:solidFill>
+              <a:schemeClr val="tx1"/>
+            </a:solidFill>
+          </a:ln>
+        </p:spPr>
+        <p:txBody>
+          <a:bodyPr rot="0" spcFirstLastPara="0" vertOverflow="overflow" horzOverflow="overflow" vert="horz" wrap="square" lIns="91440" tIns="45720" rIns="91440" bIns="45720" numCol="1" spcCol="0" rtlCol="0" fromWordArt="0" anchor="t" anchorCtr="1" forceAA="0" compatLnSpc="1">
+            <a:prstTxWarp prst="textNoShape">
+              <a:avLst/>
+            </a:prstTxWarp>
+            <a:noAutofit/>
+          </a:bodyPr>
+          <a:lstStyle/>
+          <a:p>
+            <a:pPr algn="ctr"/>
+            <a:r>
+              <a:rPr lang="en-US" kern="0" dirty="0">
+                <a:solidFill>
+                  <a:prstClr val="black"/>
+                </a:solidFill>
+                <a:latin typeface="Calibri" panose="020F0502020204030204"/>
+              </a:rPr>
+              <a:t>Frontend</a:t>
+            </a:r>
+          </a:p>
+        </p:txBody>
+      </p:sp>
+      <p:sp>
+        <p:nvSpPr>
+          <p:cNvPr id="63" name="Rectangle 62">
+            <a:extLst>
+              <a:ext uri="{FF2B5EF4-FFF2-40B4-BE49-F238E27FC236}">
+                <a16:creationId xmlns:a16="http://schemas.microsoft.com/office/drawing/2014/main" id="{4A46769E-CA2B-4B16-99DC-FE4CF79AC7DA}"/>
+              </a:ext>
+            </a:extLst>
+          </p:cNvPr>
+          <p:cNvSpPr/>
+          <p:nvPr/>
+        </p:nvSpPr>
+        <p:spPr>
+          <a:xfrm>
+            <a:off x="1044942" y="1082192"/>
+            <a:ext cx="1402926" cy="1458168"/>
+          </a:xfrm>
+          <a:prstGeom prst="rect">
+            <a:avLst/>
+          </a:prstGeom>
+          <a:solidFill>
+            <a:srgbClr val="FFFF99"/>
+          </a:solidFill>
+          <a:ln w="12700">
+            <a:solidFill>
+              <a:schemeClr val="tx1"/>
+            </a:solidFill>
+          </a:ln>
+        </p:spPr>
+        <p:txBody>
+          <a:bodyPr rot="0" spcFirstLastPara="0" vertOverflow="overflow" horzOverflow="overflow" vert="horz" wrap="square" lIns="91440" tIns="45720" rIns="91440" bIns="45720" numCol="1" spcCol="0" rtlCol="0" fromWordArt="0" anchor="ctr" anchorCtr="1" forceAA="0" compatLnSpc="1">
+            <a:prstTxWarp prst="textNoShape">
+              <a:avLst/>
+            </a:prstTxWarp>
+            <a:noAutofit/>
+          </a:bodyPr>
+          <a:lstStyle/>
+          <a:p>
+            <a:pPr algn="ctr"/>
+            <a:r>
+              <a:rPr lang="en-US" sz="1400" kern="0" dirty="0">
+                <a:solidFill>
+                  <a:prstClr val="black"/>
+                </a:solidFill>
+                <a:latin typeface="Calibri" panose="020F0502020204030204"/>
+              </a:rPr>
+              <a:t>Frontend</a:t>
+            </a:r>
+          </a:p>
+          <a:p>
+            <a:pPr algn="ctr"/>
+            <a:r>
+              <a:rPr lang="en-US" sz="1400" kern="0" dirty="0">
+                <a:solidFill>
+                  <a:prstClr val="black"/>
+                </a:solidFill>
+                <a:latin typeface="Calibri" panose="020F0502020204030204"/>
+              </a:rPr>
+              <a:t>Application</a:t>
+            </a:r>
+          </a:p>
+          <a:p>
+            <a:pPr algn="ctr"/>
+            <a:r>
+              <a:rPr lang="en-US" sz="1400" kern="0" dirty="0">
+                <a:solidFill>
+                  <a:prstClr val="black"/>
+                </a:solidFill>
+                <a:latin typeface="Calibri" panose="020F0502020204030204"/>
+              </a:rPr>
+              <a:t>Logic</a:t>
+            </a:r>
+          </a:p>
+        </p:txBody>
+      </p:sp>
+      <p:sp>
+        <p:nvSpPr>
+          <p:cNvPr id="34" name="Rectangle 33">
+            <a:extLst>
+              <a:ext uri="{FF2B5EF4-FFF2-40B4-BE49-F238E27FC236}">
+                <a16:creationId xmlns:a16="http://schemas.microsoft.com/office/drawing/2014/main" id="{025883A8-2555-4883-A33C-E4C7046D86A2}"/>
+              </a:ext>
+            </a:extLst>
+          </p:cNvPr>
+          <p:cNvSpPr/>
+          <p:nvPr/>
+        </p:nvSpPr>
+        <p:spPr>
+          <a:xfrm>
+            <a:off x="3007237" y="1082192"/>
+            <a:ext cx="1402926" cy="1458168"/>
+          </a:xfrm>
+          <a:prstGeom prst="rect">
+            <a:avLst/>
+          </a:prstGeom>
+          <a:solidFill>
+            <a:srgbClr val="FFCD2F"/>
+          </a:solidFill>
+          <a:ln w="12700">
+            <a:solidFill>
+              <a:schemeClr val="tx1"/>
+            </a:solidFill>
+          </a:ln>
+        </p:spPr>
+        <p:txBody>
+          <a:bodyPr rot="0" spcFirstLastPara="0" vertOverflow="overflow" horzOverflow="overflow" vert="horz" wrap="square" lIns="91440" tIns="45720" rIns="91440" bIns="45720" numCol="1" spcCol="0" rtlCol="0" fromWordArt="0" anchor="ctr" anchorCtr="1" forceAA="0" compatLnSpc="1">
+            <a:prstTxWarp prst="textNoShape">
+              <a:avLst/>
+            </a:prstTxWarp>
+            <a:noAutofit/>
+          </a:bodyPr>
+          <a:lstStyle/>
+          <a:p>
+            <a:pPr algn="ctr"/>
+            <a:r>
+              <a:rPr lang="en-US" sz="1400" kern="0" dirty="0">
+                <a:solidFill>
+                  <a:prstClr val="black"/>
+                </a:solidFill>
+                <a:latin typeface="Calibri" panose="020F0502020204030204"/>
+              </a:rPr>
+              <a:t>RPC</a:t>
+            </a:r>
+          </a:p>
+          <a:p>
+            <a:pPr algn="ctr"/>
+            <a:endParaRPr lang="en-US" sz="1400" kern="0" dirty="0">
+              <a:solidFill>
+                <a:prstClr val="black"/>
+              </a:solidFill>
+              <a:latin typeface="Calibri" panose="020F0502020204030204"/>
+            </a:endParaRPr>
+          </a:p>
+          <a:p>
+            <a:pPr algn="ctr"/>
+            <a:r>
+              <a:rPr lang="en-US" sz="1400" kern="0" dirty="0">
+                <a:solidFill>
+                  <a:prstClr val="black"/>
+                </a:solidFill>
+                <a:latin typeface="Calibri" panose="020F0502020204030204"/>
+              </a:rPr>
+              <a:t>Manager</a:t>
+            </a:r>
+          </a:p>
+        </p:txBody>
+      </p:sp>
+      <p:grpSp>
+        <p:nvGrpSpPr>
+          <p:cNvPr id="3" name="Group 2">
+            <a:extLst>
+              <a:ext uri="{FF2B5EF4-FFF2-40B4-BE49-F238E27FC236}">
+                <a16:creationId xmlns:a16="http://schemas.microsoft.com/office/drawing/2014/main" id="{2D866155-3E53-4963-9D83-4AEE3EBBB865}"/>
+              </a:ext>
+            </a:extLst>
+          </p:cNvPr>
+          <p:cNvGrpSpPr/>
+          <p:nvPr/>
+        </p:nvGrpSpPr>
+        <p:grpSpPr>
+          <a:xfrm>
+            <a:off x="4964688" y="1198577"/>
+            <a:ext cx="667567" cy="354369"/>
+            <a:chOff x="4112890" y="3175560"/>
+            <a:chExt cx="667567" cy="354369"/>
+          </a:xfrm>
+        </p:grpSpPr>
+        <p:sp>
+          <p:nvSpPr>
+            <p:cNvPr id="21" name="Arc 20">
+              <a:extLst>
+                <a:ext uri="{FF2B5EF4-FFF2-40B4-BE49-F238E27FC236}">
+                  <a16:creationId xmlns:a16="http://schemas.microsoft.com/office/drawing/2014/main" id="{52FE0217-0A79-44C6-9C51-8916A088A5D9}"/>
+                </a:ext>
+              </a:extLst>
+            </p:cNvPr>
+            <p:cNvSpPr/>
+            <p:nvPr/>
+          </p:nvSpPr>
+          <p:spPr>
+            <a:xfrm rot="10800000">
+              <a:off x="4435415" y="3175560"/>
+              <a:ext cx="345042" cy="354369"/>
+            </a:xfrm>
+            <a:prstGeom prst="arc">
+              <a:avLst>
+                <a:gd name="adj1" fmla="val 16200000"/>
+                <a:gd name="adj2" fmla="val 5657069"/>
+              </a:avLst>
+            </a:prstGeom>
+            <a:ln w="12700">
+              <a:solidFill>
+                <a:schemeClr val="tx1"/>
+              </a:solidFill>
+            </a:ln>
+          </p:spPr>
+          <p:style>
+            <a:lnRef idx="1">
+              <a:schemeClr val="accent1"/>
+            </a:lnRef>
+            <a:fillRef idx="0">
+              <a:schemeClr val="accent1"/>
+            </a:fillRef>
+            <a:effectRef idx="0">
+              <a:schemeClr val="accent1"/>
+            </a:effectRef>
+            <a:fontRef idx="minor">
+              <a:schemeClr val="tx1"/>
+            </a:fontRef>
+          </p:style>
+          <p:txBody>
+            <a:bodyPr rtlCol="0" anchor="ctr"/>
+            <a:lstStyle/>
+            <a:p>
+              <a:pPr algn="ctr"/>
+              <a:endParaRPr lang="en-US"/>
+            </a:p>
+          </p:txBody>
+        </p:sp>
+        <p:cxnSp>
+          <p:nvCxnSpPr>
+            <p:cNvPr id="69" name="Straight Connector 68">
+              <a:extLst>
+                <a:ext uri="{FF2B5EF4-FFF2-40B4-BE49-F238E27FC236}">
+                  <a16:creationId xmlns:a16="http://schemas.microsoft.com/office/drawing/2014/main" id="{D318B453-2AAA-4695-A878-AF1BD6FFBB1D}"/>
+                </a:ext>
+              </a:extLst>
+            </p:cNvPr>
+            <p:cNvCxnSpPr>
+              <a:cxnSpLocks/>
+            </p:cNvCxnSpPr>
+            <p:nvPr/>
+          </p:nvCxnSpPr>
+          <p:spPr>
+            <a:xfrm flipH="1">
+              <a:off x="4112890" y="3345107"/>
+              <a:ext cx="320019" cy="6156"/>
+            </a:xfrm>
+            <a:prstGeom prst="line">
+              <a:avLst/>
+            </a:prstGeom>
+            <a:ln w="12700">
+              <a:solidFill>
+                <a:schemeClr val="tx1"/>
+              </a:solidFill>
+            </a:ln>
+          </p:spPr>
+          <p:style>
+            <a:lnRef idx="1">
+              <a:schemeClr val="accent1"/>
+            </a:lnRef>
+            <a:fillRef idx="0">
+              <a:schemeClr val="accent1"/>
+            </a:fillRef>
+            <a:effectRef idx="0">
+              <a:schemeClr val="accent1"/>
+            </a:effectRef>
+            <a:fontRef idx="minor">
+              <a:schemeClr val="tx1"/>
+            </a:fontRef>
+          </p:style>
+        </p:cxnSp>
+      </p:grpSp>
+      <p:sp>
+        <p:nvSpPr>
+          <p:cNvPr id="43" name="Rectangle: Rounded Corners 42">
+            <a:extLst>
+              <a:ext uri="{FF2B5EF4-FFF2-40B4-BE49-F238E27FC236}">
+                <a16:creationId xmlns:a16="http://schemas.microsoft.com/office/drawing/2014/main" id="{9B17DFDC-BECD-4CAF-A127-A5AEE0603C9C}"/>
+              </a:ext>
+            </a:extLst>
+          </p:cNvPr>
+          <p:cNvSpPr/>
+          <p:nvPr/>
+        </p:nvSpPr>
+        <p:spPr>
+          <a:xfrm>
+            <a:off x="2344316" y="1221695"/>
+            <a:ext cx="773014" cy="315181"/>
+          </a:xfrm>
+          <a:prstGeom prst="roundRect">
+            <a:avLst/>
+          </a:prstGeom>
+          <a:solidFill>
+            <a:srgbClr val="FFFF00"/>
+          </a:solidFill>
+          <a:ln>
+            <a:solidFill>
+              <a:schemeClr val="tx1"/>
+            </a:solidFill>
+          </a:ln>
+        </p:spPr>
+        <p:style>
+          <a:lnRef idx="2">
+            <a:schemeClr val="accent1">
+              <a:shade val="50000"/>
+            </a:schemeClr>
+          </a:lnRef>
+          <a:fillRef idx="1">
+            <a:schemeClr val="accent1"/>
+          </a:fillRef>
+          <a:effectRef idx="0">
+            <a:schemeClr val="accent1"/>
+          </a:effectRef>
+          <a:fontRef idx="minor">
+            <a:schemeClr val="lt1"/>
+          </a:fontRef>
+        </p:style>
+        <p:txBody>
+          <a:bodyPr rtlCol="0" anchor="ctr">
+            <a:noAutofit/>
+          </a:bodyPr>
+          <a:lstStyle/>
+          <a:p>
+            <a:pPr algn="ctr"/>
+            <a:r>
+              <a:rPr lang="en-US" sz="900" dirty="0">
+                <a:solidFill>
+                  <a:schemeClr val="tx1"/>
+                </a:solidFill>
+              </a:rPr>
+              <a:t>RPC</a:t>
+            </a:r>
+          </a:p>
+          <a:p>
+            <a:pPr algn="ctr"/>
+            <a:r>
+              <a:rPr lang="en-US" sz="900" dirty="0">
+                <a:solidFill>
+                  <a:schemeClr val="tx1"/>
+                </a:solidFill>
+              </a:rPr>
+              <a:t>Interface 1</a:t>
+            </a:r>
+          </a:p>
+        </p:txBody>
+      </p:sp>
+      <p:sp>
+        <p:nvSpPr>
+          <p:cNvPr id="44" name="Rectangle: Rounded Corners 43">
+            <a:extLst>
+              <a:ext uri="{FF2B5EF4-FFF2-40B4-BE49-F238E27FC236}">
+                <a16:creationId xmlns:a16="http://schemas.microsoft.com/office/drawing/2014/main" id="{6AE387B2-7411-4F79-84F0-67173A528C81}"/>
+              </a:ext>
+            </a:extLst>
+          </p:cNvPr>
+          <p:cNvSpPr/>
+          <p:nvPr/>
+        </p:nvSpPr>
+        <p:spPr>
+          <a:xfrm>
+            <a:off x="4281069" y="1221695"/>
+            <a:ext cx="773014" cy="315181"/>
+          </a:xfrm>
+          <a:prstGeom prst="roundRect">
+            <a:avLst/>
+          </a:prstGeom>
+          <a:solidFill>
+            <a:srgbClr val="FFCCFF"/>
+          </a:solidFill>
+          <a:ln>
+            <a:solidFill>
+              <a:schemeClr val="tx1"/>
+            </a:solidFill>
+          </a:ln>
+        </p:spPr>
+        <p:style>
+          <a:lnRef idx="2">
+            <a:schemeClr val="accent1">
+              <a:shade val="50000"/>
+            </a:schemeClr>
+          </a:lnRef>
+          <a:fillRef idx="1">
+            <a:schemeClr val="accent1"/>
+          </a:fillRef>
+          <a:effectRef idx="0">
+            <a:schemeClr val="accent1"/>
+          </a:effectRef>
+          <a:fontRef idx="minor">
+            <a:schemeClr val="lt1"/>
+          </a:fontRef>
+        </p:style>
+        <p:txBody>
+          <a:bodyPr rtlCol="0" anchor="ctr">
+            <a:noAutofit/>
+          </a:bodyPr>
+          <a:lstStyle/>
+          <a:p>
+            <a:pPr algn="ctr"/>
+            <a:r>
+              <a:rPr lang="en-US" sz="900" dirty="0">
+                <a:solidFill>
+                  <a:schemeClr val="tx1"/>
+                </a:solidFill>
+              </a:rPr>
+              <a:t>Client</a:t>
+            </a:r>
+          </a:p>
+          <a:p>
+            <a:pPr algn="ctr"/>
+            <a:r>
+              <a:rPr lang="en-US" sz="900" dirty="0">
+                <a:solidFill>
+                  <a:schemeClr val="tx1"/>
+                </a:solidFill>
+              </a:rPr>
+              <a:t>Stub 1</a:t>
+            </a:r>
+          </a:p>
+        </p:txBody>
+      </p:sp>
+      <p:sp>
+        <p:nvSpPr>
+          <p:cNvPr id="52" name="Rectangle: Rounded Corners 51">
+            <a:extLst>
+              <a:ext uri="{FF2B5EF4-FFF2-40B4-BE49-F238E27FC236}">
+                <a16:creationId xmlns:a16="http://schemas.microsoft.com/office/drawing/2014/main" id="{5E77E63A-D725-4514-A541-9F391405DDFF}"/>
+              </a:ext>
+            </a:extLst>
+          </p:cNvPr>
+          <p:cNvSpPr/>
+          <p:nvPr/>
+        </p:nvSpPr>
+        <p:spPr>
+          <a:xfrm>
+            <a:off x="2343023" y="1647794"/>
+            <a:ext cx="773014" cy="315181"/>
+          </a:xfrm>
+          <a:prstGeom prst="roundRect">
+            <a:avLst/>
+          </a:prstGeom>
+          <a:solidFill>
+            <a:srgbClr val="FFFF00"/>
+          </a:solidFill>
+          <a:ln>
+            <a:solidFill>
+              <a:schemeClr val="tx1"/>
+            </a:solidFill>
+          </a:ln>
+        </p:spPr>
+        <p:style>
+          <a:lnRef idx="2">
+            <a:schemeClr val="accent1">
+              <a:shade val="50000"/>
+            </a:schemeClr>
+          </a:lnRef>
+          <a:fillRef idx="1">
+            <a:schemeClr val="accent1"/>
+          </a:fillRef>
+          <a:effectRef idx="0">
+            <a:schemeClr val="accent1"/>
+          </a:effectRef>
+          <a:fontRef idx="minor">
+            <a:schemeClr val="lt1"/>
+          </a:fontRef>
+        </p:style>
+        <p:txBody>
+          <a:bodyPr rtlCol="0" anchor="ctr">
+            <a:noAutofit/>
+          </a:bodyPr>
+          <a:lstStyle/>
+          <a:p>
+            <a:pPr algn="ctr"/>
+            <a:r>
+              <a:rPr lang="en-US" sz="900" dirty="0">
+                <a:solidFill>
+                  <a:schemeClr val="tx1"/>
+                </a:solidFill>
+              </a:rPr>
+              <a:t>RPC</a:t>
+            </a:r>
+          </a:p>
+          <a:p>
+            <a:pPr algn="ctr"/>
+            <a:r>
+              <a:rPr lang="en-US" sz="900" dirty="0">
+                <a:solidFill>
+                  <a:schemeClr val="tx1"/>
+                </a:solidFill>
+              </a:rPr>
+              <a:t>Interface 2</a:t>
+            </a:r>
+          </a:p>
+        </p:txBody>
+      </p:sp>
+      <p:sp>
+        <p:nvSpPr>
+          <p:cNvPr id="53" name="Rectangle: Rounded Corners 52">
+            <a:extLst>
+              <a:ext uri="{FF2B5EF4-FFF2-40B4-BE49-F238E27FC236}">
+                <a16:creationId xmlns:a16="http://schemas.microsoft.com/office/drawing/2014/main" id="{7A35DDE2-EBC0-4E44-9807-4822B4D887CE}"/>
+              </a:ext>
+            </a:extLst>
+          </p:cNvPr>
+          <p:cNvSpPr/>
+          <p:nvPr/>
+        </p:nvSpPr>
+        <p:spPr>
+          <a:xfrm>
+            <a:off x="2333163" y="2073893"/>
+            <a:ext cx="773014" cy="315181"/>
+          </a:xfrm>
+          <a:prstGeom prst="roundRect">
+            <a:avLst/>
+          </a:prstGeom>
+          <a:solidFill>
+            <a:srgbClr val="FFFF00"/>
+          </a:solidFill>
+          <a:ln>
+            <a:solidFill>
+              <a:schemeClr val="tx1"/>
+            </a:solidFill>
+          </a:ln>
+        </p:spPr>
+        <p:style>
+          <a:lnRef idx="2">
+            <a:schemeClr val="accent1">
+              <a:shade val="50000"/>
+            </a:schemeClr>
+          </a:lnRef>
+          <a:fillRef idx="1">
+            <a:schemeClr val="accent1"/>
+          </a:fillRef>
+          <a:effectRef idx="0">
+            <a:schemeClr val="accent1"/>
+          </a:effectRef>
+          <a:fontRef idx="minor">
+            <a:schemeClr val="lt1"/>
+          </a:fontRef>
+        </p:style>
+        <p:txBody>
+          <a:bodyPr rtlCol="0" anchor="ctr">
+            <a:noAutofit/>
+          </a:bodyPr>
+          <a:lstStyle/>
+          <a:p>
+            <a:pPr algn="ctr"/>
+            <a:r>
+              <a:rPr lang="en-US" sz="900" dirty="0">
+                <a:solidFill>
+                  <a:schemeClr val="tx1"/>
+                </a:solidFill>
+              </a:rPr>
+              <a:t>RPC</a:t>
+            </a:r>
+          </a:p>
+          <a:p>
+            <a:pPr algn="ctr"/>
+            <a:r>
+              <a:rPr lang="en-US" sz="900" dirty="0">
+                <a:solidFill>
+                  <a:schemeClr val="tx1"/>
+                </a:solidFill>
+              </a:rPr>
+              <a:t>Interface 3</a:t>
+            </a:r>
+          </a:p>
+        </p:txBody>
+      </p:sp>
+      <p:sp>
+        <p:nvSpPr>
+          <p:cNvPr id="56" name="Rectangle: Rounded Corners 55">
+            <a:extLst>
+              <a:ext uri="{FF2B5EF4-FFF2-40B4-BE49-F238E27FC236}">
+                <a16:creationId xmlns:a16="http://schemas.microsoft.com/office/drawing/2014/main" id="{34A1120C-42CA-47A8-92CE-F0376E6608A6}"/>
+              </a:ext>
+            </a:extLst>
+          </p:cNvPr>
+          <p:cNvSpPr/>
+          <p:nvPr/>
+        </p:nvSpPr>
+        <p:spPr>
+          <a:xfrm>
+            <a:off x="4281069" y="1647794"/>
+            <a:ext cx="773014" cy="315181"/>
+          </a:xfrm>
+          <a:prstGeom prst="roundRect">
+            <a:avLst/>
+          </a:prstGeom>
+          <a:solidFill>
+            <a:srgbClr val="FFCCFF"/>
+          </a:solidFill>
+          <a:ln>
+            <a:solidFill>
+              <a:schemeClr val="tx1"/>
+            </a:solidFill>
+          </a:ln>
+        </p:spPr>
+        <p:style>
+          <a:lnRef idx="2">
+            <a:schemeClr val="accent1">
+              <a:shade val="50000"/>
+            </a:schemeClr>
+          </a:lnRef>
+          <a:fillRef idx="1">
+            <a:schemeClr val="accent1"/>
+          </a:fillRef>
+          <a:effectRef idx="0">
+            <a:schemeClr val="accent1"/>
+          </a:effectRef>
+          <a:fontRef idx="minor">
+            <a:schemeClr val="lt1"/>
+          </a:fontRef>
+        </p:style>
+        <p:txBody>
+          <a:bodyPr rtlCol="0" anchor="ctr">
+            <a:noAutofit/>
+          </a:bodyPr>
+          <a:lstStyle/>
+          <a:p>
+            <a:pPr algn="ctr"/>
+            <a:r>
+              <a:rPr lang="en-US" sz="900" dirty="0">
+                <a:solidFill>
+                  <a:schemeClr val="tx1"/>
+                </a:solidFill>
+              </a:rPr>
+              <a:t>Client</a:t>
+            </a:r>
+          </a:p>
+          <a:p>
+            <a:pPr algn="ctr"/>
+            <a:r>
+              <a:rPr lang="en-US" sz="900" dirty="0">
+                <a:solidFill>
+                  <a:schemeClr val="tx1"/>
+                </a:solidFill>
+              </a:rPr>
+              <a:t>Stub 2</a:t>
+            </a:r>
+          </a:p>
+        </p:txBody>
+      </p:sp>
+      <p:sp>
+        <p:nvSpPr>
+          <p:cNvPr id="57" name="Rectangle: Rounded Corners 56">
+            <a:extLst>
+              <a:ext uri="{FF2B5EF4-FFF2-40B4-BE49-F238E27FC236}">
+                <a16:creationId xmlns:a16="http://schemas.microsoft.com/office/drawing/2014/main" id="{64521F5A-88C6-426C-8253-AD4F4E52E54D}"/>
+              </a:ext>
+            </a:extLst>
+          </p:cNvPr>
+          <p:cNvSpPr/>
+          <p:nvPr/>
+        </p:nvSpPr>
+        <p:spPr>
+          <a:xfrm>
+            <a:off x="4281069" y="2073893"/>
+            <a:ext cx="773014" cy="315181"/>
+          </a:xfrm>
+          <a:prstGeom prst="roundRect">
+            <a:avLst/>
+          </a:prstGeom>
+          <a:solidFill>
+            <a:srgbClr val="FFCCFF"/>
+          </a:solidFill>
+          <a:ln>
+            <a:solidFill>
+              <a:schemeClr val="tx1"/>
+            </a:solidFill>
+          </a:ln>
+        </p:spPr>
+        <p:style>
+          <a:lnRef idx="2">
+            <a:schemeClr val="accent1">
+              <a:shade val="50000"/>
+            </a:schemeClr>
+          </a:lnRef>
+          <a:fillRef idx="1">
+            <a:schemeClr val="accent1"/>
+          </a:fillRef>
+          <a:effectRef idx="0">
+            <a:schemeClr val="accent1"/>
+          </a:effectRef>
+          <a:fontRef idx="minor">
+            <a:schemeClr val="lt1"/>
+          </a:fontRef>
+        </p:style>
+        <p:txBody>
+          <a:bodyPr rtlCol="0" anchor="ctr">
+            <a:noAutofit/>
+          </a:bodyPr>
+          <a:lstStyle/>
+          <a:p>
+            <a:pPr algn="ctr"/>
+            <a:r>
+              <a:rPr lang="en-US" sz="900" dirty="0">
+                <a:solidFill>
+                  <a:schemeClr val="tx1"/>
+                </a:solidFill>
+              </a:rPr>
+              <a:t>Client</a:t>
+            </a:r>
+          </a:p>
+          <a:p>
+            <a:pPr algn="ctr"/>
+            <a:r>
+              <a:rPr lang="en-US" sz="900" dirty="0">
+                <a:solidFill>
+                  <a:schemeClr val="tx1"/>
+                </a:solidFill>
+              </a:rPr>
+              <a:t>Stub 3</a:t>
+            </a:r>
+          </a:p>
+        </p:txBody>
+      </p:sp>
+      <p:sp>
+        <p:nvSpPr>
+          <p:cNvPr id="66" name="Arc 65">
+            <a:extLst>
+              <a:ext uri="{FF2B5EF4-FFF2-40B4-BE49-F238E27FC236}">
+                <a16:creationId xmlns:a16="http://schemas.microsoft.com/office/drawing/2014/main" id="{E8DD7E05-E1B6-4A74-A493-6FF2D9A9DC3B}"/>
+              </a:ext>
+            </a:extLst>
+          </p:cNvPr>
+          <p:cNvSpPr/>
+          <p:nvPr/>
+        </p:nvSpPr>
+        <p:spPr>
+          <a:xfrm rot="10800000">
+            <a:off x="5291199" y="1631154"/>
+            <a:ext cx="345042" cy="354369"/>
+          </a:xfrm>
+          <a:prstGeom prst="arc">
+            <a:avLst>
+              <a:gd name="adj1" fmla="val 16200000"/>
+              <a:gd name="adj2" fmla="val 5657069"/>
+            </a:avLst>
+          </a:prstGeom>
+          <a:ln w="12700">
+            <a:solidFill>
+              <a:schemeClr val="tx1"/>
+            </a:solidFill>
+          </a:ln>
+        </p:spPr>
+        <p:style>
+          <a:lnRef idx="1">
+            <a:schemeClr val="accent1"/>
+          </a:lnRef>
+          <a:fillRef idx="0">
+            <a:schemeClr val="accent1"/>
+          </a:fillRef>
+          <a:effectRef idx="0">
+            <a:schemeClr val="accent1"/>
+          </a:effectRef>
+          <a:fontRef idx="minor">
+            <a:schemeClr val="tx1"/>
+          </a:fontRef>
+        </p:style>
+        <p:txBody>
+          <a:bodyPr rtlCol="0" anchor="ctr"/>
+          <a:lstStyle/>
+          <a:p>
+            <a:pPr algn="ctr"/>
+            <a:endParaRPr lang="en-US"/>
+          </a:p>
+        </p:txBody>
+      </p:sp>
+      <p:sp>
+        <p:nvSpPr>
+          <p:cNvPr id="70" name="Arc 69">
+            <a:extLst>
+              <a:ext uri="{FF2B5EF4-FFF2-40B4-BE49-F238E27FC236}">
+                <a16:creationId xmlns:a16="http://schemas.microsoft.com/office/drawing/2014/main" id="{F2DFE685-6558-4BFB-B6C4-C7E8159DB3D3}"/>
+              </a:ext>
+            </a:extLst>
+          </p:cNvPr>
+          <p:cNvSpPr/>
+          <p:nvPr/>
+        </p:nvSpPr>
+        <p:spPr>
+          <a:xfrm rot="10800000">
+            <a:off x="5287213" y="2052465"/>
+            <a:ext cx="345042" cy="354369"/>
+          </a:xfrm>
+          <a:prstGeom prst="arc">
+            <a:avLst>
+              <a:gd name="adj1" fmla="val 16200000"/>
+              <a:gd name="adj2" fmla="val 5657069"/>
+            </a:avLst>
+          </a:prstGeom>
+          <a:ln w="12700">
+            <a:solidFill>
+              <a:schemeClr val="tx1"/>
+            </a:solidFill>
+          </a:ln>
+        </p:spPr>
+        <p:style>
+          <a:lnRef idx="1">
+            <a:schemeClr val="accent1"/>
+          </a:lnRef>
+          <a:fillRef idx="0">
+            <a:schemeClr val="accent1"/>
+          </a:fillRef>
+          <a:effectRef idx="0">
+            <a:schemeClr val="accent1"/>
+          </a:effectRef>
+          <a:fontRef idx="minor">
+            <a:schemeClr val="tx1"/>
+          </a:fontRef>
+        </p:style>
+        <p:txBody>
+          <a:bodyPr rtlCol="0" anchor="ctr"/>
+          <a:lstStyle/>
+          <a:p>
+            <a:pPr algn="ctr"/>
+            <a:endParaRPr lang="en-US"/>
+          </a:p>
+        </p:txBody>
+      </p:sp>
+      <p:sp>
+        <p:nvSpPr>
+          <p:cNvPr id="51" name="Rectangle 50">
+            <a:extLst>
+              <a:ext uri="{FF2B5EF4-FFF2-40B4-BE49-F238E27FC236}">
+                <a16:creationId xmlns:a16="http://schemas.microsoft.com/office/drawing/2014/main" id="{B68D098D-BF5F-475E-A2D8-9A73ACE1ACE9}"/>
+              </a:ext>
+            </a:extLst>
+          </p:cNvPr>
+          <p:cNvSpPr/>
+          <p:nvPr/>
+        </p:nvSpPr>
+        <p:spPr>
+          <a:xfrm>
+            <a:off x="7205286" y="685041"/>
+            <a:ext cx="4052083" cy="1638802"/>
+          </a:xfrm>
+          <a:prstGeom prst="rect">
+            <a:avLst/>
+          </a:prstGeom>
+          <a:solidFill>
+            <a:srgbClr val="00B050"/>
+          </a:solidFill>
+          <a:ln>
+            <a:solidFill>
+              <a:schemeClr val="tx1"/>
+            </a:solidFill>
+          </a:ln>
+        </p:spPr>
+        <p:txBody>
+          <a:bodyPr rot="0" spcFirstLastPara="0" vertOverflow="overflow" horzOverflow="overflow" vert="horz" wrap="square" lIns="91440" tIns="45720" rIns="91440" bIns="45720" numCol="1" spcCol="0" rtlCol="0" fromWordArt="0" anchor="t" anchorCtr="1" forceAA="0" compatLnSpc="1">
+            <a:prstTxWarp prst="textNoShape">
+              <a:avLst/>
+            </a:prstTxWarp>
+            <a:noAutofit/>
+          </a:bodyPr>
+          <a:lstStyle/>
+          <a:p>
+            <a:pPr algn="ctr"/>
+            <a:r>
+              <a:rPr lang="en-US" kern="0" dirty="0">
+                <a:solidFill>
+                  <a:prstClr val="black"/>
+                </a:solidFill>
+                <a:latin typeface="Calibri" panose="020F0502020204030204"/>
+              </a:rPr>
+              <a:t>Backend A</a:t>
+            </a:r>
+          </a:p>
+        </p:txBody>
+      </p:sp>
+      <p:sp>
+        <p:nvSpPr>
+          <p:cNvPr id="80" name="Rectangle 79">
+            <a:extLst>
+              <a:ext uri="{FF2B5EF4-FFF2-40B4-BE49-F238E27FC236}">
+                <a16:creationId xmlns:a16="http://schemas.microsoft.com/office/drawing/2014/main" id="{B7C00404-CB97-40CE-8763-65CCA0545924}"/>
+              </a:ext>
+            </a:extLst>
+          </p:cNvPr>
+          <p:cNvSpPr/>
+          <p:nvPr/>
+        </p:nvSpPr>
+        <p:spPr>
+          <a:xfrm>
+            <a:off x="9696701" y="1149530"/>
+            <a:ext cx="1462699" cy="406175"/>
+          </a:xfrm>
+          <a:prstGeom prst="rect">
+            <a:avLst/>
+          </a:prstGeom>
+          <a:solidFill>
+            <a:srgbClr val="FFFF99"/>
+          </a:solidFill>
+          <a:ln>
+            <a:solidFill>
+              <a:schemeClr val="tx1"/>
+            </a:solidFill>
+          </a:ln>
+        </p:spPr>
+        <p:txBody>
+          <a:bodyPr rot="0" spcFirstLastPara="0" vertOverflow="overflow" horzOverflow="overflow" vert="horz" wrap="square" lIns="91440" tIns="45720" rIns="91440" bIns="45720" numCol="1" spcCol="0" rtlCol="0" fromWordArt="0" anchor="ctr" anchorCtr="1" forceAA="0" compatLnSpc="1">
+            <a:prstTxWarp prst="textNoShape">
+              <a:avLst/>
+            </a:prstTxWarp>
+            <a:noAutofit/>
+          </a:bodyPr>
+          <a:lstStyle/>
+          <a:p>
+            <a:pPr marL="0" marR="0" lvl="0" indent="0" algn="ctr" defTabSz="914400" rtl="0" eaLnBrk="1" fontAlgn="auto" latinLnBrk="0" hangingPunct="1">
+              <a:lnSpc>
+                <a:spcPct val="100000"/>
+              </a:lnSpc>
+              <a:spcBef>
+                <a:spcPts val="0"/>
+              </a:spcBef>
+              <a:spcAft>
+                <a:spcPts val="0"/>
+              </a:spcAft>
+              <a:buClrTx/>
+              <a:buSzTx/>
+              <a:buFontTx/>
+              <a:buNone/>
+              <a:tabLst/>
+              <a:defRPr/>
+            </a:pPr>
+            <a:r>
+              <a:rPr kumimoji="0" lang="en-US" sz="1200" b="0" i="0" u="none" strike="noStrike" kern="0" cap="none" spc="0" normalizeH="0" baseline="0" noProof="0" dirty="0">
+                <a:ln>
+                  <a:noFill/>
+                </a:ln>
+                <a:solidFill>
+                  <a:prstClr val="black"/>
+                </a:solidFill>
+                <a:effectLst/>
+                <a:uLnTx/>
+                <a:uFillTx/>
+                <a:latin typeface="Calibri" panose="020F0502020204030204"/>
+                <a:ea typeface="+mn-ea"/>
+                <a:cs typeface="+mn-cs"/>
+              </a:rPr>
+              <a:t>Server</a:t>
+            </a:r>
+          </a:p>
+          <a:p>
+            <a:pPr marL="0" marR="0" lvl="0" indent="0" algn="ctr" defTabSz="914400" rtl="0" eaLnBrk="1" fontAlgn="auto" latinLnBrk="0" hangingPunct="1">
+              <a:lnSpc>
+                <a:spcPct val="100000"/>
+              </a:lnSpc>
+              <a:spcBef>
+                <a:spcPts val="0"/>
+              </a:spcBef>
+              <a:spcAft>
+                <a:spcPts val="0"/>
+              </a:spcAft>
+              <a:buClrTx/>
+              <a:buSzTx/>
+              <a:buFontTx/>
+              <a:buNone/>
+              <a:tabLst/>
+              <a:defRPr/>
+            </a:pPr>
+            <a:r>
+              <a:rPr kumimoji="0" lang="en-US" sz="1200" b="0" i="0" u="none" strike="noStrike" kern="0" cap="none" spc="0" normalizeH="0" baseline="0" noProof="0" dirty="0">
+                <a:ln>
+                  <a:noFill/>
+                </a:ln>
+                <a:solidFill>
+                  <a:prstClr val="black"/>
+                </a:solidFill>
+                <a:effectLst/>
+                <a:uLnTx/>
+                <a:uFillTx/>
+                <a:latin typeface="Calibri" panose="020F0502020204030204"/>
+                <a:ea typeface="+mn-ea"/>
+                <a:cs typeface="+mn-cs"/>
+              </a:rPr>
+              <a:t>Implementation 1</a:t>
+            </a:r>
+          </a:p>
+        </p:txBody>
+      </p:sp>
+      <p:sp>
+        <p:nvSpPr>
+          <p:cNvPr id="81" name="Rectangle 80">
+            <a:extLst>
+              <a:ext uri="{FF2B5EF4-FFF2-40B4-BE49-F238E27FC236}">
+                <a16:creationId xmlns:a16="http://schemas.microsoft.com/office/drawing/2014/main" id="{F994C2A3-625E-446B-AA29-92C5F611BB37}"/>
+              </a:ext>
+            </a:extLst>
+          </p:cNvPr>
+          <p:cNvSpPr/>
+          <p:nvPr/>
+        </p:nvSpPr>
+        <p:spPr>
+          <a:xfrm>
+            <a:off x="9696699" y="1714157"/>
+            <a:ext cx="1462699" cy="406175"/>
+          </a:xfrm>
+          <a:prstGeom prst="rect">
+            <a:avLst/>
+          </a:prstGeom>
+          <a:solidFill>
+            <a:srgbClr val="FFFF99"/>
+          </a:solidFill>
+          <a:ln>
+            <a:solidFill>
+              <a:schemeClr val="tx1"/>
+            </a:solidFill>
+          </a:ln>
+        </p:spPr>
+        <p:txBody>
+          <a:bodyPr rot="0" spcFirstLastPara="0" vertOverflow="overflow" horzOverflow="overflow" vert="horz" wrap="square" lIns="91440" tIns="45720" rIns="91440" bIns="45720" numCol="1" spcCol="0" rtlCol="0" fromWordArt="0" anchor="ctr" anchorCtr="1" forceAA="0" compatLnSpc="1">
+            <a:prstTxWarp prst="textNoShape">
+              <a:avLst/>
+            </a:prstTxWarp>
+            <a:noAutofit/>
+          </a:bodyPr>
+          <a:lstStyle/>
+          <a:p>
+            <a:pPr marL="0" marR="0" lvl="0" indent="0" algn="ctr" defTabSz="914400" rtl="0" eaLnBrk="1" fontAlgn="auto" latinLnBrk="0" hangingPunct="1">
+              <a:lnSpc>
+                <a:spcPct val="100000"/>
+              </a:lnSpc>
+              <a:spcBef>
+                <a:spcPts val="0"/>
+              </a:spcBef>
+              <a:spcAft>
+                <a:spcPts val="0"/>
+              </a:spcAft>
+              <a:buClrTx/>
+              <a:buSzTx/>
+              <a:buFontTx/>
+              <a:buNone/>
+              <a:tabLst/>
+              <a:defRPr/>
+            </a:pPr>
+            <a:r>
+              <a:rPr kumimoji="0" lang="en-US" sz="1200" b="0" i="0" u="none" strike="noStrike" kern="0" cap="none" spc="0" normalizeH="0" baseline="0" noProof="0" dirty="0">
+                <a:ln>
+                  <a:noFill/>
+                </a:ln>
+                <a:solidFill>
+                  <a:prstClr val="black"/>
+                </a:solidFill>
+                <a:effectLst/>
+                <a:uLnTx/>
+                <a:uFillTx/>
+                <a:latin typeface="Calibri" panose="020F0502020204030204"/>
+                <a:ea typeface="+mn-ea"/>
+                <a:cs typeface="+mn-cs"/>
+              </a:rPr>
+              <a:t>Server</a:t>
+            </a:r>
+          </a:p>
+          <a:p>
+            <a:pPr marL="0" marR="0" lvl="0" indent="0" algn="ctr" defTabSz="914400" rtl="0" eaLnBrk="1" fontAlgn="auto" latinLnBrk="0" hangingPunct="1">
+              <a:lnSpc>
+                <a:spcPct val="100000"/>
+              </a:lnSpc>
+              <a:spcBef>
+                <a:spcPts val="0"/>
+              </a:spcBef>
+              <a:spcAft>
+                <a:spcPts val="0"/>
+              </a:spcAft>
+              <a:buClrTx/>
+              <a:buSzTx/>
+              <a:buFontTx/>
+              <a:buNone/>
+              <a:tabLst/>
+              <a:defRPr/>
+            </a:pPr>
+            <a:r>
+              <a:rPr kumimoji="0" lang="en-US" sz="1200" b="0" i="0" u="none" strike="noStrike" kern="0" cap="none" spc="0" normalizeH="0" baseline="0" noProof="0" dirty="0">
+                <a:ln>
+                  <a:noFill/>
+                </a:ln>
+                <a:solidFill>
+                  <a:prstClr val="black"/>
+                </a:solidFill>
+                <a:effectLst/>
+                <a:uLnTx/>
+                <a:uFillTx/>
+                <a:latin typeface="Calibri" panose="020F0502020204030204"/>
+                <a:ea typeface="+mn-ea"/>
+                <a:cs typeface="+mn-cs"/>
+              </a:rPr>
+              <a:t>Implementation 2</a:t>
+            </a:r>
+          </a:p>
+        </p:txBody>
+      </p:sp>
+      <p:sp>
+        <p:nvSpPr>
+          <p:cNvPr id="78" name="Rectangle 77">
+            <a:extLst>
+              <a:ext uri="{FF2B5EF4-FFF2-40B4-BE49-F238E27FC236}">
+                <a16:creationId xmlns:a16="http://schemas.microsoft.com/office/drawing/2014/main" id="{143CF522-6F6F-4D02-A696-C09778F6022B}"/>
+              </a:ext>
+            </a:extLst>
+          </p:cNvPr>
+          <p:cNvSpPr/>
+          <p:nvPr/>
+        </p:nvSpPr>
+        <p:spPr>
+          <a:xfrm>
+            <a:off x="7731523" y="1083220"/>
+            <a:ext cx="1402926" cy="1128575"/>
+          </a:xfrm>
+          <a:prstGeom prst="rect">
+            <a:avLst/>
+          </a:prstGeom>
+          <a:solidFill>
+            <a:srgbClr val="FFCD2F"/>
+          </a:solidFill>
+          <a:ln w="12700">
+            <a:solidFill>
+              <a:schemeClr val="tx1"/>
+            </a:solidFill>
+          </a:ln>
+        </p:spPr>
+        <p:txBody>
+          <a:bodyPr rot="0" spcFirstLastPara="0" vertOverflow="overflow" horzOverflow="overflow" vert="horz" wrap="square" lIns="91440" tIns="45720" rIns="91440" bIns="45720" numCol="1" spcCol="0" rtlCol="0" fromWordArt="0" anchor="ctr" anchorCtr="1" forceAA="0" compatLnSpc="1">
+            <a:prstTxWarp prst="textNoShape">
+              <a:avLst/>
+            </a:prstTxWarp>
+            <a:noAutofit/>
+          </a:bodyPr>
+          <a:lstStyle/>
+          <a:p>
+            <a:pPr algn="ctr"/>
+            <a:r>
+              <a:rPr lang="en-US" sz="1400" kern="0" dirty="0">
+                <a:solidFill>
+                  <a:prstClr val="black"/>
+                </a:solidFill>
+                <a:latin typeface="Calibri" panose="020F0502020204030204"/>
+              </a:rPr>
+              <a:t>RPC</a:t>
+            </a:r>
+          </a:p>
+          <a:p>
+            <a:pPr algn="ctr"/>
+            <a:r>
+              <a:rPr lang="en-US" sz="1400" kern="0" dirty="0">
+                <a:solidFill>
+                  <a:prstClr val="black"/>
+                </a:solidFill>
+                <a:latin typeface="Calibri" panose="020F0502020204030204"/>
+              </a:rPr>
+              <a:t>Manager</a:t>
+            </a:r>
+          </a:p>
+        </p:txBody>
+      </p:sp>
+      <p:grpSp>
+        <p:nvGrpSpPr>
+          <p:cNvPr id="4" name="Group 3">
+            <a:extLst>
+              <a:ext uri="{FF2B5EF4-FFF2-40B4-BE49-F238E27FC236}">
+                <a16:creationId xmlns:a16="http://schemas.microsoft.com/office/drawing/2014/main" id="{C3858A05-8733-4451-BE0F-58111F7CE05F}"/>
+              </a:ext>
+            </a:extLst>
+          </p:cNvPr>
+          <p:cNvGrpSpPr/>
+          <p:nvPr/>
+        </p:nvGrpSpPr>
+        <p:grpSpPr>
+          <a:xfrm>
+            <a:off x="6588217" y="1239708"/>
+            <a:ext cx="501385" cy="281652"/>
+            <a:chOff x="6178841" y="3206121"/>
+            <a:chExt cx="501385" cy="281652"/>
+          </a:xfrm>
+        </p:grpSpPr>
+        <p:cxnSp>
+          <p:nvCxnSpPr>
+            <p:cNvPr id="28" name="Straight Connector 27">
+              <a:extLst>
+                <a:ext uri="{FF2B5EF4-FFF2-40B4-BE49-F238E27FC236}">
+                  <a16:creationId xmlns:a16="http://schemas.microsoft.com/office/drawing/2014/main" id="{89C00301-B6BB-4574-805D-19AF644EE6AD}"/>
+                </a:ext>
+              </a:extLst>
+            </p:cNvPr>
+            <p:cNvCxnSpPr>
+              <a:cxnSpLocks/>
+              <a:endCxn id="29" idx="6"/>
+            </p:cNvCxnSpPr>
+            <p:nvPr/>
+          </p:nvCxnSpPr>
+          <p:spPr>
+            <a:xfrm flipH="1">
+              <a:off x="6465414" y="3340791"/>
+              <a:ext cx="214812" cy="6156"/>
+            </a:xfrm>
+            <a:prstGeom prst="line">
+              <a:avLst/>
+            </a:prstGeom>
+            <a:ln w="12700">
+              <a:solidFill>
+                <a:schemeClr val="tx1"/>
+              </a:solidFill>
+            </a:ln>
+          </p:spPr>
+          <p:style>
+            <a:lnRef idx="1">
+              <a:schemeClr val="accent1"/>
+            </a:lnRef>
+            <a:fillRef idx="0">
+              <a:schemeClr val="accent1"/>
+            </a:fillRef>
+            <a:effectRef idx="0">
+              <a:schemeClr val="accent1"/>
+            </a:effectRef>
+            <a:fontRef idx="minor">
+              <a:schemeClr val="tx1"/>
+            </a:fontRef>
+          </p:style>
+        </p:cxnSp>
+        <p:sp>
+          <p:nvSpPr>
+            <p:cNvPr id="29" name="Oval 28">
+              <a:extLst>
+                <a:ext uri="{FF2B5EF4-FFF2-40B4-BE49-F238E27FC236}">
+                  <a16:creationId xmlns:a16="http://schemas.microsoft.com/office/drawing/2014/main" id="{B20ABCDC-F62C-45CA-9BA5-D179B38C37AD}"/>
+                </a:ext>
+              </a:extLst>
+            </p:cNvPr>
+            <p:cNvSpPr/>
+            <p:nvPr/>
+          </p:nvSpPr>
+          <p:spPr>
+            <a:xfrm>
+              <a:off x="6178841" y="3206121"/>
+              <a:ext cx="286573" cy="281652"/>
+            </a:xfrm>
+            <a:prstGeom prst="ellipse">
+              <a:avLst/>
+            </a:prstGeom>
+            <a:noFill/>
+            <a:ln>
+              <a:solidFill>
+                <a:schemeClr val="tx1"/>
+              </a:solidFill>
+            </a:ln>
+          </p:spPr>
+          <p:style>
+            <a:lnRef idx="2">
+              <a:schemeClr val="accent1">
+                <a:shade val="50000"/>
+              </a:schemeClr>
+            </a:lnRef>
+            <a:fillRef idx="1">
+              <a:schemeClr val="accent1"/>
+            </a:fillRef>
+            <a:effectRef idx="0">
+              <a:schemeClr val="accent1"/>
+            </a:effectRef>
+            <a:fontRef idx="minor">
+              <a:schemeClr val="lt1"/>
+            </a:fontRef>
+          </p:style>
+          <p:txBody>
+            <a:bodyPr rtlCol="0" anchor="ctr"/>
+            <a:lstStyle/>
+            <a:p>
+              <a:pPr algn="ctr"/>
+              <a:endParaRPr lang="en-US"/>
+            </a:p>
+          </p:txBody>
+        </p:sp>
+      </p:grpSp>
+      <p:sp>
+        <p:nvSpPr>
+          <p:cNvPr id="45" name="Rectangle: Rounded Corners 44">
+            <a:extLst>
+              <a:ext uri="{FF2B5EF4-FFF2-40B4-BE49-F238E27FC236}">
+                <a16:creationId xmlns:a16="http://schemas.microsoft.com/office/drawing/2014/main" id="{BE7CA9B0-0F65-406A-97F5-2712EC80AE79}"/>
+              </a:ext>
+            </a:extLst>
+          </p:cNvPr>
+          <p:cNvSpPr/>
+          <p:nvPr/>
+        </p:nvSpPr>
+        <p:spPr>
+          <a:xfrm>
+            <a:off x="7077836" y="1222944"/>
+            <a:ext cx="773014" cy="315181"/>
+          </a:xfrm>
+          <a:prstGeom prst="roundRect">
+            <a:avLst/>
+          </a:prstGeom>
+          <a:solidFill>
+            <a:srgbClr val="CCCCFF"/>
+          </a:solidFill>
+          <a:ln>
+            <a:solidFill>
+              <a:schemeClr val="tx1"/>
+            </a:solidFill>
+          </a:ln>
+        </p:spPr>
+        <p:style>
+          <a:lnRef idx="2">
+            <a:schemeClr val="accent1">
+              <a:shade val="50000"/>
+            </a:schemeClr>
+          </a:lnRef>
+          <a:fillRef idx="1">
+            <a:schemeClr val="accent1"/>
+          </a:fillRef>
+          <a:effectRef idx="0">
+            <a:schemeClr val="accent1"/>
+          </a:effectRef>
+          <a:fontRef idx="minor">
+            <a:schemeClr val="lt1"/>
+          </a:fontRef>
+        </p:style>
+        <p:txBody>
+          <a:bodyPr rtlCol="0" anchor="ctr">
+            <a:noAutofit/>
+          </a:bodyPr>
+          <a:lstStyle/>
+          <a:p>
+            <a:pPr algn="ctr"/>
+            <a:r>
+              <a:rPr lang="en-US" sz="900" dirty="0">
+                <a:solidFill>
+                  <a:schemeClr val="tx1"/>
+                </a:solidFill>
+              </a:rPr>
+              <a:t>Server</a:t>
+            </a:r>
+          </a:p>
+          <a:p>
+            <a:pPr algn="ctr"/>
+            <a:r>
+              <a:rPr lang="en-US" sz="900" dirty="0">
+                <a:solidFill>
+                  <a:schemeClr val="tx1"/>
+                </a:solidFill>
+              </a:rPr>
+              <a:t>Dispatch 1</a:t>
+            </a:r>
+          </a:p>
+        </p:txBody>
+      </p:sp>
+      <p:sp>
+        <p:nvSpPr>
+          <p:cNvPr id="58" name="Rectangle: Rounded Corners 57">
+            <a:extLst>
+              <a:ext uri="{FF2B5EF4-FFF2-40B4-BE49-F238E27FC236}">
+                <a16:creationId xmlns:a16="http://schemas.microsoft.com/office/drawing/2014/main" id="{CBE3F4F7-693A-4487-83B8-2AEE7080F94A}"/>
+              </a:ext>
+            </a:extLst>
+          </p:cNvPr>
+          <p:cNvSpPr/>
+          <p:nvPr/>
+        </p:nvSpPr>
+        <p:spPr>
+          <a:xfrm>
+            <a:off x="9037240" y="1206179"/>
+            <a:ext cx="773014" cy="315181"/>
+          </a:xfrm>
+          <a:prstGeom prst="roundRect">
+            <a:avLst/>
+          </a:prstGeom>
+          <a:solidFill>
+            <a:srgbClr val="FFFF00"/>
+          </a:solidFill>
+          <a:ln>
+            <a:solidFill>
+              <a:schemeClr val="tx1"/>
+            </a:solidFill>
+          </a:ln>
+        </p:spPr>
+        <p:style>
+          <a:lnRef idx="2">
+            <a:schemeClr val="accent1">
+              <a:shade val="50000"/>
+            </a:schemeClr>
+          </a:lnRef>
+          <a:fillRef idx="1">
+            <a:schemeClr val="accent1"/>
+          </a:fillRef>
+          <a:effectRef idx="0">
+            <a:schemeClr val="accent1"/>
+          </a:effectRef>
+          <a:fontRef idx="minor">
+            <a:schemeClr val="lt1"/>
+          </a:fontRef>
+        </p:style>
+        <p:txBody>
+          <a:bodyPr rtlCol="0" anchor="ctr">
+            <a:noAutofit/>
+          </a:bodyPr>
+          <a:lstStyle/>
+          <a:p>
+            <a:pPr algn="ctr"/>
+            <a:r>
+              <a:rPr lang="en-US" sz="900" dirty="0">
+                <a:solidFill>
+                  <a:schemeClr val="tx1"/>
+                </a:solidFill>
+              </a:rPr>
+              <a:t>RPC</a:t>
+            </a:r>
+          </a:p>
+          <a:p>
+            <a:pPr algn="ctr"/>
+            <a:r>
+              <a:rPr lang="en-US" sz="900" dirty="0">
+                <a:solidFill>
+                  <a:schemeClr val="tx1"/>
+                </a:solidFill>
+              </a:rPr>
+              <a:t>Interface 1</a:t>
+            </a:r>
+          </a:p>
+        </p:txBody>
+      </p:sp>
+      <p:sp>
+        <p:nvSpPr>
+          <p:cNvPr id="59" name="Rectangle: Rounded Corners 58">
+            <a:extLst>
+              <a:ext uri="{FF2B5EF4-FFF2-40B4-BE49-F238E27FC236}">
+                <a16:creationId xmlns:a16="http://schemas.microsoft.com/office/drawing/2014/main" id="{39FDFAEA-99D8-48F9-8BBC-3876F38C1104}"/>
+              </a:ext>
+            </a:extLst>
+          </p:cNvPr>
+          <p:cNvSpPr/>
+          <p:nvPr/>
+        </p:nvSpPr>
+        <p:spPr>
+          <a:xfrm>
+            <a:off x="9035947" y="1756373"/>
+            <a:ext cx="773014" cy="315181"/>
+          </a:xfrm>
+          <a:prstGeom prst="roundRect">
+            <a:avLst/>
+          </a:prstGeom>
+          <a:solidFill>
+            <a:srgbClr val="FFFF00"/>
+          </a:solidFill>
+          <a:ln>
+            <a:solidFill>
+              <a:schemeClr val="tx1"/>
+            </a:solidFill>
+          </a:ln>
+        </p:spPr>
+        <p:style>
+          <a:lnRef idx="2">
+            <a:schemeClr val="accent1">
+              <a:shade val="50000"/>
+            </a:schemeClr>
+          </a:lnRef>
+          <a:fillRef idx="1">
+            <a:schemeClr val="accent1"/>
+          </a:fillRef>
+          <a:effectRef idx="0">
+            <a:schemeClr val="accent1"/>
+          </a:effectRef>
+          <a:fontRef idx="minor">
+            <a:schemeClr val="lt1"/>
+          </a:fontRef>
+        </p:style>
+        <p:txBody>
+          <a:bodyPr rtlCol="0" anchor="ctr">
+            <a:noAutofit/>
+          </a:bodyPr>
+          <a:lstStyle/>
+          <a:p>
+            <a:pPr algn="ctr"/>
+            <a:r>
+              <a:rPr lang="en-US" sz="900" dirty="0">
+                <a:solidFill>
+                  <a:schemeClr val="tx1"/>
+                </a:solidFill>
+              </a:rPr>
+              <a:t>RPC</a:t>
+            </a:r>
+          </a:p>
+          <a:p>
+            <a:pPr algn="ctr"/>
+            <a:r>
+              <a:rPr lang="en-US" sz="900" dirty="0">
+                <a:solidFill>
+                  <a:schemeClr val="tx1"/>
+                </a:solidFill>
+              </a:rPr>
+              <a:t>Interface 2</a:t>
+            </a:r>
+          </a:p>
+        </p:txBody>
+      </p:sp>
+      <p:sp>
+        <p:nvSpPr>
+          <p:cNvPr id="61" name="Rectangle: Rounded Corners 60">
+            <a:extLst>
+              <a:ext uri="{FF2B5EF4-FFF2-40B4-BE49-F238E27FC236}">
+                <a16:creationId xmlns:a16="http://schemas.microsoft.com/office/drawing/2014/main" id="{5CCA723C-60D8-48A8-B42D-D815B17FB098}"/>
+              </a:ext>
+            </a:extLst>
+          </p:cNvPr>
+          <p:cNvSpPr/>
+          <p:nvPr/>
+        </p:nvSpPr>
+        <p:spPr>
+          <a:xfrm>
+            <a:off x="7072258" y="1774204"/>
+            <a:ext cx="773014" cy="315181"/>
+          </a:xfrm>
+          <a:prstGeom prst="roundRect">
+            <a:avLst/>
+          </a:prstGeom>
+          <a:solidFill>
+            <a:srgbClr val="CCCCFF"/>
+          </a:solidFill>
+          <a:ln>
+            <a:solidFill>
+              <a:schemeClr val="tx1"/>
+            </a:solidFill>
+          </a:ln>
+        </p:spPr>
+        <p:style>
+          <a:lnRef idx="2">
+            <a:schemeClr val="accent1">
+              <a:shade val="50000"/>
+            </a:schemeClr>
+          </a:lnRef>
+          <a:fillRef idx="1">
+            <a:schemeClr val="accent1"/>
+          </a:fillRef>
+          <a:effectRef idx="0">
+            <a:schemeClr val="accent1"/>
+          </a:effectRef>
+          <a:fontRef idx="minor">
+            <a:schemeClr val="lt1"/>
+          </a:fontRef>
+        </p:style>
+        <p:txBody>
+          <a:bodyPr rtlCol="0" anchor="ctr">
+            <a:noAutofit/>
+          </a:bodyPr>
+          <a:lstStyle/>
+          <a:p>
+            <a:pPr algn="ctr"/>
+            <a:r>
+              <a:rPr lang="en-US" sz="900" dirty="0">
+                <a:solidFill>
+                  <a:schemeClr val="tx1"/>
+                </a:solidFill>
+              </a:rPr>
+              <a:t>Server</a:t>
+            </a:r>
+          </a:p>
+          <a:p>
+            <a:pPr algn="ctr"/>
+            <a:r>
+              <a:rPr lang="en-US" sz="900" dirty="0">
+                <a:solidFill>
+                  <a:schemeClr val="tx1"/>
+                </a:solidFill>
+              </a:rPr>
+              <a:t>Dispatch 2</a:t>
+            </a:r>
+          </a:p>
+        </p:txBody>
+      </p:sp>
+      <p:grpSp>
+        <p:nvGrpSpPr>
+          <p:cNvPr id="72" name="Group 71">
+            <a:extLst>
+              <a:ext uri="{FF2B5EF4-FFF2-40B4-BE49-F238E27FC236}">
+                <a16:creationId xmlns:a16="http://schemas.microsoft.com/office/drawing/2014/main" id="{4E0DBC8D-818B-4B77-86B7-C075F6A6205F}"/>
+              </a:ext>
+            </a:extLst>
+          </p:cNvPr>
+          <p:cNvGrpSpPr/>
+          <p:nvPr/>
+        </p:nvGrpSpPr>
+        <p:grpSpPr>
+          <a:xfrm>
+            <a:off x="6570873" y="1790352"/>
+            <a:ext cx="501385" cy="281652"/>
+            <a:chOff x="6178841" y="3206121"/>
+            <a:chExt cx="501385" cy="281652"/>
+          </a:xfrm>
+        </p:grpSpPr>
+        <p:cxnSp>
+          <p:nvCxnSpPr>
+            <p:cNvPr id="73" name="Straight Connector 72">
+              <a:extLst>
+                <a:ext uri="{FF2B5EF4-FFF2-40B4-BE49-F238E27FC236}">
+                  <a16:creationId xmlns:a16="http://schemas.microsoft.com/office/drawing/2014/main" id="{32ED0338-82C9-4EAE-BE7C-8476526C0FD5}"/>
+                </a:ext>
+              </a:extLst>
+            </p:cNvPr>
+            <p:cNvCxnSpPr>
+              <a:cxnSpLocks/>
+              <a:endCxn id="74" idx="6"/>
+            </p:cNvCxnSpPr>
+            <p:nvPr/>
+          </p:nvCxnSpPr>
+          <p:spPr>
+            <a:xfrm flipH="1">
+              <a:off x="6465414" y="3340791"/>
+              <a:ext cx="214812" cy="6156"/>
+            </a:xfrm>
+            <a:prstGeom prst="line">
+              <a:avLst/>
+            </a:prstGeom>
+            <a:ln w="12700">
+              <a:solidFill>
+                <a:schemeClr val="tx1"/>
+              </a:solidFill>
+            </a:ln>
+          </p:spPr>
+          <p:style>
+            <a:lnRef idx="1">
+              <a:schemeClr val="accent1"/>
+            </a:lnRef>
+            <a:fillRef idx="0">
+              <a:schemeClr val="accent1"/>
+            </a:fillRef>
+            <a:effectRef idx="0">
+              <a:schemeClr val="accent1"/>
+            </a:effectRef>
+            <a:fontRef idx="minor">
+              <a:schemeClr val="tx1"/>
+            </a:fontRef>
+          </p:style>
+        </p:cxnSp>
+        <p:sp>
+          <p:nvSpPr>
+            <p:cNvPr id="74" name="Oval 73">
+              <a:extLst>
+                <a:ext uri="{FF2B5EF4-FFF2-40B4-BE49-F238E27FC236}">
+                  <a16:creationId xmlns:a16="http://schemas.microsoft.com/office/drawing/2014/main" id="{7EE5D7F3-1F0D-4830-B086-3CAE85176741}"/>
+                </a:ext>
+              </a:extLst>
+            </p:cNvPr>
+            <p:cNvSpPr/>
+            <p:nvPr/>
+          </p:nvSpPr>
+          <p:spPr>
+            <a:xfrm>
+              <a:off x="6178841" y="3206121"/>
+              <a:ext cx="286573" cy="281652"/>
+            </a:xfrm>
+            <a:prstGeom prst="ellipse">
+              <a:avLst/>
+            </a:prstGeom>
+            <a:noFill/>
+            <a:ln>
+              <a:solidFill>
+                <a:schemeClr val="tx1"/>
+              </a:solidFill>
+            </a:ln>
+          </p:spPr>
+          <p:style>
+            <a:lnRef idx="2">
+              <a:schemeClr val="accent1">
+                <a:shade val="50000"/>
+              </a:schemeClr>
+            </a:lnRef>
+            <a:fillRef idx="1">
+              <a:schemeClr val="accent1"/>
+            </a:fillRef>
+            <a:effectRef idx="0">
+              <a:schemeClr val="accent1"/>
+            </a:effectRef>
+            <a:fontRef idx="minor">
+              <a:schemeClr val="lt1"/>
+            </a:fontRef>
+          </p:style>
+          <p:txBody>
+            <a:bodyPr rtlCol="0" anchor="ctr"/>
+            <a:lstStyle/>
+            <a:p>
+              <a:pPr algn="ctr"/>
+              <a:endParaRPr lang="en-US"/>
+            </a:p>
+          </p:txBody>
+        </p:sp>
+      </p:grpSp>
+      <p:sp>
+        <p:nvSpPr>
+          <p:cNvPr id="83" name="Rectangle 82">
+            <a:extLst>
+              <a:ext uri="{FF2B5EF4-FFF2-40B4-BE49-F238E27FC236}">
+                <a16:creationId xmlns:a16="http://schemas.microsoft.com/office/drawing/2014/main" id="{8B302611-0529-4D18-A68C-F1BCFB471BE5}"/>
+              </a:ext>
+            </a:extLst>
+          </p:cNvPr>
+          <p:cNvSpPr/>
+          <p:nvPr/>
+        </p:nvSpPr>
+        <p:spPr>
+          <a:xfrm>
+            <a:off x="7187943" y="2722022"/>
+            <a:ext cx="4052082" cy="1475285"/>
+          </a:xfrm>
+          <a:prstGeom prst="rect">
+            <a:avLst/>
+          </a:prstGeom>
+          <a:solidFill>
+            <a:srgbClr val="00B050"/>
+          </a:solidFill>
+          <a:ln>
+            <a:solidFill>
+              <a:schemeClr val="tx1"/>
+            </a:solidFill>
+          </a:ln>
+        </p:spPr>
+        <p:txBody>
+          <a:bodyPr rot="0" spcFirstLastPara="0" vertOverflow="overflow" horzOverflow="overflow" vert="horz" wrap="square" lIns="91440" tIns="45720" rIns="91440" bIns="45720" numCol="1" spcCol="0" rtlCol="0" fromWordArt="0" anchor="t" anchorCtr="1" forceAA="0" compatLnSpc="1">
+            <a:prstTxWarp prst="textNoShape">
+              <a:avLst/>
+            </a:prstTxWarp>
+            <a:noAutofit/>
+          </a:bodyPr>
+          <a:lstStyle/>
+          <a:p>
+            <a:pPr algn="ctr"/>
+            <a:r>
+              <a:rPr lang="en-US" kern="0" dirty="0">
+                <a:solidFill>
+                  <a:prstClr val="black"/>
+                </a:solidFill>
+                <a:latin typeface="Calibri" panose="020F0502020204030204"/>
+              </a:rPr>
+              <a:t>Backend B</a:t>
+            </a:r>
+          </a:p>
+        </p:txBody>
+      </p:sp>
+      <p:sp>
+        <p:nvSpPr>
+          <p:cNvPr id="84" name="Rectangle 83">
+            <a:extLst>
+              <a:ext uri="{FF2B5EF4-FFF2-40B4-BE49-F238E27FC236}">
+                <a16:creationId xmlns:a16="http://schemas.microsoft.com/office/drawing/2014/main" id="{BC7CC323-5951-4A37-A093-02E6E1DADD26}"/>
+              </a:ext>
+            </a:extLst>
+          </p:cNvPr>
+          <p:cNvSpPr/>
+          <p:nvPr/>
+        </p:nvSpPr>
+        <p:spPr>
+          <a:xfrm>
+            <a:off x="9679355" y="3116838"/>
+            <a:ext cx="1462699" cy="971842"/>
+          </a:xfrm>
+          <a:prstGeom prst="rect">
+            <a:avLst/>
+          </a:prstGeom>
+          <a:solidFill>
+            <a:srgbClr val="FFFF99"/>
+          </a:solidFill>
+          <a:ln>
+            <a:solidFill>
+              <a:schemeClr val="tx1"/>
+            </a:solidFill>
+          </a:ln>
+        </p:spPr>
+        <p:txBody>
+          <a:bodyPr rot="0" spcFirstLastPara="0" vertOverflow="overflow" horzOverflow="overflow" vert="horz" wrap="square" lIns="91440" tIns="45720" rIns="91440" bIns="45720" numCol="1" spcCol="0" rtlCol="0" fromWordArt="0" anchor="ctr" anchorCtr="1" forceAA="0" compatLnSpc="1">
+            <a:prstTxWarp prst="textNoShape">
+              <a:avLst/>
+            </a:prstTxWarp>
+            <a:noAutofit/>
+          </a:bodyPr>
+          <a:lstStyle/>
+          <a:p>
+            <a:pPr marL="0" marR="0" lvl="0" indent="0" algn="ctr" defTabSz="914400" rtl="0" eaLnBrk="1" fontAlgn="auto" latinLnBrk="0" hangingPunct="1">
+              <a:lnSpc>
+                <a:spcPct val="100000"/>
+              </a:lnSpc>
+              <a:spcBef>
+                <a:spcPts val="0"/>
+              </a:spcBef>
+              <a:spcAft>
+                <a:spcPts val="0"/>
+              </a:spcAft>
+              <a:buClrTx/>
+              <a:buSzTx/>
+              <a:buFontTx/>
+              <a:buNone/>
+              <a:tabLst/>
+              <a:defRPr/>
+            </a:pPr>
+            <a:r>
+              <a:rPr kumimoji="0" lang="en-US" sz="1200" b="0" i="0" u="none" strike="noStrike" kern="0" cap="none" spc="0" normalizeH="0" baseline="0" noProof="0" dirty="0">
+                <a:ln>
+                  <a:noFill/>
+                </a:ln>
+                <a:solidFill>
+                  <a:prstClr val="black"/>
+                </a:solidFill>
+                <a:effectLst/>
+                <a:uLnTx/>
+                <a:uFillTx/>
+                <a:latin typeface="Calibri" panose="020F0502020204030204"/>
+                <a:ea typeface="+mn-ea"/>
+                <a:cs typeface="+mn-cs"/>
+              </a:rPr>
+              <a:t>Server</a:t>
+            </a:r>
+          </a:p>
+          <a:p>
+            <a:pPr marL="0" marR="0" lvl="0" indent="0" algn="ctr" defTabSz="914400" rtl="0" eaLnBrk="1" fontAlgn="auto" latinLnBrk="0" hangingPunct="1">
+              <a:lnSpc>
+                <a:spcPct val="100000"/>
+              </a:lnSpc>
+              <a:spcBef>
+                <a:spcPts val="0"/>
+              </a:spcBef>
+              <a:spcAft>
+                <a:spcPts val="0"/>
+              </a:spcAft>
+              <a:buClrTx/>
+              <a:buSzTx/>
+              <a:buFontTx/>
+              <a:buNone/>
+              <a:tabLst/>
+              <a:defRPr/>
+            </a:pPr>
+            <a:r>
+              <a:rPr kumimoji="0" lang="en-US" sz="1200" b="0" i="0" u="none" strike="noStrike" kern="0" cap="none" spc="0" normalizeH="0" baseline="0" noProof="0" dirty="0">
+                <a:ln>
+                  <a:noFill/>
+                </a:ln>
+                <a:solidFill>
+                  <a:prstClr val="black"/>
+                </a:solidFill>
+                <a:effectLst/>
+                <a:uLnTx/>
+                <a:uFillTx/>
+                <a:latin typeface="Calibri" panose="020F0502020204030204"/>
+                <a:ea typeface="+mn-ea"/>
+                <a:cs typeface="+mn-cs"/>
+              </a:rPr>
+              <a:t>Implementation 3</a:t>
+            </a:r>
+          </a:p>
+        </p:txBody>
+      </p:sp>
+      <p:sp>
+        <p:nvSpPr>
+          <p:cNvPr id="87" name="Rectangle 86">
+            <a:extLst>
+              <a:ext uri="{FF2B5EF4-FFF2-40B4-BE49-F238E27FC236}">
+                <a16:creationId xmlns:a16="http://schemas.microsoft.com/office/drawing/2014/main" id="{7EE719AD-D7B3-4911-99AC-245C963E8025}"/>
+              </a:ext>
+            </a:extLst>
+          </p:cNvPr>
+          <p:cNvSpPr/>
+          <p:nvPr/>
+        </p:nvSpPr>
+        <p:spPr>
+          <a:xfrm>
+            <a:off x="7714179" y="3116839"/>
+            <a:ext cx="1402926" cy="971842"/>
+          </a:xfrm>
+          <a:prstGeom prst="rect">
+            <a:avLst/>
+          </a:prstGeom>
+          <a:solidFill>
+            <a:srgbClr val="FFCD2F"/>
+          </a:solidFill>
+          <a:ln w="12700">
+            <a:solidFill>
+              <a:schemeClr val="tx1"/>
+            </a:solidFill>
+          </a:ln>
+        </p:spPr>
+        <p:txBody>
+          <a:bodyPr rot="0" spcFirstLastPara="0" vertOverflow="overflow" horzOverflow="overflow" vert="horz" wrap="square" lIns="91440" tIns="45720" rIns="91440" bIns="45720" numCol="1" spcCol="0" rtlCol="0" fromWordArt="0" anchor="ctr" anchorCtr="1" forceAA="0" compatLnSpc="1">
+            <a:prstTxWarp prst="textNoShape">
+              <a:avLst/>
+            </a:prstTxWarp>
+            <a:noAutofit/>
+          </a:bodyPr>
+          <a:lstStyle/>
+          <a:p>
+            <a:pPr algn="ctr"/>
+            <a:r>
+              <a:rPr lang="en-US" sz="1400" kern="0" dirty="0">
+                <a:solidFill>
+                  <a:prstClr val="black"/>
+                </a:solidFill>
+                <a:latin typeface="Calibri" panose="020F0502020204030204"/>
+              </a:rPr>
+              <a:t>RPC</a:t>
+            </a:r>
+          </a:p>
+          <a:p>
+            <a:pPr algn="ctr"/>
+            <a:r>
+              <a:rPr lang="en-US" sz="1400" kern="0" dirty="0">
+                <a:solidFill>
+                  <a:prstClr val="black"/>
+                </a:solidFill>
+                <a:latin typeface="Calibri" panose="020F0502020204030204"/>
+              </a:rPr>
+              <a:t>Manager</a:t>
+            </a:r>
+          </a:p>
+        </p:txBody>
+      </p:sp>
+      <p:grpSp>
+        <p:nvGrpSpPr>
+          <p:cNvPr id="88" name="Group 87">
+            <a:extLst>
+              <a:ext uri="{FF2B5EF4-FFF2-40B4-BE49-F238E27FC236}">
+                <a16:creationId xmlns:a16="http://schemas.microsoft.com/office/drawing/2014/main" id="{99521C5A-18A3-43F2-993E-F4DC1F852F7D}"/>
+              </a:ext>
+            </a:extLst>
+          </p:cNvPr>
+          <p:cNvGrpSpPr/>
+          <p:nvPr/>
+        </p:nvGrpSpPr>
+        <p:grpSpPr>
+          <a:xfrm>
+            <a:off x="6570873" y="3185256"/>
+            <a:ext cx="501385" cy="281652"/>
+            <a:chOff x="6178841" y="3206121"/>
+            <a:chExt cx="501385" cy="281652"/>
+          </a:xfrm>
+        </p:grpSpPr>
+        <p:cxnSp>
+          <p:nvCxnSpPr>
+            <p:cNvPr id="89" name="Straight Connector 88">
+              <a:extLst>
+                <a:ext uri="{FF2B5EF4-FFF2-40B4-BE49-F238E27FC236}">
+                  <a16:creationId xmlns:a16="http://schemas.microsoft.com/office/drawing/2014/main" id="{B1ED61BD-EAB3-4A19-80F7-1E6D4D7A9BCC}"/>
+                </a:ext>
+              </a:extLst>
+            </p:cNvPr>
+            <p:cNvCxnSpPr>
+              <a:cxnSpLocks/>
+              <a:endCxn id="90" idx="6"/>
+            </p:cNvCxnSpPr>
+            <p:nvPr/>
+          </p:nvCxnSpPr>
+          <p:spPr>
+            <a:xfrm flipH="1">
+              <a:off x="6465414" y="3340791"/>
+              <a:ext cx="214812" cy="6156"/>
+            </a:xfrm>
+            <a:prstGeom prst="line">
+              <a:avLst/>
+            </a:prstGeom>
+            <a:ln w="12700">
+              <a:solidFill>
+                <a:schemeClr val="tx1"/>
+              </a:solidFill>
+            </a:ln>
+          </p:spPr>
+          <p:style>
+            <a:lnRef idx="1">
+              <a:schemeClr val="accent1"/>
+            </a:lnRef>
+            <a:fillRef idx="0">
+              <a:schemeClr val="accent1"/>
+            </a:fillRef>
+            <a:effectRef idx="0">
+              <a:schemeClr val="accent1"/>
+            </a:effectRef>
+            <a:fontRef idx="minor">
+              <a:schemeClr val="tx1"/>
+            </a:fontRef>
+          </p:style>
+        </p:cxnSp>
+        <p:sp>
+          <p:nvSpPr>
+            <p:cNvPr id="90" name="Oval 89">
+              <a:extLst>
+                <a:ext uri="{FF2B5EF4-FFF2-40B4-BE49-F238E27FC236}">
+                  <a16:creationId xmlns:a16="http://schemas.microsoft.com/office/drawing/2014/main" id="{EFDAD682-CFE6-4364-8A3A-1D3395207649}"/>
+                </a:ext>
+              </a:extLst>
+            </p:cNvPr>
+            <p:cNvSpPr/>
+            <p:nvPr/>
+          </p:nvSpPr>
+          <p:spPr>
+            <a:xfrm>
+              <a:off x="6178841" y="3206121"/>
+              <a:ext cx="286573" cy="281652"/>
+            </a:xfrm>
+            <a:prstGeom prst="ellipse">
+              <a:avLst/>
+            </a:prstGeom>
+            <a:noFill/>
+            <a:ln>
+              <a:solidFill>
+                <a:schemeClr val="tx1"/>
+              </a:solidFill>
+            </a:ln>
+          </p:spPr>
+          <p:style>
+            <a:lnRef idx="2">
+              <a:schemeClr val="accent1">
+                <a:shade val="50000"/>
+              </a:schemeClr>
+            </a:lnRef>
+            <a:fillRef idx="1">
+              <a:schemeClr val="accent1"/>
+            </a:fillRef>
+            <a:effectRef idx="0">
+              <a:schemeClr val="accent1"/>
+            </a:effectRef>
+            <a:fontRef idx="minor">
+              <a:schemeClr val="lt1"/>
+            </a:fontRef>
+          </p:style>
+          <p:txBody>
+            <a:bodyPr rtlCol="0" anchor="ctr"/>
+            <a:lstStyle/>
+            <a:p>
+              <a:pPr algn="ctr"/>
+              <a:endParaRPr lang="en-US"/>
+            </a:p>
+          </p:txBody>
+        </p:sp>
+      </p:grpSp>
+      <p:sp>
+        <p:nvSpPr>
+          <p:cNvPr id="91" name="Rectangle: Rounded Corners 90">
+            <a:extLst>
+              <a:ext uri="{FF2B5EF4-FFF2-40B4-BE49-F238E27FC236}">
+                <a16:creationId xmlns:a16="http://schemas.microsoft.com/office/drawing/2014/main" id="{97EC1F9A-DE08-4CBF-8C9E-ADAF6252500D}"/>
+              </a:ext>
+            </a:extLst>
+          </p:cNvPr>
+          <p:cNvSpPr/>
+          <p:nvPr/>
+        </p:nvSpPr>
+        <p:spPr>
+          <a:xfrm>
+            <a:off x="7060492" y="3168492"/>
+            <a:ext cx="773014" cy="315181"/>
+          </a:xfrm>
+          <a:prstGeom prst="roundRect">
+            <a:avLst/>
+          </a:prstGeom>
+          <a:solidFill>
+            <a:srgbClr val="CCCCFF"/>
+          </a:solidFill>
+          <a:ln>
+            <a:solidFill>
+              <a:schemeClr val="tx1"/>
+            </a:solidFill>
+          </a:ln>
+        </p:spPr>
+        <p:style>
+          <a:lnRef idx="2">
+            <a:schemeClr val="accent1">
+              <a:shade val="50000"/>
+            </a:schemeClr>
+          </a:lnRef>
+          <a:fillRef idx="1">
+            <a:schemeClr val="accent1"/>
+          </a:fillRef>
+          <a:effectRef idx="0">
+            <a:schemeClr val="accent1"/>
+          </a:effectRef>
+          <a:fontRef idx="minor">
+            <a:schemeClr val="lt1"/>
+          </a:fontRef>
+        </p:style>
+        <p:txBody>
+          <a:bodyPr rtlCol="0" anchor="ctr">
+            <a:noAutofit/>
+          </a:bodyPr>
+          <a:lstStyle/>
+          <a:p>
+            <a:pPr algn="ctr"/>
+            <a:r>
+              <a:rPr lang="en-US" sz="900" dirty="0">
+                <a:solidFill>
+                  <a:schemeClr val="tx1"/>
+                </a:solidFill>
+              </a:rPr>
+              <a:t>Server</a:t>
+            </a:r>
+          </a:p>
+          <a:p>
+            <a:pPr algn="ctr"/>
+            <a:r>
+              <a:rPr lang="en-US" sz="900" dirty="0">
+                <a:solidFill>
+                  <a:schemeClr val="tx1"/>
+                </a:solidFill>
+              </a:rPr>
+              <a:t>Dispatch 3</a:t>
+            </a:r>
+          </a:p>
+        </p:txBody>
+      </p:sp>
+      <p:cxnSp>
+        <p:nvCxnSpPr>
+          <p:cNvPr id="110" name="Straight Connector 109">
+            <a:extLst>
+              <a:ext uri="{FF2B5EF4-FFF2-40B4-BE49-F238E27FC236}">
+                <a16:creationId xmlns:a16="http://schemas.microsoft.com/office/drawing/2014/main" id="{F7EFCFDC-BE2F-43E4-929F-AF14BCA7ADB4}"/>
+              </a:ext>
+            </a:extLst>
+          </p:cNvPr>
+          <p:cNvCxnSpPr>
+            <a:cxnSpLocks/>
+          </p:cNvCxnSpPr>
+          <p:nvPr/>
+        </p:nvCxnSpPr>
+        <p:spPr>
+          <a:xfrm flipH="1" flipV="1">
+            <a:off x="5423717" y="1790640"/>
+            <a:ext cx="1082272" cy="145420"/>
+          </a:xfrm>
+          <a:prstGeom prst="line">
+            <a:avLst/>
+          </a:prstGeom>
+          <a:ln w="12700">
+            <a:solidFill>
+              <a:schemeClr val="bg1">
+                <a:lumMod val="50000"/>
+              </a:schemeClr>
+            </a:solidFill>
+            <a:prstDash val="dash"/>
+            <a:headEnd type="arrow"/>
+          </a:ln>
+        </p:spPr>
+        <p:style>
+          <a:lnRef idx="1">
+            <a:schemeClr val="accent1"/>
+          </a:lnRef>
+          <a:fillRef idx="0">
+            <a:schemeClr val="accent1"/>
+          </a:fillRef>
+          <a:effectRef idx="0">
+            <a:schemeClr val="accent1"/>
+          </a:effectRef>
+          <a:fontRef idx="minor">
+            <a:schemeClr val="tx1"/>
+          </a:fontRef>
+        </p:style>
+      </p:cxnSp>
+      <p:sp>
+        <p:nvSpPr>
+          <p:cNvPr id="112" name="Arrow: Right 111">
+            <a:extLst>
+              <a:ext uri="{FF2B5EF4-FFF2-40B4-BE49-F238E27FC236}">
+                <a16:creationId xmlns:a16="http://schemas.microsoft.com/office/drawing/2014/main" id="{5E73781F-F4BA-428D-83FA-205605976259}"/>
+              </a:ext>
+            </a:extLst>
+          </p:cNvPr>
+          <p:cNvSpPr/>
+          <p:nvPr/>
+        </p:nvSpPr>
+        <p:spPr>
+          <a:xfrm>
+            <a:off x="3123246" y="1301234"/>
+            <a:ext cx="1157823" cy="195274"/>
+          </a:xfrm>
+          <a:prstGeom prst="rightArrow">
+            <a:avLst/>
+          </a:prstGeom>
+          <a:solidFill>
+            <a:schemeClr val="bg1">
+              <a:lumMod val="85000"/>
+              <a:alpha val="50000"/>
+            </a:schemeClr>
+          </a:solidFill>
+          <a:ln w="3175">
+            <a:solidFill>
+              <a:schemeClr val="tx1"/>
+            </a:solidFill>
+          </a:ln>
+        </p:spPr>
+        <p:style>
+          <a:lnRef idx="2">
+            <a:schemeClr val="accent1">
+              <a:shade val="50000"/>
+            </a:schemeClr>
+          </a:lnRef>
+          <a:fillRef idx="1">
+            <a:schemeClr val="accent1"/>
+          </a:fillRef>
+          <a:effectRef idx="0">
+            <a:schemeClr val="accent1"/>
+          </a:effectRef>
+          <a:fontRef idx="minor">
+            <a:schemeClr val="lt1"/>
+          </a:fontRef>
+        </p:style>
+        <p:txBody>
+          <a:bodyPr rtlCol="0" anchor="ctr"/>
+          <a:lstStyle/>
+          <a:p>
+            <a:pPr algn="ctr"/>
+            <a:endParaRPr lang="en-US"/>
+          </a:p>
+        </p:txBody>
+      </p:sp>
+      <p:sp>
+        <p:nvSpPr>
+          <p:cNvPr id="113" name="Arrow: Right 112">
+            <a:extLst>
+              <a:ext uri="{FF2B5EF4-FFF2-40B4-BE49-F238E27FC236}">
+                <a16:creationId xmlns:a16="http://schemas.microsoft.com/office/drawing/2014/main" id="{6B7AFCE5-7F62-45C2-A96A-9A67A3A49ACA}"/>
+              </a:ext>
+            </a:extLst>
+          </p:cNvPr>
+          <p:cNvSpPr/>
+          <p:nvPr/>
+        </p:nvSpPr>
+        <p:spPr>
+          <a:xfrm>
+            <a:off x="3119750" y="1706142"/>
+            <a:ext cx="1157823" cy="195274"/>
+          </a:xfrm>
+          <a:prstGeom prst="rightArrow">
+            <a:avLst/>
+          </a:prstGeom>
+          <a:solidFill>
+            <a:schemeClr val="bg1">
+              <a:lumMod val="85000"/>
+              <a:alpha val="50000"/>
+            </a:schemeClr>
+          </a:solidFill>
+          <a:ln w="3175">
+            <a:solidFill>
+              <a:schemeClr val="tx1"/>
+            </a:solidFill>
+          </a:ln>
+        </p:spPr>
+        <p:style>
+          <a:lnRef idx="2">
+            <a:schemeClr val="accent1">
+              <a:shade val="50000"/>
+            </a:schemeClr>
+          </a:lnRef>
+          <a:fillRef idx="1">
+            <a:schemeClr val="accent1"/>
+          </a:fillRef>
+          <a:effectRef idx="0">
+            <a:schemeClr val="accent1"/>
+          </a:effectRef>
+          <a:fontRef idx="minor">
+            <a:schemeClr val="lt1"/>
+          </a:fontRef>
+        </p:style>
+        <p:txBody>
+          <a:bodyPr rtlCol="0" anchor="ctr"/>
+          <a:lstStyle/>
+          <a:p>
+            <a:pPr algn="ctr"/>
+            <a:endParaRPr lang="en-US"/>
+          </a:p>
+        </p:txBody>
+      </p:sp>
+      <p:sp>
+        <p:nvSpPr>
+          <p:cNvPr id="114" name="Arrow: Right 113">
+            <a:extLst>
+              <a:ext uri="{FF2B5EF4-FFF2-40B4-BE49-F238E27FC236}">
+                <a16:creationId xmlns:a16="http://schemas.microsoft.com/office/drawing/2014/main" id="{0248BBF7-02EA-411E-B3DB-3D33C63E9978}"/>
+              </a:ext>
+            </a:extLst>
+          </p:cNvPr>
+          <p:cNvSpPr/>
+          <p:nvPr/>
+        </p:nvSpPr>
+        <p:spPr>
+          <a:xfrm>
+            <a:off x="3115731" y="2133047"/>
+            <a:ext cx="1157823" cy="195274"/>
+          </a:xfrm>
+          <a:prstGeom prst="rightArrow">
+            <a:avLst/>
+          </a:prstGeom>
+          <a:solidFill>
+            <a:schemeClr val="bg1">
+              <a:lumMod val="85000"/>
+              <a:alpha val="50000"/>
+            </a:schemeClr>
+          </a:solidFill>
+          <a:ln w="3175">
+            <a:solidFill>
+              <a:schemeClr val="tx1"/>
+            </a:solidFill>
+          </a:ln>
+        </p:spPr>
+        <p:style>
+          <a:lnRef idx="2">
+            <a:schemeClr val="accent1">
+              <a:shade val="50000"/>
+            </a:schemeClr>
+          </a:lnRef>
+          <a:fillRef idx="1">
+            <a:schemeClr val="accent1"/>
+          </a:fillRef>
+          <a:effectRef idx="0">
+            <a:schemeClr val="accent1"/>
+          </a:effectRef>
+          <a:fontRef idx="minor">
+            <a:schemeClr val="lt1"/>
+          </a:fontRef>
+        </p:style>
+        <p:txBody>
+          <a:bodyPr rtlCol="0" anchor="ctr"/>
+          <a:lstStyle/>
+          <a:p>
+            <a:pPr algn="ctr"/>
+            <a:endParaRPr lang="en-US"/>
+          </a:p>
+        </p:txBody>
+      </p:sp>
+      <p:sp>
+        <p:nvSpPr>
+          <p:cNvPr id="115" name="Arrow: Right 114">
+            <a:extLst>
+              <a:ext uri="{FF2B5EF4-FFF2-40B4-BE49-F238E27FC236}">
+                <a16:creationId xmlns:a16="http://schemas.microsoft.com/office/drawing/2014/main" id="{3B53E580-764A-4463-90CB-8CAE07E9988C}"/>
+              </a:ext>
+            </a:extLst>
+          </p:cNvPr>
+          <p:cNvSpPr/>
+          <p:nvPr/>
+        </p:nvSpPr>
+        <p:spPr>
+          <a:xfrm>
+            <a:off x="7854074" y="1273565"/>
+            <a:ext cx="1181873" cy="195274"/>
+          </a:xfrm>
+          <a:prstGeom prst="rightArrow">
+            <a:avLst/>
+          </a:prstGeom>
+          <a:solidFill>
+            <a:schemeClr val="bg1">
+              <a:lumMod val="85000"/>
+              <a:alpha val="50000"/>
+            </a:schemeClr>
+          </a:solidFill>
+          <a:ln w="3175">
+            <a:solidFill>
+              <a:schemeClr val="tx1"/>
+            </a:solidFill>
+          </a:ln>
+        </p:spPr>
+        <p:style>
+          <a:lnRef idx="2">
+            <a:schemeClr val="accent1">
+              <a:shade val="50000"/>
+            </a:schemeClr>
+          </a:lnRef>
+          <a:fillRef idx="1">
+            <a:schemeClr val="accent1"/>
+          </a:fillRef>
+          <a:effectRef idx="0">
+            <a:schemeClr val="accent1"/>
+          </a:effectRef>
+          <a:fontRef idx="minor">
+            <a:schemeClr val="lt1"/>
+          </a:fontRef>
+        </p:style>
+        <p:txBody>
+          <a:bodyPr rtlCol="0" anchor="ctr"/>
+          <a:lstStyle/>
+          <a:p>
+            <a:pPr algn="ctr"/>
+            <a:endParaRPr lang="en-US"/>
+          </a:p>
+        </p:txBody>
+      </p:sp>
+      <p:sp>
+        <p:nvSpPr>
+          <p:cNvPr id="116" name="Arrow: Right 115">
+            <a:extLst>
+              <a:ext uri="{FF2B5EF4-FFF2-40B4-BE49-F238E27FC236}">
+                <a16:creationId xmlns:a16="http://schemas.microsoft.com/office/drawing/2014/main" id="{48C191A8-E8CF-4FEE-A48E-9D906C347924}"/>
+              </a:ext>
+            </a:extLst>
+          </p:cNvPr>
+          <p:cNvSpPr/>
+          <p:nvPr/>
+        </p:nvSpPr>
+        <p:spPr>
+          <a:xfrm>
+            <a:off x="7835554" y="1823700"/>
+            <a:ext cx="1181873" cy="195274"/>
+          </a:xfrm>
+          <a:prstGeom prst="rightArrow">
+            <a:avLst/>
+          </a:prstGeom>
+          <a:solidFill>
+            <a:schemeClr val="bg1">
+              <a:lumMod val="85000"/>
+              <a:alpha val="50000"/>
+            </a:schemeClr>
+          </a:solidFill>
+          <a:ln w="3175">
+            <a:solidFill>
+              <a:schemeClr val="tx1"/>
+            </a:solidFill>
+          </a:ln>
+        </p:spPr>
+        <p:style>
+          <a:lnRef idx="2">
+            <a:schemeClr val="accent1">
+              <a:shade val="50000"/>
+            </a:schemeClr>
+          </a:lnRef>
+          <a:fillRef idx="1">
+            <a:schemeClr val="accent1"/>
+          </a:fillRef>
+          <a:effectRef idx="0">
+            <a:schemeClr val="accent1"/>
+          </a:effectRef>
+          <a:fontRef idx="minor">
+            <a:schemeClr val="lt1"/>
+          </a:fontRef>
+        </p:style>
+        <p:txBody>
+          <a:bodyPr rtlCol="0" anchor="ctr"/>
+          <a:lstStyle/>
+          <a:p>
+            <a:pPr algn="ctr"/>
+            <a:endParaRPr lang="en-US"/>
+          </a:p>
+        </p:txBody>
+      </p:sp>
+      <p:sp>
+        <p:nvSpPr>
+          <p:cNvPr id="118" name="Arrow: Right 117">
+            <a:extLst>
+              <a:ext uri="{FF2B5EF4-FFF2-40B4-BE49-F238E27FC236}">
+                <a16:creationId xmlns:a16="http://schemas.microsoft.com/office/drawing/2014/main" id="{4D741CEC-8378-4CCC-8EF8-E223BCCA6F83}"/>
+              </a:ext>
+            </a:extLst>
+          </p:cNvPr>
+          <p:cNvSpPr/>
+          <p:nvPr/>
+        </p:nvSpPr>
+        <p:spPr>
+          <a:xfrm>
+            <a:off x="7831724" y="3222531"/>
+            <a:ext cx="1181873" cy="195274"/>
+          </a:xfrm>
+          <a:prstGeom prst="rightArrow">
+            <a:avLst/>
+          </a:prstGeom>
+          <a:solidFill>
+            <a:schemeClr val="bg1">
+              <a:lumMod val="85000"/>
+              <a:alpha val="50000"/>
+            </a:schemeClr>
+          </a:solidFill>
+          <a:ln w="3175">
+            <a:solidFill>
+              <a:schemeClr val="tx1"/>
+            </a:solidFill>
+          </a:ln>
+        </p:spPr>
+        <p:style>
+          <a:lnRef idx="2">
+            <a:schemeClr val="accent1">
+              <a:shade val="50000"/>
+            </a:schemeClr>
+          </a:lnRef>
+          <a:fillRef idx="1">
+            <a:schemeClr val="accent1"/>
+          </a:fillRef>
+          <a:effectRef idx="0">
+            <a:schemeClr val="accent1"/>
+          </a:effectRef>
+          <a:fontRef idx="minor">
+            <a:schemeClr val="lt1"/>
+          </a:fontRef>
+        </p:style>
+        <p:txBody>
+          <a:bodyPr rtlCol="0" anchor="ctr"/>
+          <a:lstStyle/>
+          <a:p>
+            <a:pPr algn="ctr"/>
+            <a:endParaRPr lang="en-US"/>
+          </a:p>
+        </p:txBody>
+      </p:sp>
+      <p:sp>
+        <p:nvSpPr>
+          <p:cNvPr id="55" name="Rectangle 54">
+            <a:extLst>
+              <a:ext uri="{FF2B5EF4-FFF2-40B4-BE49-F238E27FC236}">
+                <a16:creationId xmlns:a16="http://schemas.microsoft.com/office/drawing/2014/main" id="{0CE26AB8-92BC-4C6F-AACA-8EFBC7CCB47D}"/>
+              </a:ext>
+            </a:extLst>
+          </p:cNvPr>
+          <p:cNvSpPr/>
+          <p:nvPr/>
+        </p:nvSpPr>
+        <p:spPr>
+          <a:xfrm>
+            <a:off x="7187943" y="4588918"/>
+            <a:ext cx="4052082" cy="1133181"/>
+          </a:xfrm>
+          <a:prstGeom prst="rect">
+            <a:avLst/>
+          </a:prstGeom>
+          <a:solidFill>
+            <a:srgbClr val="00B050"/>
+          </a:solidFill>
+          <a:ln>
+            <a:solidFill>
+              <a:schemeClr val="tx1"/>
+            </a:solidFill>
+          </a:ln>
+        </p:spPr>
+        <p:txBody>
+          <a:bodyPr rot="0" spcFirstLastPara="0" vertOverflow="overflow" horzOverflow="overflow" vert="horz" wrap="square" lIns="91440" tIns="45720" rIns="91440" bIns="45720" numCol="1" spcCol="0" rtlCol="0" fromWordArt="0" anchor="t" anchorCtr="1" forceAA="0" compatLnSpc="1">
+            <a:prstTxWarp prst="textNoShape">
+              <a:avLst/>
+            </a:prstTxWarp>
+            <a:noAutofit/>
+          </a:bodyPr>
+          <a:lstStyle/>
+          <a:p>
+            <a:pPr algn="ctr"/>
+            <a:r>
+              <a:rPr lang="en-US" kern="0" dirty="0">
+                <a:solidFill>
+                  <a:prstClr val="black"/>
+                </a:solidFill>
+                <a:latin typeface="Calibri" panose="020F0502020204030204"/>
+              </a:rPr>
+              <a:t>Backend C</a:t>
+            </a:r>
+          </a:p>
+        </p:txBody>
+      </p:sp>
+      <p:sp>
+        <p:nvSpPr>
+          <p:cNvPr id="60" name="Rectangle 59">
+            <a:extLst>
+              <a:ext uri="{FF2B5EF4-FFF2-40B4-BE49-F238E27FC236}">
+                <a16:creationId xmlns:a16="http://schemas.microsoft.com/office/drawing/2014/main" id="{471EFE75-9562-42CE-8F67-C3FA20D5EADE}"/>
+              </a:ext>
+            </a:extLst>
+          </p:cNvPr>
+          <p:cNvSpPr/>
+          <p:nvPr/>
+        </p:nvSpPr>
+        <p:spPr>
+          <a:xfrm>
+            <a:off x="9679355" y="5075168"/>
+            <a:ext cx="1462699" cy="406175"/>
+          </a:xfrm>
+          <a:prstGeom prst="rect">
+            <a:avLst/>
+          </a:prstGeom>
+          <a:solidFill>
+            <a:srgbClr val="FFFF99"/>
+          </a:solidFill>
+          <a:ln>
+            <a:solidFill>
+              <a:schemeClr val="tx1"/>
+            </a:solidFill>
+          </a:ln>
+        </p:spPr>
+        <p:txBody>
+          <a:bodyPr rot="0" spcFirstLastPara="0" vertOverflow="overflow" horzOverflow="overflow" vert="horz" wrap="square" lIns="91440" tIns="45720" rIns="91440" bIns="45720" numCol="1" spcCol="0" rtlCol="0" fromWordArt="0" anchor="ctr" anchorCtr="1" forceAA="0" compatLnSpc="1">
+            <a:prstTxWarp prst="textNoShape">
+              <a:avLst/>
+            </a:prstTxWarp>
+            <a:noAutofit/>
+          </a:bodyPr>
+          <a:lstStyle/>
+          <a:p>
+            <a:pPr marL="0" marR="0" lvl="0" indent="0" algn="ctr" defTabSz="914400" rtl="0" eaLnBrk="1" fontAlgn="auto" latinLnBrk="0" hangingPunct="1">
+              <a:lnSpc>
+                <a:spcPct val="100000"/>
+              </a:lnSpc>
+              <a:spcBef>
+                <a:spcPts val="0"/>
+              </a:spcBef>
+              <a:spcAft>
+                <a:spcPts val="0"/>
+              </a:spcAft>
+              <a:buClrTx/>
+              <a:buSzTx/>
+              <a:buFontTx/>
+              <a:buNone/>
+              <a:tabLst/>
+              <a:defRPr/>
+            </a:pPr>
+            <a:r>
+              <a:rPr kumimoji="0" lang="en-US" sz="1200" b="0" i="0" u="none" strike="noStrike" kern="0" cap="none" spc="0" normalizeH="0" baseline="0" noProof="0" dirty="0">
+                <a:ln>
+                  <a:noFill/>
+                </a:ln>
+                <a:solidFill>
+                  <a:prstClr val="black"/>
+                </a:solidFill>
+                <a:effectLst/>
+                <a:uLnTx/>
+                <a:uFillTx/>
+                <a:latin typeface="Calibri" panose="020F0502020204030204"/>
+                <a:ea typeface="+mn-ea"/>
+                <a:cs typeface="+mn-cs"/>
+              </a:rPr>
+              <a:t>Server</a:t>
+            </a:r>
+          </a:p>
+          <a:p>
+            <a:pPr marL="0" marR="0" lvl="0" indent="0" algn="ctr" defTabSz="914400" rtl="0" eaLnBrk="1" fontAlgn="auto" latinLnBrk="0" hangingPunct="1">
+              <a:lnSpc>
+                <a:spcPct val="100000"/>
+              </a:lnSpc>
+              <a:spcBef>
+                <a:spcPts val="0"/>
+              </a:spcBef>
+              <a:spcAft>
+                <a:spcPts val="0"/>
+              </a:spcAft>
+              <a:buClrTx/>
+              <a:buSzTx/>
+              <a:buFontTx/>
+              <a:buNone/>
+              <a:tabLst/>
+              <a:defRPr/>
+            </a:pPr>
+            <a:r>
+              <a:rPr kumimoji="0" lang="en-US" sz="1200" b="0" i="0" u="none" strike="noStrike" kern="0" cap="none" spc="0" normalizeH="0" baseline="0" noProof="0" dirty="0">
+                <a:ln>
+                  <a:noFill/>
+                </a:ln>
+                <a:solidFill>
+                  <a:prstClr val="black"/>
+                </a:solidFill>
+                <a:effectLst/>
+                <a:uLnTx/>
+                <a:uFillTx/>
+                <a:latin typeface="Calibri" panose="020F0502020204030204"/>
+                <a:ea typeface="+mn-ea"/>
+                <a:cs typeface="+mn-cs"/>
+              </a:rPr>
+              <a:t>Implementation 4</a:t>
+            </a:r>
+          </a:p>
+        </p:txBody>
+      </p:sp>
+      <p:sp>
+        <p:nvSpPr>
+          <p:cNvPr id="62" name="Rectangle 61">
+            <a:extLst>
+              <a:ext uri="{FF2B5EF4-FFF2-40B4-BE49-F238E27FC236}">
+                <a16:creationId xmlns:a16="http://schemas.microsoft.com/office/drawing/2014/main" id="{ACBD3C8A-76EC-466B-B342-E4771EBF460C}"/>
+              </a:ext>
+            </a:extLst>
+          </p:cNvPr>
+          <p:cNvSpPr/>
+          <p:nvPr/>
+        </p:nvSpPr>
+        <p:spPr>
+          <a:xfrm>
+            <a:off x="7714179" y="4994041"/>
+            <a:ext cx="1402926" cy="611172"/>
+          </a:xfrm>
+          <a:prstGeom prst="rect">
+            <a:avLst/>
+          </a:prstGeom>
+          <a:solidFill>
+            <a:srgbClr val="FFCD2F"/>
+          </a:solidFill>
+          <a:ln w="12700">
+            <a:solidFill>
+              <a:schemeClr val="tx1"/>
+            </a:solidFill>
+          </a:ln>
+        </p:spPr>
+        <p:txBody>
+          <a:bodyPr rot="0" spcFirstLastPara="0" vertOverflow="overflow" horzOverflow="overflow" vert="horz" wrap="square" lIns="91440" tIns="45720" rIns="91440" bIns="45720" numCol="1" spcCol="0" rtlCol="0" fromWordArt="0" anchor="ctr" anchorCtr="1" forceAA="0" compatLnSpc="1">
+            <a:prstTxWarp prst="textNoShape">
+              <a:avLst/>
+            </a:prstTxWarp>
+            <a:noAutofit/>
+          </a:bodyPr>
+          <a:lstStyle/>
+          <a:p>
+            <a:pPr algn="ctr"/>
+            <a:r>
+              <a:rPr lang="en-US" sz="1400" kern="0" dirty="0">
+                <a:solidFill>
+                  <a:prstClr val="black"/>
+                </a:solidFill>
+                <a:latin typeface="Calibri" panose="020F0502020204030204"/>
+              </a:rPr>
+              <a:t>RPC</a:t>
+            </a:r>
+          </a:p>
+          <a:p>
+            <a:pPr algn="ctr"/>
+            <a:r>
+              <a:rPr lang="en-US" sz="1400" kern="0" dirty="0">
+                <a:solidFill>
+                  <a:prstClr val="black"/>
+                </a:solidFill>
+                <a:latin typeface="Calibri" panose="020F0502020204030204"/>
+              </a:rPr>
+              <a:t>Manager</a:t>
+            </a:r>
+          </a:p>
+        </p:txBody>
+      </p:sp>
+      <p:sp>
+        <p:nvSpPr>
+          <p:cNvPr id="75" name="Rectangle: Rounded Corners 74">
+            <a:extLst>
+              <a:ext uri="{FF2B5EF4-FFF2-40B4-BE49-F238E27FC236}">
+                <a16:creationId xmlns:a16="http://schemas.microsoft.com/office/drawing/2014/main" id="{60D163CD-2AA5-4F87-9CD6-0133534C4D33}"/>
+              </a:ext>
+            </a:extLst>
+          </p:cNvPr>
+          <p:cNvSpPr/>
+          <p:nvPr/>
+        </p:nvSpPr>
+        <p:spPr>
+          <a:xfrm>
+            <a:off x="7060492" y="5126822"/>
+            <a:ext cx="773014" cy="315181"/>
+          </a:xfrm>
+          <a:prstGeom prst="roundRect">
+            <a:avLst/>
+          </a:prstGeom>
+          <a:solidFill>
+            <a:srgbClr val="CCCCFF"/>
+          </a:solidFill>
+          <a:ln>
+            <a:solidFill>
+              <a:schemeClr val="tx1"/>
+            </a:solidFill>
+          </a:ln>
+        </p:spPr>
+        <p:style>
+          <a:lnRef idx="2">
+            <a:schemeClr val="accent1">
+              <a:shade val="50000"/>
+            </a:schemeClr>
+          </a:lnRef>
+          <a:fillRef idx="1">
+            <a:schemeClr val="accent1"/>
+          </a:fillRef>
+          <a:effectRef idx="0">
+            <a:schemeClr val="accent1"/>
+          </a:effectRef>
+          <a:fontRef idx="minor">
+            <a:schemeClr val="lt1"/>
+          </a:fontRef>
+        </p:style>
+        <p:txBody>
+          <a:bodyPr rtlCol="0" anchor="ctr">
+            <a:noAutofit/>
+          </a:bodyPr>
+          <a:lstStyle/>
+          <a:p>
+            <a:pPr algn="ctr"/>
+            <a:r>
+              <a:rPr lang="en-US" sz="900" dirty="0">
+                <a:solidFill>
+                  <a:schemeClr val="tx1"/>
+                </a:solidFill>
+              </a:rPr>
+              <a:t>Server</a:t>
+            </a:r>
+          </a:p>
+          <a:p>
+            <a:pPr algn="ctr"/>
+            <a:r>
+              <a:rPr lang="en-US" sz="900" dirty="0">
+                <a:solidFill>
+                  <a:schemeClr val="tx1"/>
+                </a:solidFill>
+              </a:rPr>
+              <a:t>Dispatch 4</a:t>
+            </a:r>
+          </a:p>
+        </p:txBody>
+      </p:sp>
+      <p:sp>
+        <p:nvSpPr>
+          <p:cNvPr id="76" name="Rectangle: Rounded Corners 75">
+            <a:extLst>
+              <a:ext uri="{FF2B5EF4-FFF2-40B4-BE49-F238E27FC236}">
+                <a16:creationId xmlns:a16="http://schemas.microsoft.com/office/drawing/2014/main" id="{AD16A9AE-B121-4710-8F0D-AA23A3037A2F}"/>
+              </a:ext>
+            </a:extLst>
+          </p:cNvPr>
+          <p:cNvSpPr/>
+          <p:nvPr/>
+        </p:nvSpPr>
+        <p:spPr>
+          <a:xfrm>
+            <a:off x="9005775" y="5125225"/>
+            <a:ext cx="773014" cy="315181"/>
+          </a:xfrm>
+          <a:prstGeom prst="roundRect">
+            <a:avLst/>
+          </a:prstGeom>
+          <a:solidFill>
+            <a:srgbClr val="FFFF00"/>
+          </a:solidFill>
+          <a:ln>
+            <a:solidFill>
+              <a:schemeClr val="tx1"/>
+            </a:solidFill>
+          </a:ln>
+        </p:spPr>
+        <p:style>
+          <a:lnRef idx="2">
+            <a:schemeClr val="accent1">
+              <a:shade val="50000"/>
+            </a:schemeClr>
+          </a:lnRef>
+          <a:fillRef idx="1">
+            <a:schemeClr val="accent1"/>
+          </a:fillRef>
+          <a:effectRef idx="0">
+            <a:schemeClr val="accent1"/>
+          </a:effectRef>
+          <a:fontRef idx="minor">
+            <a:schemeClr val="lt1"/>
+          </a:fontRef>
+        </p:style>
+        <p:txBody>
+          <a:bodyPr rtlCol="0" anchor="ctr">
+            <a:noAutofit/>
+          </a:bodyPr>
+          <a:lstStyle/>
+          <a:p>
+            <a:pPr algn="ctr"/>
+            <a:r>
+              <a:rPr lang="en-US" sz="900" dirty="0">
+                <a:solidFill>
+                  <a:schemeClr val="tx1"/>
+                </a:solidFill>
+              </a:rPr>
+              <a:t>RPC</a:t>
+            </a:r>
+          </a:p>
+          <a:p>
+            <a:pPr algn="ctr"/>
+            <a:r>
+              <a:rPr lang="en-US" sz="900" dirty="0">
+                <a:solidFill>
+                  <a:schemeClr val="tx1"/>
+                </a:solidFill>
+              </a:rPr>
+              <a:t>Interface 4</a:t>
+            </a:r>
+          </a:p>
+        </p:txBody>
+      </p:sp>
+      <p:sp>
+        <p:nvSpPr>
+          <p:cNvPr id="82" name="Arrow: Right 81">
+            <a:extLst>
+              <a:ext uri="{FF2B5EF4-FFF2-40B4-BE49-F238E27FC236}">
+                <a16:creationId xmlns:a16="http://schemas.microsoft.com/office/drawing/2014/main" id="{B4607238-8C7D-4D78-84F2-F7A098E30CB8}"/>
+              </a:ext>
+            </a:extLst>
+          </p:cNvPr>
+          <p:cNvSpPr/>
+          <p:nvPr/>
+        </p:nvSpPr>
+        <p:spPr>
+          <a:xfrm>
+            <a:off x="7833791" y="5193680"/>
+            <a:ext cx="1181873" cy="195274"/>
+          </a:xfrm>
+          <a:prstGeom prst="rightArrow">
+            <a:avLst/>
+          </a:prstGeom>
+          <a:solidFill>
+            <a:schemeClr val="bg1">
+              <a:lumMod val="85000"/>
+              <a:alpha val="50000"/>
+            </a:schemeClr>
+          </a:solidFill>
+          <a:ln w="3175">
+            <a:solidFill>
+              <a:schemeClr val="tx1"/>
+            </a:solidFill>
+          </a:ln>
+        </p:spPr>
+        <p:style>
+          <a:lnRef idx="2">
+            <a:schemeClr val="accent1">
+              <a:shade val="50000"/>
+            </a:schemeClr>
+          </a:lnRef>
+          <a:fillRef idx="1">
+            <a:schemeClr val="accent1"/>
+          </a:fillRef>
+          <a:effectRef idx="0">
+            <a:schemeClr val="accent1"/>
+          </a:effectRef>
+          <a:fontRef idx="minor">
+            <a:schemeClr val="lt1"/>
+          </a:fontRef>
+        </p:style>
+        <p:txBody>
+          <a:bodyPr rtlCol="0" anchor="ctr"/>
+          <a:lstStyle/>
+          <a:p>
+            <a:pPr algn="ctr"/>
+            <a:endParaRPr lang="en-US"/>
+          </a:p>
+        </p:txBody>
+      </p:sp>
+      <p:sp>
+        <p:nvSpPr>
+          <p:cNvPr id="85" name="Rectangle: Rounded Corners 84">
+            <a:extLst>
+              <a:ext uri="{FF2B5EF4-FFF2-40B4-BE49-F238E27FC236}">
+                <a16:creationId xmlns:a16="http://schemas.microsoft.com/office/drawing/2014/main" id="{273B4DFC-31D0-4628-97F5-2DCBBDB76C5E}"/>
+              </a:ext>
+            </a:extLst>
+          </p:cNvPr>
+          <p:cNvSpPr/>
+          <p:nvPr/>
+        </p:nvSpPr>
+        <p:spPr>
+          <a:xfrm>
+            <a:off x="9014890" y="3175562"/>
+            <a:ext cx="773014" cy="315181"/>
+          </a:xfrm>
+          <a:prstGeom prst="roundRect">
+            <a:avLst/>
+          </a:prstGeom>
+          <a:solidFill>
+            <a:srgbClr val="FFFF00"/>
+          </a:solidFill>
+          <a:ln>
+            <a:solidFill>
+              <a:schemeClr val="tx1"/>
+            </a:solidFill>
+          </a:ln>
+        </p:spPr>
+        <p:style>
+          <a:lnRef idx="2">
+            <a:schemeClr val="accent1">
+              <a:shade val="50000"/>
+            </a:schemeClr>
+          </a:lnRef>
+          <a:fillRef idx="1">
+            <a:schemeClr val="accent1"/>
+          </a:fillRef>
+          <a:effectRef idx="0">
+            <a:schemeClr val="accent1"/>
+          </a:effectRef>
+          <a:fontRef idx="minor">
+            <a:schemeClr val="lt1"/>
+          </a:fontRef>
+        </p:style>
+        <p:txBody>
+          <a:bodyPr rtlCol="0" anchor="ctr">
+            <a:noAutofit/>
+          </a:bodyPr>
+          <a:lstStyle/>
+          <a:p>
+            <a:pPr algn="ctr"/>
+            <a:r>
+              <a:rPr lang="en-US" sz="900" dirty="0">
+                <a:solidFill>
+                  <a:schemeClr val="tx1"/>
+                </a:solidFill>
+              </a:rPr>
+              <a:t>RPC</a:t>
+            </a:r>
+          </a:p>
+          <a:p>
+            <a:pPr algn="ctr"/>
+            <a:r>
+              <a:rPr lang="en-US" sz="900" dirty="0">
+                <a:solidFill>
+                  <a:schemeClr val="tx1"/>
+                </a:solidFill>
+              </a:rPr>
+              <a:t>Interface 3</a:t>
+            </a:r>
+          </a:p>
+        </p:txBody>
+      </p:sp>
+      <p:sp>
+        <p:nvSpPr>
+          <p:cNvPr id="86" name="Rectangle: Rounded Corners 85">
+            <a:extLst>
+              <a:ext uri="{FF2B5EF4-FFF2-40B4-BE49-F238E27FC236}">
+                <a16:creationId xmlns:a16="http://schemas.microsoft.com/office/drawing/2014/main" id="{97437B55-42EA-4700-9F7D-942614E78FB7}"/>
+              </a:ext>
+            </a:extLst>
+          </p:cNvPr>
+          <p:cNvSpPr/>
+          <p:nvPr/>
+        </p:nvSpPr>
+        <p:spPr>
+          <a:xfrm>
+            <a:off x="9013597" y="3725756"/>
+            <a:ext cx="773014" cy="315181"/>
+          </a:xfrm>
+          <a:prstGeom prst="roundRect">
+            <a:avLst/>
+          </a:prstGeom>
+          <a:solidFill>
+            <a:srgbClr val="FFFF00"/>
+          </a:solidFill>
+          <a:ln>
+            <a:solidFill>
+              <a:schemeClr val="tx1"/>
+            </a:solidFill>
+          </a:ln>
+        </p:spPr>
+        <p:style>
+          <a:lnRef idx="2">
+            <a:schemeClr val="accent1">
+              <a:shade val="50000"/>
+            </a:schemeClr>
+          </a:lnRef>
+          <a:fillRef idx="1">
+            <a:schemeClr val="accent1"/>
+          </a:fillRef>
+          <a:effectRef idx="0">
+            <a:schemeClr val="accent1"/>
+          </a:effectRef>
+          <a:fontRef idx="minor">
+            <a:schemeClr val="lt1"/>
+          </a:fontRef>
+        </p:style>
+        <p:txBody>
+          <a:bodyPr rtlCol="0" anchor="ctr">
+            <a:noAutofit/>
+          </a:bodyPr>
+          <a:lstStyle/>
+          <a:p>
+            <a:pPr algn="ctr"/>
+            <a:r>
+              <a:rPr lang="en-US" sz="900" dirty="0">
+                <a:solidFill>
+                  <a:schemeClr val="tx1"/>
+                </a:solidFill>
+              </a:rPr>
+              <a:t>RPC</a:t>
+            </a:r>
+          </a:p>
+          <a:p>
+            <a:pPr algn="ctr"/>
+            <a:r>
+              <a:rPr lang="en-US" sz="900" dirty="0">
+                <a:solidFill>
+                  <a:schemeClr val="tx1"/>
+                </a:solidFill>
+              </a:rPr>
+              <a:t>Interface 4</a:t>
+            </a:r>
+          </a:p>
+        </p:txBody>
+      </p:sp>
+      <p:sp>
+        <p:nvSpPr>
+          <p:cNvPr id="93" name="Arrow: Right 92">
+            <a:extLst>
+              <a:ext uri="{FF2B5EF4-FFF2-40B4-BE49-F238E27FC236}">
+                <a16:creationId xmlns:a16="http://schemas.microsoft.com/office/drawing/2014/main" id="{E7D69D89-2A8A-45F1-BB9D-587FFDFABAA3}"/>
+              </a:ext>
+            </a:extLst>
+          </p:cNvPr>
+          <p:cNvSpPr/>
+          <p:nvPr/>
+        </p:nvSpPr>
+        <p:spPr>
+          <a:xfrm rot="10800000">
+            <a:off x="7831724" y="3784759"/>
+            <a:ext cx="1181873" cy="195274"/>
+          </a:xfrm>
+          <a:prstGeom prst="rightArrow">
+            <a:avLst/>
+          </a:prstGeom>
+          <a:solidFill>
+            <a:schemeClr val="bg1">
+              <a:lumMod val="85000"/>
+              <a:alpha val="50000"/>
+            </a:schemeClr>
+          </a:solidFill>
+          <a:ln w="3175">
+            <a:solidFill>
+              <a:schemeClr val="tx1"/>
+            </a:solidFill>
+          </a:ln>
+        </p:spPr>
+        <p:style>
+          <a:lnRef idx="2">
+            <a:schemeClr val="accent1">
+              <a:shade val="50000"/>
+            </a:schemeClr>
+          </a:lnRef>
+          <a:fillRef idx="1">
+            <a:schemeClr val="accent1"/>
+          </a:fillRef>
+          <a:effectRef idx="0">
+            <a:schemeClr val="accent1"/>
+          </a:effectRef>
+          <a:fontRef idx="minor">
+            <a:schemeClr val="lt1"/>
+          </a:fontRef>
+        </p:style>
+        <p:txBody>
+          <a:bodyPr rtlCol="0" anchor="ctr"/>
+          <a:lstStyle/>
+          <a:p>
+            <a:pPr algn="ctr"/>
+            <a:endParaRPr lang="en-US"/>
+          </a:p>
+        </p:txBody>
+      </p:sp>
+      <p:sp>
+        <p:nvSpPr>
+          <p:cNvPr id="94" name="Rectangle: Rounded Corners 93">
+            <a:extLst>
+              <a:ext uri="{FF2B5EF4-FFF2-40B4-BE49-F238E27FC236}">
+                <a16:creationId xmlns:a16="http://schemas.microsoft.com/office/drawing/2014/main" id="{19BE0C3C-8F22-4261-813D-18FEE6715FD0}"/>
+              </a:ext>
+            </a:extLst>
+          </p:cNvPr>
+          <p:cNvSpPr/>
+          <p:nvPr/>
+        </p:nvSpPr>
+        <p:spPr>
+          <a:xfrm>
+            <a:off x="7061725" y="3726981"/>
+            <a:ext cx="773014" cy="315181"/>
+          </a:xfrm>
+          <a:prstGeom prst="roundRect">
+            <a:avLst/>
+          </a:prstGeom>
+          <a:solidFill>
+            <a:srgbClr val="FFCCFF"/>
+          </a:solidFill>
+          <a:ln>
+            <a:solidFill>
+              <a:schemeClr val="tx1"/>
+            </a:solidFill>
+          </a:ln>
+        </p:spPr>
+        <p:style>
+          <a:lnRef idx="2">
+            <a:schemeClr val="accent1">
+              <a:shade val="50000"/>
+            </a:schemeClr>
+          </a:lnRef>
+          <a:fillRef idx="1">
+            <a:schemeClr val="accent1"/>
+          </a:fillRef>
+          <a:effectRef idx="0">
+            <a:schemeClr val="accent1"/>
+          </a:effectRef>
+          <a:fontRef idx="minor">
+            <a:schemeClr val="lt1"/>
+          </a:fontRef>
+        </p:style>
+        <p:txBody>
+          <a:bodyPr rtlCol="0" anchor="ctr">
+            <a:noAutofit/>
+          </a:bodyPr>
+          <a:lstStyle/>
+          <a:p>
+            <a:pPr algn="ctr"/>
+            <a:r>
+              <a:rPr lang="en-US" sz="900" dirty="0">
+                <a:solidFill>
+                  <a:schemeClr val="tx1"/>
+                </a:solidFill>
+              </a:rPr>
+              <a:t>Client</a:t>
+            </a:r>
+          </a:p>
+          <a:p>
+            <a:pPr algn="ctr"/>
+            <a:r>
+              <a:rPr lang="en-US" sz="900" dirty="0">
+                <a:solidFill>
+                  <a:schemeClr val="tx1"/>
+                </a:solidFill>
+              </a:rPr>
+              <a:t>Stub 4</a:t>
+            </a:r>
+          </a:p>
+        </p:txBody>
+      </p:sp>
+      <p:sp>
+        <p:nvSpPr>
+          <p:cNvPr id="97" name="Arc 96">
+            <a:extLst>
+              <a:ext uri="{FF2B5EF4-FFF2-40B4-BE49-F238E27FC236}">
+                <a16:creationId xmlns:a16="http://schemas.microsoft.com/office/drawing/2014/main" id="{0CB09B23-6ABB-4498-ABDC-256D272EF6C1}"/>
+              </a:ext>
+            </a:extLst>
+          </p:cNvPr>
+          <p:cNvSpPr/>
+          <p:nvPr/>
+        </p:nvSpPr>
+        <p:spPr>
+          <a:xfrm rot="16200000">
+            <a:off x="6545463" y="3957538"/>
+            <a:ext cx="345042" cy="354369"/>
+          </a:xfrm>
+          <a:prstGeom prst="arc">
+            <a:avLst>
+              <a:gd name="adj1" fmla="val 16200000"/>
+              <a:gd name="adj2" fmla="val 5657069"/>
+            </a:avLst>
+          </a:prstGeom>
+          <a:ln w="12700">
+            <a:solidFill>
+              <a:schemeClr val="tx1"/>
+            </a:solidFill>
+          </a:ln>
+        </p:spPr>
+        <p:style>
+          <a:lnRef idx="1">
+            <a:schemeClr val="accent1"/>
+          </a:lnRef>
+          <a:fillRef idx="0">
+            <a:schemeClr val="accent1"/>
+          </a:fillRef>
+          <a:effectRef idx="0">
+            <a:schemeClr val="accent1"/>
+          </a:effectRef>
+          <a:fontRef idx="minor">
+            <a:schemeClr val="tx1"/>
+          </a:fontRef>
+        </p:style>
+        <p:txBody>
+          <a:bodyPr rtlCol="0" anchor="ctr"/>
+          <a:lstStyle/>
+          <a:p>
+            <a:pPr algn="ctr"/>
+            <a:endParaRPr lang="en-US"/>
+          </a:p>
+        </p:txBody>
+      </p:sp>
+      <p:cxnSp>
+        <p:nvCxnSpPr>
+          <p:cNvPr id="98" name="Straight Connector 97">
+            <a:extLst>
+              <a:ext uri="{FF2B5EF4-FFF2-40B4-BE49-F238E27FC236}">
+                <a16:creationId xmlns:a16="http://schemas.microsoft.com/office/drawing/2014/main" id="{7C9BCC6E-9426-4AA3-A674-C56BDF7EB87B}"/>
+              </a:ext>
+            </a:extLst>
+          </p:cNvPr>
+          <p:cNvCxnSpPr>
+            <a:cxnSpLocks/>
+          </p:cNvCxnSpPr>
+          <p:nvPr/>
+        </p:nvCxnSpPr>
+        <p:spPr>
+          <a:xfrm flipV="1">
+            <a:off x="6853756" y="3898992"/>
+            <a:ext cx="218502" cy="112313"/>
+          </a:xfrm>
+          <a:prstGeom prst="line">
+            <a:avLst/>
+          </a:prstGeom>
+          <a:ln w="12700">
+            <a:solidFill>
+              <a:schemeClr val="tx1"/>
+            </a:solidFill>
+          </a:ln>
+        </p:spPr>
+        <p:style>
+          <a:lnRef idx="1">
+            <a:schemeClr val="accent1"/>
+          </a:lnRef>
+          <a:fillRef idx="0">
+            <a:schemeClr val="accent1"/>
+          </a:fillRef>
+          <a:effectRef idx="0">
+            <a:schemeClr val="accent1"/>
+          </a:effectRef>
+          <a:fontRef idx="minor">
+            <a:schemeClr val="tx1"/>
+          </a:fontRef>
+        </p:style>
+      </p:cxnSp>
+      <p:grpSp>
+        <p:nvGrpSpPr>
+          <p:cNvPr id="99" name="Group 98">
+            <a:extLst>
+              <a:ext uri="{FF2B5EF4-FFF2-40B4-BE49-F238E27FC236}">
+                <a16:creationId xmlns:a16="http://schemas.microsoft.com/office/drawing/2014/main" id="{60920550-5496-4F28-BE05-0639D863A59B}"/>
+              </a:ext>
+            </a:extLst>
+          </p:cNvPr>
+          <p:cNvGrpSpPr/>
+          <p:nvPr/>
+        </p:nvGrpSpPr>
+        <p:grpSpPr>
+          <a:xfrm rot="2234251">
+            <a:off x="6604981" y="4943687"/>
+            <a:ext cx="501385" cy="281652"/>
+            <a:chOff x="6178840" y="3206121"/>
+            <a:chExt cx="501385" cy="281652"/>
+          </a:xfrm>
+        </p:grpSpPr>
+        <p:cxnSp>
+          <p:nvCxnSpPr>
+            <p:cNvPr id="100" name="Straight Connector 99">
+              <a:extLst>
+                <a:ext uri="{FF2B5EF4-FFF2-40B4-BE49-F238E27FC236}">
+                  <a16:creationId xmlns:a16="http://schemas.microsoft.com/office/drawing/2014/main" id="{3EE7D2B9-6935-4F15-95FD-8EABF7F3EA59}"/>
+                </a:ext>
+              </a:extLst>
+            </p:cNvPr>
+            <p:cNvCxnSpPr>
+              <a:cxnSpLocks/>
+              <a:endCxn id="101" idx="6"/>
+            </p:cNvCxnSpPr>
+            <p:nvPr/>
+          </p:nvCxnSpPr>
+          <p:spPr>
+            <a:xfrm flipH="1">
+              <a:off x="6465413" y="3340791"/>
+              <a:ext cx="214812" cy="6156"/>
+            </a:xfrm>
+            <a:prstGeom prst="line">
+              <a:avLst/>
+            </a:prstGeom>
+            <a:ln w="12700">
+              <a:solidFill>
+                <a:schemeClr val="tx1"/>
+              </a:solidFill>
+            </a:ln>
+          </p:spPr>
+          <p:style>
+            <a:lnRef idx="1">
+              <a:schemeClr val="accent1"/>
+            </a:lnRef>
+            <a:fillRef idx="0">
+              <a:schemeClr val="accent1"/>
+            </a:fillRef>
+            <a:effectRef idx="0">
+              <a:schemeClr val="accent1"/>
+            </a:effectRef>
+            <a:fontRef idx="minor">
+              <a:schemeClr val="tx1"/>
+            </a:fontRef>
+          </p:style>
+        </p:cxnSp>
+        <p:sp>
+          <p:nvSpPr>
+            <p:cNvPr id="101" name="Oval 100">
+              <a:extLst>
+                <a:ext uri="{FF2B5EF4-FFF2-40B4-BE49-F238E27FC236}">
+                  <a16:creationId xmlns:a16="http://schemas.microsoft.com/office/drawing/2014/main" id="{F03E6CAF-18FE-428E-8282-4377FAABBC8F}"/>
+                </a:ext>
+              </a:extLst>
+            </p:cNvPr>
+            <p:cNvSpPr/>
+            <p:nvPr/>
+          </p:nvSpPr>
+          <p:spPr>
+            <a:xfrm>
+              <a:off x="6178840" y="3206121"/>
+              <a:ext cx="286573" cy="281652"/>
+            </a:xfrm>
+            <a:prstGeom prst="ellipse">
+              <a:avLst/>
+            </a:prstGeom>
+            <a:noFill/>
+            <a:ln>
+              <a:solidFill>
+                <a:schemeClr val="tx1"/>
+              </a:solidFill>
+            </a:ln>
+          </p:spPr>
+          <p:style>
+            <a:lnRef idx="2">
+              <a:schemeClr val="accent1">
+                <a:shade val="50000"/>
+              </a:schemeClr>
+            </a:lnRef>
+            <a:fillRef idx="1">
+              <a:schemeClr val="accent1"/>
+            </a:fillRef>
+            <a:effectRef idx="0">
+              <a:schemeClr val="accent1"/>
+            </a:effectRef>
+            <a:fontRef idx="minor">
+              <a:schemeClr val="lt1"/>
+            </a:fontRef>
+          </p:style>
+          <p:txBody>
+            <a:bodyPr rtlCol="0" anchor="ctr"/>
+            <a:lstStyle/>
+            <a:p>
+              <a:pPr algn="ctr"/>
+              <a:endParaRPr lang="en-US"/>
+            </a:p>
+          </p:txBody>
+        </p:sp>
+      </p:grpSp>
+      <p:cxnSp>
+        <p:nvCxnSpPr>
+          <p:cNvPr id="102" name="Straight Connector 101">
+            <a:extLst>
+              <a:ext uri="{FF2B5EF4-FFF2-40B4-BE49-F238E27FC236}">
+                <a16:creationId xmlns:a16="http://schemas.microsoft.com/office/drawing/2014/main" id="{C10D459B-0498-4B9E-9B2F-E3B3BBA11623}"/>
+              </a:ext>
+            </a:extLst>
+          </p:cNvPr>
+          <p:cNvCxnSpPr>
+            <a:cxnSpLocks/>
+          </p:cNvCxnSpPr>
+          <p:nvPr/>
+        </p:nvCxnSpPr>
+        <p:spPr>
+          <a:xfrm flipH="1" flipV="1">
+            <a:off x="6731503" y="4134722"/>
+            <a:ext cx="38660" cy="667815"/>
+          </a:xfrm>
+          <a:prstGeom prst="line">
+            <a:avLst/>
+          </a:prstGeom>
+          <a:ln w="12700">
+            <a:solidFill>
+              <a:schemeClr val="bg1">
+                <a:lumMod val="50000"/>
+              </a:schemeClr>
+            </a:solidFill>
+            <a:prstDash val="dash"/>
+            <a:headEnd type="arrow"/>
+          </a:ln>
+        </p:spPr>
+        <p:style>
+          <a:lnRef idx="1">
+            <a:schemeClr val="accent1"/>
+          </a:lnRef>
+          <a:fillRef idx="0">
+            <a:schemeClr val="accent1"/>
+          </a:fillRef>
+          <a:effectRef idx="0">
+            <a:schemeClr val="accent1"/>
+          </a:effectRef>
+          <a:fontRef idx="minor">
+            <a:schemeClr val="tx1"/>
+          </a:fontRef>
+        </p:style>
+      </p:cxnSp>
+      <p:sp>
+        <p:nvSpPr>
+          <p:cNvPr id="106" name="TextBox 105">
+            <a:extLst>
+              <a:ext uri="{FF2B5EF4-FFF2-40B4-BE49-F238E27FC236}">
+                <a16:creationId xmlns:a16="http://schemas.microsoft.com/office/drawing/2014/main" id="{1555E085-3FC1-436E-BB4B-7480DABCF48C}"/>
+              </a:ext>
+            </a:extLst>
+          </p:cNvPr>
+          <p:cNvSpPr txBox="1"/>
+          <p:nvPr/>
+        </p:nvSpPr>
+        <p:spPr>
+          <a:xfrm>
+            <a:off x="5383445" y="592472"/>
+            <a:ext cx="1425110" cy="523220"/>
+          </a:xfrm>
+          <a:prstGeom prst="rect">
+            <a:avLst/>
+          </a:prstGeom>
+          <a:noFill/>
+        </p:spPr>
+        <p:txBody>
+          <a:bodyPr wrap="square" rtlCol="0">
+            <a:spAutoFit/>
+          </a:bodyPr>
+          <a:lstStyle/>
+          <a:p>
+            <a:pPr algn="ctr"/>
+            <a:r>
+              <a:rPr lang="en-US" sz="1400" dirty="0"/>
+              <a:t>Configured Transport</a:t>
+            </a:r>
+          </a:p>
+        </p:txBody>
+      </p:sp>
+    </p:spTree>
+    <p:extLst>
+      <p:ext uri="{BB962C8B-B14F-4D97-AF65-F5344CB8AC3E}">
+        <p14:creationId xmlns:p14="http://schemas.microsoft.com/office/powerpoint/2010/main" val="643334612"/>
       </p:ext>
     </p:extLst>
   </p:cSld>
@@ -27267,6 +31034,64 @@
 </file>
 
 <file path=ppt/slides/slide7.xml><?xml version="1.0" encoding="utf-8"?>
+<p:sld xmlns:a="http://schemas.openxmlformats.org/drawingml/2006/main" xmlns:r="http://schemas.openxmlformats.org/officeDocument/2006/relationships" xmlns:p="http://schemas.openxmlformats.org/presentationml/2006/main">
+  <p:cSld>
+    <p:spTree>
+      <p:nvGrpSpPr>
+        <p:cNvPr id="1" name=""/>
+        <p:cNvGrpSpPr/>
+        <p:nvPr/>
+      </p:nvGrpSpPr>
+      <p:grpSpPr>
+        <a:xfrm>
+          <a:off x="0" y="0"/>
+          <a:ext cx="0" cy="0"/>
+          <a:chOff x="0" y="0"/>
+          <a:chExt cx="0" cy="0"/>
+        </a:xfrm>
+      </p:grpSpPr>
+      <p:sp>
+        <p:nvSpPr>
+          <p:cNvPr id="2" name="Title 1">
+            <a:extLst>
+              <a:ext uri="{FF2B5EF4-FFF2-40B4-BE49-F238E27FC236}">
+                <a16:creationId xmlns:a16="http://schemas.microsoft.com/office/drawing/2014/main" id="{9577F586-DE18-4478-B452-3D0A47AD5A03}"/>
+              </a:ext>
+            </a:extLst>
+          </p:cNvPr>
+          <p:cNvSpPr>
+            <a:spLocks noGrp="1"/>
+          </p:cNvSpPr>
+          <p:nvPr>
+            <p:ph type="title"/>
+          </p:nvPr>
+        </p:nvSpPr>
+        <p:spPr/>
+        <p:txBody>
+          <a:bodyPr/>
+          <a:lstStyle/>
+          <a:p>
+            <a:endParaRPr lang="en-US"/>
+          </a:p>
+        </p:txBody>
+      </p:sp>
+    </p:spTree>
+    <p:extLst>
+      <p:ext uri="{BB962C8B-B14F-4D97-AF65-F5344CB8AC3E}">
+        <p14:creationId xmlns:p14="http://schemas.microsoft.com/office/powerpoint/2010/main" val="3291676028"/>
+      </p:ext>
+    </p:extLst>
+  </p:cSld>
+  <p:clrMapOvr>
+    <a:masterClrMapping/>
+  </p:clrMapOvr>
+  <p:transition>
+    <p:fade/>
+  </p:transition>
+</p:sld>
+</file>
+
+<file path=ppt/slides/slide8.xml><?xml version="1.0" encoding="utf-8"?>
 <p:sld xmlns:a="http://schemas.openxmlformats.org/drawingml/2006/main" xmlns:r="http://schemas.openxmlformats.org/officeDocument/2006/relationships" xmlns:p="http://schemas.openxmlformats.org/presentationml/2006/main" showMasterSp="0">
   <p:cSld>
     <p:spTree>
@@ -29231,7 +33056,7 @@
 </p:sld>
 </file>
 
-<file path=ppt/slides/slide8.xml><?xml version="1.0" encoding="utf-8"?>
+<file path=ppt/slides/slide9.xml><?xml version="1.0" encoding="utf-8"?>
 <p:sld xmlns:a="http://schemas.openxmlformats.org/drawingml/2006/main" xmlns:r="http://schemas.openxmlformats.org/officeDocument/2006/relationships" xmlns:p="http://schemas.openxmlformats.org/presentationml/2006/main" showMasterSp="0">
   <p:cSld>
     <p:spTree>
@@ -32099,3768 +35924,6 @@
 </p:sld>
 </file>
 
-<file path=ppt/slides/slide9.xml><?xml version="1.0" encoding="utf-8"?>
-<p:sld xmlns:a="http://schemas.openxmlformats.org/drawingml/2006/main" xmlns:r="http://schemas.openxmlformats.org/officeDocument/2006/relationships" xmlns:p="http://schemas.openxmlformats.org/presentationml/2006/main" showMasterSp="0">
-  <p:cSld>
-    <p:spTree>
-      <p:nvGrpSpPr>
-        <p:cNvPr id="1" name=""/>
-        <p:cNvGrpSpPr/>
-        <p:nvPr/>
-      </p:nvGrpSpPr>
-      <p:grpSpPr>
-        <a:xfrm>
-          <a:off x="0" y="0"/>
-          <a:ext cx="0" cy="0"/>
-          <a:chOff x="0" y="0"/>
-          <a:chExt cx="0" cy="0"/>
-        </a:xfrm>
-      </p:grpSpPr>
-      <p:cxnSp>
-        <p:nvCxnSpPr>
-          <p:cNvPr id="71" name="Straight Connector 70">
-            <a:extLst>
-              <a:ext uri="{FF2B5EF4-FFF2-40B4-BE49-F238E27FC236}">
-                <a16:creationId xmlns:a16="http://schemas.microsoft.com/office/drawing/2014/main" id="{35DD2D65-9713-427A-B45E-E11B4990A6BE}"/>
-              </a:ext>
-            </a:extLst>
-          </p:cNvPr>
-          <p:cNvCxnSpPr>
-            <a:cxnSpLocks/>
-          </p:cNvCxnSpPr>
-          <p:nvPr/>
-        </p:nvCxnSpPr>
-        <p:spPr>
-          <a:xfrm flipH="1">
-            <a:off x="4964688" y="2222012"/>
-            <a:ext cx="320019" cy="6156"/>
-          </a:xfrm>
-          <a:prstGeom prst="line">
-            <a:avLst/>
-          </a:prstGeom>
-          <a:ln w="12700">
-            <a:solidFill>
-              <a:schemeClr val="tx1"/>
-            </a:solidFill>
-          </a:ln>
-        </p:spPr>
-        <p:style>
-          <a:lnRef idx="1">
-            <a:schemeClr val="accent1"/>
-          </a:lnRef>
-          <a:fillRef idx="0">
-            <a:schemeClr val="accent1"/>
-          </a:fillRef>
-          <a:effectRef idx="0">
-            <a:schemeClr val="accent1"/>
-          </a:effectRef>
-          <a:fontRef idx="minor">
-            <a:schemeClr val="tx1"/>
-          </a:fontRef>
-        </p:style>
-      </p:cxnSp>
-      <p:cxnSp>
-        <p:nvCxnSpPr>
-          <p:cNvPr id="67" name="Straight Connector 66">
-            <a:extLst>
-              <a:ext uri="{FF2B5EF4-FFF2-40B4-BE49-F238E27FC236}">
-                <a16:creationId xmlns:a16="http://schemas.microsoft.com/office/drawing/2014/main" id="{03DC1CCA-1062-43E7-B7E9-72B41FA3E04B}"/>
-              </a:ext>
-            </a:extLst>
-          </p:cNvPr>
-          <p:cNvCxnSpPr>
-            <a:cxnSpLocks/>
-          </p:cNvCxnSpPr>
-          <p:nvPr/>
-        </p:nvCxnSpPr>
-        <p:spPr>
-          <a:xfrm flipH="1">
-            <a:off x="4968674" y="1800701"/>
-            <a:ext cx="320019" cy="6156"/>
-          </a:xfrm>
-          <a:prstGeom prst="line">
-            <a:avLst/>
-          </a:prstGeom>
-          <a:ln w="12700">
-            <a:solidFill>
-              <a:schemeClr val="tx1"/>
-            </a:solidFill>
-          </a:ln>
-        </p:spPr>
-        <p:style>
-          <a:lnRef idx="1">
-            <a:schemeClr val="accent1"/>
-          </a:lnRef>
-          <a:fillRef idx="0">
-            <a:schemeClr val="accent1"/>
-          </a:fillRef>
-          <a:effectRef idx="0">
-            <a:schemeClr val="accent1"/>
-          </a:effectRef>
-          <a:fontRef idx="minor">
-            <a:schemeClr val="tx1"/>
-          </a:fontRef>
-        </p:style>
-      </p:cxnSp>
-      <p:cxnSp>
-        <p:nvCxnSpPr>
-          <p:cNvPr id="17" name="Straight Connector 16">
-            <a:extLst>
-              <a:ext uri="{FF2B5EF4-FFF2-40B4-BE49-F238E27FC236}">
-                <a16:creationId xmlns:a16="http://schemas.microsoft.com/office/drawing/2014/main" id="{0CB25B62-3E9D-433B-A66F-35917F02154A}"/>
-              </a:ext>
-            </a:extLst>
-          </p:cNvPr>
-          <p:cNvCxnSpPr>
-            <a:cxnSpLocks/>
-          </p:cNvCxnSpPr>
-          <p:nvPr/>
-        </p:nvCxnSpPr>
-        <p:spPr>
-          <a:xfrm flipH="1" flipV="1">
-            <a:off x="5486385" y="1367986"/>
-            <a:ext cx="984712" cy="11299"/>
-          </a:xfrm>
-          <a:prstGeom prst="line">
-            <a:avLst/>
-          </a:prstGeom>
-          <a:ln w="12700">
-            <a:solidFill>
-              <a:schemeClr val="bg1">
-                <a:lumMod val="50000"/>
-              </a:schemeClr>
-            </a:solidFill>
-            <a:prstDash val="dash"/>
-            <a:headEnd type="arrow"/>
-          </a:ln>
-        </p:spPr>
-        <p:style>
-          <a:lnRef idx="1">
-            <a:schemeClr val="accent1"/>
-          </a:lnRef>
-          <a:fillRef idx="0">
-            <a:schemeClr val="accent1"/>
-          </a:fillRef>
-          <a:effectRef idx="0">
-            <a:schemeClr val="accent1"/>
-          </a:effectRef>
-          <a:fontRef idx="minor">
-            <a:schemeClr val="tx1"/>
-          </a:fontRef>
-        </p:style>
-      </p:cxnSp>
-      <p:cxnSp>
-        <p:nvCxnSpPr>
-          <p:cNvPr id="39" name="Straight Connector 38">
-            <a:extLst>
-              <a:ext uri="{FF2B5EF4-FFF2-40B4-BE49-F238E27FC236}">
-                <a16:creationId xmlns:a16="http://schemas.microsoft.com/office/drawing/2014/main" id="{D542816D-D1AD-4D8B-A329-67476A918A10}"/>
-              </a:ext>
-            </a:extLst>
-          </p:cNvPr>
-          <p:cNvCxnSpPr>
-            <a:cxnSpLocks/>
-          </p:cNvCxnSpPr>
-          <p:nvPr/>
-        </p:nvCxnSpPr>
-        <p:spPr>
-          <a:xfrm flipH="1" flipV="1">
-            <a:off x="5486385" y="2218334"/>
-            <a:ext cx="1073362" cy="1009934"/>
-          </a:xfrm>
-          <a:prstGeom prst="line">
-            <a:avLst/>
-          </a:prstGeom>
-          <a:ln w="12700">
-            <a:solidFill>
-              <a:schemeClr val="bg1">
-                <a:lumMod val="50000"/>
-              </a:schemeClr>
-            </a:solidFill>
-            <a:prstDash val="dash"/>
-            <a:headEnd type="arrow"/>
-          </a:ln>
-        </p:spPr>
-        <p:style>
-          <a:lnRef idx="1">
-            <a:schemeClr val="accent1"/>
-          </a:lnRef>
-          <a:fillRef idx="0">
-            <a:schemeClr val="accent1"/>
-          </a:fillRef>
-          <a:effectRef idx="0">
-            <a:schemeClr val="accent1"/>
-          </a:effectRef>
-          <a:fontRef idx="minor">
-            <a:schemeClr val="tx1"/>
-          </a:fontRef>
-        </p:style>
-      </p:cxnSp>
-      <p:sp>
-        <p:nvSpPr>
-          <p:cNvPr id="103" name="Rectangle 102">
-            <a:extLst>
-              <a:ext uri="{FF2B5EF4-FFF2-40B4-BE49-F238E27FC236}">
-                <a16:creationId xmlns:a16="http://schemas.microsoft.com/office/drawing/2014/main" id="{F2B61E5D-9061-4646-A831-F9BFC9522847}"/>
-              </a:ext>
-            </a:extLst>
-          </p:cNvPr>
-          <p:cNvSpPr/>
-          <p:nvPr/>
-        </p:nvSpPr>
-        <p:spPr>
-          <a:xfrm>
-            <a:off x="934632" y="685041"/>
-            <a:ext cx="3947580" cy="1951630"/>
-          </a:xfrm>
-          <a:prstGeom prst="rect">
-            <a:avLst/>
-          </a:prstGeom>
-          <a:solidFill>
-            <a:schemeClr val="accent5">
-              <a:lumMod val="60000"/>
-              <a:lumOff val="40000"/>
-            </a:schemeClr>
-          </a:solidFill>
-          <a:ln>
-            <a:solidFill>
-              <a:schemeClr val="tx1"/>
-            </a:solidFill>
-          </a:ln>
-        </p:spPr>
-        <p:txBody>
-          <a:bodyPr rot="0" spcFirstLastPara="0" vertOverflow="overflow" horzOverflow="overflow" vert="horz" wrap="square" lIns="91440" tIns="45720" rIns="91440" bIns="45720" numCol="1" spcCol="0" rtlCol="0" fromWordArt="0" anchor="t" anchorCtr="1" forceAA="0" compatLnSpc="1">
-            <a:prstTxWarp prst="textNoShape">
-              <a:avLst/>
-            </a:prstTxWarp>
-            <a:noAutofit/>
-          </a:bodyPr>
-          <a:lstStyle/>
-          <a:p>
-            <a:pPr algn="ctr"/>
-            <a:r>
-              <a:rPr lang="en-US" kern="0" dirty="0">
-                <a:solidFill>
-                  <a:prstClr val="black"/>
-                </a:solidFill>
-                <a:latin typeface="Calibri" panose="020F0502020204030204"/>
-              </a:rPr>
-              <a:t>Frontend</a:t>
-            </a:r>
-          </a:p>
-        </p:txBody>
-      </p:sp>
-      <p:sp>
-        <p:nvSpPr>
-          <p:cNvPr id="63" name="Rectangle 62">
-            <a:extLst>
-              <a:ext uri="{FF2B5EF4-FFF2-40B4-BE49-F238E27FC236}">
-                <a16:creationId xmlns:a16="http://schemas.microsoft.com/office/drawing/2014/main" id="{4A46769E-CA2B-4B16-99DC-FE4CF79AC7DA}"/>
-              </a:ext>
-            </a:extLst>
-          </p:cNvPr>
-          <p:cNvSpPr/>
-          <p:nvPr/>
-        </p:nvSpPr>
-        <p:spPr>
-          <a:xfrm>
-            <a:off x="1044942" y="1082192"/>
-            <a:ext cx="1402926" cy="1458168"/>
-          </a:xfrm>
-          <a:prstGeom prst="rect">
-            <a:avLst/>
-          </a:prstGeom>
-          <a:solidFill>
-            <a:srgbClr val="FFFF99"/>
-          </a:solidFill>
-          <a:ln w="12700">
-            <a:solidFill>
-              <a:schemeClr val="tx1"/>
-            </a:solidFill>
-          </a:ln>
-        </p:spPr>
-        <p:txBody>
-          <a:bodyPr rot="0" spcFirstLastPara="0" vertOverflow="overflow" horzOverflow="overflow" vert="horz" wrap="square" lIns="91440" tIns="45720" rIns="91440" bIns="45720" numCol="1" spcCol="0" rtlCol="0" fromWordArt="0" anchor="ctr" anchorCtr="1" forceAA="0" compatLnSpc="1">
-            <a:prstTxWarp prst="textNoShape">
-              <a:avLst/>
-            </a:prstTxWarp>
-            <a:noAutofit/>
-          </a:bodyPr>
-          <a:lstStyle/>
-          <a:p>
-            <a:pPr algn="ctr"/>
-            <a:r>
-              <a:rPr lang="en-US" sz="1400" kern="0" dirty="0">
-                <a:solidFill>
-                  <a:prstClr val="black"/>
-                </a:solidFill>
-                <a:latin typeface="Calibri" panose="020F0502020204030204"/>
-              </a:rPr>
-              <a:t>Frontend</a:t>
-            </a:r>
-          </a:p>
-          <a:p>
-            <a:pPr algn="ctr"/>
-            <a:r>
-              <a:rPr lang="en-US" sz="1400" kern="0" dirty="0">
-                <a:solidFill>
-                  <a:prstClr val="black"/>
-                </a:solidFill>
-                <a:latin typeface="Calibri" panose="020F0502020204030204"/>
-              </a:rPr>
-              <a:t>Application</a:t>
-            </a:r>
-          </a:p>
-          <a:p>
-            <a:pPr algn="ctr"/>
-            <a:r>
-              <a:rPr lang="en-US" sz="1400" kern="0" dirty="0">
-                <a:solidFill>
-                  <a:prstClr val="black"/>
-                </a:solidFill>
-                <a:latin typeface="Calibri" panose="020F0502020204030204"/>
-              </a:rPr>
-              <a:t>Logic</a:t>
-            </a:r>
-          </a:p>
-        </p:txBody>
-      </p:sp>
-      <p:sp>
-        <p:nvSpPr>
-          <p:cNvPr id="34" name="Rectangle 33">
-            <a:extLst>
-              <a:ext uri="{FF2B5EF4-FFF2-40B4-BE49-F238E27FC236}">
-                <a16:creationId xmlns:a16="http://schemas.microsoft.com/office/drawing/2014/main" id="{025883A8-2555-4883-A33C-E4C7046D86A2}"/>
-              </a:ext>
-            </a:extLst>
-          </p:cNvPr>
-          <p:cNvSpPr/>
-          <p:nvPr/>
-        </p:nvSpPr>
-        <p:spPr>
-          <a:xfrm>
-            <a:off x="3007237" y="1082192"/>
-            <a:ext cx="1402926" cy="1458168"/>
-          </a:xfrm>
-          <a:prstGeom prst="rect">
-            <a:avLst/>
-          </a:prstGeom>
-          <a:solidFill>
-            <a:srgbClr val="FFCD2F"/>
-          </a:solidFill>
-          <a:ln w="12700">
-            <a:solidFill>
-              <a:schemeClr val="tx1"/>
-            </a:solidFill>
-          </a:ln>
-        </p:spPr>
-        <p:txBody>
-          <a:bodyPr rot="0" spcFirstLastPara="0" vertOverflow="overflow" horzOverflow="overflow" vert="horz" wrap="square" lIns="91440" tIns="45720" rIns="91440" bIns="45720" numCol="1" spcCol="0" rtlCol="0" fromWordArt="0" anchor="ctr" anchorCtr="1" forceAA="0" compatLnSpc="1">
-            <a:prstTxWarp prst="textNoShape">
-              <a:avLst/>
-            </a:prstTxWarp>
-            <a:noAutofit/>
-          </a:bodyPr>
-          <a:lstStyle/>
-          <a:p>
-            <a:pPr algn="ctr"/>
-            <a:r>
-              <a:rPr lang="en-US" sz="1400" kern="0" dirty="0">
-                <a:solidFill>
-                  <a:prstClr val="black"/>
-                </a:solidFill>
-                <a:latin typeface="Calibri" panose="020F0502020204030204"/>
-              </a:rPr>
-              <a:t>RPC</a:t>
-            </a:r>
-          </a:p>
-          <a:p>
-            <a:pPr algn="ctr"/>
-            <a:endParaRPr lang="en-US" sz="1400" kern="0" dirty="0">
-              <a:solidFill>
-                <a:prstClr val="black"/>
-              </a:solidFill>
-              <a:latin typeface="Calibri" panose="020F0502020204030204"/>
-            </a:endParaRPr>
-          </a:p>
-          <a:p>
-            <a:pPr algn="ctr"/>
-            <a:r>
-              <a:rPr lang="en-US" sz="1400" kern="0" dirty="0">
-                <a:solidFill>
-                  <a:prstClr val="black"/>
-                </a:solidFill>
-                <a:latin typeface="Calibri" panose="020F0502020204030204"/>
-              </a:rPr>
-              <a:t>Manager</a:t>
-            </a:r>
-          </a:p>
-        </p:txBody>
-      </p:sp>
-      <p:grpSp>
-        <p:nvGrpSpPr>
-          <p:cNvPr id="3" name="Group 2">
-            <a:extLst>
-              <a:ext uri="{FF2B5EF4-FFF2-40B4-BE49-F238E27FC236}">
-                <a16:creationId xmlns:a16="http://schemas.microsoft.com/office/drawing/2014/main" id="{2D866155-3E53-4963-9D83-4AEE3EBBB865}"/>
-              </a:ext>
-            </a:extLst>
-          </p:cNvPr>
-          <p:cNvGrpSpPr/>
-          <p:nvPr/>
-        </p:nvGrpSpPr>
-        <p:grpSpPr>
-          <a:xfrm>
-            <a:off x="4964688" y="1198577"/>
-            <a:ext cx="667567" cy="354369"/>
-            <a:chOff x="4112890" y="3175560"/>
-            <a:chExt cx="667567" cy="354369"/>
-          </a:xfrm>
-        </p:grpSpPr>
-        <p:sp>
-          <p:nvSpPr>
-            <p:cNvPr id="21" name="Arc 20">
-              <a:extLst>
-                <a:ext uri="{FF2B5EF4-FFF2-40B4-BE49-F238E27FC236}">
-                  <a16:creationId xmlns:a16="http://schemas.microsoft.com/office/drawing/2014/main" id="{52FE0217-0A79-44C6-9C51-8916A088A5D9}"/>
-                </a:ext>
-              </a:extLst>
-            </p:cNvPr>
-            <p:cNvSpPr/>
-            <p:nvPr/>
-          </p:nvSpPr>
-          <p:spPr>
-            <a:xfrm rot="10800000">
-              <a:off x="4435415" y="3175560"/>
-              <a:ext cx="345042" cy="354369"/>
-            </a:xfrm>
-            <a:prstGeom prst="arc">
-              <a:avLst>
-                <a:gd name="adj1" fmla="val 16200000"/>
-                <a:gd name="adj2" fmla="val 5657069"/>
-              </a:avLst>
-            </a:prstGeom>
-            <a:ln w="12700">
-              <a:solidFill>
-                <a:schemeClr val="tx1"/>
-              </a:solidFill>
-            </a:ln>
-          </p:spPr>
-          <p:style>
-            <a:lnRef idx="1">
-              <a:schemeClr val="accent1"/>
-            </a:lnRef>
-            <a:fillRef idx="0">
-              <a:schemeClr val="accent1"/>
-            </a:fillRef>
-            <a:effectRef idx="0">
-              <a:schemeClr val="accent1"/>
-            </a:effectRef>
-            <a:fontRef idx="minor">
-              <a:schemeClr val="tx1"/>
-            </a:fontRef>
-          </p:style>
-          <p:txBody>
-            <a:bodyPr rtlCol="0" anchor="ctr"/>
-            <a:lstStyle/>
-            <a:p>
-              <a:pPr algn="ctr"/>
-              <a:endParaRPr lang="en-US"/>
-            </a:p>
-          </p:txBody>
-        </p:sp>
-        <p:cxnSp>
-          <p:nvCxnSpPr>
-            <p:cNvPr id="69" name="Straight Connector 68">
-              <a:extLst>
-                <a:ext uri="{FF2B5EF4-FFF2-40B4-BE49-F238E27FC236}">
-                  <a16:creationId xmlns:a16="http://schemas.microsoft.com/office/drawing/2014/main" id="{D318B453-2AAA-4695-A878-AF1BD6FFBB1D}"/>
-                </a:ext>
-              </a:extLst>
-            </p:cNvPr>
-            <p:cNvCxnSpPr>
-              <a:cxnSpLocks/>
-            </p:cNvCxnSpPr>
-            <p:nvPr/>
-          </p:nvCxnSpPr>
-          <p:spPr>
-            <a:xfrm flipH="1">
-              <a:off x="4112890" y="3345107"/>
-              <a:ext cx="320019" cy="6156"/>
-            </a:xfrm>
-            <a:prstGeom prst="line">
-              <a:avLst/>
-            </a:prstGeom>
-            <a:ln w="12700">
-              <a:solidFill>
-                <a:schemeClr val="tx1"/>
-              </a:solidFill>
-            </a:ln>
-          </p:spPr>
-          <p:style>
-            <a:lnRef idx="1">
-              <a:schemeClr val="accent1"/>
-            </a:lnRef>
-            <a:fillRef idx="0">
-              <a:schemeClr val="accent1"/>
-            </a:fillRef>
-            <a:effectRef idx="0">
-              <a:schemeClr val="accent1"/>
-            </a:effectRef>
-            <a:fontRef idx="minor">
-              <a:schemeClr val="tx1"/>
-            </a:fontRef>
-          </p:style>
-        </p:cxnSp>
-      </p:grpSp>
-      <p:sp>
-        <p:nvSpPr>
-          <p:cNvPr id="43" name="Rectangle: Rounded Corners 42">
-            <a:extLst>
-              <a:ext uri="{FF2B5EF4-FFF2-40B4-BE49-F238E27FC236}">
-                <a16:creationId xmlns:a16="http://schemas.microsoft.com/office/drawing/2014/main" id="{9B17DFDC-BECD-4CAF-A127-A5AEE0603C9C}"/>
-              </a:ext>
-            </a:extLst>
-          </p:cNvPr>
-          <p:cNvSpPr/>
-          <p:nvPr/>
-        </p:nvSpPr>
-        <p:spPr>
-          <a:xfrm>
-            <a:off x="2344316" y="1221695"/>
-            <a:ext cx="773014" cy="315181"/>
-          </a:xfrm>
-          <a:prstGeom prst="roundRect">
-            <a:avLst/>
-          </a:prstGeom>
-          <a:solidFill>
-            <a:srgbClr val="FFFF00"/>
-          </a:solidFill>
-          <a:ln>
-            <a:solidFill>
-              <a:schemeClr val="tx1"/>
-            </a:solidFill>
-          </a:ln>
-        </p:spPr>
-        <p:style>
-          <a:lnRef idx="2">
-            <a:schemeClr val="accent1">
-              <a:shade val="50000"/>
-            </a:schemeClr>
-          </a:lnRef>
-          <a:fillRef idx="1">
-            <a:schemeClr val="accent1"/>
-          </a:fillRef>
-          <a:effectRef idx="0">
-            <a:schemeClr val="accent1"/>
-          </a:effectRef>
-          <a:fontRef idx="minor">
-            <a:schemeClr val="lt1"/>
-          </a:fontRef>
-        </p:style>
-        <p:txBody>
-          <a:bodyPr rtlCol="0" anchor="ctr">
-            <a:noAutofit/>
-          </a:bodyPr>
-          <a:lstStyle/>
-          <a:p>
-            <a:pPr algn="ctr"/>
-            <a:r>
-              <a:rPr lang="en-US" sz="900" dirty="0">
-                <a:solidFill>
-                  <a:schemeClr val="tx1"/>
-                </a:solidFill>
-              </a:rPr>
-              <a:t>RPC</a:t>
-            </a:r>
-          </a:p>
-          <a:p>
-            <a:pPr algn="ctr"/>
-            <a:r>
-              <a:rPr lang="en-US" sz="900" dirty="0">
-                <a:solidFill>
-                  <a:schemeClr val="tx1"/>
-                </a:solidFill>
-              </a:rPr>
-              <a:t>Interface 1</a:t>
-            </a:r>
-          </a:p>
-        </p:txBody>
-      </p:sp>
-      <p:sp>
-        <p:nvSpPr>
-          <p:cNvPr id="44" name="Rectangle: Rounded Corners 43">
-            <a:extLst>
-              <a:ext uri="{FF2B5EF4-FFF2-40B4-BE49-F238E27FC236}">
-                <a16:creationId xmlns:a16="http://schemas.microsoft.com/office/drawing/2014/main" id="{6AE387B2-7411-4F79-84F0-67173A528C81}"/>
-              </a:ext>
-            </a:extLst>
-          </p:cNvPr>
-          <p:cNvSpPr/>
-          <p:nvPr/>
-        </p:nvSpPr>
-        <p:spPr>
-          <a:xfrm>
-            <a:off x="4281069" y="1221695"/>
-            <a:ext cx="773014" cy="315181"/>
-          </a:xfrm>
-          <a:prstGeom prst="roundRect">
-            <a:avLst/>
-          </a:prstGeom>
-          <a:solidFill>
-            <a:srgbClr val="FFCCFF"/>
-          </a:solidFill>
-          <a:ln>
-            <a:solidFill>
-              <a:schemeClr val="tx1"/>
-            </a:solidFill>
-          </a:ln>
-        </p:spPr>
-        <p:style>
-          <a:lnRef idx="2">
-            <a:schemeClr val="accent1">
-              <a:shade val="50000"/>
-            </a:schemeClr>
-          </a:lnRef>
-          <a:fillRef idx="1">
-            <a:schemeClr val="accent1"/>
-          </a:fillRef>
-          <a:effectRef idx="0">
-            <a:schemeClr val="accent1"/>
-          </a:effectRef>
-          <a:fontRef idx="minor">
-            <a:schemeClr val="lt1"/>
-          </a:fontRef>
-        </p:style>
-        <p:txBody>
-          <a:bodyPr rtlCol="0" anchor="ctr">
-            <a:noAutofit/>
-          </a:bodyPr>
-          <a:lstStyle/>
-          <a:p>
-            <a:pPr algn="ctr"/>
-            <a:r>
-              <a:rPr lang="en-US" sz="900" dirty="0">
-                <a:solidFill>
-                  <a:schemeClr val="tx1"/>
-                </a:solidFill>
-              </a:rPr>
-              <a:t>Client</a:t>
-            </a:r>
-          </a:p>
-          <a:p>
-            <a:pPr algn="ctr"/>
-            <a:r>
-              <a:rPr lang="en-US" sz="900" dirty="0">
-                <a:solidFill>
-                  <a:schemeClr val="tx1"/>
-                </a:solidFill>
-              </a:rPr>
-              <a:t>Stub 1</a:t>
-            </a:r>
-          </a:p>
-        </p:txBody>
-      </p:sp>
-      <p:sp>
-        <p:nvSpPr>
-          <p:cNvPr id="52" name="Rectangle: Rounded Corners 51">
-            <a:extLst>
-              <a:ext uri="{FF2B5EF4-FFF2-40B4-BE49-F238E27FC236}">
-                <a16:creationId xmlns:a16="http://schemas.microsoft.com/office/drawing/2014/main" id="{5E77E63A-D725-4514-A541-9F391405DDFF}"/>
-              </a:ext>
-            </a:extLst>
-          </p:cNvPr>
-          <p:cNvSpPr/>
-          <p:nvPr/>
-        </p:nvSpPr>
-        <p:spPr>
-          <a:xfrm>
-            <a:off x="2343023" y="1647794"/>
-            <a:ext cx="773014" cy="315181"/>
-          </a:xfrm>
-          <a:prstGeom prst="roundRect">
-            <a:avLst/>
-          </a:prstGeom>
-          <a:solidFill>
-            <a:srgbClr val="FFFF00"/>
-          </a:solidFill>
-          <a:ln>
-            <a:solidFill>
-              <a:schemeClr val="tx1"/>
-            </a:solidFill>
-          </a:ln>
-        </p:spPr>
-        <p:style>
-          <a:lnRef idx="2">
-            <a:schemeClr val="accent1">
-              <a:shade val="50000"/>
-            </a:schemeClr>
-          </a:lnRef>
-          <a:fillRef idx="1">
-            <a:schemeClr val="accent1"/>
-          </a:fillRef>
-          <a:effectRef idx="0">
-            <a:schemeClr val="accent1"/>
-          </a:effectRef>
-          <a:fontRef idx="minor">
-            <a:schemeClr val="lt1"/>
-          </a:fontRef>
-        </p:style>
-        <p:txBody>
-          <a:bodyPr rtlCol="0" anchor="ctr">
-            <a:noAutofit/>
-          </a:bodyPr>
-          <a:lstStyle/>
-          <a:p>
-            <a:pPr algn="ctr"/>
-            <a:r>
-              <a:rPr lang="en-US" sz="900" dirty="0">
-                <a:solidFill>
-                  <a:schemeClr val="tx1"/>
-                </a:solidFill>
-              </a:rPr>
-              <a:t>RPC</a:t>
-            </a:r>
-          </a:p>
-          <a:p>
-            <a:pPr algn="ctr"/>
-            <a:r>
-              <a:rPr lang="en-US" sz="900" dirty="0">
-                <a:solidFill>
-                  <a:schemeClr val="tx1"/>
-                </a:solidFill>
-              </a:rPr>
-              <a:t>Interface 2</a:t>
-            </a:r>
-          </a:p>
-        </p:txBody>
-      </p:sp>
-      <p:sp>
-        <p:nvSpPr>
-          <p:cNvPr id="53" name="Rectangle: Rounded Corners 52">
-            <a:extLst>
-              <a:ext uri="{FF2B5EF4-FFF2-40B4-BE49-F238E27FC236}">
-                <a16:creationId xmlns:a16="http://schemas.microsoft.com/office/drawing/2014/main" id="{7A35DDE2-EBC0-4E44-9807-4822B4D887CE}"/>
-              </a:ext>
-            </a:extLst>
-          </p:cNvPr>
-          <p:cNvSpPr/>
-          <p:nvPr/>
-        </p:nvSpPr>
-        <p:spPr>
-          <a:xfrm>
-            <a:off x="2333163" y="2073893"/>
-            <a:ext cx="773014" cy="315181"/>
-          </a:xfrm>
-          <a:prstGeom prst="roundRect">
-            <a:avLst/>
-          </a:prstGeom>
-          <a:solidFill>
-            <a:srgbClr val="FFFF00"/>
-          </a:solidFill>
-          <a:ln>
-            <a:solidFill>
-              <a:schemeClr val="tx1"/>
-            </a:solidFill>
-          </a:ln>
-        </p:spPr>
-        <p:style>
-          <a:lnRef idx="2">
-            <a:schemeClr val="accent1">
-              <a:shade val="50000"/>
-            </a:schemeClr>
-          </a:lnRef>
-          <a:fillRef idx="1">
-            <a:schemeClr val="accent1"/>
-          </a:fillRef>
-          <a:effectRef idx="0">
-            <a:schemeClr val="accent1"/>
-          </a:effectRef>
-          <a:fontRef idx="minor">
-            <a:schemeClr val="lt1"/>
-          </a:fontRef>
-        </p:style>
-        <p:txBody>
-          <a:bodyPr rtlCol="0" anchor="ctr">
-            <a:noAutofit/>
-          </a:bodyPr>
-          <a:lstStyle/>
-          <a:p>
-            <a:pPr algn="ctr"/>
-            <a:r>
-              <a:rPr lang="en-US" sz="900" dirty="0">
-                <a:solidFill>
-                  <a:schemeClr val="tx1"/>
-                </a:solidFill>
-              </a:rPr>
-              <a:t>RPC</a:t>
-            </a:r>
-          </a:p>
-          <a:p>
-            <a:pPr algn="ctr"/>
-            <a:r>
-              <a:rPr lang="en-US" sz="900" dirty="0">
-                <a:solidFill>
-                  <a:schemeClr val="tx1"/>
-                </a:solidFill>
-              </a:rPr>
-              <a:t>Interface 3</a:t>
-            </a:r>
-          </a:p>
-        </p:txBody>
-      </p:sp>
-      <p:sp>
-        <p:nvSpPr>
-          <p:cNvPr id="56" name="Rectangle: Rounded Corners 55">
-            <a:extLst>
-              <a:ext uri="{FF2B5EF4-FFF2-40B4-BE49-F238E27FC236}">
-                <a16:creationId xmlns:a16="http://schemas.microsoft.com/office/drawing/2014/main" id="{34A1120C-42CA-47A8-92CE-F0376E6608A6}"/>
-              </a:ext>
-            </a:extLst>
-          </p:cNvPr>
-          <p:cNvSpPr/>
-          <p:nvPr/>
-        </p:nvSpPr>
-        <p:spPr>
-          <a:xfrm>
-            <a:off x="4281069" y="1647794"/>
-            <a:ext cx="773014" cy="315181"/>
-          </a:xfrm>
-          <a:prstGeom prst="roundRect">
-            <a:avLst/>
-          </a:prstGeom>
-          <a:solidFill>
-            <a:srgbClr val="FFCCFF"/>
-          </a:solidFill>
-          <a:ln>
-            <a:solidFill>
-              <a:schemeClr val="tx1"/>
-            </a:solidFill>
-          </a:ln>
-        </p:spPr>
-        <p:style>
-          <a:lnRef idx="2">
-            <a:schemeClr val="accent1">
-              <a:shade val="50000"/>
-            </a:schemeClr>
-          </a:lnRef>
-          <a:fillRef idx="1">
-            <a:schemeClr val="accent1"/>
-          </a:fillRef>
-          <a:effectRef idx="0">
-            <a:schemeClr val="accent1"/>
-          </a:effectRef>
-          <a:fontRef idx="minor">
-            <a:schemeClr val="lt1"/>
-          </a:fontRef>
-        </p:style>
-        <p:txBody>
-          <a:bodyPr rtlCol="0" anchor="ctr">
-            <a:noAutofit/>
-          </a:bodyPr>
-          <a:lstStyle/>
-          <a:p>
-            <a:pPr algn="ctr"/>
-            <a:r>
-              <a:rPr lang="en-US" sz="900" dirty="0">
-                <a:solidFill>
-                  <a:schemeClr val="tx1"/>
-                </a:solidFill>
-              </a:rPr>
-              <a:t>Client</a:t>
-            </a:r>
-          </a:p>
-          <a:p>
-            <a:pPr algn="ctr"/>
-            <a:r>
-              <a:rPr lang="en-US" sz="900" dirty="0">
-                <a:solidFill>
-                  <a:schemeClr val="tx1"/>
-                </a:solidFill>
-              </a:rPr>
-              <a:t>Stub 2</a:t>
-            </a:r>
-          </a:p>
-        </p:txBody>
-      </p:sp>
-      <p:sp>
-        <p:nvSpPr>
-          <p:cNvPr id="57" name="Rectangle: Rounded Corners 56">
-            <a:extLst>
-              <a:ext uri="{FF2B5EF4-FFF2-40B4-BE49-F238E27FC236}">
-                <a16:creationId xmlns:a16="http://schemas.microsoft.com/office/drawing/2014/main" id="{64521F5A-88C6-426C-8253-AD4F4E52E54D}"/>
-              </a:ext>
-            </a:extLst>
-          </p:cNvPr>
-          <p:cNvSpPr/>
-          <p:nvPr/>
-        </p:nvSpPr>
-        <p:spPr>
-          <a:xfrm>
-            <a:off x="4281069" y="2073893"/>
-            <a:ext cx="773014" cy="315181"/>
-          </a:xfrm>
-          <a:prstGeom prst="roundRect">
-            <a:avLst/>
-          </a:prstGeom>
-          <a:solidFill>
-            <a:srgbClr val="FFCCFF"/>
-          </a:solidFill>
-          <a:ln>
-            <a:solidFill>
-              <a:schemeClr val="tx1"/>
-            </a:solidFill>
-          </a:ln>
-        </p:spPr>
-        <p:style>
-          <a:lnRef idx="2">
-            <a:schemeClr val="accent1">
-              <a:shade val="50000"/>
-            </a:schemeClr>
-          </a:lnRef>
-          <a:fillRef idx="1">
-            <a:schemeClr val="accent1"/>
-          </a:fillRef>
-          <a:effectRef idx="0">
-            <a:schemeClr val="accent1"/>
-          </a:effectRef>
-          <a:fontRef idx="minor">
-            <a:schemeClr val="lt1"/>
-          </a:fontRef>
-        </p:style>
-        <p:txBody>
-          <a:bodyPr rtlCol="0" anchor="ctr">
-            <a:noAutofit/>
-          </a:bodyPr>
-          <a:lstStyle/>
-          <a:p>
-            <a:pPr algn="ctr"/>
-            <a:r>
-              <a:rPr lang="en-US" sz="900" dirty="0">
-                <a:solidFill>
-                  <a:schemeClr val="tx1"/>
-                </a:solidFill>
-              </a:rPr>
-              <a:t>Client</a:t>
-            </a:r>
-          </a:p>
-          <a:p>
-            <a:pPr algn="ctr"/>
-            <a:r>
-              <a:rPr lang="en-US" sz="900" dirty="0">
-                <a:solidFill>
-                  <a:schemeClr val="tx1"/>
-                </a:solidFill>
-              </a:rPr>
-              <a:t>Stub 3</a:t>
-            </a:r>
-          </a:p>
-        </p:txBody>
-      </p:sp>
-      <p:sp>
-        <p:nvSpPr>
-          <p:cNvPr id="66" name="Arc 65">
-            <a:extLst>
-              <a:ext uri="{FF2B5EF4-FFF2-40B4-BE49-F238E27FC236}">
-                <a16:creationId xmlns:a16="http://schemas.microsoft.com/office/drawing/2014/main" id="{E8DD7E05-E1B6-4A74-A493-6FF2D9A9DC3B}"/>
-              </a:ext>
-            </a:extLst>
-          </p:cNvPr>
-          <p:cNvSpPr/>
-          <p:nvPr/>
-        </p:nvSpPr>
-        <p:spPr>
-          <a:xfrm rot="10800000">
-            <a:off x="5291199" y="1631154"/>
-            <a:ext cx="345042" cy="354369"/>
-          </a:xfrm>
-          <a:prstGeom prst="arc">
-            <a:avLst>
-              <a:gd name="adj1" fmla="val 16200000"/>
-              <a:gd name="adj2" fmla="val 5657069"/>
-            </a:avLst>
-          </a:prstGeom>
-          <a:ln w="12700">
-            <a:solidFill>
-              <a:schemeClr val="tx1"/>
-            </a:solidFill>
-          </a:ln>
-        </p:spPr>
-        <p:style>
-          <a:lnRef idx="1">
-            <a:schemeClr val="accent1"/>
-          </a:lnRef>
-          <a:fillRef idx="0">
-            <a:schemeClr val="accent1"/>
-          </a:fillRef>
-          <a:effectRef idx="0">
-            <a:schemeClr val="accent1"/>
-          </a:effectRef>
-          <a:fontRef idx="minor">
-            <a:schemeClr val="tx1"/>
-          </a:fontRef>
-        </p:style>
-        <p:txBody>
-          <a:bodyPr rtlCol="0" anchor="ctr"/>
-          <a:lstStyle/>
-          <a:p>
-            <a:pPr algn="ctr"/>
-            <a:endParaRPr lang="en-US"/>
-          </a:p>
-        </p:txBody>
-      </p:sp>
-      <p:sp>
-        <p:nvSpPr>
-          <p:cNvPr id="70" name="Arc 69">
-            <a:extLst>
-              <a:ext uri="{FF2B5EF4-FFF2-40B4-BE49-F238E27FC236}">
-                <a16:creationId xmlns:a16="http://schemas.microsoft.com/office/drawing/2014/main" id="{F2DFE685-6558-4BFB-B6C4-C7E8159DB3D3}"/>
-              </a:ext>
-            </a:extLst>
-          </p:cNvPr>
-          <p:cNvSpPr/>
-          <p:nvPr/>
-        </p:nvSpPr>
-        <p:spPr>
-          <a:xfrm rot="10800000">
-            <a:off x="5287213" y="2052465"/>
-            <a:ext cx="345042" cy="354369"/>
-          </a:xfrm>
-          <a:prstGeom prst="arc">
-            <a:avLst>
-              <a:gd name="adj1" fmla="val 16200000"/>
-              <a:gd name="adj2" fmla="val 5657069"/>
-            </a:avLst>
-          </a:prstGeom>
-          <a:ln w="12700">
-            <a:solidFill>
-              <a:schemeClr val="tx1"/>
-            </a:solidFill>
-          </a:ln>
-        </p:spPr>
-        <p:style>
-          <a:lnRef idx="1">
-            <a:schemeClr val="accent1"/>
-          </a:lnRef>
-          <a:fillRef idx="0">
-            <a:schemeClr val="accent1"/>
-          </a:fillRef>
-          <a:effectRef idx="0">
-            <a:schemeClr val="accent1"/>
-          </a:effectRef>
-          <a:fontRef idx="minor">
-            <a:schemeClr val="tx1"/>
-          </a:fontRef>
-        </p:style>
-        <p:txBody>
-          <a:bodyPr rtlCol="0" anchor="ctr"/>
-          <a:lstStyle/>
-          <a:p>
-            <a:pPr algn="ctr"/>
-            <a:endParaRPr lang="en-US"/>
-          </a:p>
-        </p:txBody>
-      </p:sp>
-      <p:sp>
-        <p:nvSpPr>
-          <p:cNvPr id="51" name="Rectangle 50">
-            <a:extLst>
-              <a:ext uri="{FF2B5EF4-FFF2-40B4-BE49-F238E27FC236}">
-                <a16:creationId xmlns:a16="http://schemas.microsoft.com/office/drawing/2014/main" id="{B68D098D-BF5F-475E-A2D8-9A73ACE1ACE9}"/>
-              </a:ext>
-            </a:extLst>
-          </p:cNvPr>
-          <p:cNvSpPr/>
-          <p:nvPr/>
-        </p:nvSpPr>
-        <p:spPr>
-          <a:xfrm>
-            <a:off x="7205286" y="685041"/>
-            <a:ext cx="4052083" cy="1638802"/>
-          </a:xfrm>
-          <a:prstGeom prst="rect">
-            <a:avLst/>
-          </a:prstGeom>
-          <a:solidFill>
-            <a:srgbClr val="00B050"/>
-          </a:solidFill>
-          <a:ln>
-            <a:solidFill>
-              <a:schemeClr val="tx1"/>
-            </a:solidFill>
-          </a:ln>
-        </p:spPr>
-        <p:txBody>
-          <a:bodyPr rot="0" spcFirstLastPara="0" vertOverflow="overflow" horzOverflow="overflow" vert="horz" wrap="square" lIns="91440" tIns="45720" rIns="91440" bIns="45720" numCol="1" spcCol="0" rtlCol="0" fromWordArt="0" anchor="t" anchorCtr="1" forceAA="0" compatLnSpc="1">
-            <a:prstTxWarp prst="textNoShape">
-              <a:avLst/>
-            </a:prstTxWarp>
-            <a:noAutofit/>
-          </a:bodyPr>
-          <a:lstStyle/>
-          <a:p>
-            <a:pPr algn="ctr"/>
-            <a:r>
-              <a:rPr lang="en-US" kern="0" dirty="0">
-                <a:solidFill>
-                  <a:prstClr val="black"/>
-                </a:solidFill>
-                <a:latin typeface="Calibri" panose="020F0502020204030204"/>
-              </a:rPr>
-              <a:t>Backend A</a:t>
-            </a:r>
-          </a:p>
-        </p:txBody>
-      </p:sp>
-      <p:sp>
-        <p:nvSpPr>
-          <p:cNvPr id="80" name="Rectangle 79">
-            <a:extLst>
-              <a:ext uri="{FF2B5EF4-FFF2-40B4-BE49-F238E27FC236}">
-                <a16:creationId xmlns:a16="http://schemas.microsoft.com/office/drawing/2014/main" id="{B7C00404-CB97-40CE-8763-65CCA0545924}"/>
-              </a:ext>
-            </a:extLst>
-          </p:cNvPr>
-          <p:cNvSpPr/>
-          <p:nvPr/>
-        </p:nvSpPr>
-        <p:spPr>
-          <a:xfrm>
-            <a:off x="9696701" y="1149530"/>
-            <a:ext cx="1462699" cy="406175"/>
-          </a:xfrm>
-          <a:prstGeom prst="rect">
-            <a:avLst/>
-          </a:prstGeom>
-          <a:solidFill>
-            <a:srgbClr val="FFFF99"/>
-          </a:solidFill>
-          <a:ln>
-            <a:solidFill>
-              <a:schemeClr val="tx1"/>
-            </a:solidFill>
-          </a:ln>
-        </p:spPr>
-        <p:txBody>
-          <a:bodyPr rot="0" spcFirstLastPara="0" vertOverflow="overflow" horzOverflow="overflow" vert="horz" wrap="square" lIns="91440" tIns="45720" rIns="91440" bIns="45720" numCol="1" spcCol="0" rtlCol="0" fromWordArt="0" anchor="ctr" anchorCtr="1" forceAA="0" compatLnSpc="1">
-            <a:prstTxWarp prst="textNoShape">
-              <a:avLst/>
-            </a:prstTxWarp>
-            <a:noAutofit/>
-          </a:bodyPr>
-          <a:lstStyle/>
-          <a:p>
-            <a:pPr marL="0" marR="0" lvl="0" indent="0" algn="ctr" defTabSz="914400" rtl="0" eaLnBrk="1" fontAlgn="auto" latinLnBrk="0" hangingPunct="1">
-              <a:lnSpc>
-                <a:spcPct val="100000"/>
-              </a:lnSpc>
-              <a:spcBef>
-                <a:spcPts val="0"/>
-              </a:spcBef>
-              <a:spcAft>
-                <a:spcPts val="0"/>
-              </a:spcAft>
-              <a:buClrTx/>
-              <a:buSzTx/>
-              <a:buFontTx/>
-              <a:buNone/>
-              <a:tabLst/>
-              <a:defRPr/>
-            </a:pPr>
-            <a:r>
-              <a:rPr kumimoji="0" lang="en-US" sz="1200" b="0" i="0" u="none" strike="noStrike" kern="0" cap="none" spc="0" normalizeH="0" baseline="0" noProof="0" dirty="0">
-                <a:ln>
-                  <a:noFill/>
-                </a:ln>
-                <a:solidFill>
-                  <a:prstClr val="black"/>
-                </a:solidFill>
-                <a:effectLst/>
-                <a:uLnTx/>
-                <a:uFillTx/>
-                <a:latin typeface="Calibri" panose="020F0502020204030204"/>
-                <a:ea typeface="+mn-ea"/>
-                <a:cs typeface="+mn-cs"/>
-              </a:rPr>
-              <a:t>Server</a:t>
-            </a:r>
-          </a:p>
-          <a:p>
-            <a:pPr marL="0" marR="0" lvl="0" indent="0" algn="ctr" defTabSz="914400" rtl="0" eaLnBrk="1" fontAlgn="auto" latinLnBrk="0" hangingPunct="1">
-              <a:lnSpc>
-                <a:spcPct val="100000"/>
-              </a:lnSpc>
-              <a:spcBef>
-                <a:spcPts val="0"/>
-              </a:spcBef>
-              <a:spcAft>
-                <a:spcPts val="0"/>
-              </a:spcAft>
-              <a:buClrTx/>
-              <a:buSzTx/>
-              <a:buFontTx/>
-              <a:buNone/>
-              <a:tabLst/>
-              <a:defRPr/>
-            </a:pPr>
-            <a:r>
-              <a:rPr kumimoji="0" lang="en-US" sz="1200" b="0" i="0" u="none" strike="noStrike" kern="0" cap="none" spc="0" normalizeH="0" baseline="0" noProof="0" dirty="0">
-                <a:ln>
-                  <a:noFill/>
-                </a:ln>
-                <a:solidFill>
-                  <a:prstClr val="black"/>
-                </a:solidFill>
-                <a:effectLst/>
-                <a:uLnTx/>
-                <a:uFillTx/>
-                <a:latin typeface="Calibri" panose="020F0502020204030204"/>
-                <a:ea typeface="+mn-ea"/>
-                <a:cs typeface="+mn-cs"/>
-              </a:rPr>
-              <a:t>Implementation 1</a:t>
-            </a:r>
-          </a:p>
-        </p:txBody>
-      </p:sp>
-      <p:sp>
-        <p:nvSpPr>
-          <p:cNvPr id="81" name="Rectangle 80">
-            <a:extLst>
-              <a:ext uri="{FF2B5EF4-FFF2-40B4-BE49-F238E27FC236}">
-                <a16:creationId xmlns:a16="http://schemas.microsoft.com/office/drawing/2014/main" id="{F994C2A3-625E-446B-AA29-92C5F611BB37}"/>
-              </a:ext>
-            </a:extLst>
-          </p:cNvPr>
-          <p:cNvSpPr/>
-          <p:nvPr/>
-        </p:nvSpPr>
-        <p:spPr>
-          <a:xfrm>
-            <a:off x="9696699" y="1714157"/>
-            <a:ext cx="1462699" cy="406175"/>
-          </a:xfrm>
-          <a:prstGeom prst="rect">
-            <a:avLst/>
-          </a:prstGeom>
-          <a:solidFill>
-            <a:srgbClr val="FFFF99"/>
-          </a:solidFill>
-          <a:ln>
-            <a:solidFill>
-              <a:schemeClr val="tx1"/>
-            </a:solidFill>
-          </a:ln>
-        </p:spPr>
-        <p:txBody>
-          <a:bodyPr rot="0" spcFirstLastPara="0" vertOverflow="overflow" horzOverflow="overflow" vert="horz" wrap="square" lIns="91440" tIns="45720" rIns="91440" bIns="45720" numCol="1" spcCol="0" rtlCol="0" fromWordArt="0" anchor="ctr" anchorCtr="1" forceAA="0" compatLnSpc="1">
-            <a:prstTxWarp prst="textNoShape">
-              <a:avLst/>
-            </a:prstTxWarp>
-            <a:noAutofit/>
-          </a:bodyPr>
-          <a:lstStyle/>
-          <a:p>
-            <a:pPr marL="0" marR="0" lvl="0" indent="0" algn="ctr" defTabSz="914400" rtl="0" eaLnBrk="1" fontAlgn="auto" latinLnBrk="0" hangingPunct="1">
-              <a:lnSpc>
-                <a:spcPct val="100000"/>
-              </a:lnSpc>
-              <a:spcBef>
-                <a:spcPts val="0"/>
-              </a:spcBef>
-              <a:spcAft>
-                <a:spcPts val="0"/>
-              </a:spcAft>
-              <a:buClrTx/>
-              <a:buSzTx/>
-              <a:buFontTx/>
-              <a:buNone/>
-              <a:tabLst/>
-              <a:defRPr/>
-            </a:pPr>
-            <a:r>
-              <a:rPr kumimoji="0" lang="en-US" sz="1200" b="0" i="0" u="none" strike="noStrike" kern="0" cap="none" spc="0" normalizeH="0" baseline="0" noProof="0" dirty="0">
-                <a:ln>
-                  <a:noFill/>
-                </a:ln>
-                <a:solidFill>
-                  <a:prstClr val="black"/>
-                </a:solidFill>
-                <a:effectLst/>
-                <a:uLnTx/>
-                <a:uFillTx/>
-                <a:latin typeface="Calibri" panose="020F0502020204030204"/>
-                <a:ea typeface="+mn-ea"/>
-                <a:cs typeface="+mn-cs"/>
-              </a:rPr>
-              <a:t>Server</a:t>
-            </a:r>
-          </a:p>
-          <a:p>
-            <a:pPr marL="0" marR="0" lvl="0" indent="0" algn="ctr" defTabSz="914400" rtl="0" eaLnBrk="1" fontAlgn="auto" latinLnBrk="0" hangingPunct="1">
-              <a:lnSpc>
-                <a:spcPct val="100000"/>
-              </a:lnSpc>
-              <a:spcBef>
-                <a:spcPts val="0"/>
-              </a:spcBef>
-              <a:spcAft>
-                <a:spcPts val="0"/>
-              </a:spcAft>
-              <a:buClrTx/>
-              <a:buSzTx/>
-              <a:buFontTx/>
-              <a:buNone/>
-              <a:tabLst/>
-              <a:defRPr/>
-            </a:pPr>
-            <a:r>
-              <a:rPr kumimoji="0" lang="en-US" sz="1200" b="0" i="0" u="none" strike="noStrike" kern="0" cap="none" spc="0" normalizeH="0" baseline="0" noProof="0" dirty="0">
-                <a:ln>
-                  <a:noFill/>
-                </a:ln>
-                <a:solidFill>
-                  <a:prstClr val="black"/>
-                </a:solidFill>
-                <a:effectLst/>
-                <a:uLnTx/>
-                <a:uFillTx/>
-                <a:latin typeface="Calibri" panose="020F0502020204030204"/>
-                <a:ea typeface="+mn-ea"/>
-                <a:cs typeface="+mn-cs"/>
-              </a:rPr>
-              <a:t>Implementation 2</a:t>
-            </a:r>
-          </a:p>
-        </p:txBody>
-      </p:sp>
-      <p:sp>
-        <p:nvSpPr>
-          <p:cNvPr id="78" name="Rectangle 77">
-            <a:extLst>
-              <a:ext uri="{FF2B5EF4-FFF2-40B4-BE49-F238E27FC236}">
-                <a16:creationId xmlns:a16="http://schemas.microsoft.com/office/drawing/2014/main" id="{143CF522-6F6F-4D02-A696-C09778F6022B}"/>
-              </a:ext>
-            </a:extLst>
-          </p:cNvPr>
-          <p:cNvSpPr/>
-          <p:nvPr/>
-        </p:nvSpPr>
-        <p:spPr>
-          <a:xfrm>
-            <a:off x="7731523" y="1083220"/>
-            <a:ext cx="1402926" cy="1128575"/>
-          </a:xfrm>
-          <a:prstGeom prst="rect">
-            <a:avLst/>
-          </a:prstGeom>
-          <a:solidFill>
-            <a:srgbClr val="FFCD2F"/>
-          </a:solidFill>
-          <a:ln w="12700">
-            <a:solidFill>
-              <a:schemeClr val="tx1"/>
-            </a:solidFill>
-          </a:ln>
-        </p:spPr>
-        <p:txBody>
-          <a:bodyPr rot="0" spcFirstLastPara="0" vertOverflow="overflow" horzOverflow="overflow" vert="horz" wrap="square" lIns="91440" tIns="45720" rIns="91440" bIns="45720" numCol="1" spcCol="0" rtlCol="0" fromWordArt="0" anchor="ctr" anchorCtr="1" forceAA="0" compatLnSpc="1">
-            <a:prstTxWarp prst="textNoShape">
-              <a:avLst/>
-            </a:prstTxWarp>
-            <a:noAutofit/>
-          </a:bodyPr>
-          <a:lstStyle/>
-          <a:p>
-            <a:pPr algn="ctr"/>
-            <a:r>
-              <a:rPr lang="en-US" sz="1400" kern="0" dirty="0">
-                <a:solidFill>
-                  <a:prstClr val="black"/>
-                </a:solidFill>
-                <a:latin typeface="Calibri" panose="020F0502020204030204"/>
-              </a:rPr>
-              <a:t>RPC</a:t>
-            </a:r>
-          </a:p>
-          <a:p>
-            <a:pPr algn="ctr"/>
-            <a:r>
-              <a:rPr lang="en-US" sz="1400" kern="0" dirty="0">
-                <a:solidFill>
-                  <a:prstClr val="black"/>
-                </a:solidFill>
-                <a:latin typeface="Calibri" panose="020F0502020204030204"/>
-              </a:rPr>
-              <a:t>Manager</a:t>
-            </a:r>
-          </a:p>
-        </p:txBody>
-      </p:sp>
-      <p:grpSp>
-        <p:nvGrpSpPr>
-          <p:cNvPr id="4" name="Group 3">
-            <a:extLst>
-              <a:ext uri="{FF2B5EF4-FFF2-40B4-BE49-F238E27FC236}">
-                <a16:creationId xmlns:a16="http://schemas.microsoft.com/office/drawing/2014/main" id="{C3858A05-8733-4451-BE0F-58111F7CE05F}"/>
-              </a:ext>
-            </a:extLst>
-          </p:cNvPr>
-          <p:cNvGrpSpPr/>
-          <p:nvPr/>
-        </p:nvGrpSpPr>
-        <p:grpSpPr>
-          <a:xfrm>
-            <a:off x="6588217" y="1239708"/>
-            <a:ext cx="501385" cy="281652"/>
-            <a:chOff x="6178841" y="3206121"/>
-            <a:chExt cx="501385" cy="281652"/>
-          </a:xfrm>
-        </p:grpSpPr>
-        <p:cxnSp>
-          <p:nvCxnSpPr>
-            <p:cNvPr id="28" name="Straight Connector 27">
-              <a:extLst>
-                <a:ext uri="{FF2B5EF4-FFF2-40B4-BE49-F238E27FC236}">
-                  <a16:creationId xmlns:a16="http://schemas.microsoft.com/office/drawing/2014/main" id="{89C00301-B6BB-4574-805D-19AF644EE6AD}"/>
-                </a:ext>
-              </a:extLst>
-            </p:cNvPr>
-            <p:cNvCxnSpPr>
-              <a:cxnSpLocks/>
-              <a:endCxn id="29" idx="6"/>
-            </p:cNvCxnSpPr>
-            <p:nvPr/>
-          </p:nvCxnSpPr>
-          <p:spPr>
-            <a:xfrm flipH="1">
-              <a:off x="6465414" y="3340791"/>
-              <a:ext cx="214812" cy="6156"/>
-            </a:xfrm>
-            <a:prstGeom prst="line">
-              <a:avLst/>
-            </a:prstGeom>
-            <a:ln w="12700">
-              <a:solidFill>
-                <a:schemeClr val="tx1"/>
-              </a:solidFill>
-            </a:ln>
-          </p:spPr>
-          <p:style>
-            <a:lnRef idx="1">
-              <a:schemeClr val="accent1"/>
-            </a:lnRef>
-            <a:fillRef idx="0">
-              <a:schemeClr val="accent1"/>
-            </a:fillRef>
-            <a:effectRef idx="0">
-              <a:schemeClr val="accent1"/>
-            </a:effectRef>
-            <a:fontRef idx="minor">
-              <a:schemeClr val="tx1"/>
-            </a:fontRef>
-          </p:style>
-        </p:cxnSp>
-        <p:sp>
-          <p:nvSpPr>
-            <p:cNvPr id="29" name="Oval 28">
-              <a:extLst>
-                <a:ext uri="{FF2B5EF4-FFF2-40B4-BE49-F238E27FC236}">
-                  <a16:creationId xmlns:a16="http://schemas.microsoft.com/office/drawing/2014/main" id="{B20ABCDC-F62C-45CA-9BA5-D179B38C37AD}"/>
-                </a:ext>
-              </a:extLst>
-            </p:cNvPr>
-            <p:cNvSpPr/>
-            <p:nvPr/>
-          </p:nvSpPr>
-          <p:spPr>
-            <a:xfrm>
-              <a:off x="6178841" y="3206121"/>
-              <a:ext cx="286573" cy="281652"/>
-            </a:xfrm>
-            <a:prstGeom prst="ellipse">
-              <a:avLst/>
-            </a:prstGeom>
-            <a:noFill/>
-            <a:ln>
-              <a:solidFill>
-                <a:schemeClr val="tx1"/>
-              </a:solidFill>
-            </a:ln>
-          </p:spPr>
-          <p:style>
-            <a:lnRef idx="2">
-              <a:schemeClr val="accent1">
-                <a:shade val="50000"/>
-              </a:schemeClr>
-            </a:lnRef>
-            <a:fillRef idx="1">
-              <a:schemeClr val="accent1"/>
-            </a:fillRef>
-            <a:effectRef idx="0">
-              <a:schemeClr val="accent1"/>
-            </a:effectRef>
-            <a:fontRef idx="minor">
-              <a:schemeClr val="lt1"/>
-            </a:fontRef>
-          </p:style>
-          <p:txBody>
-            <a:bodyPr rtlCol="0" anchor="ctr"/>
-            <a:lstStyle/>
-            <a:p>
-              <a:pPr algn="ctr"/>
-              <a:endParaRPr lang="en-US"/>
-            </a:p>
-          </p:txBody>
-        </p:sp>
-      </p:grpSp>
-      <p:sp>
-        <p:nvSpPr>
-          <p:cNvPr id="45" name="Rectangle: Rounded Corners 44">
-            <a:extLst>
-              <a:ext uri="{FF2B5EF4-FFF2-40B4-BE49-F238E27FC236}">
-                <a16:creationId xmlns:a16="http://schemas.microsoft.com/office/drawing/2014/main" id="{BE7CA9B0-0F65-406A-97F5-2712EC80AE79}"/>
-              </a:ext>
-            </a:extLst>
-          </p:cNvPr>
-          <p:cNvSpPr/>
-          <p:nvPr/>
-        </p:nvSpPr>
-        <p:spPr>
-          <a:xfrm>
-            <a:off x="7077836" y="1222944"/>
-            <a:ext cx="773014" cy="315181"/>
-          </a:xfrm>
-          <a:prstGeom prst="roundRect">
-            <a:avLst/>
-          </a:prstGeom>
-          <a:solidFill>
-            <a:srgbClr val="CCCCFF"/>
-          </a:solidFill>
-          <a:ln>
-            <a:solidFill>
-              <a:schemeClr val="tx1"/>
-            </a:solidFill>
-          </a:ln>
-        </p:spPr>
-        <p:style>
-          <a:lnRef idx="2">
-            <a:schemeClr val="accent1">
-              <a:shade val="50000"/>
-            </a:schemeClr>
-          </a:lnRef>
-          <a:fillRef idx="1">
-            <a:schemeClr val="accent1"/>
-          </a:fillRef>
-          <a:effectRef idx="0">
-            <a:schemeClr val="accent1"/>
-          </a:effectRef>
-          <a:fontRef idx="minor">
-            <a:schemeClr val="lt1"/>
-          </a:fontRef>
-        </p:style>
-        <p:txBody>
-          <a:bodyPr rtlCol="0" anchor="ctr">
-            <a:noAutofit/>
-          </a:bodyPr>
-          <a:lstStyle/>
-          <a:p>
-            <a:pPr algn="ctr"/>
-            <a:r>
-              <a:rPr lang="en-US" sz="900" dirty="0">
-                <a:solidFill>
-                  <a:schemeClr val="tx1"/>
-                </a:solidFill>
-              </a:rPr>
-              <a:t>Server</a:t>
-            </a:r>
-          </a:p>
-          <a:p>
-            <a:pPr algn="ctr"/>
-            <a:r>
-              <a:rPr lang="en-US" sz="900" dirty="0">
-                <a:solidFill>
-                  <a:schemeClr val="tx1"/>
-                </a:solidFill>
-              </a:rPr>
-              <a:t>Dispatch 1</a:t>
-            </a:r>
-          </a:p>
-        </p:txBody>
-      </p:sp>
-      <p:sp>
-        <p:nvSpPr>
-          <p:cNvPr id="58" name="Rectangle: Rounded Corners 57">
-            <a:extLst>
-              <a:ext uri="{FF2B5EF4-FFF2-40B4-BE49-F238E27FC236}">
-                <a16:creationId xmlns:a16="http://schemas.microsoft.com/office/drawing/2014/main" id="{CBE3F4F7-693A-4487-83B8-2AEE7080F94A}"/>
-              </a:ext>
-            </a:extLst>
-          </p:cNvPr>
-          <p:cNvSpPr/>
-          <p:nvPr/>
-        </p:nvSpPr>
-        <p:spPr>
-          <a:xfrm>
-            <a:off x="9037240" y="1206179"/>
-            <a:ext cx="773014" cy="315181"/>
-          </a:xfrm>
-          <a:prstGeom prst="roundRect">
-            <a:avLst/>
-          </a:prstGeom>
-          <a:solidFill>
-            <a:srgbClr val="FFFF00"/>
-          </a:solidFill>
-          <a:ln>
-            <a:solidFill>
-              <a:schemeClr val="tx1"/>
-            </a:solidFill>
-          </a:ln>
-        </p:spPr>
-        <p:style>
-          <a:lnRef idx="2">
-            <a:schemeClr val="accent1">
-              <a:shade val="50000"/>
-            </a:schemeClr>
-          </a:lnRef>
-          <a:fillRef idx="1">
-            <a:schemeClr val="accent1"/>
-          </a:fillRef>
-          <a:effectRef idx="0">
-            <a:schemeClr val="accent1"/>
-          </a:effectRef>
-          <a:fontRef idx="minor">
-            <a:schemeClr val="lt1"/>
-          </a:fontRef>
-        </p:style>
-        <p:txBody>
-          <a:bodyPr rtlCol="0" anchor="ctr">
-            <a:noAutofit/>
-          </a:bodyPr>
-          <a:lstStyle/>
-          <a:p>
-            <a:pPr algn="ctr"/>
-            <a:r>
-              <a:rPr lang="en-US" sz="900" dirty="0">
-                <a:solidFill>
-                  <a:schemeClr val="tx1"/>
-                </a:solidFill>
-              </a:rPr>
-              <a:t>RPC</a:t>
-            </a:r>
-          </a:p>
-          <a:p>
-            <a:pPr algn="ctr"/>
-            <a:r>
-              <a:rPr lang="en-US" sz="900" dirty="0">
-                <a:solidFill>
-                  <a:schemeClr val="tx1"/>
-                </a:solidFill>
-              </a:rPr>
-              <a:t>Interface 1</a:t>
-            </a:r>
-          </a:p>
-        </p:txBody>
-      </p:sp>
-      <p:sp>
-        <p:nvSpPr>
-          <p:cNvPr id="59" name="Rectangle: Rounded Corners 58">
-            <a:extLst>
-              <a:ext uri="{FF2B5EF4-FFF2-40B4-BE49-F238E27FC236}">
-                <a16:creationId xmlns:a16="http://schemas.microsoft.com/office/drawing/2014/main" id="{39FDFAEA-99D8-48F9-8BBC-3876F38C1104}"/>
-              </a:ext>
-            </a:extLst>
-          </p:cNvPr>
-          <p:cNvSpPr/>
-          <p:nvPr/>
-        </p:nvSpPr>
-        <p:spPr>
-          <a:xfrm>
-            <a:off x="9035947" y="1756373"/>
-            <a:ext cx="773014" cy="315181"/>
-          </a:xfrm>
-          <a:prstGeom prst="roundRect">
-            <a:avLst/>
-          </a:prstGeom>
-          <a:solidFill>
-            <a:srgbClr val="FFFF00"/>
-          </a:solidFill>
-          <a:ln>
-            <a:solidFill>
-              <a:schemeClr val="tx1"/>
-            </a:solidFill>
-          </a:ln>
-        </p:spPr>
-        <p:style>
-          <a:lnRef idx="2">
-            <a:schemeClr val="accent1">
-              <a:shade val="50000"/>
-            </a:schemeClr>
-          </a:lnRef>
-          <a:fillRef idx="1">
-            <a:schemeClr val="accent1"/>
-          </a:fillRef>
-          <a:effectRef idx="0">
-            <a:schemeClr val="accent1"/>
-          </a:effectRef>
-          <a:fontRef idx="minor">
-            <a:schemeClr val="lt1"/>
-          </a:fontRef>
-        </p:style>
-        <p:txBody>
-          <a:bodyPr rtlCol="0" anchor="ctr">
-            <a:noAutofit/>
-          </a:bodyPr>
-          <a:lstStyle/>
-          <a:p>
-            <a:pPr algn="ctr"/>
-            <a:r>
-              <a:rPr lang="en-US" sz="900" dirty="0">
-                <a:solidFill>
-                  <a:schemeClr val="tx1"/>
-                </a:solidFill>
-              </a:rPr>
-              <a:t>RPC</a:t>
-            </a:r>
-          </a:p>
-          <a:p>
-            <a:pPr algn="ctr"/>
-            <a:r>
-              <a:rPr lang="en-US" sz="900" dirty="0">
-                <a:solidFill>
-                  <a:schemeClr val="tx1"/>
-                </a:solidFill>
-              </a:rPr>
-              <a:t>Interface 2</a:t>
-            </a:r>
-          </a:p>
-        </p:txBody>
-      </p:sp>
-      <p:sp>
-        <p:nvSpPr>
-          <p:cNvPr id="61" name="Rectangle: Rounded Corners 60">
-            <a:extLst>
-              <a:ext uri="{FF2B5EF4-FFF2-40B4-BE49-F238E27FC236}">
-                <a16:creationId xmlns:a16="http://schemas.microsoft.com/office/drawing/2014/main" id="{5CCA723C-60D8-48A8-B42D-D815B17FB098}"/>
-              </a:ext>
-            </a:extLst>
-          </p:cNvPr>
-          <p:cNvSpPr/>
-          <p:nvPr/>
-        </p:nvSpPr>
-        <p:spPr>
-          <a:xfrm>
-            <a:off x="7072258" y="1774204"/>
-            <a:ext cx="773014" cy="315181"/>
-          </a:xfrm>
-          <a:prstGeom prst="roundRect">
-            <a:avLst/>
-          </a:prstGeom>
-          <a:solidFill>
-            <a:srgbClr val="CCCCFF"/>
-          </a:solidFill>
-          <a:ln>
-            <a:solidFill>
-              <a:schemeClr val="tx1"/>
-            </a:solidFill>
-          </a:ln>
-        </p:spPr>
-        <p:style>
-          <a:lnRef idx="2">
-            <a:schemeClr val="accent1">
-              <a:shade val="50000"/>
-            </a:schemeClr>
-          </a:lnRef>
-          <a:fillRef idx="1">
-            <a:schemeClr val="accent1"/>
-          </a:fillRef>
-          <a:effectRef idx="0">
-            <a:schemeClr val="accent1"/>
-          </a:effectRef>
-          <a:fontRef idx="minor">
-            <a:schemeClr val="lt1"/>
-          </a:fontRef>
-        </p:style>
-        <p:txBody>
-          <a:bodyPr rtlCol="0" anchor="ctr">
-            <a:noAutofit/>
-          </a:bodyPr>
-          <a:lstStyle/>
-          <a:p>
-            <a:pPr algn="ctr"/>
-            <a:r>
-              <a:rPr lang="en-US" sz="900" dirty="0">
-                <a:solidFill>
-                  <a:schemeClr val="tx1"/>
-                </a:solidFill>
-              </a:rPr>
-              <a:t>Server</a:t>
-            </a:r>
-          </a:p>
-          <a:p>
-            <a:pPr algn="ctr"/>
-            <a:r>
-              <a:rPr lang="en-US" sz="900" dirty="0">
-                <a:solidFill>
-                  <a:schemeClr val="tx1"/>
-                </a:solidFill>
-              </a:rPr>
-              <a:t>Dispatch 2</a:t>
-            </a:r>
-          </a:p>
-        </p:txBody>
-      </p:sp>
-      <p:grpSp>
-        <p:nvGrpSpPr>
-          <p:cNvPr id="72" name="Group 71">
-            <a:extLst>
-              <a:ext uri="{FF2B5EF4-FFF2-40B4-BE49-F238E27FC236}">
-                <a16:creationId xmlns:a16="http://schemas.microsoft.com/office/drawing/2014/main" id="{4E0DBC8D-818B-4B77-86B7-C075F6A6205F}"/>
-              </a:ext>
-            </a:extLst>
-          </p:cNvPr>
-          <p:cNvGrpSpPr/>
-          <p:nvPr/>
-        </p:nvGrpSpPr>
-        <p:grpSpPr>
-          <a:xfrm>
-            <a:off x="6570873" y="1790352"/>
-            <a:ext cx="501385" cy="281652"/>
-            <a:chOff x="6178841" y="3206121"/>
-            <a:chExt cx="501385" cy="281652"/>
-          </a:xfrm>
-        </p:grpSpPr>
-        <p:cxnSp>
-          <p:nvCxnSpPr>
-            <p:cNvPr id="73" name="Straight Connector 72">
-              <a:extLst>
-                <a:ext uri="{FF2B5EF4-FFF2-40B4-BE49-F238E27FC236}">
-                  <a16:creationId xmlns:a16="http://schemas.microsoft.com/office/drawing/2014/main" id="{32ED0338-82C9-4EAE-BE7C-8476526C0FD5}"/>
-                </a:ext>
-              </a:extLst>
-            </p:cNvPr>
-            <p:cNvCxnSpPr>
-              <a:cxnSpLocks/>
-              <a:endCxn id="74" idx="6"/>
-            </p:cNvCxnSpPr>
-            <p:nvPr/>
-          </p:nvCxnSpPr>
-          <p:spPr>
-            <a:xfrm flipH="1">
-              <a:off x="6465414" y="3340791"/>
-              <a:ext cx="214812" cy="6156"/>
-            </a:xfrm>
-            <a:prstGeom prst="line">
-              <a:avLst/>
-            </a:prstGeom>
-            <a:ln w="12700">
-              <a:solidFill>
-                <a:schemeClr val="tx1"/>
-              </a:solidFill>
-            </a:ln>
-          </p:spPr>
-          <p:style>
-            <a:lnRef idx="1">
-              <a:schemeClr val="accent1"/>
-            </a:lnRef>
-            <a:fillRef idx="0">
-              <a:schemeClr val="accent1"/>
-            </a:fillRef>
-            <a:effectRef idx="0">
-              <a:schemeClr val="accent1"/>
-            </a:effectRef>
-            <a:fontRef idx="minor">
-              <a:schemeClr val="tx1"/>
-            </a:fontRef>
-          </p:style>
-        </p:cxnSp>
-        <p:sp>
-          <p:nvSpPr>
-            <p:cNvPr id="74" name="Oval 73">
-              <a:extLst>
-                <a:ext uri="{FF2B5EF4-FFF2-40B4-BE49-F238E27FC236}">
-                  <a16:creationId xmlns:a16="http://schemas.microsoft.com/office/drawing/2014/main" id="{7EE5D7F3-1F0D-4830-B086-3CAE85176741}"/>
-                </a:ext>
-              </a:extLst>
-            </p:cNvPr>
-            <p:cNvSpPr/>
-            <p:nvPr/>
-          </p:nvSpPr>
-          <p:spPr>
-            <a:xfrm>
-              <a:off x="6178841" y="3206121"/>
-              <a:ext cx="286573" cy="281652"/>
-            </a:xfrm>
-            <a:prstGeom prst="ellipse">
-              <a:avLst/>
-            </a:prstGeom>
-            <a:noFill/>
-            <a:ln>
-              <a:solidFill>
-                <a:schemeClr val="tx1"/>
-              </a:solidFill>
-            </a:ln>
-          </p:spPr>
-          <p:style>
-            <a:lnRef idx="2">
-              <a:schemeClr val="accent1">
-                <a:shade val="50000"/>
-              </a:schemeClr>
-            </a:lnRef>
-            <a:fillRef idx="1">
-              <a:schemeClr val="accent1"/>
-            </a:fillRef>
-            <a:effectRef idx="0">
-              <a:schemeClr val="accent1"/>
-            </a:effectRef>
-            <a:fontRef idx="minor">
-              <a:schemeClr val="lt1"/>
-            </a:fontRef>
-          </p:style>
-          <p:txBody>
-            <a:bodyPr rtlCol="0" anchor="ctr"/>
-            <a:lstStyle/>
-            <a:p>
-              <a:pPr algn="ctr"/>
-              <a:endParaRPr lang="en-US"/>
-            </a:p>
-          </p:txBody>
-        </p:sp>
-      </p:grpSp>
-      <p:sp>
-        <p:nvSpPr>
-          <p:cNvPr id="83" name="Rectangle 82">
-            <a:extLst>
-              <a:ext uri="{FF2B5EF4-FFF2-40B4-BE49-F238E27FC236}">
-                <a16:creationId xmlns:a16="http://schemas.microsoft.com/office/drawing/2014/main" id="{8B302611-0529-4D18-A68C-F1BCFB471BE5}"/>
-              </a:ext>
-            </a:extLst>
-          </p:cNvPr>
-          <p:cNvSpPr/>
-          <p:nvPr/>
-        </p:nvSpPr>
-        <p:spPr>
-          <a:xfrm>
-            <a:off x="7187943" y="2722022"/>
-            <a:ext cx="4052082" cy="1475285"/>
-          </a:xfrm>
-          <a:prstGeom prst="rect">
-            <a:avLst/>
-          </a:prstGeom>
-          <a:solidFill>
-            <a:srgbClr val="00B050"/>
-          </a:solidFill>
-          <a:ln>
-            <a:solidFill>
-              <a:schemeClr val="tx1"/>
-            </a:solidFill>
-          </a:ln>
-        </p:spPr>
-        <p:txBody>
-          <a:bodyPr rot="0" spcFirstLastPara="0" vertOverflow="overflow" horzOverflow="overflow" vert="horz" wrap="square" lIns="91440" tIns="45720" rIns="91440" bIns="45720" numCol="1" spcCol="0" rtlCol="0" fromWordArt="0" anchor="t" anchorCtr="1" forceAA="0" compatLnSpc="1">
-            <a:prstTxWarp prst="textNoShape">
-              <a:avLst/>
-            </a:prstTxWarp>
-            <a:noAutofit/>
-          </a:bodyPr>
-          <a:lstStyle/>
-          <a:p>
-            <a:pPr algn="ctr"/>
-            <a:r>
-              <a:rPr lang="en-US" kern="0" dirty="0">
-                <a:solidFill>
-                  <a:prstClr val="black"/>
-                </a:solidFill>
-                <a:latin typeface="Calibri" panose="020F0502020204030204"/>
-              </a:rPr>
-              <a:t>Backend B</a:t>
-            </a:r>
-          </a:p>
-        </p:txBody>
-      </p:sp>
-      <p:sp>
-        <p:nvSpPr>
-          <p:cNvPr id="84" name="Rectangle 83">
-            <a:extLst>
-              <a:ext uri="{FF2B5EF4-FFF2-40B4-BE49-F238E27FC236}">
-                <a16:creationId xmlns:a16="http://schemas.microsoft.com/office/drawing/2014/main" id="{BC7CC323-5951-4A37-A093-02E6E1DADD26}"/>
-              </a:ext>
-            </a:extLst>
-          </p:cNvPr>
-          <p:cNvSpPr/>
-          <p:nvPr/>
-        </p:nvSpPr>
-        <p:spPr>
-          <a:xfrm>
-            <a:off x="9679355" y="3116838"/>
-            <a:ext cx="1462699" cy="971842"/>
-          </a:xfrm>
-          <a:prstGeom prst="rect">
-            <a:avLst/>
-          </a:prstGeom>
-          <a:solidFill>
-            <a:srgbClr val="FFFF99"/>
-          </a:solidFill>
-          <a:ln>
-            <a:solidFill>
-              <a:schemeClr val="tx1"/>
-            </a:solidFill>
-          </a:ln>
-        </p:spPr>
-        <p:txBody>
-          <a:bodyPr rot="0" spcFirstLastPara="0" vertOverflow="overflow" horzOverflow="overflow" vert="horz" wrap="square" lIns="91440" tIns="45720" rIns="91440" bIns="45720" numCol="1" spcCol="0" rtlCol="0" fromWordArt="0" anchor="ctr" anchorCtr="1" forceAA="0" compatLnSpc="1">
-            <a:prstTxWarp prst="textNoShape">
-              <a:avLst/>
-            </a:prstTxWarp>
-            <a:noAutofit/>
-          </a:bodyPr>
-          <a:lstStyle/>
-          <a:p>
-            <a:pPr marL="0" marR="0" lvl="0" indent="0" algn="ctr" defTabSz="914400" rtl="0" eaLnBrk="1" fontAlgn="auto" latinLnBrk="0" hangingPunct="1">
-              <a:lnSpc>
-                <a:spcPct val="100000"/>
-              </a:lnSpc>
-              <a:spcBef>
-                <a:spcPts val="0"/>
-              </a:spcBef>
-              <a:spcAft>
-                <a:spcPts val="0"/>
-              </a:spcAft>
-              <a:buClrTx/>
-              <a:buSzTx/>
-              <a:buFontTx/>
-              <a:buNone/>
-              <a:tabLst/>
-              <a:defRPr/>
-            </a:pPr>
-            <a:r>
-              <a:rPr kumimoji="0" lang="en-US" sz="1200" b="0" i="0" u="none" strike="noStrike" kern="0" cap="none" spc="0" normalizeH="0" baseline="0" noProof="0" dirty="0">
-                <a:ln>
-                  <a:noFill/>
-                </a:ln>
-                <a:solidFill>
-                  <a:prstClr val="black"/>
-                </a:solidFill>
-                <a:effectLst/>
-                <a:uLnTx/>
-                <a:uFillTx/>
-                <a:latin typeface="Calibri" panose="020F0502020204030204"/>
-                <a:ea typeface="+mn-ea"/>
-                <a:cs typeface="+mn-cs"/>
-              </a:rPr>
-              <a:t>Server</a:t>
-            </a:r>
-          </a:p>
-          <a:p>
-            <a:pPr marL="0" marR="0" lvl="0" indent="0" algn="ctr" defTabSz="914400" rtl="0" eaLnBrk="1" fontAlgn="auto" latinLnBrk="0" hangingPunct="1">
-              <a:lnSpc>
-                <a:spcPct val="100000"/>
-              </a:lnSpc>
-              <a:spcBef>
-                <a:spcPts val="0"/>
-              </a:spcBef>
-              <a:spcAft>
-                <a:spcPts val="0"/>
-              </a:spcAft>
-              <a:buClrTx/>
-              <a:buSzTx/>
-              <a:buFontTx/>
-              <a:buNone/>
-              <a:tabLst/>
-              <a:defRPr/>
-            </a:pPr>
-            <a:r>
-              <a:rPr kumimoji="0" lang="en-US" sz="1200" b="0" i="0" u="none" strike="noStrike" kern="0" cap="none" spc="0" normalizeH="0" baseline="0" noProof="0" dirty="0">
-                <a:ln>
-                  <a:noFill/>
-                </a:ln>
-                <a:solidFill>
-                  <a:prstClr val="black"/>
-                </a:solidFill>
-                <a:effectLst/>
-                <a:uLnTx/>
-                <a:uFillTx/>
-                <a:latin typeface="Calibri" panose="020F0502020204030204"/>
-                <a:ea typeface="+mn-ea"/>
-                <a:cs typeface="+mn-cs"/>
-              </a:rPr>
-              <a:t>Implementation 3</a:t>
-            </a:r>
-          </a:p>
-        </p:txBody>
-      </p:sp>
-      <p:sp>
-        <p:nvSpPr>
-          <p:cNvPr id="87" name="Rectangle 86">
-            <a:extLst>
-              <a:ext uri="{FF2B5EF4-FFF2-40B4-BE49-F238E27FC236}">
-                <a16:creationId xmlns:a16="http://schemas.microsoft.com/office/drawing/2014/main" id="{7EE719AD-D7B3-4911-99AC-245C963E8025}"/>
-              </a:ext>
-            </a:extLst>
-          </p:cNvPr>
-          <p:cNvSpPr/>
-          <p:nvPr/>
-        </p:nvSpPr>
-        <p:spPr>
-          <a:xfrm>
-            <a:off x="7714179" y="3116839"/>
-            <a:ext cx="1402926" cy="971842"/>
-          </a:xfrm>
-          <a:prstGeom prst="rect">
-            <a:avLst/>
-          </a:prstGeom>
-          <a:solidFill>
-            <a:srgbClr val="FFCD2F"/>
-          </a:solidFill>
-          <a:ln w="12700">
-            <a:solidFill>
-              <a:schemeClr val="tx1"/>
-            </a:solidFill>
-          </a:ln>
-        </p:spPr>
-        <p:txBody>
-          <a:bodyPr rot="0" spcFirstLastPara="0" vertOverflow="overflow" horzOverflow="overflow" vert="horz" wrap="square" lIns="91440" tIns="45720" rIns="91440" bIns="45720" numCol="1" spcCol="0" rtlCol="0" fromWordArt="0" anchor="ctr" anchorCtr="1" forceAA="0" compatLnSpc="1">
-            <a:prstTxWarp prst="textNoShape">
-              <a:avLst/>
-            </a:prstTxWarp>
-            <a:noAutofit/>
-          </a:bodyPr>
-          <a:lstStyle/>
-          <a:p>
-            <a:pPr algn="ctr"/>
-            <a:r>
-              <a:rPr lang="en-US" sz="1400" kern="0" dirty="0">
-                <a:solidFill>
-                  <a:prstClr val="black"/>
-                </a:solidFill>
-                <a:latin typeface="Calibri" panose="020F0502020204030204"/>
-              </a:rPr>
-              <a:t>RPC</a:t>
-            </a:r>
-          </a:p>
-          <a:p>
-            <a:pPr algn="ctr"/>
-            <a:r>
-              <a:rPr lang="en-US" sz="1400" kern="0" dirty="0">
-                <a:solidFill>
-                  <a:prstClr val="black"/>
-                </a:solidFill>
-                <a:latin typeface="Calibri" panose="020F0502020204030204"/>
-              </a:rPr>
-              <a:t>Manager</a:t>
-            </a:r>
-          </a:p>
-        </p:txBody>
-      </p:sp>
-      <p:grpSp>
-        <p:nvGrpSpPr>
-          <p:cNvPr id="88" name="Group 87">
-            <a:extLst>
-              <a:ext uri="{FF2B5EF4-FFF2-40B4-BE49-F238E27FC236}">
-                <a16:creationId xmlns:a16="http://schemas.microsoft.com/office/drawing/2014/main" id="{99521C5A-18A3-43F2-993E-F4DC1F852F7D}"/>
-              </a:ext>
-            </a:extLst>
-          </p:cNvPr>
-          <p:cNvGrpSpPr/>
-          <p:nvPr/>
-        </p:nvGrpSpPr>
-        <p:grpSpPr>
-          <a:xfrm>
-            <a:off x="6570873" y="3185256"/>
-            <a:ext cx="501385" cy="281652"/>
-            <a:chOff x="6178841" y="3206121"/>
-            <a:chExt cx="501385" cy="281652"/>
-          </a:xfrm>
-        </p:grpSpPr>
-        <p:cxnSp>
-          <p:nvCxnSpPr>
-            <p:cNvPr id="89" name="Straight Connector 88">
-              <a:extLst>
-                <a:ext uri="{FF2B5EF4-FFF2-40B4-BE49-F238E27FC236}">
-                  <a16:creationId xmlns:a16="http://schemas.microsoft.com/office/drawing/2014/main" id="{B1ED61BD-EAB3-4A19-80F7-1E6D4D7A9BCC}"/>
-                </a:ext>
-              </a:extLst>
-            </p:cNvPr>
-            <p:cNvCxnSpPr>
-              <a:cxnSpLocks/>
-              <a:endCxn id="90" idx="6"/>
-            </p:cNvCxnSpPr>
-            <p:nvPr/>
-          </p:nvCxnSpPr>
-          <p:spPr>
-            <a:xfrm flipH="1">
-              <a:off x="6465414" y="3340791"/>
-              <a:ext cx="214812" cy="6156"/>
-            </a:xfrm>
-            <a:prstGeom prst="line">
-              <a:avLst/>
-            </a:prstGeom>
-            <a:ln w="12700">
-              <a:solidFill>
-                <a:schemeClr val="tx1"/>
-              </a:solidFill>
-            </a:ln>
-          </p:spPr>
-          <p:style>
-            <a:lnRef idx="1">
-              <a:schemeClr val="accent1"/>
-            </a:lnRef>
-            <a:fillRef idx="0">
-              <a:schemeClr val="accent1"/>
-            </a:fillRef>
-            <a:effectRef idx="0">
-              <a:schemeClr val="accent1"/>
-            </a:effectRef>
-            <a:fontRef idx="minor">
-              <a:schemeClr val="tx1"/>
-            </a:fontRef>
-          </p:style>
-        </p:cxnSp>
-        <p:sp>
-          <p:nvSpPr>
-            <p:cNvPr id="90" name="Oval 89">
-              <a:extLst>
-                <a:ext uri="{FF2B5EF4-FFF2-40B4-BE49-F238E27FC236}">
-                  <a16:creationId xmlns:a16="http://schemas.microsoft.com/office/drawing/2014/main" id="{EFDAD682-CFE6-4364-8A3A-1D3395207649}"/>
-                </a:ext>
-              </a:extLst>
-            </p:cNvPr>
-            <p:cNvSpPr/>
-            <p:nvPr/>
-          </p:nvSpPr>
-          <p:spPr>
-            <a:xfrm>
-              <a:off x="6178841" y="3206121"/>
-              <a:ext cx="286573" cy="281652"/>
-            </a:xfrm>
-            <a:prstGeom prst="ellipse">
-              <a:avLst/>
-            </a:prstGeom>
-            <a:noFill/>
-            <a:ln>
-              <a:solidFill>
-                <a:schemeClr val="tx1"/>
-              </a:solidFill>
-            </a:ln>
-          </p:spPr>
-          <p:style>
-            <a:lnRef idx="2">
-              <a:schemeClr val="accent1">
-                <a:shade val="50000"/>
-              </a:schemeClr>
-            </a:lnRef>
-            <a:fillRef idx="1">
-              <a:schemeClr val="accent1"/>
-            </a:fillRef>
-            <a:effectRef idx="0">
-              <a:schemeClr val="accent1"/>
-            </a:effectRef>
-            <a:fontRef idx="minor">
-              <a:schemeClr val="lt1"/>
-            </a:fontRef>
-          </p:style>
-          <p:txBody>
-            <a:bodyPr rtlCol="0" anchor="ctr"/>
-            <a:lstStyle/>
-            <a:p>
-              <a:pPr algn="ctr"/>
-              <a:endParaRPr lang="en-US"/>
-            </a:p>
-          </p:txBody>
-        </p:sp>
-      </p:grpSp>
-      <p:sp>
-        <p:nvSpPr>
-          <p:cNvPr id="91" name="Rectangle: Rounded Corners 90">
-            <a:extLst>
-              <a:ext uri="{FF2B5EF4-FFF2-40B4-BE49-F238E27FC236}">
-                <a16:creationId xmlns:a16="http://schemas.microsoft.com/office/drawing/2014/main" id="{97EC1F9A-DE08-4CBF-8C9E-ADAF6252500D}"/>
-              </a:ext>
-            </a:extLst>
-          </p:cNvPr>
-          <p:cNvSpPr/>
-          <p:nvPr/>
-        </p:nvSpPr>
-        <p:spPr>
-          <a:xfrm>
-            <a:off x="7060492" y="3168492"/>
-            <a:ext cx="773014" cy="315181"/>
-          </a:xfrm>
-          <a:prstGeom prst="roundRect">
-            <a:avLst/>
-          </a:prstGeom>
-          <a:solidFill>
-            <a:srgbClr val="CCCCFF"/>
-          </a:solidFill>
-          <a:ln>
-            <a:solidFill>
-              <a:schemeClr val="tx1"/>
-            </a:solidFill>
-          </a:ln>
-        </p:spPr>
-        <p:style>
-          <a:lnRef idx="2">
-            <a:schemeClr val="accent1">
-              <a:shade val="50000"/>
-            </a:schemeClr>
-          </a:lnRef>
-          <a:fillRef idx="1">
-            <a:schemeClr val="accent1"/>
-          </a:fillRef>
-          <a:effectRef idx="0">
-            <a:schemeClr val="accent1"/>
-          </a:effectRef>
-          <a:fontRef idx="minor">
-            <a:schemeClr val="lt1"/>
-          </a:fontRef>
-        </p:style>
-        <p:txBody>
-          <a:bodyPr rtlCol="0" anchor="ctr">
-            <a:noAutofit/>
-          </a:bodyPr>
-          <a:lstStyle/>
-          <a:p>
-            <a:pPr algn="ctr"/>
-            <a:r>
-              <a:rPr lang="en-US" sz="900" dirty="0">
-                <a:solidFill>
-                  <a:schemeClr val="tx1"/>
-                </a:solidFill>
-              </a:rPr>
-              <a:t>Server</a:t>
-            </a:r>
-          </a:p>
-          <a:p>
-            <a:pPr algn="ctr"/>
-            <a:r>
-              <a:rPr lang="en-US" sz="900" dirty="0">
-                <a:solidFill>
-                  <a:schemeClr val="tx1"/>
-                </a:solidFill>
-              </a:rPr>
-              <a:t>Dispatch 3</a:t>
-            </a:r>
-          </a:p>
-        </p:txBody>
-      </p:sp>
-      <p:cxnSp>
-        <p:nvCxnSpPr>
-          <p:cNvPr id="110" name="Straight Connector 109">
-            <a:extLst>
-              <a:ext uri="{FF2B5EF4-FFF2-40B4-BE49-F238E27FC236}">
-                <a16:creationId xmlns:a16="http://schemas.microsoft.com/office/drawing/2014/main" id="{F7EFCFDC-BE2F-43E4-929F-AF14BCA7ADB4}"/>
-              </a:ext>
-            </a:extLst>
-          </p:cNvPr>
-          <p:cNvCxnSpPr>
-            <a:cxnSpLocks/>
-          </p:cNvCxnSpPr>
-          <p:nvPr/>
-        </p:nvCxnSpPr>
-        <p:spPr>
-          <a:xfrm flipH="1" flipV="1">
-            <a:off x="5423717" y="1790640"/>
-            <a:ext cx="1082272" cy="145420"/>
-          </a:xfrm>
-          <a:prstGeom prst="line">
-            <a:avLst/>
-          </a:prstGeom>
-          <a:ln w="12700">
-            <a:solidFill>
-              <a:schemeClr val="bg1">
-                <a:lumMod val="50000"/>
-              </a:schemeClr>
-            </a:solidFill>
-            <a:prstDash val="dash"/>
-            <a:headEnd type="arrow"/>
-          </a:ln>
-        </p:spPr>
-        <p:style>
-          <a:lnRef idx="1">
-            <a:schemeClr val="accent1"/>
-          </a:lnRef>
-          <a:fillRef idx="0">
-            <a:schemeClr val="accent1"/>
-          </a:fillRef>
-          <a:effectRef idx="0">
-            <a:schemeClr val="accent1"/>
-          </a:effectRef>
-          <a:fontRef idx="minor">
-            <a:schemeClr val="tx1"/>
-          </a:fontRef>
-        </p:style>
-      </p:cxnSp>
-      <p:sp>
-        <p:nvSpPr>
-          <p:cNvPr id="112" name="Arrow: Right 111">
-            <a:extLst>
-              <a:ext uri="{FF2B5EF4-FFF2-40B4-BE49-F238E27FC236}">
-                <a16:creationId xmlns:a16="http://schemas.microsoft.com/office/drawing/2014/main" id="{5E73781F-F4BA-428D-83FA-205605976259}"/>
-              </a:ext>
-            </a:extLst>
-          </p:cNvPr>
-          <p:cNvSpPr/>
-          <p:nvPr/>
-        </p:nvSpPr>
-        <p:spPr>
-          <a:xfrm>
-            <a:off x="3123246" y="1301234"/>
-            <a:ext cx="1157823" cy="195274"/>
-          </a:xfrm>
-          <a:prstGeom prst="rightArrow">
-            <a:avLst/>
-          </a:prstGeom>
-          <a:solidFill>
-            <a:schemeClr val="bg1">
-              <a:lumMod val="85000"/>
-              <a:alpha val="50000"/>
-            </a:schemeClr>
-          </a:solidFill>
-          <a:ln w="3175">
-            <a:solidFill>
-              <a:schemeClr val="tx1"/>
-            </a:solidFill>
-          </a:ln>
-        </p:spPr>
-        <p:style>
-          <a:lnRef idx="2">
-            <a:schemeClr val="accent1">
-              <a:shade val="50000"/>
-            </a:schemeClr>
-          </a:lnRef>
-          <a:fillRef idx="1">
-            <a:schemeClr val="accent1"/>
-          </a:fillRef>
-          <a:effectRef idx="0">
-            <a:schemeClr val="accent1"/>
-          </a:effectRef>
-          <a:fontRef idx="minor">
-            <a:schemeClr val="lt1"/>
-          </a:fontRef>
-        </p:style>
-        <p:txBody>
-          <a:bodyPr rtlCol="0" anchor="ctr"/>
-          <a:lstStyle/>
-          <a:p>
-            <a:pPr algn="ctr"/>
-            <a:endParaRPr lang="en-US"/>
-          </a:p>
-        </p:txBody>
-      </p:sp>
-      <p:sp>
-        <p:nvSpPr>
-          <p:cNvPr id="113" name="Arrow: Right 112">
-            <a:extLst>
-              <a:ext uri="{FF2B5EF4-FFF2-40B4-BE49-F238E27FC236}">
-                <a16:creationId xmlns:a16="http://schemas.microsoft.com/office/drawing/2014/main" id="{6B7AFCE5-7F62-45C2-A96A-9A67A3A49ACA}"/>
-              </a:ext>
-            </a:extLst>
-          </p:cNvPr>
-          <p:cNvSpPr/>
-          <p:nvPr/>
-        </p:nvSpPr>
-        <p:spPr>
-          <a:xfrm>
-            <a:off x="3119750" y="1706142"/>
-            <a:ext cx="1157823" cy="195274"/>
-          </a:xfrm>
-          <a:prstGeom prst="rightArrow">
-            <a:avLst/>
-          </a:prstGeom>
-          <a:solidFill>
-            <a:schemeClr val="bg1">
-              <a:lumMod val="85000"/>
-              <a:alpha val="50000"/>
-            </a:schemeClr>
-          </a:solidFill>
-          <a:ln w="3175">
-            <a:solidFill>
-              <a:schemeClr val="tx1"/>
-            </a:solidFill>
-          </a:ln>
-        </p:spPr>
-        <p:style>
-          <a:lnRef idx="2">
-            <a:schemeClr val="accent1">
-              <a:shade val="50000"/>
-            </a:schemeClr>
-          </a:lnRef>
-          <a:fillRef idx="1">
-            <a:schemeClr val="accent1"/>
-          </a:fillRef>
-          <a:effectRef idx="0">
-            <a:schemeClr val="accent1"/>
-          </a:effectRef>
-          <a:fontRef idx="minor">
-            <a:schemeClr val="lt1"/>
-          </a:fontRef>
-        </p:style>
-        <p:txBody>
-          <a:bodyPr rtlCol="0" anchor="ctr"/>
-          <a:lstStyle/>
-          <a:p>
-            <a:pPr algn="ctr"/>
-            <a:endParaRPr lang="en-US"/>
-          </a:p>
-        </p:txBody>
-      </p:sp>
-      <p:sp>
-        <p:nvSpPr>
-          <p:cNvPr id="114" name="Arrow: Right 113">
-            <a:extLst>
-              <a:ext uri="{FF2B5EF4-FFF2-40B4-BE49-F238E27FC236}">
-                <a16:creationId xmlns:a16="http://schemas.microsoft.com/office/drawing/2014/main" id="{0248BBF7-02EA-411E-B3DB-3D33C63E9978}"/>
-              </a:ext>
-            </a:extLst>
-          </p:cNvPr>
-          <p:cNvSpPr/>
-          <p:nvPr/>
-        </p:nvSpPr>
-        <p:spPr>
-          <a:xfrm>
-            <a:off x="3115731" y="2133047"/>
-            <a:ext cx="1157823" cy="195274"/>
-          </a:xfrm>
-          <a:prstGeom prst="rightArrow">
-            <a:avLst/>
-          </a:prstGeom>
-          <a:solidFill>
-            <a:schemeClr val="bg1">
-              <a:lumMod val="85000"/>
-              <a:alpha val="50000"/>
-            </a:schemeClr>
-          </a:solidFill>
-          <a:ln w="3175">
-            <a:solidFill>
-              <a:schemeClr val="tx1"/>
-            </a:solidFill>
-          </a:ln>
-        </p:spPr>
-        <p:style>
-          <a:lnRef idx="2">
-            <a:schemeClr val="accent1">
-              <a:shade val="50000"/>
-            </a:schemeClr>
-          </a:lnRef>
-          <a:fillRef idx="1">
-            <a:schemeClr val="accent1"/>
-          </a:fillRef>
-          <a:effectRef idx="0">
-            <a:schemeClr val="accent1"/>
-          </a:effectRef>
-          <a:fontRef idx="minor">
-            <a:schemeClr val="lt1"/>
-          </a:fontRef>
-        </p:style>
-        <p:txBody>
-          <a:bodyPr rtlCol="0" anchor="ctr"/>
-          <a:lstStyle/>
-          <a:p>
-            <a:pPr algn="ctr"/>
-            <a:endParaRPr lang="en-US"/>
-          </a:p>
-        </p:txBody>
-      </p:sp>
-      <p:sp>
-        <p:nvSpPr>
-          <p:cNvPr id="115" name="Arrow: Right 114">
-            <a:extLst>
-              <a:ext uri="{FF2B5EF4-FFF2-40B4-BE49-F238E27FC236}">
-                <a16:creationId xmlns:a16="http://schemas.microsoft.com/office/drawing/2014/main" id="{3B53E580-764A-4463-90CB-8CAE07E9988C}"/>
-              </a:ext>
-            </a:extLst>
-          </p:cNvPr>
-          <p:cNvSpPr/>
-          <p:nvPr/>
-        </p:nvSpPr>
-        <p:spPr>
-          <a:xfrm>
-            <a:off x="7854074" y="1273565"/>
-            <a:ext cx="1181873" cy="195274"/>
-          </a:xfrm>
-          <a:prstGeom prst="rightArrow">
-            <a:avLst/>
-          </a:prstGeom>
-          <a:solidFill>
-            <a:schemeClr val="bg1">
-              <a:lumMod val="85000"/>
-              <a:alpha val="50000"/>
-            </a:schemeClr>
-          </a:solidFill>
-          <a:ln w="3175">
-            <a:solidFill>
-              <a:schemeClr val="tx1"/>
-            </a:solidFill>
-          </a:ln>
-        </p:spPr>
-        <p:style>
-          <a:lnRef idx="2">
-            <a:schemeClr val="accent1">
-              <a:shade val="50000"/>
-            </a:schemeClr>
-          </a:lnRef>
-          <a:fillRef idx="1">
-            <a:schemeClr val="accent1"/>
-          </a:fillRef>
-          <a:effectRef idx="0">
-            <a:schemeClr val="accent1"/>
-          </a:effectRef>
-          <a:fontRef idx="minor">
-            <a:schemeClr val="lt1"/>
-          </a:fontRef>
-        </p:style>
-        <p:txBody>
-          <a:bodyPr rtlCol="0" anchor="ctr"/>
-          <a:lstStyle/>
-          <a:p>
-            <a:pPr algn="ctr"/>
-            <a:endParaRPr lang="en-US"/>
-          </a:p>
-        </p:txBody>
-      </p:sp>
-      <p:sp>
-        <p:nvSpPr>
-          <p:cNvPr id="116" name="Arrow: Right 115">
-            <a:extLst>
-              <a:ext uri="{FF2B5EF4-FFF2-40B4-BE49-F238E27FC236}">
-                <a16:creationId xmlns:a16="http://schemas.microsoft.com/office/drawing/2014/main" id="{48C191A8-E8CF-4FEE-A48E-9D906C347924}"/>
-              </a:ext>
-            </a:extLst>
-          </p:cNvPr>
-          <p:cNvSpPr/>
-          <p:nvPr/>
-        </p:nvSpPr>
-        <p:spPr>
-          <a:xfrm>
-            <a:off x="7835554" y="1823700"/>
-            <a:ext cx="1181873" cy="195274"/>
-          </a:xfrm>
-          <a:prstGeom prst="rightArrow">
-            <a:avLst/>
-          </a:prstGeom>
-          <a:solidFill>
-            <a:schemeClr val="bg1">
-              <a:lumMod val="85000"/>
-              <a:alpha val="50000"/>
-            </a:schemeClr>
-          </a:solidFill>
-          <a:ln w="3175">
-            <a:solidFill>
-              <a:schemeClr val="tx1"/>
-            </a:solidFill>
-          </a:ln>
-        </p:spPr>
-        <p:style>
-          <a:lnRef idx="2">
-            <a:schemeClr val="accent1">
-              <a:shade val="50000"/>
-            </a:schemeClr>
-          </a:lnRef>
-          <a:fillRef idx="1">
-            <a:schemeClr val="accent1"/>
-          </a:fillRef>
-          <a:effectRef idx="0">
-            <a:schemeClr val="accent1"/>
-          </a:effectRef>
-          <a:fontRef idx="minor">
-            <a:schemeClr val="lt1"/>
-          </a:fontRef>
-        </p:style>
-        <p:txBody>
-          <a:bodyPr rtlCol="0" anchor="ctr"/>
-          <a:lstStyle/>
-          <a:p>
-            <a:pPr algn="ctr"/>
-            <a:endParaRPr lang="en-US"/>
-          </a:p>
-        </p:txBody>
-      </p:sp>
-      <p:sp>
-        <p:nvSpPr>
-          <p:cNvPr id="118" name="Arrow: Right 117">
-            <a:extLst>
-              <a:ext uri="{FF2B5EF4-FFF2-40B4-BE49-F238E27FC236}">
-                <a16:creationId xmlns:a16="http://schemas.microsoft.com/office/drawing/2014/main" id="{4D741CEC-8378-4CCC-8EF8-E223BCCA6F83}"/>
-              </a:ext>
-            </a:extLst>
-          </p:cNvPr>
-          <p:cNvSpPr/>
-          <p:nvPr/>
-        </p:nvSpPr>
-        <p:spPr>
-          <a:xfrm>
-            <a:off x="7831724" y="3222531"/>
-            <a:ext cx="1181873" cy="195274"/>
-          </a:xfrm>
-          <a:prstGeom prst="rightArrow">
-            <a:avLst/>
-          </a:prstGeom>
-          <a:solidFill>
-            <a:schemeClr val="bg1">
-              <a:lumMod val="85000"/>
-              <a:alpha val="50000"/>
-            </a:schemeClr>
-          </a:solidFill>
-          <a:ln w="3175">
-            <a:solidFill>
-              <a:schemeClr val="tx1"/>
-            </a:solidFill>
-          </a:ln>
-        </p:spPr>
-        <p:style>
-          <a:lnRef idx="2">
-            <a:schemeClr val="accent1">
-              <a:shade val="50000"/>
-            </a:schemeClr>
-          </a:lnRef>
-          <a:fillRef idx="1">
-            <a:schemeClr val="accent1"/>
-          </a:fillRef>
-          <a:effectRef idx="0">
-            <a:schemeClr val="accent1"/>
-          </a:effectRef>
-          <a:fontRef idx="minor">
-            <a:schemeClr val="lt1"/>
-          </a:fontRef>
-        </p:style>
-        <p:txBody>
-          <a:bodyPr rtlCol="0" anchor="ctr"/>
-          <a:lstStyle/>
-          <a:p>
-            <a:pPr algn="ctr"/>
-            <a:endParaRPr lang="en-US"/>
-          </a:p>
-        </p:txBody>
-      </p:sp>
-      <p:sp>
-        <p:nvSpPr>
-          <p:cNvPr id="55" name="Rectangle 54">
-            <a:extLst>
-              <a:ext uri="{FF2B5EF4-FFF2-40B4-BE49-F238E27FC236}">
-                <a16:creationId xmlns:a16="http://schemas.microsoft.com/office/drawing/2014/main" id="{0CE26AB8-92BC-4C6F-AACA-8EFBC7CCB47D}"/>
-              </a:ext>
-            </a:extLst>
-          </p:cNvPr>
-          <p:cNvSpPr/>
-          <p:nvPr/>
-        </p:nvSpPr>
-        <p:spPr>
-          <a:xfrm>
-            <a:off x="7187943" y="4588918"/>
-            <a:ext cx="4052082" cy="1133181"/>
-          </a:xfrm>
-          <a:prstGeom prst="rect">
-            <a:avLst/>
-          </a:prstGeom>
-          <a:solidFill>
-            <a:srgbClr val="00B050"/>
-          </a:solidFill>
-          <a:ln>
-            <a:solidFill>
-              <a:schemeClr val="tx1"/>
-            </a:solidFill>
-          </a:ln>
-        </p:spPr>
-        <p:txBody>
-          <a:bodyPr rot="0" spcFirstLastPara="0" vertOverflow="overflow" horzOverflow="overflow" vert="horz" wrap="square" lIns="91440" tIns="45720" rIns="91440" bIns="45720" numCol="1" spcCol="0" rtlCol="0" fromWordArt="0" anchor="t" anchorCtr="1" forceAA="0" compatLnSpc="1">
-            <a:prstTxWarp prst="textNoShape">
-              <a:avLst/>
-            </a:prstTxWarp>
-            <a:noAutofit/>
-          </a:bodyPr>
-          <a:lstStyle/>
-          <a:p>
-            <a:pPr algn="ctr"/>
-            <a:r>
-              <a:rPr lang="en-US" kern="0" dirty="0">
-                <a:solidFill>
-                  <a:prstClr val="black"/>
-                </a:solidFill>
-                <a:latin typeface="Calibri" panose="020F0502020204030204"/>
-              </a:rPr>
-              <a:t>Backend C</a:t>
-            </a:r>
-          </a:p>
-        </p:txBody>
-      </p:sp>
-      <p:sp>
-        <p:nvSpPr>
-          <p:cNvPr id="60" name="Rectangle 59">
-            <a:extLst>
-              <a:ext uri="{FF2B5EF4-FFF2-40B4-BE49-F238E27FC236}">
-                <a16:creationId xmlns:a16="http://schemas.microsoft.com/office/drawing/2014/main" id="{471EFE75-9562-42CE-8F67-C3FA20D5EADE}"/>
-              </a:ext>
-            </a:extLst>
-          </p:cNvPr>
-          <p:cNvSpPr/>
-          <p:nvPr/>
-        </p:nvSpPr>
-        <p:spPr>
-          <a:xfrm>
-            <a:off x="9679355" y="5075168"/>
-            <a:ext cx="1462699" cy="406175"/>
-          </a:xfrm>
-          <a:prstGeom prst="rect">
-            <a:avLst/>
-          </a:prstGeom>
-          <a:solidFill>
-            <a:srgbClr val="FFFF99"/>
-          </a:solidFill>
-          <a:ln>
-            <a:solidFill>
-              <a:schemeClr val="tx1"/>
-            </a:solidFill>
-          </a:ln>
-        </p:spPr>
-        <p:txBody>
-          <a:bodyPr rot="0" spcFirstLastPara="0" vertOverflow="overflow" horzOverflow="overflow" vert="horz" wrap="square" lIns="91440" tIns="45720" rIns="91440" bIns="45720" numCol="1" spcCol="0" rtlCol="0" fromWordArt="0" anchor="ctr" anchorCtr="1" forceAA="0" compatLnSpc="1">
-            <a:prstTxWarp prst="textNoShape">
-              <a:avLst/>
-            </a:prstTxWarp>
-            <a:noAutofit/>
-          </a:bodyPr>
-          <a:lstStyle/>
-          <a:p>
-            <a:pPr marL="0" marR="0" lvl="0" indent="0" algn="ctr" defTabSz="914400" rtl="0" eaLnBrk="1" fontAlgn="auto" latinLnBrk="0" hangingPunct="1">
-              <a:lnSpc>
-                <a:spcPct val="100000"/>
-              </a:lnSpc>
-              <a:spcBef>
-                <a:spcPts val="0"/>
-              </a:spcBef>
-              <a:spcAft>
-                <a:spcPts val="0"/>
-              </a:spcAft>
-              <a:buClrTx/>
-              <a:buSzTx/>
-              <a:buFontTx/>
-              <a:buNone/>
-              <a:tabLst/>
-              <a:defRPr/>
-            </a:pPr>
-            <a:r>
-              <a:rPr kumimoji="0" lang="en-US" sz="1200" b="0" i="0" u="none" strike="noStrike" kern="0" cap="none" spc="0" normalizeH="0" baseline="0" noProof="0" dirty="0">
-                <a:ln>
-                  <a:noFill/>
-                </a:ln>
-                <a:solidFill>
-                  <a:prstClr val="black"/>
-                </a:solidFill>
-                <a:effectLst/>
-                <a:uLnTx/>
-                <a:uFillTx/>
-                <a:latin typeface="Calibri" panose="020F0502020204030204"/>
-                <a:ea typeface="+mn-ea"/>
-                <a:cs typeface="+mn-cs"/>
-              </a:rPr>
-              <a:t>Server</a:t>
-            </a:r>
-          </a:p>
-          <a:p>
-            <a:pPr marL="0" marR="0" lvl="0" indent="0" algn="ctr" defTabSz="914400" rtl="0" eaLnBrk="1" fontAlgn="auto" latinLnBrk="0" hangingPunct="1">
-              <a:lnSpc>
-                <a:spcPct val="100000"/>
-              </a:lnSpc>
-              <a:spcBef>
-                <a:spcPts val="0"/>
-              </a:spcBef>
-              <a:spcAft>
-                <a:spcPts val="0"/>
-              </a:spcAft>
-              <a:buClrTx/>
-              <a:buSzTx/>
-              <a:buFontTx/>
-              <a:buNone/>
-              <a:tabLst/>
-              <a:defRPr/>
-            </a:pPr>
-            <a:r>
-              <a:rPr kumimoji="0" lang="en-US" sz="1200" b="0" i="0" u="none" strike="noStrike" kern="0" cap="none" spc="0" normalizeH="0" baseline="0" noProof="0" dirty="0">
-                <a:ln>
-                  <a:noFill/>
-                </a:ln>
-                <a:solidFill>
-                  <a:prstClr val="black"/>
-                </a:solidFill>
-                <a:effectLst/>
-                <a:uLnTx/>
-                <a:uFillTx/>
-                <a:latin typeface="Calibri" panose="020F0502020204030204"/>
-                <a:ea typeface="+mn-ea"/>
-                <a:cs typeface="+mn-cs"/>
-              </a:rPr>
-              <a:t>Implementation 4</a:t>
-            </a:r>
-          </a:p>
-        </p:txBody>
-      </p:sp>
-      <p:sp>
-        <p:nvSpPr>
-          <p:cNvPr id="62" name="Rectangle 61">
-            <a:extLst>
-              <a:ext uri="{FF2B5EF4-FFF2-40B4-BE49-F238E27FC236}">
-                <a16:creationId xmlns:a16="http://schemas.microsoft.com/office/drawing/2014/main" id="{ACBD3C8A-76EC-466B-B342-E4771EBF460C}"/>
-              </a:ext>
-            </a:extLst>
-          </p:cNvPr>
-          <p:cNvSpPr/>
-          <p:nvPr/>
-        </p:nvSpPr>
-        <p:spPr>
-          <a:xfrm>
-            <a:off x="7714179" y="4994041"/>
-            <a:ext cx="1402926" cy="611172"/>
-          </a:xfrm>
-          <a:prstGeom prst="rect">
-            <a:avLst/>
-          </a:prstGeom>
-          <a:solidFill>
-            <a:srgbClr val="FFCD2F"/>
-          </a:solidFill>
-          <a:ln w="12700">
-            <a:solidFill>
-              <a:schemeClr val="tx1"/>
-            </a:solidFill>
-          </a:ln>
-        </p:spPr>
-        <p:txBody>
-          <a:bodyPr rot="0" spcFirstLastPara="0" vertOverflow="overflow" horzOverflow="overflow" vert="horz" wrap="square" lIns="91440" tIns="45720" rIns="91440" bIns="45720" numCol="1" spcCol="0" rtlCol="0" fromWordArt="0" anchor="ctr" anchorCtr="1" forceAA="0" compatLnSpc="1">
-            <a:prstTxWarp prst="textNoShape">
-              <a:avLst/>
-            </a:prstTxWarp>
-            <a:noAutofit/>
-          </a:bodyPr>
-          <a:lstStyle/>
-          <a:p>
-            <a:pPr algn="ctr"/>
-            <a:r>
-              <a:rPr lang="en-US" sz="1400" kern="0" dirty="0">
-                <a:solidFill>
-                  <a:prstClr val="black"/>
-                </a:solidFill>
-                <a:latin typeface="Calibri" panose="020F0502020204030204"/>
-              </a:rPr>
-              <a:t>RPC</a:t>
-            </a:r>
-          </a:p>
-          <a:p>
-            <a:pPr algn="ctr"/>
-            <a:r>
-              <a:rPr lang="en-US" sz="1400" kern="0" dirty="0">
-                <a:solidFill>
-                  <a:prstClr val="black"/>
-                </a:solidFill>
-                <a:latin typeface="Calibri" panose="020F0502020204030204"/>
-              </a:rPr>
-              <a:t>Manager</a:t>
-            </a:r>
-          </a:p>
-        </p:txBody>
-      </p:sp>
-      <p:sp>
-        <p:nvSpPr>
-          <p:cNvPr id="75" name="Rectangle: Rounded Corners 74">
-            <a:extLst>
-              <a:ext uri="{FF2B5EF4-FFF2-40B4-BE49-F238E27FC236}">
-                <a16:creationId xmlns:a16="http://schemas.microsoft.com/office/drawing/2014/main" id="{60D163CD-2AA5-4F87-9CD6-0133534C4D33}"/>
-              </a:ext>
-            </a:extLst>
-          </p:cNvPr>
-          <p:cNvSpPr/>
-          <p:nvPr/>
-        </p:nvSpPr>
-        <p:spPr>
-          <a:xfrm>
-            <a:off x="7060492" y="5126822"/>
-            <a:ext cx="773014" cy="315181"/>
-          </a:xfrm>
-          <a:prstGeom prst="roundRect">
-            <a:avLst/>
-          </a:prstGeom>
-          <a:solidFill>
-            <a:srgbClr val="CCCCFF"/>
-          </a:solidFill>
-          <a:ln>
-            <a:solidFill>
-              <a:schemeClr val="tx1"/>
-            </a:solidFill>
-          </a:ln>
-        </p:spPr>
-        <p:style>
-          <a:lnRef idx="2">
-            <a:schemeClr val="accent1">
-              <a:shade val="50000"/>
-            </a:schemeClr>
-          </a:lnRef>
-          <a:fillRef idx="1">
-            <a:schemeClr val="accent1"/>
-          </a:fillRef>
-          <a:effectRef idx="0">
-            <a:schemeClr val="accent1"/>
-          </a:effectRef>
-          <a:fontRef idx="minor">
-            <a:schemeClr val="lt1"/>
-          </a:fontRef>
-        </p:style>
-        <p:txBody>
-          <a:bodyPr rtlCol="0" anchor="ctr">
-            <a:noAutofit/>
-          </a:bodyPr>
-          <a:lstStyle/>
-          <a:p>
-            <a:pPr algn="ctr"/>
-            <a:r>
-              <a:rPr lang="en-US" sz="900" dirty="0">
-                <a:solidFill>
-                  <a:schemeClr val="tx1"/>
-                </a:solidFill>
-              </a:rPr>
-              <a:t>Server</a:t>
-            </a:r>
-          </a:p>
-          <a:p>
-            <a:pPr algn="ctr"/>
-            <a:r>
-              <a:rPr lang="en-US" sz="900" dirty="0">
-                <a:solidFill>
-                  <a:schemeClr val="tx1"/>
-                </a:solidFill>
-              </a:rPr>
-              <a:t>Dispatch 4</a:t>
-            </a:r>
-          </a:p>
-        </p:txBody>
-      </p:sp>
-      <p:sp>
-        <p:nvSpPr>
-          <p:cNvPr id="76" name="Rectangle: Rounded Corners 75">
-            <a:extLst>
-              <a:ext uri="{FF2B5EF4-FFF2-40B4-BE49-F238E27FC236}">
-                <a16:creationId xmlns:a16="http://schemas.microsoft.com/office/drawing/2014/main" id="{AD16A9AE-B121-4710-8F0D-AA23A3037A2F}"/>
-              </a:ext>
-            </a:extLst>
-          </p:cNvPr>
-          <p:cNvSpPr/>
-          <p:nvPr/>
-        </p:nvSpPr>
-        <p:spPr>
-          <a:xfrm>
-            <a:off x="9005775" y="5125225"/>
-            <a:ext cx="773014" cy="315181"/>
-          </a:xfrm>
-          <a:prstGeom prst="roundRect">
-            <a:avLst/>
-          </a:prstGeom>
-          <a:solidFill>
-            <a:srgbClr val="FFFF00"/>
-          </a:solidFill>
-          <a:ln>
-            <a:solidFill>
-              <a:schemeClr val="tx1"/>
-            </a:solidFill>
-          </a:ln>
-        </p:spPr>
-        <p:style>
-          <a:lnRef idx="2">
-            <a:schemeClr val="accent1">
-              <a:shade val="50000"/>
-            </a:schemeClr>
-          </a:lnRef>
-          <a:fillRef idx="1">
-            <a:schemeClr val="accent1"/>
-          </a:fillRef>
-          <a:effectRef idx="0">
-            <a:schemeClr val="accent1"/>
-          </a:effectRef>
-          <a:fontRef idx="minor">
-            <a:schemeClr val="lt1"/>
-          </a:fontRef>
-        </p:style>
-        <p:txBody>
-          <a:bodyPr rtlCol="0" anchor="ctr">
-            <a:noAutofit/>
-          </a:bodyPr>
-          <a:lstStyle/>
-          <a:p>
-            <a:pPr algn="ctr"/>
-            <a:r>
-              <a:rPr lang="en-US" sz="900" dirty="0">
-                <a:solidFill>
-                  <a:schemeClr val="tx1"/>
-                </a:solidFill>
-              </a:rPr>
-              <a:t>RPC</a:t>
-            </a:r>
-          </a:p>
-          <a:p>
-            <a:pPr algn="ctr"/>
-            <a:r>
-              <a:rPr lang="en-US" sz="900" dirty="0">
-                <a:solidFill>
-                  <a:schemeClr val="tx1"/>
-                </a:solidFill>
-              </a:rPr>
-              <a:t>Interface 4</a:t>
-            </a:r>
-          </a:p>
-        </p:txBody>
-      </p:sp>
-      <p:sp>
-        <p:nvSpPr>
-          <p:cNvPr id="82" name="Arrow: Right 81">
-            <a:extLst>
-              <a:ext uri="{FF2B5EF4-FFF2-40B4-BE49-F238E27FC236}">
-                <a16:creationId xmlns:a16="http://schemas.microsoft.com/office/drawing/2014/main" id="{B4607238-8C7D-4D78-84F2-F7A098E30CB8}"/>
-              </a:ext>
-            </a:extLst>
-          </p:cNvPr>
-          <p:cNvSpPr/>
-          <p:nvPr/>
-        </p:nvSpPr>
-        <p:spPr>
-          <a:xfrm>
-            <a:off x="7833791" y="5193680"/>
-            <a:ext cx="1181873" cy="195274"/>
-          </a:xfrm>
-          <a:prstGeom prst="rightArrow">
-            <a:avLst/>
-          </a:prstGeom>
-          <a:solidFill>
-            <a:schemeClr val="bg1">
-              <a:lumMod val="85000"/>
-              <a:alpha val="50000"/>
-            </a:schemeClr>
-          </a:solidFill>
-          <a:ln w="3175">
-            <a:solidFill>
-              <a:schemeClr val="tx1"/>
-            </a:solidFill>
-          </a:ln>
-        </p:spPr>
-        <p:style>
-          <a:lnRef idx="2">
-            <a:schemeClr val="accent1">
-              <a:shade val="50000"/>
-            </a:schemeClr>
-          </a:lnRef>
-          <a:fillRef idx="1">
-            <a:schemeClr val="accent1"/>
-          </a:fillRef>
-          <a:effectRef idx="0">
-            <a:schemeClr val="accent1"/>
-          </a:effectRef>
-          <a:fontRef idx="minor">
-            <a:schemeClr val="lt1"/>
-          </a:fontRef>
-        </p:style>
-        <p:txBody>
-          <a:bodyPr rtlCol="0" anchor="ctr"/>
-          <a:lstStyle/>
-          <a:p>
-            <a:pPr algn="ctr"/>
-            <a:endParaRPr lang="en-US"/>
-          </a:p>
-        </p:txBody>
-      </p:sp>
-      <p:sp>
-        <p:nvSpPr>
-          <p:cNvPr id="85" name="Rectangle: Rounded Corners 84">
-            <a:extLst>
-              <a:ext uri="{FF2B5EF4-FFF2-40B4-BE49-F238E27FC236}">
-                <a16:creationId xmlns:a16="http://schemas.microsoft.com/office/drawing/2014/main" id="{273B4DFC-31D0-4628-97F5-2DCBBDB76C5E}"/>
-              </a:ext>
-            </a:extLst>
-          </p:cNvPr>
-          <p:cNvSpPr/>
-          <p:nvPr/>
-        </p:nvSpPr>
-        <p:spPr>
-          <a:xfrm>
-            <a:off x="9014890" y="3175562"/>
-            <a:ext cx="773014" cy="315181"/>
-          </a:xfrm>
-          <a:prstGeom prst="roundRect">
-            <a:avLst/>
-          </a:prstGeom>
-          <a:solidFill>
-            <a:srgbClr val="FFFF00"/>
-          </a:solidFill>
-          <a:ln>
-            <a:solidFill>
-              <a:schemeClr val="tx1"/>
-            </a:solidFill>
-          </a:ln>
-        </p:spPr>
-        <p:style>
-          <a:lnRef idx="2">
-            <a:schemeClr val="accent1">
-              <a:shade val="50000"/>
-            </a:schemeClr>
-          </a:lnRef>
-          <a:fillRef idx="1">
-            <a:schemeClr val="accent1"/>
-          </a:fillRef>
-          <a:effectRef idx="0">
-            <a:schemeClr val="accent1"/>
-          </a:effectRef>
-          <a:fontRef idx="minor">
-            <a:schemeClr val="lt1"/>
-          </a:fontRef>
-        </p:style>
-        <p:txBody>
-          <a:bodyPr rtlCol="0" anchor="ctr">
-            <a:noAutofit/>
-          </a:bodyPr>
-          <a:lstStyle/>
-          <a:p>
-            <a:pPr algn="ctr"/>
-            <a:r>
-              <a:rPr lang="en-US" sz="900" dirty="0">
-                <a:solidFill>
-                  <a:schemeClr val="tx1"/>
-                </a:solidFill>
-              </a:rPr>
-              <a:t>RPC</a:t>
-            </a:r>
-          </a:p>
-          <a:p>
-            <a:pPr algn="ctr"/>
-            <a:r>
-              <a:rPr lang="en-US" sz="900" dirty="0">
-                <a:solidFill>
-                  <a:schemeClr val="tx1"/>
-                </a:solidFill>
-              </a:rPr>
-              <a:t>Interface 3</a:t>
-            </a:r>
-          </a:p>
-        </p:txBody>
-      </p:sp>
-      <p:sp>
-        <p:nvSpPr>
-          <p:cNvPr id="86" name="Rectangle: Rounded Corners 85">
-            <a:extLst>
-              <a:ext uri="{FF2B5EF4-FFF2-40B4-BE49-F238E27FC236}">
-                <a16:creationId xmlns:a16="http://schemas.microsoft.com/office/drawing/2014/main" id="{97437B55-42EA-4700-9F7D-942614E78FB7}"/>
-              </a:ext>
-            </a:extLst>
-          </p:cNvPr>
-          <p:cNvSpPr/>
-          <p:nvPr/>
-        </p:nvSpPr>
-        <p:spPr>
-          <a:xfrm>
-            <a:off x="9013597" y="3725756"/>
-            <a:ext cx="773014" cy="315181"/>
-          </a:xfrm>
-          <a:prstGeom prst="roundRect">
-            <a:avLst/>
-          </a:prstGeom>
-          <a:solidFill>
-            <a:srgbClr val="FFFF00"/>
-          </a:solidFill>
-          <a:ln>
-            <a:solidFill>
-              <a:schemeClr val="tx1"/>
-            </a:solidFill>
-          </a:ln>
-        </p:spPr>
-        <p:style>
-          <a:lnRef idx="2">
-            <a:schemeClr val="accent1">
-              <a:shade val="50000"/>
-            </a:schemeClr>
-          </a:lnRef>
-          <a:fillRef idx="1">
-            <a:schemeClr val="accent1"/>
-          </a:fillRef>
-          <a:effectRef idx="0">
-            <a:schemeClr val="accent1"/>
-          </a:effectRef>
-          <a:fontRef idx="minor">
-            <a:schemeClr val="lt1"/>
-          </a:fontRef>
-        </p:style>
-        <p:txBody>
-          <a:bodyPr rtlCol="0" anchor="ctr">
-            <a:noAutofit/>
-          </a:bodyPr>
-          <a:lstStyle/>
-          <a:p>
-            <a:pPr algn="ctr"/>
-            <a:r>
-              <a:rPr lang="en-US" sz="900" dirty="0">
-                <a:solidFill>
-                  <a:schemeClr val="tx1"/>
-                </a:solidFill>
-              </a:rPr>
-              <a:t>RPC</a:t>
-            </a:r>
-          </a:p>
-          <a:p>
-            <a:pPr algn="ctr"/>
-            <a:r>
-              <a:rPr lang="en-US" sz="900" dirty="0">
-                <a:solidFill>
-                  <a:schemeClr val="tx1"/>
-                </a:solidFill>
-              </a:rPr>
-              <a:t>Interface 4</a:t>
-            </a:r>
-          </a:p>
-        </p:txBody>
-      </p:sp>
-      <p:sp>
-        <p:nvSpPr>
-          <p:cNvPr id="93" name="Arrow: Right 92">
-            <a:extLst>
-              <a:ext uri="{FF2B5EF4-FFF2-40B4-BE49-F238E27FC236}">
-                <a16:creationId xmlns:a16="http://schemas.microsoft.com/office/drawing/2014/main" id="{E7D69D89-2A8A-45F1-BB9D-587FFDFABAA3}"/>
-              </a:ext>
-            </a:extLst>
-          </p:cNvPr>
-          <p:cNvSpPr/>
-          <p:nvPr/>
-        </p:nvSpPr>
-        <p:spPr>
-          <a:xfrm rot="10800000">
-            <a:off x="7831724" y="3784759"/>
-            <a:ext cx="1181873" cy="195274"/>
-          </a:xfrm>
-          <a:prstGeom prst="rightArrow">
-            <a:avLst/>
-          </a:prstGeom>
-          <a:solidFill>
-            <a:schemeClr val="bg1">
-              <a:lumMod val="85000"/>
-              <a:alpha val="50000"/>
-            </a:schemeClr>
-          </a:solidFill>
-          <a:ln w="3175">
-            <a:solidFill>
-              <a:schemeClr val="tx1"/>
-            </a:solidFill>
-          </a:ln>
-        </p:spPr>
-        <p:style>
-          <a:lnRef idx="2">
-            <a:schemeClr val="accent1">
-              <a:shade val="50000"/>
-            </a:schemeClr>
-          </a:lnRef>
-          <a:fillRef idx="1">
-            <a:schemeClr val="accent1"/>
-          </a:fillRef>
-          <a:effectRef idx="0">
-            <a:schemeClr val="accent1"/>
-          </a:effectRef>
-          <a:fontRef idx="minor">
-            <a:schemeClr val="lt1"/>
-          </a:fontRef>
-        </p:style>
-        <p:txBody>
-          <a:bodyPr rtlCol="0" anchor="ctr"/>
-          <a:lstStyle/>
-          <a:p>
-            <a:pPr algn="ctr"/>
-            <a:endParaRPr lang="en-US"/>
-          </a:p>
-        </p:txBody>
-      </p:sp>
-      <p:sp>
-        <p:nvSpPr>
-          <p:cNvPr id="94" name="Rectangle: Rounded Corners 93">
-            <a:extLst>
-              <a:ext uri="{FF2B5EF4-FFF2-40B4-BE49-F238E27FC236}">
-                <a16:creationId xmlns:a16="http://schemas.microsoft.com/office/drawing/2014/main" id="{19BE0C3C-8F22-4261-813D-18FEE6715FD0}"/>
-              </a:ext>
-            </a:extLst>
-          </p:cNvPr>
-          <p:cNvSpPr/>
-          <p:nvPr/>
-        </p:nvSpPr>
-        <p:spPr>
-          <a:xfrm>
-            <a:off x="7061725" y="3726981"/>
-            <a:ext cx="773014" cy="315181"/>
-          </a:xfrm>
-          <a:prstGeom prst="roundRect">
-            <a:avLst/>
-          </a:prstGeom>
-          <a:solidFill>
-            <a:srgbClr val="FFCCFF"/>
-          </a:solidFill>
-          <a:ln>
-            <a:solidFill>
-              <a:schemeClr val="tx1"/>
-            </a:solidFill>
-          </a:ln>
-        </p:spPr>
-        <p:style>
-          <a:lnRef idx="2">
-            <a:schemeClr val="accent1">
-              <a:shade val="50000"/>
-            </a:schemeClr>
-          </a:lnRef>
-          <a:fillRef idx="1">
-            <a:schemeClr val="accent1"/>
-          </a:fillRef>
-          <a:effectRef idx="0">
-            <a:schemeClr val="accent1"/>
-          </a:effectRef>
-          <a:fontRef idx="minor">
-            <a:schemeClr val="lt1"/>
-          </a:fontRef>
-        </p:style>
-        <p:txBody>
-          <a:bodyPr rtlCol="0" anchor="ctr">
-            <a:noAutofit/>
-          </a:bodyPr>
-          <a:lstStyle/>
-          <a:p>
-            <a:pPr algn="ctr"/>
-            <a:r>
-              <a:rPr lang="en-US" sz="900" dirty="0">
-                <a:solidFill>
-                  <a:schemeClr val="tx1"/>
-                </a:solidFill>
-              </a:rPr>
-              <a:t>Client</a:t>
-            </a:r>
-          </a:p>
-          <a:p>
-            <a:pPr algn="ctr"/>
-            <a:r>
-              <a:rPr lang="en-US" sz="900" dirty="0">
-                <a:solidFill>
-                  <a:schemeClr val="tx1"/>
-                </a:solidFill>
-              </a:rPr>
-              <a:t>Stub 4</a:t>
-            </a:r>
-          </a:p>
-        </p:txBody>
-      </p:sp>
-      <p:sp>
-        <p:nvSpPr>
-          <p:cNvPr id="97" name="Arc 96">
-            <a:extLst>
-              <a:ext uri="{FF2B5EF4-FFF2-40B4-BE49-F238E27FC236}">
-                <a16:creationId xmlns:a16="http://schemas.microsoft.com/office/drawing/2014/main" id="{0CB09B23-6ABB-4498-ABDC-256D272EF6C1}"/>
-              </a:ext>
-            </a:extLst>
-          </p:cNvPr>
-          <p:cNvSpPr/>
-          <p:nvPr/>
-        </p:nvSpPr>
-        <p:spPr>
-          <a:xfrm rot="16200000">
-            <a:off x="6545463" y="3957538"/>
-            <a:ext cx="345042" cy="354369"/>
-          </a:xfrm>
-          <a:prstGeom prst="arc">
-            <a:avLst>
-              <a:gd name="adj1" fmla="val 16200000"/>
-              <a:gd name="adj2" fmla="val 5657069"/>
-            </a:avLst>
-          </a:prstGeom>
-          <a:ln w="12700">
-            <a:solidFill>
-              <a:schemeClr val="tx1"/>
-            </a:solidFill>
-          </a:ln>
-        </p:spPr>
-        <p:style>
-          <a:lnRef idx="1">
-            <a:schemeClr val="accent1"/>
-          </a:lnRef>
-          <a:fillRef idx="0">
-            <a:schemeClr val="accent1"/>
-          </a:fillRef>
-          <a:effectRef idx="0">
-            <a:schemeClr val="accent1"/>
-          </a:effectRef>
-          <a:fontRef idx="minor">
-            <a:schemeClr val="tx1"/>
-          </a:fontRef>
-        </p:style>
-        <p:txBody>
-          <a:bodyPr rtlCol="0" anchor="ctr"/>
-          <a:lstStyle/>
-          <a:p>
-            <a:pPr algn="ctr"/>
-            <a:endParaRPr lang="en-US"/>
-          </a:p>
-        </p:txBody>
-      </p:sp>
-      <p:cxnSp>
-        <p:nvCxnSpPr>
-          <p:cNvPr id="98" name="Straight Connector 97">
-            <a:extLst>
-              <a:ext uri="{FF2B5EF4-FFF2-40B4-BE49-F238E27FC236}">
-                <a16:creationId xmlns:a16="http://schemas.microsoft.com/office/drawing/2014/main" id="{7C9BCC6E-9426-4AA3-A674-C56BDF7EB87B}"/>
-              </a:ext>
-            </a:extLst>
-          </p:cNvPr>
-          <p:cNvCxnSpPr>
-            <a:cxnSpLocks/>
-          </p:cNvCxnSpPr>
-          <p:nvPr/>
-        </p:nvCxnSpPr>
-        <p:spPr>
-          <a:xfrm flipV="1">
-            <a:off x="6853756" y="3898992"/>
-            <a:ext cx="218502" cy="112313"/>
-          </a:xfrm>
-          <a:prstGeom prst="line">
-            <a:avLst/>
-          </a:prstGeom>
-          <a:ln w="12700">
-            <a:solidFill>
-              <a:schemeClr val="tx1"/>
-            </a:solidFill>
-          </a:ln>
-        </p:spPr>
-        <p:style>
-          <a:lnRef idx="1">
-            <a:schemeClr val="accent1"/>
-          </a:lnRef>
-          <a:fillRef idx="0">
-            <a:schemeClr val="accent1"/>
-          </a:fillRef>
-          <a:effectRef idx="0">
-            <a:schemeClr val="accent1"/>
-          </a:effectRef>
-          <a:fontRef idx="minor">
-            <a:schemeClr val="tx1"/>
-          </a:fontRef>
-        </p:style>
-      </p:cxnSp>
-      <p:grpSp>
-        <p:nvGrpSpPr>
-          <p:cNvPr id="99" name="Group 98">
-            <a:extLst>
-              <a:ext uri="{FF2B5EF4-FFF2-40B4-BE49-F238E27FC236}">
-                <a16:creationId xmlns:a16="http://schemas.microsoft.com/office/drawing/2014/main" id="{60920550-5496-4F28-BE05-0639D863A59B}"/>
-              </a:ext>
-            </a:extLst>
-          </p:cNvPr>
-          <p:cNvGrpSpPr/>
-          <p:nvPr/>
-        </p:nvGrpSpPr>
-        <p:grpSpPr>
-          <a:xfrm rot="2234251">
-            <a:off x="6604981" y="4943687"/>
-            <a:ext cx="501385" cy="281652"/>
-            <a:chOff x="6178840" y="3206121"/>
-            <a:chExt cx="501385" cy="281652"/>
-          </a:xfrm>
-        </p:grpSpPr>
-        <p:cxnSp>
-          <p:nvCxnSpPr>
-            <p:cNvPr id="100" name="Straight Connector 99">
-              <a:extLst>
-                <a:ext uri="{FF2B5EF4-FFF2-40B4-BE49-F238E27FC236}">
-                  <a16:creationId xmlns:a16="http://schemas.microsoft.com/office/drawing/2014/main" id="{3EE7D2B9-6935-4F15-95FD-8EABF7F3EA59}"/>
-                </a:ext>
-              </a:extLst>
-            </p:cNvPr>
-            <p:cNvCxnSpPr>
-              <a:cxnSpLocks/>
-              <a:endCxn id="101" idx="6"/>
-            </p:cNvCxnSpPr>
-            <p:nvPr/>
-          </p:nvCxnSpPr>
-          <p:spPr>
-            <a:xfrm flipH="1">
-              <a:off x="6465413" y="3340791"/>
-              <a:ext cx="214812" cy="6156"/>
-            </a:xfrm>
-            <a:prstGeom prst="line">
-              <a:avLst/>
-            </a:prstGeom>
-            <a:ln w="12700">
-              <a:solidFill>
-                <a:schemeClr val="tx1"/>
-              </a:solidFill>
-            </a:ln>
-          </p:spPr>
-          <p:style>
-            <a:lnRef idx="1">
-              <a:schemeClr val="accent1"/>
-            </a:lnRef>
-            <a:fillRef idx="0">
-              <a:schemeClr val="accent1"/>
-            </a:fillRef>
-            <a:effectRef idx="0">
-              <a:schemeClr val="accent1"/>
-            </a:effectRef>
-            <a:fontRef idx="minor">
-              <a:schemeClr val="tx1"/>
-            </a:fontRef>
-          </p:style>
-        </p:cxnSp>
-        <p:sp>
-          <p:nvSpPr>
-            <p:cNvPr id="101" name="Oval 100">
-              <a:extLst>
-                <a:ext uri="{FF2B5EF4-FFF2-40B4-BE49-F238E27FC236}">
-                  <a16:creationId xmlns:a16="http://schemas.microsoft.com/office/drawing/2014/main" id="{F03E6CAF-18FE-428E-8282-4377FAABBC8F}"/>
-                </a:ext>
-              </a:extLst>
-            </p:cNvPr>
-            <p:cNvSpPr/>
-            <p:nvPr/>
-          </p:nvSpPr>
-          <p:spPr>
-            <a:xfrm>
-              <a:off x="6178840" y="3206121"/>
-              <a:ext cx="286573" cy="281652"/>
-            </a:xfrm>
-            <a:prstGeom prst="ellipse">
-              <a:avLst/>
-            </a:prstGeom>
-            <a:noFill/>
-            <a:ln>
-              <a:solidFill>
-                <a:schemeClr val="tx1"/>
-              </a:solidFill>
-            </a:ln>
-          </p:spPr>
-          <p:style>
-            <a:lnRef idx="2">
-              <a:schemeClr val="accent1">
-                <a:shade val="50000"/>
-              </a:schemeClr>
-            </a:lnRef>
-            <a:fillRef idx="1">
-              <a:schemeClr val="accent1"/>
-            </a:fillRef>
-            <a:effectRef idx="0">
-              <a:schemeClr val="accent1"/>
-            </a:effectRef>
-            <a:fontRef idx="minor">
-              <a:schemeClr val="lt1"/>
-            </a:fontRef>
-          </p:style>
-          <p:txBody>
-            <a:bodyPr rtlCol="0" anchor="ctr"/>
-            <a:lstStyle/>
-            <a:p>
-              <a:pPr algn="ctr"/>
-              <a:endParaRPr lang="en-US"/>
-            </a:p>
-          </p:txBody>
-        </p:sp>
-      </p:grpSp>
-      <p:cxnSp>
-        <p:nvCxnSpPr>
-          <p:cNvPr id="102" name="Straight Connector 101">
-            <a:extLst>
-              <a:ext uri="{FF2B5EF4-FFF2-40B4-BE49-F238E27FC236}">
-                <a16:creationId xmlns:a16="http://schemas.microsoft.com/office/drawing/2014/main" id="{C10D459B-0498-4B9E-9B2F-E3B3BBA11623}"/>
-              </a:ext>
-            </a:extLst>
-          </p:cNvPr>
-          <p:cNvCxnSpPr>
-            <a:cxnSpLocks/>
-          </p:cNvCxnSpPr>
-          <p:nvPr/>
-        </p:nvCxnSpPr>
-        <p:spPr>
-          <a:xfrm flipH="1" flipV="1">
-            <a:off x="6731503" y="4134722"/>
-            <a:ext cx="38660" cy="667815"/>
-          </a:xfrm>
-          <a:prstGeom prst="line">
-            <a:avLst/>
-          </a:prstGeom>
-          <a:ln w="12700">
-            <a:solidFill>
-              <a:schemeClr val="bg1">
-                <a:lumMod val="50000"/>
-              </a:schemeClr>
-            </a:solidFill>
-            <a:prstDash val="dash"/>
-            <a:headEnd type="arrow"/>
-          </a:ln>
-        </p:spPr>
-        <p:style>
-          <a:lnRef idx="1">
-            <a:schemeClr val="accent1"/>
-          </a:lnRef>
-          <a:fillRef idx="0">
-            <a:schemeClr val="accent1"/>
-          </a:fillRef>
-          <a:effectRef idx="0">
-            <a:schemeClr val="accent1"/>
-          </a:effectRef>
-          <a:fontRef idx="minor">
-            <a:schemeClr val="tx1"/>
-          </a:fontRef>
-        </p:style>
-      </p:cxnSp>
-      <p:sp>
-        <p:nvSpPr>
-          <p:cNvPr id="106" name="TextBox 105">
-            <a:extLst>
-              <a:ext uri="{FF2B5EF4-FFF2-40B4-BE49-F238E27FC236}">
-                <a16:creationId xmlns:a16="http://schemas.microsoft.com/office/drawing/2014/main" id="{1555E085-3FC1-436E-BB4B-7480DABCF48C}"/>
-              </a:ext>
-            </a:extLst>
-          </p:cNvPr>
-          <p:cNvSpPr txBox="1"/>
-          <p:nvPr/>
-        </p:nvSpPr>
-        <p:spPr>
-          <a:xfrm>
-            <a:off x="5383445" y="592472"/>
-            <a:ext cx="1425110" cy="523220"/>
-          </a:xfrm>
-          <a:prstGeom prst="rect">
-            <a:avLst/>
-          </a:prstGeom>
-          <a:noFill/>
-        </p:spPr>
-        <p:txBody>
-          <a:bodyPr wrap="square" rtlCol="0">
-            <a:spAutoFit/>
-          </a:bodyPr>
-          <a:lstStyle/>
-          <a:p>
-            <a:pPr algn="ctr"/>
-            <a:r>
-              <a:rPr lang="en-US" sz="1400" dirty="0"/>
-              <a:t>Configured Transport</a:t>
-            </a:r>
-          </a:p>
-        </p:txBody>
-      </p:sp>
-    </p:spTree>
-    <p:extLst>
-      <p:ext uri="{BB962C8B-B14F-4D97-AF65-F5344CB8AC3E}">
-        <p14:creationId xmlns:p14="http://schemas.microsoft.com/office/powerpoint/2010/main" val="643334612"/>
-      </p:ext>
-    </p:extLst>
-  </p:cSld>
-  <p:clrMapOvr>
-    <a:masterClrMapping/>
-  </p:clrMapOvr>
-  <mc:AlternateContent xmlns:mc="http://schemas.openxmlformats.org/markup-compatibility/2006" xmlns:p14="http://schemas.microsoft.com/office/powerpoint/2010/main">
-    <mc:Choice Requires="p14">
-      <p:transition spd="med" p14:dur="700">
-        <p:fade/>
-      </p:transition>
-    </mc:Choice>
-    <mc:Fallback xmlns="">
-      <p:transition spd="med">
-        <p:fade/>
-      </p:transition>
-    </mc:Fallback>
-  </mc:AlternateContent>
-</p:sld>
-</file>
-
 <file path=ppt/theme/theme1.xml><?xml version="1.0" encoding="utf-8"?>
 <a:theme xmlns:a="http://schemas.openxmlformats.org/drawingml/2006/main" name="Body Slides Master">
   <a:themeElements>

--- a/docs/overview/SoftwareArchitecture.pptx
+++ b/docs/overview/SoftwareArchitecture.pptx
@@ -8065,13 +8065,13 @@
           <a:prstGeom prst="line">
             <a:avLst/>
           </a:prstGeom>
-          <a:ln w="12700">
+          <a:ln w="19050">
             <a:solidFill>
               <a:schemeClr val="bg1">
                 <a:lumMod val="50000"/>
               </a:schemeClr>
             </a:solidFill>
-            <a:prstDash val="dash"/>
+            <a:prstDash val="lgDashDot"/>
             <a:headEnd type="arrow"/>
           </a:ln>
         </p:spPr>
@@ -11569,13 +11569,13 @@
           <a:prstGeom prst="line">
             <a:avLst/>
           </a:prstGeom>
-          <a:ln w="12700">
+          <a:ln w="19050">
             <a:solidFill>
               <a:schemeClr val="bg1">
                 <a:lumMod val="50000"/>
               </a:schemeClr>
             </a:solidFill>
-            <a:prstDash val="dash"/>
+            <a:prstDash val="dashDot"/>
             <a:headEnd type="arrow"/>
           </a:ln>
         </p:spPr>
@@ -33228,13 +33228,13 @@
           <a:prstGeom prst="line">
             <a:avLst/>
           </a:prstGeom>
-          <a:ln w="12700">
+          <a:ln w="19050">
             <a:solidFill>
               <a:schemeClr val="bg1">
                 <a:lumMod val="50000"/>
               </a:schemeClr>
             </a:solidFill>
-            <a:prstDash val="dash"/>
+            <a:prstDash val="lgDashDot"/>
             <a:headEnd type="arrow"/>
           </a:ln>
         </p:spPr>
